--- a/data/땅파기 맵 설계.pptx
+++ b/data/땅파기 맵 설계.pptx
@@ -11427,8 +11427,8 @@
         </p:blipFill>
         <p:spPr>
           <a:xfrm>
-            <a:off x="5693825" y="2855687"/>
-            <a:ext cx="1000571" cy="952500"/>
+            <a:off x="5683645" y="2847942"/>
+            <a:ext cx="1000571" cy="979244"/>
           </a:xfrm>
           <a:prstGeom prst="rect">
             <a:avLst/>
@@ -12547,10 +12547,10 @@
       </p:pic>
       <p:pic>
         <p:nvPicPr>
-          <p:cNvPr id="137" name="그림 136" descr="갈색, 지상이(가) 표시된 사진&#10;&#10;자동 생성된 설명">
-            <a:extLst>
-              <a:ext uri="{FF2B5EF4-FFF2-40B4-BE49-F238E27FC236}">
-                <a16:creationId xmlns:a16="http://schemas.microsoft.com/office/drawing/2014/main" id="{8F356034-2179-AD27-C72F-5A4D5B8AFC90}"/>
+          <p:cNvPr id="138" name="그림 137" descr="갈색, 지상이(가) 표시된 사진&#10;&#10;자동 생성된 설명">
+            <a:extLst>
+              <a:ext uri="{FF2B5EF4-FFF2-40B4-BE49-F238E27FC236}">
+                <a16:creationId xmlns:a16="http://schemas.microsoft.com/office/drawing/2014/main" id="{41B2869A-3978-F085-CEB7-C21406BCB1F3}"/>
               </a:ext>
             </a:extLst>
           </p:cNvPr>
@@ -12573,42 +12573,6 @@
         </p:blipFill>
         <p:spPr>
           <a:xfrm>
-            <a:off x="10449791" y="4762382"/>
-            <a:ext cx="952500" cy="952500"/>
-          </a:xfrm>
-          <a:prstGeom prst="rect">
-            <a:avLst/>
-          </a:prstGeom>
-        </p:spPr>
-      </p:pic>
-      <p:pic>
-        <p:nvPicPr>
-          <p:cNvPr id="138" name="그림 137" descr="갈색, 지상이(가) 표시된 사진&#10;&#10;자동 생성된 설명">
-            <a:extLst>
-              <a:ext uri="{FF2B5EF4-FFF2-40B4-BE49-F238E27FC236}">
-                <a16:creationId xmlns:a16="http://schemas.microsoft.com/office/drawing/2014/main" id="{41B2869A-3978-F085-CEB7-C21406BCB1F3}"/>
-              </a:ext>
-            </a:extLst>
-          </p:cNvPr>
-          <p:cNvPicPr>
-            <a:picLocks noChangeAspect="1"/>
-          </p:cNvPicPr>
-          <p:nvPr/>
-        </p:nvPicPr>
-        <p:blipFill>
-          <a:blip r:embed="rId3">
-            <a:extLst>
-              <a:ext uri="{28A0092B-C50C-407E-A947-70E740481C1C}">
-                <a14:useLocalDpi xmlns:a14="http://schemas.microsoft.com/office/drawing/2010/main" val="0"/>
-              </a:ext>
-            </a:extLst>
-          </a:blip>
-          <a:stretch>
-            <a:fillRect/>
-          </a:stretch>
-        </p:blipFill>
-        <p:spPr>
-          <a:xfrm>
             <a:off x="11402291" y="4762382"/>
             <a:ext cx="952500" cy="952500"/>
           </a:xfrm>
@@ -12645,8 +12609,8 @@
         </p:blipFill>
         <p:spPr>
           <a:xfrm>
-            <a:off x="5699853" y="5676884"/>
-            <a:ext cx="952500" cy="952500"/>
+            <a:off x="5678748" y="5676884"/>
+            <a:ext cx="1005468" cy="952500"/>
           </a:xfrm>
           <a:prstGeom prst="rect">
             <a:avLst/>
@@ -13151,6 +13115,42 @@
           <a:xfrm>
             <a:off x="-4355" y="4745166"/>
             <a:ext cx="952500" cy="952500"/>
+          </a:xfrm>
+          <a:prstGeom prst="rect">
+            <a:avLst/>
+          </a:prstGeom>
+        </p:spPr>
+      </p:pic>
+      <p:pic>
+        <p:nvPicPr>
+          <p:cNvPr id="3" name="그림 2">
+            <a:extLst>
+              <a:ext uri="{FF2B5EF4-FFF2-40B4-BE49-F238E27FC236}">
+                <a16:creationId xmlns:a16="http://schemas.microsoft.com/office/drawing/2014/main" id="{EA08468D-297F-4645-BB47-DA4B8E929958}"/>
+              </a:ext>
+            </a:extLst>
+          </p:cNvPr>
+          <p:cNvPicPr>
+            <a:picLocks noChangeAspect="1"/>
+          </p:cNvPicPr>
+          <p:nvPr/>
+        </p:nvPicPr>
+        <p:blipFill>
+          <a:blip r:embed="rId8">
+            <a:extLst>
+              <a:ext uri="{28A0092B-C50C-407E-A947-70E740481C1C}">
+                <a14:useLocalDpi xmlns:a14="http://schemas.microsoft.com/office/drawing/2010/main" val="0"/>
+              </a:ext>
+            </a:extLst>
+          </a:blip>
+          <a:stretch>
+            <a:fillRect/>
+          </a:stretch>
+        </p:blipFill>
+        <p:spPr>
+          <a:xfrm>
+            <a:off x="10465377" y="4743442"/>
+            <a:ext cx="952633" cy="952633"/>
           </a:xfrm>
           <a:prstGeom prst="rect">
             <a:avLst/>
@@ -13729,42 +13729,6 @@
       </p:pic>
       <p:pic>
         <p:nvPicPr>
-          <p:cNvPr id="25" name="그림 24">
-            <a:extLst>
-              <a:ext uri="{FF2B5EF4-FFF2-40B4-BE49-F238E27FC236}">
-                <a16:creationId xmlns:a16="http://schemas.microsoft.com/office/drawing/2014/main" id="{094DC5BB-25C1-3DF7-1B06-D9329525F543}"/>
-              </a:ext>
-            </a:extLst>
-          </p:cNvPr>
-          <p:cNvPicPr>
-            <a:picLocks noChangeAspect="1"/>
-          </p:cNvPicPr>
-          <p:nvPr/>
-        </p:nvPicPr>
-        <p:blipFill>
-          <a:blip r:embed="rId2">
-            <a:extLst>
-              <a:ext uri="{28A0092B-C50C-407E-A947-70E740481C1C}">
-                <a14:useLocalDpi xmlns:a14="http://schemas.microsoft.com/office/drawing/2010/main" val="0"/>
-              </a:ext>
-            </a:extLst>
-          </a:blip>
-          <a:stretch>
-            <a:fillRect/>
-          </a:stretch>
-        </p:blipFill>
-        <p:spPr>
-          <a:xfrm>
-            <a:off x="940377" y="952500"/>
-            <a:ext cx="952500" cy="952500"/>
-          </a:xfrm>
-          <a:prstGeom prst="rect">
-            <a:avLst/>
-          </a:prstGeom>
-        </p:spPr>
-      </p:pic>
-      <p:pic>
-        <p:nvPicPr>
           <p:cNvPr id="26" name="그림 25">
             <a:extLst>
               <a:ext uri="{FF2B5EF4-FFF2-40B4-BE49-F238E27FC236}">
@@ -13837,42 +13801,6 @@
       </p:pic>
       <p:pic>
         <p:nvPicPr>
-          <p:cNvPr id="28" name="그림 27">
-            <a:extLst>
-              <a:ext uri="{FF2B5EF4-FFF2-40B4-BE49-F238E27FC236}">
-                <a16:creationId xmlns:a16="http://schemas.microsoft.com/office/drawing/2014/main" id="{FB229728-B5FA-131B-0B13-09C61D0DC27A}"/>
-              </a:ext>
-            </a:extLst>
-          </p:cNvPr>
-          <p:cNvPicPr>
-            <a:picLocks noChangeAspect="1"/>
-          </p:cNvPicPr>
-          <p:nvPr/>
-        </p:nvPicPr>
-        <p:blipFill>
-          <a:blip r:embed="rId2">
-            <a:extLst>
-              <a:ext uri="{28A0092B-C50C-407E-A947-70E740481C1C}">
-                <a14:useLocalDpi xmlns:a14="http://schemas.microsoft.com/office/drawing/2010/main" val="0"/>
-              </a:ext>
-            </a:extLst>
-          </a:blip>
-          <a:stretch>
-            <a:fillRect/>
-          </a:stretch>
-        </p:blipFill>
-        <p:spPr>
-          <a:xfrm>
-            <a:off x="4707081" y="952500"/>
-            <a:ext cx="952500" cy="952500"/>
-          </a:xfrm>
-          <a:prstGeom prst="rect">
-            <a:avLst/>
-          </a:prstGeom>
-        </p:spPr>
-      </p:pic>
-      <p:pic>
-        <p:nvPicPr>
           <p:cNvPr id="29" name="그림 28">
             <a:extLst>
               <a:ext uri="{FF2B5EF4-FFF2-40B4-BE49-F238E27FC236}">
@@ -13981,42 +13909,6 @@
       </p:pic>
       <p:pic>
         <p:nvPicPr>
-          <p:cNvPr id="32" name="그림 31">
-            <a:extLst>
-              <a:ext uri="{FF2B5EF4-FFF2-40B4-BE49-F238E27FC236}">
-                <a16:creationId xmlns:a16="http://schemas.microsoft.com/office/drawing/2014/main" id="{E68B939A-6D57-F77A-19FC-DD860F7D3798}"/>
-              </a:ext>
-            </a:extLst>
-          </p:cNvPr>
-          <p:cNvPicPr>
-            <a:picLocks noChangeAspect="1"/>
-          </p:cNvPicPr>
-          <p:nvPr/>
-        </p:nvPicPr>
-        <p:blipFill>
-          <a:blip r:embed="rId2">
-            <a:extLst>
-              <a:ext uri="{28A0092B-C50C-407E-A947-70E740481C1C}">
-                <a14:useLocalDpi xmlns:a14="http://schemas.microsoft.com/office/drawing/2010/main" val="0"/>
-              </a:ext>
-            </a:extLst>
-          </a:blip>
-          <a:stretch>
-            <a:fillRect/>
-          </a:stretch>
-        </p:blipFill>
-        <p:spPr>
-          <a:xfrm>
-            <a:off x="7564121" y="952500"/>
-            <a:ext cx="952500" cy="952500"/>
-          </a:xfrm>
-          <a:prstGeom prst="rect">
-            <a:avLst/>
-          </a:prstGeom>
-        </p:spPr>
-      </p:pic>
-      <p:pic>
-        <p:nvPicPr>
           <p:cNvPr id="33" name="그림 32">
             <a:extLst>
               <a:ext uri="{FF2B5EF4-FFF2-40B4-BE49-F238E27FC236}">
@@ -14197,42 +14089,6 @@
       </p:pic>
       <p:pic>
         <p:nvPicPr>
-          <p:cNvPr id="38" name="그림 37">
-            <a:extLst>
-              <a:ext uri="{FF2B5EF4-FFF2-40B4-BE49-F238E27FC236}">
-                <a16:creationId xmlns:a16="http://schemas.microsoft.com/office/drawing/2014/main" id="{07ABA64A-54B5-F322-B270-CA03306FDDE3}"/>
-              </a:ext>
-            </a:extLst>
-          </p:cNvPr>
-          <p:cNvPicPr>
-            <a:picLocks noChangeAspect="1"/>
-          </p:cNvPicPr>
-          <p:nvPr/>
-        </p:nvPicPr>
-        <p:blipFill>
-          <a:blip r:embed="rId2">
-            <a:extLst>
-              <a:ext uri="{28A0092B-C50C-407E-A947-70E740481C1C}">
-                <a14:useLocalDpi xmlns:a14="http://schemas.microsoft.com/office/drawing/2010/main" val="0"/>
-              </a:ext>
-            </a:extLst>
-          </a:blip>
-          <a:stretch>
-            <a:fillRect/>
-          </a:stretch>
-        </p:blipFill>
-        <p:spPr>
-          <a:xfrm>
-            <a:off x="1895474" y="1905000"/>
-            <a:ext cx="952500" cy="952500"/>
-          </a:xfrm>
-          <a:prstGeom prst="rect">
-            <a:avLst/>
-          </a:prstGeom>
-        </p:spPr>
-      </p:pic>
-      <p:pic>
-        <p:nvPicPr>
           <p:cNvPr id="39" name="그림 38">
             <a:extLst>
               <a:ext uri="{FF2B5EF4-FFF2-40B4-BE49-F238E27FC236}">
@@ -14521,42 +14377,6 @@
       </p:pic>
       <p:pic>
         <p:nvPicPr>
-          <p:cNvPr id="47" name="그림 46">
-            <a:extLst>
-              <a:ext uri="{FF2B5EF4-FFF2-40B4-BE49-F238E27FC236}">
-                <a16:creationId xmlns:a16="http://schemas.microsoft.com/office/drawing/2014/main" id="{2E1BE1F0-D2CB-8ADB-5D73-31B318751D73}"/>
-              </a:ext>
-            </a:extLst>
-          </p:cNvPr>
-          <p:cNvPicPr>
-            <a:picLocks noChangeAspect="1"/>
-          </p:cNvPicPr>
-          <p:nvPr/>
-        </p:nvPicPr>
-        <p:blipFill>
-          <a:blip r:embed="rId2">
-            <a:extLst>
-              <a:ext uri="{28A0092B-C50C-407E-A947-70E740481C1C}">
-                <a14:useLocalDpi xmlns:a14="http://schemas.microsoft.com/office/drawing/2010/main" val="0"/>
-              </a:ext>
-            </a:extLst>
-          </a:blip>
-          <a:stretch>
-            <a:fillRect/>
-          </a:stretch>
-        </p:blipFill>
-        <p:spPr>
-          <a:xfrm>
-            <a:off x="10374402" y="1905000"/>
-            <a:ext cx="952500" cy="952500"/>
-          </a:xfrm>
-          <a:prstGeom prst="rect">
-            <a:avLst/>
-          </a:prstGeom>
-        </p:spPr>
-      </p:pic>
-      <p:pic>
-        <p:nvPicPr>
           <p:cNvPr id="48" name="그림 47">
             <a:extLst>
               <a:ext uri="{FF2B5EF4-FFF2-40B4-BE49-F238E27FC236}">
@@ -14593,42 +14413,6 @@
       </p:pic>
       <p:pic>
         <p:nvPicPr>
-          <p:cNvPr id="49" name="그림 48">
-            <a:extLst>
-              <a:ext uri="{FF2B5EF4-FFF2-40B4-BE49-F238E27FC236}">
-                <a16:creationId xmlns:a16="http://schemas.microsoft.com/office/drawing/2014/main" id="{C98D2232-7227-2C30-3FB1-132B37263BC4}"/>
-              </a:ext>
-            </a:extLst>
-          </p:cNvPr>
-          <p:cNvPicPr>
-            <a:picLocks noChangeAspect="1"/>
-          </p:cNvPicPr>
-          <p:nvPr/>
-        </p:nvPicPr>
-        <p:blipFill>
-          <a:blip r:embed="rId2">
-            <a:extLst>
-              <a:ext uri="{28A0092B-C50C-407E-A947-70E740481C1C}">
-                <a14:useLocalDpi xmlns:a14="http://schemas.microsoft.com/office/drawing/2010/main" val="0"/>
-              </a:ext>
-            </a:extLst>
-          </a:blip>
-          <a:stretch>
-            <a:fillRect/>
-          </a:stretch>
-        </p:blipFill>
-        <p:spPr>
-          <a:xfrm>
-            <a:off x="-2679" y="2857500"/>
-            <a:ext cx="952500" cy="952500"/>
-          </a:xfrm>
-          <a:prstGeom prst="rect">
-            <a:avLst/>
-          </a:prstGeom>
-        </p:spPr>
-      </p:pic>
-      <p:pic>
-        <p:nvPicPr>
           <p:cNvPr id="50" name="그림 49">
             <a:extLst>
               <a:ext uri="{FF2B5EF4-FFF2-40B4-BE49-F238E27FC236}">
@@ -14701,42 +14485,6 @@
       </p:pic>
       <p:pic>
         <p:nvPicPr>
-          <p:cNvPr id="52" name="그림 51">
-            <a:extLst>
-              <a:ext uri="{FF2B5EF4-FFF2-40B4-BE49-F238E27FC236}">
-                <a16:creationId xmlns:a16="http://schemas.microsoft.com/office/drawing/2014/main" id="{CE88BD20-2FDC-2AE8-7065-B8D91B8BCD11}"/>
-              </a:ext>
-            </a:extLst>
-          </p:cNvPr>
-          <p:cNvPicPr>
-            <a:picLocks noChangeAspect="1"/>
-          </p:cNvPicPr>
-          <p:nvPr/>
-        </p:nvPicPr>
-        <p:blipFill>
-          <a:blip r:embed="rId2">
-            <a:extLst>
-              <a:ext uri="{28A0092B-C50C-407E-A947-70E740481C1C}">
-                <a14:useLocalDpi xmlns:a14="http://schemas.microsoft.com/office/drawing/2010/main" val="0"/>
-              </a:ext>
-            </a:extLst>
-          </a:blip>
-          <a:stretch>
-            <a:fillRect/>
-          </a:stretch>
-        </p:blipFill>
-        <p:spPr>
-          <a:xfrm>
-            <a:off x="2822430" y="2857500"/>
-            <a:ext cx="952500" cy="952500"/>
-          </a:xfrm>
-          <a:prstGeom prst="rect">
-            <a:avLst/>
-          </a:prstGeom>
-        </p:spPr>
-      </p:pic>
-      <p:pic>
-        <p:nvPicPr>
           <p:cNvPr id="53" name="그림 52">
             <a:extLst>
               <a:ext uri="{FF2B5EF4-FFF2-40B4-BE49-F238E27FC236}">
@@ -14773,42 +14521,6 @@
       </p:pic>
       <p:pic>
         <p:nvPicPr>
-          <p:cNvPr id="54" name="그림 53">
-            <a:extLst>
-              <a:ext uri="{FF2B5EF4-FFF2-40B4-BE49-F238E27FC236}">
-                <a16:creationId xmlns:a16="http://schemas.microsoft.com/office/drawing/2014/main" id="{09A8DB68-E666-A3ED-1333-C809DBD6D852}"/>
-              </a:ext>
-            </a:extLst>
-          </p:cNvPr>
-          <p:cNvPicPr>
-            <a:picLocks noChangeAspect="1"/>
-          </p:cNvPicPr>
-          <p:nvPr/>
-        </p:nvPicPr>
-        <p:blipFill>
-          <a:blip r:embed="rId2">
-            <a:extLst>
-              <a:ext uri="{28A0092B-C50C-407E-A947-70E740481C1C}">
-                <a14:useLocalDpi xmlns:a14="http://schemas.microsoft.com/office/drawing/2010/main" val="0"/>
-              </a:ext>
-            </a:extLst>
-          </a:blip>
-          <a:stretch>
-            <a:fillRect/>
-          </a:stretch>
-        </p:blipFill>
-        <p:spPr>
-          <a:xfrm>
-            <a:off x="4715524" y="2857500"/>
-            <a:ext cx="952500" cy="952500"/>
-          </a:xfrm>
-          <a:prstGeom prst="rect">
-            <a:avLst/>
-          </a:prstGeom>
-        </p:spPr>
-      </p:pic>
-      <p:pic>
-        <p:nvPicPr>
           <p:cNvPr id="55" name="그림 54">
             <a:extLst>
               <a:ext uri="{FF2B5EF4-FFF2-40B4-BE49-F238E27FC236}">
@@ -14845,42 +14557,6 @@
       </p:pic>
       <p:pic>
         <p:nvPicPr>
-          <p:cNvPr id="56" name="그림 55">
-            <a:extLst>
-              <a:ext uri="{FF2B5EF4-FFF2-40B4-BE49-F238E27FC236}">
-                <a16:creationId xmlns:a16="http://schemas.microsoft.com/office/drawing/2014/main" id="{5E5F526B-748A-87CC-E09B-11B5AA3ADDB1}"/>
-              </a:ext>
-            </a:extLst>
-          </p:cNvPr>
-          <p:cNvPicPr>
-            <a:picLocks noChangeAspect="1"/>
-          </p:cNvPicPr>
-          <p:nvPr/>
-        </p:nvPicPr>
-        <p:blipFill>
-          <a:blip r:embed="rId2">
-            <a:extLst>
-              <a:ext uri="{28A0092B-C50C-407E-A947-70E740481C1C}">
-                <a14:useLocalDpi xmlns:a14="http://schemas.microsoft.com/office/drawing/2010/main" val="0"/>
-              </a:ext>
-            </a:extLst>
-          </a:blip>
-          <a:stretch>
-            <a:fillRect/>
-          </a:stretch>
-        </p:blipFill>
-        <p:spPr>
-          <a:xfrm>
-            <a:off x="6607291" y="2857500"/>
-            <a:ext cx="952500" cy="952500"/>
-          </a:xfrm>
-          <a:prstGeom prst="rect">
-            <a:avLst/>
-          </a:prstGeom>
-        </p:spPr>
-      </p:pic>
-      <p:pic>
-        <p:nvPicPr>
           <p:cNvPr id="57" name="그림 56">
             <a:extLst>
               <a:ext uri="{FF2B5EF4-FFF2-40B4-BE49-F238E27FC236}">
@@ -14917,42 +14593,6 @@
       </p:pic>
       <p:pic>
         <p:nvPicPr>
-          <p:cNvPr id="58" name="그림 57">
-            <a:extLst>
-              <a:ext uri="{FF2B5EF4-FFF2-40B4-BE49-F238E27FC236}">
-                <a16:creationId xmlns:a16="http://schemas.microsoft.com/office/drawing/2014/main" id="{9F060A65-BD52-6D8F-E44B-879252115343}"/>
-              </a:ext>
-            </a:extLst>
-          </p:cNvPr>
-          <p:cNvPicPr>
-            <a:picLocks noChangeAspect="1"/>
-          </p:cNvPicPr>
-          <p:nvPr/>
-        </p:nvPicPr>
-        <p:blipFill>
-          <a:blip r:embed="rId2">
-            <a:extLst>
-              <a:ext uri="{28A0092B-C50C-407E-A947-70E740481C1C}">
-                <a14:useLocalDpi xmlns:a14="http://schemas.microsoft.com/office/drawing/2010/main" val="0"/>
-              </a:ext>
-            </a:extLst>
-          </a:blip>
-          <a:stretch>
-            <a:fillRect/>
-          </a:stretch>
-        </p:blipFill>
-        <p:spPr>
-          <a:xfrm>
-            <a:off x="8505364" y="2857500"/>
-            <a:ext cx="952500" cy="952500"/>
-          </a:xfrm>
-          <a:prstGeom prst="rect">
-            <a:avLst/>
-          </a:prstGeom>
-        </p:spPr>
-      </p:pic>
-      <p:pic>
-        <p:nvPicPr>
           <p:cNvPr id="59" name="그림 58">
             <a:extLst>
               <a:ext uri="{FF2B5EF4-FFF2-40B4-BE49-F238E27FC236}">
@@ -15277,42 +14917,6 @@
       </p:pic>
       <p:pic>
         <p:nvPicPr>
-          <p:cNvPr id="68" name="그림 67">
-            <a:extLst>
-              <a:ext uri="{FF2B5EF4-FFF2-40B4-BE49-F238E27FC236}">
-                <a16:creationId xmlns:a16="http://schemas.microsoft.com/office/drawing/2014/main" id="{317D5079-1F47-CD59-5339-4CB7D7C9C7F1}"/>
-              </a:ext>
-            </a:extLst>
-          </p:cNvPr>
-          <p:cNvPicPr>
-            <a:picLocks noChangeAspect="1"/>
-          </p:cNvPicPr>
-          <p:nvPr/>
-        </p:nvPicPr>
-        <p:blipFill>
-          <a:blip r:embed="rId2">
-            <a:extLst>
-              <a:ext uri="{28A0092B-C50C-407E-A947-70E740481C1C}">
-                <a14:useLocalDpi xmlns:a14="http://schemas.microsoft.com/office/drawing/2010/main" val="0"/>
-              </a:ext>
-            </a:extLst>
-          </a:blip>
-          <a:stretch>
-            <a:fillRect/>
-          </a:stretch>
-        </p:blipFill>
-        <p:spPr>
-          <a:xfrm>
-            <a:off x="5660028" y="3810000"/>
-            <a:ext cx="952500" cy="952500"/>
-          </a:xfrm>
-          <a:prstGeom prst="rect">
-            <a:avLst/>
-          </a:prstGeom>
-        </p:spPr>
-      </p:pic>
-      <p:pic>
-        <p:nvPicPr>
           <p:cNvPr id="69" name="그림 68">
             <a:extLst>
               <a:ext uri="{FF2B5EF4-FFF2-40B4-BE49-F238E27FC236}">
@@ -15565,42 +15169,6 @@
       </p:pic>
       <p:pic>
         <p:nvPicPr>
-          <p:cNvPr id="76" name="그림 75">
-            <a:extLst>
-              <a:ext uri="{FF2B5EF4-FFF2-40B4-BE49-F238E27FC236}">
-                <a16:creationId xmlns:a16="http://schemas.microsoft.com/office/drawing/2014/main" id="{D358BAB7-9BCC-2E56-A68E-C5061817FCE6}"/>
-              </a:ext>
-            </a:extLst>
-          </p:cNvPr>
-          <p:cNvPicPr>
-            <a:picLocks noChangeAspect="1"/>
-          </p:cNvPicPr>
-          <p:nvPr/>
-        </p:nvPicPr>
-        <p:blipFill>
-          <a:blip r:embed="rId2">
-            <a:extLst>
-              <a:ext uri="{28A0092B-C50C-407E-A947-70E740481C1C}">
-                <a14:useLocalDpi xmlns:a14="http://schemas.microsoft.com/office/drawing/2010/main" val="0"/>
-              </a:ext>
-            </a:extLst>
-          </a:blip>
-          <a:stretch>
-            <a:fillRect/>
-          </a:stretch>
-        </p:blipFill>
-        <p:spPr>
-          <a:xfrm>
-            <a:off x="933589" y="4762500"/>
-            <a:ext cx="952500" cy="952500"/>
-          </a:xfrm>
-          <a:prstGeom prst="rect">
-            <a:avLst/>
-          </a:prstGeom>
-        </p:spPr>
-      </p:pic>
-      <p:pic>
-        <p:nvPicPr>
           <p:cNvPr id="77" name="그림 76">
             <a:extLst>
               <a:ext uri="{FF2B5EF4-FFF2-40B4-BE49-F238E27FC236}">
@@ -15637,78 +15205,6 @@
       </p:pic>
       <p:pic>
         <p:nvPicPr>
-          <p:cNvPr id="78" name="그림 77">
-            <a:extLst>
-              <a:ext uri="{FF2B5EF4-FFF2-40B4-BE49-F238E27FC236}">
-                <a16:creationId xmlns:a16="http://schemas.microsoft.com/office/drawing/2014/main" id="{43D5B0FA-0E6E-94A6-472D-965DCD58D795}"/>
-              </a:ext>
-            </a:extLst>
-          </p:cNvPr>
-          <p:cNvPicPr>
-            <a:picLocks noChangeAspect="1"/>
-          </p:cNvPicPr>
-          <p:nvPr/>
-        </p:nvPicPr>
-        <p:blipFill>
-          <a:blip r:embed="rId2">
-            <a:extLst>
-              <a:ext uri="{28A0092B-C50C-407E-A947-70E740481C1C}">
-                <a14:useLocalDpi xmlns:a14="http://schemas.microsoft.com/office/drawing/2010/main" val="0"/>
-              </a:ext>
-            </a:extLst>
-          </a:blip>
-          <a:stretch>
-            <a:fillRect/>
-          </a:stretch>
-        </p:blipFill>
-        <p:spPr>
-          <a:xfrm>
-            <a:off x="2802082" y="4762500"/>
-            <a:ext cx="952500" cy="952500"/>
-          </a:xfrm>
-          <a:prstGeom prst="rect">
-            <a:avLst/>
-          </a:prstGeom>
-        </p:spPr>
-      </p:pic>
-      <p:pic>
-        <p:nvPicPr>
-          <p:cNvPr id="79" name="그림 78">
-            <a:extLst>
-              <a:ext uri="{FF2B5EF4-FFF2-40B4-BE49-F238E27FC236}">
-                <a16:creationId xmlns:a16="http://schemas.microsoft.com/office/drawing/2014/main" id="{FC6C0185-7C92-3A50-DC98-FB9037956E3E}"/>
-              </a:ext>
-            </a:extLst>
-          </p:cNvPr>
-          <p:cNvPicPr>
-            <a:picLocks noChangeAspect="1"/>
-          </p:cNvPicPr>
-          <p:nvPr/>
-        </p:nvPicPr>
-        <p:blipFill>
-          <a:blip r:embed="rId2">
-            <a:extLst>
-              <a:ext uri="{28A0092B-C50C-407E-A947-70E740481C1C}">
-                <a14:useLocalDpi xmlns:a14="http://schemas.microsoft.com/office/drawing/2010/main" val="0"/>
-              </a:ext>
-            </a:extLst>
-          </a:blip>
-          <a:stretch>
-            <a:fillRect/>
-          </a:stretch>
-        </p:blipFill>
-        <p:spPr>
-          <a:xfrm>
-            <a:off x="3735687" y="4762500"/>
-            <a:ext cx="952500" cy="952500"/>
-          </a:xfrm>
-          <a:prstGeom prst="rect">
-            <a:avLst/>
-          </a:prstGeom>
-        </p:spPr>
-      </p:pic>
-      <p:pic>
-        <p:nvPicPr>
           <p:cNvPr id="80" name="그림 79">
             <a:extLst>
               <a:ext uri="{FF2B5EF4-FFF2-40B4-BE49-F238E27FC236}">
@@ -15781,42 +15277,6 @@
       </p:pic>
       <p:pic>
         <p:nvPicPr>
-          <p:cNvPr id="82" name="그림 81">
-            <a:extLst>
-              <a:ext uri="{FF2B5EF4-FFF2-40B4-BE49-F238E27FC236}">
-                <a16:creationId xmlns:a16="http://schemas.microsoft.com/office/drawing/2014/main" id="{E77A8F5A-35F7-28C3-8BAD-AFB0DF3BDE9F}"/>
-              </a:ext>
-            </a:extLst>
-          </p:cNvPr>
-          <p:cNvPicPr>
-            <a:picLocks noChangeAspect="1"/>
-          </p:cNvPicPr>
-          <p:nvPr/>
-        </p:nvPicPr>
-        <p:blipFill>
-          <a:blip r:embed="rId2">
-            <a:extLst>
-              <a:ext uri="{28A0092B-C50C-407E-A947-70E740481C1C}">
-                <a14:useLocalDpi xmlns:a14="http://schemas.microsoft.com/office/drawing/2010/main" val="0"/>
-              </a:ext>
-            </a:extLst>
-          </a:blip>
-          <a:stretch>
-            <a:fillRect/>
-          </a:stretch>
-        </p:blipFill>
-        <p:spPr>
-          <a:xfrm>
-            <a:off x="6575557" y="4762500"/>
-            <a:ext cx="952500" cy="952500"/>
-          </a:xfrm>
-          <a:prstGeom prst="rect">
-            <a:avLst/>
-          </a:prstGeom>
-        </p:spPr>
-      </p:pic>
-      <p:pic>
-        <p:nvPicPr>
           <p:cNvPr id="83" name="그림 82">
             <a:extLst>
               <a:ext uri="{FF2B5EF4-FFF2-40B4-BE49-F238E27FC236}">
@@ -15889,78 +15349,6 @@
       </p:pic>
       <p:pic>
         <p:nvPicPr>
-          <p:cNvPr id="85" name="그림 84">
-            <a:extLst>
-              <a:ext uri="{FF2B5EF4-FFF2-40B4-BE49-F238E27FC236}">
-                <a16:creationId xmlns:a16="http://schemas.microsoft.com/office/drawing/2014/main" id="{9CBC8ADB-7759-96EC-7F3A-99D3F69EB87C}"/>
-              </a:ext>
-            </a:extLst>
-          </p:cNvPr>
-          <p:cNvPicPr>
-            <a:picLocks noChangeAspect="1"/>
-          </p:cNvPicPr>
-          <p:nvPr/>
-        </p:nvPicPr>
-        <p:blipFill>
-          <a:blip r:embed="rId2">
-            <a:extLst>
-              <a:ext uri="{28A0092B-C50C-407E-A947-70E740481C1C}">
-                <a14:useLocalDpi xmlns:a14="http://schemas.microsoft.com/office/drawing/2010/main" val="0"/>
-              </a:ext>
-            </a:extLst>
-          </a:blip>
-          <a:stretch>
-            <a:fillRect/>
-          </a:stretch>
-        </p:blipFill>
-        <p:spPr>
-          <a:xfrm>
-            <a:off x="9410690" y="4762500"/>
-            <a:ext cx="952500" cy="952500"/>
-          </a:xfrm>
-          <a:prstGeom prst="rect">
-            <a:avLst/>
-          </a:prstGeom>
-        </p:spPr>
-      </p:pic>
-      <p:pic>
-        <p:nvPicPr>
-          <p:cNvPr id="86" name="그림 85">
-            <a:extLst>
-              <a:ext uri="{FF2B5EF4-FFF2-40B4-BE49-F238E27FC236}">
-                <a16:creationId xmlns:a16="http://schemas.microsoft.com/office/drawing/2014/main" id="{B16A712E-4021-11BC-053B-FB70227EC2D3}"/>
-              </a:ext>
-            </a:extLst>
-          </p:cNvPr>
-          <p:cNvPicPr>
-            <a:picLocks noChangeAspect="1"/>
-          </p:cNvPicPr>
-          <p:nvPr/>
-        </p:nvPicPr>
-        <p:blipFill>
-          <a:blip r:embed="rId2">
-            <a:extLst>
-              <a:ext uri="{28A0092B-C50C-407E-A947-70E740481C1C}">
-                <a14:useLocalDpi xmlns:a14="http://schemas.microsoft.com/office/drawing/2010/main" val="0"/>
-              </a:ext>
-            </a:extLst>
-          </a:blip>
-          <a:stretch>
-            <a:fillRect/>
-          </a:stretch>
-        </p:blipFill>
-        <p:spPr>
-          <a:xfrm>
-            <a:off x="10355856" y="4762500"/>
-            <a:ext cx="952500" cy="952500"/>
-          </a:xfrm>
-          <a:prstGeom prst="rect">
-            <a:avLst/>
-          </a:prstGeom>
-        </p:spPr>
-      </p:pic>
-      <p:pic>
-        <p:nvPicPr>
           <p:cNvPr id="87" name="그림 86">
             <a:extLst>
               <a:ext uri="{FF2B5EF4-FFF2-40B4-BE49-F238E27FC236}">
@@ -16033,42 +15421,6 @@
       </p:pic>
       <p:pic>
         <p:nvPicPr>
-          <p:cNvPr id="89" name="그림 88">
-            <a:extLst>
-              <a:ext uri="{FF2B5EF4-FFF2-40B4-BE49-F238E27FC236}">
-                <a16:creationId xmlns:a16="http://schemas.microsoft.com/office/drawing/2014/main" id="{9BD55712-3259-E50C-AD1D-605667B39B48}"/>
-              </a:ext>
-            </a:extLst>
-          </p:cNvPr>
-          <p:cNvPicPr>
-            <a:picLocks noChangeAspect="1"/>
-          </p:cNvPicPr>
-          <p:nvPr/>
-        </p:nvPicPr>
-        <p:blipFill>
-          <a:blip r:embed="rId2">
-            <a:extLst>
-              <a:ext uri="{28A0092B-C50C-407E-A947-70E740481C1C}">
-                <a14:useLocalDpi xmlns:a14="http://schemas.microsoft.com/office/drawing/2010/main" val="0"/>
-              </a:ext>
-            </a:extLst>
-          </a:blip>
-          <a:stretch>
-            <a:fillRect/>
-          </a:stretch>
-        </p:blipFill>
-        <p:spPr>
-          <a:xfrm>
-            <a:off x="932515" y="5715000"/>
-            <a:ext cx="952500" cy="952500"/>
-          </a:xfrm>
-          <a:prstGeom prst="rect">
-            <a:avLst/>
-          </a:prstGeom>
-        </p:spPr>
-      </p:pic>
-      <p:pic>
-        <p:nvPicPr>
           <p:cNvPr id="90" name="그림 89">
             <a:extLst>
               <a:ext uri="{FF2B5EF4-FFF2-40B4-BE49-F238E27FC236}">
@@ -16177,42 +15529,6 @@
       </p:pic>
       <p:pic>
         <p:nvPicPr>
-          <p:cNvPr id="93" name="그림 92">
-            <a:extLst>
-              <a:ext uri="{FF2B5EF4-FFF2-40B4-BE49-F238E27FC236}">
-                <a16:creationId xmlns:a16="http://schemas.microsoft.com/office/drawing/2014/main" id="{BC6F750B-C906-0CC5-D945-F2088D478A97}"/>
-              </a:ext>
-            </a:extLst>
-          </p:cNvPr>
-          <p:cNvPicPr>
-            <a:picLocks noChangeAspect="1"/>
-          </p:cNvPicPr>
-          <p:nvPr/>
-        </p:nvPicPr>
-        <p:blipFill>
-          <a:blip r:embed="rId2">
-            <a:extLst>
-              <a:ext uri="{28A0092B-C50C-407E-A947-70E740481C1C}">
-                <a14:useLocalDpi xmlns:a14="http://schemas.microsoft.com/office/drawing/2010/main" val="0"/>
-              </a:ext>
-            </a:extLst>
-          </a:blip>
-          <a:stretch>
-            <a:fillRect/>
-          </a:stretch>
-        </p:blipFill>
-        <p:spPr>
-          <a:xfrm>
-            <a:off x="4704638" y="5715000"/>
-            <a:ext cx="952500" cy="952500"/>
-          </a:xfrm>
-          <a:prstGeom prst="rect">
-            <a:avLst/>
-          </a:prstGeom>
-        </p:spPr>
-      </p:pic>
-      <p:pic>
-        <p:nvPicPr>
           <p:cNvPr id="94" name="그림 93">
             <a:extLst>
               <a:ext uri="{FF2B5EF4-FFF2-40B4-BE49-F238E27FC236}">
@@ -16429,34 +15745,718 @@
       </p:pic>
       <p:pic>
         <p:nvPicPr>
-          <p:cNvPr id="100" name="그림 99">
-            <a:extLst>
-              <a:ext uri="{FF2B5EF4-FFF2-40B4-BE49-F238E27FC236}">
-                <a16:creationId xmlns:a16="http://schemas.microsoft.com/office/drawing/2014/main" id="{AFA0F82C-107B-504A-F0A8-82AD9597D985}"/>
-              </a:ext>
-            </a:extLst>
-          </p:cNvPr>
-          <p:cNvPicPr>
-            <a:picLocks noChangeAspect="1"/>
-          </p:cNvPicPr>
-          <p:nvPr/>
-        </p:nvPicPr>
-        <p:blipFill>
-          <a:blip r:embed="rId2">
-            <a:extLst>
-              <a:ext uri="{28A0092B-C50C-407E-A947-70E740481C1C}">
-                <a14:useLocalDpi xmlns:a14="http://schemas.microsoft.com/office/drawing/2010/main" val="0"/>
-              </a:ext>
-            </a:extLst>
-          </a:blip>
-          <a:stretch>
-            <a:fillRect/>
-          </a:stretch>
-        </p:blipFill>
-        <p:spPr>
-          <a:xfrm>
-            <a:off x="11292518" y="5715000"/>
-            <a:ext cx="952500" cy="952500"/>
+          <p:cNvPr id="2" name="그림 1" descr="그레이, 패브릭이(가) 표시된 사진&#10;&#10;자동 생성된 설명">
+            <a:extLst>
+              <a:ext uri="{FF2B5EF4-FFF2-40B4-BE49-F238E27FC236}">
+                <a16:creationId xmlns:a16="http://schemas.microsoft.com/office/drawing/2014/main" id="{4DDB4ECB-5F3D-6778-5CD4-9603884EDB6B}"/>
+              </a:ext>
+            </a:extLst>
+          </p:cNvPr>
+          <p:cNvPicPr>
+            <a:picLocks noChangeAspect="1"/>
+          </p:cNvPicPr>
+          <p:nvPr/>
+        </p:nvPicPr>
+        <p:blipFill>
+          <a:blip r:embed="rId3">
+            <a:extLst>
+              <a:ext uri="{28A0092B-C50C-407E-A947-70E740481C1C}">
+                <a14:useLocalDpi xmlns:a14="http://schemas.microsoft.com/office/drawing/2010/main" val="0"/>
+              </a:ext>
+            </a:extLst>
+          </a:blip>
+          <a:stretch>
+            <a:fillRect/>
+          </a:stretch>
+        </p:blipFill>
+        <p:spPr>
+          <a:xfrm>
+            <a:off x="930581" y="952500"/>
+            <a:ext cx="952500" cy="952500"/>
+          </a:xfrm>
+          <a:prstGeom prst="rect">
+            <a:avLst/>
+          </a:prstGeom>
+        </p:spPr>
+      </p:pic>
+      <p:pic>
+        <p:nvPicPr>
+          <p:cNvPr id="12" name="그림 11" descr="그레이, 패브릭이(가) 표시된 사진&#10;&#10;자동 생성된 설명">
+            <a:extLst>
+              <a:ext uri="{FF2B5EF4-FFF2-40B4-BE49-F238E27FC236}">
+                <a16:creationId xmlns:a16="http://schemas.microsoft.com/office/drawing/2014/main" id="{23202898-DC89-A539-6E5D-1EFA9DCBDB04}"/>
+              </a:ext>
+            </a:extLst>
+          </p:cNvPr>
+          <p:cNvPicPr>
+            <a:picLocks noChangeAspect="1"/>
+          </p:cNvPicPr>
+          <p:nvPr/>
+        </p:nvPicPr>
+        <p:blipFill>
+          <a:blip r:embed="rId3">
+            <a:extLst>
+              <a:ext uri="{28A0092B-C50C-407E-A947-70E740481C1C}">
+                <a14:useLocalDpi xmlns:a14="http://schemas.microsoft.com/office/drawing/2010/main" val="0"/>
+              </a:ext>
+            </a:extLst>
+          </a:blip>
+          <a:stretch>
+            <a:fillRect/>
+          </a:stretch>
+        </p:blipFill>
+        <p:spPr>
+          <a:xfrm>
+            <a:off x="1893973" y="1905000"/>
+            <a:ext cx="952500" cy="952500"/>
+          </a:xfrm>
+          <a:prstGeom prst="rect">
+            <a:avLst/>
+          </a:prstGeom>
+        </p:spPr>
+      </p:pic>
+      <p:pic>
+        <p:nvPicPr>
+          <p:cNvPr id="13" name="그림 12" descr="그레이, 패브릭이(가) 표시된 사진&#10;&#10;자동 생성된 설명">
+            <a:extLst>
+              <a:ext uri="{FF2B5EF4-FFF2-40B4-BE49-F238E27FC236}">
+                <a16:creationId xmlns:a16="http://schemas.microsoft.com/office/drawing/2014/main" id="{C90B8B42-6DFA-6E3A-837A-A983E2DDA710}"/>
+              </a:ext>
+            </a:extLst>
+          </p:cNvPr>
+          <p:cNvPicPr>
+            <a:picLocks noChangeAspect="1"/>
+          </p:cNvPicPr>
+          <p:nvPr/>
+        </p:nvPicPr>
+        <p:blipFill>
+          <a:blip r:embed="rId3">
+            <a:extLst>
+              <a:ext uri="{28A0092B-C50C-407E-A947-70E740481C1C}">
+                <a14:useLocalDpi xmlns:a14="http://schemas.microsoft.com/office/drawing/2010/main" val="0"/>
+              </a:ext>
+            </a:extLst>
+          </a:blip>
+          <a:stretch>
+            <a:fillRect/>
+          </a:stretch>
+        </p:blipFill>
+        <p:spPr>
+          <a:xfrm>
+            <a:off x="3372" y="2857500"/>
+            <a:ext cx="952500" cy="952500"/>
+          </a:xfrm>
+          <a:prstGeom prst="rect">
+            <a:avLst/>
+          </a:prstGeom>
+        </p:spPr>
+      </p:pic>
+      <p:pic>
+        <p:nvPicPr>
+          <p:cNvPr id="14" name="그림 13" descr="그레이, 패브릭이(가) 표시된 사진&#10;&#10;자동 생성된 설명">
+            <a:extLst>
+              <a:ext uri="{FF2B5EF4-FFF2-40B4-BE49-F238E27FC236}">
+                <a16:creationId xmlns:a16="http://schemas.microsoft.com/office/drawing/2014/main" id="{FF719EF1-C327-165A-27C6-043ACDB7E8FE}"/>
+              </a:ext>
+            </a:extLst>
+          </p:cNvPr>
+          <p:cNvPicPr>
+            <a:picLocks noChangeAspect="1"/>
+          </p:cNvPicPr>
+          <p:nvPr/>
+        </p:nvPicPr>
+        <p:blipFill>
+          <a:blip r:embed="rId3">
+            <a:extLst>
+              <a:ext uri="{28A0092B-C50C-407E-A947-70E740481C1C}">
+                <a14:useLocalDpi xmlns:a14="http://schemas.microsoft.com/office/drawing/2010/main" val="0"/>
+              </a:ext>
+            </a:extLst>
+          </a:blip>
+          <a:stretch>
+            <a:fillRect/>
+          </a:stretch>
+        </p:blipFill>
+        <p:spPr>
+          <a:xfrm>
+            <a:off x="4708353" y="952500"/>
+            <a:ext cx="952500" cy="952500"/>
+          </a:xfrm>
+          <a:prstGeom prst="rect">
+            <a:avLst/>
+          </a:prstGeom>
+        </p:spPr>
+      </p:pic>
+      <p:pic>
+        <p:nvPicPr>
+          <p:cNvPr id="15" name="그림 14" descr="그레이, 패브릭이(가) 표시된 사진&#10;&#10;자동 생성된 설명">
+            <a:extLst>
+              <a:ext uri="{FF2B5EF4-FFF2-40B4-BE49-F238E27FC236}">
+                <a16:creationId xmlns:a16="http://schemas.microsoft.com/office/drawing/2014/main" id="{E9C386F4-6448-C83C-4ADA-E94A72EAD3E6}"/>
+              </a:ext>
+            </a:extLst>
+          </p:cNvPr>
+          <p:cNvPicPr>
+            <a:picLocks noChangeAspect="1"/>
+          </p:cNvPicPr>
+          <p:nvPr/>
+        </p:nvPicPr>
+        <p:blipFill>
+          <a:blip r:embed="rId3">
+            <a:extLst>
+              <a:ext uri="{28A0092B-C50C-407E-A947-70E740481C1C}">
+                <a14:useLocalDpi xmlns:a14="http://schemas.microsoft.com/office/drawing/2010/main" val="0"/>
+              </a:ext>
+            </a:extLst>
+          </a:blip>
+          <a:stretch>
+            <a:fillRect/>
+          </a:stretch>
+        </p:blipFill>
+        <p:spPr>
+          <a:xfrm>
+            <a:off x="4719894" y="2857500"/>
+            <a:ext cx="952500" cy="952500"/>
+          </a:xfrm>
+          <a:prstGeom prst="rect">
+            <a:avLst/>
+          </a:prstGeom>
+        </p:spPr>
+      </p:pic>
+      <p:pic>
+        <p:nvPicPr>
+          <p:cNvPr id="16" name="그림 15" descr="그레이, 패브릭이(가) 표시된 사진&#10;&#10;자동 생성된 설명">
+            <a:extLst>
+              <a:ext uri="{FF2B5EF4-FFF2-40B4-BE49-F238E27FC236}">
+                <a16:creationId xmlns:a16="http://schemas.microsoft.com/office/drawing/2014/main" id="{7FD4AB9F-5D64-4171-2F23-E0B017C89F0E}"/>
+              </a:ext>
+            </a:extLst>
+          </p:cNvPr>
+          <p:cNvPicPr>
+            <a:picLocks noChangeAspect="1"/>
+          </p:cNvPicPr>
+          <p:nvPr/>
+        </p:nvPicPr>
+        <p:blipFill>
+          <a:blip r:embed="rId3">
+            <a:extLst>
+              <a:ext uri="{28A0092B-C50C-407E-A947-70E740481C1C}">
+                <a14:useLocalDpi xmlns:a14="http://schemas.microsoft.com/office/drawing/2010/main" val="0"/>
+              </a:ext>
+            </a:extLst>
+          </a:blip>
+          <a:stretch>
+            <a:fillRect/>
+          </a:stretch>
+        </p:blipFill>
+        <p:spPr>
+          <a:xfrm>
+            <a:off x="7566517" y="952500"/>
+            <a:ext cx="952500" cy="952500"/>
+          </a:xfrm>
+          <a:prstGeom prst="rect">
+            <a:avLst/>
+          </a:prstGeom>
+        </p:spPr>
+      </p:pic>
+      <p:pic>
+        <p:nvPicPr>
+          <p:cNvPr id="17" name="그림 16" descr="그레이, 패브릭이(가) 표시된 사진&#10;&#10;자동 생성된 설명">
+            <a:extLst>
+              <a:ext uri="{FF2B5EF4-FFF2-40B4-BE49-F238E27FC236}">
+                <a16:creationId xmlns:a16="http://schemas.microsoft.com/office/drawing/2014/main" id="{4CE90B4D-4B69-DE5F-8638-932492184FDB}"/>
+              </a:ext>
+            </a:extLst>
+          </p:cNvPr>
+          <p:cNvPicPr>
+            <a:picLocks noChangeAspect="1"/>
+          </p:cNvPicPr>
+          <p:nvPr/>
+        </p:nvPicPr>
+        <p:blipFill>
+          <a:blip r:embed="rId3">
+            <a:extLst>
+              <a:ext uri="{28A0092B-C50C-407E-A947-70E740481C1C}">
+                <a14:useLocalDpi xmlns:a14="http://schemas.microsoft.com/office/drawing/2010/main" val="0"/>
+              </a:ext>
+            </a:extLst>
+          </a:blip>
+          <a:stretch>
+            <a:fillRect/>
+          </a:stretch>
+        </p:blipFill>
+        <p:spPr>
+          <a:xfrm>
+            <a:off x="8515112" y="2857500"/>
+            <a:ext cx="952500" cy="952500"/>
+          </a:xfrm>
+          <a:prstGeom prst="rect">
+            <a:avLst/>
+          </a:prstGeom>
+        </p:spPr>
+      </p:pic>
+      <p:pic>
+        <p:nvPicPr>
+          <p:cNvPr id="101" name="그림 100" descr="그레이, 패브릭이(가) 표시된 사진&#10;&#10;자동 생성된 설명">
+            <a:extLst>
+              <a:ext uri="{FF2B5EF4-FFF2-40B4-BE49-F238E27FC236}">
+                <a16:creationId xmlns:a16="http://schemas.microsoft.com/office/drawing/2014/main" id="{77F38AD4-559B-22BA-92FF-5AF8732369C8}"/>
+              </a:ext>
+            </a:extLst>
+          </p:cNvPr>
+          <p:cNvPicPr>
+            <a:picLocks noChangeAspect="1"/>
+          </p:cNvPicPr>
+          <p:nvPr/>
+        </p:nvPicPr>
+        <p:blipFill>
+          <a:blip r:embed="rId3">
+            <a:extLst>
+              <a:ext uri="{28A0092B-C50C-407E-A947-70E740481C1C}">
+                <a14:useLocalDpi xmlns:a14="http://schemas.microsoft.com/office/drawing/2010/main" val="0"/>
+              </a:ext>
+            </a:extLst>
+          </a:blip>
+          <a:stretch>
+            <a:fillRect/>
+          </a:stretch>
+        </p:blipFill>
+        <p:spPr>
+          <a:xfrm>
+            <a:off x="10394372" y="1905000"/>
+            <a:ext cx="952500" cy="952500"/>
+          </a:xfrm>
+          <a:prstGeom prst="rect">
+            <a:avLst/>
+          </a:prstGeom>
+        </p:spPr>
+      </p:pic>
+      <p:pic>
+        <p:nvPicPr>
+          <p:cNvPr id="102" name="그림 101" descr="그레이, 패브릭이(가) 표시된 사진&#10;&#10;자동 생성된 설명">
+            <a:extLst>
+              <a:ext uri="{FF2B5EF4-FFF2-40B4-BE49-F238E27FC236}">
+                <a16:creationId xmlns:a16="http://schemas.microsoft.com/office/drawing/2014/main" id="{7E2E46E7-0275-02BC-9BE7-14704924566B}"/>
+              </a:ext>
+            </a:extLst>
+          </p:cNvPr>
+          <p:cNvPicPr>
+            <a:picLocks noChangeAspect="1"/>
+          </p:cNvPicPr>
+          <p:nvPr/>
+        </p:nvPicPr>
+        <p:blipFill>
+          <a:blip r:embed="rId3">
+            <a:extLst>
+              <a:ext uri="{28A0092B-C50C-407E-A947-70E740481C1C}">
+                <a14:useLocalDpi xmlns:a14="http://schemas.microsoft.com/office/drawing/2010/main" val="0"/>
+              </a:ext>
+            </a:extLst>
+          </a:blip>
+          <a:stretch>
+            <a:fillRect/>
+          </a:stretch>
+        </p:blipFill>
+        <p:spPr>
+          <a:xfrm>
+            <a:off x="9406667" y="4762500"/>
+            <a:ext cx="952500" cy="952500"/>
+          </a:xfrm>
+          <a:prstGeom prst="rect">
+            <a:avLst/>
+          </a:prstGeom>
+        </p:spPr>
+      </p:pic>
+      <p:pic>
+        <p:nvPicPr>
+          <p:cNvPr id="103" name="그림 102" descr="그레이, 패브릭이(가) 표시된 사진&#10;&#10;자동 생성된 설명">
+            <a:extLst>
+              <a:ext uri="{FF2B5EF4-FFF2-40B4-BE49-F238E27FC236}">
+                <a16:creationId xmlns:a16="http://schemas.microsoft.com/office/drawing/2014/main" id="{2B9B9DAB-3ABB-53AB-70CF-6956D686967C}"/>
+              </a:ext>
+            </a:extLst>
+          </p:cNvPr>
+          <p:cNvPicPr>
+            <a:picLocks noChangeAspect="1"/>
+          </p:cNvPicPr>
+          <p:nvPr/>
+        </p:nvPicPr>
+        <p:blipFill>
+          <a:blip r:embed="rId3">
+            <a:extLst>
+              <a:ext uri="{28A0092B-C50C-407E-A947-70E740481C1C}">
+                <a14:useLocalDpi xmlns:a14="http://schemas.microsoft.com/office/drawing/2010/main" val="0"/>
+              </a:ext>
+            </a:extLst>
+          </a:blip>
+          <a:stretch>
+            <a:fillRect/>
+          </a:stretch>
+        </p:blipFill>
+        <p:spPr>
+          <a:xfrm>
+            <a:off x="11295829" y="5715000"/>
+            <a:ext cx="952500" cy="952500"/>
+          </a:xfrm>
+          <a:prstGeom prst="rect">
+            <a:avLst/>
+          </a:prstGeom>
+        </p:spPr>
+      </p:pic>
+      <p:pic>
+        <p:nvPicPr>
+          <p:cNvPr id="104" name="그림 103" descr="그레이, 패브릭이(가) 표시된 사진&#10;&#10;자동 생성된 설명">
+            <a:extLst>
+              <a:ext uri="{FF2B5EF4-FFF2-40B4-BE49-F238E27FC236}">
+                <a16:creationId xmlns:a16="http://schemas.microsoft.com/office/drawing/2014/main" id="{A1CB45C1-C5B0-8DCC-841F-8898EB64C816}"/>
+              </a:ext>
+            </a:extLst>
+          </p:cNvPr>
+          <p:cNvPicPr>
+            <a:picLocks noChangeAspect="1"/>
+          </p:cNvPicPr>
+          <p:nvPr/>
+        </p:nvPicPr>
+        <p:blipFill>
+          <a:blip r:embed="rId3">
+            <a:extLst>
+              <a:ext uri="{28A0092B-C50C-407E-A947-70E740481C1C}">
+                <a14:useLocalDpi xmlns:a14="http://schemas.microsoft.com/office/drawing/2010/main" val="0"/>
+              </a:ext>
+            </a:extLst>
+          </a:blip>
+          <a:stretch>
+            <a:fillRect/>
+          </a:stretch>
+        </p:blipFill>
+        <p:spPr>
+          <a:xfrm>
+            <a:off x="2829184" y="4762500"/>
+            <a:ext cx="952500" cy="952500"/>
+          </a:xfrm>
+          <a:prstGeom prst="rect">
+            <a:avLst/>
+          </a:prstGeom>
+        </p:spPr>
+      </p:pic>
+      <p:pic>
+        <p:nvPicPr>
+          <p:cNvPr id="105" name="그림 104" descr="그레이, 패브릭이(가) 표시된 사진&#10;&#10;자동 생성된 설명">
+            <a:extLst>
+              <a:ext uri="{FF2B5EF4-FFF2-40B4-BE49-F238E27FC236}">
+                <a16:creationId xmlns:a16="http://schemas.microsoft.com/office/drawing/2014/main" id="{5B13BFA9-7CD4-0045-68EB-914F9E9991A9}"/>
+              </a:ext>
+            </a:extLst>
+          </p:cNvPr>
+          <p:cNvPicPr>
+            <a:picLocks noChangeAspect="1"/>
+          </p:cNvPicPr>
+          <p:nvPr/>
+        </p:nvPicPr>
+        <p:blipFill>
+          <a:blip r:embed="rId3">
+            <a:extLst>
+              <a:ext uri="{28A0092B-C50C-407E-A947-70E740481C1C}">
+                <a14:useLocalDpi xmlns:a14="http://schemas.microsoft.com/office/drawing/2010/main" val="0"/>
+              </a:ext>
+            </a:extLst>
+          </a:blip>
+          <a:stretch>
+            <a:fillRect/>
+          </a:stretch>
+        </p:blipFill>
+        <p:spPr>
+          <a:xfrm>
+            <a:off x="938596" y="5715000"/>
+            <a:ext cx="952500" cy="952500"/>
+          </a:xfrm>
+          <a:prstGeom prst="rect">
+            <a:avLst/>
+          </a:prstGeom>
+        </p:spPr>
+      </p:pic>
+      <p:pic>
+        <p:nvPicPr>
+          <p:cNvPr id="106" name="그림 105" descr="그레이, 패브릭이(가) 표시된 사진&#10;&#10;자동 생성된 설명">
+            <a:extLst>
+              <a:ext uri="{FF2B5EF4-FFF2-40B4-BE49-F238E27FC236}">
+                <a16:creationId xmlns:a16="http://schemas.microsoft.com/office/drawing/2014/main" id="{9DCC155F-9B15-6FBF-5B1B-3CA5D4651C43}"/>
+              </a:ext>
+            </a:extLst>
+          </p:cNvPr>
+          <p:cNvPicPr>
+            <a:picLocks noChangeAspect="1"/>
+          </p:cNvPicPr>
+          <p:nvPr/>
+        </p:nvPicPr>
+        <p:blipFill>
+          <a:blip r:embed="rId3">
+            <a:extLst>
+              <a:ext uri="{28A0092B-C50C-407E-A947-70E740481C1C}">
+                <a14:useLocalDpi xmlns:a14="http://schemas.microsoft.com/office/drawing/2010/main" val="0"/>
+              </a:ext>
+            </a:extLst>
+          </a:blip>
+          <a:stretch>
+            <a:fillRect/>
+          </a:stretch>
+        </p:blipFill>
+        <p:spPr>
+          <a:xfrm>
+            <a:off x="4708353" y="5715000"/>
+            <a:ext cx="952500" cy="952500"/>
+          </a:xfrm>
+          <a:prstGeom prst="rect">
+            <a:avLst/>
+          </a:prstGeom>
+        </p:spPr>
+      </p:pic>
+      <p:pic>
+        <p:nvPicPr>
+          <p:cNvPr id="107" name="그림 106" descr="그레이, 패브릭이(가) 표시된 사진&#10;&#10;자동 생성된 설명">
+            <a:extLst>
+              <a:ext uri="{FF2B5EF4-FFF2-40B4-BE49-F238E27FC236}">
+                <a16:creationId xmlns:a16="http://schemas.microsoft.com/office/drawing/2014/main" id="{10A034A8-4F6C-484E-65B5-9F042AFF4CC9}"/>
+              </a:ext>
+            </a:extLst>
+          </p:cNvPr>
+          <p:cNvPicPr>
+            <a:picLocks noChangeAspect="1"/>
+          </p:cNvPicPr>
+          <p:nvPr/>
+        </p:nvPicPr>
+        <p:blipFill>
+          <a:blip r:embed="rId3">
+            <a:extLst>
+              <a:ext uri="{28A0092B-C50C-407E-A947-70E740481C1C}">
+                <a14:useLocalDpi xmlns:a14="http://schemas.microsoft.com/office/drawing/2010/main" val="0"/>
+              </a:ext>
+            </a:extLst>
+          </a:blip>
+          <a:stretch>
+            <a:fillRect/>
+          </a:stretch>
+        </p:blipFill>
+        <p:spPr>
+          <a:xfrm>
+            <a:off x="6591077" y="4762500"/>
+            <a:ext cx="952500" cy="952500"/>
+          </a:xfrm>
+          <a:prstGeom prst="rect">
+            <a:avLst/>
+          </a:prstGeom>
+        </p:spPr>
+      </p:pic>
+      <p:pic>
+        <p:nvPicPr>
+          <p:cNvPr id="109" name="그림 108" descr="일렉트릭 블루, 블루, 마조렐 블루, 스크린샷이(가) 표시된 사진&#10;&#10;자동 생성된 설명">
+            <a:extLst>
+              <a:ext uri="{FF2B5EF4-FFF2-40B4-BE49-F238E27FC236}">
+                <a16:creationId xmlns:a16="http://schemas.microsoft.com/office/drawing/2014/main" id="{FFB6B67A-6D25-206B-D502-888A846879BC}"/>
+              </a:ext>
+            </a:extLst>
+          </p:cNvPr>
+          <p:cNvPicPr>
+            <a:picLocks noChangeAspect="1"/>
+          </p:cNvPicPr>
+          <p:nvPr/>
+        </p:nvPicPr>
+        <p:blipFill>
+          <a:blip r:embed="rId4">
+            <a:extLst>
+              <a:ext uri="{28A0092B-C50C-407E-A947-70E740481C1C}">
+                <a14:useLocalDpi xmlns:a14="http://schemas.microsoft.com/office/drawing/2010/main" val="0"/>
+              </a:ext>
+            </a:extLst>
+          </a:blip>
+          <a:stretch>
+            <a:fillRect/>
+          </a:stretch>
+        </p:blipFill>
+        <p:spPr>
+          <a:xfrm>
+            <a:off x="3778802" y="4762500"/>
+            <a:ext cx="952500" cy="952500"/>
+          </a:xfrm>
+          <a:prstGeom prst="rect">
+            <a:avLst/>
+          </a:prstGeom>
+        </p:spPr>
+      </p:pic>
+      <p:pic>
+        <p:nvPicPr>
+          <p:cNvPr id="110" name="그림 109" descr="일렉트릭 블루, 블루, 마조렐 블루, 스크린샷이(가) 표시된 사진&#10;&#10;자동 생성된 설명">
+            <a:extLst>
+              <a:ext uri="{FF2B5EF4-FFF2-40B4-BE49-F238E27FC236}">
+                <a16:creationId xmlns:a16="http://schemas.microsoft.com/office/drawing/2014/main" id="{FB817E8D-C7F6-EE55-C9A7-CCF7E0A92865}"/>
+              </a:ext>
+            </a:extLst>
+          </p:cNvPr>
+          <p:cNvPicPr>
+            <a:picLocks noChangeAspect="1"/>
+          </p:cNvPicPr>
+          <p:nvPr/>
+        </p:nvPicPr>
+        <p:blipFill>
+          <a:blip r:embed="rId4">
+            <a:extLst>
+              <a:ext uri="{28A0092B-C50C-407E-A947-70E740481C1C}">
+                <a14:useLocalDpi xmlns:a14="http://schemas.microsoft.com/office/drawing/2010/main" val="0"/>
+              </a:ext>
+            </a:extLst>
+          </a:blip>
+          <a:stretch>
+            <a:fillRect/>
+          </a:stretch>
+        </p:blipFill>
+        <p:spPr>
+          <a:xfrm>
+            <a:off x="6610322" y="2857500"/>
+            <a:ext cx="952500" cy="952500"/>
+          </a:xfrm>
+          <a:prstGeom prst="rect">
+            <a:avLst/>
+          </a:prstGeom>
+        </p:spPr>
+      </p:pic>
+      <p:pic>
+        <p:nvPicPr>
+          <p:cNvPr id="111" name="그림 110" descr="일렉트릭 블루, 블루, 마조렐 블루, 스크린샷이(가) 표시된 사진&#10;&#10;자동 생성된 설명">
+            <a:extLst>
+              <a:ext uri="{FF2B5EF4-FFF2-40B4-BE49-F238E27FC236}">
+                <a16:creationId xmlns:a16="http://schemas.microsoft.com/office/drawing/2014/main" id="{C3E1CD78-E444-115B-2D05-92D230056438}"/>
+              </a:ext>
+            </a:extLst>
+          </p:cNvPr>
+          <p:cNvPicPr>
+            <a:picLocks noChangeAspect="1"/>
+          </p:cNvPicPr>
+          <p:nvPr/>
+        </p:nvPicPr>
+        <p:blipFill>
+          <a:blip r:embed="rId4">
+            <a:extLst>
+              <a:ext uri="{28A0092B-C50C-407E-A947-70E740481C1C}">
+                <a14:useLocalDpi xmlns:a14="http://schemas.microsoft.com/office/drawing/2010/main" val="0"/>
+              </a:ext>
+            </a:extLst>
+          </a:blip>
+          <a:stretch>
+            <a:fillRect/>
+          </a:stretch>
+        </p:blipFill>
+        <p:spPr>
+          <a:xfrm>
+            <a:off x="936384" y="4762500"/>
+            <a:ext cx="952500" cy="952500"/>
+          </a:xfrm>
+          <a:prstGeom prst="rect">
+            <a:avLst/>
+          </a:prstGeom>
+        </p:spPr>
+      </p:pic>
+      <p:pic>
+        <p:nvPicPr>
+          <p:cNvPr id="113" name="그림 112" descr="클립아트이(가) 표시된 사진&#10;&#10;자동 생성된 설명">
+            <a:extLst>
+              <a:ext uri="{FF2B5EF4-FFF2-40B4-BE49-F238E27FC236}">
+                <a16:creationId xmlns:a16="http://schemas.microsoft.com/office/drawing/2014/main" id="{A0F80ADB-9448-8A52-8FFB-D6A7A31E4CCD}"/>
+              </a:ext>
+            </a:extLst>
+          </p:cNvPr>
+          <p:cNvPicPr>
+            <a:picLocks noChangeAspect="1"/>
+          </p:cNvPicPr>
+          <p:nvPr/>
+        </p:nvPicPr>
+        <p:blipFill>
+          <a:blip r:embed="rId5">
+            <a:extLst>
+              <a:ext uri="{28A0092B-C50C-407E-A947-70E740481C1C}">
+                <a14:useLocalDpi xmlns:a14="http://schemas.microsoft.com/office/drawing/2010/main" val="0"/>
+              </a:ext>
+            </a:extLst>
+          </a:blip>
+          <a:stretch>
+            <a:fillRect/>
+          </a:stretch>
+        </p:blipFill>
+        <p:spPr>
+          <a:xfrm>
+            <a:off x="2803767" y="2857301"/>
+            <a:ext cx="952633" cy="952633"/>
+          </a:xfrm>
+          <a:prstGeom prst="rect">
+            <a:avLst/>
+          </a:prstGeom>
+        </p:spPr>
+      </p:pic>
+      <p:pic>
+        <p:nvPicPr>
+          <p:cNvPr id="115" name="그림 114" descr="클립아트이(가) 표시된 사진&#10;&#10;자동 생성된 설명">
+            <a:extLst>
+              <a:ext uri="{FF2B5EF4-FFF2-40B4-BE49-F238E27FC236}">
+                <a16:creationId xmlns:a16="http://schemas.microsoft.com/office/drawing/2014/main" id="{C1F65035-B28D-4B58-FC0A-E631DAB5BAC5}"/>
+              </a:ext>
+            </a:extLst>
+          </p:cNvPr>
+          <p:cNvPicPr>
+            <a:picLocks noChangeAspect="1"/>
+          </p:cNvPicPr>
+          <p:nvPr/>
+        </p:nvPicPr>
+        <p:blipFill>
+          <a:blip r:embed="rId5">
+            <a:extLst>
+              <a:ext uri="{28A0092B-C50C-407E-A947-70E740481C1C}">
+                <a14:useLocalDpi xmlns:a14="http://schemas.microsoft.com/office/drawing/2010/main" val="0"/>
+              </a:ext>
+            </a:extLst>
+          </a:blip>
+          <a:stretch>
+            <a:fillRect/>
+          </a:stretch>
+        </p:blipFill>
+        <p:spPr>
+          <a:xfrm>
+            <a:off x="5661526" y="3809934"/>
+            <a:ext cx="952633" cy="952633"/>
+          </a:xfrm>
+          <a:prstGeom prst="rect">
+            <a:avLst/>
+          </a:prstGeom>
+        </p:spPr>
+      </p:pic>
+      <p:pic>
+        <p:nvPicPr>
+          <p:cNvPr id="116" name="그림 115" descr="클립아트이(가) 표시된 사진&#10;&#10;자동 생성된 설명">
+            <a:extLst>
+              <a:ext uri="{FF2B5EF4-FFF2-40B4-BE49-F238E27FC236}">
+                <a16:creationId xmlns:a16="http://schemas.microsoft.com/office/drawing/2014/main" id="{1A35F743-92F8-AF88-FE5B-B60B4666BEBE}"/>
+              </a:ext>
+            </a:extLst>
+          </p:cNvPr>
+          <p:cNvPicPr>
+            <a:picLocks noChangeAspect="1"/>
+          </p:cNvPicPr>
+          <p:nvPr/>
+        </p:nvPicPr>
+        <p:blipFill>
+          <a:blip r:embed="rId5">
+            <a:extLst>
+              <a:ext uri="{28A0092B-C50C-407E-A947-70E740481C1C}">
+                <a14:useLocalDpi xmlns:a14="http://schemas.microsoft.com/office/drawing/2010/main" val="0"/>
+              </a:ext>
+            </a:extLst>
+          </a:blip>
+          <a:stretch>
+            <a:fillRect/>
+          </a:stretch>
+        </p:blipFill>
+        <p:spPr>
+          <a:xfrm>
+            <a:off x="10314709" y="4762301"/>
+            <a:ext cx="952633" cy="952633"/>
           </a:xfrm>
           <a:prstGeom prst="rect">
             <a:avLst/>
@@ -16989,7 +16989,7 @@
         </p:blipFill>
         <p:spPr>
           <a:xfrm>
-            <a:off x="-3464" y="952500"/>
+            <a:off x="-3738" y="952003"/>
             <a:ext cx="952500" cy="952500"/>
           </a:xfrm>
           <a:prstGeom prst="rect">
@@ -17035,42 +17035,6 @@
       </p:pic>
       <p:pic>
         <p:nvPicPr>
-          <p:cNvPr id="25" name="그림 24">
-            <a:extLst>
-              <a:ext uri="{FF2B5EF4-FFF2-40B4-BE49-F238E27FC236}">
-                <a16:creationId xmlns:a16="http://schemas.microsoft.com/office/drawing/2014/main" id="{094DC5BB-25C1-3DF7-1B06-D9329525F543}"/>
-              </a:ext>
-            </a:extLst>
-          </p:cNvPr>
-          <p:cNvPicPr>
-            <a:picLocks noChangeAspect="1"/>
-          </p:cNvPicPr>
-          <p:nvPr/>
-        </p:nvPicPr>
-        <p:blipFill>
-          <a:blip r:embed="rId2">
-            <a:extLst>
-              <a:ext uri="{28A0092B-C50C-407E-A947-70E740481C1C}">
-                <a14:useLocalDpi xmlns:a14="http://schemas.microsoft.com/office/drawing/2010/main" val="0"/>
-              </a:ext>
-            </a:extLst>
-          </a:blip>
-          <a:stretch>
-            <a:fillRect/>
-          </a:stretch>
-        </p:blipFill>
-        <p:spPr>
-          <a:xfrm>
-            <a:off x="940377" y="952500"/>
-            <a:ext cx="952500" cy="952500"/>
-          </a:xfrm>
-          <a:prstGeom prst="rect">
-            <a:avLst/>
-          </a:prstGeom>
-        </p:spPr>
-      </p:pic>
-      <p:pic>
-        <p:nvPicPr>
           <p:cNvPr id="26" name="그림 25">
             <a:extLst>
               <a:ext uri="{FF2B5EF4-FFF2-40B4-BE49-F238E27FC236}">
@@ -17323,42 +17287,6 @@
       </p:pic>
       <p:pic>
         <p:nvPicPr>
-          <p:cNvPr id="33" name="그림 32">
-            <a:extLst>
-              <a:ext uri="{FF2B5EF4-FFF2-40B4-BE49-F238E27FC236}">
-                <a16:creationId xmlns:a16="http://schemas.microsoft.com/office/drawing/2014/main" id="{48AA1C14-249F-DB68-D4F3-D53B80E6BF7E}"/>
-              </a:ext>
-            </a:extLst>
-          </p:cNvPr>
-          <p:cNvPicPr>
-            <a:picLocks noChangeAspect="1"/>
-          </p:cNvPicPr>
-          <p:nvPr/>
-        </p:nvPicPr>
-        <p:blipFill>
-          <a:blip r:embed="rId2">
-            <a:extLst>
-              <a:ext uri="{28A0092B-C50C-407E-A947-70E740481C1C}">
-                <a14:useLocalDpi xmlns:a14="http://schemas.microsoft.com/office/drawing/2010/main" val="0"/>
-              </a:ext>
-            </a:extLst>
-          </a:blip>
-          <a:stretch>
-            <a:fillRect/>
-          </a:stretch>
-        </p:blipFill>
-        <p:spPr>
-          <a:xfrm>
-            <a:off x="9433213" y="952500"/>
-            <a:ext cx="952500" cy="952500"/>
-          </a:xfrm>
-          <a:prstGeom prst="rect">
-            <a:avLst/>
-          </a:prstGeom>
-        </p:spPr>
-      </p:pic>
-      <p:pic>
-        <p:nvPicPr>
           <p:cNvPr id="34" name="그림 33">
             <a:extLst>
               <a:ext uri="{FF2B5EF4-FFF2-40B4-BE49-F238E27FC236}">
@@ -17467,42 +17395,6 @@
       </p:pic>
       <p:pic>
         <p:nvPicPr>
-          <p:cNvPr id="37" name="그림 36">
-            <a:extLst>
-              <a:ext uri="{FF2B5EF4-FFF2-40B4-BE49-F238E27FC236}">
-                <a16:creationId xmlns:a16="http://schemas.microsoft.com/office/drawing/2014/main" id="{A41CBD92-D5A0-918E-5BE6-F5AFEA619EEC}"/>
-              </a:ext>
-            </a:extLst>
-          </p:cNvPr>
-          <p:cNvPicPr>
-            <a:picLocks noChangeAspect="1"/>
-          </p:cNvPicPr>
-          <p:nvPr/>
-        </p:nvPicPr>
-        <p:blipFill>
-          <a:blip r:embed="rId2">
-            <a:extLst>
-              <a:ext uri="{28A0092B-C50C-407E-A947-70E740481C1C}">
-                <a14:useLocalDpi xmlns:a14="http://schemas.microsoft.com/office/drawing/2010/main" val="0"/>
-              </a:ext>
-            </a:extLst>
-          </a:blip>
-          <a:stretch>
-            <a:fillRect/>
-          </a:stretch>
-        </p:blipFill>
-        <p:spPr>
-          <a:xfrm>
-            <a:off x="939511" y="1905000"/>
-            <a:ext cx="952500" cy="952500"/>
-          </a:xfrm>
-          <a:prstGeom prst="rect">
-            <a:avLst/>
-          </a:prstGeom>
-        </p:spPr>
-      </p:pic>
-      <p:pic>
-        <p:nvPicPr>
           <p:cNvPr id="38" name="그림 37">
             <a:extLst>
               <a:ext uri="{FF2B5EF4-FFF2-40B4-BE49-F238E27FC236}">
@@ -17529,7 +17421,7 @@
         </p:blipFill>
         <p:spPr>
           <a:xfrm>
-            <a:off x="1895474" y="1905000"/>
+            <a:off x="1894176" y="1904801"/>
             <a:ext cx="952500" cy="952500"/>
           </a:xfrm>
           <a:prstGeom prst="rect">
@@ -17575,42 +17467,6 @@
       </p:pic>
       <p:pic>
         <p:nvPicPr>
-          <p:cNvPr id="40" name="그림 39">
-            <a:extLst>
-              <a:ext uri="{FF2B5EF4-FFF2-40B4-BE49-F238E27FC236}">
-                <a16:creationId xmlns:a16="http://schemas.microsoft.com/office/drawing/2014/main" id="{4D38CAB6-41C4-8C9C-5ECF-69CD15A922FB}"/>
-              </a:ext>
-            </a:extLst>
-          </p:cNvPr>
-          <p:cNvPicPr>
-            <a:picLocks noChangeAspect="1"/>
-          </p:cNvPicPr>
-          <p:nvPr/>
-        </p:nvPicPr>
-        <p:blipFill>
-          <a:blip r:embed="rId2">
-            <a:extLst>
-              <a:ext uri="{28A0092B-C50C-407E-A947-70E740481C1C}">
-                <a14:useLocalDpi xmlns:a14="http://schemas.microsoft.com/office/drawing/2010/main" val="0"/>
-              </a:ext>
-            </a:extLst>
-          </a:blip>
-          <a:stretch>
-            <a:fillRect/>
-          </a:stretch>
-        </p:blipFill>
-        <p:spPr>
-          <a:xfrm>
-            <a:off x="3791815" y="1905000"/>
-            <a:ext cx="952500" cy="952500"/>
-          </a:xfrm>
-          <a:prstGeom prst="rect">
-            <a:avLst/>
-          </a:prstGeom>
-        </p:spPr>
-      </p:pic>
-      <p:pic>
-        <p:nvPicPr>
           <p:cNvPr id="41" name="그림 40">
             <a:extLst>
               <a:ext uri="{FF2B5EF4-FFF2-40B4-BE49-F238E27FC236}">
@@ -17683,42 +17539,6 @@
       </p:pic>
       <p:pic>
         <p:nvPicPr>
-          <p:cNvPr id="43" name="그림 42">
-            <a:extLst>
-              <a:ext uri="{FF2B5EF4-FFF2-40B4-BE49-F238E27FC236}">
-                <a16:creationId xmlns:a16="http://schemas.microsoft.com/office/drawing/2014/main" id="{AF697016-2097-3F92-4DB2-15A23674189C}"/>
-              </a:ext>
-            </a:extLst>
-          </p:cNvPr>
-          <p:cNvPicPr>
-            <a:picLocks noChangeAspect="1"/>
-          </p:cNvPicPr>
-          <p:nvPr/>
-        </p:nvPicPr>
-        <p:blipFill>
-          <a:blip r:embed="rId2">
-            <a:extLst>
-              <a:ext uri="{28A0092B-C50C-407E-A947-70E740481C1C}">
-                <a14:useLocalDpi xmlns:a14="http://schemas.microsoft.com/office/drawing/2010/main" val="0"/>
-              </a:ext>
-            </a:extLst>
-          </a:blip>
-          <a:stretch>
-            <a:fillRect/>
-          </a:stretch>
-        </p:blipFill>
-        <p:spPr>
-          <a:xfrm>
-            <a:off x="6627559" y="1905000"/>
-            <a:ext cx="952500" cy="952500"/>
-          </a:xfrm>
-          <a:prstGeom prst="rect">
-            <a:avLst/>
-          </a:prstGeom>
-        </p:spPr>
-      </p:pic>
-      <p:pic>
-        <p:nvPicPr>
           <p:cNvPr id="44" name="그림 43">
             <a:extLst>
               <a:ext uri="{FF2B5EF4-FFF2-40B4-BE49-F238E27FC236}">
@@ -17755,42 +17575,6 @@
       </p:pic>
       <p:pic>
         <p:nvPicPr>
-          <p:cNvPr id="45" name="그림 44">
-            <a:extLst>
-              <a:ext uri="{FF2B5EF4-FFF2-40B4-BE49-F238E27FC236}">
-                <a16:creationId xmlns:a16="http://schemas.microsoft.com/office/drawing/2014/main" id="{694BD0A5-4B0B-5C28-8E4F-6E5D323816EF}"/>
-              </a:ext>
-            </a:extLst>
-          </p:cNvPr>
-          <p:cNvPicPr>
-            <a:picLocks noChangeAspect="1"/>
-          </p:cNvPicPr>
-          <p:nvPr/>
-        </p:nvPicPr>
-        <p:blipFill>
-          <a:blip r:embed="rId2">
-            <a:extLst>
-              <a:ext uri="{28A0092B-C50C-407E-A947-70E740481C1C}">
-                <a14:useLocalDpi xmlns:a14="http://schemas.microsoft.com/office/drawing/2010/main" val="0"/>
-              </a:ext>
-            </a:extLst>
-          </a:blip>
-          <a:stretch>
-            <a:fillRect/>
-          </a:stretch>
-        </p:blipFill>
-        <p:spPr>
-          <a:xfrm>
-            <a:off x="8497111" y="1905000"/>
-            <a:ext cx="952500" cy="952500"/>
-          </a:xfrm>
-          <a:prstGeom prst="rect">
-            <a:avLst/>
-          </a:prstGeom>
-        </p:spPr>
-      </p:pic>
-      <p:pic>
-        <p:nvPicPr>
           <p:cNvPr id="46" name="그림 45">
             <a:extLst>
               <a:ext uri="{FF2B5EF4-FFF2-40B4-BE49-F238E27FC236}">
@@ -17899,42 +17683,6 @@
       </p:pic>
       <p:pic>
         <p:nvPicPr>
-          <p:cNvPr id="49" name="그림 48">
-            <a:extLst>
-              <a:ext uri="{FF2B5EF4-FFF2-40B4-BE49-F238E27FC236}">
-                <a16:creationId xmlns:a16="http://schemas.microsoft.com/office/drawing/2014/main" id="{C98D2232-7227-2C30-3FB1-132B37263BC4}"/>
-              </a:ext>
-            </a:extLst>
-          </p:cNvPr>
-          <p:cNvPicPr>
-            <a:picLocks noChangeAspect="1"/>
-          </p:cNvPicPr>
-          <p:nvPr/>
-        </p:nvPicPr>
-        <p:blipFill>
-          <a:blip r:embed="rId2">
-            <a:extLst>
-              <a:ext uri="{28A0092B-C50C-407E-A947-70E740481C1C}">
-                <a14:useLocalDpi xmlns:a14="http://schemas.microsoft.com/office/drawing/2010/main" val="0"/>
-              </a:ext>
-            </a:extLst>
-          </a:blip>
-          <a:stretch>
-            <a:fillRect/>
-          </a:stretch>
-        </p:blipFill>
-        <p:spPr>
-          <a:xfrm>
-            <a:off x="-2679" y="2857500"/>
-            <a:ext cx="952500" cy="952500"/>
-          </a:xfrm>
-          <a:prstGeom prst="rect">
-            <a:avLst/>
-          </a:prstGeom>
-        </p:spPr>
-      </p:pic>
-      <p:pic>
-        <p:nvPicPr>
           <p:cNvPr id="50" name="그림 49">
             <a:extLst>
               <a:ext uri="{FF2B5EF4-FFF2-40B4-BE49-F238E27FC236}">
@@ -17971,42 +17719,6 @@
       </p:pic>
       <p:pic>
         <p:nvPicPr>
-          <p:cNvPr id="51" name="그림 50">
-            <a:extLst>
-              <a:ext uri="{FF2B5EF4-FFF2-40B4-BE49-F238E27FC236}">
-                <a16:creationId xmlns:a16="http://schemas.microsoft.com/office/drawing/2014/main" id="{BAB311AF-103D-A333-4D80-CBAFD5FA4AE8}"/>
-              </a:ext>
-            </a:extLst>
-          </p:cNvPr>
-          <p:cNvPicPr>
-            <a:picLocks noChangeAspect="1"/>
-          </p:cNvPicPr>
-          <p:nvPr/>
-        </p:nvPicPr>
-        <p:blipFill>
-          <a:blip r:embed="rId2">
-            <a:extLst>
-              <a:ext uri="{28A0092B-C50C-407E-A947-70E740481C1C}">
-                <a14:useLocalDpi xmlns:a14="http://schemas.microsoft.com/office/drawing/2010/main" val="0"/>
-              </a:ext>
-            </a:extLst>
-          </a:blip>
-          <a:stretch>
-            <a:fillRect/>
-          </a:stretch>
-        </p:blipFill>
-        <p:spPr>
-          <a:xfrm>
-            <a:off x="1877291" y="2857500"/>
-            <a:ext cx="952500" cy="952500"/>
-          </a:xfrm>
-          <a:prstGeom prst="rect">
-            <a:avLst/>
-          </a:prstGeom>
-        </p:spPr>
-      </p:pic>
-      <p:pic>
-        <p:nvPicPr>
           <p:cNvPr id="52" name="그림 51">
             <a:extLst>
               <a:ext uri="{FF2B5EF4-FFF2-40B4-BE49-F238E27FC236}">
@@ -18223,150 +17935,6 @@
       </p:pic>
       <p:pic>
         <p:nvPicPr>
-          <p:cNvPr id="58" name="그림 57">
-            <a:extLst>
-              <a:ext uri="{FF2B5EF4-FFF2-40B4-BE49-F238E27FC236}">
-                <a16:creationId xmlns:a16="http://schemas.microsoft.com/office/drawing/2014/main" id="{9F060A65-BD52-6D8F-E44B-879252115343}"/>
-              </a:ext>
-            </a:extLst>
-          </p:cNvPr>
-          <p:cNvPicPr>
-            <a:picLocks noChangeAspect="1"/>
-          </p:cNvPicPr>
-          <p:nvPr/>
-        </p:nvPicPr>
-        <p:blipFill>
-          <a:blip r:embed="rId2">
-            <a:extLst>
-              <a:ext uri="{28A0092B-C50C-407E-A947-70E740481C1C}">
-                <a14:useLocalDpi xmlns:a14="http://schemas.microsoft.com/office/drawing/2010/main" val="0"/>
-              </a:ext>
-            </a:extLst>
-          </a:blip>
-          <a:stretch>
-            <a:fillRect/>
-          </a:stretch>
-        </p:blipFill>
-        <p:spPr>
-          <a:xfrm>
-            <a:off x="8505364" y="2857500"/>
-            <a:ext cx="952500" cy="952500"/>
-          </a:xfrm>
-          <a:prstGeom prst="rect">
-            <a:avLst/>
-          </a:prstGeom>
-        </p:spPr>
-      </p:pic>
-      <p:pic>
-        <p:nvPicPr>
-          <p:cNvPr id="59" name="그림 58">
-            <a:extLst>
-              <a:ext uri="{FF2B5EF4-FFF2-40B4-BE49-F238E27FC236}">
-                <a16:creationId xmlns:a16="http://schemas.microsoft.com/office/drawing/2014/main" id="{61CBDAEF-1EBC-B57C-647E-63C0F8F36DB8}"/>
-              </a:ext>
-            </a:extLst>
-          </p:cNvPr>
-          <p:cNvPicPr>
-            <a:picLocks noChangeAspect="1"/>
-          </p:cNvPicPr>
-          <p:nvPr/>
-        </p:nvPicPr>
-        <p:blipFill>
-          <a:blip r:embed="rId2">
-            <a:extLst>
-              <a:ext uri="{28A0092B-C50C-407E-A947-70E740481C1C}">
-                <a14:useLocalDpi xmlns:a14="http://schemas.microsoft.com/office/drawing/2010/main" val="0"/>
-              </a:ext>
-            </a:extLst>
-          </a:blip>
-          <a:stretch>
-            <a:fillRect/>
-          </a:stretch>
-        </p:blipFill>
-        <p:spPr>
-          <a:xfrm>
-            <a:off x="9450531" y="2857500"/>
-            <a:ext cx="952500" cy="952500"/>
-          </a:xfrm>
-          <a:prstGeom prst="rect">
-            <a:avLst/>
-          </a:prstGeom>
-        </p:spPr>
-      </p:pic>
-      <p:pic>
-        <p:nvPicPr>
-          <p:cNvPr id="60" name="그림 59">
-            <a:extLst>
-              <a:ext uri="{FF2B5EF4-FFF2-40B4-BE49-F238E27FC236}">
-                <a16:creationId xmlns:a16="http://schemas.microsoft.com/office/drawing/2014/main" id="{FCB9477D-709A-7342-F1A4-43694A9083F3}"/>
-              </a:ext>
-            </a:extLst>
-          </p:cNvPr>
-          <p:cNvPicPr>
-            <a:picLocks noChangeAspect="1"/>
-          </p:cNvPicPr>
-          <p:nvPr/>
-        </p:nvPicPr>
-        <p:blipFill>
-          <a:blip r:embed="rId2">
-            <a:extLst>
-              <a:ext uri="{28A0092B-C50C-407E-A947-70E740481C1C}">
-                <a14:useLocalDpi xmlns:a14="http://schemas.microsoft.com/office/drawing/2010/main" val="0"/>
-              </a:ext>
-            </a:extLst>
-          </a:blip>
-          <a:stretch>
-            <a:fillRect/>
-          </a:stretch>
-        </p:blipFill>
-        <p:spPr>
-          <a:xfrm>
-            <a:off x="10397836" y="2857500"/>
-            <a:ext cx="952500" cy="952500"/>
-          </a:xfrm>
-          <a:prstGeom prst="rect">
-            <a:avLst/>
-          </a:prstGeom>
-        </p:spPr>
-      </p:pic>
-      <p:pic>
-        <p:nvPicPr>
-          <p:cNvPr id="61" name="그림 60">
-            <a:extLst>
-              <a:ext uri="{FF2B5EF4-FFF2-40B4-BE49-F238E27FC236}">
-                <a16:creationId xmlns:a16="http://schemas.microsoft.com/office/drawing/2014/main" id="{3A2184D9-A405-EFE3-A844-B5D5CD619531}"/>
-              </a:ext>
-            </a:extLst>
-          </p:cNvPr>
-          <p:cNvPicPr>
-            <a:picLocks noChangeAspect="1"/>
-          </p:cNvPicPr>
-          <p:nvPr/>
-        </p:nvPicPr>
-        <p:blipFill>
-          <a:blip r:embed="rId2">
-            <a:extLst>
-              <a:ext uri="{28A0092B-C50C-407E-A947-70E740481C1C}">
-                <a14:useLocalDpi xmlns:a14="http://schemas.microsoft.com/office/drawing/2010/main" val="0"/>
-              </a:ext>
-            </a:extLst>
-          </a:blip>
-          <a:stretch>
-            <a:fillRect/>
-          </a:stretch>
-        </p:blipFill>
-        <p:spPr>
-          <a:xfrm>
-            <a:off x="11300827" y="2857500"/>
-            <a:ext cx="952500" cy="952500"/>
-          </a:xfrm>
-          <a:prstGeom prst="rect">
-            <a:avLst/>
-          </a:prstGeom>
-        </p:spPr>
-      </p:pic>
-      <p:pic>
-        <p:nvPicPr>
           <p:cNvPr id="62" name="그림 61">
             <a:extLst>
               <a:ext uri="{FF2B5EF4-FFF2-40B4-BE49-F238E27FC236}">
@@ -18547,42 +18115,6 @@
       </p:pic>
       <p:pic>
         <p:nvPicPr>
-          <p:cNvPr id="67" name="그림 66">
-            <a:extLst>
-              <a:ext uri="{FF2B5EF4-FFF2-40B4-BE49-F238E27FC236}">
-                <a16:creationId xmlns:a16="http://schemas.microsoft.com/office/drawing/2014/main" id="{C97E552F-1133-396F-0EBD-99E047330EFF}"/>
-              </a:ext>
-            </a:extLst>
-          </p:cNvPr>
-          <p:cNvPicPr>
-            <a:picLocks noChangeAspect="1"/>
-          </p:cNvPicPr>
-          <p:nvPr/>
-        </p:nvPicPr>
-        <p:blipFill>
-          <a:blip r:embed="rId2">
-            <a:extLst>
-              <a:ext uri="{28A0092B-C50C-407E-A947-70E740481C1C}">
-                <a14:useLocalDpi xmlns:a14="http://schemas.microsoft.com/office/drawing/2010/main" val="0"/>
-              </a:ext>
-            </a:extLst>
-          </a:blip>
-          <a:stretch>
-            <a:fillRect/>
-          </a:stretch>
-        </p:blipFill>
-        <p:spPr>
-          <a:xfrm>
-            <a:off x="4713981" y="3810000"/>
-            <a:ext cx="952500" cy="952500"/>
-          </a:xfrm>
-          <a:prstGeom prst="rect">
-            <a:avLst/>
-          </a:prstGeom>
-        </p:spPr>
-      </p:pic>
-      <p:pic>
-        <p:nvPicPr>
           <p:cNvPr id="68" name="그림 67">
             <a:extLst>
               <a:ext uri="{FF2B5EF4-FFF2-40B4-BE49-F238E27FC236}">
@@ -18727,42 +18259,6 @@
       </p:pic>
       <p:pic>
         <p:nvPicPr>
-          <p:cNvPr id="72" name="그림 71">
-            <a:extLst>
-              <a:ext uri="{FF2B5EF4-FFF2-40B4-BE49-F238E27FC236}">
-                <a16:creationId xmlns:a16="http://schemas.microsoft.com/office/drawing/2014/main" id="{CAE1C625-0528-38D8-C0A2-CB3F374E09DE}"/>
-              </a:ext>
-            </a:extLst>
-          </p:cNvPr>
-          <p:cNvPicPr>
-            <a:picLocks noChangeAspect="1"/>
-          </p:cNvPicPr>
-          <p:nvPr/>
-        </p:nvPicPr>
-        <p:blipFill>
-          <a:blip r:embed="rId2">
-            <a:extLst>
-              <a:ext uri="{28A0092B-C50C-407E-A947-70E740481C1C}">
-                <a14:useLocalDpi xmlns:a14="http://schemas.microsoft.com/office/drawing/2010/main" val="0"/>
-              </a:ext>
-            </a:extLst>
-          </a:blip>
-          <a:stretch>
-            <a:fillRect/>
-          </a:stretch>
-        </p:blipFill>
-        <p:spPr>
-          <a:xfrm>
-            <a:off x="9432070" y="3810000"/>
-            <a:ext cx="952500" cy="952500"/>
-          </a:xfrm>
-          <a:prstGeom prst="rect">
-            <a:avLst/>
-          </a:prstGeom>
-        </p:spPr>
-      </p:pic>
-      <p:pic>
-        <p:nvPicPr>
           <p:cNvPr id="73" name="그림 72">
             <a:extLst>
               <a:ext uri="{FF2B5EF4-FFF2-40B4-BE49-F238E27FC236}">
@@ -18871,78 +18367,6 @@
       </p:pic>
       <p:pic>
         <p:nvPicPr>
-          <p:cNvPr id="76" name="그림 75">
-            <a:extLst>
-              <a:ext uri="{FF2B5EF4-FFF2-40B4-BE49-F238E27FC236}">
-                <a16:creationId xmlns:a16="http://schemas.microsoft.com/office/drawing/2014/main" id="{D358BAB7-9BCC-2E56-A68E-C5061817FCE6}"/>
-              </a:ext>
-            </a:extLst>
-          </p:cNvPr>
-          <p:cNvPicPr>
-            <a:picLocks noChangeAspect="1"/>
-          </p:cNvPicPr>
-          <p:nvPr/>
-        </p:nvPicPr>
-        <p:blipFill>
-          <a:blip r:embed="rId2">
-            <a:extLst>
-              <a:ext uri="{28A0092B-C50C-407E-A947-70E740481C1C}">
-                <a14:useLocalDpi xmlns:a14="http://schemas.microsoft.com/office/drawing/2010/main" val="0"/>
-              </a:ext>
-            </a:extLst>
-          </a:blip>
-          <a:stretch>
-            <a:fillRect/>
-          </a:stretch>
-        </p:blipFill>
-        <p:spPr>
-          <a:xfrm>
-            <a:off x="933589" y="4762500"/>
-            <a:ext cx="952500" cy="952500"/>
-          </a:xfrm>
-          <a:prstGeom prst="rect">
-            <a:avLst/>
-          </a:prstGeom>
-        </p:spPr>
-      </p:pic>
-      <p:pic>
-        <p:nvPicPr>
-          <p:cNvPr id="77" name="그림 76">
-            <a:extLst>
-              <a:ext uri="{FF2B5EF4-FFF2-40B4-BE49-F238E27FC236}">
-                <a16:creationId xmlns:a16="http://schemas.microsoft.com/office/drawing/2014/main" id="{7E2F5B46-A3E5-14F8-2740-B2AB235D94E4}"/>
-              </a:ext>
-            </a:extLst>
-          </p:cNvPr>
-          <p:cNvPicPr>
-            <a:picLocks noChangeAspect="1"/>
-          </p:cNvPicPr>
-          <p:nvPr/>
-        </p:nvPicPr>
-        <p:blipFill>
-          <a:blip r:embed="rId2">
-            <a:extLst>
-              <a:ext uri="{28A0092B-C50C-407E-A947-70E740481C1C}">
-                <a14:useLocalDpi xmlns:a14="http://schemas.microsoft.com/office/drawing/2010/main" val="0"/>
-              </a:ext>
-            </a:extLst>
-          </a:blip>
-          <a:stretch>
-            <a:fillRect/>
-          </a:stretch>
-        </p:blipFill>
-        <p:spPr>
-          <a:xfrm>
-            <a:off x="1877291" y="4762500"/>
-            <a:ext cx="952500" cy="952500"/>
-          </a:xfrm>
-          <a:prstGeom prst="rect">
-            <a:avLst/>
-          </a:prstGeom>
-        </p:spPr>
-      </p:pic>
-      <p:pic>
-        <p:nvPicPr>
           <p:cNvPr id="78" name="그림 77">
             <a:extLst>
               <a:ext uri="{FF2B5EF4-FFF2-40B4-BE49-F238E27FC236}">
@@ -19195,42 +18619,6 @@
       </p:pic>
       <p:pic>
         <p:nvPicPr>
-          <p:cNvPr id="85" name="그림 84">
-            <a:extLst>
-              <a:ext uri="{FF2B5EF4-FFF2-40B4-BE49-F238E27FC236}">
-                <a16:creationId xmlns:a16="http://schemas.microsoft.com/office/drawing/2014/main" id="{9CBC8ADB-7759-96EC-7F3A-99D3F69EB87C}"/>
-              </a:ext>
-            </a:extLst>
-          </p:cNvPr>
-          <p:cNvPicPr>
-            <a:picLocks noChangeAspect="1"/>
-          </p:cNvPicPr>
-          <p:nvPr/>
-        </p:nvPicPr>
-        <p:blipFill>
-          <a:blip r:embed="rId2">
-            <a:extLst>
-              <a:ext uri="{28A0092B-C50C-407E-A947-70E740481C1C}">
-                <a14:useLocalDpi xmlns:a14="http://schemas.microsoft.com/office/drawing/2010/main" val="0"/>
-              </a:ext>
-            </a:extLst>
-          </a:blip>
-          <a:stretch>
-            <a:fillRect/>
-          </a:stretch>
-        </p:blipFill>
-        <p:spPr>
-          <a:xfrm>
-            <a:off x="9410690" y="4762500"/>
-            <a:ext cx="952500" cy="952500"/>
-          </a:xfrm>
-          <a:prstGeom prst="rect">
-            <a:avLst/>
-          </a:prstGeom>
-        </p:spPr>
-      </p:pic>
-      <p:pic>
-        <p:nvPicPr>
           <p:cNvPr id="86" name="그림 85">
             <a:extLst>
               <a:ext uri="{FF2B5EF4-FFF2-40B4-BE49-F238E27FC236}">
@@ -19375,42 +18763,6 @@
       </p:pic>
       <p:pic>
         <p:nvPicPr>
-          <p:cNvPr id="90" name="그림 89">
-            <a:extLst>
-              <a:ext uri="{FF2B5EF4-FFF2-40B4-BE49-F238E27FC236}">
-                <a16:creationId xmlns:a16="http://schemas.microsoft.com/office/drawing/2014/main" id="{A9C531DD-0E4D-779B-95E2-A53BA6ABA917}"/>
-              </a:ext>
-            </a:extLst>
-          </p:cNvPr>
-          <p:cNvPicPr>
-            <a:picLocks noChangeAspect="1"/>
-          </p:cNvPicPr>
-          <p:nvPr/>
-        </p:nvPicPr>
-        <p:blipFill>
-          <a:blip r:embed="rId2">
-            <a:extLst>
-              <a:ext uri="{28A0092B-C50C-407E-A947-70E740481C1C}">
-                <a14:useLocalDpi xmlns:a14="http://schemas.microsoft.com/office/drawing/2010/main" val="0"/>
-              </a:ext>
-            </a:extLst>
-          </a:blip>
-          <a:stretch>
-            <a:fillRect/>
-          </a:stretch>
-        </p:blipFill>
-        <p:spPr>
-          <a:xfrm>
-            <a:off x="1877274" y="5715000"/>
-            <a:ext cx="952500" cy="952500"/>
-          </a:xfrm>
-          <a:prstGeom prst="rect">
-            <a:avLst/>
-          </a:prstGeom>
-        </p:spPr>
-      </p:pic>
-      <p:pic>
-        <p:nvPicPr>
           <p:cNvPr id="91" name="그림 90">
             <a:extLst>
               <a:ext uri="{FF2B5EF4-FFF2-40B4-BE49-F238E27FC236}">
@@ -19447,78 +18799,6 @@
       </p:pic>
       <p:pic>
         <p:nvPicPr>
-          <p:cNvPr id="92" name="그림 91">
-            <a:extLst>
-              <a:ext uri="{FF2B5EF4-FFF2-40B4-BE49-F238E27FC236}">
-                <a16:creationId xmlns:a16="http://schemas.microsoft.com/office/drawing/2014/main" id="{AE3C197C-B8FB-77DC-65A2-35133A8BBE8C}"/>
-              </a:ext>
-            </a:extLst>
-          </p:cNvPr>
-          <p:cNvPicPr>
-            <a:picLocks noChangeAspect="1"/>
-          </p:cNvPicPr>
-          <p:nvPr/>
-        </p:nvPicPr>
-        <p:blipFill>
-          <a:blip r:embed="rId2">
-            <a:extLst>
-              <a:ext uri="{28A0092B-C50C-407E-A947-70E740481C1C}">
-                <a14:useLocalDpi xmlns:a14="http://schemas.microsoft.com/office/drawing/2010/main" val="0"/>
-              </a:ext>
-            </a:extLst>
-          </a:blip>
-          <a:stretch>
-            <a:fillRect/>
-          </a:stretch>
-        </p:blipFill>
-        <p:spPr>
-          <a:xfrm>
-            <a:off x="3758045" y="5715000"/>
-            <a:ext cx="952500" cy="952500"/>
-          </a:xfrm>
-          <a:prstGeom prst="rect">
-            <a:avLst/>
-          </a:prstGeom>
-        </p:spPr>
-      </p:pic>
-      <p:pic>
-        <p:nvPicPr>
-          <p:cNvPr id="93" name="그림 92">
-            <a:extLst>
-              <a:ext uri="{FF2B5EF4-FFF2-40B4-BE49-F238E27FC236}">
-                <a16:creationId xmlns:a16="http://schemas.microsoft.com/office/drawing/2014/main" id="{BC6F750B-C906-0CC5-D945-F2088D478A97}"/>
-              </a:ext>
-            </a:extLst>
-          </p:cNvPr>
-          <p:cNvPicPr>
-            <a:picLocks noChangeAspect="1"/>
-          </p:cNvPicPr>
-          <p:nvPr/>
-        </p:nvPicPr>
-        <p:blipFill>
-          <a:blip r:embed="rId2">
-            <a:extLst>
-              <a:ext uri="{28A0092B-C50C-407E-A947-70E740481C1C}">
-                <a14:useLocalDpi xmlns:a14="http://schemas.microsoft.com/office/drawing/2010/main" val="0"/>
-              </a:ext>
-            </a:extLst>
-          </a:blip>
-          <a:stretch>
-            <a:fillRect/>
-          </a:stretch>
-        </p:blipFill>
-        <p:spPr>
-          <a:xfrm>
-            <a:off x="4704638" y="5715000"/>
-            <a:ext cx="952500" cy="952500"/>
-          </a:xfrm>
-          <a:prstGeom prst="rect">
-            <a:avLst/>
-          </a:prstGeom>
-        </p:spPr>
-      </p:pic>
-      <p:pic>
-        <p:nvPicPr>
           <p:cNvPr id="94" name="그림 93">
             <a:extLst>
               <a:ext uri="{FF2B5EF4-FFF2-40B4-BE49-F238E27FC236}">
@@ -19555,20 +18835,308 @@
       </p:pic>
       <p:pic>
         <p:nvPicPr>
-          <p:cNvPr id="95" name="그림 94">
-            <a:extLst>
-              <a:ext uri="{FF2B5EF4-FFF2-40B4-BE49-F238E27FC236}">
-                <a16:creationId xmlns:a16="http://schemas.microsoft.com/office/drawing/2014/main" id="{F49EBD02-CE6F-57C3-09D9-74FC88A319C2}"/>
-              </a:ext>
-            </a:extLst>
-          </p:cNvPr>
-          <p:cNvPicPr>
-            <a:picLocks noChangeAspect="1"/>
-          </p:cNvPicPr>
-          <p:nvPr/>
-        </p:nvPicPr>
-        <p:blipFill>
-          <a:blip r:embed="rId2">
+          <p:cNvPr id="96" name="그림 95">
+            <a:extLst>
+              <a:ext uri="{FF2B5EF4-FFF2-40B4-BE49-F238E27FC236}">
+                <a16:creationId xmlns:a16="http://schemas.microsoft.com/office/drawing/2014/main" id="{284B47A3-BEFE-65C2-827A-96C0F47E0FB2}"/>
+              </a:ext>
+            </a:extLst>
+          </p:cNvPr>
+          <p:cNvPicPr>
+            <a:picLocks noChangeAspect="1"/>
+          </p:cNvPicPr>
+          <p:nvPr/>
+        </p:nvPicPr>
+        <p:blipFill>
+          <a:blip r:embed="rId2">
+            <a:extLst>
+              <a:ext uri="{28A0092B-C50C-407E-A947-70E740481C1C}">
+                <a14:useLocalDpi xmlns:a14="http://schemas.microsoft.com/office/drawing/2010/main" val="0"/>
+              </a:ext>
+            </a:extLst>
+          </a:blip>
+          <a:stretch>
+            <a:fillRect/>
+          </a:stretch>
+        </p:blipFill>
+        <p:spPr>
+          <a:xfrm>
+            <a:off x="7550632" y="5715000"/>
+            <a:ext cx="952500" cy="952500"/>
+          </a:xfrm>
+          <a:prstGeom prst="rect">
+            <a:avLst/>
+          </a:prstGeom>
+        </p:spPr>
+      </p:pic>
+      <p:pic>
+        <p:nvPicPr>
+          <p:cNvPr id="99" name="그림 98">
+            <a:extLst>
+              <a:ext uri="{FF2B5EF4-FFF2-40B4-BE49-F238E27FC236}">
+                <a16:creationId xmlns:a16="http://schemas.microsoft.com/office/drawing/2014/main" id="{217CDB79-0630-5FB6-B418-6B01978348EC}"/>
+              </a:ext>
+            </a:extLst>
+          </p:cNvPr>
+          <p:cNvPicPr>
+            <a:picLocks noChangeAspect="1"/>
+          </p:cNvPicPr>
+          <p:nvPr/>
+        </p:nvPicPr>
+        <p:blipFill>
+          <a:blip r:embed="rId2">
+            <a:extLst>
+              <a:ext uri="{28A0092B-C50C-407E-A947-70E740481C1C}">
+                <a14:useLocalDpi xmlns:a14="http://schemas.microsoft.com/office/drawing/2010/main" val="0"/>
+              </a:ext>
+            </a:extLst>
+          </a:blip>
+          <a:stretch>
+            <a:fillRect/>
+          </a:stretch>
+        </p:blipFill>
+        <p:spPr>
+          <a:xfrm>
+            <a:off x="10384570" y="5715000"/>
+            <a:ext cx="952500" cy="952500"/>
+          </a:xfrm>
+          <a:prstGeom prst="rect">
+            <a:avLst/>
+          </a:prstGeom>
+        </p:spPr>
+      </p:pic>
+      <p:pic>
+        <p:nvPicPr>
+          <p:cNvPr id="100" name="그림 99">
+            <a:extLst>
+              <a:ext uri="{FF2B5EF4-FFF2-40B4-BE49-F238E27FC236}">
+                <a16:creationId xmlns:a16="http://schemas.microsoft.com/office/drawing/2014/main" id="{AFA0F82C-107B-504A-F0A8-82AD9597D985}"/>
+              </a:ext>
+            </a:extLst>
+          </p:cNvPr>
+          <p:cNvPicPr>
+            <a:picLocks noChangeAspect="1"/>
+          </p:cNvPicPr>
+          <p:nvPr/>
+        </p:nvPicPr>
+        <p:blipFill>
+          <a:blip r:embed="rId2">
+            <a:extLst>
+              <a:ext uri="{28A0092B-C50C-407E-A947-70E740481C1C}">
+                <a14:useLocalDpi xmlns:a14="http://schemas.microsoft.com/office/drawing/2010/main" val="0"/>
+              </a:ext>
+            </a:extLst>
+          </a:blip>
+          <a:stretch>
+            <a:fillRect/>
+          </a:stretch>
+        </p:blipFill>
+        <p:spPr>
+          <a:xfrm>
+            <a:off x="11292518" y="5715000"/>
+            <a:ext cx="952500" cy="952500"/>
+          </a:xfrm>
+          <a:prstGeom prst="rect">
+            <a:avLst/>
+          </a:prstGeom>
+        </p:spPr>
+      </p:pic>
+      <p:pic>
+        <p:nvPicPr>
+          <p:cNvPr id="11" name="그림 10" descr="은, 레버, 키보드이(가) 표시된 사진&#10;&#10;자동 생성된 설명">
+            <a:extLst>
+              <a:ext uri="{FF2B5EF4-FFF2-40B4-BE49-F238E27FC236}">
+                <a16:creationId xmlns:a16="http://schemas.microsoft.com/office/drawing/2014/main" id="{2B36DE52-97B3-FE95-06F7-48375F03850F}"/>
+              </a:ext>
+            </a:extLst>
+          </p:cNvPr>
+          <p:cNvPicPr>
+            <a:picLocks noChangeAspect="1"/>
+          </p:cNvPicPr>
+          <p:nvPr/>
+        </p:nvPicPr>
+        <p:blipFill>
+          <a:blip r:embed="rId3">
+            <a:extLst>
+              <a:ext uri="{28A0092B-C50C-407E-A947-70E740481C1C}">
+                <a14:useLocalDpi xmlns:a14="http://schemas.microsoft.com/office/drawing/2010/main" val="0"/>
+              </a:ext>
+            </a:extLst>
+          </a:blip>
+          <a:stretch>
+            <a:fillRect/>
+          </a:stretch>
+        </p:blipFill>
+        <p:spPr>
+          <a:xfrm>
+            <a:off x="8525707" y="2857500"/>
+            <a:ext cx="3810000" cy="952500"/>
+          </a:xfrm>
+          <a:prstGeom prst="rect">
+            <a:avLst/>
+          </a:prstGeom>
+        </p:spPr>
+      </p:pic>
+      <p:pic>
+        <p:nvPicPr>
+          <p:cNvPr id="13" name="그림 12" descr="클립아트이(가) 표시된 사진&#10;&#10;자동 생성된 설명">
+            <a:extLst>
+              <a:ext uri="{FF2B5EF4-FFF2-40B4-BE49-F238E27FC236}">
+                <a16:creationId xmlns:a16="http://schemas.microsoft.com/office/drawing/2014/main" id="{9EF2A478-1F5C-08CC-9BEA-E2FC956E6DA7}"/>
+              </a:ext>
+            </a:extLst>
+          </p:cNvPr>
+          <p:cNvPicPr>
+            <a:picLocks noChangeAspect="1"/>
+          </p:cNvPicPr>
+          <p:nvPr/>
+        </p:nvPicPr>
+        <p:blipFill>
+          <a:blip r:embed="rId4">
+            <a:extLst>
+              <a:ext uri="{28A0092B-C50C-407E-A947-70E740481C1C}">
+                <a14:useLocalDpi xmlns:a14="http://schemas.microsoft.com/office/drawing/2010/main" val="0"/>
+              </a:ext>
+            </a:extLst>
+          </a:blip>
+          <a:stretch>
+            <a:fillRect/>
+          </a:stretch>
+        </p:blipFill>
+        <p:spPr>
+          <a:xfrm>
+            <a:off x="8487232" y="1904801"/>
+            <a:ext cx="952633" cy="952633"/>
+          </a:xfrm>
+          <a:prstGeom prst="rect">
+            <a:avLst/>
+          </a:prstGeom>
+        </p:spPr>
+      </p:pic>
+      <p:pic>
+        <p:nvPicPr>
+          <p:cNvPr id="15" name="그림 14" descr="그레이, 패브릭이(가) 표시된 사진&#10;&#10;자동 생성된 설명">
+            <a:extLst>
+              <a:ext uri="{FF2B5EF4-FFF2-40B4-BE49-F238E27FC236}">
+                <a16:creationId xmlns:a16="http://schemas.microsoft.com/office/drawing/2014/main" id="{23057F31-E504-53E0-0FA4-BF0DB85E63CD}"/>
+              </a:ext>
+            </a:extLst>
+          </p:cNvPr>
+          <p:cNvPicPr>
+            <a:picLocks noChangeAspect="1"/>
+          </p:cNvPicPr>
+          <p:nvPr/>
+        </p:nvPicPr>
+        <p:blipFill>
+          <a:blip r:embed="rId5">
+            <a:extLst>
+              <a:ext uri="{28A0092B-C50C-407E-A947-70E740481C1C}">
+                <a14:useLocalDpi xmlns:a14="http://schemas.microsoft.com/office/drawing/2010/main" val="0"/>
+              </a:ext>
+            </a:extLst>
+          </a:blip>
+          <a:stretch>
+            <a:fillRect/>
+          </a:stretch>
+        </p:blipFill>
+        <p:spPr>
+          <a:xfrm>
+            <a:off x="933843" y="4762500"/>
+            <a:ext cx="952500" cy="952500"/>
+          </a:xfrm>
+          <a:prstGeom prst="rect">
+            <a:avLst/>
+          </a:prstGeom>
+        </p:spPr>
+      </p:pic>
+      <p:pic>
+        <p:nvPicPr>
+          <p:cNvPr id="16" name="그림 15" descr="그레이, 패브릭이(가) 표시된 사진&#10;&#10;자동 생성된 설명">
+            <a:extLst>
+              <a:ext uri="{FF2B5EF4-FFF2-40B4-BE49-F238E27FC236}">
+                <a16:creationId xmlns:a16="http://schemas.microsoft.com/office/drawing/2014/main" id="{119F8367-F097-7AAE-A43B-E7B54F6F87DD}"/>
+              </a:ext>
+            </a:extLst>
+          </p:cNvPr>
+          <p:cNvPicPr>
+            <a:picLocks noChangeAspect="1"/>
+          </p:cNvPicPr>
+          <p:nvPr/>
+        </p:nvPicPr>
+        <p:blipFill>
+          <a:blip r:embed="rId5">
+            <a:extLst>
+              <a:ext uri="{28A0092B-C50C-407E-A947-70E740481C1C}">
+                <a14:useLocalDpi xmlns:a14="http://schemas.microsoft.com/office/drawing/2010/main" val="0"/>
+              </a:ext>
+            </a:extLst>
+          </a:blip>
+          <a:stretch>
+            <a:fillRect/>
+          </a:stretch>
+        </p:blipFill>
+        <p:spPr>
+          <a:xfrm>
+            <a:off x="1866339" y="5715000"/>
+            <a:ext cx="952500" cy="952500"/>
+          </a:xfrm>
+          <a:prstGeom prst="rect">
+            <a:avLst/>
+          </a:prstGeom>
+        </p:spPr>
+      </p:pic>
+      <p:pic>
+        <p:nvPicPr>
+          <p:cNvPr id="17" name="그림 16" descr="그레이, 패브릭이(가) 표시된 사진&#10;&#10;자동 생성된 설명">
+            <a:extLst>
+              <a:ext uri="{FF2B5EF4-FFF2-40B4-BE49-F238E27FC236}">
+                <a16:creationId xmlns:a16="http://schemas.microsoft.com/office/drawing/2014/main" id="{0FCECB42-81F4-E42D-F76B-F86B53C7E7AB}"/>
+              </a:ext>
+            </a:extLst>
+          </p:cNvPr>
+          <p:cNvPicPr>
+            <a:picLocks noChangeAspect="1"/>
+          </p:cNvPicPr>
+          <p:nvPr/>
+        </p:nvPicPr>
+        <p:blipFill>
+          <a:blip r:embed="rId5">
+            <a:extLst>
+              <a:ext uri="{28A0092B-C50C-407E-A947-70E740481C1C}">
+                <a14:useLocalDpi xmlns:a14="http://schemas.microsoft.com/office/drawing/2010/main" val="0"/>
+              </a:ext>
+            </a:extLst>
+          </a:blip>
+          <a:stretch>
+            <a:fillRect/>
+          </a:stretch>
+        </p:blipFill>
+        <p:spPr>
+          <a:xfrm>
+            <a:off x="3767102" y="5715000"/>
+            <a:ext cx="952500" cy="952500"/>
+          </a:xfrm>
+          <a:prstGeom prst="rect">
+            <a:avLst/>
+          </a:prstGeom>
+        </p:spPr>
+      </p:pic>
+      <p:pic>
+        <p:nvPicPr>
+          <p:cNvPr id="101" name="그림 100" descr="그레이, 패브릭이(가) 표시된 사진&#10;&#10;자동 생성된 설명">
+            <a:extLst>
+              <a:ext uri="{FF2B5EF4-FFF2-40B4-BE49-F238E27FC236}">
+                <a16:creationId xmlns:a16="http://schemas.microsoft.com/office/drawing/2014/main" id="{DBA07D43-8D7A-121E-1E4E-8FBC8612B87D}"/>
+              </a:ext>
+            </a:extLst>
+          </p:cNvPr>
+          <p:cNvPicPr>
+            <a:picLocks noChangeAspect="1"/>
+          </p:cNvPicPr>
+          <p:nvPr/>
+        </p:nvPicPr>
+        <p:blipFill>
+          <a:blip r:embed="rId5">
             <a:extLst>
               <a:ext uri="{28A0092B-C50C-407E-A947-70E740481C1C}">
                 <a14:useLocalDpi xmlns:a14="http://schemas.microsoft.com/office/drawing/2010/main" val="0"/>
@@ -19591,178 +19159,502 @@
       </p:pic>
       <p:pic>
         <p:nvPicPr>
-          <p:cNvPr id="96" name="그림 95">
-            <a:extLst>
-              <a:ext uri="{FF2B5EF4-FFF2-40B4-BE49-F238E27FC236}">
-                <a16:creationId xmlns:a16="http://schemas.microsoft.com/office/drawing/2014/main" id="{284B47A3-BEFE-65C2-827A-96C0F47E0FB2}"/>
-              </a:ext>
-            </a:extLst>
-          </p:cNvPr>
-          <p:cNvPicPr>
-            <a:picLocks noChangeAspect="1"/>
-          </p:cNvPicPr>
-          <p:nvPr/>
-        </p:nvPicPr>
-        <p:blipFill>
-          <a:blip r:embed="rId2">
-            <a:extLst>
-              <a:ext uri="{28A0092B-C50C-407E-A947-70E740481C1C}">
-                <a14:useLocalDpi xmlns:a14="http://schemas.microsoft.com/office/drawing/2010/main" val="0"/>
-              </a:ext>
-            </a:extLst>
-          </a:blip>
-          <a:stretch>
-            <a:fillRect/>
-          </a:stretch>
-        </p:blipFill>
-        <p:spPr>
-          <a:xfrm>
-            <a:off x="7550632" y="5715000"/>
-            <a:ext cx="952500" cy="952500"/>
-          </a:xfrm>
-          <a:prstGeom prst="rect">
-            <a:avLst/>
-          </a:prstGeom>
-        </p:spPr>
-      </p:pic>
-      <p:pic>
-        <p:nvPicPr>
-          <p:cNvPr id="97" name="그림 96">
-            <a:extLst>
-              <a:ext uri="{FF2B5EF4-FFF2-40B4-BE49-F238E27FC236}">
-                <a16:creationId xmlns:a16="http://schemas.microsoft.com/office/drawing/2014/main" id="{EE8833BF-497A-1B2C-E4DC-22E9EB755423}"/>
-              </a:ext>
-            </a:extLst>
-          </p:cNvPr>
-          <p:cNvPicPr>
-            <a:picLocks noChangeAspect="1"/>
-          </p:cNvPicPr>
-          <p:nvPr/>
-        </p:nvPicPr>
-        <p:blipFill>
-          <a:blip r:embed="rId2">
-            <a:extLst>
-              <a:ext uri="{28A0092B-C50C-407E-A947-70E740481C1C}">
-                <a14:useLocalDpi xmlns:a14="http://schemas.microsoft.com/office/drawing/2010/main" val="0"/>
-              </a:ext>
-            </a:extLst>
-          </a:blip>
-          <a:stretch>
-            <a:fillRect/>
-          </a:stretch>
-        </p:blipFill>
-        <p:spPr>
-          <a:xfrm>
-            <a:off x="8495408" y="5715000"/>
-            <a:ext cx="952500" cy="952500"/>
-          </a:xfrm>
-          <a:prstGeom prst="rect">
-            <a:avLst/>
-          </a:prstGeom>
-        </p:spPr>
-      </p:pic>
-      <p:pic>
-        <p:nvPicPr>
-          <p:cNvPr id="98" name="그림 97">
-            <a:extLst>
-              <a:ext uri="{FF2B5EF4-FFF2-40B4-BE49-F238E27FC236}">
-                <a16:creationId xmlns:a16="http://schemas.microsoft.com/office/drawing/2014/main" id="{6392275A-19B0-998D-C2D1-6B43E1EA2306}"/>
-              </a:ext>
-            </a:extLst>
-          </p:cNvPr>
-          <p:cNvPicPr>
-            <a:picLocks noChangeAspect="1"/>
-          </p:cNvPicPr>
-          <p:nvPr/>
-        </p:nvPicPr>
-        <p:blipFill>
-          <a:blip r:embed="rId2">
-            <a:extLst>
-              <a:ext uri="{28A0092B-C50C-407E-A947-70E740481C1C}">
-                <a14:useLocalDpi xmlns:a14="http://schemas.microsoft.com/office/drawing/2010/main" val="0"/>
-              </a:ext>
-            </a:extLst>
-          </a:blip>
-          <a:stretch>
-            <a:fillRect/>
-          </a:stretch>
-        </p:blipFill>
-        <p:spPr>
-          <a:xfrm>
-            <a:off x="9432070" y="5715000"/>
-            <a:ext cx="952500" cy="952500"/>
-          </a:xfrm>
-          <a:prstGeom prst="rect">
-            <a:avLst/>
-          </a:prstGeom>
-        </p:spPr>
-      </p:pic>
-      <p:pic>
-        <p:nvPicPr>
-          <p:cNvPr id="99" name="그림 98">
-            <a:extLst>
-              <a:ext uri="{FF2B5EF4-FFF2-40B4-BE49-F238E27FC236}">
-                <a16:creationId xmlns:a16="http://schemas.microsoft.com/office/drawing/2014/main" id="{217CDB79-0630-5FB6-B418-6B01978348EC}"/>
-              </a:ext>
-            </a:extLst>
-          </p:cNvPr>
-          <p:cNvPicPr>
-            <a:picLocks noChangeAspect="1"/>
-          </p:cNvPicPr>
-          <p:nvPr/>
-        </p:nvPicPr>
-        <p:blipFill>
-          <a:blip r:embed="rId2">
-            <a:extLst>
-              <a:ext uri="{28A0092B-C50C-407E-A947-70E740481C1C}">
-                <a14:useLocalDpi xmlns:a14="http://schemas.microsoft.com/office/drawing/2010/main" val="0"/>
-              </a:ext>
-            </a:extLst>
-          </a:blip>
-          <a:stretch>
-            <a:fillRect/>
-          </a:stretch>
-        </p:blipFill>
-        <p:spPr>
-          <a:xfrm>
-            <a:off x="10384570" y="5715000"/>
-            <a:ext cx="952500" cy="952500"/>
-          </a:xfrm>
-          <a:prstGeom prst="rect">
-            <a:avLst/>
-          </a:prstGeom>
-        </p:spPr>
-      </p:pic>
-      <p:pic>
-        <p:nvPicPr>
-          <p:cNvPr id="100" name="그림 99">
-            <a:extLst>
-              <a:ext uri="{FF2B5EF4-FFF2-40B4-BE49-F238E27FC236}">
-                <a16:creationId xmlns:a16="http://schemas.microsoft.com/office/drawing/2014/main" id="{AFA0F82C-107B-504A-F0A8-82AD9597D985}"/>
-              </a:ext>
-            </a:extLst>
-          </p:cNvPr>
-          <p:cNvPicPr>
-            <a:picLocks noChangeAspect="1"/>
-          </p:cNvPicPr>
-          <p:nvPr/>
-        </p:nvPicPr>
-        <p:blipFill>
-          <a:blip r:embed="rId2">
-            <a:extLst>
-              <a:ext uri="{28A0092B-C50C-407E-A947-70E740481C1C}">
-                <a14:useLocalDpi xmlns:a14="http://schemas.microsoft.com/office/drawing/2010/main" val="0"/>
-              </a:ext>
-            </a:extLst>
-          </a:blip>
-          <a:stretch>
-            <a:fillRect/>
-          </a:stretch>
-        </p:blipFill>
-        <p:spPr>
-          <a:xfrm>
-            <a:off x="11292518" y="5715000"/>
-            <a:ext cx="952500" cy="952500"/>
+          <p:cNvPr id="102" name="그림 101" descr="그레이, 패브릭이(가) 표시된 사진&#10;&#10;자동 생성된 설명">
+            <a:extLst>
+              <a:ext uri="{FF2B5EF4-FFF2-40B4-BE49-F238E27FC236}">
+                <a16:creationId xmlns:a16="http://schemas.microsoft.com/office/drawing/2014/main" id="{610FE7EA-C061-E8E3-75B1-AAE2B6C3EEC1}"/>
+              </a:ext>
+            </a:extLst>
+          </p:cNvPr>
+          <p:cNvPicPr>
+            <a:picLocks noChangeAspect="1"/>
+          </p:cNvPicPr>
+          <p:nvPr/>
+        </p:nvPicPr>
+        <p:blipFill>
+          <a:blip r:embed="rId5">
+            <a:extLst>
+              <a:ext uri="{28A0092B-C50C-407E-A947-70E740481C1C}">
+                <a14:useLocalDpi xmlns:a14="http://schemas.microsoft.com/office/drawing/2010/main" val="0"/>
+              </a:ext>
+            </a:extLst>
+          </a:blip>
+          <a:stretch>
+            <a:fillRect/>
+          </a:stretch>
+        </p:blipFill>
+        <p:spPr>
+          <a:xfrm>
+            <a:off x="8494375" y="5715000"/>
+            <a:ext cx="952500" cy="952500"/>
+          </a:xfrm>
+          <a:prstGeom prst="rect">
+            <a:avLst/>
+          </a:prstGeom>
+        </p:spPr>
+      </p:pic>
+      <p:pic>
+        <p:nvPicPr>
+          <p:cNvPr id="104" name="그림 103" descr="일렉트릭 블루, 블루, 마조렐 블루, 스크린샷이(가) 표시된 사진&#10;&#10;자동 생성된 설명">
+            <a:extLst>
+              <a:ext uri="{FF2B5EF4-FFF2-40B4-BE49-F238E27FC236}">
+                <a16:creationId xmlns:a16="http://schemas.microsoft.com/office/drawing/2014/main" id="{16B70227-3953-8D72-452C-16F9D683ADD4}"/>
+              </a:ext>
+            </a:extLst>
+          </p:cNvPr>
+          <p:cNvPicPr>
+            <a:picLocks noChangeAspect="1"/>
+          </p:cNvPicPr>
+          <p:nvPr/>
+        </p:nvPicPr>
+        <p:blipFill>
+          <a:blip r:embed="rId6">
+            <a:extLst>
+              <a:ext uri="{28A0092B-C50C-407E-A947-70E740481C1C}">
+                <a14:useLocalDpi xmlns:a14="http://schemas.microsoft.com/office/drawing/2010/main" val="0"/>
+              </a:ext>
+            </a:extLst>
+          </a:blip>
+          <a:stretch>
+            <a:fillRect/>
+          </a:stretch>
+        </p:blipFill>
+        <p:spPr>
+          <a:xfrm>
+            <a:off x="9433356" y="3810000"/>
+            <a:ext cx="952500" cy="952500"/>
+          </a:xfrm>
+          <a:prstGeom prst="rect">
+            <a:avLst/>
+          </a:prstGeom>
+        </p:spPr>
+      </p:pic>
+      <p:pic>
+        <p:nvPicPr>
+          <p:cNvPr id="106" name="그림 105" descr="클립아트, 예술, 일러스트레이션, 만화 영화이(가) 표시된 사진&#10;&#10;자동 생성된 설명">
+            <a:extLst>
+              <a:ext uri="{FF2B5EF4-FFF2-40B4-BE49-F238E27FC236}">
+                <a16:creationId xmlns:a16="http://schemas.microsoft.com/office/drawing/2014/main" id="{EF452522-AB95-12DD-AA8E-D36E106634B5}"/>
+              </a:ext>
+            </a:extLst>
+          </p:cNvPr>
+          <p:cNvPicPr>
+            <a:picLocks noChangeAspect="1"/>
+          </p:cNvPicPr>
+          <p:nvPr/>
+        </p:nvPicPr>
+        <p:blipFill>
+          <a:blip r:embed="rId7">
+            <a:extLst>
+              <a:ext uri="{28A0092B-C50C-407E-A947-70E740481C1C}">
+                <a14:useLocalDpi xmlns:a14="http://schemas.microsoft.com/office/drawing/2010/main" val="0"/>
+              </a:ext>
+            </a:extLst>
+          </a:blip>
+          <a:stretch>
+            <a:fillRect/>
+          </a:stretch>
+        </p:blipFill>
+        <p:spPr>
+          <a:xfrm>
+            <a:off x="4707081" y="5715000"/>
+            <a:ext cx="1016088" cy="1016088"/>
+          </a:xfrm>
+          <a:prstGeom prst="rect">
+            <a:avLst/>
+          </a:prstGeom>
+        </p:spPr>
+      </p:pic>
+      <p:pic>
+        <p:nvPicPr>
+          <p:cNvPr id="107" name="그림 106" descr="그레이, 패브릭이(가) 표시된 사진&#10;&#10;자동 생성된 설명">
+            <a:extLst>
+              <a:ext uri="{FF2B5EF4-FFF2-40B4-BE49-F238E27FC236}">
+                <a16:creationId xmlns:a16="http://schemas.microsoft.com/office/drawing/2014/main" id="{CE6AE60C-C9CC-6601-DEA1-D6D23EA27925}"/>
+              </a:ext>
+            </a:extLst>
+          </p:cNvPr>
+          <p:cNvPicPr>
+            <a:picLocks noChangeAspect="1"/>
+          </p:cNvPicPr>
+          <p:nvPr/>
+        </p:nvPicPr>
+        <p:blipFill>
+          <a:blip r:embed="rId5">
+            <a:extLst>
+              <a:ext uri="{28A0092B-C50C-407E-A947-70E740481C1C}">
+                <a14:useLocalDpi xmlns:a14="http://schemas.microsoft.com/office/drawing/2010/main" val="0"/>
+              </a:ext>
+            </a:extLst>
+          </a:blip>
+          <a:stretch>
+            <a:fillRect/>
+          </a:stretch>
+        </p:blipFill>
+        <p:spPr>
+          <a:xfrm>
+            <a:off x="933962" y="952003"/>
+            <a:ext cx="952500" cy="952500"/>
+          </a:xfrm>
+          <a:prstGeom prst="rect">
+            <a:avLst/>
+          </a:prstGeom>
+        </p:spPr>
+      </p:pic>
+      <p:pic>
+        <p:nvPicPr>
+          <p:cNvPr id="108" name="그림 107" descr="그레이, 패브릭이(가) 표시된 사진&#10;&#10;자동 생성된 설명">
+            <a:extLst>
+              <a:ext uri="{FF2B5EF4-FFF2-40B4-BE49-F238E27FC236}">
+                <a16:creationId xmlns:a16="http://schemas.microsoft.com/office/drawing/2014/main" id="{C75CD9DD-0F5E-481E-1040-B0A115ED360E}"/>
+              </a:ext>
+            </a:extLst>
+          </p:cNvPr>
+          <p:cNvPicPr>
+            <a:picLocks noChangeAspect="1"/>
+          </p:cNvPicPr>
+          <p:nvPr/>
+        </p:nvPicPr>
+        <p:blipFill>
+          <a:blip r:embed="rId5">
+            <a:extLst>
+              <a:ext uri="{28A0092B-C50C-407E-A947-70E740481C1C}">
+                <a14:useLocalDpi xmlns:a14="http://schemas.microsoft.com/office/drawing/2010/main" val="0"/>
+              </a:ext>
+            </a:extLst>
+          </a:blip>
+          <a:stretch>
+            <a:fillRect/>
+          </a:stretch>
+        </p:blipFill>
+        <p:spPr>
+          <a:xfrm>
+            <a:off x="950493" y="1904801"/>
+            <a:ext cx="952500" cy="952500"/>
+          </a:xfrm>
+          <a:prstGeom prst="rect">
+            <a:avLst/>
+          </a:prstGeom>
+        </p:spPr>
+      </p:pic>
+      <p:pic>
+        <p:nvPicPr>
+          <p:cNvPr id="109" name="그림 108" descr="그레이, 패브릭이(가) 표시된 사진&#10;&#10;자동 생성된 설명">
+            <a:extLst>
+              <a:ext uri="{FF2B5EF4-FFF2-40B4-BE49-F238E27FC236}">
+                <a16:creationId xmlns:a16="http://schemas.microsoft.com/office/drawing/2014/main" id="{AD439DF7-F5F9-2692-4E9B-18FF7583387C}"/>
+              </a:ext>
+            </a:extLst>
+          </p:cNvPr>
+          <p:cNvPicPr>
+            <a:picLocks noChangeAspect="1"/>
+          </p:cNvPicPr>
+          <p:nvPr/>
+        </p:nvPicPr>
+        <p:blipFill>
+          <a:blip r:embed="rId5">
+            <a:extLst>
+              <a:ext uri="{28A0092B-C50C-407E-A947-70E740481C1C}">
+                <a14:useLocalDpi xmlns:a14="http://schemas.microsoft.com/office/drawing/2010/main" val="0"/>
+              </a:ext>
+            </a:extLst>
+          </a:blip>
+          <a:stretch>
+            <a:fillRect/>
+          </a:stretch>
+        </p:blipFill>
+        <p:spPr>
+          <a:xfrm>
+            <a:off x="1875448" y="2856506"/>
+            <a:ext cx="952500" cy="952500"/>
+          </a:xfrm>
+          <a:prstGeom prst="rect">
+            <a:avLst/>
+          </a:prstGeom>
+        </p:spPr>
+      </p:pic>
+      <p:pic>
+        <p:nvPicPr>
+          <p:cNvPr id="110" name="그림 109" descr="그레이, 패브릭이(가) 표시된 사진&#10;&#10;자동 생성된 설명">
+            <a:extLst>
+              <a:ext uri="{FF2B5EF4-FFF2-40B4-BE49-F238E27FC236}">
+                <a16:creationId xmlns:a16="http://schemas.microsoft.com/office/drawing/2014/main" id="{4C8F49EE-B709-31D8-2542-0BD715403EA4}"/>
+              </a:ext>
+            </a:extLst>
+          </p:cNvPr>
+          <p:cNvPicPr>
+            <a:picLocks noChangeAspect="1"/>
+          </p:cNvPicPr>
+          <p:nvPr/>
+        </p:nvPicPr>
+        <p:blipFill>
+          <a:blip r:embed="rId5">
+            <a:extLst>
+              <a:ext uri="{28A0092B-C50C-407E-A947-70E740481C1C}">
+                <a14:useLocalDpi xmlns:a14="http://schemas.microsoft.com/office/drawing/2010/main" val="0"/>
+              </a:ext>
+            </a:extLst>
+          </a:blip>
+          <a:stretch>
+            <a:fillRect/>
+          </a:stretch>
+        </p:blipFill>
+        <p:spPr>
+          <a:xfrm>
+            <a:off x="3787893" y="1904006"/>
+            <a:ext cx="952500" cy="952500"/>
+          </a:xfrm>
+          <a:prstGeom prst="rect">
+            <a:avLst/>
+          </a:prstGeom>
+        </p:spPr>
+      </p:pic>
+      <p:pic>
+        <p:nvPicPr>
+          <p:cNvPr id="111" name="그림 110" descr="그레이, 패브릭이(가) 표시된 사진&#10;&#10;자동 생성된 설명">
+            <a:extLst>
+              <a:ext uri="{FF2B5EF4-FFF2-40B4-BE49-F238E27FC236}">
+                <a16:creationId xmlns:a16="http://schemas.microsoft.com/office/drawing/2014/main" id="{726BF5CD-149D-7A6A-B463-07D332BB2959}"/>
+              </a:ext>
+            </a:extLst>
+          </p:cNvPr>
+          <p:cNvPicPr>
+            <a:picLocks noChangeAspect="1"/>
+          </p:cNvPicPr>
+          <p:nvPr/>
+        </p:nvPicPr>
+        <p:blipFill>
+          <a:blip r:embed="rId5">
+            <a:extLst>
+              <a:ext uri="{28A0092B-C50C-407E-A947-70E740481C1C}">
+                <a14:useLocalDpi xmlns:a14="http://schemas.microsoft.com/office/drawing/2010/main" val="0"/>
+              </a:ext>
+            </a:extLst>
+          </a:blip>
+          <a:stretch>
+            <a:fillRect/>
+          </a:stretch>
+        </p:blipFill>
+        <p:spPr>
+          <a:xfrm>
+            <a:off x="4712832" y="3808012"/>
+            <a:ext cx="952500" cy="952500"/>
+          </a:xfrm>
+          <a:prstGeom prst="rect">
+            <a:avLst/>
+          </a:prstGeom>
+        </p:spPr>
+      </p:pic>
+      <p:pic>
+        <p:nvPicPr>
+          <p:cNvPr id="112" name="그림 111" descr="그레이, 패브릭이(가) 표시된 사진&#10;&#10;자동 생성된 설명">
+            <a:extLst>
+              <a:ext uri="{FF2B5EF4-FFF2-40B4-BE49-F238E27FC236}">
+                <a16:creationId xmlns:a16="http://schemas.microsoft.com/office/drawing/2014/main" id="{54032F75-4C2D-D236-A702-411739865E81}"/>
+              </a:ext>
+            </a:extLst>
+          </p:cNvPr>
+          <p:cNvPicPr>
+            <a:picLocks noChangeAspect="1"/>
+          </p:cNvPicPr>
+          <p:nvPr/>
+        </p:nvPicPr>
+        <p:blipFill>
+          <a:blip r:embed="rId5">
+            <a:extLst>
+              <a:ext uri="{28A0092B-C50C-407E-A947-70E740481C1C}">
+                <a14:useLocalDpi xmlns:a14="http://schemas.microsoft.com/office/drawing/2010/main" val="0"/>
+              </a:ext>
+            </a:extLst>
+          </a:blip>
+          <a:stretch>
+            <a:fillRect/>
+          </a:stretch>
+        </p:blipFill>
+        <p:spPr>
+          <a:xfrm>
+            <a:off x="6624226" y="1904006"/>
+            <a:ext cx="952500" cy="952500"/>
+          </a:xfrm>
+          <a:prstGeom prst="rect">
+            <a:avLst/>
+          </a:prstGeom>
+        </p:spPr>
+      </p:pic>
+      <p:pic>
+        <p:nvPicPr>
+          <p:cNvPr id="113" name="그림 112" descr="그레이, 패브릭이(가) 표시된 사진&#10;&#10;자동 생성된 설명">
+            <a:extLst>
+              <a:ext uri="{FF2B5EF4-FFF2-40B4-BE49-F238E27FC236}">
+                <a16:creationId xmlns:a16="http://schemas.microsoft.com/office/drawing/2014/main" id="{F647A4A2-C47D-32AE-7657-8880092CFD43}"/>
+              </a:ext>
+            </a:extLst>
+          </p:cNvPr>
+          <p:cNvPicPr>
+            <a:picLocks noChangeAspect="1"/>
+          </p:cNvPicPr>
+          <p:nvPr/>
+        </p:nvPicPr>
+        <p:blipFill>
+          <a:blip r:embed="rId5">
+            <a:extLst>
+              <a:ext uri="{28A0092B-C50C-407E-A947-70E740481C1C}">
+                <a14:useLocalDpi xmlns:a14="http://schemas.microsoft.com/office/drawing/2010/main" val="0"/>
+              </a:ext>
+            </a:extLst>
+          </a:blip>
+          <a:stretch>
+            <a:fillRect/>
+          </a:stretch>
+        </p:blipFill>
+        <p:spPr>
+          <a:xfrm>
+            <a:off x="9446553" y="951506"/>
+            <a:ext cx="952500" cy="952500"/>
+          </a:xfrm>
+          <a:prstGeom prst="rect">
+            <a:avLst/>
+          </a:prstGeom>
+        </p:spPr>
+      </p:pic>
+      <p:pic>
+        <p:nvPicPr>
+          <p:cNvPr id="115" name="그림 114" descr="일렉트릭 블루, 블루, 마조렐 블루, 스크린샷이(가) 표시된 사진&#10;&#10;자동 생성된 설명">
+            <a:extLst>
+              <a:ext uri="{FF2B5EF4-FFF2-40B4-BE49-F238E27FC236}">
+                <a16:creationId xmlns:a16="http://schemas.microsoft.com/office/drawing/2014/main" id="{B0E0AF00-098E-E2FC-FBE1-C8CCD51AA936}"/>
+              </a:ext>
+            </a:extLst>
+          </p:cNvPr>
+          <p:cNvPicPr>
+            <a:picLocks noChangeAspect="1"/>
+          </p:cNvPicPr>
+          <p:nvPr/>
+        </p:nvPicPr>
+        <p:blipFill>
+          <a:blip r:embed="rId6">
+            <a:extLst>
+              <a:ext uri="{28A0092B-C50C-407E-A947-70E740481C1C}">
+                <a14:useLocalDpi xmlns:a14="http://schemas.microsoft.com/office/drawing/2010/main" val="0"/>
+              </a:ext>
+            </a:extLst>
+          </a:blip>
+          <a:stretch>
+            <a:fillRect/>
+          </a:stretch>
+        </p:blipFill>
+        <p:spPr>
+          <a:xfrm>
+            <a:off x="-10863" y="2857003"/>
+            <a:ext cx="952500" cy="951506"/>
+          </a:xfrm>
+          <a:prstGeom prst="rect">
+            <a:avLst/>
+          </a:prstGeom>
+        </p:spPr>
+      </p:pic>
+      <p:pic>
+        <p:nvPicPr>
+          <p:cNvPr id="117" name="그림 116" descr="클립아트이(가) 표시된 사진&#10;&#10;자동 생성된 설명">
+            <a:extLst>
+              <a:ext uri="{FF2B5EF4-FFF2-40B4-BE49-F238E27FC236}">
+                <a16:creationId xmlns:a16="http://schemas.microsoft.com/office/drawing/2014/main" id="{057A58D5-EC35-68CA-3EFA-5FB8D6C1F663}"/>
+              </a:ext>
+            </a:extLst>
+          </p:cNvPr>
+          <p:cNvPicPr>
+            <a:picLocks noChangeAspect="1"/>
+          </p:cNvPicPr>
+          <p:nvPr/>
+        </p:nvPicPr>
+        <p:blipFill>
+          <a:blip r:embed="rId4">
+            <a:extLst>
+              <a:ext uri="{28A0092B-C50C-407E-A947-70E740481C1C}">
+                <a14:useLocalDpi xmlns:a14="http://schemas.microsoft.com/office/drawing/2010/main" val="0"/>
+              </a:ext>
+            </a:extLst>
+          </a:blip>
+          <a:stretch>
+            <a:fillRect/>
+          </a:stretch>
+        </p:blipFill>
+        <p:spPr>
+          <a:xfrm>
+            <a:off x="1888481" y="4762433"/>
+            <a:ext cx="952633" cy="952633"/>
+          </a:xfrm>
+          <a:prstGeom prst="rect">
+            <a:avLst/>
+          </a:prstGeom>
+        </p:spPr>
+      </p:pic>
+      <p:pic>
+        <p:nvPicPr>
+          <p:cNvPr id="118" name="그림 117" descr="클립아트이(가) 표시된 사진&#10;&#10;자동 생성된 설명">
+            <a:extLst>
+              <a:ext uri="{FF2B5EF4-FFF2-40B4-BE49-F238E27FC236}">
+                <a16:creationId xmlns:a16="http://schemas.microsoft.com/office/drawing/2014/main" id="{D3745E66-A53D-6DD3-A965-37049F66D1BA}"/>
+              </a:ext>
+            </a:extLst>
+          </p:cNvPr>
+          <p:cNvPicPr>
+            <a:picLocks noChangeAspect="1"/>
+          </p:cNvPicPr>
+          <p:nvPr/>
+        </p:nvPicPr>
+        <p:blipFill>
+          <a:blip r:embed="rId4">
+            <a:extLst>
+              <a:ext uri="{28A0092B-C50C-407E-A947-70E740481C1C}">
+                <a14:useLocalDpi xmlns:a14="http://schemas.microsoft.com/office/drawing/2010/main" val="0"/>
+              </a:ext>
+            </a:extLst>
+          </a:blip>
+          <a:stretch>
+            <a:fillRect/>
+          </a:stretch>
+        </p:blipFill>
+        <p:spPr>
+          <a:xfrm>
+            <a:off x="9420090" y="4760512"/>
+            <a:ext cx="952633" cy="952633"/>
+          </a:xfrm>
+          <a:prstGeom prst="rect">
+            <a:avLst/>
+          </a:prstGeom>
+        </p:spPr>
+      </p:pic>
+      <p:pic>
+        <p:nvPicPr>
+          <p:cNvPr id="119" name="그림 118" descr="일렉트릭 블루, 블루, 마조렐 블루, 스크린샷이(가) 표시된 사진&#10;&#10;자동 생성된 설명">
+            <a:extLst>
+              <a:ext uri="{FF2B5EF4-FFF2-40B4-BE49-F238E27FC236}">
+                <a16:creationId xmlns:a16="http://schemas.microsoft.com/office/drawing/2014/main" id="{BE417C62-D8E7-74EA-A454-83581789B8C4}"/>
+              </a:ext>
+            </a:extLst>
+          </p:cNvPr>
+          <p:cNvPicPr>
+            <a:picLocks noChangeAspect="1"/>
+          </p:cNvPicPr>
+          <p:nvPr/>
+        </p:nvPicPr>
+        <p:blipFill>
+          <a:blip r:embed="rId6">
+            <a:extLst>
+              <a:ext uri="{28A0092B-C50C-407E-A947-70E740481C1C}">
+                <a14:useLocalDpi xmlns:a14="http://schemas.microsoft.com/office/drawing/2010/main" val="0"/>
+              </a:ext>
+            </a:extLst>
+          </a:blip>
+          <a:stretch>
+            <a:fillRect/>
+          </a:stretch>
+        </p:blipFill>
+        <p:spPr>
+          <a:xfrm>
+            <a:off x="9441872" y="5712151"/>
+            <a:ext cx="952500" cy="951506"/>
           </a:xfrm>
           <a:prstGeom prst="rect">
             <a:avLst/>
@@ -20305,42 +20197,6 @@
       </p:pic>
       <p:pic>
         <p:nvPicPr>
-          <p:cNvPr id="24" name="그림 23">
-            <a:extLst>
-              <a:ext uri="{FF2B5EF4-FFF2-40B4-BE49-F238E27FC236}">
-                <a16:creationId xmlns:a16="http://schemas.microsoft.com/office/drawing/2014/main" id="{B2EA0044-2ADA-48E7-B681-DB83F6FDA8B3}"/>
-              </a:ext>
-            </a:extLst>
-          </p:cNvPr>
-          <p:cNvPicPr>
-            <a:picLocks noChangeAspect="1"/>
-          </p:cNvPicPr>
-          <p:nvPr/>
-        </p:nvPicPr>
-        <p:blipFill>
-          <a:blip r:embed="rId2">
-            <a:extLst>
-              <a:ext uri="{28A0092B-C50C-407E-A947-70E740481C1C}">
-                <a14:useLocalDpi xmlns:a14="http://schemas.microsoft.com/office/drawing/2010/main" val="0"/>
-              </a:ext>
-            </a:extLst>
-          </a:blip>
-          <a:stretch>
-            <a:fillRect/>
-          </a:stretch>
-        </p:blipFill>
-        <p:spPr>
-          <a:xfrm>
-            <a:off x="1875559" y="952500"/>
-            <a:ext cx="952500" cy="952500"/>
-          </a:xfrm>
-          <a:prstGeom prst="rect">
-            <a:avLst/>
-          </a:prstGeom>
-        </p:spPr>
-      </p:pic>
-      <p:pic>
-        <p:nvPicPr>
           <p:cNvPr id="25" name="그림 24">
             <a:extLst>
               <a:ext uri="{FF2B5EF4-FFF2-40B4-BE49-F238E27FC236}">
@@ -20413,42 +20269,6 @@
       </p:pic>
       <p:pic>
         <p:nvPicPr>
-          <p:cNvPr id="27" name="그림 26">
-            <a:extLst>
-              <a:ext uri="{FF2B5EF4-FFF2-40B4-BE49-F238E27FC236}">
-                <a16:creationId xmlns:a16="http://schemas.microsoft.com/office/drawing/2014/main" id="{51B6B6E9-6CAD-FF7B-FF50-C5D5292E89EB}"/>
-              </a:ext>
-            </a:extLst>
-          </p:cNvPr>
-          <p:cNvPicPr>
-            <a:picLocks noChangeAspect="1"/>
-          </p:cNvPicPr>
-          <p:nvPr/>
-        </p:nvPicPr>
-        <p:blipFill>
-          <a:blip r:embed="rId2">
-            <a:extLst>
-              <a:ext uri="{28A0092B-C50C-407E-A947-70E740481C1C}">
-                <a14:useLocalDpi xmlns:a14="http://schemas.microsoft.com/office/drawing/2010/main" val="0"/>
-              </a:ext>
-            </a:extLst>
-          </a:blip>
-          <a:stretch>
-            <a:fillRect/>
-          </a:stretch>
-        </p:blipFill>
-        <p:spPr>
-          <a:xfrm>
-            <a:off x="2831522" y="952500"/>
-            <a:ext cx="952500" cy="952500"/>
-          </a:xfrm>
-          <a:prstGeom prst="rect">
-            <a:avLst/>
-          </a:prstGeom>
-        </p:spPr>
-      </p:pic>
-      <p:pic>
-        <p:nvPicPr>
           <p:cNvPr id="28" name="그림 27">
             <a:extLst>
               <a:ext uri="{FF2B5EF4-FFF2-40B4-BE49-F238E27FC236}">
@@ -20629,42 +20449,6 @@
       </p:pic>
       <p:pic>
         <p:nvPicPr>
-          <p:cNvPr id="33" name="그림 32">
-            <a:extLst>
-              <a:ext uri="{FF2B5EF4-FFF2-40B4-BE49-F238E27FC236}">
-                <a16:creationId xmlns:a16="http://schemas.microsoft.com/office/drawing/2014/main" id="{48AA1C14-249F-DB68-D4F3-D53B80E6BF7E}"/>
-              </a:ext>
-            </a:extLst>
-          </p:cNvPr>
-          <p:cNvPicPr>
-            <a:picLocks noChangeAspect="1"/>
-          </p:cNvPicPr>
-          <p:nvPr/>
-        </p:nvPicPr>
-        <p:blipFill>
-          <a:blip r:embed="rId2">
-            <a:extLst>
-              <a:ext uri="{28A0092B-C50C-407E-A947-70E740481C1C}">
-                <a14:useLocalDpi xmlns:a14="http://schemas.microsoft.com/office/drawing/2010/main" val="0"/>
-              </a:ext>
-            </a:extLst>
-          </a:blip>
-          <a:stretch>
-            <a:fillRect/>
-          </a:stretch>
-        </p:blipFill>
-        <p:spPr>
-          <a:xfrm>
-            <a:off x="9433213" y="952500"/>
-            <a:ext cx="952500" cy="952500"/>
-          </a:xfrm>
-          <a:prstGeom prst="rect">
-            <a:avLst/>
-          </a:prstGeom>
-        </p:spPr>
-      </p:pic>
-      <p:pic>
-        <p:nvPicPr>
           <p:cNvPr id="34" name="그림 33">
             <a:extLst>
               <a:ext uri="{FF2B5EF4-FFF2-40B4-BE49-F238E27FC236}">
@@ -20737,42 +20521,6 @@
       </p:pic>
       <p:pic>
         <p:nvPicPr>
-          <p:cNvPr id="36" name="그림 35">
-            <a:extLst>
-              <a:ext uri="{FF2B5EF4-FFF2-40B4-BE49-F238E27FC236}">
-                <a16:creationId xmlns:a16="http://schemas.microsoft.com/office/drawing/2014/main" id="{D1B10F92-EC7E-DF55-EBFD-AD5552AF3CB0}"/>
-              </a:ext>
-            </a:extLst>
-          </p:cNvPr>
-          <p:cNvPicPr>
-            <a:picLocks noChangeAspect="1"/>
-          </p:cNvPicPr>
-          <p:nvPr/>
-        </p:nvPicPr>
-        <p:blipFill>
-          <a:blip r:embed="rId2">
-            <a:extLst>
-              <a:ext uri="{28A0092B-C50C-407E-A947-70E740481C1C}">
-                <a14:useLocalDpi xmlns:a14="http://schemas.microsoft.com/office/drawing/2010/main" val="0"/>
-              </a:ext>
-            </a:extLst>
-          </a:blip>
-          <a:stretch>
-            <a:fillRect/>
-          </a:stretch>
-        </p:blipFill>
-        <p:spPr>
-          <a:xfrm>
-            <a:off x="-3464" y="1905000"/>
-            <a:ext cx="952500" cy="952500"/>
-          </a:xfrm>
-          <a:prstGeom prst="rect">
-            <a:avLst/>
-          </a:prstGeom>
-        </p:spPr>
-      </p:pic>
-      <p:pic>
-        <p:nvPicPr>
           <p:cNvPr id="37" name="그림 36">
             <a:extLst>
               <a:ext uri="{FF2B5EF4-FFF2-40B4-BE49-F238E27FC236}">
@@ -20809,42 +20557,6 @@
       </p:pic>
       <p:pic>
         <p:nvPicPr>
-          <p:cNvPr id="38" name="그림 37">
-            <a:extLst>
-              <a:ext uri="{FF2B5EF4-FFF2-40B4-BE49-F238E27FC236}">
-                <a16:creationId xmlns:a16="http://schemas.microsoft.com/office/drawing/2014/main" id="{07ABA64A-54B5-F322-B270-CA03306FDDE3}"/>
-              </a:ext>
-            </a:extLst>
-          </p:cNvPr>
-          <p:cNvPicPr>
-            <a:picLocks noChangeAspect="1"/>
-          </p:cNvPicPr>
-          <p:nvPr/>
-        </p:nvPicPr>
-        <p:blipFill>
-          <a:blip r:embed="rId2">
-            <a:extLst>
-              <a:ext uri="{28A0092B-C50C-407E-A947-70E740481C1C}">
-                <a14:useLocalDpi xmlns:a14="http://schemas.microsoft.com/office/drawing/2010/main" val="0"/>
-              </a:ext>
-            </a:extLst>
-          </a:blip>
-          <a:stretch>
-            <a:fillRect/>
-          </a:stretch>
-        </p:blipFill>
-        <p:spPr>
-          <a:xfrm>
-            <a:off x="1895474" y="1905000"/>
-            <a:ext cx="952500" cy="952500"/>
-          </a:xfrm>
-          <a:prstGeom prst="rect">
-            <a:avLst/>
-          </a:prstGeom>
-        </p:spPr>
-      </p:pic>
-      <p:pic>
-        <p:nvPicPr>
           <p:cNvPr id="39" name="그림 38">
             <a:extLst>
               <a:ext uri="{FF2B5EF4-FFF2-40B4-BE49-F238E27FC236}">
@@ -21061,78 +20773,6 @@
       </p:pic>
       <p:pic>
         <p:nvPicPr>
-          <p:cNvPr id="45" name="그림 44">
-            <a:extLst>
-              <a:ext uri="{FF2B5EF4-FFF2-40B4-BE49-F238E27FC236}">
-                <a16:creationId xmlns:a16="http://schemas.microsoft.com/office/drawing/2014/main" id="{694BD0A5-4B0B-5C28-8E4F-6E5D323816EF}"/>
-              </a:ext>
-            </a:extLst>
-          </p:cNvPr>
-          <p:cNvPicPr>
-            <a:picLocks noChangeAspect="1"/>
-          </p:cNvPicPr>
-          <p:nvPr/>
-        </p:nvPicPr>
-        <p:blipFill>
-          <a:blip r:embed="rId2">
-            <a:extLst>
-              <a:ext uri="{28A0092B-C50C-407E-A947-70E740481C1C}">
-                <a14:useLocalDpi xmlns:a14="http://schemas.microsoft.com/office/drawing/2010/main" val="0"/>
-              </a:ext>
-            </a:extLst>
-          </a:blip>
-          <a:stretch>
-            <a:fillRect/>
-          </a:stretch>
-        </p:blipFill>
-        <p:spPr>
-          <a:xfrm>
-            <a:off x="8497111" y="1905000"/>
-            <a:ext cx="952500" cy="952500"/>
-          </a:xfrm>
-          <a:prstGeom prst="rect">
-            <a:avLst/>
-          </a:prstGeom>
-        </p:spPr>
-      </p:pic>
-      <p:pic>
-        <p:nvPicPr>
-          <p:cNvPr id="46" name="그림 45">
-            <a:extLst>
-              <a:ext uri="{FF2B5EF4-FFF2-40B4-BE49-F238E27FC236}">
-                <a16:creationId xmlns:a16="http://schemas.microsoft.com/office/drawing/2014/main" id="{FA3D875F-7298-69A5-3EA5-D7FC41A5E9BB}"/>
-              </a:ext>
-            </a:extLst>
-          </p:cNvPr>
-          <p:cNvPicPr>
-            <a:picLocks noChangeAspect="1"/>
-          </p:cNvPicPr>
-          <p:nvPr/>
-        </p:nvPicPr>
-        <p:blipFill>
-          <a:blip r:embed="rId2">
-            <a:extLst>
-              <a:ext uri="{28A0092B-C50C-407E-A947-70E740481C1C}">
-                <a14:useLocalDpi xmlns:a14="http://schemas.microsoft.com/office/drawing/2010/main" val="0"/>
-              </a:ext>
-            </a:extLst>
-          </a:blip>
-          <a:stretch>
-            <a:fillRect/>
-          </a:stretch>
-        </p:blipFill>
-        <p:spPr>
-          <a:xfrm>
-            <a:off x="9441872" y="1905000"/>
-            <a:ext cx="952500" cy="952500"/>
-          </a:xfrm>
-          <a:prstGeom prst="rect">
-            <a:avLst/>
-          </a:prstGeom>
-        </p:spPr>
-      </p:pic>
-      <p:pic>
-        <p:nvPicPr>
           <p:cNvPr id="47" name="그림 46">
             <a:extLst>
               <a:ext uri="{FF2B5EF4-FFF2-40B4-BE49-F238E27FC236}">
@@ -21169,114 +20809,6 @@
       </p:pic>
       <p:pic>
         <p:nvPicPr>
-          <p:cNvPr id="48" name="그림 47">
-            <a:extLst>
-              <a:ext uri="{FF2B5EF4-FFF2-40B4-BE49-F238E27FC236}">
-                <a16:creationId xmlns:a16="http://schemas.microsoft.com/office/drawing/2014/main" id="{E6D707AE-AF9A-B707-C26B-50D050C12EB6}"/>
-              </a:ext>
-            </a:extLst>
-          </p:cNvPr>
-          <p:cNvPicPr>
-            <a:picLocks noChangeAspect="1"/>
-          </p:cNvPicPr>
-          <p:nvPr/>
-        </p:nvPicPr>
-        <p:blipFill>
-          <a:blip r:embed="rId2">
-            <a:extLst>
-              <a:ext uri="{28A0092B-C50C-407E-A947-70E740481C1C}">
-                <a14:useLocalDpi xmlns:a14="http://schemas.microsoft.com/office/drawing/2010/main" val="0"/>
-              </a:ext>
-            </a:extLst>
-          </a:blip>
-          <a:stretch>
-            <a:fillRect/>
-          </a:stretch>
-        </p:blipFill>
-        <p:spPr>
-          <a:xfrm>
-            <a:off x="11302251" y="1905000"/>
-            <a:ext cx="952500" cy="952500"/>
-          </a:xfrm>
-          <a:prstGeom prst="rect">
-            <a:avLst/>
-          </a:prstGeom>
-        </p:spPr>
-      </p:pic>
-      <p:pic>
-        <p:nvPicPr>
-          <p:cNvPr id="49" name="그림 48">
-            <a:extLst>
-              <a:ext uri="{FF2B5EF4-FFF2-40B4-BE49-F238E27FC236}">
-                <a16:creationId xmlns:a16="http://schemas.microsoft.com/office/drawing/2014/main" id="{C98D2232-7227-2C30-3FB1-132B37263BC4}"/>
-              </a:ext>
-            </a:extLst>
-          </p:cNvPr>
-          <p:cNvPicPr>
-            <a:picLocks noChangeAspect="1"/>
-          </p:cNvPicPr>
-          <p:nvPr/>
-        </p:nvPicPr>
-        <p:blipFill>
-          <a:blip r:embed="rId2">
-            <a:extLst>
-              <a:ext uri="{28A0092B-C50C-407E-A947-70E740481C1C}">
-                <a14:useLocalDpi xmlns:a14="http://schemas.microsoft.com/office/drawing/2010/main" val="0"/>
-              </a:ext>
-            </a:extLst>
-          </a:blip>
-          <a:stretch>
-            <a:fillRect/>
-          </a:stretch>
-        </p:blipFill>
-        <p:spPr>
-          <a:xfrm>
-            <a:off x="-2679" y="2857500"/>
-            <a:ext cx="952500" cy="952500"/>
-          </a:xfrm>
-          <a:prstGeom prst="rect">
-            <a:avLst/>
-          </a:prstGeom>
-        </p:spPr>
-      </p:pic>
-      <p:pic>
-        <p:nvPicPr>
-          <p:cNvPr id="50" name="그림 49">
-            <a:extLst>
-              <a:ext uri="{FF2B5EF4-FFF2-40B4-BE49-F238E27FC236}">
-                <a16:creationId xmlns:a16="http://schemas.microsoft.com/office/drawing/2014/main" id="{047985E4-5ADD-B9A3-3938-69B14485487D}"/>
-              </a:ext>
-            </a:extLst>
-          </p:cNvPr>
-          <p:cNvPicPr>
-            <a:picLocks noChangeAspect="1"/>
-          </p:cNvPicPr>
-          <p:nvPr/>
-        </p:nvPicPr>
-        <p:blipFill>
-          <a:blip r:embed="rId2">
-            <a:extLst>
-              <a:ext uri="{28A0092B-C50C-407E-A947-70E740481C1C}">
-                <a14:useLocalDpi xmlns:a14="http://schemas.microsoft.com/office/drawing/2010/main" val="0"/>
-              </a:ext>
-            </a:extLst>
-          </a:blip>
-          <a:stretch>
-            <a:fillRect/>
-          </a:stretch>
-        </p:blipFill>
-        <p:spPr>
-          <a:xfrm>
-            <a:off x="929986" y="2857500"/>
-            <a:ext cx="952500" cy="952500"/>
-          </a:xfrm>
-          <a:prstGeom prst="rect">
-            <a:avLst/>
-          </a:prstGeom>
-        </p:spPr>
-      </p:pic>
-      <p:pic>
-        <p:nvPicPr>
           <p:cNvPr id="51" name="그림 50">
             <a:extLst>
               <a:ext uri="{FF2B5EF4-FFF2-40B4-BE49-F238E27FC236}">
@@ -21349,114 +20881,6 @@
       </p:pic>
       <p:pic>
         <p:nvPicPr>
-          <p:cNvPr id="53" name="그림 52">
-            <a:extLst>
-              <a:ext uri="{FF2B5EF4-FFF2-40B4-BE49-F238E27FC236}">
-                <a16:creationId xmlns:a16="http://schemas.microsoft.com/office/drawing/2014/main" id="{B023B1BB-3F5E-8661-694C-6A46856641B8}"/>
-              </a:ext>
-            </a:extLst>
-          </p:cNvPr>
-          <p:cNvPicPr>
-            <a:picLocks noChangeAspect="1"/>
-          </p:cNvPicPr>
-          <p:nvPr/>
-        </p:nvPicPr>
-        <p:blipFill>
-          <a:blip r:embed="rId2">
-            <a:extLst>
-              <a:ext uri="{28A0092B-C50C-407E-A947-70E740481C1C}">
-                <a14:useLocalDpi xmlns:a14="http://schemas.microsoft.com/office/drawing/2010/main" val="0"/>
-              </a:ext>
-            </a:extLst>
-          </a:blip>
-          <a:stretch>
-            <a:fillRect/>
-          </a:stretch>
-        </p:blipFill>
-        <p:spPr>
-          <a:xfrm>
-            <a:off x="3768814" y="2857500"/>
-            <a:ext cx="952500" cy="952500"/>
-          </a:xfrm>
-          <a:prstGeom prst="rect">
-            <a:avLst/>
-          </a:prstGeom>
-        </p:spPr>
-      </p:pic>
-      <p:pic>
-        <p:nvPicPr>
-          <p:cNvPr id="54" name="그림 53">
-            <a:extLst>
-              <a:ext uri="{FF2B5EF4-FFF2-40B4-BE49-F238E27FC236}">
-                <a16:creationId xmlns:a16="http://schemas.microsoft.com/office/drawing/2014/main" id="{09A8DB68-E666-A3ED-1333-C809DBD6D852}"/>
-              </a:ext>
-            </a:extLst>
-          </p:cNvPr>
-          <p:cNvPicPr>
-            <a:picLocks noChangeAspect="1"/>
-          </p:cNvPicPr>
-          <p:nvPr/>
-        </p:nvPicPr>
-        <p:blipFill>
-          <a:blip r:embed="rId2">
-            <a:extLst>
-              <a:ext uri="{28A0092B-C50C-407E-A947-70E740481C1C}">
-                <a14:useLocalDpi xmlns:a14="http://schemas.microsoft.com/office/drawing/2010/main" val="0"/>
-              </a:ext>
-            </a:extLst>
-          </a:blip>
-          <a:stretch>
-            <a:fillRect/>
-          </a:stretch>
-        </p:blipFill>
-        <p:spPr>
-          <a:xfrm>
-            <a:off x="4715524" y="2857500"/>
-            <a:ext cx="952500" cy="952500"/>
-          </a:xfrm>
-          <a:prstGeom prst="rect">
-            <a:avLst/>
-          </a:prstGeom>
-        </p:spPr>
-      </p:pic>
-      <p:pic>
-        <p:nvPicPr>
-          <p:cNvPr id="55" name="그림 54">
-            <a:extLst>
-              <a:ext uri="{FF2B5EF4-FFF2-40B4-BE49-F238E27FC236}">
-                <a16:creationId xmlns:a16="http://schemas.microsoft.com/office/drawing/2014/main" id="{2E9EECAD-D127-FD50-5BE0-39B18354FE92}"/>
-              </a:ext>
-            </a:extLst>
-          </p:cNvPr>
-          <p:cNvPicPr>
-            <a:picLocks noChangeAspect="1"/>
-          </p:cNvPicPr>
-          <p:nvPr/>
-        </p:nvPicPr>
-        <p:blipFill>
-          <a:blip r:embed="rId2">
-            <a:extLst>
-              <a:ext uri="{28A0092B-C50C-407E-A947-70E740481C1C}">
-                <a14:useLocalDpi xmlns:a14="http://schemas.microsoft.com/office/drawing/2010/main" val="0"/>
-              </a:ext>
-            </a:extLst>
-          </a:blip>
-          <a:stretch>
-            <a:fillRect/>
-          </a:stretch>
-        </p:blipFill>
-        <p:spPr>
-          <a:xfrm>
-            <a:off x="5658716" y="2857500"/>
-            <a:ext cx="952500" cy="952500"/>
-          </a:xfrm>
-          <a:prstGeom prst="rect">
-            <a:avLst/>
-          </a:prstGeom>
-        </p:spPr>
-      </p:pic>
-      <p:pic>
-        <p:nvPicPr>
           <p:cNvPr id="56" name="그림 55">
             <a:extLst>
               <a:ext uri="{FF2B5EF4-FFF2-40B4-BE49-F238E27FC236}">
@@ -21565,42 +20989,6 @@
       </p:pic>
       <p:pic>
         <p:nvPicPr>
-          <p:cNvPr id="59" name="그림 58">
-            <a:extLst>
-              <a:ext uri="{FF2B5EF4-FFF2-40B4-BE49-F238E27FC236}">
-                <a16:creationId xmlns:a16="http://schemas.microsoft.com/office/drawing/2014/main" id="{61CBDAEF-1EBC-B57C-647E-63C0F8F36DB8}"/>
-              </a:ext>
-            </a:extLst>
-          </p:cNvPr>
-          <p:cNvPicPr>
-            <a:picLocks noChangeAspect="1"/>
-          </p:cNvPicPr>
-          <p:nvPr/>
-        </p:nvPicPr>
-        <p:blipFill>
-          <a:blip r:embed="rId2">
-            <a:extLst>
-              <a:ext uri="{28A0092B-C50C-407E-A947-70E740481C1C}">
-                <a14:useLocalDpi xmlns:a14="http://schemas.microsoft.com/office/drawing/2010/main" val="0"/>
-              </a:ext>
-            </a:extLst>
-          </a:blip>
-          <a:stretch>
-            <a:fillRect/>
-          </a:stretch>
-        </p:blipFill>
-        <p:spPr>
-          <a:xfrm>
-            <a:off x="9450531" y="2857500"/>
-            <a:ext cx="952500" cy="952500"/>
-          </a:xfrm>
-          <a:prstGeom prst="rect">
-            <a:avLst/>
-          </a:prstGeom>
-        </p:spPr>
-      </p:pic>
-      <p:pic>
-        <p:nvPicPr>
           <p:cNvPr id="60" name="그림 59">
             <a:extLst>
               <a:ext uri="{FF2B5EF4-FFF2-40B4-BE49-F238E27FC236}">
@@ -21853,42 +21241,6 @@
       </p:pic>
       <p:pic>
         <p:nvPicPr>
-          <p:cNvPr id="67" name="그림 66">
-            <a:extLst>
-              <a:ext uri="{FF2B5EF4-FFF2-40B4-BE49-F238E27FC236}">
-                <a16:creationId xmlns:a16="http://schemas.microsoft.com/office/drawing/2014/main" id="{C97E552F-1133-396F-0EBD-99E047330EFF}"/>
-              </a:ext>
-            </a:extLst>
-          </p:cNvPr>
-          <p:cNvPicPr>
-            <a:picLocks noChangeAspect="1"/>
-          </p:cNvPicPr>
-          <p:nvPr/>
-        </p:nvPicPr>
-        <p:blipFill>
-          <a:blip r:embed="rId2">
-            <a:extLst>
-              <a:ext uri="{28A0092B-C50C-407E-A947-70E740481C1C}">
-                <a14:useLocalDpi xmlns:a14="http://schemas.microsoft.com/office/drawing/2010/main" val="0"/>
-              </a:ext>
-            </a:extLst>
-          </a:blip>
-          <a:stretch>
-            <a:fillRect/>
-          </a:stretch>
-        </p:blipFill>
-        <p:spPr>
-          <a:xfrm>
-            <a:off x="4713981" y="3810000"/>
-            <a:ext cx="952500" cy="952500"/>
-          </a:xfrm>
-          <a:prstGeom prst="rect">
-            <a:avLst/>
-          </a:prstGeom>
-        </p:spPr>
-      </p:pic>
-      <p:pic>
-        <p:nvPicPr>
           <p:cNvPr id="68" name="그림 67">
             <a:extLst>
               <a:ext uri="{FF2B5EF4-FFF2-40B4-BE49-F238E27FC236}">
@@ -22069,42 +21421,6 @@
       </p:pic>
       <p:pic>
         <p:nvPicPr>
-          <p:cNvPr id="73" name="그림 72">
-            <a:extLst>
-              <a:ext uri="{FF2B5EF4-FFF2-40B4-BE49-F238E27FC236}">
-                <a16:creationId xmlns:a16="http://schemas.microsoft.com/office/drawing/2014/main" id="{421B0FFE-2BB8-D266-833E-B3ED6F20275F}"/>
-              </a:ext>
-            </a:extLst>
-          </p:cNvPr>
-          <p:cNvPicPr>
-            <a:picLocks noChangeAspect="1"/>
-          </p:cNvPicPr>
-          <p:nvPr/>
-        </p:nvPicPr>
-        <p:blipFill>
-          <a:blip r:embed="rId2">
-            <a:extLst>
-              <a:ext uri="{28A0092B-C50C-407E-A947-70E740481C1C}">
-                <a14:useLocalDpi xmlns:a14="http://schemas.microsoft.com/office/drawing/2010/main" val="0"/>
-              </a:ext>
-            </a:extLst>
-          </a:blip>
-          <a:stretch>
-            <a:fillRect/>
-          </a:stretch>
-        </p:blipFill>
-        <p:spPr>
-          <a:xfrm>
-            <a:off x="10377236" y="3810000"/>
-            <a:ext cx="952500" cy="952500"/>
-          </a:xfrm>
-          <a:prstGeom prst="rect">
-            <a:avLst/>
-          </a:prstGeom>
-        </p:spPr>
-      </p:pic>
-      <p:pic>
-        <p:nvPicPr>
           <p:cNvPr id="74" name="그림 73">
             <a:extLst>
               <a:ext uri="{FF2B5EF4-FFF2-40B4-BE49-F238E27FC236}">
@@ -22141,78 +21457,6 @@
       </p:pic>
       <p:pic>
         <p:nvPicPr>
-          <p:cNvPr id="75" name="그림 74">
-            <a:extLst>
-              <a:ext uri="{FF2B5EF4-FFF2-40B4-BE49-F238E27FC236}">
-                <a16:creationId xmlns:a16="http://schemas.microsoft.com/office/drawing/2014/main" id="{2924C19F-10BF-C340-B71E-E83348A49E88}"/>
-              </a:ext>
-            </a:extLst>
-          </p:cNvPr>
-          <p:cNvPicPr>
-            <a:picLocks noChangeAspect="1"/>
-          </p:cNvPicPr>
-          <p:nvPr/>
-        </p:nvPicPr>
-        <p:blipFill>
-          <a:blip r:embed="rId2">
-            <a:extLst>
-              <a:ext uri="{28A0092B-C50C-407E-A947-70E740481C1C}">
-                <a14:useLocalDpi xmlns:a14="http://schemas.microsoft.com/office/drawing/2010/main" val="0"/>
-              </a:ext>
-            </a:extLst>
-          </a:blip>
-          <a:stretch>
-            <a:fillRect/>
-          </a:stretch>
-        </p:blipFill>
-        <p:spPr>
-          <a:xfrm>
-            <a:off x="-12596" y="4762500"/>
-            <a:ext cx="952500" cy="952500"/>
-          </a:xfrm>
-          <a:prstGeom prst="rect">
-            <a:avLst/>
-          </a:prstGeom>
-        </p:spPr>
-      </p:pic>
-      <p:pic>
-        <p:nvPicPr>
-          <p:cNvPr id="76" name="그림 75">
-            <a:extLst>
-              <a:ext uri="{FF2B5EF4-FFF2-40B4-BE49-F238E27FC236}">
-                <a16:creationId xmlns:a16="http://schemas.microsoft.com/office/drawing/2014/main" id="{D358BAB7-9BCC-2E56-A68E-C5061817FCE6}"/>
-              </a:ext>
-            </a:extLst>
-          </p:cNvPr>
-          <p:cNvPicPr>
-            <a:picLocks noChangeAspect="1"/>
-          </p:cNvPicPr>
-          <p:nvPr/>
-        </p:nvPicPr>
-        <p:blipFill>
-          <a:blip r:embed="rId2">
-            <a:extLst>
-              <a:ext uri="{28A0092B-C50C-407E-A947-70E740481C1C}">
-                <a14:useLocalDpi xmlns:a14="http://schemas.microsoft.com/office/drawing/2010/main" val="0"/>
-              </a:ext>
-            </a:extLst>
-          </a:blip>
-          <a:stretch>
-            <a:fillRect/>
-          </a:stretch>
-        </p:blipFill>
-        <p:spPr>
-          <a:xfrm>
-            <a:off x="933589" y="4762500"/>
-            <a:ext cx="952500" cy="952500"/>
-          </a:xfrm>
-          <a:prstGeom prst="rect">
-            <a:avLst/>
-          </a:prstGeom>
-        </p:spPr>
-      </p:pic>
-      <p:pic>
-        <p:nvPicPr>
           <p:cNvPr id="77" name="그림 76">
             <a:extLst>
               <a:ext uri="{FF2B5EF4-FFF2-40B4-BE49-F238E27FC236}">
@@ -22249,42 +21493,6 @@
       </p:pic>
       <p:pic>
         <p:nvPicPr>
-          <p:cNvPr id="78" name="그림 77">
-            <a:extLst>
-              <a:ext uri="{FF2B5EF4-FFF2-40B4-BE49-F238E27FC236}">
-                <a16:creationId xmlns:a16="http://schemas.microsoft.com/office/drawing/2014/main" id="{43D5B0FA-0E6E-94A6-472D-965DCD58D795}"/>
-              </a:ext>
-            </a:extLst>
-          </p:cNvPr>
-          <p:cNvPicPr>
-            <a:picLocks noChangeAspect="1"/>
-          </p:cNvPicPr>
-          <p:nvPr/>
-        </p:nvPicPr>
-        <p:blipFill>
-          <a:blip r:embed="rId2">
-            <a:extLst>
-              <a:ext uri="{28A0092B-C50C-407E-A947-70E740481C1C}">
-                <a14:useLocalDpi xmlns:a14="http://schemas.microsoft.com/office/drawing/2010/main" val="0"/>
-              </a:ext>
-            </a:extLst>
-          </a:blip>
-          <a:stretch>
-            <a:fillRect/>
-          </a:stretch>
-        </p:blipFill>
-        <p:spPr>
-          <a:xfrm>
-            <a:off x="2802082" y="4762500"/>
-            <a:ext cx="952500" cy="952500"/>
-          </a:xfrm>
-          <a:prstGeom prst="rect">
-            <a:avLst/>
-          </a:prstGeom>
-        </p:spPr>
-      </p:pic>
-      <p:pic>
-        <p:nvPicPr>
           <p:cNvPr id="79" name="그림 78">
             <a:extLst>
               <a:ext uri="{FF2B5EF4-FFF2-40B4-BE49-F238E27FC236}">
@@ -22393,42 +21601,6 @@
       </p:pic>
       <p:pic>
         <p:nvPicPr>
-          <p:cNvPr id="82" name="그림 81">
-            <a:extLst>
-              <a:ext uri="{FF2B5EF4-FFF2-40B4-BE49-F238E27FC236}">
-                <a16:creationId xmlns:a16="http://schemas.microsoft.com/office/drawing/2014/main" id="{E77A8F5A-35F7-28C3-8BAD-AFB0DF3BDE9F}"/>
-              </a:ext>
-            </a:extLst>
-          </p:cNvPr>
-          <p:cNvPicPr>
-            <a:picLocks noChangeAspect="1"/>
-          </p:cNvPicPr>
-          <p:nvPr/>
-        </p:nvPicPr>
-        <p:blipFill>
-          <a:blip r:embed="rId2">
-            <a:extLst>
-              <a:ext uri="{28A0092B-C50C-407E-A947-70E740481C1C}">
-                <a14:useLocalDpi xmlns:a14="http://schemas.microsoft.com/office/drawing/2010/main" val="0"/>
-              </a:ext>
-            </a:extLst>
-          </a:blip>
-          <a:stretch>
-            <a:fillRect/>
-          </a:stretch>
-        </p:blipFill>
-        <p:spPr>
-          <a:xfrm>
-            <a:off x="6575557" y="4762500"/>
-            <a:ext cx="952500" cy="952500"/>
-          </a:xfrm>
-          <a:prstGeom prst="rect">
-            <a:avLst/>
-          </a:prstGeom>
-        </p:spPr>
-      </p:pic>
-      <p:pic>
-        <p:nvPicPr>
           <p:cNvPr id="83" name="그림 82">
             <a:extLst>
               <a:ext uri="{FF2B5EF4-FFF2-40B4-BE49-F238E27FC236}">
@@ -22537,42 +21709,6 @@
       </p:pic>
       <p:pic>
         <p:nvPicPr>
-          <p:cNvPr id="86" name="그림 85">
-            <a:extLst>
-              <a:ext uri="{FF2B5EF4-FFF2-40B4-BE49-F238E27FC236}">
-                <a16:creationId xmlns:a16="http://schemas.microsoft.com/office/drawing/2014/main" id="{B16A712E-4021-11BC-053B-FB70227EC2D3}"/>
-              </a:ext>
-            </a:extLst>
-          </p:cNvPr>
-          <p:cNvPicPr>
-            <a:picLocks noChangeAspect="1"/>
-          </p:cNvPicPr>
-          <p:nvPr/>
-        </p:nvPicPr>
-        <p:blipFill>
-          <a:blip r:embed="rId2">
-            <a:extLst>
-              <a:ext uri="{28A0092B-C50C-407E-A947-70E740481C1C}">
-                <a14:useLocalDpi xmlns:a14="http://schemas.microsoft.com/office/drawing/2010/main" val="0"/>
-              </a:ext>
-            </a:extLst>
-          </a:blip>
-          <a:stretch>
-            <a:fillRect/>
-          </a:stretch>
-        </p:blipFill>
-        <p:spPr>
-          <a:xfrm>
-            <a:off x="10355856" y="4762500"/>
-            <a:ext cx="952500" cy="952500"/>
-          </a:xfrm>
-          <a:prstGeom prst="rect">
-            <a:avLst/>
-          </a:prstGeom>
-        </p:spPr>
-      </p:pic>
-      <p:pic>
-        <p:nvPicPr>
           <p:cNvPr id="87" name="그림 86">
             <a:extLst>
               <a:ext uri="{FF2B5EF4-FFF2-40B4-BE49-F238E27FC236}">
@@ -22753,42 +21889,6 @@
       </p:pic>
       <p:pic>
         <p:nvPicPr>
-          <p:cNvPr id="92" name="그림 91">
-            <a:extLst>
-              <a:ext uri="{FF2B5EF4-FFF2-40B4-BE49-F238E27FC236}">
-                <a16:creationId xmlns:a16="http://schemas.microsoft.com/office/drawing/2014/main" id="{AE3C197C-B8FB-77DC-65A2-35133A8BBE8C}"/>
-              </a:ext>
-            </a:extLst>
-          </p:cNvPr>
-          <p:cNvPicPr>
-            <a:picLocks noChangeAspect="1"/>
-          </p:cNvPicPr>
-          <p:nvPr/>
-        </p:nvPicPr>
-        <p:blipFill>
-          <a:blip r:embed="rId2">
-            <a:extLst>
-              <a:ext uri="{28A0092B-C50C-407E-A947-70E740481C1C}">
-                <a14:useLocalDpi xmlns:a14="http://schemas.microsoft.com/office/drawing/2010/main" val="0"/>
-              </a:ext>
-            </a:extLst>
-          </a:blip>
-          <a:stretch>
-            <a:fillRect/>
-          </a:stretch>
-        </p:blipFill>
-        <p:spPr>
-          <a:xfrm>
-            <a:off x="3758045" y="5715000"/>
-            <a:ext cx="952500" cy="952500"/>
-          </a:xfrm>
-          <a:prstGeom prst="rect">
-            <a:avLst/>
-          </a:prstGeom>
-        </p:spPr>
-      </p:pic>
-      <p:pic>
-        <p:nvPicPr>
           <p:cNvPr id="93" name="그림 92">
             <a:extLst>
               <a:ext uri="{FF2B5EF4-FFF2-40B4-BE49-F238E27FC236}">
@@ -22933,42 +22033,6 @@
       </p:pic>
       <p:pic>
         <p:nvPicPr>
-          <p:cNvPr id="97" name="그림 96">
-            <a:extLst>
-              <a:ext uri="{FF2B5EF4-FFF2-40B4-BE49-F238E27FC236}">
-                <a16:creationId xmlns:a16="http://schemas.microsoft.com/office/drawing/2014/main" id="{EE8833BF-497A-1B2C-E4DC-22E9EB755423}"/>
-              </a:ext>
-            </a:extLst>
-          </p:cNvPr>
-          <p:cNvPicPr>
-            <a:picLocks noChangeAspect="1"/>
-          </p:cNvPicPr>
-          <p:nvPr/>
-        </p:nvPicPr>
-        <p:blipFill>
-          <a:blip r:embed="rId2">
-            <a:extLst>
-              <a:ext uri="{28A0092B-C50C-407E-A947-70E740481C1C}">
-                <a14:useLocalDpi xmlns:a14="http://schemas.microsoft.com/office/drawing/2010/main" val="0"/>
-              </a:ext>
-            </a:extLst>
-          </a:blip>
-          <a:stretch>
-            <a:fillRect/>
-          </a:stretch>
-        </p:blipFill>
-        <p:spPr>
-          <a:xfrm>
-            <a:off x="8495408" y="5715000"/>
-            <a:ext cx="952500" cy="952500"/>
-          </a:xfrm>
-          <a:prstGeom prst="rect">
-            <a:avLst/>
-          </a:prstGeom>
-        </p:spPr>
-      </p:pic>
-      <p:pic>
-        <p:nvPicPr>
           <p:cNvPr id="98" name="그림 97">
             <a:extLst>
               <a:ext uri="{FF2B5EF4-FFF2-40B4-BE49-F238E27FC236}">
@@ -23069,6 +22133,834 @@
           <a:xfrm>
             <a:off x="11292518" y="5715000"/>
             <a:ext cx="952500" cy="952500"/>
+          </a:xfrm>
+          <a:prstGeom prst="rect">
+            <a:avLst/>
+          </a:prstGeom>
+        </p:spPr>
+      </p:pic>
+      <p:pic>
+        <p:nvPicPr>
+          <p:cNvPr id="11" name="그림 10" descr="일렉트릭 블루, 블루, 마조렐 블루, 스크린샷이(가) 표시된 사진&#10;&#10;자동 생성된 설명">
+            <a:extLst>
+              <a:ext uri="{FF2B5EF4-FFF2-40B4-BE49-F238E27FC236}">
+                <a16:creationId xmlns:a16="http://schemas.microsoft.com/office/drawing/2014/main" id="{6E491831-0713-03F9-F864-9D6E886DD288}"/>
+              </a:ext>
+            </a:extLst>
+          </p:cNvPr>
+          <p:cNvPicPr>
+            <a:picLocks noChangeAspect="1"/>
+          </p:cNvPicPr>
+          <p:nvPr/>
+        </p:nvPicPr>
+        <p:blipFill>
+          <a:blip r:embed="rId3">
+            <a:extLst>
+              <a:ext uri="{28A0092B-C50C-407E-A947-70E740481C1C}">
+                <a14:useLocalDpi xmlns:a14="http://schemas.microsoft.com/office/drawing/2010/main" val="0"/>
+              </a:ext>
+            </a:extLst>
+          </a:blip>
+          <a:stretch>
+            <a:fillRect/>
+          </a:stretch>
+        </p:blipFill>
+        <p:spPr>
+          <a:xfrm>
+            <a:off x="934929" y="4762500"/>
+            <a:ext cx="952500" cy="952500"/>
+          </a:xfrm>
+          <a:prstGeom prst="rect">
+            <a:avLst/>
+          </a:prstGeom>
+        </p:spPr>
+      </p:pic>
+      <p:pic>
+        <p:nvPicPr>
+          <p:cNvPr id="13" name="그림 12" descr="클립아트이(가) 표시된 사진&#10;&#10;자동 생성된 설명">
+            <a:extLst>
+              <a:ext uri="{FF2B5EF4-FFF2-40B4-BE49-F238E27FC236}">
+                <a16:creationId xmlns:a16="http://schemas.microsoft.com/office/drawing/2014/main" id="{AB390FDC-20A1-F39C-0C1D-3D6FEF10511C}"/>
+              </a:ext>
+            </a:extLst>
+          </p:cNvPr>
+          <p:cNvPicPr>
+            <a:picLocks noChangeAspect="1"/>
+          </p:cNvPicPr>
+          <p:nvPr/>
+        </p:nvPicPr>
+        <p:blipFill>
+          <a:blip r:embed="rId4">
+            <a:extLst>
+              <a:ext uri="{28A0092B-C50C-407E-A947-70E740481C1C}">
+                <a14:useLocalDpi xmlns:a14="http://schemas.microsoft.com/office/drawing/2010/main" val="0"/>
+              </a:ext>
+            </a:extLst>
+          </a:blip>
+          <a:stretch>
+            <a:fillRect/>
+          </a:stretch>
+        </p:blipFill>
+        <p:spPr>
+          <a:xfrm>
+            <a:off x="-22770" y="2857434"/>
+            <a:ext cx="952633" cy="952633"/>
+          </a:xfrm>
+          <a:prstGeom prst="rect">
+            <a:avLst/>
+          </a:prstGeom>
+        </p:spPr>
+      </p:pic>
+      <p:pic>
+        <p:nvPicPr>
+          <p:cNvPr id="15" name="그림 14" descr="그레이, 패브릭이(가) 표시된 사진&#10;&#10;자동 생성된 설명">
+            <a:extLst>
+              <a:ext uri="{FF2B5EF4-FFF2-40B4-BE49-F238E27FC236}">
+                <a16:creationId xmlns:a16="http://schemas.microsoft.com/office/drawing/2014/main" id="{C9FE9B09-53A7-E118-17AC-389059806BE0}"/>
+              </a:ext>
+            </a:extLst>
+          </p:cNvPr>
+          <p:cNvPicPr>
+            <a:picLocks noChangeAspect="1"/>
+          </p:cNvPicPr>
+          <p:nvPr/>
+        </p:nvPicPr>
+        <p:blipFill>
+          <a:blip r:embed="rId5">
+            <a:extLst>
+              <a:ext uri="{28A0092B-C50C-407E-A947-70E740481C1C}">
+                <a14:useLocalDpi xmlns:a14="http://schemas.microsoft.com/office/drawing/2010/main" val="0"/>
+              </a:ext>
+            </a:extLst>
+          </a:blip>
+          <a:stretch>
+            <a:fillRect/>
+          </a:stretch>
+        </p:blipFill>
+        <p:spPr>
+          <a:xfrm>
+            <a:off x="-2273" y="1892778"/>
+            <a:ext cx="952500" cy="952500"/>
+          </a:xfrm>
+          <a:prstGeom prst="rect">
+            <a:avLst/>
+          </a:prstGeom>
+        </p:spPr>
+      </p:pic>
+      <p:pic>
+        <p:nvPicPr>
+          <p:cNvPr id="16" name="그림 15" descr="그레이, 패브릭이(가) 표시된 사진&#10;&#10;자동 생성된 설명">
+            <a:extLst>
+              <a:ext uri="{FF2B5EF4-FFF2-40B4-BE49-F238E27FC236}">
+                <a16:creationId xmlns:a16="http://schemas.microsoft.com/office/drawing/2014/main" id="{3AB9D487-9449-077E-E5D9-5A8142BAA70E}"/>
+              </a:ext>
+            </a:extLst>
+          </p:cNvPr>
+          <p:cNvPicPr>
+            <a:picLocks noChangeAspect="1"/>
+          </p:cNvPicPr>
+          <p:nvPr/>
+        </p:nvPicPr>
+        <p:blipFill>
+          <a:blip r:embed="rId5">
+            <a:extLst>
+              <a:ext uri="{28A0092B-C50C-407E-A947-70E740481C1C}">
+                <a14:useLocalDpi xmlns:a14="http://schemas.microsoft.com/office/drawing/2010/main" val="0"/>
+              </a:ext>
+            </a:extLst>
+          </a:blip>
+          <a:stretch>
+            <a:fillRect/>
+          </a:stretch>
+        </p:blipFill>
+        <p:spPr>
+          <a:xfrm>
+            <a:off x="930786" y="2857466"/>
+            <a:ext cx="952500" cy="952500"/>
+          </a:xfrm>
+          <a:prstGeom prst="rect">
+            <a:avLst/>
+          </a:prstGeom>
+        </p:spPr>
+      </p:pic>
+      <p:pic>
+        <p:nvPicPr>
+          <p:cNvPr id="17" name="그림 16" descr="그레이, 패브릭이(가) 표시된 사진&#10;&#10;자동 생성된 설명">
+            <a:extLst>
+              <a:ext uri="{FF2B5EF4-FFF2-40B4-BE49-F238E27FC236}">
+                <a16:creationId xmlns:a16="http://schemas.microsoft.com/office/drawing/2014/main" id="{577B968E-E81D-2F2F-FF9B-3C19EEB5A217}"/>
+              </a:ext>
+            </a:extLst>
+          </p:cNvPr>
+          <p:cNvPicPr>
+            <a:picLocks noChangeAspect="1"/>
+          </p:cNvPicPr>
+          <p:nvPr/>
+        </p:nvPicPr>
+        <p:blipFill>
+          <a:blip r:embed="rId5">
+            <a:extLst>
+              <a:ext uri="{28A0092B-C50C-407E-A947-70E740481C1C}">
+                <a14:useLocalDpi xmlns:a14="http://schemas.microsoft.com/office/drawing/2010/main" val="0"/>
+              </a:ext>
+            </a:extLst>
+          </a:blip>
+          <a:stretch>
+            <a:fillRect/>
+          </a:stretch>
+        </p:blipFill>
+        <p:spPr>
+          <a:xfrm>
+            <a:off x="1886383" y="940278"/>
+            <a:ext cx="952500" cy="952500"/>
+          </a:xfrm>
+          <a:prstGeom prst="rect">
+            <a:avLst/>
+          </a:prstGeom>
+        </p:spPr>
+      </p:pic>
+      <p:pic>
+        <p:nvPicPr>
+          <p:cNvPr id="101" name="그림 100" descr="그레이, 패브릭이(가) 표시된 사진&#10;&#10;자동 생성된 설명">
+            <a:extLst>
+              <a:ext uri="{FF2B5EF4-FFF2-40B4-BE49-F238E27FC236}">
+                <a16:creationId xmlns:a16="http://schemas.microsoft.com/office/drawing/2014/main" id="{30B8D91A-41E7-DA46-85EA-5549D89BAC31}"/>
+              </a:ext>
+            </a:extLst>
+          </p:cNvPr>
+          <p:cNvPicPr>
+            <a:picLocks noChangeAspect="1"/>
+          </p:cNvPicPr>
+          <p:nvPr/>
+        </p:nvPicPr>
+        <p:blipFill>
+          <a:blip r:embed="rId5">
+            <a:extLst>
+              <a:ext uri="{28A0092B-C50C-407E-A947-70E740481C1C}">
+                <a14:useLocalDpi xmlns:a14="http://schemas.microsoft.com/office/drawing/2010/main" val="0"/>
+              </a:ext>
+            </a:extLst>
+          </a:blip>
+          <a:stretch>
+            <a:fillRect/>
+          </a:stretch>
+        </p:blipFill>
+        <p:spPr>
+          <a:xfrm>
+            <a:off x="1895935" y="1892778"/>
+            <a:ext cx="952500" cy="976944"/>
+          </a:xfrm>
+          <a:prstGeom prst="rect">
+            <a:avLst/>
+          </a:prstGeom>
+        </p:spPr>
+      </p:pic>
+      <p:pic>
+        <p:nvPicPr>
+          <p:cNvPr id="102" name="그림 101" descr="그레이, 패브릭이(가) 표시된 사진&#10;&#10;자동 생성된 설명">
+            <a:extLst>
+              <a:ext uri="{FF2B5EF4-FFF2-40B4-BE49-F238E27FC236}">
+                <a16:creationId xmlns:a16="http://schemas.microsoft.com/office/drawing/2014/main" id="{DD0A9AE1-3B85-08B9-9C56-AD72D00C15E0}"/>
+              </a:ext>
+            </a:extLst>
+          </p:cNvPr>
+          <p:cNvPicPr>
+            <a:picLocks noChangeAspect="1"/>
+          </p:cNvPicPr>
+          <p:nvPr/>
+        </p:nvPicPr>
+        <p:blipFill>
+          <a:blip r:embed="rId5">
+            <a:extLst>
+              <a:ext uri="{28A0092B-C50C-407E-A947-70E740481C1C}">
+                <a14:useLocalDpi xmlns:a14="http://schemas.microsoft.com/office/drawing/2010/main" val="0"/>
+              </a:ext>
+            </a:extLst>
+          </a:blip>
+          <a:stretch>
+            <a:fillRect/>
+          </a:stretch>
+        </p:blipFill>
+        <p:spPr>
+          <a:xfrm>
+            <a:off x="3767925" y="2845278"/>
+            <a:ext cx="952500" cy="964688"/>
+          </a:xfrm>
+          <a:prstGeom prst="rect">
+            <a:avLst/>
+          </a:prstGeom>
+        </p:spPr>
+      </p:pic>
+      <p:pic>
+        <p:nvPicPr>
+          <p:cNvPr id="103" name="그림 102" descr="클립아트이(가) 표시된 사진&#10;&#10;자동 생성된 설명">
+            <a:extLst>
+              <a:ext uri="{FF2B5EF4-FFF2-40B4-BE49-F238E27FC236}">
+                <a16:creationId xmlns:a16="http://schemas.microsoft.com/office/drawing/2014/main" id="{EE4E7E61-89C3-85FE-576E-8DA09EDB7900}"/>
+              </a:ext>
+            </a:extLst>
+          </p:cNvPr>
+          <p:cNvPicPr>
+            <a:picLocks noChangeAspect="1"/>
+          </p:cNvPicPr>
+          <p:nvPr/>
+        </p:nvPicPr>
+        <p:blipFill>
+          <a:blip r:embed="rId4">
+            <a:extLst>
+              <a:ext uri="{28A0092B-C50C-407E-A947-70E740481C1C}">
+                <a14:useLocalDpi xmlns:a14="http://schemas.microsoft.com/office/drawing/2010/main" val="0"/>
+              </a:ext>
+            </a:extLst>
+          </a:blip>
+          <a:stretch>
+            <a:fillRect/>
+          </a:stretch>
+        </p:blipFill>
+        <p:spPr>
+          <a:xfrm>
+            <a:off x="9438570" y="1917089"/>
+            <a:ext cx="952633" cy="952633"/>
+          </a:xfrm>
+          <a:prstGeom prst="rect">
+            <a:avLst/>
+          </a:prstGeom>
+        </p:spPr>
+      </p:pic>
+      <p:pic>
+        <p:nvPicPr>
+          <p:cNvPr id="106" name="그림 105" descr="그레이, 패브릭이(가) 표시된 사진&#10;&#10;자동 생성된 설명">
+            <a:extLst>
+              <a:ext uri="{FF2B5EF4-FFF2-40B4-BE49-F238E27FC236}">
+                <a16:creationId xmlns:a16="http://schemas.microsoft.com/office/drawing/2014/main" id="{2511A49A-83D6-64C9-5946-F205B3BD8692}"/>
+              </a:ext>
+            </a:extLst>
+          </p:cNvPr>
+          <p:cNvPicPr>
+            <a:picLocks noChangeAspect="1"/>
+          </p:cNvPicPr>
+          <p:nvPr/>
+        </p:nvPicPr>
+        <p:blipFill>
+          <a:blip r:embed="rId5">
+            <a:extLst>
+              <a:ext uri="{28A0092B-C50C-407E-A947-70E740481C1C}">
+                <a14:useLocalDpi xmlns:a14="http://schemas.microsoft.com/office/drawing/2010/main" val="0"/>
+              </a:ext>
+            </a:extLst>
+          </a:blip>
+          <a:stretch>
+            <a:fillRect/>
+          </a:stretch>
+        </p:blipFill>
+        <p:spPr>
+          <a:xfrm>
+            <a:off x="8484474" y="1905000"/>
+            <a:ext cx="952500" cy="964688"/>
+          </a:xfrm>
+          <a:prstGeom prst="rect">
+            <a:avLst/>
+          </a:prstGeom>
+        </p:spPr>
+      </p:pic>
+      <p:pic>
+        <p:nvPicPr>
+          <p:cNvPr id="107" name="그림 106" descr="그레이, 패브릭이(가) 표시된 사진&#10;&#10;자동 생성된 설명">
+            <a:extLst>
+              <a:ext uri="{FF2B5EF4-FFF2-40B4-BE49-F238E27FC236}">
+                <a16:creationId xmlns:a16="http://schemas.microsoft.com/office/drawing/2014/main" id="{289BCD80-CABE-765B-398D-1ED46D1823D0}"/>
+              </a:ext>
+            </a:extLst>
+          </p:cNvPr>
+          <p:cNvPicPr>
+            <a:picLocks noChangeAspect="1"/>
+          </p:cNvPicPr>
+          <p:nvPr/>
+        </p:nvPicPr>
+        <p:blipFill>
+          <a:blip r:embed="rId5">
+            <a:extLst>
+              <a:ext uri="{28A0092B-C50C-407E-A947-70E740481C1C}">
+                <a14:useLocalDpi xmlns:a14="http://schemas.microsoft.com/office/drawing/2010/main" val="0"/>
+              </a:ext>
+            </a:extLst>
+          </a:blip>
+          <a:stretch>
+            <a:fillRect/>
+          </a:stretch>
+        </p:blipFill>
+        <p:spPr>
+          <a:xfrm>
+            <a:off x="9438570" y="964722"/>
+            <a:ext cx="952500" cy="964688"/>
+          </a:xfrm>
+          <a:prstGeom prst="rect">
+            <a:avLst/>
+          </a:prstGeom>
+        </p:spPr>
+      </p:pic>
+      <p:pic>
+        <p:nvPicPr>
+          <p:cNvPr id="108" name="그림 107" descr="그레이, 패브릭이(가) 표시된 사진&#10;&#10;자동 생성된 설명">
+            <a:extLst>
+              <a:ext uri="{FF2B5EF4-FFF2-40B4-BE49-F238E27FC236}">
+                <a16:creationId xmlns:a16="http://schemas.microsoft.com/office/drawing/2014/main" id="{627B24F0-0E12-D44C-63A1-40B0C37E2E9C}"/>
+              </a:ext>
+            </a:extLst>
+          </p:cNvPr>
+          <p:cNvPicPr>
+            <a:picLocks noChangeAspect="1"/>
+          </p:cNvPicPr>
+          <p:nvPr/>
+        </p:nvPicPr>
+        <p:blipFill>
+          <a:blip r:embed="rId5">
+            <a:extLst>
+              <a:ext uri="{28A0092B-C50C-407E-A947-70E740481C1C}">
+                <a14:useLocalDpi xmlns:a14="http://schemas.microsoft.com/office/drawing/2010/main" val="0"/>
+              </a:ext>
+            </a:extLst>
+          </a:blip>
+          <a:stretch>
+            <a:fillRect/>
+          </a:stretch>
+        </p:blipFill>
+        <p:spPr>
+          <a:xfrm>
+            <a:off x="9447908" y="2851372"/>
+            <a:ext cx="952500" cy="964688"/>
+          </a:xfrm>
+          <a:prstGeom prst="rect">
+            <a:avLst/>
+          </a:prstGeom>
+        </p:spPr>
+      </p:pic>
+      <p:pic>
+        <p:nvPicPr>
+          <p:cNvPr id="111" name="그림 110" descr="클립아트, 예술, 일러스트레이션, 만화 영화이(가) 표시된 사진&#10;&#10;자동 생성된 설명">
+            <a:extLst>
+              <a:ext uri="{FF2B5EF4-FFF2-40B4-BE49-F238E27FC236}">
+                <a16:creationId xmlns:a16="http://schemas.microsoft.com/office/drawing/2014/main" id="{1A0853AF-4250-92F0-71CD-2F55942EA66F}"/>
+              </a:ext>
+            </a:extLst>
+          </p:cNvPr>
+          <p:cNvPicPr>
+            <a:picLocks noChangeAspect="1"/>
+          </p:cNvPicPr>
+          <p:nvPr/>
+        </p:nvPicPr>
+        <p:blipFill>
+          <a:blip r:embed="rId6">
+            <a:extLst>
+              <a:ext uri="{28A0092B-C50C-407E-A947-70E740481C1C}">
+                <a14:useLocalDpi xmlns:a14="http://schemas.microsoft.com/office/drawing/2010/main" val="0"/>
+              </a:ext>
+            </a:extLst>
+          </a:blip>
+          <a:stretch>
+            <a:fillRect/>
+          </a:stretch>
+        </p:blipFill>
+        <p:spPr>
+          <a:xfrm>
+            <a:off x="4683730" y="3772112"/>
+            <a:ext cx="1016088" cy="1016088"/>
+          </a:xfrm>
+          <a:prstGeom prst="rect">
+            <a:avLst/>
+          </a:prstGeom>
+        </p:spPr>
+      </p:pic>
+      <p:pic>
+        <p:nvPicPr>
+          <p:cNvPr id="113" name="그림 112" descr="일렉트릭 블루, 블루, 마조렐 블루, 스크린샷이(가) 표시된 사진&#10;&#10;자동 생성된 설명">
+            <a:extLst>
+              <a:ext uri="{FF2B5EF4-FFF2-40B4-BE49-F238E27FC236}">
+                <a16:creationId xmlns:a16="http://schemas.microsoft.com/office/drawing/2014/main" id="{07A68147-61AC-235F-A127-70CBBE7CA626}"/>
+              </a:ext>
+            </a:extLst>
+          </p:cNvPr>
+          <p:cNvPicPr>
+            <a:picLocks noChangeAspect="1"/>
+          </p:cNvPicPr>
+          <p:nvPr/>
+        </p:nvPicPr>
+        <p:blipFill>
+          <a:blip r:embed="rId3">
+            <a:extLst>
+              <a:ext uri="{28A0092B-C50C-407E-A947-70E740481C1C}">
+                <a14:useLocalDpi xmlns:a14="http://schemas.microsoft.com/office/drawing/2010/main" val="0"/>
+              </a:ext>
+            </a:extLst>
+          </a:blip>
+          <a:stretch>
+            <a:fillRect/>
+          </a:stretch>
+        </p:blipFill>
+        <p:spPr>
+          <a:xfrm>
+            <a:off x="5663548" y="2845278"/>
+            <a:ext cx="952500" cy="990422"/>
+          </a:xfrm>
+          <a:prstGeom prst="rect">
+            <a:avLst/>
+          </a:prstGeom>
+        </p:spPr>
+      </p:pic>
+      <p:pic>
+        <p:nvPicPr>
+          <p:cNvPr id="115" name="그림 114" descr="일렉트릭 블루, 블루, 마조렐 블루, 스크린샷이(가) 표시된 사진&#10;&#10;자동 생성된 설명">
+            <a:extLst>
+              <a:ext uri="{FF2B5EF4-FFF2-40B4-BE49-F238E27FC236}">
+                <a16:creationId xmlns:a16="http://schemas.microsoft.com/office/drawing/2014/main" id="{63DA7D8A-6403-DDB4-6323-29D183DEB780}"/>
+              </a:ext>
+            </a:extLst>
+          </p:cNvPr>
+          <p:cNvPicPr>
+            <a:picLocks noChangeAspect="1"/>
+          </p:cNvPicPr>
+          <p:nvPr/>
+        </p:nvPicPr>
+        <p:blipFill>
+          <a:blip r:embed="rId3">
+            <a:extLst>
+              <a:ext uri="{28A0092B-C50C-407E-A947-70E740481C1C}">
+                <a14:useLocalDpi xmlns:a14="http://schemas.microsoft.com/office/drawing/2010/main" val="0"/>
+              </a:ext>
+            </a:extLst>
+          </a:blip>
+          <a:stretch>
+            <a:fillRect/>
+          </a:stretch>
+        </p:blipFill>
+        <p:spPr>
+          <a:xfrm>
+            <a:off x="2814113" y="946389"/>
+            <a:ext cx="952500" cy="952500"/>
+          </a:xfrm>
+          <a:prstGeom prst="rect">
+            <a:avLst/>
+          </a:prstGeom>
+        </p:spPr>
+      </p:pic>
+      <p:pic>
+        <p:nvPicPr>
+          <p:cNvPr id="117" name="그림 116" descr="클립아트이(가) 표시된 사진&#10;&#10;자동 생성된 설명">
+            <a:extLst>
+              <a:ext uri="{FF2B5EF4-FFF2-40B4-BE49-F238E27FC236}">
+                <a16:creationId xmlns:a16="http://schemas.microsoft.com/office/drawing/2014/main" id="{C1FFAF38-D816-328E-A988-E371D5037488}"/>
+              </a:ext>
+            </a:extLst>
+          </p:cNvPr>
+          <p:cNvPicPr>
+            <a:picLocks noChangeAspect="1"/>
+          </p:cNvPicPr>
+          <p:nvPr/>
+        </p:nvPicPr>
+        <p:blipFill>
+          <a:blip r:embed="rId4">
+            <a:extLst>
+              <a:ext uri="{28A0092B-C50C-407E-A947-70E740481C1C}">
+                <a14:useLocalDpi xmlns:a14="http://schemas.microsoft.com/office/drawing/2010/main" val="0"/>
+              </a:ext>
+            </a:extLst>
+          </a:blip>
+          <a:stretch>
+            <a:fillRect/>
+          </a:stretch>
+        </p:blipFill>
+        <p:spPr>
+          <a:xfrm>
+            <a:off x="4704374" y="2857417"/>
+            <a:ext cx="952633" cy="952633"/>
+          </a:xfrm>
+          <a:prstGeom prst="rect">
+            <a:avLst/>
+          </a:prstGeom>
+        </p:spPr>
+      </p:pic>
+      <p:pic>
+        <p:nvPicPr>
+          <p:cNvPr id="118" name="그림 117" descr="그레이, 패브릭이(가) 표시된 사진&#10;&#10;자동 생성된 설명">
+            <a:extLst>
+              <a:ext uri="{FF2B5EF4-FFF2-40B4-BE49-F238E27FC236}">
+                <a16:creationId xmlns:a16="http://schemas.microsoft.com/office/drawing/2014/main" id="{B852D537-726C-C92F-7809-FC837258D365}"/>
+              </a:ext>
+            </a:extLst>
+          </p:cNvPr>
+          <p:cNvPicPr>
+            <a:picLocks noChangeAspect="1"/>
+          </p:cNvPicPr>
+          <p:nvPr/>
+        </p:nvPicPr>
+        <p:blipFill>
+          <a:blip r:embed="rId5">
+            <a:extLst>
+              <a:ext uri="{28A0092B-C50C-407E-A947-70E740481C1C}">
+                <a14:useLocalDpi xmlns:a14="http://schemas.microsoft.com/office/drawing/2010/main" val="0"/>
+              </a:ext>
+            </a:extLst>
+          </a:blip>
+          <a:stretch>
+            <a:fillRect/>
+          </a:stretch>
+        </p:blipFill>
+        <p:spPr>
+          <a:xfrm>
+            <a:off x="-7088" y="4762500"/>
+            <a:ext cx="952500" cy="952500"/>
+          </a:xfrm>
+          <a:prstGeom prst="rect">
+            <a:avLst/>
+          </a:prstGeom>
+        </p:spPr>
+      </p:pic>
+      <p:pic>
+        <p:nvPicPr>
+          <p:cNvPr id="119" name="그림 118" descr="그레이, 패브릭이(가) 표시된 사진&#10;&#10;자동 생성된 설명">
+            <a:extLst>
+              <a:ext uri="{FF2B5EF4-FFF2-40B4-BE49-F238E27FC236}">
+                <a16:creationId xmlns:a16="http://schemas.microsoft.com/office/drawing/2014/main" id="{2243F374-58ED-3278-1C54-F811448EAA27}"/>
+              </a:ext>
+            </a:extLst>
+          </p:cNvPr>
+          <p:cNvPicPr>
+            <a:picLocks noChangeAspect="1"/>
+          </p:cNvPicPr>
+          <p:nvPr/>
+        </p:nvPicPr>
+        <p:blipFill>
+          <a:blip r:embed="rId5">
+            <a:extLst>
+              <a:ext uri="{28A0092B-C50C-407E-A947-70E740481C1C}">
+                <a14:useLocalDpi xmlns:a14="http://schemas.microsoft.com/office/drawing/2010/main" val="0"/>
+              </a:ext>
+            </a:extLst>
+          </a:blip>
+          <a:stretch>
+            <a:fillRect/>
+          </a:stretch>
+        </p:blipFill>
+        <p:spPr>
+          <a:xfrm>
+            <a:off x="2828861" y="4762500"/>
+            <a:ext cx="952500" cy="952500"/>
+          </a:xfrm>
+          <a:prstGeom prst="rect">
+            <a:avLst/>
+          </a:prstGeom>
+        </p:spPr>
+      </p:pic>
+      <p:pic>
+        <p:nvPicPr>
+          <p:cNvPr id="120" name="그림 119" descr="그레이, 패브릭이(가) 표시된 사진&#10;&#10;자동 생성된 설명">
+            <a:extLst>
+              <a:ext uri="{FF2B5EF4-FFF2-40B4-BE49-F238E27FC236}">
+                <a16:creationId xmlns:a16="http://schemas.microsoft.com/office/drawing/2014/main" id="{6104617A-FB7B-26BB-4633-D35929617FF8}"/>
+              </a:ext>
+            </a:extLst>
+          </p:cNvPr>
+          <p:cNvPicPr>
+            <a:picLocks noChangeAspect="1"/>
+          </p:cNvPicPr>
+          <p:nvPr/>
+        </p:nvPicPr>
+        <p:blipFill>
+          <a:blip r:embed="rId5">
+            <a:extLst>
+              <a:ext uri="{28A0092B-C50C-407E-A947-70E740481C1C}">
+                <a14:useLocalDpi xmlns:a14="http://schemas.microsoft.com/office/drawing/2010/main" val="0"/>
+              </a:ext>
+            </a:extLst>
+          </a:blip>
+          <a:stretch>
+            <a:fillRect/>
+          </a:stretch>
+        </p:blipFill>
+        <p:spPr>
+          <a:xfrm>
+            <a:off x="3772546" y="5702778"/>
+            <a:ext cx="952500" cy="952500"/>
+          </a:xfrm>
+          <a:prstGeom prst="rect">
+            <a:avLst/>
+          </a:prstGeom>
+        </p:spPr>
+      </p:pic>
+      <p:pic>
+        <p:nvPicPr>
+          <p:cNvPr id="121" name="그림 120" descr="그레이, 패브릭이(가) 표시된 사진&#10;&#10;자동 생성된 설명">
+            <a:extLst>
+              <a:ext uri="{FF2B5EF4-FFF2-40B4-BE49-F238E27FC236}">
+                <a16:creationId xmlns:a16="http://schemas.microsoft.com/office/drawing/2014/main" id="{C905C643-8082-DF67-E0A0-E03066D5EFC7}"/>
+              </a:ext>
+            </a:extLst>
+          </p:cNvPr>
+          <p:cNvPicPr>
+            <a:picLocks noChangeAspect="1"/>
+          </p:cNvPicPr>
+          <p:nvPr/>
+        </p:nvPicPr>
+        <p:blipFill>
+          <a:blip r:embed="rId5">
+            <a:extLst>
+              <a:ext uri="{28A0092B-C50C-407E-A947-70E740481C1C}">
+                <a14:useLocalDpi xmlns:a14="http://schemas.microsoft.com/office/drawing/2010/main" val="0"/>
+              </a:ext>
+            </a:extLst>
+          </a:blip>
+          <a:stretch>
+            <a:fillRect/>
+          </a:stretch>
+        </p:blipFill>
+        <p:spPr>
+          <a:xfrm>
+            <a:off x="6588280" y="4762450"/>
+            <a:ext cx="952500" cy="952500"/>
+          </a:xfrm>
+          <a:prstGeom prst="rect">
+            <a:avLst/>
+          </a:prstGeom>
+        </p:spPr>
+      </p:pic>
+      <p:pic>
+        <p:nvPicPr>
+          <p:cNvPr id="122" name="그림 121" descr="그레이, 패브릭이(가) 표시된 사진&#10;&#10;자동 생성된 설명">
+            <a:extLst>
+              <a:ext uri="{FF2B5EF4-FFF2-40B4-BE49-F238E27FC236}">
+                <a16:creationId xmlns:a16="http://schemas.microsoft.com/office/drawing/2014/main" id="{CCBD5B5B-8DAF-5681-4A07-5FDA60A00359}"/>
+              </a:ext>
+            </a:extLst>
+          </p:cNvPr>
+          <p:cNvPicPr>
+            <a:picLocks noChangeAspect="1"/>
+          </p:cNvPicPr>
+          <p:nvPr/>
+        </p:nvPicPr>
+        <p:blipFill>
+          <a:blip r:embed="rId5">
+            <a:extLst>
+              <a:ext uri="{28A0092B-C50C-407E-A947-70E740481C1C}">
+                <a14:useLocalDpi xmlns:a14="http://schemas.microsoft.com/office/drawing/2010/main" val="0"/>
+              </a:ext>
+            </a:extLst>
+          </a:blip>
+          <a:stretch>
+            <a:fillRect/>
+          </a:stretch>
+        </p:blipFill>
+        <p:spPr>
+          <a:xfrm>
+            <a:off x="8501846" y="5702778"/>
+            <a:ext cx="952500" cy="952500"/>
+          </a:xfrm>
+          <a:prstGeom prst="rect">
+            <a:avLst/>
+          </a:prstGeom>
+        </p:spPr>
+      </p:pic>
+      <p:pic>
+        <p:nvPicPr>
+          <p:cNvPr id="124" name="그림 123" descr="일렉트릭 블루, 블루, 마조렐 블루, 스크린샷이(가) 표시된 사진&#10;&#10;자동 생성된 설명">
+            <a:extLst>
+              <a:ext uri="{FF2B5EF4-FFF2-40B4-BE49-F238E27FC236}">
+                <a16:creationId xmlns:a16="http://schemas.microsoft.com/office/drawing/2014/main" id="{9EAA5E08-8B5A-E2D9-26C8-72C1A137727F}"/>
+              </a:ext>
+            </a:extLst>
+          </p:cNvPr>
+          <p:cNvPicPr>
+            <a:picLocks noChangeAspect="1"/>
+          </p:cNvPicPr>
+          <p:nvPr/>
+        </p:nvPicPr>
+        <p:blipFill>
+          <a:blip r:embed="rId3">
+            <a:extLst>
+              <a:ext uri="{28A0092B-C50C-407E-A947-70E740481C1C}">
+                <a14:useLocalDpi xmlns:a14="http://schemas.microsoft.com/office/drawing/2010/main" val="0"/>
+              </a:ext>
+            </a:extLst>
+          </a:blip>
+          <a:stretch>
+            <a:fillRect/>
+          </a:stretch>
+        </p:blipFill>
+        <p:spPr>
+          <a:xfrm>
+            <a:off x="10377236" y="3803889"/>
+            <a:ext cx="952500" cy="952500"/>
+          </a:xfrm>
+          <a:prstGeom prst="rect">
+            <a:avLst/>
+          </a:prstGeom>
+        </p:spPr>
+      </p:pic>
+      <p:pic>
+        <p:nvPicPr>
+          <p:cNvPr id="126" name="그림 125" descr="그레이, 패브릭이(가) 표시된 사진&#10;&#10;자동 생성된 설명">
+            <a:extLst>
+              <a:ext uri="{FF2B5EF4-FFF2-40B4-BE49-F238E27FC236}">
+                <a16:creationId xmlns:a16="http://schemas.microsoft.com/office/drawing/2014/main" id="{2E7CE8A4-FB5F-AB36-8649-5AB0E1693EEF}"/>
+              </a:ext>
+            </a:extLst>
+          </p:cNvPr>
+          <p:cNvPicPr>
+            <a:picLocks noChangeAspect="1"/>
+          </p:cNvPicPr>
+          <p:nvPr/>
+        </p:nvPicPr>
+        <p:blipFill>
+          <a:blip r:embed="rId5">
+            <a:extLst>
+              <a:ext uri="{28A0092B-C50C-407E-A947-70E740481C1C}">
+                <a14:useLocalDpi xmlns:a14="http://schemas.microsoft.com/office/drawing/2010/main" val="0"/>
+              </a:ext>
+            </a:extLst>
+          </a:blip>
+          <a:stretch>
+            <a:fillRect/>
+          </a:stretch>
+        </p:blipFill>
+        <p:spPr>
+          <a:xfrm>
+            <a:off x="10355741" y="4759444"/>
+            <a:ext cx="952500" cy="952500"/>
+          </a:xfrm>
+          <a:prstGeom prst="rect">
+            <a:avLst/>
+          </a:prstGeom>
+        </p:spPr>
+      </p:pic>
+      <p:pic>
+        <p:nvPicPr>
+          <p:cNvPr id="127" name="그림 126" descr="일렉트릭 블루, 블루, 마조렐 블루, 스크린샷이(가) 표시된 사진&#10;&#10;자동 생성된 설명">
+            <a:extLst>
+              <a:ext uri="{FF2B5EF4-FFF2-40B4-BE49-F238E27FC236}">
+                <a16:creationId xmlns:a16="http://schemas.microsoft.com/office/drawing/2014/main" id="{5749FA58-4AF5-614D-1D4B-DADEE2811CEC}"/>
+              </a:ext>
+            </a:extLst>
+          </p:cNvPr>
+          <p:cNvPicPr>
+            <a:picLocks noChangeAspect="1"/>
+          </p:cNvPicPr>
+          <p:nvPr/>
+        </p:nvPicPr>
+        <p:blipFill>
+          <a:blip r:embed="rId3">
+            <a:extLst>
+              <a:ext uri="{28A0092B-C50C-407E-A947-70E740481C1C}">
+                <a14:useLocalDpi xmlns:a14="http://schemas.microsoft.com/office/drawing/2010/main" val="0"/>
+              </a:ext>
+            </a:extLst>
+          </a:blip>
+          <a:stretch>
+            <a:fillRect/>
+          </a:stretch>
+        </p:blipFill>
+        <p:spPr>
+          <a:xfrm>
+            <a:off x="11313865" y="1895884"/>
+            <a:ext cx="952500" cy="990422"/>
           </a:xfrm>
           <a:prstGeom prst="rect">
             <a:avLst/>
@@ -23827,42 +23719,6 @@
       </p:pic>
       <p:pic>
         <p:nvPicPr>
-          <p:cNvPr id="30" name="그림 29">
-            <a:extLst>
-              <a:ext uri="{FF2B5EF4-FFF2-40B4-BE49-F238E27FC236}">
-                <a16:creationId xmlns:a16="http://schemas.microsoft.com/office/drawing/2014/main" id="{893DED9F-F9BF-CE81-87A1-488BF05C6539}"/>
-              </a:ext>
-            </a:extLst>
-          </p:cNvPr>
-          <p:cNvPicPr>
-            <a:picLocks noChangeAspect="1"/>
-          </p:cNvPicPr>
-          <p:nvPr/>
-        </p:nvPicPr>
-        <p:blipFill>
-          <a:blip r:embed="rId2">
-            <a:extLst>
-              <a:ext uri="{28A0092B-C50C-407E-A947-70E740481C1C}">
-                <a14:useLocalDpi xmlns:a14="http://schemas.microsoft.com/office/drawing/2010/main" val="0"/>
-              </a:ext>
-            </a:extLst>
-          </a:blip>
-          <a:stretch>
-            <a:fillRect/>
-          </a:stretch>
-        </p:blipFill>
-        <p:spPr>
-          <a:xfrm>
-            <a:off x="11302251" y="952500"/>
-            <a:ext cx="952500" cy="952500"/>
-          </a:xfrm>
-          <a:prstGeom prst="rect">
-            <a:avLst/>
-          </a:prstGeom>
-        </p:spPr>
-      </p:pic>
-      <p:pic>
-        <p:nvPicPr>
           <p:cNvPr id="31" name="그림 30">
             <a:extLst>
               <a:ext uri="{FF2B5EF4-FFF2-40B4-BE49-F238E27FC236}">
@@ -23935,114 +23791,6 @@
       </p:pic>
       <p:pic>
         <p:nvPicPr>
-          <p:cNvPr id="33" name="그림 32">
-            <a:extLst>
-              <a:ext uri="{FF2B5EF4-FFF2-40B4-BE49-F238E27FC236}">
-                <a16:creationId xmlns:a16="http://schemas.microsoft.com/office/drawing/2014/main" id="{48AA1C14-249F-DB68-D4F3-D53B80E6BF7E}"/>
-              </a:ext>
-            </a:extLst>
-          </p:cNvPr>
-          <p:cNvPicPr>
-            <a:picLocks noChangeAspect="1"/>
-          </p:cNvPicPr>
-          <p:nvPr/>
-        </p:nvPicPr>
-        <p:blipFill>
-          <a:blip r:embed="rId2">
-            <a:extLst>
-              <a:ext uri="{28A0092B-C50C-407E-A947-70E740481C1C}">
-                <a14:useLocalDpi xmlns:a14="http://schemas.microsoft.com/office/drawing/2010/main" val="0"/>
-              </a:ext>
-            </a:extLst>
-          </a:blip>
-          <a:stretch>
-            <a:fillRect/>
-          </a:stretch>
-        </p:blipFill>
-        <p:spPr>
-          <a:xfrm>
-            <a:off x="9433213" y="952500"/>
-            <a:ext cx="952500" cy="952500"/>
-          </a:xfrm>
-          <a:prstGeom prst="rect">
-            <a:avLst/>
-          </a:prstGeom>
-        </p:spPr>
-      </p:pic>
-      <p:pic>
-        <p:nvPicPr>
-          <p:cNvPr id="34" name="그림 33">
-            <a:extLst>
-              <a:ext uri="{FF2B5EF4-FFF2-40B4-BE49-F238E27FC236}">
-                <a16:creationId xmlns:a16="http://schemas.microsoft.com/office/drawing/2014/main" id="{4CC41F28-9D0E-A37F-FE8F-620796C53F7D}"/>
-              </a:ext>
-            </a:extLst>
-          </p:cNvPr>
-          <p:cNvPicPr>
-            <a:picLocks noChangeAspect="1"/>
-          </p:cNvPicPr>
-          <p:nvPr/>
-        </p:nvPicPr>
-        <p:blipFill>
-          <a:blip r:embed="rId2">
-            <a:extLst>
-              <a:ext uri="{28A0092B-C50C-407E-A947-70E740481C1C}">
-                <a14:useLocalDpi xmlns:a14="http://schemas.microsoft.com/office/drawing/2010/main" val="0"/>
-              </a:ext>
-            </a:extLst>
-          </a:blip>
-          <a:stretch>
-            <a:fillRect/>
-          </a:stretch>
-        </p:blipFill>
-        <p:spPr>
-          <a:xfrm>
-            <a:off x="8488858" y="952500"/>
-            <a:ext cx="952500" cy="952500"/>
-          </a:xfrm>
-          <a:prstGeom prst="rect">
-            <a:avLst/>
-          </a:prstGeom>
-        </p:spPr>
-      </p:pic>
-      <p:pic>
-        <p:nvPicPr>
-          <p:cNvPr id="35" name="그림 34">
-            <a:extLst>
-              <a:ext uri="{FF2B5EF4-FFF2-40B4-BE49-F238E27FC236}">
-                <a16:creationId xmlns:a16="http://schemas.microsoft.com/office/drawing/2014/main" id="{E3216883-B9C1-DC54-D8C8-5D29A27915ED}"/>
-              </a:ext>
-            </a:extLst>
-          </p:cNvPr>
-          <p:cNvPicPr>
-            <a:picLocks noChangeAspect="1"/>
-          </p:cNvPicPr>
-          <p:nvPr/>
-        </p:nvPicPr>
-        <p:blipFill>
-          <a:blip r:embed="rId2">
-            <a:extLst>
-              <a:ext uri="{28A0092B-C50C-407E-A947-70E740481C1C}">
-                <a14:useLocalDpi xmlns:a14="http://schemas.microsoft.com/office/drawing/2010/main" val="0"/>
-              </a:ext>
-            </a:extLst>
-          </a:blip>
-          <a:stretch>
-            <a:fillRect/>
-          </a:stretch>
-        </p:blipFill>
-        <p:spPr>
-          <a:xfrm>
-            <a:off x="10377236" y="952500"/>
-            <a:ext cx="952500" cy="952500"/>
-          </a:xfrm>
-          <a:prstGeom prst="rect">
-            <a:avLst/>
-          </a:prstGeom>
-        </p:spPr>
-      </p:pic>
-      <p:pic>
-        <p:nvPicPr>
           <p:cNvPr id="36" name="그림 35">
             <a:extLst>
               <a:ext uri="{FF2B5EF4-FFF2-40B4-BE49-F238E27FC236}">
@@ -26375,6 +26123,42 @@
           <a:xfrm>
             <a:off x="11292518" y="5715000"/>
             <a:ext cx="952500" cy="952500"/>
+          </a:xfrm>
+          <a:prstGeom prst="rect">
+            <a:avLst/>
+          </a:prstGeom>
+        </p:spPr>
+      </p:pic>
+      <p:pic>
+        <p:nvPicPr>
+          <p:cNvPr id="11" name="그림 10" descr="은, 레버, 키보드이(가) 표시된 사진&#10;&#10;자동 생성된 설명">
+            <a:extLst>
+              <a:ext uri="{FF2B5EF4-FFF2-40B4-BE49-F238E27FC236}">
+                <a16:creationId xmlns:a16="http://schemas.microsoft.com/office/drawing/2014/main" id="{7C69EE88-F1BD-C3D2-F959-1B116B8440A3}"/>
+              </a:ext>
+            </a:extLst>
+          </p:cNvPr>
+          <p:cNvPicPr>
+            <a:picLocks noChangeAspect="1"/>
+          </p:cNvPicPr>
+          <p:nvPr/>
+        </p:nvPicPr>
+        <p:blipFill>
+          <a:blip r:embed="rId3">
+            <a:extLst>
+              <a:ext uri="{28A0092B-C50C-407E-A947-70E740481C1C}">
+                <a14:useLocalDpi xmlns:a14="http://schemas.microsoft.com/office/drawing/2010/main" val="0"/>
+              </a:ext>
+            </a:extLst>
+          </a:blip>
+          <a:stretch>
+            <a:fillRect/>
+          </a:stretch>
+        </p:blipFill>
+        <p:spPr>
+          <a:xfrm>
+            <a:off x="8479570" y="952500"/>
+            <a:ext cx="3810000" cy="952500"/>
           </a:xfrm>
           <a:prstGeom prst="rect">
             <a:avLst/>

--- a/data/땅파기 맵 설계.pptx
+++ b/data/땅파기 맵 설계.pptx
@@ -23467,42 +23467,6 @@
       </p:pic>
       <p:pic>
         <p:nvPicPr>
-          <p:cNvPr id="18" name="그림 17">
-            <a:extLst>
-              <a:ext uri="{FF2B5EF4-FFF2-40B4-BE49-F238E27FC236}">
-                <a16:creationId xmlns:a16="http://schemas.microsoft.com/office/drawing/2014/main" id="{4C899377-706A-7D4F-DF60-BAB17E3D8BC0}"/>
-              </a:ext>
-            </a:extLst>
-          </p:cNvPr>
-          <p:cNvPicPr>
-            <a:picLocks noChangeAspect="1"/>
-          </p:cNvPicPr>
-          <p:nvPr/>
-        </p:nvPicPr>
-        <p:blipFill>
-          <a:blip r:embed="rId2">
-            <a:extLst>
-              <a:ext uri="{28A0092B-C50C-407E-A947-70E740481C1C}">
-                <a14:useLocalDpi xmlns:a14="http://schemas.microsoft.com/office/drawing/2010/main" val="0"/>
-              </a:ext>
-            </a:extLst>
-          </a:blip>
-          <a:stretch>
-            <a:fillRect/>
-          </a:stretch>
-        </p:blipFill>
-        <p:spPr>
-          <a:xfrm>
-            <a:off x="-3464" y="952500"/>
-            <a:ext cx="952500" cy="952500"/>
-          </a:xfrm>
-          <a:prstGeom prst="rect">
-            <a:avLst/>
-          </a:prstGeom>
-        </p:spPr>
-      </p:pic>
-      <p:pic>
-        <p:nvPicPr>
           <p:cNvPr id="24" name="그림 23">
             <a:extLst>
               <a:ext uri="{FF2B5EF4-FFF2-40B4-BE49-F238E27FC236}">
@@ -23611,42 +23575,6 @@
       </p:pic>
       <p:pic>
         <p:nvPicPr>
-          <p:cNvPr id="27" name="그림 26">
-            <a:extLst>
-              <a:ext uri="{FF2B5EF4-FFF2-40B4-BE49-F238E27FC236}">
-                <a16:creationId xmlns:a16="http://schemas.microsoft.com/office/drawing/2014/main" id="{51B6B6E9-6CAD-FF7B-FF50-C5D5292E89EB}"/>
-              </a:ext>
-            </a:extLst>
-          </p:cNvPr>
-          <p:cNvPicPr>
-            <a:picLocks noChangeAspect="1"/>
-          </p:cNvPicPr>
-          <p:nvPr/>
-        </p:nvPicPr>
-        <p:blipFill>
-          <a:blip r:embed="rId2">
-            <a:extLst>
-              <a:ext uri="{28A0092B-C50C-407E-A947-70E740481C1C}">
-                <a14:useLocalDpi xmlns:a14="http://schemas.microsoft.com/office/drawing/2010/main" val="0"/>
-              </a:ext>
-            </a:extLst>
-          </a:blip>
-          <a:stretch>
-            <a:fillRect/>
-          </a:stretch>
-        </p:blipFill>
-        <p:spPr>
-          <a:xfrm>
-            <a:off x="2831522" y="952500"/>
-            <a:ext cx="952500" cy="952500"/>
-          </a:xfrm>
-          <a:prstGeom prst="rect">
-            <a:avLst/>
-          </a:prstGeom>
-        </p:spPr>
-      </p:pic>
-      <p:pic>
-        <p:nvPicPr>
           <p:cNvPr id="28" name="그림 27">
             <a:extLst>
               <a:ext uri="{FF2B5EF4-FFF2-40B4-BE49-F238E27FC236}">
@@ -23971,42 +23899,6 @@
       </p:pic>
       <p:pic>
         <p:nvPicPr>
-          <p:cNvPr id="41" name="그림 40">
-            <a:extLst>
-              <a:ext uri="{FF2B5EF4-FFF2-40B4-BE49-F238E27FC236}">
-                <a16:creationId xmlns:a16="http://schemas.microsoft.com/office/drawing/2014/main" id="{9EA0C427-4FC0-478C-8A9E-E65BFDEB1C10}"/>
-              </a:ext>
-            </a:extLst>
-          </p:cNvPr>
-          <p:cNvPicPr>
-            <a:picLocks noChangeAspect="1"/>
-          </p:cNvPicPr>
-          <p:nvPr/>
-        </p:nvPicPr>
-        <p:blipFill>
-          <a:blip r:embed="rId2">
-            <a:extLst>
-              <a:ext uri="{28A0092B-C50C-407E-A947-70E740481C1C}">
-                <a14:useLocalDpi xmlns:a14="http://schemas.microsoft.com/office/drawing/2010/main" val="0"/>
-              </a:ext>
-            </a:extLst>
-          </a:blip>
-          <a:stretch>
-            <a:fillRect/>
-          </a:stretch>
-        </p:blipFill>
-        <p:spPr>
-          <a:xfrm>
-            <a:off x="4725698" y="1905000"/>
-            <a:ext cx="952500" cy="952500"/>
-          </a:xfrm>
-          <a:prstGeom prst="rect">
-            <a:avLst/>
-          </a:prstGeom>
-        </p:spPr>
-      </p:pic>
-      <p:pic>
-        <p:nvPicPr>
           <p:cNvPr id="42" name="그림 41">
             <a:extLst>
               <a:ext uri="{FF2B5EF4-FFF2-40B4-BE49-F238E27FC236}">
@@ -24187,186 +24079,6 @@
       </p:pic>
       <p:pic>
         <p:nvPicPr>
-          <p:cNvPr id="47" name="그림 46">
-            <a:extLst>
-              <a:ext uri="{FF2B5EF4-FFF2-40B4-BE49-F238E27FC236}">
-                <a16:creationId xmlns:a16="http://schemas.microsoft.com/office/drawing/2014/main" id="{2E1BE1F0-D2CB-8ADB-5D73-31B318751D73}"/>
-              </a:ext>
-            </a:extLst>
-          </p:cNvPr>
-          <p:cNvPicPr>
-            <a:picLocks noChangeAspect="1"/>
-          </p:cNvPicPr>
-          <p:nvPr/>
-        </p:nvPicPr>
-        <p:blipFill>
-          <a:blip r:embed="rId2">
-            <a:extLst>
-              <a:ext uri="{28A0092B-C50C-407E-A947-70E740481C1C}">
-                <a14:useLocalDpi xmlns:a14="http://schemas.microsoft.com/office/drawing/2010/main" val="0"/>
-              </a:ext>
-            </a:extLst>
-          </a:blip>
-          <a:stretch>
-            <a:fillRect/>
-          </a:stretch>
-        </p:blipFill>
-        <p:spPr>
-          <a:xfrm>
-            <a:off x="10374402" y="1905000"/>
-            <a:ext cx="952500" cy="952500"/>
-          </a:xfrm>
-          <a:prstGeom prst="rect">
-            <a:avLst/>
-          </a:prstGeom>
-        </p:spPr>
-      </p:pic>
-      <p:pic>
-        <p:nvPicPr>
-          <p:cNvPr id="48" name="그림 47">
-            <a:extLst>
-              <a:ext uri="{FF2B5EF4-FFF2-40B4-BE49-F238E27FC236}">
-                <a16:creationId xmlns:a16="http://schemas.microsoft.com/office/drawing/2014/main" id="{E6D707AE-AF9A-B707-C26B-50D050C12EB6}"/>
-              </a:ext>
-            </a:extLst>
-          </p:cNvPr>
-          <p:cNvPicPr>
-            <a:picLocks noChangeAspect="1"/>
-          </p:cNvPicPr>
-          <p:nvPr/>
-        </p:nvPicPr>
-        <p:blipFill>
-          <a:blip r:embed="rId2">
-            <a:extLst>
-              <a:ext uri="{28A0092B-C50C-407E-A947-70E740481C1C}">
-                <a14:useLocalDpi xmlns:a14="http://schemas.microsoft.com/office/drawing/2010/main" val="0"/>
-              </a:ext>
-            </a:extLst>
-          </a:blip>
-          <a:stretch>
-            <a:fillRect/>
-          </a:stretch>
-        </p:blipFill>
-        <p:spPr>
-          <a:xfrm>
-            <a:off x="11302251" y="1905000"/>
-            <a:ext cx="952500" cy="952500"/>
-          </a:xfrm>
-          <a:prstGeom prst="rect">
-            <a:avLst/>
-          </a:prstGeom>
-        </p:spPr>
-      </p:pic>
-      <p:pic>
-        <p:nvPicPr>
-          <p:cNvPr id="49" name="그림 48">
-            <a:extLst>
-              <a:ext uri="{FF2B5EF4-FFF2-40B4-BE49-F238E27FC236}">
-                <a16:creationId xmlns:a16="http://schemas.microsoft.com/office/drawing/2014/main" id="{C98D2232-7227-2C30-3FB1-132B37263BC4}"/>
-              </a:ext>
-            </a:extLst>
-          </p:cNvPr>
-          <p:cNvPicPr>
-            <a:picLocks noChangeAspect="1"/>
-          </p:cNvPicPr>
-          <p:nvPr/>
-        </p:nvPicPr>
-        <p:blipFill>
-          <a:blip r:embed="rId2">
-            <a:extLst>
-              <a:ext uri="{28A0092B-C50C-407E-A947-70E740481C1C}">
-                <a14:useLocalDpi xmlns:a14="http://schemas.microsoft.com/office/drawing/2010/main" val="0"/>
-              </a:ext>
-            </a:extLst>
-          </a:blip>
-          <a:stretch>
-            <a:fillRect/>
-          </a:stretch>
-        </p:blipFill>
-        <p:spPr>
-          <a:xfrm>
-            <a:off x="-2679" y="2857500"/>
-            <a:ext cx="952500" cy="952500"/>
-          </a:xfrm>
-          <a:prstGeom prst="rect">
-            <a:avLst/>
-          </a:prstGeom>
-        </p:spPr>
-      </p:pic>
-      <p:pic>
-        <p:nvPicPr>
-          <p:cNvPr id="50" name="그림 49">
-            <a:extLst>
-              <a:ext uri="{FF2B5EF4-FFF2-40B4-BE49-F238E27FC236}">
-                <a16:creationId xmlns:a16="http://schemas.microsoft.com/office/drawing/2014/main" id="{047985E4-5ADD-B9A3-3938-69B14485487D}"/>
-              </a:ext>
-            </a:extLst>
-          </p:cNvPr>
-          <p:cNvPicPr>
-            <a:picLocks noChangeAspect="1"/>
-          </p:cNvPicPr>
-          <p:nvPr/>
-        </p:nvPicPr>
-        <p:blipFill>
-          <a:blip r:embed="rId2">
-            <a:extLst>
-              <a:ext uri="{28A0092B-C50C-407E-A947-70E740481C1C}">
-                <a14:useLocalDpi xmlns:a14="http://schemas.microsoft.com/office/drawing/2010/main" val="0"/>
-              </a:ext>
-            </a:extLst>
-          </a:blip>
-          <a:stretch>
-            <a:fillRect/>
-          </a:stretch>
-        </p:blipFill>
-        <p:spPr>
-          <a:xfrm>
-            <a:off x="929986" y="2857500"/>
-            <a:ext cx="952500" cy="952500"/>
-          </a:xfrm>
-          <a:prstGeom prst="rect">
-            <a:avLst/>
-          </a:prstGeom>
-        </p:spPr>
-      </p:pic>
-      <p:pic>
-        <p:nvPicPr>
-          <p:cNvPr id="51" name="그림 50">
-            <a:extLst>
-              <a:ext uri="{FF2B5EF4-FFF2-40B4-BE49-F238E27FC236}">
-                <a16:creationId xmlns:a16="http://schemas.microsoft.com/office/drawing/2014/main" id="{BAB311AF-103D-A333-4D80-CBAFD5FA4AE8}"/>
-              </a:ext>
-            </a:extLst>
-          </p:cNvPr>
-          <p:cNvPicPr>
-            <a:picLocks noChangeAspect="1"/>
-          </p:cNvPicPr>
-          <p:nvPr/>
-        </p:nvPicPr>
-        <p:blipFill>
-          <a:blip r:embed="rId2">
-            <a:extLst>
-              <a:ext uri="{28A0092B-C50C-407E-A947-70E740481C1C}">
-                <a14:useLocalDpi xmlns:a14="http://schemas.microsoft.com/office/drawing/2010/main" val="0"/>
-              </a:ext>
-            </a:extLst>
-          </a:blip>
-          <a:stretch>
-            <a:fillRect/>
-          </a:stretch>
-        </p:blipFill>
-        <p:spPr>
-          <a:xfrm>
-            <a:off x="1877291" y="2857500"/>
-            <a:ext cx="952500" cy="952500"/>
-          </a:xfrm>
-          <a:prstGeom prst="rect">
-            <a:avLst/>
-          </a:prstGeom>
-        </p:spPr>
-      </p:pic>
-      <p:pic>
-        <p:nvPicPr>
           <p:cNvPr id="52" name="그림 51">
             <a:extLst>
               <a:ext uri="{FF2B5EF4-FFF2-40B4-BE49-F238E27FC236}">
@@ -24439,78 +24151,6 @@
       </p:pic>
       <p:pic>
         <p:nvPicPr>
-          <p:cNvPr id="54" name="그림 53">
-            <a:extLst>
-              <a:ext uri="{FF2B5EF4-FFF2-40B4-BE49-F238E27FC236}">
-                <a16:creationId xmlns:a16="http://schemas.microsoft.com/office/drawing/2014/main" id="{09A8DB68-E666-A3ED-1333-C809DBD6D852}"/>
-              </a:ext>
-            </a:extLst>
-          </p:cNvPr>
-          <p:cNvPicPr>
-            <a:picLocks noChangeAspect="1"/>
-          </p:cNvPicPr>
-          <p:nvPr/>
-        </p:nvPicPr>
-        <p:blipFill>
-          <a:blip r:embed="rId2">
-            <a:extLst>
-              <a:ext uri="{28A0092B-C50C-407E-A947-70E740481C1C}">
-                <a14:useLocalDpi xmlns:a14="http://schemas.microsoft.com/office/drawing/2010/main" val="0"/>
-              </a:ext>
-            </a:extLst>
-          </a:blip>
-          <a:stretch>
-            <a:fillRect/>
-          </a:stretch>
-        </p:blipFill>
-        <p:spPr>
-          <a:xfrm>
-            <a:off x="4715524" y="2857500"/>
-            <a:ext cx="952500" cy="952500"/>
-          </a:xfrm>
-          <a:prstGeom prst="rect">
-            <a:avLst/>
-          </a:prstGeom>
-        </p:spPr>
-      </p:pic>
-      <p:pic>
-        <p:nvPicPr>
-          <p:cNvPr id="55" name="그림 54">
-            <a:extLst>
-              <a:ext uri="{FF2B5EF4-FFF2-40B4-BE49-F238E27FC236}">
-                <a16:creationId xmlns:a16="http://schemas.microsoft.com/office/drawing/2014/main" id="{2E9EECAD-D127-FD50-5BE0-39B18354FE92}"/>
-              </a:ext>
-            </a:extLst>
-          </p:cNvPr>
-          <p:cNvPicPr>
-            <a:picLocks noChangeAspect="1"/>
-          </p:cNvPicPr>
-          <p:nvPr/>
-        </p:nvPicPr>
-        <p:blipFill>
-          <a:blip r:embed="rId2">
-            <a:extLst>
-              <a:ext uri="{28A0092B-C50C-407E-A947-70E740481C1C}">
-                <a14:useLocalDpi xmlns:a14="http://schemas.microsoft.com/office/drawing/2010/main" val="0"/>
-              </a:ext>
-            </a:extLst>
-          </a:blip>
-          <a:stretch>
-            <a:fillRect/>
-          </a:stretch>
-        </p:blipFill>
-        <p:spPr>
-          <a:xfrm>
-            <a:off x="5658716" y="2857500"/>
-            <a:ext cx="952500" cy="952500"/>
-          </a:xfrm>
-          <a:prstGeom prst="rect">
-            <a:avLst/>
-          </a:prstGeom>
-        </p:spPr>
-      </p:pic>
-      <p:pic>
-        <p:nvPicPr>
           <p:cNvPr id="56" name="그림 55">
             <a:extLst>
               <a:ext uri="{FF2B5EF4-FFF2-40B4-BE49-F238E27FC236}">
@@ -24655,42 +24295,6 @@
       </p:pic>
       <p:pic>
         <p:nvPicPr>
-          <p:cNvPr id="60" name="그림 59">
-            <a:extLst>
-              <a:ext uri="{FF2B5EF4-FFF2-40B4-BE49-F238E27FC236}">
-                <a16:creationId xmlns:a16="http://schemas.microsoft.com/office/drawing/2014/main" id="{FCB9477D-709A-7342-F1A4-43694A9083F3}"/>
-              </a:ext>
-            </a:extLst>
-          </p:cNvPr>
-          <p:cNvPicPr>
-            <a:picLocks noChangeAspect="1"/>
-          </p:cNvPicPr>
-          <p:nvPr/>
-        </p:nvPicPr>
-        <p:blipFill>
-          <a:blip r:embed="rId2">
-            <a:extLst>
-              <a:ext uri="{28A0092B-C50C-407E-A947-70E740481C1C}">
-                <a14:useLocalDpi xmlns:a14="http://schemas.microsoft.com/office/drawing/2010/main" val="0"/>
-              </a:ext>
-            </a:extLst>
-          </a:blip>
-          <a:stretch>
-            <a:fillRect/>
-          </a:stretch>
-        </p:blipFill>
-        <p:spPr>
-          <a:xfrm>
-            <a:off x="10397836" y="2857500"/>
-            <a:ext cx="952500" cy="952500"/>
-          </a:xfrm>
-          <a:prstGeom prst="rect">
-            <a:avLst/>
-          </a:prstGeom>
-        </p:spPr>
-      </p:pic>
-      <p:pic>
-        <p:nvPicPr>
           <p:cNvPr id="61" name="그림 60">
             <a:extLst>
               <a:ext uri="{FF2B5EF4-FFF2-40B4-BE49-F238E27FC236}">
@@ -24727,186 +24331,6 @@
       </p:pic>
       <p:pic>
         <p:nvPicPr>
-          <p:cNvPr id="62" name="그림 61">
-            <a:extLst>
-              <a:ext uri="{FF2B5EF4-FFF2-40B4-BE49-F238E27FC236}">
-                <a16:creationId xmlns:a16="http://schemas.microsoft.com/office/drawing/2014/main" id="{1C53F94E-1B6A-D866-9D2C-59264FEA2335}"/>
-              </a:ext>
-            </a:extLst>
-          </p:cNvPr>
-          <p:cNvPicPr>
-            <a:picLocks noChangeAspect="1"/>
-          </p:cNvPicPr>
-          <p:nvPr/>
-        </p:nvPicPr>
-        <p:blipFill>
-          <a:blip r:embed="rId2">
-            <a:extLst>
-              <a:ext uri="{28A0092B-C50C-407E-A947-70E740481C1C}">
-                <a14:useLocalDpi xmlns:a14="http://schemas.microsoft.com/office/drawing/2010/main" val="0"/>
-              </a:ext>
-            </a:extLst>
-          </a:blip>
-          <a:stretch>
-            <a:fillRect/>
-          </a:stretch>
-        </p:blipFill>
-        <p:spPr>
-          <a:xfrm>
-            <a:off x="-12596" y="3810000"/>
-            <a:ext cx="952500" cy="952500"/>
-          </a:xfrm>
-          <a:prstGeom prst="rect">
-            <a:avLst/>
-          </a:prstGeom>
-        </p:spPr>
-      </p:pic>
-      <p:pic>
-        <p:nvPicPr>
-          <p:cNvPr id="63" name="그림 62">
-            <a:extLst>
-              <a:ext uri="{FF2B5EF4-FFF2-40B4-BE49-F238E27FC236}">
-                <a16:creationId xmlns:a16="http://schemas.microsoft.com/office/drawing/2014/main" id="{0EE07063-C63C-459E-0EDB-4DA7B51B40E9}"/>
-              </a:ext>
-            </a:extLst>
-          </p:cNvPr>
-          <p:cNvPicPr>
-            <a:picLocks noChangeAspect="1"/>
-          </p:cNvPicPr>
-          <p:nvPr/>
-        </p:nvPicPr>
-        <p:blipFill>
-          <a:blip r:embed="rId2">
-            <a:extLst>
-              <a:ext uri="{28A0092B-C50C-407E-A947-70E740481C1C}">
-                <a14:useLocalDpi xmlns:a14="http://schemas.microsoft.com/office/drawing/2010/main" val="0"/>
-              </a:ext>
-            </a:extLst>
-          </a:blip>
-          <a:stretch>
-            <a:fillRect/>
-          </a:stretch>
-        </p:blipFill>
-        <p:spPr>
-          <a:xfrm>
-            <a:off x="930786" y="3810000"/>
-            <a:ext cx="952500" cy="952500"/>
-          </a:xfrm>
-          <a:prstGeom prst="rect">
-            <a:avLst/>
-          </a:prstGeom>
-        </p:spPr>
-      </p:pic>
-      <p:pic>
-        <p:nvPicPr>
-          <p:cNvPr id="64" name="그림 63">
-            <a:extLst>
-              <a:ext uri="{FF2B5EF4-FFF2-40B4-BE49-F238E27FC236}">
-                <a16:creationId xmlns:a16="http://schemas.microsoft.com/office/drawing/2014/main" id="{32ACDC04-58D4-60E1-B1A7-93ED10DC3516}"/>
-              </a:ext>
-            </a:extLst>
-          </p:cNvPr>
-          <p:cNvPicPr>
-            <a:picLocks noChangeAspect="1"/>
-          </p:cNvPicPr>
-          <p:nvPr/>
-        </p:nvPicPr>
-        <p:blipFill>
-          <a:blip r:embed="rId2">
-            <a:extLst>
-              <a:ext uri="{28A0092B-C50C-407E-A947-70E740481C1C}">
-                <a14:useLocalDpi xmlns:a14="http://schemas.microsoft.com/office/drawing/2010/main" val="0"/>
-              </a:ext>
-            </a:extLst>
-          </a:blip>
-          <a:stretch>
-            <a:fillRect/>
-          </a:stretch>
-        </p:blipFill>
-        <p:spPr>
-          <a:xfrm>
-            <a:off x="1878914" y="3810000"/>
-            <a:ext cx="952500" cy="952500"/>
-          </a:xfrm>
-          <a:prstGeom prst="rect">
-            <a:avLst/>
-          </a:prstGeom>
-        </p:spPr>
-      </p:pic>
-      <p:pic>
-        <p:nvPicPr>
-          <p:cNvPr id="65" name="그림 64">
-            <a:extLst>
-              <a:ext uri="{FF2B5EF4-FFF2-40B4-BE49-F238E27FC236}">
-                <a16:creationId xmlns:a16="http://schemas.microsoft.com/office/drawing/2014/main" id="{E54AD96A-05C7-66DC-79B2-59AF81441F0D}"/>
-              </a:ext>
-            </a:extLst>
-          </p:cNvPr>
-          <p:cNvPicPr>
-            <a:picLocks noChangeAspect="1"/>
-          </p:cNvPicPr>
-          <p:nvPr/>
-        </p:nvPicPr>
-        <p:blipFill>
-          <a:blip r:embed="rId2">
-            <a:extLst>
-              <a:ext uri="{28A0092B-C50C-407E-A947-70E740481C1C}">
-                <a14:useLocalDpi xmlns:a14="http://schemas.microsoft.com/office/drawing/2010/main" val="0"/>
-              </a:ext>
-            </a:extLst>
-          </a:blip>
-          <a:stretch>
-            <a:fillRect/>
-          </a:stretch>
-        </p:blipFill>
-        <p:spPr>
-          <a:xfrm>
-            <a:off x="2822228" y="3810000"/>
-            <a:ext cx="952500" cy="952500"/>
-          </a:xfrm>
-          <a:prstGeom prst="rect">
-            <a:avLst/>
-          </a:prstGeom>
-        </p:spPr>
-      </p:pic>
-      <p:pic>
-        <p:nvPicPr>
-          <p:cNvPr id="66" name="그림 65">
-            <a:extLst>
-              <a:ext uri="{FF2B5EF4-FFF2-40B4-BE49-F238E27FC236}">
-                <a16:creationId xmlns:a16="http://schemas.microsoft.com/office/drawing/2014/main" id="{13F9D375-0480-A815-6852-80BE76168E07}"/>
-              </a:ext>
-            </a:extLst>
-          </p:cNvPr>
-          <p:cNvPicPr>
-            <a:picLocks noChangeAspect="1"/>
-          </p:cNvPicPr>
-          <p:nvPr/>
-        </p:nvPicPr>
-        <p:blipFill>
-          <a:blip r:embed="rId2">
-            <a:extLst>
-              <a:ext uri="{28A0092B-C50C-407E-A947-70E740481C1C}">
-                <a14:useLocalDpi xmlns:a14="http://schemas.microsoft.com/office/drawing/2010/main" val="0"/>
-              </a:ext>
-            </a:extLst>
-          </a:blip>
-          <a:stretch>
-            <a:fillRect/>
-          </a:stretch>
-        </p:blipFill>
-        <p:spPr>
-          <a:xfrm>
-            <a:off x="3768112" y="3810000"/>
-            <a:ext cx="952500" cy="952500"/>
-          </a:xfrm>
-          <a:prstGeom prst="rect">
-            <a:avLst/>
-          </a:prstGeom>
-        </p:spPr>
-      </p:pic>
-      <p:pic>
-        <p:nvPicPr>
           <p:cNvPr id="67" name="그림 66">
             <a:extLst>
               <a:ext uri="{FF2B5EF4-FFF2-40B4-BE49-F238E27FC236}">
@@ -24933,8 +24357,8 @@
         </p:blipFill>
         <p:spPr>
           <a:xfrm>
-            <a:off x="4713981" y="3810000"/>
-            <a:ext cx="952500" cy="952500"/>
+            <a:off x="4713981" y="3805345"/>
+            <a:ext cx="952500" cy="957155"/>
           </a:xfrm>
           <a:prstGeom prst="rect">
             <a:avLst/>
@@ -25051,42 +24475,6 @@
       </p:pic>
       <p:pic>
         <p:nvPicPr>
-          <p:cNvPr id="71" name="그림 70">
-            <a:extLst>
-              <a:ext uri="{FF2B5EF4-FFF2-40B4-BE49-F238E27FC236}">
-                <a16:creationId xmlns:a16="http://schemas.microsoft.com/office/drawing/2014/main" id="{5496A83C-6DB6-BCB8-7A2D-6A7DB734EBA3}"/>
-              </a:ext>
-            </a:extLst>
-          </p:cNvPr>
-          <p:cNvPicPr>
-            <a:picLocks noChangeAspect="1"/>
-          </p:cNvPicPr>
-          <p:nvPr/>
-        </p:nvPicPr>
-        <p:blipFill>
-          <a:blip r:embed="rId2">
-            <a:extLst>
-              <a:ext uri="{28A0092B-C50C-407E-A947-70E740481C1C}">
-                <a14:useLocalDpi xmlns:a14="http://schemas.microsoft.com/office/drawing/2010/main" val="0"/>
-              </a:ext>
-            </a:extLst>
-          </a:blip>
-          <a:stretch>
-            <a:fillRect/>
-          </a:stretch>
-        </p:blipFill>
-        <p:spPr>
-          <a:xfrm>
-            <a:off x="8479570" y="3810000"/>
-            <a:ext cx="952500" cy="952500"/>
-          </a:xfrm>
-          <a:prstGeom prst="rect">
-            <a:avLst/>
-          </a:prstGeom>
-        </p:spPr>
-      </p:pic>
-      <p:pic>
-        <p:nvPicPr>
           <p:cNvPr id="72" name="그림 71">
             <a:extLst>
               <a:ext uri="{FF2B5EF4-FFF2-40B4-BE49-F238E27FC236}">
@@ -25375,42 +24763,6 @@
       </p:pic>
       <p:pic>
         <p:nvPicPr>
-          <p:cNvPr id="80" name="그림 79">
-            <a:extLst>
-              <a:ext uri="{FF2B5EF4-FFF2-40B4-BE49-F238E27FC236}">
-                <a16:creationId xmlns:a16="http://schemas.microsoft.com/office/drawing/2014/main" id="{15FB8D0C-BD0B-1A99-2265-6233C0868281}"/>
-              </a:ext>
-            </a:extLst>
-          </p:cNvPr>
-          <p:cNvPicPr>
-            <a:picLocks noChangeAspect="1"/>
-          </p:cNvPicPr>
-          <p:nvPr/>
-        </p:nvPicPr>
-        <p:blipFill>
-          <a:blip r:embed="rId2">
-            <a:extLst>
-              <a:ext uri="{28A0092B-C50C-407E-A947-70E740481C1C}">
-                <a14:useLocalDpi xmlns:a14="http://schemas.microsoft.com/office/drawing/2010/main" val="0"/>
-              </a:ext>
-            </a:extLst>
-          </a:blip>
-          <a:stretch>
-            <a:fillRect/>
-          </a:stretch>
-        </p:blipFill>
-        <p:spPr>
-          <a:xfrm>
-            <a:off x="4679372" y="4762500"/>
-            <a:ext cx="952500" cy="952500"/>
-          </a:xfrm>
-          <a:prstGeom prst="rect">
-            <a:avLst/>
-          </a:prstGeom>
-        </p:spPr>
-      </p:pic>
-      <p:pic>
-        <p:nvPicPr>
           <p:cNvPr id="81" name="그림 80">
             <a:extLst>
               <a:ext uri="{FF2B5EF4-FFF2-40B4-BE49-F238E27FC236}">
@@ -25447,42 +24799,6 @@
       </p:pic>
       <p:pic>
         <p:nvPicPr>
-          <p:cNvPr id="82" name="그림 81">
-            <a:extLst>
-              <a:ext uri="{FF2B5EF4-FFF2-40B4-BE49-F238E27FC236}">
-                <a16:creationId xmlns:a16="http://schemas.microsoft.com/office/drawing/2014/main" id="{E77A8F5A-35F7-28C3-8BAD-AFB0DF3BDE9F}"/>
-              </a:ext>
-            </a:extLst>
-          </p:cNvPr>
-          <p:cNvPicPr>
-            <a:picLocks noChangeAspect="1"/>
-          </p:cNvPicPr>
-          <p:nvPr/>
-        </p:nvPicPr>
-        <p:blipFill>
-          <a:blip r:embed="rId2">
-            <a:extLst>
-              <a:ext uri="{28A0092B-C50C-407E-A947-70E740481C1C}">
-                <a14:useLocalDpi xmlns:a14="http://schemas.microsoft.com/office/drawing/2010/main" val="0"/>
-              </a:ext>
-            </a:extLst>
-          </a:blip>
-          <a:stretch>
-            <a:fillRect/>
-          </a:stretch>
-        </p:blipFill>
-        <p:spPr>
-          <a:xfrm>
-            <a:off x="6575557" y="4762500"/>
-            <a:ext cx="952500" cy="952500"/>
-          </a:xfrm>
-          <a:prstGeom prst="rect">
-            <a:avLst/>
-          </a:prstGeom>
-        </p:spPr>
-      </p:pic>
-      <p:pic>
-        <p:nvPicPr>
           <p:cNvPr id="83" name="그림 82">
             <a:extLst>
               <a:ext uri="{FF2B5EF4-FFF2-40B4-BE49-F238E27FC236}">
@@ -25555,42 +24871,6 @@
       </p:pic>
       <p:pic>
         <p:nvPicPr>
-          <p:cNvPr id="85" name="그림 84">
-            <a:extLst>
-              <a:ext uri="{FF2B5EF4-FFF2-40B4-BE49-F238E27FC236}">
-                <a16:creationId xmlns:a16="http://schemas.microsoft.com/office/drawing/2014/main" id="{9CBC8ADB-7759-96EC-7F3A-99D3F69EB87C}"/>
-              </a:ext>
-            </a:extLst>
-          </p:cNvPr>
-          <p:cNvPicPr>
-            <a:picLocks noChangeAspect="1"/>
-          </p:cNvPicPr>
-          <p:nvPr/>
-        </p:nvPicPr>
-        <p:blipFill>
-          <a:blip r:embed="rId2">
-            <a:extLst>
-              <a:ext uri="{28A0092B-C50C-407E-A947-70E740481C1C}">
-                <a14:useLocalDpi xmlns:a14="http://schemas.microsoft.com/office/drawing/2010/main" val="0"/>
-              </a:ext>
-            </a:extLst>
-          </a:blip>
-          <a:stretch>
-            <a:fillRect/>
-          </a:stretch>
-        </p:blipFill>
-        <p:spPr>
-          <a:xfrm>
-            <a:off x="9410690" y="4762500"/>
-            <a:ext cx="952500" cy="952500"/>
-          </a:xfrm>
-          <a:prstGeom prst="rect">
-            <a:avLst/>
-          </a:prstGeom>
-        </p:spPr>
-      </p:pic>
-      <p:pic>
-        <p:nvPicPr>
           <p:cNvPr id="86" name="그림 85">
             <a:extLst>
               <a:ext uri="{FF2B5EF4-FFF2-40B4-BE49-F238E27FC236}">
@@ -25699,42 +24979,6 @@
       </p:pic>
       <p:pic>
         <p:nvPicPr>
-          <p:cNvPr id="89" name="그림 88">
-            <a:extLst>
-              <a:ext uri="{FF2B5EF4-FFF2-40B4-BE49-F238E27FC236}">
-                <a16:creationId xmlns:a16="http://schemas.microsoft.com/office/drawing/2014/main" id="{9BD55712-3259-E50C-AD1D-605667B39B48}"/>
-              </a:ext>
-            </a:extLst>
-          </p:cNvPr>
-          <p:cNvPicPr>
-            <a:picLocks noChangeAspect="1"/>
-          </p:cNvPicPr>
-          <p:nvPr/>
-        </p:nvPicPr>
-        <p:blipFill>
-          <a:blip r:embed="rId2">
-            <a:extLst>
-              <a:ext uri="{28A0092B-C50C-407E-A947-70E740481C1C}">
-                <a14:useLocalDpi xmlns:a14="http://schemas.microsoft.com/office/drawing/2010/main" val="0"/>
-              </a:ext>
-            </a:extLst>
-          </a:blip>
-          <a:stretch>
-            <a:fillRect/>
-          </a:stretch>
-        </p:blipFill>
-        <p:spPr>
-          <a:xfrm>
-            <a:off x="932515" y="5715000"/>
-            <a:ext cx="952500" cy="952500"/>
-          </a:xfrm>
-          <a:prstGeom prst="rect">
-            <a:avLst/>
-          </a:prstGeom>
-        </p:spPr>
-      </p:pic>
-      <p:pic>
-        <p:nvPicPr>
           <p:cNvPr id="90" name="그림 89">
             <a:extLst>
               <a:ext uri="{FF2B5EF4-FFF2-40B4-BE49-F238E27FC236}">
@@ -25771,42 +25015,6 @@
       </p:pic>
       <p:pic>
         <p:nvPicPr>
-          <p:cNvPr id="91" name="그림 90">
-            <a:extLst>
-              <a:ext uri="{FF2B5EF4-FFF2-40B4-BE49-F238E27FC236}">
-                <a16:creationId xmlns:a16="http://schemas.microsoft.com/office/drawing/2014/main" id="{DF72B19E-7534-1975-EB01-324A8E07BB00}"/>
-              </a:ext>
-            </a:extLst>
-          </p:cNvPr>
-          <p:cNvPicPr>
-            <a:picLocks noChangeAspect="1"/>
-          </p:cNvPicPr>
-          <p:nvPr/>
-        </p:nvPicPr>
-        <p:blipFill>
-          <a:blip r:embed="rId2">
-            <a:extLst>
-              <a:ext uri="{28A0092B-C50C-407E-A947-70E740481C1C}">
-                <a14:useLocalDpi xmlns:a14="http://schemas.microsoft.com/office/drawing/2010/main" val="0"/>
-              </a:ext>
-            </a:extLst>
-          </a:blip>
-          <a:stretch>
-            <a:fillRect/>
-          </a:stretch>
-        </p:blipFill>
-        <p:spPr>
-          <a:xfrm>
-            <a:off x="2815106" y="5715000"/>
-            <a:ext cx="952500" cy="952500"/>
-          </a:xfrm>
-          <a:prstGeom prst="rect">
-            <a:avLst/>
-          </a:prstGeom>
-        </p:spPr>
-      </p:pic>
-      <p:pic>
-        <p:nvPicPr>
           <p:cNvPr id="92" name="그림 91">
             <a:extLst>
               <a:ext uri="{FF2B5EF4-FFF2-40B4-BE49-F238E27FC236}">
@@ -25942,42 +25150,6 @@
         <p:spPr>
           <a:xfrm>
             <a:off x="6605195" y="5715000"/>
-            <a:ext cx="952500" cy="952500"/>
-          </a:xfrm>
-          <a:prstGeom prst="rect">
-            <a:avLst/>
-          </a:prstGeom>
-        </p:spPr>
-      </p:pic>
-      <p:pic>
-        <p:nvPicPr>
-          <p:cNvPr id="96" name="그림 95">
-            <a:extLst>
-              <a:ext uri="{FF2B5EF4-FFF2-40B4-BE49-F238E27FC236}">
-                <a16:creationId xmlns:a16="http://schemas.microsoft.com/office/drawing/2014/main" id="{284B47A3-BEFE-65C2-827A-96C0F47E0FB2}"/>
-              </a:ext>
-            </a:extLst>
-          </p:cNvPr>
-          <p:cNvPicPr>
-            <a:picLocks noChangeAspect="1"/>
-          </p:cNvPicPr>
-          <p:nvPr/>
-        </p:nvPicPr>
-        <p:blipFill>
-          <a:blip r:embed="rId2">
-            <a:extLst>
-              <a:ext uri="{28A0092B-C50C-407E-A947-70E740481C1C}">
-                <a14:useLocalDpi xmlns:a14="http://schemas.microsoft.com/office/drawing/2010/main" val="0"/>
-              </a:ext>
-            </a:extLst>
-          </a:blip>
-          <a:stretch>
-            <a:fillRect/>
-          </a:stretch>
-        </p:blipFill>
-        <p:spPr>
-          <a:xfrm>
-            <a:off x="7550632" y="5715000"/>
             <a:ext cx="952500" cy="952500"/>
           </a:xfrm>
           <a:prstGeom prst="rect">
@@ -26159,6 +25331,720 @@
           <a:xfrm>
             <a:off x="8479570" y="952500"/>
             <a:ext cx="3810000" cy="952500"/>
+          </a:xfrm>
+          <a:prstGeom prst="rect">
+            <a:avLst/>
+          </a:prstGeom>
+        </p:spPr>
+      </p:pic>
+      <p:pic>
+        <p:nvPicPr>
+          <p:cNvPr id="2" name="그림 1">
+            <a:extLst>
+              <a:ext uri="{FF2B5EF4-FFF2-40B4-BE49-F238E27FC236}">
+                <a16:creationId xmlns:a16="http://schemas.microsoft.com/office/drawing/2014/main" id="{830013A0-DA3E-5461-E8E3-0F0238B7EC08}"/>
+              </a:ext>
+            </a:extLst>
+          </p:cNvPr>
+          <p:cNvPicPr>
+            <a:picLocks noChangeAspect="1"/>
+          </p:cNvPicPr>
+          <p:nvPr/>
+        </p:nvPicPr>
+        <p:blipFill>
+          <a:blip r:embed="rId4"/>
+          <a:stretch>
+            <a:fillRect/>
+          </a:stretch>
+        </p:blipFill>
+        <p:spPr>
+          <a:xfrm>
+            <a:off x="0" y="3807673"/>
+            <a:ext cx="3810330" cy="957155"/>
+          </a:xfrm>
+          <a:prstGeom prst="rect">
+            <a:avLst/>
+          </a:prstGeom>
+        </p:spPr>
+      </p:pic>
+      <p:pic>
+        <p:nvPicPr>
+          <p:cNvPr id="13" name="그림 12" descr="그레이, 패브릭이(가) 표시된 사진&#10;&#10;자동 생성된 설명">
+            <a:extLst>
+              <a:ext uri="{FF2B5EF4-FFF2-40B4-BE49-F238E27FC236}">
+                <a16:creationId xmlns:a16="http://schemas.microsoft.com/office/drawing/2014/main" id="{781EEB69-600C-9E80-D488-700875619559}"/>
+              </a:ext>
+            </a:extLst>
+          </p:cNvPr>
+          <p:cNvPicPr>
+            <a:picLocks noChangeAspect="1"/>
+          </p:cNvPicPr>
+          <p:nvPr/>
+        </p:nvPicPr>
+        <p:blipFill>
+          <a:blip r:embed="rId5">
+            <a:extLst>
+              <a:ext uri="{28A0092B-C50C-407E-A947-70E740481C1C}">
+                <a14:useLocalDpi xmlns:a14="http://schemas.microsoft.com/office/drawing/2010/main" val="0"/>
+              </a:ext>
+            </a:extLst>
+          </a:blip>
+          <a:stretch>
+            <a:fillRect/>
+          </a:stretch>
+        </p:blipFill>
+        <p:spPr>
+          <a:xfrm>
+            <a:off x="-1948" y="2857500"/>
+            <a:ext cx="952500" cy="952500"/>
+          </a:xfrm>
+          <a:prstGeom prst="rect">
+            <a:avLst/>
+          </a:prstGeom>
+        </p:spPr>
+      </p:pic>
+      <p:pic>
+        <p:nvPicPr>
+          <p:cNvPr id="14" name="그림 13" descr="그레이, 패브릭이(가) 표시된 사진&#10;&#10;자동 생성된 설명">
+            <a:extLst>
+              <a:ext uri="{FF2B5EF4-FFF2-40B4-BE49-F238E27FC236}">
+                <a16:creationId xmlns:a16="http://schemas.microsoft.com/office/drawing/2014/main" id="{05B63088-5397-9B13-878C-6CC5EA4BE26F}"/>
+              </a:ext>
+            </a:extLst>
+          </p:cNvPr>
+          <p:cNvPicPr>
+            <a:picLocks noChangeAspect="1"/>
+          </p:cNvPicPr>
+          <p:nvPr/>
+        </p:nvPicPr>
+        <p:blipFill>
+          <a:blip r:embed="rId5">
+            <a:extLst>
+              <a:ext uri="{28A0092B-C50C-407E-A947-70E740481C1C}">
+                <a14:useLocalDpi xmlns:a14="http://schemas.microsoft.com/office/drawing/2010/main" val="0"/>
+              </a:ext>
+            </a:extLst>
+          </a:blip>
+          <a:stretch>
+            <a:fillRect/>
+          </a:stretch>
+        </p:blipFill>
+        <p:spPr>
+          <a:xfrm>
+            <a:off x="1905797" y="2854010"/>
+            <a:ext cx="952500" cy="952500"/>
+          </a:xfrm>
+          <a:prstGeom prst="rect">
+            <a:avLst/>
+          </a:prstGeom>
+        </p:spPr>
+      </p:pic>
+      <p:pic>
+        <p:nvPicPr>
+          <p:cNvPr id="16" name="그림 15" descr="일렉트릭 블루, 블루, 마조렐 블루, 스크린샷이(가) 표시된 사진&#10;&#10;자동 생성된 설명">
+            <a:extLst>
+              <a:ext uri="{FF2B5EF4-FFF2-40B4-BE49-F238E27FC236}">
+                <a16:creationId xmlns:a16="http://schemas.microsoft.com/office/drawing/2014/main" id="{339C9FBD-F152-D921-E4A5-3798F737C43C}"/>
+              </a:ext>
+            </a:extLst>
+          </p:cNvPr>
+          <p:cNvPicPr>
+            <a:picLocks noChangeAspect="1"/>
+          </p:cNvPicPr>
+          <p:nvPr/>
+        </p:nvPicPr>
+        <p:blipFill>
+          <a:blip r:embed="rId6">
+            <a:extLst>
+              <a:ext uri="{28A0092B-C50C-407E-A947-70E740481C1C}">
+                <a14:useLocalDpi xmlns:a14="http://schemas.microsoft.com/office/drawing/2010/main" val="0"/>
+              </a:ext>
+            </a:extLst>
+          </a:blip>
+          <a:stretch>
+            <a:fillRect/>
+          </a:stretch>
+        </p:blipFill>
+        <p:spPr>
+          <a:xfrm>
+            <a:off x="932880" y="2859827"/>
+            <a:ext cx="991739" cy="952500"/>
+          </a:xfrm>
+          <a:prstGeom prst="rect">
+            <a:avLst/>
+          </a:prstGeom>
+        </p:spPr>
+      </p:pic>
+      <p:pic>
+        <p:nvPicPr>
+          <p:cNvPr id="17" name="그림 16" descr="그레이, 패브릭이(가) 표시된 사진&#10;&#10;자동 생성된 설명">
+            <a:extLst>
+              <a:ext uri="{FF2B5EF4-FFF2-40B4-BE49-F238E27FC236}">
+                <a16:creationId xmlns:a16="http://schemas.microsoft.com/office/drawing/2014/main" id="{C254B632-C919-EFC8-1887-640F2D3CCD9B}"/>
+              </a:ext>
+            </a:extLst>
+          </p:cNvPr>
+          <p:cNvPicPr>
+            <a:picLocks noChangeAspect="1"/>
+          </p:cNvPicPr>
+          <p:nvPr/>
+        </p:nvPicPr>
+        <p:blipFill>
+          <a:blip r:embed="rId5">
+            <a:extLst>
+              <a:ext uri="{28A0092B-C50C-407E-A947-70E740481C1C}">
+                <a14:useLocalDpi xmlns:a14="http://schemas.microsoft.com/office/drawing/2010/main" val="0"/>
+              </a:ext>
+            </a:extLst>
+          </a:blip>
+          <a:stretch>
+            <a:fillRect/>
+          </a:stretch>
+        </p:blipFill>
+        <p:spPr>
+          <a:xfrm>
+            <a:off x="2827464" y="947846"/>
+            <a:ext cx="952500" cy="952500"/>
+          </a:xfrm>
+          <a:prstGeom prst="rect">
+            <a:avLst/>
+          </a:prstGeom>
+        </p:spPr>
+      </p:pic>
+      <p:pic>
+        <p:nvPicPr>
+          <p:cNvPr id="33" name="그림 32" descr="그레이, 패브릭이(가) 표시된 사진&#10;&#10;자동 생성된 설명">
+            <a:extLst>
+              <a:ext uri="{FF2B5EF4-FFF2-40B4-BE49-F238E27FC236}">
+                <a16:creationId xmlns:a16="http://schemas.microsoft.com/office/drawing/2014/main" id="{1129B579-2772-F934-2255-621910F15F41}"/>
+              </a:ext>
+            </a:extLst>
+          </p:cNvPr>
+          <p:cNvPicPr>
+            <a:picLocks noChangeAspect="1"/>
+          </p:cNvPicPr>
+          <p:nvPr/>
+        </p:nvPicPr>
+        <p:blipFill>
+          <a:blip r:embed="rId5">
+            <a:extLst>
+              <a:ext uri="{28A0092B-C50C-407E-A947-70E740481C1C}">
+                <a14:useLocalDpi xmlns:a14="http://schemas.microsoft.com/office/drawing/2010/main" val="0"/>
+              </a:ext>
+            </a:extLst>
+          </a:blip>
+          <a:stretch>
+            <a:fillRect/>
+          </a:stretch>
+        </p:blipFill>
+        <p:spPr>
+          <a:xfrm>
+            <a:off x="4714070" y="2854010"/>
+            <a:ext cx="952500" cy="952500"/>
+          </a:xfrm>
+          <a:prstGeom prst="rect">
+            <a:avLst/>
+          </a:prstGeom>
+        </p:spPr>
+      </p:pic>
+      <p:pic>
+        <p:nvPicPr>
+          <p:cNvPr id="35" name="그림 34" descr="클립아트이(가) 표시된 사진&#10;&#10;자동 생성된 설명">
+            <a:extLst>
+              <a:ext uri="{FF2B5EF4-FFF2-40B4-BE49-F238E27FC236}">
+                <a16:creationId xmlns:a16="http://schemas.microsoft.com/office/drawing/2014/main" id="{8D331857-3E59-1D56-2BBB-E781493326AF}"/>
+              </a:ext>
+            </a:extLst>
+          </p:cNvPr>
+          <p:cNvPicPr>
+            <a:picLocks noChangeAspect="1"/>
+          </p:cNvPicPr>
+          <p:nvPr/>
+        </p:nvPicPr>
+        <p:blipFill>
+          <a:blip r:embed="rId7">
+            <a:extLst>
+              <a:ext uri="{28A0092B-C50C-407E-A947-70E740481C1C}">
+                <a14:useLocalDpi xmlns:a14="http://schemas.microsoft.com/office/drawing/2010/main" val="0"/>
+              </a:ext>
+            </a:extLst>
+          </a:blip>
+          <a:stretch>
+            <a:fillRect/>
+          </a:stretch>
+        </p:blipFill>
+        <p:spPr>
+          <a:xfrm>
+            <a:off x="4713848" y="1897887"/>
+            <a:ext cx="952633" cy="952633"/>
+          </a:xfrm>
+          <a:prstGeom prst="rect">
+            <a:avLst/>
+          </a:prstGeom>
+        </p:spPr>
+      </p:pic>
+      <p:pic>
+        <p:nvPicPr>
+          <p:cNvPr id="102" name="그림 101" descr="그레이, 패브릭이(가) 표시된 사진&#10;&#10;자동 생성된 설명">
+            <a:extLst>
+              <a:ext uri="{FF2B5EF4-FFF2-40B4-BE49-F238E27FC236}">
+                <a16:creationId xmlns:a16="http://schemas.microsoft.com/office/drawing/2014/main" id="{5D084CC0-115C-3385-61B4-21667922E9E8}"/>
+              </a:ext>
+            </a:extLst>
+          </p:cNvPr>
+          <p:cNvPicPr>
+            <a:picLocks noChangeAspect="1"/>
+          </p:cNvPicPr>
+          <p:nvPr/>
+        </p:nvPicPr>
+        <p:blipFill>
+          <a:blip r:embed="rId5">
+            <a:extLst>
+              <a:ext uri="{28A0092B-C50C-407E-A947-70E740481C1C}">
+                <a14:useLocalDpi xmlns:a14="http://schemas.microsoft.com/office/drawing/2010/main" val="0"/>
+              </a:ext>
+            </a:extLst>
+          </a:blip>
+          <a:stretch>
+            <a:fillRect/>
+          </a:stretch>
+        </p:blipFill>
+        <p:spPr>
+          <a:xfrm>
+            <a:off x="4686706" y="4762500"/>
+            <a:ext cx="952500" cy="952500"/>
+          </a:xfrm>
+          <a:prstGeom prst="rect">
+            <a:avLst/>
+          </a:prstGeom>
+        </p:spPr>
+      </p:pic>
+      <p:pic>
+        <p:nvPicPr>
+          <p:cNvPr id="104" name="그림 103" descr="그레이, 패브릭이(가) 표시된 사진&#10;&#10;자동 생성된 설명">
+            <a:extLst>
+              <a:ext uri="{FF2B5EF4-FFF2-40B4-BE49-F238E27FC236}">
+                <a16:creationId xmlns:a16="http://schemas.microsoft.com/office/drawing/2014/main" id="{38814F8F-1FE3-A637-596C-DDEFB6FF5726}"/>
+              </a:ext>
+            </a:extLst>
+          </p:cNvPr>
+          <p:cNvPicPr>
+            <a:picLocks noChangeAspect="1"/>
+          </p:cNvPicPr>
+          <p:nvPr/>
+        </p:nvPicPr>
+        <p:blipFill>
+          <a:blip r:embed="rId5">
+            <a:extLst>
+              <a:ext uri="{28A0092B-C50C-407E-A947-70E740481C1C}">
+                <a14:useLocalDpi xmlns:a14="http://schemas.microsoft.com/office/drawing/2010/main" val="0"/>
+              </a:ext>
+            </a:extLst>
+          </a:blip>
+          <a:stretch>
+            <a:fillRect/>
+          </a:stretch>
+        </p:blipFill>
+        <p:spPr>
+          <a:xfrm>
+            <a:off x="2813625" y="5715000"/>
+            <a:ext cx="952500" cy="952500"/>
+          </a:xfrm>
+          <a:prstGeom prst="rect">
+            <a:avLst/>
+          </a:prstGeom>
+        </p:spPr>
+      </p:pic>
+      <p:pic>
+        <p:nvPicPr>
+          <p:cNvPr id="106" name="그림 105" descr="일렉트릭 블루, 블루, 마조렐 블루, 스크린샷이(가) 표시된 사진&#10;&#10;자동 생성된 설명">
+            <a:extLst>
+              <a:ext uri="{FF2B5EF4-FFF2-40B4-BE49-F238E27FC236}">
+                <a16:creationId xmlns:a16="http://schemas.microsoft.com/office/drawing/2014/main" id="{6CBA359E-BC03-B0A3-5590-0878586F67A4}"/>
+              </a:ext>
+            </a:extLst>
+          </p:cNvPr>
+          <p:cNvPicPr>
+            <a:picLocks noChangeAspect="1"/>
+          </p:cNvPicPr>
+          <p:nvPr/>
+        </p:nvPicPr>
+        <p:blipFill>
+          <a:blip r:embed="rId6">
+            <a:extLst>
+              <a:ext uri="{28A0092B-C50C-407E-A947-70E740481C1C}">
+                <a14:useLocalDpi xmlns:a14="http://schemas.microsoft.com/office/drawing/2010/main" val="0"/>
+              </a:ext>
+            </a:extLst>
+          </a:blip>
+          <a:stretch>
+            <a:fillRect/>
+          </a:stretch>
+        </p:blipFill>
+        <p:spPr>
+          <a:xfrm>
+            <a:off x="933589" y="5706855"/>
+            <a:ext cx="952500" cy="952500"/>
+          </a:xfrm>
+          <a:prstGeom prst="rect">
+            <a:avLst/>
+          </a:prstGeom>
+        </p:spPr>
+      </p:pic>
+      <p:pic>
+        <p:nvPicPr>
+          <p:cNvPr id="108" name="그림 107" descr="일렉트릭 블루, 블루, 마조렐 블루, 스크린샷이(가) 표시된 사진&#10;&#10;자동 생성된 설명">
+            <a:extLst>
+              <a:ext uri="{FF2B5EF4-FFF2-40B4-BE49-F238E27FC236}">
+                <a16:creationId xmlns:a16="http://schemas.microsoft.com/office/drawing/2014/main" id="{A59871B2-122D-49E0-4967-69E78562509D}"/>
+              </a:ext>
+            </a:extLst>
+          </p:cNvPr>
+          <p:cNvPicPr>
+            <a:picLocks noChangeAspect="1"/>
+          </p:cNvPicPr>
+          <p:nvPr/>
+        </p:nvPicPr>
+        <p:blipFill>
+          <a:blip r:embed="rId6">
+            <a:extLst>
+              <a:ext uri="{28A0092B-C50C-407E-A947-70E740481C1C}">
+                <a14:useLocalDpi xmlns:a14="http://schemas.microsoft.com/office/drawing/2010/main" val="0"/>
+              </a:ext>
+            </a:extLst>
+          </a:blip>
+          <a:stretch>
+            <a:fillRect/>
+          </a:stretch>
+        </p:blipFill>
+        <p:spPr>
+          <a:xfrm>
+            <a:off x="3760365" y="3812327"/>
+            <a:ext cx="952500" cy="952500"/>
+          </a:xfrm>
+          <a:prstGeom prst="rect">
+            <a:avLst/>
+          </a:prstGeom>
+        </p:spPr>
+      </p:pic>
+      <p:pic>
+        <p:nvPicPr>
+          <p:cNvPr id="110" name="그림 109" descr="클립아트이(가) 표시된 사진&#10;&#10;자동 생성된 설명">
+            <a:extLst>
+              <a:ext uri="{FF2B5EF4-FFF2-40B4-BE49-F238E27FC236}">
+                <a16:creationId xmlns:a16="http://schemas.microsoft.com/office/drawing/2014/main" id="{D486D0FA-521C-25E9-F0D5-E7137CFED803}"/>
+              </a:ext>
+            </a:extLst>
+          </p:cNvPr>
+          <p:cNvPicPr>
+            <a:picLocks noChangeAspect="1"/>
+          </p:cNvPicPr>
+          <p:nvPr/>
+        </p:nvPicPr>
+        <p:blipFill>
+          <a:blip r:embed="rId7">
+            <a:extLst>
+              <a:ext uri="{28A0092B-C50C-407E-A947-70E740481C1C}">
+                <a14:useLocalDpi xmlns:a14="http://schemas.microsoft.com/office/drawing/2010/main" val="0"/>
+              </a:ext>
+            </a:extLst>
+          </a:blip>
+          <a:stretch>
+            <a:fillRect/>
+          </a:stretch>
+        </p:blipFill>
+        <p:spPr>
+          <a:xfrm>
+            <a:off x="10397703" y="1904745"/>
+            <a:ext cx="952633" cy="952633"/>
+          </a:xfrm>
+          <a:prstGeom prst="rect">
+            <a:avLst/>
+          </a:prstGeom>
+        </p:spPr>
+      </p:pic>
+      <p:pic>
+        <p:nvPicPr>
+          <p:cNvPr id="112" name="그림 111" descr="일렉트릭 블루, 블루, 마조렐 블루, 스크린샷이(가) 표시된 사진&#10;&#10;자동 생성된 설명">
+            <a:extLst>
+              <a:ext uri="{FF2B5EF4-FFF2-40B4-BE49-F238E27FC236}">
+                <a16:creationId xmlns:a16="http://schemas.microsoft.com/office/drawing/2014/main" id="{65C4969A-8314-C08F-DAA6-B522DBBAFB50}"/>
+              </a:ext>
+            </a:extLst>
+          </p:cNvPr>
+          <p:cNvPicPr>
+            <a:picLocks noChangeAspect="1"/>
+          </p:cNvPicPr>
+          <p:nvPr/>
+        </p:nvPicPr>
+        <p:blipFill>
+          <a:blip r:embed="rId6">
+            <a:extLst>
+              <a:ext uri="{28A0092B-C50C-407E-A947-70E740481C1C}">
+                <a14:useLocalDpi xmlns:a14="http://schemas.microsoft.com/office/drawing/2010/main" val="0"/>
+              </a:ext>
+            </a:extLst>
+          </a:blip>
+          <a:stretch>
+            <a:fillRect/>
+          </a:stretch>
+        </p:blipFill>
+        <p:spPr>
+          <a:xfrm>
+            <a:off x="11251623" y="1904623"/>
+            <a:ext cx="952500" cy="952500"/>
+          </a:xfrm>
+          <a:prstGeom prst="rect">
+            <a:avLst/>
+          </a:prstGeom>
+        </p:spPr>
+      </p:pic>
+      <p:pic>
+        <p:nvPicPr>
+          <p:cNvPr id="114" name="그림 113" descr="그레이, 패브릭이(가) 표시된 사진&#10;&#10;자동 생성된 설명">
+            <a:extLst>
+              <a:ext uri="{FF2B5EF4-FFF2-40B4-BE49-F238E27FC236}">
+                <a16:creationId xmlns:a16="http://schemas.microsoft.com/office/drawing/2014/main" id="{B6308728-C6C1-F28A-626D-FC9A01A2755C}"/>
+              </a:ext>
+            </a:extLst>
+          </p:cNvPr>
+          <p:cNvPicPr>
+            <a:picLocks noChangeAspect="1"/>
+          </p:cNvPicPr>
+          <p:nvPr/>
+        </p:nvPicPr>
+        <p:blipFill>
+          <a:blip r:embed="rId5">
+            <a:extLst>
+              <a:ext uri="{28A0092B-C50C-407E-A947-70E740481C1C}">
+                <a14:useLocalDpi xmlns:a14="http://schemas.microsoft.com/office/drawing/2010/main" val="0"/>
+              </a:ext>
+            </a:extLst>
+          </a:blip>
+          <a:stretch>
+            <a:fillRect/>
+          </a:stretch>
+        </p:blipFill>
+        <p:spPr>
+          <a:xfrm>
+            <a:off x="10400434" y="2859827"/>
+            <a:ext cx="952500" cy="952500"/>
+          </a:xfrm>
+          <a:prstGeom prst="rect">
+            <a:avLst/>
+          </a:prstGeom>
+        </p:spPr>
+      </p:pic>
+      <p:pic>
+        <p:nvPicPr>
+          <p:cNvPr id="116" name="그림 115" descr="그레이, 패브릭이(가) 표시된 사진&#10;&#10;자동 생성된 설명">
+            <a:extLst>
+              <a:ext uri="{FF2B5EF4-FFF2-40B4-BE49-F238E27FC236}">
+                <a16:creationId xmlns:a16="http://schemas.microsoft.com/office/drawing/2014/main" id="{F375CE43-C617-4F9A-4893-140F85361B1E}"/>
+              </a:ext>
+            </a:extLst>
+          </p:cNvPr>
+          <p:cNvPicPr>
+            <a:picLocks noChangeAspect="1"/>
+          </p:cNvPicPr>
+          <p:nvPr/>
+        </p:nvPicPr>
+        <p:blipFill>
+          <a:blip r:embed="rId5">
+            <a:extLst>
+              <a:ext uri="{28A0092B-C50C-407E-A947-70E740481C1C}">
+                <a14:useLocalDpi xmlns:a14="http://schemas.microsoft.com/office/drawing/2010/main" val="0"/>
+              </a:ext>
+            </a:extLst>
+          </a:blip>
+          <a:stretch>
+            <a:fillRect/>
+          </a:stretch>
+        </p:blipFill>
+        <p:spPr>
+          <a:xfrm>
+            <a:off x="8499034" y="3805345"/>
+            <a:ext cx="952500" cy="952500"/>
+          </a:xfrm>
+          <a:prstGeom prst="rect">
+            <a:avLst/>
+          </a:prstGeom>
+        </p:spPr>
+      </p:pic>
+      <p:pic>
+        <p:nvPicPr>
+          <p:cNvPr id="118" name="그림 117" descr="그레이, 패브릭이(가) 표시된 사진&#10;&#10;자동 생성된 설명">
+            <a:extLst>
+              <a:ext uri="{FF2B5EF4-FFF2-40B4-BE49-F238E27FC236}">
+                <a16:creationId xmlns:a16="http://schemas.microsoft.com/office/drawing/2014/main" id="{39157A40-D385-6419-88EF-4B537A5EA708}"/>
+              </a:ext>
+            </a:extLst>
+          </p:cNvPr>
+          <p:cNvPicPr>
+            <a:picLocks noChangeAspect="1"/>
+          </p:cNvPicPr>
+          <p:nvPr/>
+        </p:nvPicPr>
+        <p:blipFill>
+          <a:blip r:embed="rId5">
+            <a:extLst>
+              <a:ext uri="{28A0092B-C50C-407E-A947-70E740481C1C}">
+                <a14:useLocalDpi xmlns:a14="http://schemas.microsoft.com/office/drawing/2010/main" val="0"/>
+              </a:ext>
+            </a:extLst>
+          </a:blip>
+          <a:stretch>
+            <a:fillRect/>
+          </a:stretch>
+        </p:blipFill>
+        <p:spPr>
+          <a:xfrm>
+            <a:off x="9414046" y="4753190"/>
+            <a:ext cx="952500" cy="961810"/>
+          </a:xfrm>
+          <a:prstGeom prst="rect">
+            <a:avLst/>
+          </a:prstGeom>
+        </p:spPr>
+      </p:pic>
+      <p:pic>
+        <p:nvPicPr>
+          <p:cNvPr id="120" name="그림 119" descr="그레이, 패브릭이(가) 표시된 사진&#10;&#10;자동 생성된 설명">
+            <a:extLst>
+              <a:ext uri="{FF2B5EF4-FFF2-40B4-BE49-F238E27FC236}">
+                <a16:creationId xmlns:a16="http://schemas.microsoft.com/office/drawing/2014/main" id="{BFF5110C-D9A4-FC4B-EF2D-F6427BE1633C}"/>
+              </a:ext>
+            </a:extLst>
+          </p:cNvPr>
+          <p:cNvPicPr>
+            <a:picLocks noChangeAspect="1"/>
+          </p:cNvPicPr>
+          <p:nvPr/>
+        </p:nvPicPr>
+        <p:blipFill>
+          <a:blip r:embed="rId5">
+            <a:extLst>
+              <a:ext uri="{28A0092B-C50C-407E-A947-70E740481C1C}">
+                <a14:useLocalDpi xmlns:a14="http://schemas.microsoft.com/office/drawing/2010/main" val="0"/>
+              </a:ext>
+            </a:extLst>
+          </a:blip>
+          <a:stretch>
+            <a:fillRect/>
+          </a:stretch>
+        </p:blipFill>
+        <p:spPr>
+          <a:xfrm>
+            <a:off x="5656011" y="2856116"/>
+            <a:ext cx="967843" cy="967843"/>
+          </a:xfrm>
+          <a:prstGeom prst="rect">
+            <a:avLst/>
+          </a:prstGeom>
+        </p:spPr>
+      </p:pic>
+      <p:pic>
+        <p:nvPicPr>
+          <p:cNvPr id="122" name="그림 121" descr="그레이, 패브릭이(가) 표시된 사진&#10;&#10;자동 생성된 설명">
+            <a:extLst>
+              <a:ext uri="{FF2B5EF4-FFF2-40B4-BE49-F238E27FC236}">
+                <a16:creationId xmlns:a16="http://schemas.microsoft.com/office/drawing/2014/main" id="{96ED643B-457C-C25C-C78B-670EE99C574E}"/>
+              </a:ext>
+            </a:extLst>
+          </p:cNvPr>
+          <p:cNvPicPr>
+            <a:picLocks noChangeAspect="1"/>
+          </p:cNvPicPr>
+          <p:nvPr/>
+        </p:nvPicPr>
+        <p:blipFill>
+          <a:blip r:embed="rId5">
+            <a:extLst>
+              <a:ext uri="{28A0092B-C50C-407E-A947-70E740481C1C}">
+                <a14:useLocalDpi xmlns:a14="http://schemas.microsoft.com/office/drawing/2010/main" val="0"/>
+              </a:ext>
+            </a:extLst>
+          </a:blip>
+          <a:stretch>
+            <a:fillRect/>
+          </a:stretch>
+        </p:blipFill>
+        <p:spPr>
+          <a:xfrm>
+            <a:off x="6555993" y="4748540"/>
+            <a:ext cx="952500" cy="966460"/>
+          </a:xfrm>
+          <a:prstGeom prst="rect">
+            <a:avLst/>
+          </a:prstGeom>
+        </p:spPr>
+      </p:pic>
+      <p:pic>
+        <p:nvPicPr>
+          <p:cNvPr id="126" name="그림 125" descr="일렉트릭 블루, 블루, 마조렐 블루, 스크린샷이(가) 표시된 사진&#10;&#10;자동 생성된 설명">
+            <a:extLst>
+              <a:ext uri="{FF2B5EF4-FFF2-40B4-BE49-F238E27FC236}">
+                <a16:creationId xmlns:a16="http://schemas.microsoft.com/office/drawing/2014/main" id="{AEB34A51-1620-8EBB-B993-4F209E5F6BE8}"/>
+              </a:ext>
+            </a:extLst>
+          </p:cNvPr>
+          <p:cNvPicPr>
+            <a:picLocks noChangeAspect="1"/>
+          </p:cNvPicPr>
+          <p:nvPr/>
+        </p:nvPicPr>
+        <p:blipFill>
+          <a:blip r:embed="rId6">
+            <a:extLst>
+              <a:ext uri="{28A0092B-C50C-407E-A947-70E740481C1C}">
+                <a14:useLocalDpi xmlns:a14="http://schemas.microsoft.com/office/drawing/2010/main" val="0"/>
+              </a:ext>
+            </a:extLst>
+          </a:blip>
+          <a:stretch>
+            <a:fillRect/>
+          </a:stretch>
+        </p:blipFill>
+        <p:spPr>
+          <a:xfrm>
+            <a:off x="-10685" y="947846"/>
+            <a:ext cx="952500" cy="952500"/>
+          </a:xfrm>
+          <a:prstGeom prst="rect">
+            <a:avLst/>
+          </a:prstGeom>
+        </p:spPr>
+      </p:pic>
+      <p:pic>
+        <p:nvPicPr>
+          <p:cNvPr id="128" name="그림 127" descr="그레이, 패브릭이(가) 표시된 사진&#10;&#10;자동 생성된 설명">
+            <a:extLst>
+              <a:ext uri="{FF2B5EF4-FFF2-40B4-BE49-F238E27FC236}">
+                <a16:creationId xmlns:a16="http://schemas.microsoft.com/office/drawing/2014/main" id="{133D8BAC-1A75-4EFF-544B-B0B95288EB81}"/>
+              </a:ext>
+            </a:extLst>
+          </p:cNvPr>
+          <p:cNvPicPr>
+            <a:picLocks noChangeAspect="1"/>
+          </p:cNvPicPr>
+          <p:nvPr/>
+        </p:nvPicPr>
+        <p:blipFill>
+          <a:blip r:embed="rId5">
+            <a:extLst>
+              <a:ext uri="{28A0092B-C50C-407E-A947-70E740481C1C}">
+                <a14:useLocalDpi xmlns:a14="http://schemas.microsoft.com/office/drawing/2010/main" val="0"/>
+              </a:ext>
+            </a:extLst>
+          </a:blip>
+          <a:stretch>
+            <a:fillRect/>
+          </a:stretch>
+        </p:blipFill>
+        <p:spPr>
+          <a:xfrm>
+            <a:off x="7551159" y="5715000"/>
+            <a:ext cx="952500" cy="952500"/>
           </a:xfrm>
           <a:prstGeom prst="rect">
             <a:avLst/>
@@ -26737,78 +26623,6 @@
       </p:pic>
       <p:pic>
         <p:nvPicPr>
-          <p:cNvPr id="25" name="그림 24">
-            <a:extLst>
-              <a:ext uri="{FF2B5EF4-FFF2-40B4-BE49-F238E27FC236}">
-                <a16:creationId xmlns:a16="http://schemas.microsoft.com/office/drawing/2014/main" id="{094DC5BB-25C1-3DF7-1B06-D9329525F543}"/>
-              </a:ext>
-            </a:extLst>
-          </p:cNvPr>
-          <p:cNvPicPr>
-            <a:picLocks noChangeAspect="1"/>
-          </p:cNvPicPr>
-          <p:nvPr/>
-        </p:nvPicPr>
-        <p:blipFill>
-          <a:blip r:embed="rId2">
-            <a:extLst>
-              <a:ext uri="{28A0092B-C50C-407E-A947-70E740481C1C}">
-                <a14:useLocalDpi xmlns:a14="http://schemas.microsoft.com/office/drawing/2010/main" val="0"/>
-              </a:ext>
-            </a:extLst>
-          </a:blip>
-          <a:stretch>
-            <a:fillRect/>
-          </a:stretch>
-        </p:blipFill>
-        <p:spPr>
-          <a:xfrm>
-            <a:off x="940377" y="952500"/>
-            <a:ext cx="952500" cy="952500"/>
-          </a:xfrm>
-          <a:prstGeom prst="rect">
-            <a:avLst/>
-          </a:prstGeom>
-        </p:spPr>
-      </p:pic>
-      <p:pic>
-        <p:nvPicPr>
-          <p:cNvPr id="26" name="그림 25">
-            <a:extLst>
-              <a:ext uri="{FF2B5EF4-FFF2-40B4-BE49-F238E27FC236}">
-                <a16:creationId xmlns:a16="http://schemas.microsoft.com/office/drawing/2014/main" id="{55B0D8A2-F279-BE5B-3EE5-FCE1F624B207}"/>
-              </a:ext>
-            </a:extLst>
-          </p:cNvPr>
-          <p:cNvPicPr>
-            <a:picLocks noChangeAspect="1"/>
-          </p:cNvPicPr>
-          <p:nvPr/>
-        </p:nvPicPr>
-        <p:blipFill>
-          <a:blip r:embed="rId2">
-            <a:extLst>
-              <a:ext uri="{28A0092B-C50C-407E-A947-70E740481C1C}">
-                <a14:useLocalDpi xmlns:a14="http://schemas.microsoft.com/office/drawing/2010/main" val="0"/>
-              </a:ext>
-            </a:extLst>
-          </a:blip>
-          <a:stretch>
-            <a:fillRect/>
-          </a:stretch>
-        </p:blipFill>
-        <p:spPr>
-          <a:xfrm>
-            <a:off x="3758045" y="952500"/>
-            <a:ext cx="952500" cy="952500"/>
-          </a:xfrm>
-          <a:prstGeom prst="rect">
-            <a:avLst/>
-          </a:prstGeom>
-        </p:spPr>
-      </p:pic>
-      <p:pic>
-        <p:nvPicPr>
           <p:cNvPr id="27" name="그림 26">
             <a:extLst>
               <a:ext uri="{FF2B5EF4-FFF2-40B4-BE49-F238E27FC236}">
@@ -26881,42 +26695,6 @@
       </p:pic>
       <p:pic>
         <p:nvPicPr>
-          <p:cNvPr id="29" name="그림 28">
-            <a:extLst>
-              <a:ext uri="{FF2B5EF4-FFF2-40B4-BE49-F238E27FC236}">
-                <a16:creationId xmlns:a16="http://schemas.microsoft.com/office/drawing/2014/main" id="{0AD3741D-ACC5-EDCE-ADA2-FE89F2C65072}"/>
-              </a:ext>
-            </a:extLst>
-          </p:cNvPr>
-          <p:cNvPicPr>
-            <a:picLocks noChangeAspect="1"/>
-          </p:cNvPicPr>
-          <p:nvPr/>
-        </p:nvPicPr>
-        <p:blipFill>
-          <a:blip r:embed="rId2">
-            <a:extLst>
-              <a:ext uri="{28A0092B-C50C-407E-A947-70E740481C1C}">
-                <a14:useLocalDpi xmlns:a14="http://schemas.microsoft.com/office/drawing/2010/main" val="0"/>
-              </a:ext>
-            </a:extLst>
-          </a:blip>
-          <a:stretch>
-            <a:fillRect/>
-          </a:stretch>
-        </p:blipFill>
-        <p:spPr>
-          <a:xfrm>
-            <a:off x="5657849" y="952500"/>
-            <a:ext cx="952500" cy="952500"/>
-          </a:xfrm>
-          <a:prstGeom prst="rect">
-            <a:avLst/>
-          </a:prstGeom>
-        </p:spPr>
-      </p:pic>
-      <p:pic>
-        <p:nvPicPr>
           <p:cNvPr id="30" name="그림 29">
             <a:extLst>
               <a:ext uri="{FF2B5EF4-FFF2-40B4-BE49-F238E27FC236}">
@@ -27205,42 +26983,6 @@
       </p:pic>
       <p:pic>
         <p:nvPicPr>
-          <p:cNvPr id="38" name="그림 37">
-            <a:extLst>
-              <a:ext uri="{FF2B5EF4-FFF2-40B4-BE49-F238E27FC236}">
-                <a16:creationId xmlns:a16="http://schemas.microsoft.com/office/drawing/2014/main" id="{07ABA64A-54B5-F322-B270-CA03306FDDE3}"/>
-              </a:ext>
-            </a:extLst>
-          </p:cNvPr>
-          <p:cNvPicPr>
-            <a:picLocks noChangeAspect="1"/>
-          </p:cNvPicPr>
-          <p:nvPr/>
-        </p:nvPicPr>
-        <p:blipFill>
-          <a:blip r:embed="rId2">
-            <a:extLst>
-              <a:ext uri="{28A0092B-C50C-407E-A947-70E740481C1C}">
-                <a14:useLocalDpi xmlns:a14="http://schemas.microsoft.com/office/drawing/2010/main" val="0"/>
-              </a:ext>
-            </a:extLst>
-          </a:blip>
-          <a:stretch>
-            <a:fillRect/>
-          </a:stretch>
-        </p:blipFill>
-        <p:spPr>
-          <a:xfrm>
-            <a:off x="1895474" y="1905000"/>
-            <a:ext cx="952500" cy="952500"/>
-          </a:xfrm>
-          <a:prstGeom prst="rect">
-            <a:avLst/>
-          </a:prstGeom>
-        </p:spPr>
-      </p:pic>
-      <p:pic>
-        <p:nvPicPr>
           <p:cNvPr id="39" name="그림 38">
             <a:extLst>
               <a:ext uri="{FF2B5EF4-FFF2-40B4-BE49-F238E27FC236}">
@@ -27493,78 +27235,6 @@
       </p:pic>
       <p:pic>
         <p:nvPicPr>
-          <p:cNvPr id="46" name="그림 45">
-            <a:extLst>
-              <a:ext uri="{FF2B5EF4-FFF2-40B4-BE49-F238E27FC236}">
-                <a16:creationId xmlns:a16="http://schemas.microsoft.com/office/drawing/2014/main" id="{FA3D875F-7298-69A5-3EA5-D7FC41A5E9BB}"/>
-              </a:ext>
-            </a:extLst>
-          </p:cNvPr>
-          <p:cNvPicPr>
-            <a:picLocks noChangeAspect="1"/>
-          </p:cNvPicPr>
-          <p:nvPr/>
-        </p:nvPicPr>
-        <p:blipFill>
-          <a:blip r:embed="rId2">
-            <a:extLst>
-              <a:ext uri="{28A0092B-C50C-407E-A947-70E740481C1C}">
-                <a14:useLocalDpi xmlns:a14="http://schemas.microsoft.com/office/drawing/2010/main" val="0"/>
-              </a:ext>
-            </a:extLst>
-          </a:blip>
-          <a:stretch>
-            <a:fillRect/>
-          </a:stretch>
-        </p:blipFill>
-        <p:spPr>
-          <a:xfrm>
-            <a:off x="9441872" y="1905000"/>
-            <a:ext cx="952500" cy="952500"/>
-          </a:xfrm>
-          <a:prstGeom prst="rect">
-            <a:avLst/>
-          </a:prstGeom>
-        </p:spPr>
-      </p:pic>
-      <p:pic>
-        <p:nvPicPr>
-          <p:cNvPr id="47" name="그림 46">
-            <a:extLst>
-              <a:ext uri="{FF2B5EF4-FFF2-40B4-BE49-F238E27FC236}">
-                <a16:creationId xmlns:a16="http://schemas.microsoft.com/office/drawing/2014/main" id="{2E1BE1F0-D2CB-8ADB-5D73-31B318751D73}"/>
-              </a:ext>
-            </a:extLst>
-          </p:cNvPr>
-          <p:cNvPicPr>
-            <a:picLocks noChangeAspect="1"/>
-          </p:cNvPicPr>
-          <p:nvPr/>
-        </p:nvPicPr>
-        <p:blipFill>
-          <a:blip r:embed="rId2">
-            <a:extLst>
-              <a:ext uri="{28A0092B-C50C-407E-A947-70E740481C1C}">
-                <a14:useLocalDpi xmlns:a14="http://schemas.microsoft.com/office/drawing/2010/main" val="0"/>
-              </a:ext>
-            </a:extLst>
-          </a:blip>
-          <a:stretch>
-            <a:fillRect/>
-          </a:stretch>
-        </p:blipFill>
-        <p:spPr>
-          <a:xfrm>
-            <a:off x="10374402" y="1905000"/>
-            <a:ext cx="952500" cy="952500"/>
-          </a:xfrm>
-          <a:prstGeom prst="rect">
-            <a:avLst/>
-          </a:prstGeom>
-        </p:spPr>
-      </p:pic>
-      <p:pic>
-        <p:nvPicPr>
           <p:cNvPr id="48" name="그림 47">
             <a:extLst>
               <a:ext uri="{FF2B5EF4-FFF2-40B4-BE49-F238E27FC236}">
@@ -27601,42 +27271,6 @@
       </p:pic>
       <p:pic>
         <p:nvPicPr>
-          <p:cNvPr id="49" name="그림 48">
-            <a:extLst>
-              <a:ext uri="{FF2B5EF4-FFF2-40B4-BE49-F238E27FC236}">
-                <a16:creationId xmlns:a16="http://schemas.microsoft.com/office/drawing/2014/main" id="{C98D2232-7227-2C30-3FB1-132B37263BC4}"/>
-              </a:ext>
-            </a:extLst>
-          </p:cNvPr>
-          <p:cNvPicPr>
-            <a:picLocks noChangeAspect="1"/>
-          </p:cNvPicPr>
-          <p:nvPr/>
-        </p:nvPicPr>
-        <p:blipFill>
-          <a:blip r:embed="rId2">
-            <a:extLst>
-              <a:ext uri="{28A0092B-C50C-407E-A947-70E740481C1C}">
-                <a14:useLocalDpi xmlns:a14="http://schemas.microsoft.com/office/drawing/2010/main" val="0"/>
-              </a:ext>
-            </a:extLst>
-          </a:blip>
-          <a:stretch>
-            <a:fillRect/>
-          </a:stretch>
-        </p:blipFill>
-        <p:spPr>
-          <a:xfrm>
-            <a:off x="-2679" y="2857500"/>
-            <a:ext cx="952500" cy="952500"/>
-          </a:xfrm>
-          <a:prstGeom prst="rect">
-            <a:avLst/>
-          </a:prstGeom>
-        </p:spPr>
-      </p:pic>
-      <p:pic>
-        <p:nvPicPr>
           <p:cNvPr id="50" name="그림 49">
             <a:extLst>
               <a:ext uri="{FF2B5EF4-FFF2-40B4-BE49-F238E27FC236}">
@@ -27745,150 +27379,6 @@
       </p:pic>
       <p:pic>
         <p:nvPicPr>
-          <p:cNvPr id="53" name="그림 52">
-            <a:extLst>
-              <a:ext uri="{FF2B5EF4-FFF2-40B4-BE49-F238E27FC236}">
-                <a16:creationId xmlns:a16="http://schemas.microsoft.com/office/drawing/2014/main" id="{B023B1BB-3F5E-8661-694C-6A46856641B8}"/>
-              </a:ext>
-            </a:extLst>
-          </p:cNvPr>
-          <p:cNvPicPr>
-            <a:picLocks noChangeAspect="1"/>
-          </p:cNvPicPr>
-          <p:nvPr/>
-        </p:nvPicPr>
-        <p:blipFill>
-          <a:blip r:embed="rId2">
-            <a:extLst>
-              <a:ext uri="{28A0092B-C50C-407E-A947-70E740481C1C}">
-                <a14:useLocalDpi xmlns:a14="http://schemas.microsoft.com/office/drawing/2010/main" val="0"/>
-              </a:ext>
-            </a:extLst>
-          </a:blip>
-          <a:stretch>
-            <a:fillRect/>
-          </a:stretch>
-        </p:blipFill>
-        <p:spPr>
-          <a:xfrm>
-            <a:off x="3768814" y="2857500"/>
-            <a:ext cx="952500" cy="952500"/>
-          </a:xfrm>
-          <a:prstGeom prst="rect">
-            <a:avLst/>
-          </a:prstGeom>
-        </p:spPr>
-      </p:pic>
-      <p:pic>
-        <p:nvPicPr>
-          <p:cNvPr id="54" name="그림 53">
-            <a:extLst>
-              <a:ext uri="{FF2B5EF4-FFF2-40B4-BE49-F238E27FC236}">
-                <a16:creationId xmlns:a16="http://schemas.microsoft.com/office/drawing/2014/main" id="{09A8DB68-E666-A3ED-1333-C809DBD6D852}"/>
-              </a:ext>
-            </a:extLst>
-          </p:cNvPr>
-          <p:cNvPicPr>
-            <a:picLocks noChangeAspect="1"/>
-          </p:cNvPicPr>
-          <p:nvPr/>
-        </p:nvPicPr>
-        <p:blipFill>
-          <a:blip r:embed="rId2">
-            <a:extLst>
-              <a:ext uri="{28A0092B-C50C-407E-A947-70E740481C1C}">
-                <a14:useLocalDpi xmlns:a14="http://schemas.microsoft.com/office/drawing/2010/main" val="0"/>
-              </a:ext>
-            </a:extLst>
-          </a:blip>
-          <a:stretch>
-            <a:fillRect/>
-          </a:stretch>
-        </p:blipFill>
-        <p:spPr>
-          <a:xfrm>
-            <a:off x="4715524" y="2857500"/>
-            <a:ext cx="952500" cy="952500"/>
-          </a:xfrm>
-          <a:prstGeom prst="rect">
-            <a:avLst/>
-          </a:prstGeom>
-        </p:spPr>
-      </p:pic>
-      <p:pic>
-        <p:nvPicPr>
-          <p:cNvPr id="55" name="그림 54">
-            <a:extLst>
-              <a:ext uri="{FF2B5EF4-FFF2-40B4-BE49-F238E27FC236}">
-                <a16:creationId xmlns:a16="http://schemas.microsoft.com/office/drawing/2014/main" id="{2E9EECAD-D127-FD50-5BE0-39B18354FE92}"/>
-              </a:ext>
-            </a:extLst>
-          </p:cNvPr>
-          <p:cNvPicPr>
-            <a:picLocks noChangeAspect="1"/>
-          </p:cNvPicPr>
-          <p:nvPr/>
-        </p:nvPicPr>
-        <p:blipFill>
-          <a:blip r:embed="rId2">
-            <a:extLst>
-              <a:ext uri="{28A0092B-C50C-407E-A947-70E740481C1C}">
-                <a14:useLocalDpi xmlns:a14="http://schemas.microsoft.com/office/drawing/2010/main" val="0"/>
-              </a:ext>
-            </a:extLst>
-          </a:blip>
-          <a:stretch>
-            <a:fillRect/>
-          </a:stretch>
-        </p:blipFill>
-        <p:spPr>
-          <a:xfrm>
-            <a:off x="5658716" y="2857500"/>
-            <a:ext cx="952500" cy="952500"/>
-          </a:xfrm>
-          <a:prstGeom prst="rect">
-            <a:avLst/>
-          </a:prstGeom>
-        </p:spPr>
-      </p:pic>
-      <p:pic>
-        <p:nvPicPr>
-          <p:cNvPr id="56" name="그림 55">
-            <a:extLst>
-              <a:ext uri="{FF2B5EF4-FFF2-40B4-BE49-F238E27FC236}">
-                <a16:creationId xmlns:a16="http://schemas.microsoft.com/office/drawing/2014/main" id="{5E5F526B-748A-87CC-E09B-11B5AA3ADDB1}"/>
-              </a:ext>
-            </a:extLst>
-          </p:cNvPr>
-          <p:cNvPicPr>
-            <a:picLocks noChangeAspect="1"/>
-          </p:cNvPicPr>
-          <p:nvPr/>
-        </p:nvPicPr>
-        <p:blipFill>
-          <a:blip r:embed="rId2">
-            <a:extLst>
-              <a:ext uri="{28A0092B-C50C-407E-A947-70E740481C1C}">
-                <a14:useLocalDpi xmlns:a14="http://schemas.microsoft.com/office/drawing/2010/main" val="0"/>
-              </a:ext>
-            </a:extLst>
-          </a:blip>
-          <a:stretch>
-            <a:fillRect/>
-          </a:stretch>
-        </p:blipFill>
-        <p:spPr>
-          <a:xfrm>
-            <a:off x="6607291" y="2857500"/>
-            <a:ext cx="952500" cy="952500"/>
-          </a:xfrm>
-          <a:prstGeom prst="rect">
-            <a:avLst/>
-          </a:prstGeom>
-        </p:spPr>
-      </p:pic>
-      <p:pic>
-        <p:nvPicPr>
           <p:cNvPr id="57" name="그림 56">
             <a:extLst>
               <a:ext uri="{FF2B5EF4-FFF2-40B4-BE49-F238E27FC236}">
@@ -27961,42 +27451,6 @@
       </p:pic>
       <p:pic>
         <p:nvPicPr>
-          <p:cNvPr id="59" name="그림 58">
-            <a:extLst>
-              <a:ext uri="{FF2B5EF4-FFF2-40B4-BE49-F238E27FC236}">
-                <a16:creationId xmlns:a16="http://schemas.microsoft.com/office/drawing/2014/main" id="{61CBDAEF-1EBC-B57C-647E-63C0F8F36DB8}"/>
-              </a:ext>
-            </a:extLst>
-          </p:cNvPr>
-          <p:cNvPicPr>
-            <a:picLocks noChangeAspect="1"/>
-          </p:cNvPicPr>
-          <p:nvPr/>
-        </p:nvPicPr>
-        <p:blipFill>
-          <a:blip r:embed="rId2">
-            <a:extLst>
-              <a:ext uri="{28A0092B-C50C-407E-A947-70E740481C1C}">
-                <a14:useLocalDpi xmlns:a14="http://schemas.microsoft.com/office/drawing/2010/main" val="0"/>
-              </a:ext>
-            </a:extLst>
-          </a:blip>
-          <a:stretch>
-            <a:fillRect/>
-          </a:stretch>
-        </p:blipFill>
-        <p:spPr>
-          <a:xfrm>
-            <a:off x="9450531" y="2857500"/>
-            <a:ext cx="952500" cy="952500"/>
-          </a:xfrm>
-          <a:prstGeom prst="rect">
-            <a:avLst/>
-          </a:prstGeom>
-        </p:spPr>
-      </p:pic>
-      <p:pic>
-        <p:nvPicPr>
           <p:cNvPr id="60" name="그림 59">
             <a:extLst>
               <a:ext uri="{FF2B5EF4-FFF2-40B4-BE49-F238E27FC236}">
@@ -28023,8 +27477,8 @@
         </p:blipFill>
         <p:spPr>
           <a:xfrm>
-            <a:off x="10397836" y="2857500"/>
-            <a:ext cx="952500" cy="952500"/>
+            <a:off x="10341142" y="2857500"/>
+            <a:ext cx="1009194" cy="952500"/>
           </a:xfrm>
           <a:prstGeom prst="rect">
             <a:avLst/>
@@ -28105,78 +27559,6 @@
       </p:pic>
       <p:pic>
         <p:nvPicPr>
-          <p:cNvPr id="63" name="그림 62">
-            <a:extLst>
-              <a:ext uri="{FF2B5EF4-FFF2-40B4-BE49-F238E27FC236}">
-                <a16:creationId xmlns:a16="http://schemas.microsoft.com/office/drawing/2014/main" id="{0EE07063-C63C-459E-0EDB-4DA7B51B40E9}"/>
-              </a:ext>
-            </a:extLst>
-          </p:cNvPr>
-          <p:cNvPicPr>
-            <a:picLocks noChangeAspect="1"/>
-          </p:cNvPicPr>
-          <p:nvPr/>
-        </p:nvPicPr>
-        <p:blipFill>
-          <a:blip r:embed="rId2">
-            <a:extLst>
-              <a:ext uri="{28A0092B-C50C-407E-A947-70E740481C1C}">
-                <a14:useLocalDpi xmlns:a14="http://schemas.microsoft.com/office/drawing/2010/main" val="0"/>
-              </a:ext>
-            </a:extLst>
-          </a:blip>
-          <a:stretch>
-            <a:fillRect/>
-          </a:stretch>
-        </p:blipFill>
-        <p:spPr>
-          <a:xfrm>
-            <a:off x="930786" y="3810000"/>
-            <a:ext cx="952500" cy="952500"/>
-          </a:xfrm>
-          <a:prstGeom prst="rect">
-            <a:avLst/>
-          </a:prstGeom>
-        </p:spPr>
-      </p:pic>
-      <p:pic>
-        <p:nvPicPr>
-          <p:cNvPr id="64" name="그림 63">
-            <a:extLst>
-              <a:ext uri="{FF2B5EF4-FFF2-40B4-BE49-F238E27FC236}">
-                <a16:creationId xmlns:a16="http://schemas.microsoft.com/office/drawing/2014/main" id="{32ACDC04-58D4-60E1-B1A7-93ED10DC3516}"/>
-              </a:ext>
-            </a:extLst>
-          </p:cNvPr>
-          <p:cNvPicPr>
-            <a:picLocks noChangeAspect="1"/>
-          </p:cNvPicPr>
-          <p:nvPr/>
-        </p:nvPicPr>
-        <p:blipFill>
-          <a:blip r:embed="rId2">
-            <a:extLst>
-              <a:ext uri="{28A0092B-C50C-407E-A947-70E740481C1C}">
-                <a14:useLocalDpi xmlns:a14="http://schemas.microsoft.com/office/drawing/2010/main" val="0"/>
-              </a:ext>
-            </a:extLst>
-          </a:blip>
-          <a:stretch>
-            <a:fillRect/>
-          </a:stretch>
-        </p:blipFill>
-        <p:spPr>
-          <a:xfrm>
-            <a:off x="1878914" y="3810000"/>
-            <a:ext cx="952500" cy="952500"/>
-          </a:xfrm>
-          <a:prstGeom prst="rect">
-            <a:avLst/>
-          </a:prstGeom>
-        </p:spPr>
-      </p:pic>
-      <p:pic>
-        <p:nvPicPr>
           <p:cNvPr id="65" name="그림 64">
             <a:extLst>
               <a:ext uri="{FF2B5EF4-FFF2-40B4-BE49-F238E27FC236}">
@@ -28249,42 +27631,6 @@
       </p:pic>
       <p:pic>
         <p:nvPicPr>
-          <p:cNvPr id="67" name="그림 66">
-            <a:extLst>
-              <a:ext uri="{FF2B5EF4-FFF2-40B4-BE49-F238E27FC236}">
-                <a16:creationId xmlns:a16="http://schemas.microsoft.com/office/drawing/2014/main" id="{C97E552F-1133-396F-0EBD-99E047330EFF}"/>
-              </a:ext>
-            </a:extLst>
-          </p:cNvPr>
-          <p:cNvPicPr>
-            <a:picLocks noChangeAspect="1"/>
-          </p:cNvPicPr>
-          <p:nvPr/>
-        </p:nvPicPr>
-        <p:blipFill>
-          <a:blip r:embed="rId2">
-            <a:extLst>
-              <a:ext uri="{28A0092B-C50C-407E-A947-70E740481C1C}">
-                <a14:useLocalDpi xmlns:a14="http://schemas.microsoft.com/office/drawing/2010/main" val="0"/>
-              </a:ext>
-            </a:extLst>
-          </a:blip>
-          <a:stretch>
-            <a:fillRect/>
-          </a:stretch>
-        </p:blipFill>
-        <p:spPr>
-          <a:xfrm>
-            <a:off x="4713981" y="3810000"/>
-            <a:ext cx="952500" cy="952500"/>
-          </a:xfrm>
-          <a:prstGeom prst="rect">
-            <a:avLst/>
-          </a:prstGeom>
-        </p:spPr>
-      </p:pic>
-      <p:pic>
-        <p:nvPicPr>
           <p:cNvPr id="68" name="그림 67">
             <a:extLst>
               <a:ext uri="{FF2B5EF4-FFF2-40B4-BE49-F238E27FC236}">
@@ -28393,78 +27739,6 @@
       </p:pic>
       <p:pic>
         <p:nvPicPr>
-          <p:cNvPr id="71" name="그림 70">
-            <a:extLst>
-              <a:ext uri="{FF2B5EF4-FFF2-40B4-BE49-F238E27FC236}">
-                <a16:creationId xmlns:a16="http://schemas.microsoft.com/office/drawing/2014/main" id="{5496A83C-6DB6-BCB8-7A2D-6A7DB734EBA3}"/>
-              </a:ext>
-            </a:extLst>
-          </p:cNvPr>
-          <p:cNvPicPr>
-            <a:picLocks noChangeAspect="1"/>
-          </p:cNvPicPr>
-          <p:nvPr/>
-        </p:nvPicPr>
-        <p:blipFill>
-          <a:blip r:embed="rId2">
-            <a:extLst>
-              <a:ext uri="{28A0092B-C50C-407E-A947-70E740481C1C}">
-                <a14:useLocalDpi xmlns:a14="http://schemas.microsoft.com/office/drawing/2010/main" val="0"/>
-              </a:ext>
-            </a:extLst>
-          </a:blip>
-          <a:stretch>
-            <a:fillRect/>
-          </a:stretch>
-        </p:blipFill>
-        <p:spPr>
-          <a:xfrm>
-            <a:off x="8479570" y="3810000"/>
-            <a:ext cx="952500" cy="952500"/>
-          </a:xfrm>
-          <a:prstGeom prst="rect">
-            <a:avLst/>
-          </a:prstGeom>
-        </p:spPr>
-      </p:pic>
-      <p:pic>
-        <p:nvPicPr>
-          <p:cNvPr id="72" name="그림 71">
-            <a:extLst>
-              <a:ext uri="{FF2B5EF4-FFF2-40B4-BE49-F238E27FC236}">
-                <a16:creationId xmlns:a16="http://schemas.microsoft.com/office/drawing/2014/main" id="{CAE1C625-0528-38D8-C0A2-CB3F374E09DE}"/>
-              </a:ext>
-            </a:extLst>
-          </p:cNvPr>
-          <p:cNvPicPr>
-            <a:picLocks noChangeAspect="1"/>
-          </p:cNvPicPr>
-          <p:nvPr/>
-        </p:nvPicPr>
-        <p:blipFill>
-          <a:blip r:embed="rId2">
-            <a:extLst>
-              <a:ext uri="{28A0092B-C50C-407E-A947-70E740481C1C}">
-                <a14:useLocalDpi xmlns:a14="http://schemas.microsoft.com/office/drawing/2010/main" val="0"/>
-              </a:ext>
-            </a:extLst>
-          </a:blip>
-          <a:stretch>
-            <a:fillRect/>
-          </a:stretch>
-        </p:blipFill>
-        <p:spPr>
-          <a:xfrm>
-            <a:off x="9432070" y="3810000"/>
-            <a:ext cx="952500" cy="952500"/>
-          </a:xfrm>
-          <a:prstGeom prst="rect">
-            <a:avLst/>
-          </a:prstGeom>
-        </p:spPr>
-      </p:pic>
-      <p:pic>
-        <p:nvPicPr>
           <p:cNvPr id="73" name="그림 72">
             <a:extLst>
               <a:ext uri="{FF2B5EF4-FFF2-40B4-BE49-F238E27FC236}">
@@ -28501,78 +27775,6 @@
       </p:pic>
       <p:pic>
         <p:nvPicPr>
-          <p:cNvPr id="74" name="그림 73">
-            <a:extLst>
-              <a:ext uri="{FF2B5EF4-FFF2-40B4-BE49-F238E27FC236}">
-                <a16:creationId xmlns:a16="http://schemas.microsoft.com/office/drawing/2014/main" id="{BD8476BF-C95D-D1E1-BEDB-479B3DC768A1}"/>
-              </a:ext>
-            </a:extLst>
-          </p:cNvPr>
-          <p:cNvPicPr>
-            <a:picLocks noChangeAspect="1"/>
-          </p:cNvPicPr>
-          <p:nvPr/>
-        </p:nvPicPr>
-        <p:blipFill>
-          <a:blip r:embed="rId2">
-            <a:extLst>
-              <a:ext uri="{28A0092B-C50C-407E-A947-70E740481C1C}">
-                <a14:useLocalDpi xmlns:a14="http://schemas.microsoft.com/office/drawing/2010/main" val="0"/>
-              </a:ext>
-            </a:extLst>
-          </a:blip>
-          <a:stretch>
-            <a:fillRect/>
-          </a:stretch>
-        </p:blipFill>
-        <p:spPr>
-          <a:xfrm>
-            <a:off x="11292518" y="3810000"/>
-            <a:ext cx="952500" cy="952500"/>
-          </a:xfrm>
-          <a:prstGeom prst="rect">
-            <a:avLst/>
-          </a:prstGeom>
-        </p:spPr>
-      </p:pic>
-      <p:pic>
-        <p:nvPicPr>
-          <p:cNvPr id="75" name="그림 74">
-            <a:extLst>
-              <a:ext uri="{FF2B5EF4-FFF2-40B4-BE49-F238E27FC236}">
-                <a16:creationId xmlns:a16="http://schemas.microsoft.com/office/drawing/2014/main" id="{2924C19F-10BF-C340-B71E-E83348A49E88}"/>
-              </a:ext>
-            </a:extLst>
-          </p:cNvPr>
-          <p:cNvPicPr>
-            <a:picLocks noChangeAspect="1"/>
-          </p:cNvPicPr>
-          <p:nvPr/>
-        </p:nvPicPr>
-        <p:blipFill>
-          <a:blip r:embed="rId2">
-            <a:extLst>
-              <a:ext uri="{28A0092B-C50C-407E-A947-70E740481C1C}">
-                <a14:useLocalDpi xmlns:a14="http://schemas.microsoft.com/office/drawing/2010/main" val="0"/>
-              </a:ext>
-            </a:extLst>
-          </a:blip>
-          <a:stretch>
-            <a:fillRect/>
-          </a:stretch>
-        </p:blipFill>
-        <p:spPr>
-          <a:xfrm>
-            <a:off x="-12596" y="4762500"/>
-            <a:ext cx="952500" cy="952500"/>
-          </a:xfrm>
-          <a:prstGeom prst="rect">
-            <a:avLst/>
-          </a:prstGeom>
-        </p:spPr>
-      </p:pic>
-      <p:pic>
-        <p:nvPicPr>
           <p:cNvPr id="76" name="그림 75">
             <a:extLst>
               <a:ext uri="{FF2B5EF4-FFF2-40B4-BE49-F238E27FC236}">
@@ -28645,42 +27847,6 @@
       </p:pic>
       <p:pic>
         <p:nvPicPr>
-          <p:cNvPr id="78" name="그림 77">
-            <a:extLst>
-              <a:ext uri="{FF2B5EF4-FFF2-40B4-BE49-F238E27FC236}">
-                <a16:creationId xmlns:a16="http://schemas.microsoft.com/office/drawing/2014/main" id="{43D5B0FA-0E6E-94A6-472D-965DCD58D795}"/>
-              </a:ext>
-            </a:extLst>
-          </p:cNvPr>
-          <p:cNvPicPr>
-            <a:picLocks noChangeAspect="1"/>
-          </p:cNvPicPr>
-          <p:nvPr/>
-        </p:nvPicPr>
-        <p:blipFill>
-          <a:blip r:embed="rId2">
-            <a:extLst>
-              <a:ext uri="{28A0092B-C50C-407E-A947-70E740481C1C}">
-                <a14:useLocalDpi xmlns:a14="http://schemas.microsoft.com/office/drawing/2010/main" val="0"/>
-              </a:ext>
-            </a:extLst>
-          </a:blip>
-          <a:stretch>
-            <a:fillRect/>
-          </a:stretch>
-        </p:blipFill>
-        <p:spPr>
-          <a:xfrm>
-            <a:off x="2802082" y="4762500"/>
-            <a:ext cx="952500" cy="952500"/>
-          </a:xfrm>
-          <a:prstGeom prst="rect">
-            <a:avLst/>
-          </a:prstGeom>
-        </p:spPr>
-      </p:pic>
-      <p:pic>
-        <p:nvPicPr>
           <p:cNvPr id="79" name="그림 78">
             <a:extLst>
               <a:ext uri="{FF2B5EF4-FFF2-40B4-BE49-F238E27FC236}">
@@ -28789,114 +27955,6 @@
       </p:pic>
       <p:pic>
         <p:nvPicPr>
-          <p:cNvPr id="82" name="그림 81">
-            <a:extLst>
-              <a:ext uri="{FF2B5EF4-FFF2-40B4-BE49-F238E27FC236}">
-                <a16:creationId xmlns:a16="http://schemas.microsoft.com/office/drawing/2014/main" id="{E77A8F5A-35F7-28C3-8BAD-AFB0DF3BDE9F}"/>
-              </a:ext>
-            </a:extLst>
-          </p:cNvPr>
-          <p:cNvPicPr>
-            <a:picLocks noChangeAspect="1"/>
-          </p:cNvPicPr>
-          <p:nvPr/>
-        </p:nvPicPr>
-        <p:blipFill>
-          <a:blip r:embed="rId2">
-            <a:extLst>
-              <a:ext uri="{28A0092B-C50C-407E-A947-70E740481C1C}">
-                <a14:useLocalDpi xmlns:a14="http://schemas.microsoft.com/office/drawing/2010/main" val="0"/>
-              </a:ext>
-            </a:extLst>
-          </a:blip>
-          <a:stretch>
-            <a:fillRect/>
-          </a:stretch>
-        </p:blipFill>
-        <p:spPr>
-          <a:xfrm>
-            <a:off x="6575557" y="4762500"/>
-            <a:ext cx="952500" cy="952500"/>
-          </a:xfrm>
-          <a:prstGeom prst="rect">
-            <a:avLst/>
-          </a:prstGeom>
-        </p:spPr>
-      </p:pic>
-      <p:pic>
-        <p:nvPicPr>
-          <p:cNvPr id="83" name="그림 82">
-            <a:extLst>
-              <a:ext uri="{FF2B5EF4-FFF2-40B4-BE49-F238E27FC236}">
-                <a16:creationId xmlns:a16="http://schemas.microsoft.com/office/drawing/2014/main" id="{0C770D4E-7428-41D2-D19D-E3940F71F7A8}"/>
-              </a:ext>
-            </a:extLst>
-          </p:cNvPr>
-          <p:cNvPicPr>
-            <a:picLocks noChangeAspect="1"/>
-          </p:cNvPicPr>
-          <p:nvPr/>
-        </p:nvPicPr>
-        <p:blipFill>
-          <a:blip r:embed="rId2">
-            <a:extLst>
-              <a:ext uri="{28A0092B-C50C-407E-A947-70E740481C1C}">
-                <a14:useLocalDpi xmlns:a14="http://schemas.microsoft.com/office/drawing/2010/main" val="0"/>
-              </a:ext>
-            </a:extLst>
-          </a:blip>
-          <a:stretch>
-            <a:fillRect/>
-          </a:stretch>
-        </p:blipFill>
-        <p:spPr>
-          <a:xfrm>
-            <a:off x="7517505" y="4762500"/>
-            <a:ext cx="952500" cy="952500"/>
-          </a:xfrm>
-          <a:prstGeom prst="rect">
-            <a:avLst/>
-          </a:prstGeom>
-        </p:spPr>
-      </p:pic>
-      <p:pic>
-        <p:nvPicPr>
-          <p:cNvPr id="84" name="그림 83">
-            <a:extLst>
-              <a:ext uri="{FF2B5EF4-FFF2-40B4-BE49-F238E27FC236}">
-                <a16:creationId xmlns:a16="http://schemas.microsoft.com/office/drawing/2014/main" id="{084D3432-B5C1-C479-B224-AACB0D425D81}"/>
-              </a:ext>
-            </a:extLst>
-          </p:cNvPr>
-          <p:cNvPicPr>
-            <a:picLocks noChangeAspect="1"/>
-          </p:cNvPicPr>
-          <p:nvPr/>
-        </p:nvPicPr>
-        <p:blipFill>
-          <a:blip r:embed="rId2">
-            <a:extLst>
-              <a:ext uri="{28A0092B-C50C-407E-A947-70E740481C1C}">
-                <a14:useLocalDpi xmlns:a14="http://schemas.microsoft.com/office/drawing/2010/main" val="0"/>
-              </a:ext>
-            </a:extLst>
-          </a:blip>
-          <a:stretch>
-            <a:fillRect/>
-          </a:stretch>
-        </p:blipFill>
-        <p:spPr>
-          <a:xfrm>
-            <a:off x="8466304" y="4762500"/>
-            <a:ext cx="952500" cy="952500"/>
-          </a:xfrm>
-          <a:prstGeom prst="rect">
-            <a:avLst/>
-          </a:prstGeom>
-        </p:spPr>
-      </p:pic>
-      <p:pic>
-        <p:nvPicPr>
           <p:cNvPr id="85" name="그림 84">
             <a:extLst>
               <a:ext uri="{FF2B5EF4-FFF2-40B4-BE49-F238E27FC236}">
@@ -29005,186 +28063,6 @@
       </p:pic>
       <p:pic>
         <p:nvPicPr>
-          <p:cNvPr id="88" name="그림 87">
-            <a:extLst>
-              <a:ext uri="{FF2B5EF4-FFF2-40B4-BE49-F238E27FC236}">
-                <a16:creationId xmlns:a16="http://schemas.microsoft.com/office/drawing/2014/main" id="{E736F417-50BF-ED7E-D96C-276D7357D041}"/>
-              </a:ext>
-            </a:extLst>
-          </p:cNvPr>
-          <p:cNvPicPr>
-            <a:picLocks noChangeAspect="1"/>
-          </p:cNvPicPr>
-          <p:nvPr/>
-        </p:nvPicPr>
-        <p:blipFill>
-          <a:blip r:embed="rId2">
-            <a:extLst>
-              <a:ext uri="{28A0092B-C50C-407E-A947-70E740481C1C}">
-                <a14:useLocalDpi xmlns:a14="http://schemas.microsoft.com/office/drawing/2010/main" val="0"/>
-              </a:ext>
-            </a:extLst>
-          </a:blip>
-          <a:stretch>
-            <a:fillRect/>
-          </a:stretch>
-        </p:blipFill>
-        <p:spPr>
-          <a:xfrm>
-            <a:off x="-13456" y="5715000"/>
-            <a:ext cx="952500" cy="952500"/>
-          </a:xfrm>
-          <a:prstGeom prst="rect">
-            <a:avLst/>
-          </a:prstGeom>
-        </p:spPr>
-      </p:pic>
-      <p:pic>
-        <p:nvPicPr>
-          <p:cNvPr id="89" name="그림 88">
-            <a:extLst>
-              <a:ext uri="{FF2B5EF4-FFF2-40B4-BE49-F238E27FC236}">
-                <a16:creationId xmlns:a16="http://schemas.microsoft.com/office/drawing/2014/main" id="{9BD55712-3259-E50C-AD1D-605667B39B48}"/>
-              </a:ext>
-            </a:extLst>
-          </p:cNvPr>
-          <p:cNvPicPr>
-            <a:picLocks noChangeAspect="1"/>
-          </p:cNvPicPr>
-          <p:nvPr/>
-        </p:nvPicPr>
-        <p:blipFill>
-          <a:blip r:embed="rId2">
-            <a:extLst>
-              <a:ext uri="{28A0092B-C50C-407E-A947-70E740481C1C}">
-                <a14:useLocalDpi xmlns:a14="http://schemas.microsoft.com/office/drawing/2010/main" val="0"/>
-              </a:ext>
-            </a:extLst>
-          </a:blip>
-          <a:stretch>
-            <a:fillRect/>
-          </a:stretch>
-        </p:blipFill>
-        <p:spPr>
-          <a:xfrm>
-            <a:off x="932515" y="5715000"/>
-            <a:ext cx="952500" cy="952500"/>
-          </a:xfrm>
-          <a:prstGeom prst="rect">
-            <a:avLst/>
-          </a:prstGeom>
-        </p:spPr>
-      </p:pic>
-      <p:pic>
-        <p:nvPicPr>
-          <p:cNvPr id="90" name="그림 89">
-            <a:extLst>
-              <a:ext uri="{FF2B5EF4-FFF2-40B4-BE49-F238E27FC236}">
-                <a16:creationId xmlns:a16="http://schemas.microsoft.com/office/drawing/2014/main" id="{A9C531DD-0E4D-779B-95E2-A53BA6ABA917}"/>
-              </a:ext>
-            </a:extLst>
-          </p:cNvPr>
-          <p:cNvPicPr>
-            <a:picLocks noChangeAspect="1"/>
-          </p:cNvPicPr>
-          <p:nvPr/>
-        </p:nvPicPr>
-        <p:blipFill>
-          <a:blip r:embed="rId2">
-            <a:extLst>
-              <a:ext uri="{28A0092B-C50C-407E-A947-70E740481C1C}">
-                <a14:useLocalDpi xmlns:a14="http://schemas.microsoft.com/office/drawing/2010/main" val="0"/>
-              </a:ext>
-            </a:extLst>
-          </a:blip>
-          <a:stretch>
-            <a:fillRect/>
-          </a:stretch>
-        </p:blipFill>
-        <p:spPr>
-          <a:xfrm>
-            <a:off x="1877274" y="5715000"/>
-            <a:ext cx="952500" cy="952500"/>
-          </a:xfrm>
-          <a:prstGeom prst="rect">
-            <a:avLst/>
-          </a:prstGeom>
-        </p:spPr>
-      </p:pic>
-      <p:pic>
-        <p:nvPicPr>
-          <p:cNvPr id="91" name="그림 90">
-            <a:extLst>
-              <a:ext uri="{FF2B5EF4-FFF2-40B4-BE49-F238E27FC236}">
-                <a16:creationId xmlns:a16="http://schemas.microsoft.com/office/drawing/2014/main" id="{DF72B19E-7534-1975-EB01-324A8E07BB00}"/>
-              </a:ext>
-            </a:extLst>
-          </p:cNvPr>
-          <p:cNvPicPr>
-            <a:picLocks noChangeAspect="1"/>
-          </p:cNvPicPr>
-          <p:nvPr/>
-        </p:nvPicPr>
-        <p:blipFill>
-          <a:blip r:embed="rId2">
-            <a:extLst>
-              <a:ext uri="{28A0092B-C50C-407E-A947-70E740481C1C}">
-                <a14:useLocalDpi xmlns:a14="http://schemas.microsoft.com/office/drawing/2010/main" val="0"/>
-              </a:ext>
-            </a:extLst>
-          </a:blip>
-          <a:stretch>
-            <a:fillRect/>
-          </a:stretch>
-        </p:blipFill>
-        <p:spPr>
-          <a:xfrm>
-            <a:off x="2815106" y="5715000"/>
-            <a:ext cx="952500" cy="952500"/>
-          </a:xfrm>
-          <a:prstGeom prst="rect">
-            <a:avLst/>
-          </a:prstGeom>
-        </p:spPr>
-      </p:pic>
-      <p:pic>
-        <p:nvPicPr>
-          <p:cNvPr id="92" name="그림 91">
-            <a:extLst>
-              <a:ext uri="{FF2B5EF4-FFF2-40B4-BE49-F238E27FC236}">
-                <a16:creationId xmlns:a16="http://schemas.microsoft.com/office/drawing/2014/main" id="{AE3C197C-B8FB-77DC-65A2-35133A8BBE8C}"/>
-              </a:ext>
-            </a:extLst>
-          </p:cNvPr>
-          <p:cNvPicPr>
-            <a:picLocks noChangeAspect="1"/>
-          </p:cNvPicPr>
-          <p:nvPr/>
-        </p:nvPicPr>
-        <p:blipFill>
-          <a:blip r:embed="rId2">
-            <a:extLst>
-              <a:ext uri="{28A0092B-C50C-407E-A947-70E740481C1C}">
-                <a14:useLocalDpi xmlns:a14="http://schemas.microsoft.com/office/drawing/2010/main" val="0"/>
-              </a:ext>
-            </a:extLst>
-          </a:blip>
-          <a:stretch>
-            <a:fillRect/>
-          </a:stretch>
-        </p:blipFill>
-        <p:spPr>
-          <a:xfrm>
-            <a:off x="3758045" y="5715000"/>
-            <a:ext cx="952500" cy="952500"/>
-          </a:xfrm>
-          <a:prstGeom prst="rect">
-            <a:avLst/>
-          </a:prstGeom>
-        </p:spPr>
-      </p:pic>
-      <p:pic>
-        <p:nvPicPr>
           <p:cNvPr id="93" name="그림 92">
             <a:extLst>
               <a:ext uri="{FF2B5EF4-FFF2-40B4-BE49-F238E27FC236}">
@@ -29221,42 +28099,6 @@
       </p:pic>
       <p:pic>
         <p:nvPicPr>
-          <p:cNvPr id="94" name="그림 93">
-            <a:extLst>
-              <a:ext uri="{FF2B5EF4-FFF2-40B4-BE49-F238E27FC236}">
-                <a16:creationId xmlns:a16="http://schemas.microsoft.com/office/drawing/2014/main" id="{B95C4C3F-9498-A3D7-5E92-4988A3ADB528}"/>
-              </a:ext>
-            </a:extLst>
-          </p:cNvPr>
-          <p:cNvPicPr>
-            <a:picLocks noChangeAspect="1"/>
-          </p:cNvPicPr>
-          <p:nvPr/>
-        </p:nvPicPr>
-        <p:blipFill>
-          <a:blip r:embed="rId2">
-            <a:extLst>
-              <a:ext uri="{28A0092B-C50C-407E-A947-70E740481C1C}">
-                <a14:useLocalDpi xmlns:a14="http://schemas.microsoft.com/office/drawing/2010/main" val="0"/>
-              </a:ext>
-            </a:extLst>
-          </a:blip>
-          <a:stretch>
-            <a:fillRect/>
-          </a:stretch>
-        </p:blipFill>
-        <p:spPr>
-          <a:xfrm>
-            <a:off x="5657849" y="5715000"/>
-            <a:ext cx="952500" cy="952500"/>
-          </a:xfrm>
-          <a:prstGeom prst="rect">
-            <a:avLst/>
-          </a:prstGeom>
-        </p:spPr>
-      </p:pic>
-      <p:pic>
-        <p:nvPicPr>
           <p:cNvPr id="95" name="그림 94">
             <a:extLst>
               <a:ext uri="{FF2B5EF4-FFF2-40B4-BE49-F238E27FC236}">
@@ -29283,8 +28125,8 @@
         </p:blipFill>
         <p:spPr>
           <a:xfrm>
-            <a:off x="6605195" y="5715000"/>
-            <a:ext cx="952500" cy="952500"/>
+            <a:off x="6585100" y="5715000"/>
+            <a:ext cx="972595" cy="952500"/>
           </a:xfrm>
           <a:prstGeom prst="rect">
             <a:avLst/>
@@ -29365,42 +28207,6 @@
       </p:pic>
       <p:pic>
         <p:nvPicPr>
-          <p:cNvPr id="98" name="그림 97">
-            <a:extLst>
-              <a:ext uri="{FF2B5EF4-FFF2-40B4-BE49-F238E27FC236}">
-                <a16:creationId xmlns:a16="http://schemas.microsoft.com/office/drawing/2014/main" id="{6392275A-19B0-998D-C2D1-6B43E1EA2306}"/>
-              </a:ext>
-            </a:extLst>
-          </p:cNvPr>
-          <p:cNvPicPr>
-            <a:picLocks noChangeAspect="1"/>
-          </p:cNvPicPr>
-          <p:nvPr/>
-        </p:nvPicPr>
-        <p:blipFill>
-          <a:blip r:embed="rId2">
-            <a:extLst>
-              <a:ext uri="{28A0092B-C50C-407E-A947-70E740481C1C}">
-                <a14:useLocalDpi xmlns:a14="http://schemas.microsoft.com/office/drawing/2010/main" val="0"/>
-              </a:ext>
-            </a:extLst>
-          </a:blip>
-          <a:stretch>
-            <a:fillRect/>
-          </a:stretch>
-        </p:blipFill>
-        <p:spPr>
-          <a:xfrm>
-            <a:off x="9432070" y="5715000"/>
-            <a:ext cx="952500" cy="952500"/>
-          </a:xfrm>
-          <a:prstGeom prst="rect">
-            <a:avLst/>
-          </a:prstGeom>
-        </p:spPr>
-      </p:pic>
-      <p:pic>
-        <p:nvPicPr>
           <p:cNvPr id="99" name="그림 98">
             <a:extLst>
               <a:ext uri="{FF2B5EF4-FFF2-40B4-BE49-F238E27FC236}">
@@ -29465,6 +28271,870 @@
           <a:xfrm>
             <a:off x="11292518" y="5715000"/>
             <a:ext cx="952500" cy="952500"/>
+          </a:xfrm>
+          <a:prstGeom prst="rect">
+            <a:avLst/>
+          </a:prstGeom>
+        </p:spPr>
+      </p:pic>
+      <p:pic>
+        <p:nvPicPr>
+          <p:cNvPr id="11" name="그림 10" descr="은, 레버, 키보드이(가) 표시된 사진&#10;&#10;자동 생성된 설명">
+            <a:extLst>
+              <a:ext uri="{FF2B5EF4-FFF2-40B4-BE49-F238E27FC236}">
+                <a16:creationId xmlns:a16="http://schemas.microsoft.com/office/drawing/2014/main" id="{60108E22-3214-4458-D6B0-A78D00A799C3}"/>
+              </a:ext>
+            </a:extLst>
+          </p:cNvPr>
+          <p:cNvPicPr>
+            <a:picLocks noChangeAspect="1"/>
+          </p:cNvPicPr>
+          <p:nvPr/>
+        </p:nvPicPr>
+        <p:blipFill>
+          <a:blip r:embed="rId3">
+            <a:extLst>
+              <a:ext uri="{28A0092B-C50C-407E-A947-70E740481C1C}">
+                <a14:useLocalDpi xmlns:a14="http://schemas.microsoft.com/office/drawing/2010/main" val="0"/>
+              </a:ext>
+            </a:extLst>
+          </a:blip>
+          <a:stretch>
+            <a:fillRect/>
+          </a:stretch>
+        </p:blipFill>
+        <p:spPr>
+          <a:xfrm>
+            <a:off x="3774848" y="2857500"/>
+            <a:ext cx="3810000" cy="952500"/>
+          </a:xfrm>
+          <a:prstGeom prst="rect">
+            <a:avLst/>
+          </a:prstGeom>
+        </p:spPr>
+      </p:pic>
+      <p:pic>
+        <p:nvPicPr>
+          <p:cNvPr id="12" name="그림 11" descr="은, 레버, 키보드이(가) 표시된 사진&#10;&#10;자동 생성된 설명">
+            <a:extLst>
+              <a:ext uri="{FF2B5EF4-FFF2-40B4-BE49-F238E27FC236}">
+                <a16:creationId xmlns:a16="http://schemas.microsoft.com/office/drawing/2014/main" id="{DD2B079A-3458-CE23-C2C4-605CBFE6C9FB}"/>
+              </a:ext>
+            </a:extLst>
+          </p:cNvPr>
+          <p:cNvPicPr>
+            <a:picLocks noChangeAspect="1"/>
+          </p:cNvPicPr>
+          <p:nvPr/>
+        </p:nvPicPr>
+        <p:blipFill>
+          <a:blip r:embed="rId3">
+            <a:extLst>
+              <a:ext uri="{28A0092B-C50C-407E-A947-70E740481C1C}">
+                <a14:useLocalDpi xmlns:a14="http://schemas.microsoft.com/office/drawing/2010/main" val="0"/>
+              </a:ext>
+            </a:extLst>
+          </a:blip>
+          <a:stretch>
+            <a:fillRect/>
+          </a:stretch>
+        </p:blipFill>
+        <p:spPr>
+          <a:xfrm>
+            <a:off x="-18185" y="5715000"/>
+            <a:ext cx="3810000" cy="952500"/>
+          </a:xfrm>
+          <a:prstGeom prst="rect">
+            <a:avLst/>
+          </a:prstGeom>
+        </p:spPr>
+      </p:pic>
+      <p:pic>
+        <p:nvPicPr>
+          <p:cNvPr id="14" name="그림 13" descr="그레이, 패브릭이(가) 표시된 사진&#10;&#10;자동 생성된 설명">
+            <a:extLst>
+              <a:ext uri="{FF2B5EF4-FFF2-40B4-BE49-F238E27FC236}">
+                <a16:creationId xmlns:a16="http://schemas.microsoft.com/office/drawing/2014/main" id="{8B925D66-01B4-4D7F-CA85-CDFB00C697DE}"/>
+              </a:ext>
+            </a:extLst>
+          </p:cNvPr>
+          <p:cNvPicPr>
+            <a:picLocks noChangeAspect="1"/>
+          </p:cNvPicPr>
+          <p:nvPr/>
+        </p:nvPicPr>
+        <p:blipFill>
+          <a:blip r:embed="rId4">
+            <a:extLst>
+              <a:ext uri="{28A0092B-C50C-407E-A947-70E740481C1C}">
+                <a14:useLocalDpi xmlns:a14="http://schemas.microsoft.com/office/drawing/2010/main" val="0"/>
+              </a:ext>
+            </a:extLst>
+          </a:blip>
+          <a:stretch>
+            <a:fillRect/>
+          </a:stretch>
+        </p:blipFill>
+        <p:spPr>
+          <a:xfrm>
+            <a:off x="9432070" y="1905000"/>
+            <a:ext cx="952500" cy="952500"/>
+          </a:xfrm>
+          <a:prstGeom prst="rect">
+            <a:avLst/>
+          </a:prstGeom>
+        </p:spPr>
+      </p:pic>
+      <p:pic>
+        <p:nvPicPr>
+          <p:cNvPr id="16" name="그림 15" descr="그레이, 패브릭이(가) 표시된 사진&#10;&#10;자동 생성된 설명">
+            <a:extLst>
+              <a:ext uri="{FF2B5EF4-FFF2-40B4-BE49-F238E27FC236}">
+                <a16:creationId xmlns:a16="http://schemas.microsoft.com/office/drawing/2014/main" id="{453AC357-B5F2-6554-4000-0A75FD08C54B}"/>
+              </a:ext>
+            </a:extLst>
+          </p:cNvPr>
+          <p:cNvPicPr>
+            <a:picLocks noChangeAspect="1"/>
+          </p:cNvPicPr>
+          <p:nvPr/>
+        </p:nvPicPr>
+        <p:blipFill>
+          <a:blip r:embed="rId4">
+            <a:extLst>
+              <a:ext uri="{28A0092B-C50C-407E-A947-70E740481C1C}">
+                <a14:useLocalDpi xmlns:a14="http://schemas.microsoft.com/office/drawing/2010/main" val="0"/>
+              </a:ext>
+            </a:extLst>
+          </a:blip>
+          <a:stretch>
+            <a:fillRect/>
+          </a:stretch>
+        </p:blipFill>
+        <p:spPr>
+          <a:xfrm>
+            <a:off x="9432631" y="2857500"/>
+            <a:ext cx="952500" cy="952500"/>
+          </a:xfrm>
+          <a:prstGeom prst="rect">
+            <a:avLst/>
+          </a:prstGeom>
+        </p:spPr>
+      </p:pic>
+      <p:pic>
+        <p:nvPicPr>
+          <p:cNvPr id="101" name="그림 100" descr="그레이, 패브릭이(가) 표시된 사진&#10;&#10;자동 생성된 설명">
+            <a:extLst>
+              <a:ext uri="{FF2B5EF4-FFF2-40B4-BE49-F238E27FC236}">
+                <a16:creationId xmlns:a16="http://schemas.microsoft.com/office/drawing/2014/main" id="{83456CE8-EFA8-BF75-06D4-15AE0DCC9D1D}"/>
+              </a:ext>
+            </a:extLst>
+          </p:cNvPr>
+          <p:cNvPicPr>
+            <a:picLocks noChangeAspect="1"/>
+          </p:cNvPicPr>
+          <p:nvPr/>
+        </p:nvPicPr>
+        <p:blipFill>
+          <a:blip r:embed="rId4">
+            <a:extLst>
+              <a:ext uri="{28A0092B-C50C-407E-A947-70E740481C1C}">
+                <a14:useLocalDpi xmlns:a14="http://schemas.microsoft.com/office/drawing/2010/main" val="0"/>
+              </a:ext>
+            </a:extLst>
+          </a:blip>
+          <a:stretch>
+            <a:fillRect/>
+          </a:stretch>
+        </p:blipFill>
+        <p:spPr>
+          <a:xfrm>
+            <a:off x="9439255" y="3810000"/>
+            <a:ext cx="952500" cy="952500"/>
+          </a:xfrm>
+          <a:prstGeom prst="rect">
+            <a:avLst/>
+          </a:prstGeom>
+        </p:spPr>
+      </p:pic>
+      <p:pic>
+        <p:nvPicPr>
+          <p:cNvPr id="103" name="그림 102" descr="일렉트릭 블루, 블루, 마조렐 블루, 스크린샷이(가) 표시된 사진&#10;&#10;자동 생성된 설명">
+            <a:extLst>
+              <a:ext uri="{FF2B5EF4-FFF2-40B4-BE49-F238E27FC236}">
+                <a16:creationId xmlns:a16="http://schemas.microsoft.com/office/drawing/2014/main" id="{E09703FF-1F21-0400-B12F-2640095DCFB8}"/>
+              </a:ext>
+            </a:extLst>
+          </p:cNvPr>
+          <p:cNvPicPr>
+            <a:picLocks noChangeAspect="1"/>
+          </p:cNvPicPr>
+          <p:nvPr/>
+        </p:nvPicPr>
+        <p:blipFill>
+          <a:blip r:embed="rId5">
+            <a:extLst>
+              <a:ext uri="{28A0092B-C50C-407E-A947-70E740481C1C}">
+                <a14:useLocalDpi xmlns:a14="http://schemas.microsoft.com/office/drawing/2010/main" val="0"/>
+              </a:ext>
+            </a:extLst>
+          </a:blip>
+          <a:stretch>
+            <a:fillRect/>
+          </a:stretch>
+        </p:blipFill>
+        <p:spPr>
+          <a:xfrm>
+            <a:off x="8468708" y="4762500"/>
+            <a:ext cx="952500" cy="952500"/>
+          </a:xfrm>
+          <a:prstGeom prst="rect">
+            <a:avLst/>
+          </a:prstGeom>
+        </p:spPr>
+      </p:pic>
+      <p:pic>
+        <p:nvPicPr>
+          <p:cNvPr id="105" name="그림 104" descr="일렉트릭 블루, 블루, 마조렐 블루, 스크린샷이(가) 표시된 사진&#10;&#10;자동 생성된 설명">
+            <a:extLst>
+              <a:ext uri="{FF2B5EF4-FFF2-40B4-BE49-F238E27FC236}">
+                <a16:creationId xmlns:a16="http://schemas.microsoft.com/office/drawing/2014/main" id="{4D6F3559-5F80-0D9F-038F-D9151A66BBF9}"/>
+              </a:ext>
+            </a:extLst>
+          </p:cNvPr>
+          <p:cNvPicPr>
+            <a:picLocks noChangeAspect="1"/>
+          </p:cNvPicPr>
+          <p:nvPr/>
+        </p:nvPicPr>
+        <p:blipFill>
+          <a:blip r:embed="rId5">
+            <a:extLst>
+              <a:ext uri="{28A0092B-C50C-407E-A947-70E740481C1C}">
+                <a14:useLocalDpi xmlns:a14="http://schemas.microsoft.com/office/drawing/2010/main" val="0"/>
+              </a:ext>
+            </a:extLst>
+          </a:blip>
+          <a:stretch>
+            <a:fillRect/>
+          </a:stretch>
+        </p:blipFill>
+        <p:spPr>
+          <a:xfrm>
+            <a:off x="4704619" y="3810000"/>
+            <a:ext cx="1017297" cy="952500"/>
+          </a:xfrm>
+          <a:prstGeom prst="rect">
+            <a:avLst/>
+          </a:prstGeom>
+        </p:spPr>
+      </p:pic>
+      <p:pic>
+        <p:nvPicPr>
+          <p:cNvPr id="107" name="그림 106" descr="일렉트릭 블루, 블루, 마조렐 블루, 스크린샷이(가) 표시된 사진&#10;&#10;자동 생성된 설명">
+            <a:extLst>
+              <a:ext uri="{FF2B5EF4-FFF2-40B4-BE49-F238E27FC236}">
+                <a16:creationId xmlns:a16="http://schemas.microsoft.com/office/drawing/2014/main" id="{EF0821F6-FC6E-6009-FC1A-6B06FD890F24}"/>
+              </a:ext>
+            </a:extLst>
+          </p:cNvPr>
+          <p:cNvPicPr>
+            <a:picLocks noChangeAspect="1"/>
+          </p:cNvPicPr>
+          <p:nvPr/>
+        </p:nvPicPr>
+        <p:blipFill>
+          <a:blip r:embed="rId5">
+            <a:extLst>
+              <a:ext uri="{28A0092B-C50C-407E-A947-70E740481C1C}">
+                <a14:useLocalDpi xmlns:a14="http://schemas.microsoft.com/office/drawing/2010/main" val="0"/>
+              </a:ext>
+            </a:extLst>
+          </a:blip>
+          <a:stretch>
+            <a:fillRect/>
+          </a:stretch>
+        </p:blipFill>
+        <p:spPr>
+          <a:xfrm>
+            <a:off x="1858440" y="3810000"/>
+            <a:ext cx="1000711" cy="952500"/>
+          </a:xfrm>
+          <a:prstGeom prst="rect">
+            <a:avLst/>
+          </a:prstGeom>
+        </p:spPr>
+      </p:pic>
+      <p:pic>
+        <p:nvPicPr>
+          <p:cNvPr id="109" name="그림 108" descr="일렉트릭 블루, 블루, 마조렐 블루, 스크린샷이(가) 표시된 사진&#10;&#10;자동 생성된 설명">
+            <a:extLst>
+              <a:ext uri="{FF2B5EF4-FFF2-40B4-BE49-F238E27FC236}">
+                <a16:creationId xmlns:a16="http://schemas.microsoft.com/office/drawing/2014/main" id="{0E61E62A-9929-B334-8326-91A643BC6C7A}"/>
+              </a:ext>
+            </a:extLst>
+          </p:cNvPr>
+          <p:cNvPicPr>
+            <a:picLocks noChangeAspect="1"/>
+          </p:cNvPicPr>
+          <p:nvPr/>
+        </p:nvPicPr>
+        <p:blipFill>
+          <a:blip r:embed="rId5">
+            <a:extLst>
+              <a:ext uri="{28A0092B-C50C-407E-A947-70E740481C1C}">
+                <a14:useLocalDpi xmlns:a14="http://schemas.microsoft.com/office/drawing/2010/main" val="0"/>
+              </a:ext>
+            </a:extLst>
+          </a:blip>
+          <a:stretch>
+            <a:fillRect/>
+          </a:stretch>
+        </p:blipFill>
+        <p:spPr>
+          <a:xfrm>
+            <a:off x="-13269" y="2857500"/>
+            <a:ext cx="952500" cy="952500"/>
+          </a:xfrm>
+          <a:prstGeom prst="rect">
+            <a:avLst/>
+          </a:prstGeom>
+        </p:spPr>
+      </p:pic>
+      <p:pic>
+        <p:nvPicPr>
+          <p:cNvPr id="111" name="그림 110" descr="일렉트릭 블루, 블루, 마조렐 블루, 스크린샷이(가) 표시된 사진&#10;&#10;자동 생성된 설명">
+            <a:extLst>
+              <a:ext uri="{FF2B5EF4-FFF2-40B4-BE49-F238E27FC236}">
+                <a16:creationId xmlns:a16="http://schemas.microsoft.com/office/drawing/2014/main" id="{A4C500E9-9A53-6F1A-5262-ACD31D7FB756}"/>
+              </a:ext>
+            </a:extLst>
+          </p:cNvPr>
+          <p:cNvPicPr>
+            <a:picLocks noChangeAspect="1"/>
+          </p:cNvPicPr>
+          <p:nvPr/>
+        </p:nvPicPr>
+        <p:blipFill>
+          <a:blip r:embed="rId5">
+            <a:extLst>
+              <a:ext uri="{28A0092B-C50C-407E-A947-70E740481C1C}">
+                <a14:useLocalDpi xmlns:a14="http://schemas.microsoft.com/office/drawing/2010/main" val="0"/>
+              </a:ext>
+            </a:extLst>
+          </a:blip>
+          <a:stretch>
+            <a:fillRect/>
+          </a:stretch>
+        </p:blipFill>
+        <p:spPr>
+          <a:xfrm>
+            <a:off x="943435" y="952500"/>
+            <a:ext cx="952500" cy="952500"/>
+          </a:xfrm>
+          <a:prstGeom prst="rect">
+            <a:avLst/>
+          </a:prstGeom>
+        </p:spPr>
+      </p:pic>
+      <p:pic>
+        <p:nvPicPr>
+          <p:cNvPr id="113" name="그림 112" descr="일렉트릭 블루, 블루, 마조렐 블루, 스크린샷이(가) 표시된 사진&#10;&#10;자동 생성된 설명">
+            <a:extLst>
+              <a:ext uri="{FF2B5EF4-FFF2-40B4-BE49-F238E27FC236}">
+                <a16:creationId xmlns:a16="http://schemas.microsoft.com/office/drawing/2014/main" id="{88CDC273-B8A3-B8B8-790C-EFD0CDB067B4}"/>
+              </a:ext>
+            </a:extLst>
+          </p:cNvPr>
+          <p:cNvPicPr>
+            <a:picLocks noChangeAspect="1"/>
+          </p:cNvPicPr>
+          <p:nvPr/>
+        </p:nvPicPr>
+        <p:blipFill>
+          <a:blip r:embed="rId5">
+            <a:extLst>
+              <a:ext uri="{28A0092B-C50C-407E-A947-70E740481C1C}">
+                <a14:useLocalDpi xmlns:a14="http://schemas.microsoft.com/office/drawing/2010/main" val="0"/>
+              </a:ext>
+            </a:extLst>
+          </a:blip>
+          <a:stretch>
+            <a:fillRect/>
+          </a:stretch>
+        </p:blipFill>
+        <p:spPr>
+          <a:xfrm>
+            <a:off x="5650753" y="5715000"/>
+            <a:ext cx="952500" cy="952500"/>
+          </a:xfrm>
+          <a:prstGeom prst="rect">
+            <a:avLst/>
+          </a:prstGeom>
+        </p:spPr>
+      </p:pic>
+      <p:pic>
+        <p:nvPicPr>
+          <p:cNvPr id="115" name="그림 114" descr="일렉트릭 블루, 블루, 마조렐 블루, 스크린샷이(가) 표시된 사진&#10;&#10;자동 생성된 설명">
+            <a:extLst>
+              <a:ext uri="{FF2B5EF4-FFF2-40B4-BE49-F238E27FC236}">
+                <a16:creationId xmlns:a16="http://schemas.microsoft.com/office/drawing/2014/main" id="{00585A0D-857C-4300-B2A1-A64BB843170D}"/>
+              </a:ext>
+            </a:extLst>
+          </p:cNvPr>
+          <p:cNvPicPr>
+            <a:picLocks noChangeAspect="1"/>
+          </p:cNvPicPr>
+          <p:nvPr/>
+        </p:nvPicPr>
+        <p:blipFill>
+          <a:blip r:embed="rId5">
+            <a:extLst>
+              <a:ext uri="{28A0092B-C50C-407E-A947-70E740481C1C}">
+                <a14:useLocalDpi xmlns:a14="http://schemas.microsoft.com/office/drawing/2010/main" val="0"/>
+              </a:ext>
+            </a:extLst>
+          </a:blip>
+          <a:stretch>
+            <a:fillRect/>
+          </a:stretch>
+        </p:blipFill>
+        <p:spPr>
+          <a:xfrm>
+            <a:off x="10377236" y="1905000"/>
+            <a:ext cx="952500" cy="952500"/>
+          </a:xfrm>
+          <a:prstGeom prst="rect">
+            <a:avLst/>
+          </a:prstGeom>
+        </p:spPr>
+      </p:pic>
+      <p:pic>
+        <p:nvPicPr>
+          <p:cNvPr id="118" name="그림 117" descr="일렉트릭 블루, 블루, 마조렐 블루, 스크린샷이(가) 표시된 사진&#10;&#10;자동 생성된 설명">
+            <a:extLst>
+              <a:ext uri="{FF2B5EF4-FFF2-40B4-BE49-F238E27FC236}">
+                <a16:creationId xmlns:a16="http://schemas.microsoft.com/office/drawing/2014/main" id="{DEA2D55B-CAD4-F380-5179-3EC6F1335A02}"/>
+              </a:ext>
+            </a:extLst>
+          </p:cNvPr>
+          <p:cNvPicPr>
+            <a:picLocks noChangeAspect="1"/>
+          </p:cNvPicPr>
+          <p:nvPr/>
+        </p:nvPicPr>
+        <p:blipFill>
+          <a:blip r:embed="rId5">
+            <a:extLst>
+              <a:ext uri="{28A0092B-C50C-407E-A947-70E740481C1C}">
+                <a14:useLocalDpi xmlns:a14="http://schemas.microsoft.com/office/drawing/2010/main" val="0"/>
+              </a:ext>
+            </a:extLst>
+          </a:blip>
+          <a:stretch>
+            <a:fillRect/>
+          </a:stretch>
+        </p:blipFill>
+        <p:spPr>
+          <a:xfrm>
+            <a:off x="11313532" y="3810000"/>
+            <a:ext cx="952500" cy="952500"/>
+          </a:xfrm>
+          <a:prstGeom prst="rect">
+            <a:avLst/>
+          </a:prstGeom>
+        </p:spPr>
+      </p:pic>
+      <p:pic>
+        <p:nvPicPr>
+          <p:cNvPr id="120" name="그림 119" descr="그레이, 패브릭이(가) 표시된 사진&#10;&#10;자동 생성된 설명">
+            <a:extLst>
+              <a:ext uri="{FF2B5EF4-FFF2-40B4-BE49-F238E27FC236}">
+                <a16:creationId xmlns:a16="http://schemas.microsoft.com/office/drawing/2014/main" id="{8F77D64E-4303-DEF1-C795-C0B6D64369B8}"/>
+              </a:ext>
+            </a:extLst>
+          </p:cNvPr>
+          <p:cNvPicPr>
+            <a:picLocks noChangeAspect="1"/>
+          </p:cNvPicPr>
+          <p:nvPr/>
+        </p:nvPicPr>
+        <p:blipFill>
+          <a:blip r:embed="rId4">
+            <a:extLst>
+              <a:ext uri="{28A0092B-C50C-407E-A947-70E740481C1C}">
+                <a14:useLocalDpi xmlns:a14="http://schemas.microsoft.com/office/drawing/2010/main" val="0"/>
+              </a:ext>
+            </a:extLst>
+          </a:blip>
+          <a:stretch>
+            <a:fillRect/>
+          </a:stretch>
+        </p:blipFill>
+        <p:spPr>
+          <a:xfrm>
+            <a:off x="7522626" y="4762500"/>
+            <a:ext cx="952500" cy="952500"/>
+          </a:xfrm>
+          <a:prstGeom prst="rect">
+            <a:avLst/>
+          </a:prstGeom>
+        </p:spPr>
+      </p:pic>
+      <p:pic>
+        <p:nvPicPr>
+          <p:cNvPr id="122" name="그림 121" descr="그레이, 패브릭이(가) 표시된 사진&#10;&#10;자동 생성된 설명">
+            <a:extLst>
+              <a:ext uri="{FF2B5EF4-FFF2-40B4-BE49-F238E27FC236}">
+                <a16:creationId xmlns:a16="http://schemas.microsoft.com/office/drawing/2014/main" id="{72DC35A7-FFB7-CDDF-C903-4FA2322B3D0E}"/>
+              </a:ext>
+            </a:extLst>
+          </p:cNvPr>
+          <p:cNvPicPr>
+            <a:picLocks noChangeAspect="1"/>
+          </p:cNvPicPr>
+          <p:nvPr/>
+        </p:nvPicPr>
+        <p:blipFill>
+          <a:blip r:embed="rId4">
+            <a:extLst>
+              <a:ext uri="{28A0092B-C50C-407E-A947-70E740481C1C}">
+                <a14:useLocalDpi xmlns:a14="http://schemas.microsoft.com/office/drawing/2010/main" val="0"/>
+              </a:ext>
+            </a:extLst>
+          </a:blip>
+          <a:stretch>
+            <a:fillRect/>
+          </a:stretch>
+        </p:blipFill>
+        <p:spPr>
+          <a:xfrm>
+            <a:off x="1890197" y="1905000"/>
+            <a:ext cx="952500" cy="952500"/>
+          </a:xfrm>
+          <a:prstGeom prst="rect">
+            <a:avLst/>
+          </a:prstGeom>
+        </p:spPr>
+      </p:pic>
+      <p:pic>
+        <p:nvPicPr>
+          <p:cNvPr id="126" name="그림 125" descr="그레이, 패브릭이(가) 표시된 사진&#10;&#10;자동 생성된 설명">
+            <a:extLst>
+              <a:ext uri="{FF2B5EF4-FFF2-40B4-BE49-F238E27FC236}">
+                <a16:creationId xmlns:a16="http://schemas.microsoft.com/office/drawing/2014/main" id="{BF8A9C4A-085D-2697-1D0F-3880A0B4E209}"/>
+              </a:ext>
+            </a:extLst>
+          </p:cNvPr>
+          <p:cNvPicPr>
+            <a:picLocks noChangeAspect="1"/>
+          </p:cNvPicPr>
+          <p:nvPr/>
+        </p:nvPicPr>
+        <p:blipFill>
+          <a:blip r:embed="rId4">
+            <a:extLst>
+              <a:ext uri="{28A0092B-C50C-407E-A947-70E740481C1C}">
+                <a14:useLocalDpi xmlns:a14="http://schemas.microsoft.com/office/drawing/2010/main" val="0"/>
+              </a:ext>
+            </a:extLst>
+          </a:blip>
+          <a:stretch>
+            <a:fillRect/>
+          </a:stretch>
+        </p:blipFill>
+        <p:spPr>
+          <a:xfrm>
+            <a:off x="5659581" y="952500"/>
+            <a:ext cx="952500" cy="952500"/>
+          </a:xfrm>
+          <a:prstGeom prst="rect">
+            <a:avLst/>
+          </a:prstGeom>
+        </p:spPr>
+      </p:pic>
+      <p:pic>
+        <p:nvPicPr>
+          <p:cNvPr id="128" name="그림 127" descr="일렉트릭 블루, 블루, 마조렐 블루, 스크린샷이(가) 표시된 사진&#10;&#10;자동 생성된 설명">
+            <a:extLst>
+              <a:ext uri="{FF2B5EF4-FFF2-40B4-BE49-F238E27FC236}">
+                <a16:creationId xmlns:a16="http://schemas.microsoft.com/office/drawing/2014/main" id="{9184C92A-C924-3A3A-93BE-B68474793856}"/>
+              </a:ext>
+            </a:extLst>
+          </p:cNvPr>
+          <p:cNvPicPr>
+            <a:picLocks noChangeAspect="1"/>
+          </p:cNvPicPr>
+          <p:nvPr/>
+        </p:nvPicPr>
+        <p:blipFill>
+          <a:blip r:embed="rId5">
+            <a:extLst>
+              <a:ext uri="{28A0092B-C50C-407E-A947-70E740481C1C}">
+                <a14:useLocalDpi xmlns:a14="http://schemas.microsoft.com/office/drawing/2010/main" val="0"/>
+              </a:ext>
+            </a:extLst>
+          </a:blip>
+          <a:stretch>
+            <a:fillRect/>
+          </a:stretch>
+        </p:blipFill>
+        <p:spPr>
+          <a:xfrm>
+            <a:off x="3771991" y="952500"/>
+            <a:ext cx="952500" cy="952500"/>
+          </a:xfrm>
+          <a:prstGeom prst="rect">
+            <a:avLst/>
+          </a:prstGeom>
+        </p:spPr>
+      </p:pic>
+      <p:pic>
+        <p:nvPicPr>
+          <p:cNvPr id="130" name="그림 129" descr="그레이, 패브릭이(가) 표시된 사진&#10;&#10;자동 생성된 설명">
+            <a:extLst>
+              <a:ext uri="{FF2B5EF4-FFF2-40B4-BE49-F238E27FC236}">
+                <a16:creationId xmlns:a16="http://schemas.microsoft.com/office/drawing/2014/main" id="{3FFCC907-6123-26F8-057B-AFE2F056DC4B}"/>
+              </a:ext>
+            </a:extLst>
+          </p:cNvPr>
+          <p:cNvPicPr>
+            <a:picLocks noChangeAspect="1"/>
+          </p:cNvPicPr>
+          <p:nvPr/>
+        </p:nvPicPr>
+        <p:blipFill>
+          <a:blip r:embed="rId4">
+            <a:extLst>
+              <a:ext uri="{28A0092B-C50C-407E-A947-70E740481C1C}">
+                <a14:useLocalDpi xmlns:a14="http://schemas.microsoft.com/office/drawing/2010/main" val="0"/>
+              </a:ext>
+            </a:extLst>
+          </a:blip>
+          <a:stretch>
+            <a:fillRect/>
+          </a:stretch>
+        </p:blipFill>
+        <p:spPr>
+          <a:xfrm>
+            <a:off x="-1876" y="4762500"/>
+            <a:ext cx="952500" cy="952500"/>
+          </a:xfrm>
+          <a:prstGeom prst="rect">
+            <a:avLst/>
+          </a:prstGeom>
+        </p:spPr>
+      </p:pic>
+      <p:pic>
+        <p:nvPicPr>
+          <p:cNvPr id="132" name="그림 131" descr="일렉트릭 블루, 블루, 마조렐 블루, 스크린샷이(가) 표시된 사진&#10;&#10;자동 생성된 설명">
+            <a:extLst>
+              <a:ext uri="{FF2B5EF4-FFF2-40B4-BE49-F238E27FC236}">
+                <a16:creationId xmlns:a16="http://schemas.microsoft.com/office/drawing/2014/main" id="{E2610EE3-C1E7-35E7-843E-9493F38D8E2C}"/>
+              </a:ext>
+            </a:extLst>
+          </p:cNvPr>
+          <p:cNvPicPr>
+            <a:picLocks noChangeAspect="1"/>
+          </p:cNvPicPr>
+          <p:nvPr/>
+        </p:nvPicPr>
+        <p:blipFill>
+          <a:blip r:embed="rId5">
+            <a:extLst>
+              <a:ext uri="{28A0092B-C50C-407E-A947-70E740481C1C}">
+                <a14:useLocalDpi xmlns:a14="http://schemas.microsoft.com/office/drawing/2010/main" val="0"/>
+              </a:ext>
+            </a:extLst>
+          </a:blip>
+          <a:stretch>
+            <a:fillRect/>
+          </a:stretch>
+        </p:blipFill>
+        <p:spPr>
+          <a:xfrm>
+            <a:off x="3780709" y="5715000"/>
+            <a:ext cx="952500" cy="952500"/>
+          </a:xfrm>
+          <a:prstGeom prst="rect">
+            <a:avLst/>
+          </a:prstGeom>
+        </p:spPr>
+      </p:pic>
+      <p:pic>
+        <p:nvPicPr>
+          <p:cNvPr id="134" name="그림 133" descr="클립아트이(가) 표시된 사진&#10;&#10;자동 생성된 설명">
+            <a:extLst>
+              <a:ext uri="{FF2B5EF4-FFF2-40B4-BE49-F238E27FC236}">
+                <a16:creationId xmlns:a16="http://schemas.microsoft.com/office/drawing/2014/main" id="{B09C4A72-F56F-D433-92EE-B83261ADACF8}"/>
+              </a:ext>
+            </a:extLst>
+          </p:cNvPr>
+          <p:cNvPicPr>
+            <a:picLocks noChangeAspect="1"/>
+          </p:cNvPicPr>
+          <p:nvPr/>
+        </p:nvPicPr>
+        <p:blipFill>
+          <a:blip r:embed="rId6">
+            <a:extLst>
+              <a:ext uri="{28A0092B-C50C-407E-A947-70E740481C1C}">
+                <a14:useLocalDpi xmlns:a14="http://schemas.microsoft.com/office/drawing/2010/main" val="0"/>
+              </a:ext>
+            </a:extLst>
+          </a:blip>
+          <a:stretch>
+            <a:fillRect/>
+          </a:stretch>
+        </p:blipFill>
+        <p:spPr>
+          <a:xfrm>
+            <a:off x="881606" y="3809934"/>
+            <a:ext cx="952633" cy="952633"/>
+          </a:xfrm>
+          <a:prstGeom prst="rect">
+            <a:avLst/>
+          </a:prstGeom>
+        </p:spPr>
+      </p:pic>
+      <p:pic>
+        <p:nvPicPr>
+          <p:cNvPr id="136" name="그림 135" descr="클립아트이(가) 표시된 사진&#10;&#10;자동 생성된 설명">
+            <a:extLst>
+              <a:ext uri="{FF2B5EF4-FFF2-40B4-BE49-F238E27FC236}">
+                <a16:creationId xmlns:a16="http://schemas.microsoft.com/office/drawing/2014/main" id="{6CF5339D-C156-B9EA-E5F7-8DB3C2A4752B}"/>
+              </a:ext>
+            </a:extLst>
+          </p:cNvPr>
+          <p:cNvPicPr>
+            <a:picLocks noChangeAspect="1"/>
+          </p:cNvPicPr>
+          <p:nvPr/>
+        </p:nvPicPr>
+        <p:blipFill>
+          <a:blip r:embed="rId6">
+            <a:extLst>
+              <a:ext uri="{28A0092B-C50C-407E-A947-70E740481C1C}">
+                <a14:useLocalDpi xmlns:a14="http://schemas.microsoft.com/office/drawing/2010/main" val="0"/>
+              </a:ext>
+            </a:extLst>
+          </a:blip>
+          <a:stretch>
+            <a:fillRect/>
+          </a:stretch>
+        </p:blipFill>
+        <p:spPr>
+          <a:xfrm>
+            <a:off x="8508308" y="3799410"/>
+            <a:ext cx="952633" cy="952633"/>
+          </a:xfrm>
+          <a:prstGeom prst="rect">
+            <a:avLst/>
+          </a:prstGeom>
+        </p:spPr>
+      </p:pic>
+      <p:pic>
+        <p:nvPicPr>
+          <p:cNvPr id="138" name="그림 137" descr="그레이, 패브릭이(가) 표시된 사진&#10;&#10;자동 생성된 설명">
+            <a:extLst>
+              <a:ext uri="{FF2B5EF4-FFF2-40B4-BE49-F238E27FC236}">
+                <a16:creationId xmlns:a16="http://schemas.microsoft.com/office/drawing/2014/main" id="{ED0D5240-E7B8-C2A4-B2B7-8222D2F8556C}"/>
+              </a:ext>
+            </a:extLst>
+          </p:cNvPr>
+          <p:cNvPicPr>
+            <a:picLocks noChangeAspect="1"/>
+          </p:cNvPicPr>
+          <p:nvPr/>
+        </p:nvPicPr>
+        <p:blipFill>
+          <a:blip r:embed="rId4">
+            <a:extLst>
+              <a:ext uri="{28A0092B-C50C-407E-A947-70E740481C1C}">
+                <a14:useLocalDpi xmlns:a14="http://schemas.microsoft.com/office/drawing/2010/main" val="0"/>
+              </a:ext>
+            </a:extLst>
+          </a:blip>
+          <a:stretch>
+            <a:fillRect/>
+          </a:stretch>
+        </p:blipFill>
+        <p:spPr>
+          <a:xfrm>
+            <a:off x="6566814" y="4762500"/>
+            <a:ext cx="952500" cy="952500"/>
+          </a:xfrm>
+          <a:prstGeom prst="rect">
+            <a:avLst/>
+          </a:prstGeom>
+        </p:spPr>
+      </p:pic>
+      <p:pic>
+        <p:nvPicPr>
+          <p:cNvPr id="140" name="그림 139" descr="클립아트, 예술, 일러스트레이션, 만화 영화이(가) 표시된 사진&#10;&#10;자동 생성된 설명">
+            <a:extLst>
+              <a:ext uri="{FF2B5EF4-FFF2-40B4-BE49-F238E27FC236}">
+                <a16:creationId xmlns:a16="http://schemas.microsoft.com/office/drawing/2014/main" id="{E0BE375D-25BC-D8C2-A888-094264C9E229}"/>
+              </a:ext>
+            </a:extLst>
+          </p:cNvPr>
+          <p:cNvPicPr>
+            <a:picLocks noChangeAspect="1"/>
+          </p:cNvPicPr>
+          <p:nvPr/>
+        </p:nvPicPr>
+        <p:blipFill>
+          <a:blip r:embed="rId7">
+            <a:extLst>
+              <a:ext uri="{28A0092B-C50C-407E-A947-70E740481C1C}">
+                <a14:useLocalDpi xmlns:a14="http://schemas.microsoft.com/office/drawing/2010/main" val="0"/>
+              </a:ext>
+            </a:extLst>
+          </a:blip>
+          <a:stretch>
+            <a:fillRect/>
+          </a:stretch>
+        </p:blipFill>
+        <p:spPr>
+          <a:xfrm>
+            <a:off x="9410690" y="5651412"/>
+            <a:ext cx="1016088" cy="1016088"/>
+          </a:xfrm>
+          <a:prstGeom prst="rect">
+            <a:avLst/>
+          </a:prstGeom>
+        </p:spPr>
+      </p:pic>
+      <p:pic>
+        <p:nvPicPr>
+          <p:cNvPr id="142" name="그림 141" descr="클립아트, 예술, 일러스트레이션, 만화 영화이(가) 표시된 사진&#10;&#10;자동 생성된 설명">
+            <a:extLst>
+              <a:ext uri="{FF2B5EF4-FFF2-40B4-BE49-F238E27FC236}">
+                <a16:creationId xmlns:a16="http://schemas.microsoft.com/office/drawing/2014/main" id="{6A686225-7604-7131-4FDA-4A36EBF4899C}"/>
+              </a:ext>
+            </a:extLst>
+          </p:cNvPr>
+          <p:cNvPicPr>
+            <a:picLocks noChangeAspect="1"/>
+          </p:cNvPicPr>
+          <p:nvPr/>
+        </p:nvPicPr>
+        <p:blipFill>
+          <a:blip r:embed="rId7">
+            <a:extLst>
+              <a:ext uri="{28A0092B-C50C-407E-A947-70E740481C1C}">
+                <a14:useLocalDpi xmlns:a14="http://schemas.microsoft.com/office/drawing/2010/main" val="0"/>
+              </a:ext>
+            </a:extLst>
+          </a:blip>
+          <a:stretch>
+            <a:fillRect/>
+          </a:stretch>
+        </p:blipFill>
+        <p:spPr>
+          <a:xfrm>
+            <a:off x="2771952" y="4698845"/>
+            <a:ext cx="1016088" cy="1016088"/>
           </a:xfrm>
           <a:prstGeom prst="rect">
             <a:avLst/>
@@ -30043,78 +29713,6 @@
       </p:pic>
       <p:pic>
         <p:nvPicPr>
-          <p:cNvPr id="25" name="그림 24">
-            <a:extLst>
-              <a:ext uri="{FF2B5EF4-FFF2-40B4-BE49-F238E27FC236}">
-                <a16:creationId xmlns:a16="http://schemas.microsoft.com/office/drawing/2014/main" id="{094DC5BB-25C1-3DF7-1B06-D9329525F543}"/>
-              </a:ext>
-            </a:extLst>
-          </p:cNvPr>
-          <p:cNvPicPr>
-            <a:picLocks noChangeAspect="1"/>
-          </p:cNvPicPr>
-          <p:nvPr/>
-        </p:nvPicPr>
-        <p:blipFill>
-          <a:blip r:embed="rId2">
-            <a:extLst>
-              <a:ext uri="{28A0092B-C50C-407E-A947-70E740481C1C}">
-                <a14:useLocalDpi xmlns:a14="http://schemas.microsoft.com/office/drawing/2010/main" val="0"/>
-              </a:ext>
-            </a:extLst>
-          </a:blip>
-          <a:stretch>
-            <a:fillRect/>
-          </a:stretch>
-        </p:blipFill>
-        <p:spPr>
-          <a:xfrm>
-            <a:off x="940377" y="952500"/>
-            <a:ext cx="952500" cy="952500"/>
-          </a:xfrm>
-          <a:prstGeom prst="rect">
-            <a:avLst/>
-          </a:prstGeom>
-        </p:spPr>
-      </p:pic>
-      <p:pic>
-        <p:nvPicPr>
-          <p:cNvPr id="26" name="그림 25">
-            <a:extLst>
-              <a:ext uri="{FF2B5EF4-FFF2-40B4-BE49-F238E27FC236}">
-                <a16:creationId xmlns:a16="http://schemas.microsoft.com/office/drawing/2014/main" id="{55B0D8A2-F279-BE5B-3EE5-FCE1F624B207}"/>
-              </a:ext>
-            </a:extLst>
-          </p:cNvPr>
-          <p:cNvPicPr>
-            <a:picLocks noChangeAspect="1"/>
-          </p:cNvPicPr>
-          <p:nvPr/>
-        </p:nvPicPr>
-        <p:blipFill>
-          <a:blip r:embed="rId2">
-            <a:extLst>
-              <a:ext uri="{28A0092B-C50C-407E-A947-70E740481C1C}">
-                <a14:useLocalDpi xmlns:a14="http://schemas.microsoft.com/office/drawing/2010/main" val="0"/>
-              </a:ext>
-            </a:extLst>
-          </a:blip>
-          <a:stretch>
-            <a:fillRect/>
-          </a:stretch>
-        </p:blipFill>
-        <p:spPr>
-          <a:xfrm>
-            <a:off x="3758045" y="952500"/>
-            <a:ext cx="952500" cy="952500"/>
-          </a:xfrm>
-          <a:prstGeom prst="rect">
-            <a:avLst/>
-          </a:prstGeom>
-        </p:spPr>
-      </p:pic>
-      <p:pic>
-        <p:nvPicPr>
           <p:cNvPr id="27" name="그림 26">
             <a:extLst>
               <a:ext uri="{FF2B5EF4-FFF2-40B4-BE49-F238E27FC236}">
@@ -30151,222 +29749,6 @@
       </p:pic>
       <p:pic>
         <p:nvPicPr>
-          <p:cNvPr id="28" name="그림 27">
-            <a:extLst>
-              <a:ext uri="{FF2B5EF4-FFF2-40B4-BE49-F238E27FC236}">
-                <a16:creationId xmlns:a16="http://schemas.microsoft.com/office/drawing/2014/main" id="{FB229728-B5FA-131B-0B13-09C61D0DC27A}"/>
-              </a:ext>
-            </a:extLst>
-          </p:cNvPr>
-          <p:cNvPicPr>
-            <a:picLocks noChangeAspect="1"/>
-          </p:cNvPicPr>
-          <p:nvPr/>
-        </p:nvPicPr>
-        <p:blipFill>
-          <a:blip r:embed="rId2">
-            <a:extLst>
-              <a:ext uri="{28A0092B-C50C-407E-A947-70E740481C1C}">
-                <a14:useLocalDpi xmlns:a14="http://schemas.microsoft.com/office/drawing/2010/main" val="0"/>
-              </a:ext>
-            </a:extLst>
-          </a:blip>
-          <a:stretch>
-            <a:fillRect/>
-          </a:stretch>
-        </p:blipFill>
-        <p:spPr>
-          <a:xfrm>
-            <a:off x="4707081" y="952500"/>
-            <a:ext cx="952500" cy="952500"/>
-          </a:xfrm>
-          <a:prstGeom prst="rect">
-            <a:avLst/>
-          </a:prstGeom>
-        </p:spPr>
-      </p:pic>
-      <p:pic>
-        <p:nvPicPr>
-          <p:cNvPr id="29" name="그림 28">
-            <a:extLst>
-              <a:ext uri="{FF2B5EF4-FFF2-40B4-BE49-F238E27FC236}">
-                <a16:creationId xmlns:a16="http://schemas.microsoft.com/office/drawing/2014/main" id="{0AD3741D-ACC5-EDCE-ADA2-FE89F2C65072}"/>
-              </a:ext>
-            </a:extLst>
-          </p:cNvPr>
-          <p:cNvPicPr>
-            <a:picLocks noChangeAspect="1"/>
-          </p:cNvPicPr>
-          <p:nvPr/>
-        </p:nvPicPr>
-        <p:blipFill>
-          <a:blip r:embed="rId2">
-            <a:extLst>
-              <a:ext uri="{28A0092B-C50C-407E-A947-70E740481C1C}">
-                <a14:useLocalDpi xmlns:a14="http://schemas.microsoft.com/office/drawing/2010/main" val="0"/>
-              </a:ext>
-            </a:extLst>
-          </a:blip>
-          <a:stretch>
-            <a:fillRect/>
-          </a:stretch>
-        </p:blipFill>
-        <p:spPr>
-          <a:xfrm>
-            <a:off x="5657849" y="952500"/>
-            <a:ext cx="952500" cy="952500"/>
-          </a:xfrm>
-          <a:prstGeom prst="rect">
-            <a:avLst/>
-          </a:prstGeom>
-        </p:spPr>
-      </p:pic>
-      <p:pic>
-        <p:nvPicPr>
-          <p:cNvPr id="30" name="그림 29">
-            <a:extLst>
-              <a:ext uri="{FF2B5EF4-FFF2-40B4-BE49-F238E27FC236}">
-                <a16:creationId xmlns:a16="http://schemas.microsoft.com/office/drawing/2014/main" id="{893DED9F-F9BF-CE81-87A1-488BF05C6539}"/>
-              </a:ext>
-            </a:extLst>
-          </p:cNvPr>
-          <p:cNvPicPr>
-            <a:picLocks noChangeAspect="1"/>
-          </p:cNvPicPr>
-          <p:nvPr/>
-        </p:nvPicPr>
-        <p:blipFill>
-          <a:blip r:embed="rId2">
-            <a:extLst>
-              <a:ext uri="{28A0092B-C50C-407E-A947-70E740481C1C}">
-                <a14:useLocalDpi xmlns:a14="http://schemas.microsoft.com/office/drawing/2010/main" val="0"/>
-              </a:ext>
-            </a:extLst>
-          </a:blip>
-          <a:stretch>
-            <a:fillRect/>
-          </a:stretch>
-        </p:blipFill>
-        <p:spPr>
-          <a:xfrm>
-            <a:off x="11302251" y="952500"/>
-            <a:ext cx="952500" cy="952500"/>
-          </a:xfrm>
-          <a:prstGeom prst="rect">
-            <a:avLst/>
-          </a:prstGeom>
-        </p:spPr>
-      </p:pic>
-      <p:pic>
-        <p:nvPicPr>
-          <p:cNvPr id="31" name="그림 30">
-            <a:extLst>
-              <a:ext uri="{FF2B5EF4-FFF2-40B4-BE49-F238E27FC236}">
-                <a16:creationId xmlns:a16="http://schemas.microsoft.com/office/drawing/2014/main" id="{35B965D9-1E29-C170-0138-DBCF0D554F77}"/>
-              </a:ext>
-            </a:extLst>
-          </p:cNvPr>
-          <p:cNvPicPr>
-            <a:picLocks noChangeAspect="1"/>
-          </p:cNvPicPr>
-          <p:nvPr/>
-        </p:nvPicPr>
-        <p:blipFill>
-          <a:blip r:embed="rId2">
-            <a:extLst>
-              <a:ext uri="{28A0092B-C50C-407E-A947-70E740481C1C}">
-                <a14:useLocalDpi xmlns:a14="http://schemas.microsoft.com/office/drawing/2010/main" val="0"/>
-              </a:ext>
-            </a:extLst>
-          </a:blip>
-          <a:stretch>
-            <a:fillRect/>
-          </a:stretch>
-        </p:blipFill>
-        <p:spPr>
-          <a:xfrm>
-            <a:off x="6612081" y="952500"/>
-            <a:ext cx="952500" cy="952500"/>
-          </a:xfrm>
-          <a:prstGeom prst="rect">
-            <a:avLst/>
-          </a:prstGeom>
-        </p:spPr>
-      </p:pic>
-      <p:pic>
-        <p:nvPicPr>
-          <p:cNvPr id="32" name="그림 31">
-            <a:extLst>
-              <a:ext uri="{FF2B5EF4-FFF2-40B4-BE49-F238E27FC236}">
-                <a16:creationId xmlns:a16="http://schemas.microsoft.com/office/drawing/2014/main" id="{E68B939A-6D57-F77A-19FC-DD860F7D3798}"/>
-              </a:ext>
-            </a:extLst>
-          </p:cNvPr>
-          <p:cNvPicPr>
-            <a:picLocks noChangeAspect="1"/>
-          </p:cNvPicPr>
-          <p:nvPr/>
-        </p:nvPicPr>
-        <p:blipFill>
-          <a:blip r:embed="rId2">
-            <a:extLst>
-              <a:ext uri="{28A0092B-C50C-407E-A947-70E740481C1C}">
-                <a14:useLocalDpi xmlns:a14="http://schemas.microsoft.com/office/drawing/2010/main" val="0"/>
-              </a:ext>
-            </a:extLst>
-          </a:blip>
-          <a:stretch>
-            <a:fillRect/>
-          </a:stretch>
-        </p:blipFill>
-        <p:spPr>
-          <a:xfrm>
-            <a:off x="7564121" y="952500"/>
-            <a:ext cx="952500" cy="952500"/>
-          </a:xfrm>
-          <a:prstGeom prst="rect">
-            <a:avLst/>
-          </a:prstGeom>
-        </p:spPr>
-      </p:pic>
-      <p:pic>
-        <p:nvPicPr>
-          <p:cNvPr id="33" name="그림 32">
-            <a:extLst>
-              <a:ext uri="{FF2B5EF4-FFF2-40B4-BE49-F238E27FC236}">
-                <a16:creationId xmlns:a16="http://schemas.microsoft.com/office/drawing/2014/main" id="{48AA1C14-249F-DB68-D4F3-D53B80E6BF7E}"/>
-              </a:ext>
-            </a:extLst>
-          </p:cNvPr>
-          <p:cNvPicPr>
-            <a:picLocks noChangeAspect="1"/>
-          </p:cNvPicPr>
-          <p:nvPr/>
-        </p:nvPicPr>
-        <p:blipFill>
-          <a:blip r:embed="rId2">
-            <a:extLst>
-              <a:ext uri="{28A0092B-C50C-407E-A947-70E740481C1C}">
-                <a14:useLocalDpi xmlns:a14="http://schemas.microsoft.com/office/drawing/2010/main" val="0"/>
-              </a:ext>
-            </a:extLst>
-          </a:blip>
-          <a:stretch>
-            <a:fillRect/>
-          </a:stretch>
-        </p:blipFill>
-        <p:spPr>
-          <a:xfrm>
-            <a:off x="9433213" y="952500"/>
-            <a:ext cx="952500" cy="952500"/>
-          </a:xfrm>
-          <a:prstGeom prst="rect">
-            <a:avLst/>
-          </a:prstGeom>
-        </p:spPr>
-      </p:pic>
-      <p:pic>
-        <p:nvPicPr>
           <p:cNvPr id="34" name="그림 33">
             <a:extLst>
               <a:ext uri="{FF2B5EF4-FFF2-40B4-BE49-F238E27FC236}">
@@ -30403,78 +29785,6 @@
       </p:pic>
       <p:pic>
         <p:nvPicPr>
-          <p:cNvPr id="35" name="그림 34">
-            <a:extLst>
-              <a:ext uri="{FF2B5EF4-FFF2-40B4-BE49-F238E27FC236}">
-                <a16:creationId xmlns:a16="http://schemas.microsoft.com/office/drawing/2014/main" id="{E3216883-B9C1-DC54-D8C8-5D29A27915ED}"/>
-              </a:ext>
-            </a:extLst>
-          </p:cNvPr>
-          <p:cNvPicPr>
-            <a:picLocks noChangeAspect="1"/>
-          </p:cNvPicPr>
-          <p:nvPr/>
-        </p:nvPicPr>
-        <p:blipFill>
-          <a:blip r:embed="rId2">
-            <a:extLst>
-              <a:ext uri="{28A0092B-C50C-407E-A947-70E740481C1C}">
-                <a14:useLocalDpi xmlns:a14="http://schemas.microsoft.com/office/drawing/2010/main" val="0"/>
-              </a:ext>
-            </a:extLst>
-          </a:blip>
-          <a:stretch>
-            <a:fillRect/>
-          </a:stretch>
-        </p:blipFill>
-        <p:spPr>
-          <a:xfrm>
-            <a:off x="10377236" y="952500"/>
-            <a:ext cx="952500" cy="952500"/>
-          </a:xfrm>
-          <a:prstGeom prst="rect">
-            <a:avLst/>
-          </a:prstGeom>
-        </p:spPr>
-      </p:pic>
-      <p:pic>
-        <p:nvPicPr>
-          <p:cNvPr id="36" name="그림 35">
-            <a:extLst>
-              <a:ext uri="{FF2B5EF4-FFF2-40B4-BE49-F238E27FC236}">
-                <a16:creationId xmlns:a16="http://schemas.microsoft.com/office/drawing/2014/main" id="{D1B10F92-EC7E-DF55-EBFD-AD5552AF3CB0}"/>
-              </a:ext>
-            </a:extLst>
-          </p:cNvPr>
-          <p:cNvPicPr>
-            <a:picLocks noChangeAspect="1"/>
-          </p:cNvPicPr>
-          <p:nvPr/>
-        </p:nvPicPr>
-        <p:blipFill>
-          <a:blip r:embed="rId2">
-            <a:extLst>
-              <a:ext uri="{28A0092B-C50C-407E-A947-70E740481C1C}">
-                <a14:useLocalDpi xmlns:a14="http://schemas.microsoft.com/office/drawing/2010/main" val="0"/>
-              </a:ext>
-            </a:extLst>
-          </a:blip>
-          <a:stretch>
-            <a:fillRect/>
-          </a:stretch>
-        </p:blipFill>
-        <p:spPr>
-          <a:xfrm>
-            <a:off x="-3464" y="1905000"/>
-            <a:ext cx="952500" cy="952500"/>
-          </a:xfrm>
-          <a:prstGeom prst="rect">
-            <a:avLst/>
-          </a:prstGeom>
-        </p:spPr>
-      </p:pic>
-      <p:pic>
-        <p:nvPicPr>
           <p:cNvPr id="37" name="그림 36">
             <a:extLst>
               <a:ext uri="{FF2B5EF4-FFF2-40B4-BE49-F238E27FC236}">
@@ -32771,6 +32081,258 @@
           <a:xfrm>
             <a:off x="11292518" y="5715000"/>
             <a:ext cx="952500" cy="952500"/>
+          </a:xfrm>
+          <a:prstGeom prst="rect">
+            <a:avLst/>
+          </a:prstGeom>
+        </p:spPr>
+      </p:pic>
+      <p:pic>
+        <p:nvPicPr>
+          <p:cNvPr id="11" name="그림 10" descr="은, 레버, 키보드이(가) 표시된 사진&#10;&#10;자동 생성된 설명">
+            <a:extLst>
+              <a:ext uri="{FF2B5EF4-FFF2-40B4-BE49-F238E27FC236}">
+                <a16:creationId xmlns:a16="http://schemas.microsoft.com/office/drawing/2014/main" id="{CC785CEA-5B16-299B-B577-775D14D57678}"/>
+              </a:ext>
+            </a:extLst>
+          </p:cNvPr>
+          <p:cNvPicPr>
+            <a:picLocks noChangeAspect="1"/>
+          </p:cNvPicPr>
+          <p:nvPr/>
+        </p:nvPicPr>
+        <p:blipFill>
+          <a:blip r:embed="rId3">
+            <a:extLst>
+              <a:ext uri="{28A0092B-C50C-407E-A947-70E740481C1C}">
+                <a14:useLocalDpi xmlns:a14="http://schemas.microsoft.com/office/drawing/2010/main" val="0"/>
+              </a:ext>
+            </a:extLst>
+          </a:blip>
+          <a:stretch>
+            <a:fillRect/>
+          </a:stretch>
+        </p:blipFill>
+        <p:spPr>
+          <a:xfrm>
+            <a:off x="3764512" y="952500"/>
+            <a:ext cx="3810000" cy="952500"/>
+          </a:xfrm>
+          <a:prstGeom prst="rect">
+            <a:avLst/>
+          </a:prstGeom>
+        </p:spPr>
+      </p:pic>
+      <p:pic>
+        <p:nvPicPr>
+          <p:cNvPr id="13" name="그림 12" descr="일렉트릭 블루, 블루, 마조렐 블루, 스크린샷이(가) 표시된 사진&#10;&#10;자동 생성된 설명">
+            <a:extLst>
+              <a:ext uri="{FF2B5EF4-FFF2-40B4-BE49-F238E27FC236}">
+                <a16:creationId xmlns:a16="http://schemas.microsoft.com/office/drawing/2014/main" id="{5913F8B7-4AB9-B08E-B920-BBC0E20D12DE}"/>
+              </a:ext>
+            </a:extLst>
+          </p:cNvPr>
+          <p:cNvPicPr>
+            <a:picLocks noChangeAspect="1"/>
+          </p:cNvPicPr>
+          <p:nvPr/>
+        </p:nvPicPr>
+        <p:blipFill>
+          <a:blip r:embed="rId4">
+            <a:extLst>
+              <a:ext uri="{28A0092B-C50C-407E-A947-70E740481C1C}">
+                <a14:useLocalDpi xmlns:a14="http://schemas.microsoft.com/office/drawing/2010/main" val="0"/>
+              </a:ext>
+            </a:extLst>
+          </a:blip>
+          <a:stretch>
+            <a:fillRect/>
+          </a:stretch>
+        </p:blipFill>
+        <p:spPr>
+          <a:xfrm>
+            <a:off x="10326317" y="952500"/>
+            <a:ext cx="952500" cy="952500"/>
+          </a:xfrm>
+          <a:prstGeom prst="rect">
+            <a:avLst/>
+          </a:prstGeom>
+        </p:spPr>
+      </p:pic>
+      <p:pic>
+        <p:nvPicPr>
+          <p:cNvPr id="15" name="그림 14" descr="그레이, 패브릭이(가) 표시된 사진&#10;&#10;자동 생성된 설명">
+            <a:extLst>
+              <a:ext uri="{FF2B5EF4-FFF2-40B4-BE49-F238E27FC236}">
+                <a16:creationId xmlns:a16="http://schemas.microsoft.com/office/drawing/2014/main" id="{214ED7A3-C7B9-E094-AAA5-25AD481F2488}"/>
+              </a:ext>
+            </a:extLst>
+          </p:cNvPr>
+          <p:cNvPicPr>
+            <a:picLocks noChangeAspect="1"/>
+          </p:cNvPicPr>
+          <p:nvPr/>
+        </p:nvPicPr>
+        <p:blipFill>
+          <a:blip r:embed="rId5">
+            <a:extLst>
+              <a:ext uri="{28A0092B-C50C-407E-A947-70E740481C1C}">
+                <a14:useLocalDpi xmlns:a14="http://schemas.microsoft.com/office/drawing/2010/main" val="0"/>
+              </a:ext>
+            </a:extLst>
+          </a:blip>
+          <a:stretch>
+            <a:fillRect/>
+          </a:stretch>
+        </p:blipFill>
+        <p:spPr>
+          <a:xfrm>
+            <a:off x="9441872" y="952500"/>
+            <a:ext cx="952500" cy="952500"/>
+          </a:xfrm>
+          <a:prstGeom prst="rect">
+            <a:avLst/>
+          </a:prstGeom>
+        </p:spPr>
+      </p:pic>
+      <p:pic>
+        <p:nvPicPr>
+          <p:cNvPr id="17" name="그림 16" descr="그레이, 패브릭이(가) 표시된 사진&#10;&#10;자동 생성된 설명">
+            <a:extLst>
+              <a:ext uri="{FF2B5EF4-FFF2-40B4-BE49-F238E27FC236}">
+                <a16:creationId xmlns:a16="http://schemas.microsoft.com/office/drawing/2014/main" id="{6726EB95-6BAC-C6AF-C458-E73FA906A071}"/>
+              </a:ext>
+            </a:extLst>
+          </p:cNvPr>
+          <p:cNvPicPr>
+            <a:picLocks noChangeAspect="1"/>
+          </p:cNvPicPr>
+          <p:nvPr/>
+        </p:nvPicPr>
+        <p:blipFill>
+          <a:blip r:embed="rId5">
+            <a:extLst>
+              <a:ext uri="{28A0092B-C50C-407E-A947-70E740481C1C}">
+                <a14:useLocalDpi xmlns:a14="http://schemas.microsoft.com/office/drawing/2010/main" val="0"/>
+              </a:ext>
+            </a:extLst>
+          </a:blip>
+          <a:stretch>
+            <a:fillRect/>
+          </a:stretch>
+        </p:blipFill>
+        <p:spPr>
+          <a:xfrm>
+            <a:off x="11272548" y="952500"/>
+            <a:ext cx="952500" cy="952500"/>
+          </a:xfrm>
+          <a:prstGeom prst="rect">
+            <a:avLst/>
+          </a:prstGeom>
+        </p:spPr>
+      </p:pic>
+      <p:pic>
+        <p:nvPicPr>
+          <p:cNvPr id="104" name="그림 103" descr="일렉트릭 블루, 블루, 마조렐 블루, 스크린샷이(가) 표시된 사진&#10;&#10;자동 생성된 설명">
+            <a:extLst>
+              <a:ext uri="{FF2B5EF4-FFF2-40B4-BE49-F238E27FC236}">
+                <a16:creationId xmlns:a16="http://schemas.microsoft.com/office/drawing/2014/main" id="{E590CB4A-C857-6B53-6A77-B60440F62580}"/>
+              </a:ext>
+            </a:extLst>
+          </p:cNvPr>
+          <p:cNvPicPr>
+            <a:picLocks noChangeAspect="1"/>
+          </p:cNvPicPr>
+          <p:nvPr/>
+        </p:nvPicPr>
+        <p:blipFill>
+          <a:blip r:embed="rId4">
+            <a:extLst>
+              <a:ext uri="{28A0092B-C50C-407E-A947-70E740481C1C}">
+                <a14:useLocalDpi xmlns:a14="http://schemas.microsoft.com/office/drawing/2010/main" val="0"/>
+              </a:ext>
+            </a:extLst>
+          </a:blip>
+          <a:stretch>
+            <a:fillRect/>
+          </a:stretch>
+        </p:blipFill>
+        <p:spPr>
+          <a:xfrm>
+            <a:off x="7575049" y="952500"/>
+            <a:ext cx="952500" cy="952500"/>
+          </a:xfrm>
+          <a:prstGeom prst="rect">
+            <a:avLst/>
+          </a:prstGeom>
+        </p:spPr>
+      </p:pic>
+      <p:pic>
+        <p:nvPicPr>
+          <p:cNvPr id="106" name="그림 105" descr="일렉트릭 블루, 블루, 마조렐 블루, 스크린샷이(가) 표시된 사진&#10;&#10;자동 생성된 설명">
+            <a:extLst>
+              <a:ext uri="{FF2B5EF4-FFF2-40B4-BE49-F238E27FC236}">
+                <a16:creationId xmlns:a16="http://schemas.microsoft.com/office/drawing/2014/main" id="{51B2C866-3AF7-AE11-D18A-CD9CF50BE93B}"/>
+              </a:ext>
+            </a:extLst>
+          </p:cNvPr>
+          <p:cNvPicPr>
+            <a:picLocks noChangeAspect="1"/>
+          </p:cNvPicPr>
+          <p:nvPr/>
+        </p:nvPicPr>
+        <p:blipFill>
+          <a:blip r:embed="rId4">
+            <a:extLst>
+              <a:ext uri="{28A0092B-C50C-407E-A947-70E740481C1C}">
+                <a14:useLocalDpi xmlns:a14="http://schemas.microsoft.com/office/drawing/2010/main" val="0"/>
+              </a:ext>
+            </a:extLst>
+          </a:blip>
+          <a:stretch>
+            <a:fillRect/>
+          </a:stretch>
+        </p:blipFill>
+        <p:spPr>
+          <a:xfrm>
+            <a:off x="934315" y="952500"/>
+            <a:ext cx="952500" cy="952500"/>
+          </a:xfrm>
+          <a:prstGeom prst="rect">
+            <a:avLst/>
+          </a:prstGeom>
+        </p:spPr>
+      </p:pic>
+      <p:pic>
+        <p:nvPicPr>
+          <p:cNvPr id="108" name="그림 107" descr="클립아트이(가) 표시된 사진&#10;&#10;자동 생성된 설명">
+            <a:extLst>
+              <a:ext uri="{FF2B5EF4-FFF2-40B4-BE49-F238E27FC236}">
+                <a16:creationId xmlns:a16="http://schemas.microsoft.com/office/drawing/2014/main" id="{31D27405-54F1-6ACE-B867-8804FAFEAE76}"/>
+              </a:ext>
+            </a:extLst>
+          </p:cNvPr>
+          <p:cNvPicPr>
+            <a:picLocks noChangeAspect="1"/>
+          </p:cNvPicPr>
+          <p:nvPr/>
+        </p:nvPicPr>
+        <p:blipFill>
+          <a:blip r:embed="rId6">
+            <a:extLst>
+              <a:ext uri="{28A0092B-C50C-407E-A947-70E740481C1C}">
+                <a14:useLocalDpi xmlns:a14="http://schemas.microsoft.com/office/drawing/2010/main" val="0"/>
+              </a:ext>
+            </a:extLst>
+          </a:blip>
+          <a:stretch>
+            <a:fillRect/>
+          </a:stretch>
+        </p:blipFill>
+        <p:spPr>
+          <a:xfrm>
+            <a:off x="-12853" y="1986329"/>
+            <a:ext cx="952633" cy="952633"/>
           </a:xfrm>
           <a:prstGeom prst="rect">
             <a:avLst/>

--- a/data/땅파기 맵 설계.pptx
+++ b/data/땅파기 맵 설계.pptx
@@ -30217,78 +30217,6 @@
       </p:pic>
       <p:pic>
         <p:nvPicPr>
-          <p:cNvPr id="49" name="그림 48">
-            <a:extLst>
-              <a:ext uri="{FF2B5EF4-FFF2-40B4-BE49-F238E27FC236}">
-                <a16:creationId xmlns:a16="http://schemas.microsoft.com/office/drawing/2014/main" id="{C98D2232-7227-2C30-3FB1-132B37263BC4}"/>
-              </a:ext>
-            </a:extLst>
-          </p:cNvPr>
-          <p:cNvPicPr>
-            <a:picLocks noChangeAspect="1"/>
-          </p:cNvPicPr>
-          <p:nvPr/>
-        </p:nvPicPr>
-        <p:blipFill>
-          <a:blip r:embed="rId2">
-            <a:extLst>
-              <a:ext uri="{28A0092B-C50C-407E-A947-70E740481C1C}">
-                <a14:useLocalDpi xmlns:a14="http://schemas.microsoft.com/office/drawing/2010/main" val="0"/>
-              </a:ext>
-            </a:extLst>
-          </a:blip>
-          <a:stretch>
-            <a:fillRect/>
-          </a:stretch>
-        </p:blipFill>
-        <p:spPr>
-          <a:xfrm>
-            <a:off x="-2679" y="2857500"/>
-            <a:ext cx="952500" cy="952500"/>
-          </a:xfrm>
-          <a:prstGeom prst="rect">
-            <a:avLst/>
-          </a:prstGeom>
-        </p:spPr>
-      </p:pic>
-      <p:pic>
-        <p:nvPicPr>
-          <p:cNvPr id="50" name="그림 49">
-            <a:extLst>
-              <a:ext uri="{FF2B5EF4-FFF2-40B4-BE49-F238E27FC236}">
-                <a16:creationId xmlns:a16="http://schemas.microsoft.com/office/drawing/2014/main" id="{047985E4-5ADD-B9A3-3938-69B14485487D}"/>
-              </a:ext>
-            </a:extLst>
-          </p:cNvPr>
-          <p:cNvPicPr>
-            <a:picLocks noChangeAspect="1"/>
-          </p:cNvPicPr>
-          <p:nvPr/>
-        </p:nvPicPr>
-        <p:blipFill>
-          <a:blip r:embed="rId2">
-            <a:extLst>
-              <a:ext uri="{28A0092B-C50C-407E-A947-70E740481C1C}">
-                <a14:useLocalDpi xmlns:a14="http://schemas.microsoft.com/office/drawing/2010/main" val="0"/>
-              </a:ext>
-            </a:extLst>
-          </a:blip>
-          <a:stretch>
-            <a:fillRect/>
-          </a:stretch>
-        </p:blipFill>
-        <p:spPr>
-          <a:xfrm>
-            <a:off x="929986" y="2857500"/>
-            <a:ext cx="952500" cy="952500"/>
-          </a:xfrm>
-          <a:prstGeom prst="rect">
-            <a:avLst/>
-          </a:prstGeom>
-        </p:spPr>
-      </p:pic>
-      <p:pic>
-        <p:nvPicPr>
           <p:cNvPr id="51" name="그림 50">
             <a:extLst>
               <a:ext uri="{FF2B5EF4-FFF2-40B4-BE49-F238E27FC236}">
@@ -30541,42 +30469,6 @@
       </p:pic>
       <p:pic>
         <p:nvPicPr>
-          <p:cNvPr id="58" name="그림 57">
-            <a:extLst>
-              <a:ext uri="{FF2B5EF4-FFF2-40B4-BE49-F238E27FC236}">
-                <a16:creationId xmlns:a16="http://schemas.microsoft.com/office/drawing/2014/main" id="{9F060A65-BD52-6D8F-E44B-879252115343}"/>
-              </a:ext>
-            </a:extLst>
-          </p:cNvPr>
-          <p:cNvPicPr>
-            <a:picLocks noChangeAspect="1"/>
-          </p:cNvPicPr>
-          <p:nvPr/>
-        </p:nvPicPr>
-        <p:blipFill>
-          <a:blip r:embed="rId2">
-            <a:extLst>
-              <a:ext uri="{28A0092B-C50C-407E-A947-70E740481C1C}">
-                <a14:useLocalDpi xmlns:a14="http://schemas.microsoft.com/office/drawing/2010/main" val="0"/>
-              </a:ext>
-            </a:extLst>
-          </a:blip>
-          <a:stretch>
-            <a:fillRect/>
-          </a:stretch>
-        </p:blipFill>
-        <p:spPr>
-          <a:xfrm>
-            <a:off x="8505364" y="2857500"/>
-            <a:ext cx="952500" cy="952500"/>
-          </a:xfrm>
-          <a:prstGeom prst="rect">
-            <a:avLst/>
-          </a:prstGeom>
-        </p:spPr>
-      </p:pic>
-      <p:pic>
-        <p:nvPicPr>
           <p:cNvPr id="59" name="그림 58">
             <a:extLst>
               <a:ext uri="{FF2B5EF4-FFF2-40B4-BE49-F238E27FC236}">
@@ -30613,42 +30505,6 @@
       </p:pic>
       <p:pic>
         <p:nvPicPr>
-          <p:cNvPr id="60" name="그림 59">
-            <a:extLst>
-              <a:ext uri="{FF2B5EF4-FFF2-40B4-BE49-F238E27FC236}">
-                <a16:creationId xmlns:a16="http://schemas.microsoft.com/office/drawing/2014/main" id="{FCB9477D-709A-7342-F1A4-43694A9083F3}"/>
-              </a:ext>
-            </a:extLst>
-          </p:cNvPr>
-          <p:cNvPicPr>
-            <a:picLocks noChangeAspect="1"/>
-          </p:cNvPicPr>
-          <p:nvPr/>
-        </p:nvPicPr>
-        <p:blipFill>
-          <a:blip r:embed="rId2">
-            <a:extLst>
-              <a:ext uri="{28A0092B-C50C-407E-A947-70E740481C1C}">
-                <a14:useLocalDpi xmlns:a14="http://schemas.microsoft.com/office/drawing/2010/main" val="0"/>
-              </a:ext>
-            </a:extLst>
-          </a:blip>
-          <a:stretch>
-            <a:fillRect/>
-          </a:stretch>
-        </p:blipFill>
-        <p:spPr>
-          <a:xfrm>
-            <a:off x="10397836" y="2857500"/>
-            <a:ext cx="952500" cy="952500"/>
-          </a:xfrm>
-          <a:prstGeom prst="rect">
-            <a:avLst/>
-          </a:prstGeom>
-        </p:spPr>
-      </p:pic>
-      <p:pic>
-        <p:nvPicPr>
           <p:cNvPr id="61" name="그림 60">
             <a:extLst>
               <a:ext uri="{FF2B5EF4-FFF2-40B4-BE49-F238E27FC236}">
@@ -30757,150 +30613,6 @@
       </p:pic>
       <p:pic>
         <p:nvPicPr>
-          <p:cNvPr id="64" name="그림 63">
-            <a:extLst>
-              <a:ext uri="{FF2B5EF4-FFF2-40B4-BE49-F238E27FC236}">
-                <a16:creationId xmlns:a16="http://schemas.microsoft.com/office/drawing/2014/main" id="{32ACDC04-58D4-60E1-B1A7-93ED10DC3516}"/>
-              </a:ext>
-            </a:extLst>
-          </p:cNvPr>
-          <p:cNvPicPr>
-            <a:picLocks noChangeAspect="1"/>
-          </p:cNvPicPr>
-          <p:nvPr/>
-        </p:nvPicPr>
-        <p:blipFill>
-          <a:blip r:embed="rId2">
-            <a:extLst>
-              <a:ext uri="{28A0092B-C50C-407E-A947-70E740481C1C}">
-                <a14:useLocalDpi xmlns:a14="http://schemas.microsoft.com/office/drawing/2010/main" val="0"/>
-              </a:ext>
-            </a:extLst>
-          </a:blip>
-          <a:stretch>
-            <a:fillRect/>
-          </a:stretch>
-        </p:blipFill>
-        <p:spPr>
-          <a:xfrm>
-            <a:off x="1878914" y="3810000"/>
-            <a:ext cx="952500" cy="952500"/>
-          </a:xfrm>
-          <a:prstGeom prst="rect">
-            <a:avLst/>
-          </a:prstGeom>
-        </p:spPr>
-      </p:pic>
-      <p:pic>
-        <p:nvPicPr>
-          <p:cNvPr id="65" name="그림 64">
-            <a:extLst>
-              <a:ext uri="{FF2B5EF4-FFF2-40B4-BE49-F238E27FC236}">
-                <a16:creationId xmlns:a16="http://schemas.microsoft.com/office/drawing/2014/main" id="{E54AD96A-05C7-66DC-79B2-59AF81441F0D}"/>
-              </a:ext>
-            </a:extLst>
-          </p:cNvPr>
-          <p:cNvPicPr>
-            <a:picLocks noChangeAspect="1"/>
-          </p:cNvPicPr>
-          <p:nvPr/>
-        </p:nvPicPr>
-        <p:blipFill>
-          <a:blip r:embed="rId2">
-            <a:extLst>
-              <a:ext uri="{28A0092B-C50C-407E-A947-70E740481C1C}">
-                <a14:useLocalDpi xmlns:a14="http://schemas.microsoft.com/office/drawing/2010/main" val="0"/>
-              </a:ext>
-            </a:extLst>
-          </a:blip>
-          <a:stretch>
-            <a:fillRect/>
-          </a:stretch>
-        </p:blipFill>
-        <p:spPr>
-          <a:xfrm>
-            <a:off x="2822228" y="3810000"/>
-            <a:ext cx="952500" cy="952500"/>
-          </a:xfrm>
-          <a:prstGeom prst="rect">
-            <a:avLst/>
-          </a:prstGeom>
-        </p:spPr>
-      </p:pic>
-      <p:pic>
-        <p:nvPicPr>
-          <p:cNvPr id="66" name="그림 65">
-            <a:extLst>
-              <a:ext uri="{FF2B5EF4-FFF2-40B4-BE49-F238E27FC236}">
-                <a16:creationId xmlns:a16="http://schemas.microsoft.com/office/drawing/2014/main" id="{13F9D375-0480-A815-6852-80BE76168E07}"/>
-              </a:ext>
-            </a:extLst>
-          </p:cNvPr>
-          <p:cNvPicPr>
-            <a:picLocks noChangeAspect="1"/>
-          </p:cNvPicPr>
-          <p:nvPr/>
-        </p:nvPicPr>
-        <p:blipFill>
-          <a:blip r:embed="rId2">
-            <a:extLst>
-              <a:ext uri="{28A0092B-C50C-407E-A947-70E740481C1C}">
-                <a14:useLocalDpi xmlns:a14="http://schemas.microsoft.com/office/drawing/2010/main" val="0"/>
-              </a:ext>
-            </a:extLst>
-          </a:blip>
-          <a:stretch>
-            <a:fillRect/>
-          </a:stretch>
-        </p:blipFill>
-        <p:spPr>
-          <a:xfrm>
-            <a:off x="3768112" y="3810000"/>
-            <a:ext cx="952500" cy="952500"/>
-          </a:xfrm>
-          <a:prstGeom prst="rect">
-            <a:avLst/>
-          </a:prstGeom>
-        </p:spPr>
-      </p:pic>
-      <p:pic>
-        <p:nvPicPr>
-          <p:cNvPr id="67" name="그림 66">
-            <a:extLst>
-              <a:ext uri="{FF2B5EF4-FFF2-40B4-BE49-F238E27FC236}">
-                <a16:creationId xmlns:a16="http://schemas.microsoft.com/office/drawing/2014/main" id="{C97E552F-1133-396F-0EBD-99E047330EFF}"/>
-              </a:ext>
-            </a:extLst>
-          </p:cNvPr>
-          <p:cNvPicPr>
-            <a:picLocks noChangeAspect="1"/>
-          </p:cNvPicPr>
-          <p:nvPr/>
-        </p:nvPicPr>
-        <p:blipFill>
-          <a:blip r:embed="rId2">
-            <a:extLst>
-              <a:ext uri="{28A0092B-C50C-407E-A947-70E740481C1C}">
-                <a14:useLocalDpi xmlns:a14="http://schemas.microsoft.com/office/drawing/2010/main" val="0"/>
-              </a:ext>
-            </a:extLst>
-          </a:blip>
-          <a:stretch>
-            <a:fillRect/>
-          </a:stretch>
-        </p:blipFill>
-        <p:spPr>
-          <a:xfrm>
-            <a:off x="4713981" y="3810000"/>
-            <a:ext cx="952500" cy="952500"/>
-          </a:xfrm>
-          <a:prstGeom prst="rect">
-            <a:avLst/>
-          </a:prstGeom>
-        </p:spPr>
-      </p:pic>
-      <p:pic>
-        <p:nvPicPr>
           <p:cNvPr id="68" name="그림 67">
             <a:extLst>
               <a:ext uri="{FF2B5EF4-FFF2-40B4-BE49-F238E27FC236}">
@@ -30973,78 +30685,6 @@
       </p:pic>
       <p:pic>
         <p:nvPicPr>
-          <p:cNvPr id="70" name="그림 69">
-            <a:extLst>
-              <a:ext uri="{FF2B5EF4-FFF2-40B4-BE49-F238E27FC236}">
-                <a16:creationId xmlns:a16="http://schemas.microsoft.com/office/drawing/2014/main" id="{CF90697B-D6C0-2316-D0C2-3A6C861470C2}"/>
-              </a:ext>
-            </a:extLst>
-          </p:cNvPr>
-          <p:cNvPicPr>
-            <a:picLocks noChangeAspect="1"/>
-          </p:cNvPicPr>
-          <p:nvPr/>
-        </p:nvPicPr>
-        <p:blipFill>
-          <a:blip r:embed="rId2">
-            <a:extLst>
-              <a:ext uri="{28A0092B-C50C-407E-A947-70E740481C1C}">
-                <a14:useLocalDpi xmlns:a14="http://schemas.microsoft.com/office/drawing/2010/main" val="0"/>
-              </a:ext>
-            </a:extLst>
-          </a:blip>
-          <a:stretch>
-            <a:fillRect/>
-          </a:stretch>
-        </p:blipFill>
-        <p:spPr>
-          <a:xfrm>
-            <a:off x="7550632" y="3810000"/>
-            <a:ext cx="952500" cy="952500"/>
-          </a:xfrm>
-          <a:prstGeom prst="rect">
-            <a:avLst/>
-          </a:prstGeom>
-        </p:spPr>
-      </p:pic>
-      <p:pic>
-        <p:nvPicPr>
-          <p:cNvPr id="71" name="그림 70">
-            <a:extLst>
-              <a:ext uri="{FF2B5EF4-FFF2-40B4-BE49-F238E27FC236}">
-                <a16:creationId xmlns:a16="http://schemas.microsoft.com/office/drawing/2014/main" id="{5496A83C-6DB6-BCB8-7A2D-6A7DB734EBA3}"/>
-              </a:ext>
-            </a:extLst>
-          </p:cNvPr>
-          <p:cNvPicPr>
-            <a:picLocks noChangeAspect="1"/>
-          </p:cNvPicPr>
-          <p:nvPr/>
-        </p:nvPicPr>
-        <p:blipFill>
-          <a:blip r:embed="rId2">
-            <a:extLst>
-              <a:ext uri="{28A0092B-C50C-407E-A947-70E740481C1C}">
-                <a14:useLocalDpi xmlns:a14="http://schemas.microsoft.com/office/drawing/2010/main" val="0"/>
-              </a:ext>
-            </a:extLst>
-          </a:blip>
-          <a:stretch>
-            <a:fillRect/>
-          </a:stretch>
-        </p:blipFill>
-        <p:spPr>
-          <a:xfrm>
-            <a:off x="8479570" y="3810000"/>
-            <a:ext cx="952500" cy="952500"/>
-          </a:xfrm>
-          <a:prstGeom prst="rect">
-            <a:avLst/>
-          </a:prstGeom>
-        </p:spPr>
-      </p:pic>
-      <p:pic>
-        <p:nvPicPr>
           <p:cNvPr id="72" name="그림 71">
             <a:extLst>
               <a:ext uri="{FF2B5EF4-FFF2-40B4-BE49-F238E27FC236}">
@@ -31359,44 +30999,8 @@
         </p:blipFill>
         <p:spPr>
           <a:xfrm>
-            <a:off x="4679372" y="4762500"/>
-            <a:ext cx="952500" cy="952500"/>
-          </a:xfrm>
-          <a:prstGeom prst="rect">
-            <a:avLst/>
-          </a:prstGeom>
-        </p:spPr>
-      </p:pic>
-      <p:pic>
-        <p:nvPicPr>
-          <p:cNvPr id="81" name="그림 80">
-            <a:extLst>
-              <a:ext uri="{FF2B5EF4-FFF2-40B4-BE49-F238E27FC236}">
-                <a16:creationId xmlns:a16="http://schemas.microsoft.com/office/drawing/2014/main" id="{210790D8-2DCA-52FC-D5E5-0AC497E7E170}"/>
-              </a:ext>
-            </a:extLst>
-          </p:cNvPr>
-          <p:cNvPicPr>
-            <a:picLocks noChangeAspect="1"/>
-          </p:cNvPicPr>
-          <p:nvPr/>
-        </p:nvPicPr>
-        <p:blipFill>
-          <a:blip r:embed="rId2">
-            <a:extLst>
-              <a:ext uri="{28A0092B-C50C-407E-A947-70E740481C1C}">
-                <a14:useLocalDpi xmlns:a14="http://schemas.microsoft.com/office/drawing/2010/main" val="0"/>
-              </a:ext>
-            </a:extLst>
-          </a:blip>
-          <a:stretch>
-            <a:fillRect/>
-          </a:stretch>
-        </p:blipFill>
-        <p:spPr>
-          <a:xfrm>
-            <a:off x="5631872" y="4762500"/>
-            <a:ext cx="952500" cy="952500"/>
+            <a:off x="4679371" y="4762500"/>
+            <a:ext cx="1016899" cy="952500"/>
           </a:xfrm>
           <a:prstGeom prst="rect">
             <a:avLst/>
@@ -31513,78 +31117,6 @@
       </p:pic>
       <p:pic>
         <p:nvPicPr>
-          <p:cNvPr id="85" name="그림 84">
-            <a:extLst>
-              <a:ext uri="{FF2B5EF4-FFF2-40B4-BE49-F238E27FC236}">
-                <a16:creationId xmlns:a16="http://schemas.microsoft.com/office/drawing/2014/main" id="{9CBC8ADB-7759-96EC-7F3A-99D3F69EB87C}"/>
-              </a:ext>
-            </a:extLst>
-          </p:cNvPr>
-          <p:cNvPicPr>
-            <a:picLocks noChangeAspect="1"/>
-          </p:cNvPicPr>
-          <p:nvPr/>
-        </p:nvPicPr>
-        <p:blipFill>
-          <a:blip r:embed="rId2">
-            <a:extLst>
-              <a:ext uri="{28A0092B-C50C-407E-A947-70E740481C1C}">
-                <a14:useLocalDpi xmlns:a14="http://schemas.microsoft.com/office/drawing/2010/main" val="0"/>
-              </a:ext>
-            </a:extLst>
-          </a:blip>
-          <a:stretch>
-            <a:fillRect/>
-          </a:stretch>
-        </p:blipFill>
-        <p:spPr>
-          <a:xfrm>
-            <a:off x="9410690" y="4762500"/>
-            <a:ext cx="952500" cy="952500"/>
-          </a:xfrm>
-          <a:prstGeom prst="rect">
-            <a:avLst/>
-          </a:prstGeom>
-        </p:spPr>
-      </p:pic>
-      <p:pic>
-        <p:nvPicPr>
-          <p:cNvPr id="86" name="그림 85">
-            <a:extLst>
-              <a:ext uri="{FF2B5EF4-FFF2-40B4-BE49-F238E27FC236}">
-                <a16:creationId xmlns:a16="http://schemas.microsoft.com/office/drawing/2014/main" id="{B16A712E-4021-11BC-053B-FB70227EC2D3}"/>
-              </a:ext>
-            </a:extLst>
-          </p:cNvPr>
-          <p:cNvPicPr>
-            <a:picLocks noChangeAspect="1"/>
-          </p:cNvPicPr>
-          <p:nvPr/>
-        </p:nvPicPr>
-        <p:blipFill>
-          <a:blip r:embed="rId2">
-            <a:extLst>
-              <a:ext uri="{28A0092B-C50C-407E-A947-70E740481C1C}">
-                <a14:useLocalDpi xmlns:a14="http://schemas.microsoft.com/office/drawing/2010/main" val="0"/>
-              </a:ext>
-            </a:extLst>
-          </a:blip>
-          <a:stretch>
-            <a:fillRect/>
-          </a:stretch>
-        </p:blipFill>
-        <p:spPr>
-          <a:xfrm>
-            <a:off x="10355856" y="4762500"/>
-            <a:ext cx="952500" cy="952500"/>
-          </a:xfrm>
-          <a:prstGeom prst="rect">
-            <a:avLst/>
-          </a:prstGeom>
-        </p:spPr>
-      </p:pic>
-      <p:pic>
-        <p:nvPicPr>
           <p:cNvPr id="87" name="그림 86">
             <a:extLst>
               <a:ext uri="{FF2B5EF4-FFF2-40B4-BE49-F238E27FC236}">
@@ -31657,42 +31189,6 @@
       </p:pic>
       <p:pic>
         <p:nvPicPr>
-          <p:cNvPr id="89" name="그림 88">
-            <a:extLst>
-              <a:ext uri="{FF2B5EF4-FFF2-40B4-BE49-F238E27FC236}">
-                <a16:creationId xmlns:a16="http://schemas.microsoft.com/office/drawing/2014/main" id="{9BD55712-3259-E50C-AD1D-605667B39B48}"/>
-              </a:ext>
-            </a:extLst>
-          </p:cNvPr>
-          <p:cNvPicPr>
-            <a:picLocks noChangeAspect="1"/>
-          </p:cNvPicPr>
-          <p:nvPr/>
-        </p:nvPicPr>
-        <p:blipFill>
-          <a:blip r:embed="rId2">
-            <a:extLst>
-              <a:ext uri="{28A0092B-C50C-407E-A947-70E740481C1C}">
-                <a14:useLocalDpi xmlns:a14="http://schemas.microsoft.com/office/drawing/2010/main" val="0"/>
-              </a:ext>
-            </a:extLst>
-          </a:blip>
-          <a:stretch>
-            <a:fillRect/>
-          </a:stretch>
-        </p:blipFill>
-        <p:spPr>
-          <a:xfrm>
-            <a:off x="932515" y="5715000"/>
-            <a:ext cx="952500" cy="952500"/>
-          </a:xfrm>
-          <a:prstGeom prst="rect">
-            <a:avLst/>
-          </a:prstGeom>
-        </p:spPr>
-      </p:pic>
-      <p:pic>
-        <p:nvPicPr>
           <p:cNvPr id="90" name="그림 89">
             <a:extLst>
               <a:ext uri="{FF2B5EF4-FFF2-40B4-BE49-F238E27FC236}">
@@ -31729,42 +31225,6 @@
       </p:pic>
       <p:pic>
         <p:nvPicPr>
-          <p:cNvPr id="91" name="그림 90">
-            <a:extLst>
-              <a:ext uri="{FF2B5EF4-FFF2-40B4-BE49-F238E27FC236}">
-                <a16:creationId xmlns:a16="http://schemas.microsoft.com/office/drawing/2014/main" id="{DF72B19E-7534-1975-EB01-324A8E07BB00}"/>
-              </a:ext>
-            </a:extLst>
-          </p:cNvPr>
-          <p:cNvPicPr>
-            <a:picLocks noChangeAspect="1"/>
-          </p:cNvPicPr>
-          <p:nvPr/>
-        </p:nvPicPr>
-        <p:blipFill>
-          <a:blip r:embed="rId2">
-            <a:extLst>
-              <a:ext uri="{28A0092B-C50C-407E-A947-70E740481C1C}">
-                <a14:useLocalDpi xmlns:a14="http://schemas.microsoft.com/office/drawing/2010/main" val="0"/>
-              </a:ext>
-            </a:extLst>
-          </a:blip>
-          <a:stretch>
-            <a:fillRect/>
-          </a:stretch>
-        </p:blipFill>
-        <p:spPr>
-          <a:xfrm>
-            <a:off x="2815106" y="5715000"/>
-            <a:ext cx="952500" cy="952500"/>
-          </a:xfrm>
-          <a:prstGeom prst="rect">
-            <a:avLst/>
-          </a:prstGeom>
-        </p:spPr>
-      </p:pic>
-      <p:pic>
-        <p:nvPicPr>
           <p:cNvPr id="92" name="그림 91">
             <a:extLst>
               <a:ext uri="{FF2B5EF4-FFF2-40B4-BE49-F238E27FC236}">
@@ -31864,42 +31324,6 @@
         <p:spPr>
           <a:xfrm>
             <a:off x="5657849" y="5715000"/>
-            <a:ext cx="952500" cy="952500"/>
-          </a:xfrm>
-          <a:prstGeom prst="rect">
-            <a:avLst/>
-          </a:prstGeom>
-        </p:spPr>
-      </p:pic>
-      <p:pic>
-        <p:nvPicPr>
-          <p:cNvPr id="95" name="그림 94">
-            <a:extLst>
-              <a:ext uri="{FF2B5EF4-FFF2-40B4-BE49-F238E27FC236}">
-                <a16:creationId xmlns:a16="http://schemas.microsoft.com/office/drawing/2014/main" id="{F49EBD02-CE6F-57C3-09D9-74FC88A319C2}"/>
-              </a:ext>
-            </a:extLst>
-          </p:cNvPr>
-          <p:cNvPicPr>
-            <a:picLocks noChangeAspect="1"/>
-          </p:cNvPicPr>
-          <p:nvPr/>
-        </p:nvPicPr>
-        <p:blipFill>
-          <a:blip r:embed="rId2">
-            <a:extLst>
-              <a:ext uri="{28A0092B-C50C-407E-A947-70E740481C1C}">
-                <a14:useLocalDpi xmlns:a14="http://schemas.microsoft.com/office/drawing/2010/main" val="0"/>
-              </a:ext>
-            </a:extLst>
-          </a:blip>
-          <a:stretch>
-            <a:fillRect/>
-          </a:stretch>
-        </p:blipFill>
-        <p:spPr>
-          <a:xfrm>
-            <a:off x="6605195" y="5715000"/>
             <a:ext cx="952500" cy="952500"/>
           </a:xfrm>
           <a:prstGeom prst="rect">
@@ -32331,8 +31755,476 @@
         </p:blipFill>
         <p:spPr>
           <a:xfrm>
-            <a:off x="-12853" y="1986329"/>
+            <a:off x="-24623" y="1904801"/>
             <a:ext cx="952633" cy="952633"/>
+          </a:xfrm>
+          <a:prstGeom prst="rect">
+            <a:avLst/>
+          </a:prstGeom>
+        </p:spPr>
+      </p:pic>
+      <p:pic>
+        <p:nvPicPr>
+          <p:cNvPr id="12" name="그림 11" descr="클립아트, 예술, 일러스트레이션, 만화 영화이(가) 표시된 사진&#10;&#10;자동 생성된 설명">
+            <a:extLst>
+              <a:ext uri="{FF2B5EF4-FFF2-40B4-BE49-F238E27FC236}">
+                <a16:creationId xmlns:a16="http://schemas.microsoft.com/office/drawing/2014/main" id="{E97C86FF-E2EA-F2A6-E8EC-A1EE1826E487}"/>
+              </a:ext>
+            </a:extLst>
+          </p:cNvPr>
+          <p:cNvPicPr>
+            <a:picLocks noChangeAspect="1"/>
+          </p:cNvPicPr>
+          <p:nvPr/>
+        </p:nvPicPr>
+        <p:blipFill>
+          <a:blip r:embed="rId7">
+            <a:extLst>
+              <a:ext uri="{28A0092B-C50C-407E-A947-70E740481C1C}">
+                <a14:useLocalDpi xmlns:a14="http://schemas.microsoft.com/office/drawing/2010/main" val="0"/>
+              </a:ext>
+            </a:extLst>
+          </a:blip>
+          <a:stretch>
+            <a:fillRect/>
+          </a:stretch>
+        </p:blipFill>
+        <p:spPr>
+          <a:xfrm>
+            <a:off x="-189" y="2825706"/>
+            <a:ext cx="1016088" cy="1016088"/>
+          </a:xfrm>
+          <a:prstGeom prst="rect">
+            <a:avLst/>
+          </a:prstGeom>
+        </p:spPr>
+      </p:pic>
+      <p:pic>
+        <p:nvPicPr>
+          <p:cNvPr id="16" name="그림 15" descr="일렉트릭 블루, 블루, 마조렐 블루, 스크린샷이(가) 표시된 사진&#10;&#10;자동 생성된 설명">
+            <a:extLst>
+              <a:ext uri="{FF2B5EF4-FFF2-40B4-BE49-F238E27FC236}">
+                <a16:creationId xmlns:a16="http://schemas.microsoft.com/office/drawing/2014/main" id="{1907BC1A-6129-9F36-DECD-7D6A65D3CB3C}"/>
+              </a:ext>
+            </a:extLst>
+          </p:cNvPr>
+          <p:cNvPicPr>
+            <a:picLocks noChangeAspect="1"/>
+          </p:cNvPicPr>
+          <p:nvPr/>
+        </p:nvPicPr>
+        <p:blipFill>
+          <a:blip r:embed="rId4">
+            <a:extLst>
+              <a:ext uri="{28A0092B-C50C-407E-A947-70E740481C1C}">
+                <a14:useLocalDpi xmlns:a14="http://schemas.microsoft.com/office/drawing/2010/main" val="0"/>
+              </a:ext>
+            </a:extLst>
+          </a:blip>
+          <a:stretch>
+            <a:fillRect/>
+          </a:stretch>
+        </p:blipFill>
+        <p:spPr>
+          <a:xfrm>
+            <a:off x="946150" y="2857500"/>
+            <a:ext cx="952500" cy="952500"/>
+          </a:xfrm>
+          <a:prstGeom prst="rect">
+            <a:avLst/>
+          </a:prstGeom>
+        </p:spPr>
+      </p:pic>
+      <p:pic>
+        <p:nvPicPr>
+          <p:cNvPr id="26" name="그림 25" descr="은, 레버, 키보드이(가) 표시된 사진&#10;&#10;자동 생성된 설명">
+            <a:extLst>
+              <a:ext uri="{FF2B5EF4-FFF2-40B4-BE49-F238E27FC236}">
+                <a16:creationId xmlns:a16="http://schemas.microsoft.com/office/drawing/2014/main" id="{9CBCDD71-593E-4918-84CF-D81187322101}"/>
+              </a:ext>
+            </a:extLst>
+          </p:cNvPr>
+          <p:cNvPicPr>
+            <a:picLocks noChangeAspect="1"/>
+          </p:cNvPicPr>
+          <p:nvPr/>
+        </p:nvPicPr>
+        <p:blipFill>
+          <a:blip r:embed="rId3">
+            <a:extLst>
+              <a:ext uri="{28A0092B-C50C-407E-A947-70E740481C1C}">
+                <a14:useLocalDpi xmlns:a14="http://schemas.microsoft.com/office/drawing/2010/main" val="0"/>
+              </a:ext>
+            </a:extLst>
+          </a:blip>
+          <a:stretch>
+            <a:fillRect/>
+          </a:stretch>
+        </p:blipFill>
+        <p:spPr>
+          <a:xfrm>
+            <a:off x="1895474" y="3810000"/>
+            <a:ext cx="3810000" cy="952500"/>
+          </a:xfrm>
+          <a:prstGeom prst="rect">
+            <a:avLst/>
+          </a:prstGeom>
+        </p:spPr>
+      </p:pic>
+      <p:pic>
+        <p:nvPicPr>
+          <p:cNvPr id="29" name="그림 28" descr="클립아트이(가) 표시된 사진&#10;&#10;자동 생성된 설명">
+            <a:extLst>
+              <a:ext uri="{FF2B5EF4-FFF2-40B4-BE49-F238E27FC236}">
+                <a16:creationId xmlns:a16="http://schemas.microsoft.com/office/drawing/2014/main" id="{30CD14B4-5F0A-A49A-806E-A6281E49ACEC}"/>
+              </a:ext>
+            </a:extLst>
+          </p:cNvPr>
+          <p:cNvPicPr>
+            <a:picLocks noChangeAspect="1"/>
+          </p:cNvPicPr>
+          <p:nvPr/>
+        </p:nvPicPr>
+        <p:blipFill>
+          <a:blip r:embed="rId6">
+            <a:extLst>
+              <a:ext uri="{28A0092B-C50C-407E-A947-70E740481C1C}">
+                <a14:useLocalDpi xmlns:a14="http://schemas.microsoft.com/office/drawing/2010/main" val="0"/>
+              </a:ext>
+            </a:extLst>
+          </a:blip>
+          <a:stretch>
+            <a:fillRect/>
+          </a:stretch>
+        </p:blipFill>
+        <p:spPr>
+          <a:xfrm>
+            <a:off x="8497898" y="3809801"/>
+            <a:ext cx="952633" cy="952633"/>
+          </a:xfrm>
+          <a:prstGeom prst="rect">
+            <a:avLst/>
+          </a:prstGeom>
+        </p:spPr>
+      </p:pic>
+      <p:pic>
+        <p:nvPicPr>
+          <p:cNvPr id="31" name="그림 30" descr="일렉트릭 블루, 블루, 마조렐 블루, 스크린샷이(가) 표시된 사진&#10;&#10;자동 생성된 설명">
+            <a:extLst>
+              <a:ext uri="{FF2B5EF4-FFF2-40B4-BE49-F238E27FC236}">
+                <a16:creationId xmlns:a16="http://schemas.microsoft.com/office/drawing/2014/main" id="{8DD3B9CA-6B64-C956-100C-DFDC8D9D87A9}"/>
+              </a:ext>
+            </a:extLst>
+          </p:cNvPr>
+          <p:cNvPicPr>
+            <a:picLocks noChangeAspect="1"/>
+          </p:cNvPicPr>
+          <p:nvPr/>
+        </p:nvPicPr>
+        <p:blipFill>
+          <a:blip r:embed="rId4">
+            <a:extLst>
+              <a:ext uri="{28A0092B-C50C-407E-A947-70E740481C1C}">
+                <a14:useLocalDpi xmlns:a14="http://schemas.microsoft.com/office/drawing/2010/main" val="0"/>
+              </a:ext>
+            </a:extLst>
+          </a:blip>
+          <a:stretch>
+            <a:fillRect/>
+          </a:stretch>
+        </p:blipFill>
+        <p:spPr>
+          <a:xfrm>
+            <a:off x="7550226" y="3809735"/>
+            <a:ext cx="952500" cy="952500"/>
+          </a:xfrm>
+          <a:prstGeom prst="rect">
+            <a:avLst/>
+          </a:prstGeom>
+        </p:spPr>
+      </p:pic>
+      <p:pic>
+        <p:nvPicPr>
+          <p:cNvPr id="33" name="그림 32" descr="일렉트릭 블루, 블루, 마조렐 블루, 스크린샷이(가) 표시된 사진&#10;&#10;자동 생성된 설명">
+            <a:extLst>
+              <a:ext uri="{FF2B5EF4-FFF2-40B4-BE49-F238E27FC236}">
+                <a16:creationId xmlns:a16="http://schemas.microsoft.com/office/drawing/2014/main" id="{5114AA9C-DE03-287B-8F55-46F25D1E3F9D}"/>
+              </a:ext>
+            </a:extLst>
+          </p:cNvPr>
+          <p:cNvPicPr>
+            <a:picLocks noChangeAspect="1"/>
+          </p:cNvPicPr>
+          <p:nvPr/>
+        </p:nvPicPr>
+        <p:blipFill>
+          <a:blip r:embed="rId4">
+            <a:extLst>
+              <a:ext uri="{28A0092B-C50C-407E-A947-70E740481C1C}">
+                <a14:useLocalDpi xmlns:a14="http://schemas.microsoft.com/office/drawing/2010/main" val="0"/>
+              </a:ext>
+            </a:extLst>
+          </a:blip>
+          <a:stretch>
+            <a:fillRect/>
+          </a:stretch>
+        </p:blipFill>
+        <p:spPr>
+          <a:xfrm>
+            <a:off x="9414046" y="4762500"/>
+            <a:ext cx="952500" cy="952500"/>
+          </a:xfrm>
+          <a:prstGeom prst="rect">
+            <a:avLst/>
+          </a:prstGeom>
+        </p:spPr>
+      </p:pic>
+      <p:pic>
+        <p:nvPicPr>
+          <p:cNvPr id="36" name="그림 35" descr="일렉트릭 블루, 블루, 마조렐 블루, 스크린샷이(가) 표시된 사진&#10;&#10;자동 생성된 설명">
+            <a:extLst>
+              <a:ext uri="{FF2B5EF4-FFF2-40B4-BE49-F238E27FC236}">
+                <a16:creationId xmlns:a16="http://schemas.microsoft.com/office/drawing/2014/main" id="{81CEA889-2F94-7A1F-2424-E798D30026DC}"/>
+              </a:ext>
+            </a:extLst>
+          </p:cNvPr>
+          <p:cNvPicPr>
+            <a:picLocks noChangeAspect="1"/>
+          </p:cNvPicPr>
+          <p:nvPr/>
+        </p:nvPicPr>
+        <p:blipFill>
+          <a:blip r:embed="rId4">
+            <a:extLst>
+              <a:ext uri="{28A0092B-C50C-407E-A947-70E740481C1C}">
+                <a14:useLocalDpi xmlns:a14="http://schemas.microsoft.com/office/drawing/2010/main" val="0"/>
+              </a:ext>
+            </a:extLst>
+          </a:blip>
+          <a:stretch>
+            <a:fillRect/>
+          </a:stretch>
+        </p:blipFill>
+        <p:spPr>
+          <a:xfrm>
+            <a:off x="8508435" y="2856970"/>
+            <a:ext cx="952500" cy="952500"/>
+          </a:xfrm>
+          <a:prstGeom prst="rect">
+            <a:avLst/>
+          </a:prstGeom>
+        </p:spPr>
+      </p:pic>
+      <p:pic>
+        <p:nvPicPr>
+          <p:cNvPr id="102" name="그림 101" descr="그레이, 패브릭이(가) 표시된 사진&#10;&#10;자동 생성된 설명">
+            <a:extLst>
+              <a:ext uri="{FF2B5EF4-FFF2-40B4-BE49-F238E27FC236}">
+                <a16:creationId xmlns:a16="http://schemas.microsoft.com/office/drawing/2014/main" id="{BFA57364-236E-86F1-142B-D2CC52DA5311}"/>
+              </a:ext>
+            </a:extLst>
+          </p:cNvPr>
+          <p:cNvPicPr>
+            <a:picLocks noChangeAspect="1"/>
+          </p:cNvPicPr>
+          <p:nvPr/>
+        </p:nvPicPr>
+        <p:blipFill>
+          <a:blip r:embed="rId5">
+            <a:extLst>
+              <a:ext uri="{28A0092B-C50C-407E-A947-70E740481C1C}">
+                <a14:useLocalDpi xmlns:a14="http://schemas.microsoft.com/office/drawing/2010/main" val="0"/>
+              </a:ext>
+            </a:extLst>
+          </a:blip>
+          <a:stretch>
+            <a:fillRect/>
+          </a:stretch>
+        </p:blipFill>
+        <p:spPr>
+          <a:xfrm>
+            <a:off x="10379706" y="2856970"/>
+            <a:ext cx="952500" cy="952500"/>
+          </a:xfrm>
+          <a:prstGeom prst="rect">
+            <a:avLst/>
+          </a:prstGeom>
+        </p:spPr>
+      </p:pic>
+      <p:pic>
+        <p:nvPicPr>
+          <p:cNvPr id="105" name="그림 104" descr="그레이, 패브릭이(가) 표시된 사진&#10;&#10;자동 생성된 설명">
+            <a:extLst>
+              <a:ext uri="{FF2B5EF4-FFF2-40B4-BE49-F238E27FC236}">
+                <a16:creationId xmlns:a16="http://schemas.microsoft.com/office/drawing/2014/main" id="{8B159027-CB8D-711F-9E3E-C754292AB696}"/>
+              </a:ext>
+            </a:extLst>
+          </p:cNvPr>
+          <p:cNvPicPr>
+            <a:picLocks noChangeAspect="1"/>
+          </p:cNvPicPr>
+          <p:nvPr/>
+        </p:nvPicPr>
+        <p:blipFill>
+          <a:blip r:embed="rId5">
+            <a:extLst>
+              <a:ext uri="{28A0092B-C50C-407E-A947-70E740481C1C}">
+                <a14:useLocalDpi xmlns:a14="http://schemas.microsoft.com/office/drawing/2010/main" val="0"/>
+              </a:ext>
+            </a:extLst>
+          </a:blip>
+          <a:stretch>
+            <a:fillRect/>
+          </a:stretch>
+        </p:blipFill>
+        <p:spPr>
+          <a:xfrm>
+            <a:off x="5692885" y="4762235"/>
+            <a:ext cx="899548" cy="952500"/>
+          </a:xfrm>
+          <a:prstGeom prst="rect">
+            <a:avLst/>
+          </a:prstGeom>
+        </p:spPr>
+      </p:pic>
+      <p:pic>
+        <p:nvPicPr>
+          <p:cNvPr id="109" name="그림 108" descr="그레이, 패브릭이(가) 표시된 사진&#10;&#10;자동 생성된 설명">
+            <a:extLst>
+              <a:ext uri="{FF2B5EF4-FFF2-40B4-BE49-F238E27FC236}">
+                <a16:creationId xmlns:a16="http://schemas.microsoft.com/office/drawing/2014/main" id="{C5E3B8C9-1486-7C2B-64FD-B5E4EFC445CD}"/>
+              </a:ext>
+            </a:extLst>
+          </p:cNvPr>
+          <p:cNvPicPr>
+            <a:picLocks noChangeAspect="1"/>
+          </p:cNvPicPr>
+          <p:nvPr/>
+        </p:nvPicPr>
+        <p:blipFill>
+          <a:blip r:embed="rId5">
+            <a:extLst>
+              <a:ext uri="{28A0092B-C50C-407E-A947-70E740481C1C}">
+                <a14:useLocalDpi xmlns:a14="http://schemas.microsoft.com/office/drawing/2010/main" val="0"/>
+              </a:ext>
+            </a:extLst>
+          </a:blip>
+          <a:stretch>
+            <a:fillRect/>
+          </a:stretch>
+        </p:blipFill>
+        <p:spPr>
+          <a:xfrm>
+            <a:off x="933868" y="5715000"/>
+            <a:ext cx="952500" cy="952500"/>
+          </a:xfrm>
+          <a:prstGeom prst="rect">
+            <a:avLst/>
+          </a:prstGeom>
+        </p:spPr>
+      </p:pic>
+      <p:pic>
+        <p:nvPicPr>
+          <p:cNvPr id="111" name="그림 110" descr="클립아트, 예술, 일러스트레이션, 만화 영화이(가) 표시된 사진&#10;&#10;자동 생성된 설명">
+            <a:extLst>
+              <a:ext uri="{FF2B5EF4-FFF2-40B4-BE49-F238E27FC236}">
+                <a16:creationId xmlns:a16="http://schemas.microsoft.com/office/drawing/2014/main" id="{24130BC2-5FC0-829F-122A-A2EB4020EB8B}"/>
+              </a:ext>
+            </a:extLst>
+          </p:cNvPr>
+          <p:cNvPicPr>
+            <a:picLocks noChangeAspect="1"/>
+          </p:cNvPicPr>
+          <p:nvPr/>
+        </p:nvPicPr>
+        <p:blipFill>
+          <a:blip r:embed="rId7">
+            <a:extLst>
+              <a:ext uri="{28A0092B-C50C-407E-A947-70E740481C1C}">
+                <a14:useLocalDpi xmlns:a14="http://schemas.microsoft.com/office/drawing/2010/main" val="0"/>
+              </a:ext>
+            </a:extLst>
+          </a:blip>
+          <a:stretch>
+            <a:fillRect/>
+          </a:stretch>
+        </p:blipFill>
+        <p:spPr>
+          <a:xfrm>
+            <a:off x="6604880" y="5683206"/>
+            <a:ext cx="1016088" cy="1016088"/>
+          </a:xfrm>
+          <a:prstGeom prst="rect">
+            <a:avLst/>
+          </a:prstGeom>
+        </p:spPr>
+      </p:pic>
+      <p:pic>
+        <p:nvPicPr>
+          <p:cNvPr id="113" name="그림 112" descr="클립아트, 예술, 일러스트레이션, 만화 영화이(가) 표시된 사진&#10;&#10;자동 생성된 설명">
+            <a:extLst>
+              <a:ext uri="{FF2B5EF4-FFF2-40B4-BE49-F238E27FC236}">
+                <a16:creationId xmlns:a16="http://schemas.microsoft.com/office/drawing/2014/main" id="{76C651AE-735B-B314-7C16-3208C1862FA8}"/>
+              </a:ext>
+            </a:extLst>
+          </p:cNvPr>
+          <p:cNvPicPr>
+            <a:picLocks noChangeAspect="1"/>
+          </p:cNvPicPr>
+          <p:nvPr/>
+        </p:nvPicPr>
+        <p:blipFill>
+          <a:blip r:embed="rId7">
+            <a:extLst>
+              <a:ext uri="{28A0092B-C50C-407E-A947-70E740481C1C}">
+                <a14:useLocalDpi xmlns:a14="http://schemas.microsoft.com/office/drawing/2010/main" val="0"/>
+              </a:ext>
+            </a:extLst>
+          </a:blip>
+          <a:stretch>
+            <a:fillRect/>
+          </a:stretch>
+        </p:blipFill>
+        <p:spPr>
+          <a:xfrm>
+            <a:off x="10337395" y="4715079"/>
+            <a:ext cx="1016088" cy="1016088"/>
+          </a:xfrm>
+          <a:prstGeom prst="rect">
+            <a:avLst/>
+          </a:prstGeom>
+        </p:spPr>
+      </p:pic>
+      <p:pic>
+        <p:nvPicPr>
+          <p:cNvPr id="115" name="그림 114" descr="일렉트릭 블루, 블루, 마조렐 블루, 스크린샷이(가) 표시된 사진&#10;&#10;자동 생성된 설명">
+            <a:extLst>
+              <a:ext uri="{FF2B5EF4-FFF2-40B4-BE49-F238E27FC236}">
+                <a16:creationId xmlns:a16="http://schemas.microsoft.com/office/drawing/2014/main" id="{2830A0F1-2442-AC23-42D8-B3CC4A95A1C7}"/>
+              </a:ext>
+            </a:extLst>
+          </p:cNvPr>
+          <p:cNvPicPr>
+            <a:picLocks noChangeAspect="1"/>
+          </p:cNvPicPr>
+          <p:nvPr/>
+        </p:nvPicPr>
+        <p:blipFill>
+          <a:blip r:embed="rId4">
+            <a:extLst>
+              <a:ext uri="{28A0092B-C50C-407E-A947-70E740481C1C}">
+                <a14:useLocalDpi xmlns:a14="http://schemas.microsoft.com/office/drawing/2010/main" val="0"/>
+              </a:ext>
+            </a:extLst>
+          </a:blip>
+          <a:stretch>
+            <a:fillRect/>
+          </a:stretch>
+        </p:blipFill>
+        <p:spPr>
+          <a:xfrm>
+            <a:off x="2824598" y="5715000"/>
+            <a:ext cx="952500" cy="952500"/>
           </a:xfrm>
           <a:prstGeom prst="rect">
             <a:avLst/>
@@ -32839,78 +32731,6 @@
       </p:pic>
       <p:pic>
         <p:nvPicPr>
-          <p:cNvPr id="18" name="그림 17">
-            <a:extLst>
-              <a:ext uri="{FF2B5EF4-FFF2-40B4-BE49-F238E27FC236}">
-                <a16:creationId xmlns:a16="http://schemas.microsoft.com/office/drawing/2014/main" id="{4C899377-706A-7D4F-DF60-BAB17E3D8BC0}"/>
-              </a:ext>
-            </a:extLst>
-          </p:cNvPr>
-          <p:cNvPicPr>
-            <a:picLocks noChangeAspect="1"/>
-          </p:cNvPicPr>
-          <p:nvPr/>
-        </p:nvPicPr>
-        <p:blipFill>
-          <a:blip r:embed="rId2">
-            <a:extLst>
-              <a:ext uri="{28A0092B-C50C-407E-A947-70E740481C1C}">
-                <a14:useLocalDpi xmlns:a14="http://schemas.microsoft.com/office/drawing/2010/main" val="0"/>
-              </a:ext>
-            </a:extLst>
-          </a:blip>
-          <a:stretch>
-            <a:fillRect/>
-          </a:stretch>
-        </p:blipFill>
-        <p:spPr>
-          <a:xfrm>
-            <a:off x="-3464" y="952500"/>
-            <a:ext cx="952500" cy="952500"/>
-          </a:xfrm>
-          <a:prstGeom prst="rect">
-            <a:avLst/>
-          </a:prstGeom>
-        </p:spPr>
-      </p:pic>
-      <p:pic>
-        <p:nvPicPr>
-          <p:cNvPr id="24" name="그림 23">
-            <a:extLst>
-              <a:ext uri="{FF2B5EF4-FFF2-40B4-BE49-F238E27FC236}">
-                <a16:creationId xmlns:a16="http://schemas.microsoft.com/office/drawing/2014/main" id="{B2EA0044-2ADA-48E7-B681-DB83F6FDA8B3}"/>
-              </a:ext>
-            </a:extLst>
-          </p:cNvPr>
-          <p:cNvPicPr>
-            <a:picLocks noChangeAspect="1"/>
-          </p:cNvPicPr>
-          <p:nvPr/>
-        </p:nvPicPr>
-        <p:blipFill>
-          <a:blip r:embed="rId2">
-            <a:extLst>
-              <a:ext uri="{28A0092B-C50C-407E-A947-70E740481C1C}">
-                <a14:useLocalDpi xmlns:a14="http://schemas.microsoft.com/office/drawing/2010/main" val="0"/>
-              </a:ext>
-            </a:extLst>
-          </a:blip>
-          <a:stretch>
-            <a:fillRect/>
-          </a:stretch>
-        </p:blipFill>
-        <p:spPr>
-          <a:xfrm>
-            <a:off x="1875559" y="952500"/>
-            <a:ext cx="952500" cy="952500"/>
-          </a:xfrm>
-          <a:prstGeom prst="rect">
-            <a:avLst/>
-          </a:prstGeom>
-        </p:spPr>
-      </p:pic>
-      <p:pic>
-        <p:nvPicPr>
           <p:cNvPr id="25" name="그림 24">
             <a:extLst>
               <a:ext uri="{FF2B5EF4-FFF2-40B4-BE49-F238E27FC236}">
@@ -32947,42 +32767,6 @@
       </p:pic>
       <p:pic>
         <p:nvPicPr>
-          <p:cNvPr id="26" name="그림 25">
-            <a:extLst>
-              <a:ext uri="{FF2B5EF4-FFF2-40B4-BE49-F238E27FC236}">
-                <a16:creationId xmlns:a16="http://schemas.microsoft.com/office/drawing/2014/main" id="{55B0D8A2-F279-BE5B-3EE5-FCE1F624B207}"/>
-              </a:ext>
-            </a:extLst>
-          </p:cNvPr>
-          <p:cNvPicPr>
-            <a:picLocks noChangeAspect="1"/>
-          </p:cNvPicPr>
-          <p:nvPr/>
-        </p:nvPicPr>
-        <p:blipFill>
-          <a:blip r:embed="rId2">
-            <a:extLst>
-              <a:ext uri="{28A0092B-C50C-407E-A947-70E740481C1C}">
-                <a14:useLocalDpi xmlns:a14="http://schemas.microsoft.com/office/drawing/2010/main" val="0"/>
-              </a:ext>
-            </a:extLst>
-          </a:blip>
-          <a:stretch>
-            <a:fillRect/>
-          </a:stretch>
-        </p:blipFill>
-        <p:spPr>
-          <a:xfrm>
-            <a:off x="3758045" y="952500"/>
-            <a:ext cx="952500" cy="952500"/>
-          </a:xfrm>
-          <a:prstGeom prst="rect">
-            <a:avLst/>
-          </a:prstGeom>
-        </p:spPr>
-      </p:pic>
-      <p:pic>
-        <p:nvPicPr>
           <p:cNvPr id="27" name="그림 26">
             <a:extLst>
               <a:ext uri="{FF2B5EF4-FFF2-40B4-BE49-F238E27FC236}">
@@ -33127,150 +32911,6 @@
       </p:pic>
       <p:pic>
         <p:nvPicPr>
-          <p:cNvPr id="31" name="그림 30">
-            <a:extLst>
-              <a:ext uri="{FF2B5EF4-FFF2-40B4-BE49-F238E27FC236}">
-                <a16:creationId xmlns:a16="http://schemas.microsoft.com/office/drawing/2014/main" id="{35B965D9-1E29-C170-0138-DBCF0D554F77}"/>
-              </a:ext>
-            </a:extLst>
-          </p:cNvPr>
-          <p:cNvPicPr>
-            <a:picLocks noChangeAspect="1"/>
-          </p:cNvPicPr>
-          <p:nvPr/>
-        </p:nvPicPr>
-        <p:blipFill>
-          <a:blip r:embed="rId2">
-            <a:extLst>
-              <a:ext uri="{28A0092B-C50C-407E-A947-70E740481C1C}">
-                <a14:useLocalDpi xmlns:a14="http://schemas.microsoft.com/office/drawing/2010/main" val="0"/>
-              </a:ext>
-            </a:extLst>
-          </a:blip>
-          <a:stretch>
-            <a:fillRect/>
-          </a:stretch>
-        </p:blipFill>
-        <p:spPr>
-          <a:xfrm>
-            <a:off x="6612081" y="952500"/>
-            <a:ext cx="952500" cy="952500"/>
-          </a:xfrm>
-          <a:prstGeom prst="rect">
-            <a:avLst/>
-          </a:prstGeom>
-        </p:spPr>
-      </p:pic>
-      <p:pic>
-        <p:nvPicPr>
-          <p:cNvPr id="32" name="그림 31">
-            <a:extLst>
-              <a:ext uri="{FF2B5EF4-FFF2-40B4-BE49-F238E27FC236}">
-                <a16:creationId xmlns:a16="http://schemas.microsoft.com/office/drawing/2014/main" id="{E68B939A-6D57-F77A-19FC-DD860F7D3798}"/>
-              </a:ext>
-            </a:extLst>
-          </p:cNvPr>
-          <p:cNvPicPr>
-            <a:picLocks noChangeAspect="1"/>
-          </p:cNvPicPr>
-          <p:nvPr/>
-        </p:nvPicPr>
-        <p:blipFill>
-          <a:blip r:embed="rId2">
-            <a:extLst>
-              <a:ext uri="{28A0092B-C50C-407E-A947-70E740481C1C}">
-                <a14:useLocalDpi xmlns:a14="http://schemas.microsoft.com/office/drawing/2010/main" val="0"/>
-              </a:ext>
-            </a:extLst>
-          </a:blip>
-          <a:stretch>
-            <a:fillRect/>
-          </a:stretch>
-        </p:blipFill>
-        <p:spPr>
-          <a:xfrm>
-            <a:off x="7564121" y="952500"/>
-            <a:ext cx="952500" cy="952500"/>
-          </a:xfrm>
-          <a:prstGeom prst="rect">
-            <a:avLst/>
-          </a:prstGeom>
-        </p:spPr>
-      </p:pic>
-      <p:pic>
-        <p:nvPicPr>
-          <p:cNvPr id="33" name="그림 32">
-            <a:extLst>
-              <a:ext uri="{FF2B5EF4-FFF2-40B4-BE49-F238E27FC236}">
-                <a16:creationId xmlns:a16="http://schemas.microsoft.com/office/drawing/2014/main" id="{48AA1C14-249F-DB68-D4F3-D53B80E6BF7E}"/>
-              </a:ext>
-            </a:extLst>
-          </p:cNvPr>
-          <p:cNvPicPr>
-            <a:picLocks noChangeAspect="1"/>
-          </p:cNvPicPr>
-          <p:nvPr/>
-        </p:nvPicPr>
-        <p:blipFill>
-          <a:blip r:embed="rId2">
-            <a:extLst>
-              <a:ext uri="{28A0092B-C50C-407E-A947-70E740481C1C}">
-                <a14:useLocalDpi xmlns:a14="http://schemas.microsoft.com/office/drawing/2010/main" val="0"/>
-              </a:ext>
-            </a:extLst>
-          </a:blip>
-          <a:stretch>
-            <a:fillRect/>
-          </a:stretch>
-        </p:blipFill>
-        <p:spPr>
-          <a:xfrm>
-            <a:off x="9433213" y="952500"/>
-            <a:ext cx="952500" cy="952500"/>
-          </a:xfrm>
-          <a:prstGeom prst="rect">
-            <a:avLst/>
-          </a:prstGeom>
-        </p:spPr>
-      </p:pic>
-      <p:pic>
-        <p:nvPicPr>
-          <p:cNvPr id="34" name="그림 33">
-            <a:extLst>
-              <a:ext uri="{FF2B5EF4-FFF2-40B4-BE49-F238E27FC236}">
-                <a16:creationId xmlns:a16="http://schemas.microsoft.com/office/drawing/2014/main" id="{4CC41F28-9D0E-A37F-FE8F-620796C53F7D}"/>
-              </a:ext>
-            </a:extLst>
-          </p:cNvPr>
-          <p:cNvPicPr>
-            <a:picLocks noChangeAspect="1"/>
-          </p:cNvPicPr>
-          <p:nvPr/>
-        </p:nvPicPr>
-        <p:blipFill>
-          <a:blip r:embed="rId2">
-            <a:extLst>
-              <a:ext uri="{28A0092B-C50C-407E-A947-70E740481C1C}">
-                <a14:useLocalDpi xmlns:a14="http://schemas.microsoft.com/office/drawing/2010/main" val="0"/>
-              </a:ext>
-            </a:extLst>
-          </a:blip>
-          <a:stretch>
-            <a:fillRect/>
-          </a:stretch>
-        </p:blipFill>
-        <p:spPr>
-          <a:xfrm>
-            <a:off x="8488858" y="952500"/>
-            <a:ext cx="952500" cy="952500"/>
-          </a:xfrm>
-          <a:prstGeom prst="rect">
-            <a:avLst/>
-          </a:prstGeom>
-        </p:spPr>
-      </p:pic>
-      <p:pic>
-        <p:nvPicPr>
           <p:cNvPr id="35" name="그림 34">
             <a:extLst>
               <a:ext uri="{FF2B5EF4-FFF2-40B4-BE49-F238E27FC236}">
@@ -33343,42 +32983,6 @@
       </p:pic>
       <p:pic>
         <p:nvPicPr>
-          <p:cNvPr id="37" name="그림 36">
-            <a:extLst>
-              <a:ext uri="{FF2B5EF4-FFF2-40B4-BE49-F238E27FC236}">
-                <a16:creationId xmlns:a16="http://schemas.microsoft.com/office/drawing/2014/main" id="{A41CBD92-D5A0-918E-5BE6-F5AFEA619EEC}"/>
-              </a:ext>
-            </a:extLst>
-          </p:cNvPr>
-          <p:cNvPicPr>
-            <a:picLocks noChangeAspect="1"/>
-          </p:cNvPicPr>
-          <p:nvPr/>
-        </p:nvPicPr>
-        <p:blipFill>
-          <a:blip r:embed="rId2">
-            <a:extLst>
-              <a:ext uri="{28A0092B-C50C-407E-A947-70E740481C1C}">
-                <a14:useLocalDpi xmlns:a14="http://schemas.microsoft.com/office/drawing/2010/main" val="0"/>
-              </a:ext>
-            </a:extLst>
-          </a:blip>
-          <a:stretch>
-            <a:fillRect/>
-          </a:stretch>
-        </p:blipFill>
-        <p:spPr>
-          <a:xfrm>
-            <a:off x="939511" y="1905000"/>
-            <a:ext cx="952500" cy="952500"/>
-          </a:xfrm>
-          <a:prstGeom prst="rect">
-            <a:avLst/>
-          </a:prstGeom>
-        </p:spPr>
-      </p:pic>
-      <p:pic>
-        <p:nvPicPr>
           <p:cNvPr id="38" name="그림 37">
             <a:extLst>
               <a:ext uri="{FF2B5EF4-FFF2-40B4-BE49-F238E27FC236}">
@@ -33523,78 +33127,6 @@
       </p:pic>
       <p:pic>
         <p:nvPicPr>
-          <p:cNvPr id="42" name="그림 41">
-            <a:extLst>
-              <a:ext uri="{FF2B5EF4-FFF2-40B4-BE49-F238E27FC236}">
-                <a16:creationId xmlns:a16="http://schemas.microsoft.com/office/drawing/2014/main" id="{71A272B7-EEE2-A0D8-FCBF-D544D9713093}"/>
-              </a:ext>
-            </a:extLst>
-          </p:cNvPr>
-          <p:cNvPicPr>
-            <a:picLocks noChangeAspect="1"/>
-          </p:cNvPicPr>
-          <p:nvPr/>
-        </p:nvPicPr>
-        <p:blipFill>
-          <a:blip r:embed="rId2">
-            <a:extLst>
-              <a:ext uri="{28A0092B-C50C-407E-A947-70E740481C1C}">
-                <a14:useLocalDpi xmlns:a14="http://schemas.microsoft.com/office/drawing/2010/main" val="0"/>
-              </a:ext>
-            </a:extLst>
-          </a:blip>
-          <a:stretch>
-            <a:fillRect/>
-          </a:stretch>
-        </p:blipFill>
-        <p:spPr>
-          <a:xfrm>
-            <a:off x="5677116" y="1905000"/>
-            <a:ext cx="952500" cy="952500"/>
-          </a:xfrm>
-          <a:prstGeom prst="rect">
-            <a:avLst/>
-          </a:prstGeom>
-        </p:spPr>
-      </p:pic>
-      <p:pic>
-        <p:nvPicPr>
-          <p:cNvPr id="43" name="그림 42">
-            <a:extLst>
-              <a:ext uri="{FF2B5EF4-FFF2-40B4-BE49-F238E27FC236}">
-                <a16:creationId xmlns:a16="http://schemas.microsoft.com/office/drawing/2014/main" id="{AF697016-2097-3F92-4DB2-15A23674189C}"/>
-              </a:ext>
-            </a:extLst>
-          </p:cNvPr>
-          <p:cNvPicPr>
-            <a:picLocks noChangeAspect="1"/>
-          </p:cNvPicPr>
-          <p:nvPr/>
-        </p:nvPicPr>
-        <p:blipFill>
-          <a:blip r:embed="rId2">
-            <a:extLst>
-              <a:ext uri="{28A0092B-C50C-407E-A947-70E740481C1C}">
-                <a14:useLocalDpi xmlns:a14="http://schemas.microsoft.com/office/drawing/2010/main" val="0"/>
-              </a:ext>
-            </a:extLst>
-          </a:blip>
-          <a:stretch>
-            <a:fillRect/>
-          </a:stretch>
-        </p:blipFill>
-        <p:spPr>
-          <a:xfrm>
-            <a:off x="6627559" y="1905000"/>
-            <a:ext cx="952500" cy="952500"/>
-          </a:xfrm>
-          <a:prstGeom prst="rect">
-            <a:avLst/>
-          </a:prstGeom>
-        </p:spPr>
-      </p:pic>
-      <p:pic>
-        <p:nvPicPr>
           <p:cNvPr id="44" name="그림 43">
             <a:extLst>
               <a:ext uri="{FF2B5EF4-FFF2-40B4-BE49-F238E27FC236}">
@@ -33775,258 +33307,6 @@
       </p:pic>
       <p:pic>
         <p:nvPicPr>
-          <p:cNvPr id="49" name="그림 48">
-            <a:extLst>
-              <a:ext uri="{FF2B5EF4-FFF2-40B4-BE49-F238E27FC236}">
-                <a16:creationId xmlns:a16="http://schemas.microsoft.com/office/drawing/2014/main" id="{C98D2232-7227-2C30-3FB1-132B37263BC4}"/>
-              </a:ext>
-            </a:extLst>
-          </p:cNvPr>
-          <p:cNvPicPr>
-            <a:picLocks noChangeAspect="1"/>
-          </p:cNvPicPr>
-          <p:nvPr/>
-        </p:nvPicPr>
-        <p:blipFill>
-          <a:blip r:embed="rId2">
-            <a:extLst>
-              <a:ext uri="{28A0092B-C50C-407E-A947-70E740481C1C}">
-                <a14:useLocalDpi xmlns:a14="http://schemas.microsoft.com/office/drawing/2010/main" val="0"/>
-              </a:ext>
-            </a:extLst>
-          </a:blip>
-          <a:stretch>
-            <a:fillRect/>
-          </a:stretch>
-        </p:blipFill>
-        <p:spPr>
-          <a:xfrm>
-            <a:off x="-2679" y="2857500"/>
-            <a:ext cx="952500" cy="952500"/>
-          </a:xfrm>
-          <a:prstGeom prst="rect">
-            <a:avLst/>
-          </a:prstGeom>
-        </p:spPr>
-      </p:pic>
-      <p:pic>
-        <p:nvPicPr>
-          <p:cNvPr id="50" name="그림 49">
-            <a:extLst>
-              <a:ext uri="{FF2B5EF4-FFF2-40B4-BE49-F238E27FC236}">
-                <a16:creationId xmlns:a16="http://schemas.microsoft.com/office/drawing/2014/main" id="{047985E4-5ADD-B9A3-3938-69B14485487D}"/>
-              </a:ext>
-            </a:extLst>
-          </p:cNvPr>
-          <p:cNvPicPr>
-            <a:picLocks noChangeAspect="1"/>
-          </p:cNvPicPr>
-          <p:nvPr/>
-        </p:nvPicPr>
-        <p:blipFill>
-          <a:blip r:embed="rId2">
-            <a:extLst>
-              <a:ext uri="{28A0092B-C50C-407E-A947-70E740481C1C}">
-                <a14:useLocalDpi xmlns:a14="http://schemas.microsoft.com/office/drawing/2010/main" val="0"/>
-              </a:ext>
-            </a:extLst>
-          </a:blip>
-          <a:stretch>
-            <a:fillRect/>
-          </a:stretch>
-        </p:blipFill>
-        <p:spPr>
-          <a:xfrm>
-            <a:off x="929986" y="2857500"/>
-            <a:ext cx="952500" cy="952500"/>
-          </a:xfrm>
-          <a:prstGeom prst="rect">
-            <a:avLst/>
-          </a:prstGeom>
-        </p:spPr>
-      </p:pic>
-      <p:pic>
-        <p:nvPicPr>
-          <p:cNvPr id="51" name="그림 50">
-            <a:extLst>
-              <a:ext uri="{FF2B5EF4-FFF2-40B4-BE49-F238E27FC236}">
-                <a16:creationId xmlns:a16="http://schemas.microsoft.com/office/drawing/2014/main" id="{BAB311AF-103D-A333-4D80-CBAFD5FA4AE8}"/>
-              </a:ext>
-            </a:extLst>
-          </p:cNvPr>
-          <p:cNvPicPr>
-            <a:picLocks noChangeAspect="1"/>
-          </p:cNvPicPr>
-          <p:nvPr/>
-        </p:nvPicPr>
-        <p:blipFill>
-          <a:blip r:embed="rId2">
-            <a:extLst>
-              <a:ext uri="{28A0092B-C50C-407E-A947-70E740481C1C}">
-                <a14:useLocalDpi xmlns:a14="http://schemas.microsoft.com/office/drawing/2010/main" val="0"/>
-              </a:ext>
-            </a:extLst>
-          </a:blip>
-          <a:stretch>
-            <a:fillRect/>
-          </a:stretch>
-        </p:blipFill>
-        <p:spPr>
-          <a:xfrm>
-            <a:off x="1877291" y="2857500"/>
-            <a:ext cx="952500" cy="952500"/>
-          </a:xfrm>
-          <a:prstGeom prst="rect">
-            <a:avLst/>
-          </a:prstGeom>
-        </p:spPr>
-      </p:pic>
-      <p:pic>
-        <p:nvPicPr>
-          <p:cNvPr id="52" name="그림 51">
-            <a:extLst>
-              <a:ext uri="{FF2B5EF4-FFF2-40B4-BE49-F238E27FC236}">
-                <a16:creationId xmlns:a16="http://schemas.microsoft.com/office/drawing/2014/main" id="{CE88BD20-2FDC-2AE8-7065-B8D91B8BCD11}"/>
-              </a:ext>
-            </a:extLst>
-          </p:cNvPr>
-          <p:cNvPicPr>
-            <a:picLocks noChangeAspect="1"/>
-          </p:cNvPicPr>
-          <p:nvPr/>
-        </p:nvPicPr>
-        <p:blipFill>
-          <a:blip r:embed="rId2">
-            <a:extLst>
-              <a:ext uri="{28A0092B-C50C-407E-A947-70E740481C1C}">
-                <a14:useLocalDpi xmlns:a14="http://schemas.microsoft.com/office/drawing/2010/main" val="0"/>
-              </a:ext>
-            </a:extLst>
-          </a:blip>
-          <a:stretch>
-            <a:fillRect/>
-          </a:stretch>
-        </p:blipFill>
-        <p:spPr>
-          <a:xfrm>
-            <a:off x="2822430" y="2857500"/>
-            <a:ext cx="952500" cy="952500"/>
-          </a:xfrm>
-          <a:prstGeom prst="rect">
-            <a:avLst/>
-          </a:prstGeom>
-        </p:spPr>
-      </p:pic>
-      <p:pic>
-        <p:nvPicPr>
-          <p:cNvPr id="53" name="그림 52">
-            <a:extLst>
-              <a:ext uri="{FF2B5EF4-FFF2-40B4-BE49-F238E27FC236}">
-                <a16:creationId xmlns:a16="http://schemas.microsoft.com/office/drawing/2014/main" id="{B023B1BB-3F5E-8661-694C-6A46856641B8}"/>
-              </a:ext>
-            </a:extLst>
-          </p:cNvPr>
-          <p:cNvPicPr>
-            <a:picLocks noChangeAspect="1"/>
-          </p:cNvPicPr>
-          <p:nvPr/>
-        </p:nvPicPr>
-        <p:blipFill>
-          <a:blip r:embed="rId2">
-            <a:extLst>
-              <a:ext uri="{28A0092B-C50C-407E-A947-70E740481C1C}">
-                <a14:useLocalDpi xmlns:a14="http://schemas.microsoft.com/office/drawing/2010/main" val="0"/>
-              </a:ext>
-            </a:extLst>
-          </a:blip>
-          <a:stretch>
-            <a:fillRect/>
-          </a:stretch>
-        </p:blipFill>
-        <p:spPr>
-          <a:xfrm>
-            <a:off x="3768814" y="2857500"/>
-            <a:ext cx="952500" cy="952500"/>
-          </a:xfrm>
-          <a:prstGeom prst="rect">
-            <a:avLst/>
-          </a:prstGeom>
-        </p:spPr>
-      </p:pic>
-      <p:pic>
-        <p:nvPicPr>
-          <p:cNvPr id="54" name="그림 53">
-            <a:extLst>
-              <a:ext uri="{FF2B5EF4-FFF2-40B4-BE49-F238E27FC236}">
-                <a16:creationId xmlns:a16="http://schemas.microsoft.com/office/drawing/2014/main" id="{09A8DB68-E666-A3ED-1333-C809DBD6D852}"/>
-              </a:ext>
-            </a:extLst>
-          </p:cNvPr>
-          <p:cNvPicPr>
-            <a:picLocks noChangeAspect="1"/>
-          </p:cNvPicPr>
-          <p:nvPr/>
-        </p:nvPicPr>
-        <p:blipFill>
-          <a:blip r:embed="rId2">
-            <a:extLst>
-              <a:ext uri="{28A0092B-C50C-407E-A947-70E740481C1C}">
-                <a14:useLocalDpi xmlns:a14="http://schemas.microsoft.com/office/drawing/2010/main" val="0"/>
-              </a:ext>
-            </a:extLst>
-          </a:blip>
-          <a:stretch>
-            <a:fillRect/>
-          </a:stretch>
-        </p:blipFill>
-        <p:spPr>
-          <a:xfrm>
-            <a:off x="4715524" y="2857500"/>
-            <a:ext cx="952500" cy="952500"/>
-          </a:xfrm>
-          <a:prstGeom prst="rect">
-            <a:avLst/>
-          </a:prstGeom>
-        </p:spPr>
-      </p:pic>
-      <p:pic>
-        <p:nvPicPr>
-          <p:cNvPr id="55" name="그림 54">
-            <a:extLst>
-              <a:ext uri="{FF2B5EF4-FFF2-40B4-BE49-F238E27FC236}">
-                <a16:creationId xmlns:a16="http://schemas.microsoft.com/office/drawing/2014/main" id="{2E9EECAD-D127-FD50-5BE0-39B18354FE92}"/>
-              </a:ext>
-            </a:extLst>
-          </p:cNvPr>
-          <p:cNvPicPr>
-            <a:picLocks noChangeAspect="1"/>
-          </p:cNvPicPr>
-          <p:nvPr/>
-        </p:nvPicPr>
-        <p:blipFill>
-          <a:blip r:embed="rId2">
-            <a:extLst>
-              <a:ext uri="{28A0092B-C50C-407E-A947-70E740481C1C}">
-                <a14:useLocalDpi xmlns:a14="http://schemas.microsoft.com/office/drawing/2010/main" val="0"/>
-              </a:ext>
-            </a:extLst>
-          </a:blip>
-          <a:stretch>
-            <a:fillRect/>
-          </a:stretch>
-        </p:blipFill>
-        <p:spPr>
-          <a:xfrm>
-            <a:off x="5658716" y="2857500"/>
-            <a:ext cx="952500" cy="952500"/>
-          </a:xfrm>
-          <a:prstGeom prst="rect">
-            <a:avLst/>
-          </a:prstGeom>
-        </p:spPr>
-      </p:pic>
-      <p:pic>
-        <p:nvPicPr>
           <p:cNvPr id="56" name="그림 55">
             <a:extLst>
               <a:ext uri="{FF2B5EF4-FFF2-40B4-BE49-F238E27FC236}">
@@ -34099,150 +33379,6 @@
       </p:pic>
       <p:pic>
         <p:nvPicPr>
-          <p:cNvPr id="58" name="그림 57">
-            <a:extLst>
-              <a:ext uri="{FF2B5EF4-FFF2-40B4-BE49-F238E27FC236}">
-                <a16:creationId xmlns:a16="http://schemas.microsoft.com/office/drawing/2014/main" id="{9F060A65-BD52-6D8F-E44B-879252115343}"/>
-              </a:ext>
-            </a:extLst>
-          </p:cNvPr>
-          <p:cNvPicPr>
-            <a:picLocks noChangeAspect="1"/>
-          </p:cNvPicPr>
-          <p:nvPr/>
-        </p:nvPicPr>
-        <p:blipFill>
-          <a:blip r:embed="rId2">
-            <a:extLst>
-              <a:ext uri="{28A0092B-C50C-407E-A947-70E740481C1C}">
-                <a14:useLocalDpi xmlns:a14="http://schemas.microsoft.com/office/drawing/2010/main" val="0"/>
-              </a:ext>
-            </a:extLst>
-          </a:blip>
-          <a:stretch>
-            <a:fillRect/>
-          </a:stretch>
-        </p:blipFill>
-        <p:spPr>
-          <a:xfrm>
-            <a:off x="8505364" y="2857500"/>
-            <a:ext cx="952500" cy="952500"/>
-          </a:xfrm>
-          <a:prstGeom prst="rect">
-            <a:avLst/>
-          </a:prstGeom>
-        </p:spPr>
-      </p:pic>
-      <p:pic>
-        <p:nvPicPr>
-          <p:cNvPr id="59" name="그림 58">
-            <a:extLst>
-              <a:ext uri="{FF2B5EF4-FFF2-40B4-BE49-F238E27FC236}">
-                <a16:creationId xmlns:a16="http://schemas.microsoft.com/office/drawing/2014/main" id="{61CBDAEF-1EBC-B57C-647E-63C0F8F36DB8}"/>
-              </a:ext>
-            </a:extLst>
-          </p:cNvPr>
-          <p:cNvPicPr>
-            <a:picLocks noChangeAspect="1"/>
-          </p:cNvPicPr>
-          <p:nvPr/>
-        </p:nvPicPr>
-        <p:blipFill>
-          <a:blip r:embed="rId2">
-            <a:extLst>
-              <a:ext uri="{28A0092B-C50C-407E-A947-70E740481C1C}">
-                <a14:useLocalDpi xmlns:a14="http://schemas.microsoft.com/office/drawing/2010/main" val="0"/>
-              </a:ext>
-            </a:extLst>
-          </a:blip>
-          <a:stretch>
-            <a:fillRect/>
-          </a:stretch>
-        </p:blipFill>
-        <p:spPr>
-          <a:xfrm>
-            <a:off x="9450531" y="2857500"/>
-            <a:ext cx="952500" cy="952500"/>
-          </a:xfrm>
-          <a:prstGeom prst="rect">
-            <a:avLst/>
-          </a:prstGeom>
-        </p:spPr>
-      </p:pic>
-      <p:pic>
-        <p:nvPicPr>
-          <p:cNvPr id="60" name="그림 59">
-            <a:extLst>
-              <a:ext uri="{FF2B5EF4-FFF2-40B4-BE49-F238E27FC236}">
-                <a16:creationId xmlns:a16="http://schemas.microsoft.com/office/drawing/2014/main" id="{FCB9477D-709A-7342-F1A4-43694A9083F3}"/>
-              </a:ext>
-            </a:extLst>
-          </p:cNvPr>
-          <p:cNvPicPr>
-            <a:picLocks noChangeAspect="1"/>
-          </p:cNvPicPr>
-          <p:nvPr/>
-        </p:nvPicPr>
-        <p:blipFill>
-          <a:blip r:embed="rId2">
-            <a:extLst>
-              <a:ext uri="{28A0092B-C50C-407E-A947-70E740481C1C}">
-                <a14:useLocalDpi xmlns:a14="http://schemas.microsoft.com/office/drawing/2010/main" val="0"/>
-              </a:ext>
-            </a:extLst>
-          </a:blip>
-          <a:stretch>
-            <a:fillRect/>
-          </a:stretch>
-        </p:blipFill>
-        <p:spPr>
-          <a:xfrm>
-            <a:off x="10397836" y="2857500"/>
-            <a:ext cx="952500" cy="952500"/>
-          </a:xfrm>
-          <a:prstGeom prst="rect">
-            <a:avLst/>
-          </a:prstGeom>
-        </p:spPr>
-      </p:pic>
-      <p:pic>
-        <p:nvPicPr>
-          <p:cNvPr id="61" name="그림 60">
-            <a:extLst>
-              <a:ext uri="{FF2B5EF4-FFF2-40B4-BE49-F238E27FC236}">
-                <a16:creationId xmlns:a16="http://schemas.microsoft.com/office/drawing/2014/main" id="{3A2184D9-A405-EFE3-A844-B5D5CD619531}"/>
-              </a:ext>
-            </a:extLst>
-          </p:cNvPr>
-          <p:cNvPicPr>
-            <a:picLocks noChangeAspect="1"/>
-          </p:cNvPicPr>
-          <p:nvPr/>
-        </p:nvPicPr>
-        <p:blipFill>
-          <a:blip r:embed="rId2">
-            <a:extLst>
-              <a:ext uri="{28A0092B-C50C-407E-A947-70E740481C1C}">
-                <a14:useLocalDpi xmlns:a14="http://schemas.microsoft.com/office/drawing/2010/main" val="0"/>
-              </a:ext>
-            </a:extLst>
-          </a:blip>
-          <a:stretch>
-            <a:fillRect/>
-          </a:stretch>
-        </p:blipFill>
-        <p:spPr>
-          <a:xfrm>
-            <a:off x="11300827" y="2857500"/>
-            <a:ext cx="952500" cy="952500"/>
-          </a:xfrm>
-          <a:prstGeom prst="rect">
-            <a:avLst/>
-          </a:prstGeom>
-        </p:spPr>
-      </p:pic>
-      <p:pic>
-        <p:nvPicPr>
           <p:cNvPr id="62" name="그림 61">
             <a:extLst>
               <a:ext uri="{FF2B5EF4-FFF2-40B4-BE49-F238E27FC236}">
@@ -34351,42 +33487,6 @@
       </p:pic>
       <p:pic>
         <p:nvPicPr>
-          <p:cNvPr id="65" name="그림 64">
-            <a:extLst>
-              <a:ext uri="{FF2B5EF4-FFF2-40B4-BE49-F238E27FC236}">
-                <a16:creationId xmlns:a16="http://schemas.microsoft.com/office/drawing/2014/main" id="{E54AD96A-05C7-66DC-79B2-59AF81441F0D}"/>
-              </a:ext>
-            </a:extLst>
-          </p:cNvPr>
-          <p:cNvPicPr>
-            <a:picLocks noChangeAspect="1"/>
-          </p:cNvPicPr>
-          <p:nvPr/>
-        </p:nvPicPr>
-        <p:blipFill>
-          <a:blip r:embed="rId2">
-            <a:extLst>
-              <a:ext uri="{28A0092B-C50C-407E-A947-70E740481C1C}">
-                <a14:useLocalDpi xmlns:a14="http://schemas.microsoft.com/office/drawing/2010/main" val="0"/>
-              </a:ext>
-            </a:extLst>
-          </a:blip>
-          <a:stretch>
-            <a:fillRect/>
-          </a:stretch>
-        </p:blipFill>
-        <p:spPr>
-          <a:xfrm>
-            <a:off x="2822228" y="3810000"/>
-            <a:ext cx="952500" cy="952500"/>
-          </a:xfrm>
-          <a:prstGeom prst="rect">
-            <a:avLst/>
-          </a:prstGeom>
-        </p:spPr>
-      </p:pic>
-      <p:pic>
-        <p:nvPicPr>
           <p:cNvPr id="66" name="그림 65">
             <a:extLst>
               <a:ext uri="{FF2B5EF4-FFF2-40B4-BE49-F238E27FC236}">
@@ -34423,42 +33523,6 @@
       </p:pic>
       <p:pic>
         <p:nvPicPr>
-          <p:cNvPr id="67" name="그림 66">
-            <a:extLst>
-              <a:ext uri="{FF2B5EF4-FFF2-40B4-BE49-F238E27FC236}">
-                <a16:creationId xmlns:a16="http://schemas.microsoft.com/office/drawing/2014/main" id="{C97E552F-1133-396F-0EBD-99E047330EFF}"/>
-              </a:ext>
-            </a:extLst>
-          </p:cNvPr>
-          <p:cNvPicPr>
-            <a:picLocks noChangeAspect="1"/>
-          </p:cNvPicPr>
-          <p:nvPr/>
-        </p:nvPicPr>
-        <p:blipFill>
-          <a:blip r:embed="rId2">
-            <a:extLst>
-              <a:ext uri="{28A0092B-C50C-407E-A947-70E740481C1C}">
-                <a14:useLocalDpi xmlns:a14="http://schemas.microsoft.com/office/drawing/2010/main" val="0"/>
-              </a:ext>
-            </a:extLst>
-          </a:blip>
-          <a:stretch>
-            <a:fillRect/>
-          </a:stretch>
-        </p:blipFill>
-        <p:spPr>
-          <a:xfrm>
-            <a:off x="4713981" y="3810000"/>
-            <a:ext cx="952500" cy="952500"/>
-          </a:xfrm>
-          <a:prstGeom prst="rect">
-            <a:avLst/>
-          </a:prstGeom>
-        </p:spPr>
-      </p:pic>
-      <p:pic>
-        <p:nvPicPr>
           <p:cNvPr id="68" name="그림 67">
             <a:extLst>
               <a:ext uri="{FF2B5EF4-FFF2-40B4-BE49-F238E27FC236}">
@@ -34495,42 +33559,6 @@
       </p:pic>
       <p:pic>
         <p:nvPicPr>
-          <p:cNvPr id="69" name="그림 68">
-            <a:extLst>
-              <a:ext uri="{FF2B5EF4-FFF2-40B4-BE49-F238E27FC236}">
-                <a16:creationId xmlns:a16="http://schemas.microsoft.com/office/drawing/2014/main" id="{3D15C54A-CBA0-FD3D-2809-761CF49FCA7C}"/>
-              </a:ext>
-            </a:extLst>
-          </p:cNvPr>
-          <p:cNvPicPr>
-            <a:picLocks noChangeAspect="1"/>
-          </p:cNvPicPr>
-          <p:nvPr/>
-        </p:nvPicPr>
-        <p:blipFill>
-          <a:blip r:embed="rId2">
-            <a:extLst>
-              <a:ext uri="{28A0092B-C50C-407E-A947-70E740481C1C}">
-                <a14:useLocalDpi xmlns:a14="http://schemas.microsoft.com/office/drawing/2010/main" val="0"/>
-              </a:ext>
-            </a:extLst>
-          </a:blip>
-          <a:stretch>
-            <a:fillRect/>
-          </a:stretch>
-        </p:blipFill>
-        <p:spPr>
-          <a:xfrm>
-            <a:off x="6605195" y="3810000"/>
-            <a:ext cx="952500" cy="952500"/>
-          </a:xfrm>
-          <a:prstGeom prst="rect">
-            <a:avLst/>
-          </a:prstGeom>
-        </p:spPr>
-      </p:pic>
-      <p:pic>
-        <p:nvPicPr>
           <p:cNvPr id="70" name="그림 69">
             <a:extLst>
               <a:ext uri="{FF2B5EF4-FFF2-40B4-BE49-F238E27FC236}">
@@ -34567,42 +33595,6 @@
       </p:pic>
       <p:pic>
         <p:nvPicPr>
-          <p:cNvPr id="71" name="그림 70">
-            <a:extLst>
-              <a:ext uri="{FF2B5EF4-FFF2-40B4-BE49-F238E27FC236}">
-                <a16:creationId xmlns:a16="http://schemas.microsoft.com/office/drawing/2014/main" id="{5496A83C-6DB6-BCB8-7A2D-6A7DB734EBA3}"/>
-              </a:ext>
-            </a:extLst>
-          </p:cNvPr>
-          <p:cNvPicPr>
-            <a:picLocks noChangeAspect="1"/>
-          </p:cNvPicPr>
-          <p:nvPr/>
-        </p:nvPicPr>
-        <p:blipFill>
-          <a:blip r:embed="rId2">
-            <a:extLst>
-              <a:ext uri="{28A0092B-C50C-407E-A947-70E740481C1C}">
-                <a14:useLocalDpi xmlns:a14="http://schemas.microsoft.com/office/drawing/2010/main" val="0"/>
-              </a:ext>
-            </a:extLst>
-          </a:blip>
-          <a:stretch>
-            <a:fillRect/>
-          </a:stretch>
-        </p:blipFill>
-        <p:spPr>
-          <a:xfrm>
-            <a:off x="8479570" y="3810000"/>
-            <a:ext cx="952500" cy="952500"/>
-          </a:xfrm>
-          <a:prstGeom prst="rect">
-            <a:avLst/>
-          </a:prstGeom>
-        </p:spPr>
-      </p:pic>
-      <p:pic>
-        <p:nvPicPr>
           <p:cNvPr id="72" name="그림 71">
             <a:extLst>
               <a:ext uri="{FF2B5EF4-FFF2-40B4-BE49-F238E27FC236}">
@@ -34711,78 +33703,6 @@
       </p:pic>
       <p:pic>
         <p:nvPicPr>
-          <p:cNvPr id="75" name="그림 74">
-            <a:extLst>
-              <a:ext uri="{FF2B5EF4-FFF2-40B4-BE49-F238E27FC236}">
-                <a16:creationId xmlns:a16="http://schemas.microsoft.com/office/drawing/2014/main" id="{2924C19F-10BF-C340-B71E-E83348A49E88}"/>
-              </a:ext>
-            </a:extLst>
-          </p:cNvPr>
-          <p:cNvPicPr>
-            <a:picLocks noChangeAspect="1"/>
-          </p:cNvPicPr>
-          <p:nvPr/>
-        </p:nvPicPr>
-        <p:blipFill>
-          <a:blip r:embed="rId2">
-            <a:extLst>
-              <a:ext uri="{28A0092B-C50C-407E-A947-70E740481C1C}">
-                <a14:useLocalDpi xmlns:a14="http://schemas.microsoft.com/office/drawing/2010/main" val="0"/>
-              </a:ext>
-            </a:extLst>
-          </a:blip>
-          <a:stretch>
-            <a:fillRect/>
-          </a:stretch>
-        </p:blipFill>
-        <p:spPr>
-          <a:xfrm>
-            <a:off x="-12596" y="4762500"/>
-            <a:ext cx="952500" cy="952500"/>
-          </a:xfrm>
-          <a:prstGeom prst="rect">
-            <a:avLst/>
-          </a:prstGeom>
-        </p:spPr>
-      </p:pic>
-      <p:pic>
-        <p:nvPicPr>
-          <p:cNvPr id="76" name="그림 75">
-            <a:extLst>
-              <a:ext uri="{FF2B5EF4-FFF2-40B4-BE49-F238E27FC236}">
-                <a16:creationId xmlns:a16="http://schemas.microsoft.com/office/drawing/2014/main" id="{D358BAB7-9BCC-2E56-A68E-C5061817FCE6}"/>
-              </a:ext>
-            </a:extLst>
-          </p:cNvPr>
-          <p:cNvPicPr>
-            <a:picLocks noChangeAspect="1"/>
-          </p:cNvPicPr>
-          <p:nvPr/>
-        </p:nvPicPr>
-        <p:blipFill>
-          <a:blip r:embed="rId2">
-            <a:extLst>
-              <a:ext uri="{28A0092B-C50C-407E-A947-70E740481C1C}">
-                <a14:useLocalDpi xmlns:a14="http://schemas.microsoft.com/office/drawing/2010/main" val="0"/>
-              </a:ext>
-            </a:extLst>
-          </a:blip>
-          <a:stretch>
-            <a:fillRect/>
-          </a:stretch>
-        </p:blipFill>
-        <p:spPr>
-          <a:xfrm>
-            <a:off x="933589" y="4762500"/>
-            <a:ext cx="952500" cy="952500"/>
-          </a:xfrm>
-          <a:prstGeom prst="rect">
-            <a:avLst/>
-          </a:prstGeom>
-        </p:spPr>
-      </p:pic>
-      <p:pic>
-        <p:nvPicPr>
           <p:cNvPr id="77" name="그림 76">
             <a:extLst>
               <a:ext uri="{FF2B5EF4-FFF2-40B4-BE49-F238E27FC236}">
@@ -34819,42 +33739,6 @@
       </p:pic>
       <p:pic>
         <p:nvPicPr>
-          <p:cNvPr id="78" name="그림 77">
-            <a:extLst>
-              <a:ext uri="{FF2B5EF4-FFF2-40B4-BE49-F238E27FC236}">
-                <a16:creationId xmlns:a16="http://schemas.microsoft.com/office/drawing/2014/main" id="{43D5B0FA-0E6E-94A6-472D-965DCD58D795}"/>
-              </a:ext>
-            </a:extLst>
-          </p:cNvPr>
-          <p:cNvPicPr>
-            <a:picLocks noChangeAspect="1"/>
-          </p:cNvPicPr>
-          <p:nvPr/>
-        </p:nvPicPr>
-        <p:blipFill>
-          <a:blip r:embed="rId2">
-            <a:extLst>
-              <a:ext uri="{28A0092B-C50C-407E-A947-70E740481C1C}">
-                <a14:useLocalDpi xmlns:a14="http://schemas.microsoft.com/office/drawing/2010/main" val="0"/>
-              </a:ext>
-            </a:extLst>
-          </a:blip>
-          <a:stretch>
-            <a:fillRect/>
-          </a:stretch>
-        </p:blipFill>
-        <p:spPr>
-          <a:xfrm>
-            <a:off x="2802082" y="4762500"/>
-            <a:ext cx="952500" cy="952500"/>
-          </a:xfrm>
-          <a:prstGeom prst="rect">
-            <a:avLst/>
-          </a:prstGeom>
-        </p:spPr>
-      </p:pic>
-      <p:pic>
-        <p:nvPicPr>
           <p:cNvPr id="79" name="그림 78">
             <a:extLst>
               <a:ext uri="{FF2B5EF4-FFF2-40B4-BE49-F238E27FC236}">
@@ -35071,78 +33955,6 @@
       </p:pic>
       <p:pic>
         <p:nvPicPr>
-          <p:cNvPr id="85" name="그림 84">
-            <a:extLst>
-              <a:ext uri="{FF2B5EF4-FFF2-40B4-BE49-F238E27FC236}">
-                <a16:creationId xmlns:a16="http://schemas.microsoft.com/office/drawing/2014/main" id="{9CBC8ADB-7759-96EC-7F3A-99D3F69EB87C}"/>
-              </a:ext>
-            </a:extLst>
-          </p:cNvPr>
-          <p:cNvPicPr>
-            <a:picLocks noChangeAspect="1"/>
-          </p:cNvPicPr>
-          <p:nvPr/>
-        </p:nvPicPr>
-        <p:blipFill>
-          <a:blip r:embed="rId2">
-            <a:extLst>
-              <a:ext uri="{28A0092B-C50C-407E-A947-70E740481C1C}">
-                <a14:useLocalDpi xmlns:a14="http://schemas.microsoft.com/office/drawing/2010/main" val="0"/>
-              </a:ext>
-            </a:extLst>
-          </a:blip>
-          <a:stretch>
-            <a:fillRect/>
-          </a:stretch>
-        </p:blipFill>
-        <p:spPr>
-          <a:xfrm>
-            <a:off x="9410690" y="4762500"/>
-            <a:ext cx="952500" cy="952500"/>
-          </a:xfrm>
-          <a:prstGeom prst="rect">
-            <a:avLst/>
-          </a:prstGeom>
-        </p:spPr>
-      </p:pic>
-      <p:pic>
-        <p:nvPicPr>
-          <p:cNvPr id="86" name="그림 85">
-            <a:extLst>
-              <a:ext uri="{FF2B5EF4-FFF2-40B4-BE49-F238E27FC236}">
-                <a16:creationId xmlns:a16="http://schemas.microsoft.com/office/drawing/2014/main" id="{B16A712E-4021-11BC-053B-FB70227EC2D3}"/>
-              </a:ext>
-            </a:extLst>
-          </p:cNvPr>
-          <p:cNvPicPr>
-            <a:picLocks noChangeAspect="1"/>
-          </p:cNvPicPr>
-          <p:nvPr/>
-        </p:nvPicPr>
-        <p:blipFill>
-          <a:blip r:embed="rId2">
-            <a:extLst>
-              <a:ext uri="{28A0092B-C50C-407E-A947-70E740481C1C}">
-                <a14:useLocalDpi xmlns:a14="http://schemas.microsoft.com/office/drawing/2010/main" val="0"/>
-              </a:ext>
-            </a:extLst>
-          </a:blip>
-          <a:stretch>
-            <a:fillRect/>
-          </a:stretch>
-        </p:blipFill>
-        <p:spPr>
-          <a:xfrm>
-            <a:off x="10355856" y="4762500"/>
-            <a:ext cx="952500" cy="952500"/>
-          </a:xfrm>
-          <a:prstGeom prst="rect">
-            <a:avLst/>
-          </a:prstGeom>
-        </p:spPr>
-      </p:pic>
-      <p:pic>
-        <p:nvPicPr>
           <p:cNvPr id="87" name="그림 86">
             <a:extLst>
               <a:ext uri="{FF2B5EF4-FFF2-40B4-BE49-F238E27FC236}">
@@ -35323,186 +34135,6 @@
       </p:pic>
       <p:pic>
         <p:nvPicPr>
-          <p:cNvPr id="92" name="그림 91">
-            <a:extLst>
-              <a:ext uri="{FF2B5EF4-FFF2-40B4-BE49-F238E27FC236}">
-                <a16:creationId xmlns:a16="http://schemas.microsoft.com/office/drawing/2014/main" id="{AE3C197C-B8FB-77DC-65A2-35133A8BBE8C}"/>
-              </a:ext>
-            </a:extLst>
-          </p:cNvPr>
-          <p:cNvPicPr>
-            <a:picLocks noChangeAspect="1"/>
-          </p:cNvPicPr>
-          <p:nvPr/>
-        </p:nvPicPr>
-        <p:blipFill>
-          <a:blip r:embed="rId2">
-            <a:extLst>
-              <a:ext uri="{28A0092B-C50C-407E-A947-70E740481C1C}">
-                <a14:useLocalDpi xmlns:a14="http://schemas.microsoft.com/office/drawing/2010/main" val="0"/>
-              </a:ext>
-            </a:extLst>
-          </a:blip>
-          <a:stretch>
-            <a:fillRect/>
-          </a:stretch>
-        </p:blipFill>
-        <p:spPr>
-          <a:xfrm>
-            <a:off x="3758045" y="5715000"/>
-            <a:ext cx="952500" cy="952500"/>
-          </a:xfrm>
-          <a:prstGeom prst="rect">
-            <a:avLst/>
-          </a:prstGeom>
-        </p:spPr>
-      </p:pic>
-      <p:pic>
-        <p:nvPicPr>
-          <p:cNvPr id="93" name="그림 92">
-            <a:extLst>
-              <a:ext uri="{FF2B5EF4-FFF2-40B4-BE49-F238E27FC236}">
-                <a16:creationId xmlns:a16="http://schemas.microsoft.com/office/drawing/2014/main" id="{BC6F750B-C906-0CC5-D945-F2088D478A97}"/>
-              </a:ext>
-            </a:extLst>
-          </p:cNvPr>
-          <p:cNvPicPr>
-            <a:picLocks noChangeAspect="1"/>
-          </p:cNvPicPr>
-          <p:nvPr/>
-        </p:nvPicPr>
-        <p:blipFill>
-          <a:blip r:embed="rId2">
-            <a:extLst>
-              <a:ext uri="{28A0092B-C50C-407E-A947-70E740481C1C}">
-                <a14:useLocalDpi xmlns:a14="http://schemas.microsoft.com/office/drawing/2010/main" val="0"/>
-              </a:ext>
-            </a:extLst>
-          </a:blip>
-          <a:stretch>
-            <a:fillRect/>
-          </a:stretch>
-        </p:blipFill>
-        <p:spPr>
-          <a:xfrm>
-            <a:off x="4704638" y="5715000"/>
-            <a:ext cx="952500" cy="952500"/>
-          </a:xfrm>
-          <a:prstGeom prst="rect">
-            <a:avLst/>
-          </a:prstGeom>
-        </p:spPr>
-      </p:pic>
-      <p:pic>
-        <p:nvPicPr>
-          <p:cNvPr id="94" name="그림 93">
-            <a:extLst>
-              <a:ext uri="{FF2B5EF4-FFF2-40B4-BE49-F238E27FC236}">
-                <a16:creationId xmlns:a16="http://schemas.microsoft.com/office/drawing/2014/main" id="{B95C4C3F-9498-A3D7-5E92-4988A3ADB528}"/>
-              </a:ext>
-            </a:extLst>
-          </p:cNvPr>
-          <p:cNvPicPr>
-            <a:picLocks noChangeAspect="1"/>
-          </p:cNvPicPr>
-          <p:nvPr/>
-        </p:nvPicPr>
-        <p:blipFill>
-          <a:blip r:embed="rId2">
-            <a:extLst>
-              <a:ext uri="{28A0092B-C50C-407E-A947-70E740481C1C}">
-                <a14:useLocalDpi xmlns:a14="http://schemas.microsoft.com/office/drawing/2010/main" val="0"/>
-              </a:ext>
-            </a:extLst>
-          </a:blip>
-          <a:stretch>
-            <a:fillRect/>
-          </a:stretch>
-        </p:blipFill>
-        <p:spPr>
-          <a:xfrm>
-            <a:off x="5657849" y="5715000"/>
-            <a:ext cx="952500" cy="952500"/>
-          </a:xfrm>
-          <a:prstGeom prst="rect">
-            <a:avLst/>
-          </a:prstGeom>
-        </p:spPr>
-      </p:pic>
-      <p:pic>
-        <p:nvPicPr>
-          <p:cNvPr id="95" name="그림 94">
-            <a:extLst>
-              <a:ext uri="{FF2B5EF4-FFF2-40B4-BE49-F238E27FC236}">
-                <a16:creationId xmlns:a16="http://schemas.microsoft.com/office/drawing/2014/main" id="{F49EBD02-CE6F-57C3-09D9-74FC88A319C2}"/>
-              </a:ext>
-            </a:extLst>
-          </p:cNvPr>
-          <p:cNvPicPr>
-            <a:picLocks noChangeAspect="1"/>
-          </p:cNvPicPr>
-          <p:nvPr/>
-        </p:nvPicPr>
-        <p:blipFill>
-          <a:blip r:embed="rId2">
-            <a:extLst>
-              <a:ext uri="{28A0092B-C50C-407E-A947-70E740481C1C}">
-                <a14:useLocalDpi xmlns:a14="http://schemas.microsoft.com/office/drawing/2010/main" val="0"/>
-              </a:ext>
-            </a:extLst>
-          </a:blip>
-          <a:stretch>
-            <a:fillRect/>
-          </a:stretch>
-        </p:blipFill>
-        <p:spPr>
-          <a:xfrm>
-            <a:off x="6605195" y="5715000"/>
-            <a:ext cx="952500" cy="952500"/>
-          </a:xfrm>
-          <a:prstGeom prst="rect">
-            <a:avLst/>
-          </a:prstGeom>
-        </p:spPr>
-      </p:pic>
-      <p:pic>
-        <p:nvPicPr>
-          <p:cNvPr id="96" name="그림 95">
-            <a:extLst>
-              <a:ext uri="{FF2B5EF4-FFF2-40B4-BE49-F238E27FC236}">
-                <a16:creationId xmlns:a16="http://schemas.microsoft.com/office/drawing/2014/main" id="{284B47A3-BEFE-65C2-827A-96C0F47E0FB2}"/>
-              </a:ext>
-            </a:extLst>
-          </p:cNvPr>
-          <p:cNvPicPr>
-            <a:picLocks noChangeAspect="1"/>
-          </p:cNvPicPr>
-          <p:nvPr/>
-        </p:nvPicPr>
-        <p:blipFill>
-          <a:blip r:embed="rId2">
-            <a:extLst>
-              <a:ext uri="{28A0092B-C50C-407E-A947-70E740481C1C}">
-                <a14:useLocalDpi xmlns:a14="http://schemas.microsoft.com/office/drawing/2010/main" val="0"/>
-              </a:ext>
-            </a:extLst>
-          </a:blip>
-          <a:stretch>
-            <a:fillRect/>
-          </a:stretch>
-        </p:blipFill>
-        <p:spPr>
-          <a:xfrm>
-            <a:off x="7550632" y="5715000"/>
-            <a:ext cx="952500" cy="952500"/>
-          </a:xfrm>
-          <a:prstGeom prst="rect">
-            <a:avLst/>
-          </a:prstGeom>
-        </p:spPr>
-      </p:pic>
-      <p:pic>
-        <p:nvPicPr>
           <p:cNvPr id="97" name="그림 96">
             <a:extLst>
               <a:ext uri="{FF2B5EF4-FFF2-40B4-BE49-F238E27FC236}">
@@ -35639,6 +34271,942 @@
           <a:xfrm>
             <a:off x="11292518" y="5715000"/>
             <a:ext cx="952500" cy="952500"/>
+          </a:xfrm>
+          <a:prstGeom prst="rect">
+            <a:avLst/>
+          </a:prstGeom>
+        </p:spPr>
+      </p:pic>
+      <p:pic>
+        <p:nvPicPr>
+          <p:cNvPr id="11" name="그림 10" descr="은, 레버, 키보드이(가) 표시된 사진&#10;&#10;자동 생성된 설명">
+            <a:extLst>
+              <a:ext uri="{FF2B5EF4-FFF2-40B4-BE49-F238E27FC236}">
+                <a16:creationId xmlns:a16="http://schemas.microsoft.com/office/drawing/2014/main" id="{4CCA0EBC-EFA8-CFD1-0938-116520F81797}"/>
+              </a:ext>
+            </a:extLst>
+          </p:cNvPr>
+          <p:cNvPicPr>
+            <a:picLocks noChangeAspect="1"/>
+          </p:cNvPicPr>
+          <p:nvPr/>
+        </p:nvPicPr>
+        <p:blipFill>
+          <a:blip r:embed="rId3">
+            <a:extLst>
+              <a:ext uri="{28A0092B-C50C-407E-A947-70E740481C1C}">
+                <a14:useLocalDpi xmlns:a14="http://schemas.microsoft.com/office/drawing/2010/main" val="0"/>
+              </a:ext>
+            </a:extLst>
+          </a:blip>
+          <a:stretch>
+            <a:fillRect/>
+          </a:stretch>
+        </p:blipFill>
+        <p:spPr>
+          <a:xfrm>
+            <a:off x="6611198" y="952500"/>
+            <a:ext cx="3810000" cy="952500"/>
+          </a:xfrm>
+          <a:prstGeom prst="rect">
+            <a:avLst/>
+          </a:prstGeom>
+        </p:spPr>
+      </p:pic>
+      <p:pic>
+        <p:nvPicPr>
+          <p:cNvPr id="13" name="그림 12" descr="은, 레버, 키보드이(가) 표시된 사진&#10;&#10;자동 생성된 설명">
+            <a:extLst>
+              <a:ext uri="{FF2B5EF4-FFF2-40B4-BE49-F238E27FC236}">
+                <a16:creationId xmlns:a16="http://schemas.microsoft.com/office/drawing/2014/main" id="{B92CF8CC-DA92-3FE0-D7A6-4E4889FBCF3A}"/>
+              </a:ext>
+            </a:extLst>
+          </p:cNvPr>
+          <p:cNvPicPr>
+            <a:picLocks noChangeAspect="1"/>
+          </p:cNvPicPr>
+          <p:nvPr/>
+        </p:nvPicPr>
+        <p:blipFill>
+          <a:blip r:embed="rId3">
+            <a:extLst>
+              <a:ext uri="{28A0092B-C50C-407E-A947-70E740481C1C}">
+                <a14:useLocalDpi xmlns:a14="http://schemas.microsoft.com/office/drawing/2010/main" val="0"/>
+              </a:ext>
+            </a:extLst>
+          </a:blip>
+          <a:stretch>
+            <a:fillRect/>
+          </a:stretch>
+        </p:blipFill>
+        <p:spPr>
+          <a:xfrm>
+            <a:off x="939044" y="2857500"/>
+            <a:ext cx="3810000" cy="952500"/>
+          </a:xfrm>
+          <a:prstGeom prst="rect">
+            <a:avLst/>
+          </a:prstGeom>
+        </p:spPr>
+      </p:pic>
+      <p:pic>
+        <p:nvPicPr>
+          <p:cNvPr id="15" name="그림 14" descr="은, 레버, 키보드이(가) 표시된 사진&#10;&#10;자동 생성된 설명">
+            <a:extLst>
+              <a:ext uri="{FF2B5EF4-FFF2-40B4-BE49-F238E27FC236}">
+                <a16:creationId xmlns:a16="http://schemas.microsoft.com/office/drawing/2014/main" id="{FE60AC1B-B198-F3CE-C7B2-ECEC07E2F737}"/>
+              </a:ext>
+            </a:extLst>
+          </p:cNvPr>
+          <p:cNvPicPr>
+            <a:picLocks noChangeAspect="1"/>
+          </p:cNvPicPr>
+          <p:nvPr/>
+        </p:nvPicPr>
+        <p:blipFill>
+          <a:blip r:embed="rId3">
+            <a:extLst>
+              <a:ext uri="{28A0092B-C50C-407E-A947-70E740481C1C}">
+                <a14:useLocalDpi xmlns:a14="http://schemas.microsoft.com/office/drawing/2010/main" val="0"/>
+              </a:ext>
+            </a:extLst>
+          </a:blip>
+          <a:stretch>
+            <a:fillRect/>
+          </a:stretch>
+        </p:blipFill>
+        <p:spPr>
+          <a:xfrm>
+            <a:off x="4697697" y="5709630"/>
+            <a:ext cx="3810000" cy="952500"/>
+          </a:xfrm>
+          <a:prstGeom prst="rect">
+            <a:avLst/>
+          </a:prstGeom>
+        </p:spPr>
+      </p:pic>
+      <p:pic>
+        <p:nvPicPr>
+          <p:cNvPr id="17" name="그림 16" descr="클립아트, 예술, 일러스트레이션, 만화 영화이(가) 표시된 사진&#10;&#10;자동 생성된 설명">
+            <a:extLst>
+              <a:ext uri="{FF2B5EF4-FFF2-40B4-BE49-F238E27FC236}">
+                <a16:creationId xmlns:a16="http://schemas.microsoft.com/office/drawing/2014/main" id="{66EC4681-E668-4BE4-68D3-25BD37B6A9AF}"/>
+              </a:ext>
+            </a:extLst>
+          </p:cNvPr>
+          <p:cNvPicPr>
+            <a:picLocks noChangeAspect="1"/>
+          </p:cNvPicPr>
+          <p:nvPr/>
+        </p:nvPicPr>
+        <p:blipFill>
+          <a:blip r:embed="rId4">
+            <a:extLst>
+              <a:ext uri="{28A0092B-C50C-407E-A947-70E740481C1C}">
+                <a14:useLocalDpi xmlns:a14="http://schemas.microsoft.com/office/drawing/2010/main" val="0"/>
+              </a:ext>
+            </a:extLst>
+          </a:blip>
+          <a:stretch>
+            <a:fillRect/>
+          </a:stretch>
+        </p:blipFill>
+        <p:spPr>
+          <a:xfrm>
+            <a:off x="2802232" y="4698912"/>
+            <a:ext cx="1016088" cy="1016088"/>
+          </a:xfrm>
+          <a:prstGeom prst="rect">
+            <a:avLst/>
+          </a:prstGeom>
+        </p:spPr>
+      </p:pic>
+      <p:pic>
+        <p:nvPicPr>
+          <p:cNvPr id="102" name="그림 101" descr="일렉트릭 블루, 블루, 마조렐 블루, 스크린샷이(가) 표시된 사진&#10;&#10;자동 생성된 설명">
+            <a:extLst>
+              <a:ext uri="{FF2B5EF4-FFF2-40B4-BE49-F238E27FC236}">
+                <a16:creationId xmlns:a16="http://schemas.microsoft.com/office/drawing/2014/main" id="{9B614CE6-9298-3843-AC39-058CF41C0E85}"/>
+              </a:ext>
+            </a:extLst>
+          </p:cNvPr>
+          <p:cNvPicPr>
+            <a:picLocks noChangeAspect="1"/>
+          </p:cNvPicPr>
+          <p:nvPr/>
+        </p:nvPicPr>
+        <p:blipFill>
+          <a:blip r:embed="rId5">
+            <a:extLst>
+              <a:ext uri="{28A0092B-C50C-407E-A947-70E740481C1C}">
+                <a14:useLocalDpi xmlns:a14="http://schemas.microsoft.com/office/drawing/2010/main" val="0"/>
+              </a:ext>
+            </a:extLst>
+          </a:blip>
+          <a:stretch>
+            <a:fillRect/>
+          </a:stretch>
+        </p:blipFill>
+        <p:spPr>
+          <a:xfrm>
+            <a:off x="2823786" y="3810000"/>
+            <a:ext cx="952500" cy="952500"/>
+          </a:xfrm>
+          <a:prstGeom prst="rect">
+            <a:avLst/>
+          </a:prstGeom>
+        </p:spPr>
+      </p:pic>
+      <p:pic>
+        <p:nvPicPr>
+          <p:cNvPr id="104" name="그림 103" descr="일렉트릭 블루, 블루, 마조렐 블루, 스크린샷이(가) 표시된 사진&#10;&#10;자동 생성된 설명">
+            <a:extLst>
+              <a:ext uri="{FF2B5EF4-FFF2-40B4-BE49-F238E27FC236}">
+                <a16:creationId xmlns:a16="http://schemas.microsoft.com/office/drawing/2014/main" id="{50B6558B-1411-F91D-3882-384922C1B13B}"/>
+              </a:ext>
+            </a:extLst>
+          </p:cNvPr>
+          <p:cNvPicPr>
+            <a:picLocks noChangeAspect="1"/>
+          </p:cNvPicPr>
+          <p:nvPr/>
+        </p:nvPicPr>
+        <p:blipFill>
+          <a:blip r:embed="rId5">
+            <a:extLst>
+              <a:ext uri="{28A0092B-C50C-407E-A947-70E740481C1C}">
+                <a14:useLocalDpi xmlns:a14="http://schemas.microsoft.com/office/drawing/2010/main" val="0"/>
+              </a:ext>
+            </a:extLst>
+          </a:blip>
+          <a:stretch>
+            <a:fillRect/>
+          </a:stretch>
+        </p:blipFill>
+        <p:spPr>
+          <a:xfrm>
+            <a:off x="-12919" y="4762500"/>
+            <a:ext cx="952500" cy="952500"/>
+          </a:xfrm>
+          <a:prstGeom prst="rect">
+            <a:avLst/>
+          </a:prstGeom>
+        </p:spPr>
+      </p:pic>
+      <p:pic>
+        <p:nvPicPr>
+          <p:cNvPr id="106" name="그림 105" descr="일렉트릭 블루, 블루, 마조렐 블루, 스크린샷이(가) 표시된 사진&#10;&#10;자동 생성된 설명">
+            <a:extLst>
+              <a:ext uri="{FF2B5EF4-FFF2-40B4-BE49-F238E27FC236}">
+                <a16:creationId xmlns:a16="http://schemas.microsoft.com/office/drawing/2014/main" id="{B3109138-1E69-073A-7FF0-BF29CB337401}"/>
+              </a:ext>
+            </a:extLst>
+          </p:cNvPr>
+          <p:cNvPicPr>
+            <a:picLocks noChangeAspect="1"/>
+          </p:cNvPicPr>
+          <p:nvPr/>
+        </p:nvPicPr>
+        <p:blipFill>
+          <a:blip r:embed="rId5">
+            <a:extLst>
+              <a:ext uri="{28A0092B-C50C-407E-A947-70E740481C1C}">
+                <a14:useLocalDpi xmlns:a14="http://schemas.microsoft.com/office/drawing/2010/main" val="0"/>
+              </a:ext>
+            </a:extLst>
+          </a:blip>
+          <a:stretch>
+            <a:fillRect/>
+          </a:stretch>
+        </p:blipFill>
+        <p:spPr>
+          <a:xfrm>
+            <a:off x="935147" y="4762500"/>
+            <a:ext cx="952500" cy="952500"/>
+          </a:xfrm>
+          <a:prstGeom prst="rect">
+            <a:avLst/>
+          </a:prstGeom>
+        </p:spPr>
+      </p:pic>
+      <p:pic>
+        <p:nvPicPr>
+          <p:cNvPr id="110" name="그림 109" descr="일렉트릭 블루, 블루, 마조렐 블루, 스크린샷이(가) 표시된 사진&#10;&#10;자동 생성된 설명">
+            <a:extLst>
+              <a:ext uri="{FF2B5EF4-FFF2-40B4-BE49-F238E27FC236}">
+                <a16:creationId xmlns:a16="http://schemas.microsoft.com/office/drawing/2014/main" id="{8B17053D-8345-EC00-93EE-3A3496D3C531}"/>
+              </a:ext>
+            </a:extLst>
+          </p:cNvPr>
+          <p:cNvPicPr>
+            <a:picLocks noChangeAspect="1"/>
+          </p:cNvPicPr>
+          <p:nvPr/>
+        </p:nvPicPr>
+        <p:blipFill>
+          <a:blip r:embed="rId5">
+            <a:extLst>
+              <a:ext uri="{28A0092B-C50C-407E-A947-70E740481C1C}">
+                <a14:useLocalDpi xmlns:a14="http://schemas.microsoft.com/office/drawing/2010/main" val="0"/>
+              </a:ext>
+            </a:extLst>
+          </a:blip>
+          <a:stretch>
+            <a:fillRect/>
+          </a:stretch>
+        </p:blipFill>
+        <p:spPr>
+          <a:xfrm>
+            <a:off x="942935" y="1905000"/>
+            <a:ext cx="952500" cy="952500"/>
+          </a:xfrm>
+          <a:prstGeom prst="rect">
+            <a:avLst/>
+          </a:prstGeom>
+        </p:spPr>
+      </p:pic>
+      <p:pic>
+        <p:nvPicPr>
+          <p:cNvPr id="112" name="그림 111" descr="클립아트이(가) 표시된 사진&#10;&#10;자동 생성된 설명">
+            <a:extLst>
+              <a:ext uri="{FF2B5EF4-FFF2-40B4-BE49-F238E27FC236}">
+                <a16:creationId xmlns:a16="http://schemas.microsoft.com/office/drawing/2014/main" id="{1D584461-8A1F-DB71-A827-24C3B5BB23F0}"/>
+              </a:ext>
+            </a:extLst>
+          </p:cNvPr>
+          <p:cNvPicPr>
+            <a:picLocks noChangeAspect="1"/>
+          </p:cNvPicPr>
+          <p:nvPr/>
+        </p:nvPicPr>
+        <p:blipFill>
+          <a:blip r:embed="rId6">
+            <a:extLst>
+              <a:ext uri="{28A0092B-C50C-407E-A947-70E740481C1C}">
+                <a14:useLocalDpi xmlns:a14="http://schemas.microsoft.com/office/drawing/2010/main" val="0"/>
+              </a:ext>
+            </a:extLst>
+          </a:blip>
+          <a:stretch>
+            <a:fillRect/>
+          </a:stretch>
+        </p:blipFill>
+        <p:spPr>
+          <a:xfrm>
+            <a:off x="0" y="2857301"/>
+            <a:ext cx="952633" cy="952633"/>
+          </a:xfrm>
+          <a:prstGeom prst="rect">
+            <a:avLst/>
+          </a:prstGeom>
+        </p:spPr>
+      </p:pic>
+      <p:pic>
+        <p:nvPicPr>
+          <p:cNvPr id="114" name="그림 113" descr="일렉트릭 블루, 블루, 마조렐 블루, 스크린샷이(가) 표시된 사진&#10;&#10;자동 생성된 설명">
+            <a:extLst>
+              <a:ext uri="{FF2B5EF4-FFF2-40B4-BE49-F238E27FC236}">
+                <a16:creationId xmlns:a16="http://schemas.microsoft.com/office/drawing/2014/main" id="{888E3B0D-FE8F-C5BE-353F-DBCAF799F3DD}"/>
+              </a:ext>
+            </a:extLst>
+          </p:cNvPr>
+          <p:cNvPicPr>
+            <a:picLocks noChangeAspect="1"/>
+          </p:cNvPicPr>
+          <p:nvPr/>
+        </p:nvPicPr>
+        <p:blipFill>
+          <a:blip r:embed="rId5">
+            <a:extLst>
+              <a:ext uri="{28A0092B-C50C-407E-A947-70E740481C1C}">
+                <a14:useLocalDpi xmlns:a14="http://schemas.microsoft.com/office/drawing/2010/main" val="0"/>
+              </a:ext>
+            </a:extLst>
+          </a:blip>
+          <a:stretch>
+            <a:fillRect/>
+          </a:stretch>
+        </p:blipFill>
+        <p:spPr>
+          <a:xfrm>
+            <a:off x="9413461" y="4762500"/>
+            <a:ext cx="952500" cy="952500"/>
+          </a:xfrm>
+          <a:prstGeom prst="rect">
+            <a:avLst/>
+          </a:prstGeom>
+        </p:spPr>
+      </p:pic>
+      <p:pic>
+        <p:nvPicPr>
+          <p:cNvPr id="116" name="그림 115" descr="일렉트릭 블루, 블루, 마조렐 블루, 스크린샷이(가) 표시된 사진&#10;&#10;자동 생성된 설명">
+            <a:extLst>
+              <a:ext uri="{FF2B5EF4-FFF2-40B4-BE49-F238E27FC236}">
+                <a16:creationId xmlns:a16="http://schemas.microsoft.com/office/drawing/2014/main" id="{4689E3B9-C9A9-C651-93BD-2A9389F0CD06}"/>
+              </a:ext>
+            </a:extLst>
+          </p:cNvPr>
+          <p:cNvPicPr>
+            <a:picLocks noChangeAspect="1"/>
+          </p:cNvPicPr>
+          <p:nvPr/>
+        </p:nvPicPr>
+        <p:blipFill>
+          <a:blip r:embed="rId5">
+            <a:extLst>
+              <a:ext uri="{28A0092B-C50C-407E-A947-70E740481C1C}">
+                <a14:useLocalDpi xmlns:a14="http://schemas.microsoft.com/office/drawing/2010/main" val="0"/>
+              </a:ext>
+            </a:extLst>
+          </a:blip>
+          <a:stretch>
+            <a:fillRect/>
+          </a:stretch>
+        </p:blipFill>
+        <p:spPr>
+          <a:xfrm>
+            <a:off x="10368732" y="4762500"/>
+            <a:ext cx="952500" cy="952500"/>
+          </a:xfrm>
+          <a:prstGeom prst="rect">
+            <a:avLst/>
+          </a:prstGeom>
+        </p:spPr>
+      </p:pic>
+      <p:pic>
+        <p:nvPicPr>
+          <p:cNvPr id="118" name="그림 117" descr="그레이, 패브릭이(가) 표시된 사진&#10;&#10;자동 생성된 설명">
+            <a:extLst>
+              <a:ext uri="{FF2B5EF4-FFF2-40B4-BE49-F238E27FC236}">
+                <a16:creationId xmlns:a16="http://schemas.microsoft.com/office/drawing/2014/main" id="{A5D4D1BD-8260-7786-DB49-69630CFD512A}"/>
+              </a:ext>
+            </a:extLst>
+          </p:cNvPr>
+          <p:cNvPicPr>
+            <a:picLocks noChangeAspect="1"/>
+          </p:cNvPicPr>
+          <p:nvPr/>
+        </p:nvPicPr>
+        <p:blipFill>
+          <a:blip r:embed="rId7">
+            <a:extLst>
+              <a:ext uri="{28A0092B-C50C-407E-A947-70E740481C1C}">
+                <a14:useLocalDpi xmlns:a14="http://schemas.microsoft.com/office/drawing/2010/main" val="0"/>
+              </a:ext>
+            </a:extLst>
+          </a:blip>
+          <a:stretch>
+            <a:fillRect/>
+          </a:stretch>
+        </p:blipFill>
+        <p:spPr>
+          <a:xfrm>
+            <a:off x="11334344" y="2857301"/>
+            <a:ext cx="952500" cy="952500"/>
+          </a:xfrm>
+          <a:prstGeom prst="rect">
+            <a:avLst/>
+          </a:prstGeom>
+        </p:spPr>
+      </p:pic>
+      <p:pic>
+        <p:nvPicPr>
+          <p:cNvPr id="120" name="그림 119" descr="그레이, 패브릭이(가) 표시된 사진&#10;&#10;자동 생성된 설명">
+            <a:extLst>
+              <a:ext uri="{FF2B5EF4-FFF2-40B4-BE49-F238E27FC236}">
+                <a16:creationId xmlns:a16="http://schemas.microsoft.com/office/drawing/2014/main" id="{F1320274-3E73-9512-8DCF-B75E6D91B632}"/>
+              </a:ext>
+            </a:extLst>
+          </p:cNvPr>
+          <p:cNvPicPr>
+            <a:picLocks noChangeAspect="1"/>
+          </p:cNvPicPr>
+          <p:nvPr/>
+        </p:nvPicPr>
+        <p:blipFill>
+          <a:blip r:embed="rId7">
+            <a:extLst>
+              <a:ext uri="{28A0092B-C50C-407E-A947-70E740481C1C}">
+                <a14:useLocalDpi xmlns:a14="http://schemas.microsoft.com/office/drawing/2010/main" val="0"/>
+              </a:ext>
+            </a:extLst>
+          </a:blip>
+          <a:stretch>
+            <a:fillRect/>
+          </a:stretch>
+        </p:blipFill>
+        <p:spPr>
+          <a:xfrm>
+            <a:off x="5671094" y="1903724"/>
+            <a:ext cx="965814" cy="952500"/>
+          </a:xfrm>
+          <a:prstGeom prst="rect">
+            <a:avLst/>
+          </a:prstGeom>
+        </p:spPr>
+      </p:pic>
+      <p:pic>
+        <p:nvPicPr>
+          <p:cNvPr id="122" name="그림 121" descr="일렉트릭 블루, 블루, 마조렐 블루, 스크린샷이(가) 표시된 사진&#10;&#10;자동 생성된 설명">
+            <a:extLst>
+              <a:ext uri="{FF2B5EF4-FFF2-40B4-BE49-F238E27FC236}">
+                <a16:creationId xmlns:a16="http://schemas.microsoft.com/office/drawing/2014/main" id="{DD60232F-14A7-DCFB-1AD7-B8138C173909}"/>
+              </a:ext>
+            </a:extLst>
+          </p:cNvPr>
+          <p:cNvPicPr>
+            <a:picLocks noChangeAspect="1"/>
+          </p:cNvPicPr>
+          <p:nvPr/>
+        </p:nvPicPr>
+        <p:blipFill>
+          <a:blip r:embed="rId5">
+            <a:extLst>
+              <a:ext uri="{28A0092B-C50C-407E-A947-70E740481C1C}">
+                <a14:useLocalDpi xmlns:a14="http://schemas.microsoft.com/office/drawing/2010/main" val="0"/>
+              </a:ext>
+            </a:extLst>
+          </a:blip>
+          <a:stretch>
+            <a:fillRect/>
+          </a:stretch>
+        </p:blipFill>
+        <p:spPr>
+          <a:xfrm>
+            <a:off x="4706013" y="3807448"/>
+            <a:ext cx="952500" cy="952500"/>
+          </a:xfrm>
+          <a:prstGeom prst="rect">
+            <a:avLst/>
+          </a:prstGeom>
+        </p:spPr>
+      </p:pic>
+      <p:pic>
+        <p:nvPicPr>
+          <p:cNvPr id="124" name="그림 123" descr="갈색, 지상이(가) 표시된 사진&#10;&#10;자동 생성된 설명">
+            <a:extLst>
+              <a:ext uri="{FF2B5EF4-FFF2-40B4-BE49-F238E27FC236}">
+                <a16:creationId xmlns:a16="http://schemas.microsoft.com/office/drawing/2014/main" id="{027C9136-5BE5-97BE-4D63-44BC944534B5}"/>
+              </a:ext>
+            </a:extLst>
+          </p:cNvPr>
+          <p:cNvPicPr>
+            <a:picLocks noChangeAspect="1"/>
+          </p:cNvPicPr>
+          <p:nvPr/>
+        </p:nvPicPr>
+        <p:blipFill>
+          <a:blip r:embed="rId2">
+            <a:extLst>
+              <a:ext uri="{28A0092B-C50C-407E-A947-70E740481C1C}">
+                <a14:useLocalDpi xmlns:a14="http://schemas.microsoft.com/office/drawing/2010/main" val="0"/>
+              </a:ext>
+            </a:extLst>
+          </a:blip>
+          <a:stretch>
+            <a:fillRect/>
+          </a:stretch>
+        </p:blipFill>
+        <p:spPr>
+          <a:xfrm>
+            <a:off x="-2615" y="951224"/>
+            <a:ext cx="952500" cy="952500"/>
+          </a:xfrm>
+          <a:prstGeom prst="rect">
+            <a:avLst/>
+          </a:prstGeom>
+        </p:spPr>
+      </p:pic>
+      <p:pic>
+        <p:nvPicPr>
+          <p:cNvPr id="126" name="그림 125" descr="클립아트이(가) 표시된 사진&#10;&#10;자동 생성된 설명">
+            <a:extLst>
+              <a:ext uri="{FF2B5EF4-FFF2-40B4-BE49-F238E27FC236}">
+                <a16:creationId xmlns:a16="http://schemas.microsoft.com/office/drawing/2014/main" id="{6F12ABA0-F042-1E57-F5CC-F4362B7CAD07}"/>
+              </a:ext>
+            </a:extLst>
+          </p:cNvPr>
+          <p:cNvPicPr>
+            <a:picLocks noChangeAspect="1"/>
+          </p:cNvPicPr>
+          <p:nvPr/>
+        </p:nvPicPr>
+        <p:blipFill>
+          <a:blip r:embed="rId6">
+            <a:extLst>
+              <a:ext uri="{28A0092B-C50C-407E-A947-70E740481C1C}">
+                <a14:useLocalDpi xmlns:a14="http://schemas.microsoft.com/office/drawing/2010/main" val="0"/>
+              </a:ext>
+            </a:extLst>
+          </a:blip>
+          <a:stretch>
+            <a:fillRect/>
+          </a:stretch>
+        </p:blipFill>
+        <p:spPr>
+          <a:xfrm>
+            <a:off x="6627734" y="1903591"/>
+            <a:ext cx="952633" cy="952633"/>
+          </a:xfrm>
+          <a:prstGeom prst="rect">
+            <a:avLst/>
+          </a:prstGeom>
+        </p:spPr>
+      </p:pic>
+      <p:pic>
+        <p:nvPicPr>
+          <p:cNvPr id="128" name="그림 127" descr="일렉트릭 블루, 블루, 마조렐 블루, 스크린샷이(가) 표시된 사진&#10;&#10;자동 생성된 설명">
+            <a:extLst>
+              <a:ext uri="{FF2B5EF4-FFF2-40B4-BE49-F238E27FC236}">
+                <a16:creationId xmlns:a16="http://schemas.microsoft.com/office/drawing/2014/main" id="{8937AD30-7648-4076-591D-5630DBEAB13B}"/>
+              </a:ext>
+            </a:extLst>
+          </p:cNvPr>
+          <p:cNvPicPr>
+            <a:picLocks noChangeAspect="1"/>
+          </p:cNvPicPr>
+          <p:nvPr/>
+        </p:nvPicPr>
+        <p:blipFill>
+          <a:blip r:embed="rId5">
+            <a:extLst>
+              <a:ext uri="{28A0092B-C50C-407E-A947-70E740481C1C}">
+                <a14:useLocalDpi xmlns:a14="http://schemas.microsoft.com/office/drawing/2010/main" val="0"/>
+              </a:ext>
+            </a:extLst>
+          </a:blip>
+          <a:stretch>
+            <a:fillRect/>
+          </a:stretch>
+        </p:blipFill>
+        <p:spPr>
+          <a:xfrm>
+            <a:off x="6597052" y="3807315"/>
+            <a:ext cx="952500" cy="952500"/>
+          </a:xfrm>
+          <a:prstGeom prst="rect">
+            <a:avLst/>
+          </a:prstGeom>
+        </p:spPr>
+      </p:pic>
+      <p:pic>
+        <p:nvPicPr>
+          <p:cNvPr id="130" name="그림 129" descr="일렉트릭 블루, 블루, 마조렐 블루, 스크린샷이(가) 표시된 사진&#10;&#10;자동 생성된 설명">
+            <a:extLst>
+              <a:ext uri="{FF2B5EF4-FFF2-40B4-BE49-F238E27FC236}">
+                <a16:creationId xmlns:a16="http://schemas.microsoft.com/office/drawing/2014/main" id="{7A04484C-0E9A-E1D0-5569-22EEE033CD1E}"/>
+              </a:ext>
+            </a:extLst>
+          </p:cNvPr>
+          <p:cNvPicPr>
+            <a:picLocks noChangeAspect="1"/>
+          </p:cNvPicPr>
+          <p:nvPr/>
+        </p:nvPicPr>
+        <p:blipFill>
+          <a:blip r:embed="rId5">
+            <a:extLst>
+              <a:ext uri="{28A0092B-C50C-407E-A947-70E740481C1C}">
+                <a14:useLocalDpi xmlns:a14="http://schemas.microsoft.com/office/drawing/2010/main" val="0"/>
+              </a:ext>
+            </a:extLst>
+          </a:blip>
+          <a:stretch>
+            <a:fillRect/>
+          </a:stretch>
+        </p:blipFill>
+        <p:spPr>
+          <a:xfrm>
+            <a:off x="9443289" y="2854815"/>
+            <a:ext cx="952500" cy="952500"/>
+          </a:xfrm>
+          <a:prstGeom prst="rect">
+            <a:avLst/>
+          </a:prstGeom>
+        </p:spPr>
+      </p:pic>
+      <p:pic>
+        <p:nvPicPr>
+          <p:cNvPr id="132" name="그림 131" descr="일렉트릭 블루, 블루, 마조렐 블루, 스크린샷이(가) 표시된 사진&#10;&#10;자동 생성된 설명">
+            <a:extLst>
+              <a:ext uri="{FF2B5EF4-FFF2-40B4-BE49-F238E27FC236}">
+                <a16:creationId xmlns:a16="http://schemas.microsoft.com/office/drawing/2014/main" id="{232ABDF5-9D59-C1B4-26DD-9270264C50C8}"/>
+              </a:ext>
+            </a:extLst>
+          </p:cNvPr>
+          <p:cNvPicPr>
+            <a:picLocks noChangeAspect="1"/>
+          </p:cNvPicPr>
+          <p:nvPr/>
+        </p:nvPicPr>
+        <p:blipFill>
+          <a:blip r:embed="rId5">
+            <a:extLst>
+              <a:ext uri="{28A0092B-C50C-407E-A947-70E740481C1C}">
+                <a14:useLocalDpi xmlns:a14="http://schemas.microsoft.com/office/drawing/2010/main" val="0"/>
+              </a:ext>
+            </a:extLst>
+          </a:blip>
+          <a:stretch>
+            <a:fillRect/>
+          </a:stretch>
+        </p:blipFill>
+        <p:spPr>
+          <a:xfrm>
+            <a:off x="1889177" y="957041"/>
+            <a:ext cx="952500" cy="952500"/>
+          </a:xfrm>
+          <a:prstGeom prst="rect">
+            <a:avLst/>
+          </a:prstGeom>
+        </p:spPr>
+      </p:pic>
+      <p:pic>
+        <p:nvPicPr>
+          <p:cNvPr id="134" name="그림 133" descr="일렉트릭 블루, 블루, 마조렐 블루, 스크린샷이(가) 표시된 사진&#10;&#10;자동 생성된 설명">
+            <a:extLst>
+              <a:ext uri="{FF2B5EF4-FFF2-40B4-BE49-F238E27FC236}">
+                <a16:creationId xmlns:a16="http://schemas.microsoft.com/office/drawing/2014/main" id="{79707ADB-D41D-C86A-1D43-CC9264D7C94C}"/>
+              </a:ext>
+            </a:extLst>
+          </p:cNvPr>
+          <p:cNvPicPr>
+            <a:picLocks noChangeAspect="1"/>
+          </p:cNvPicPr>
+          <p:nvPr/>
+        </p:nvPicPr>
+        <p:blipFill>
+          <a:blip r:embed="rId5">
+            <a:extLst>
+              <a:ext uri="{28A0092B-C50C-407E-A947-70E740481C1C}">
+                <a14:useLocalDpi xmlns:a14="http://schemas.microsoft.com/office/drawing/2010/main" val="0"/>
+              </a:ext>
+            </a:extLst>
+          </a:blip>
+          <a:stretch>
+            <a:fillRect/>
+          </a:stretch>
+        </p:blipFill>
+        <p:spPr>
+          <a:xfrm>
+            <a:off x="3770167" y="947959"/>
+            <a:ext cx="952500" cy="952500"/>
+          </a:xfrm>
+          <a:prstGeom prst="rect">
+            <a:avLst/>
+          </a:prstGeom>
+        </p:spPr>
+      </p:pic>
+      <p:pic>
+        <p:nvPicPr>
+          <p:cNvPr id="136" name="그림 135" descr="그레이, 패브릭이(가) 표시된 사진&#10;&#10;자동 생성된 설명">
+            <a:extLst>
+              <a:ext uri="{FF2B5EF4-FFF2-40B4-BE49-F238E27FC236}">
+                <a16:creationId xmlns:a16="http://schemas.microsoft.com/office/drawing/2014/main" id="{F97C7B0F-92C0-7A38-83F1-6FE15086FA38}"/>
+              </a:ext>
+            </a:extLst>
+          </p:cNvPr>
+          <p:cNvPicPr>
+            <a:picLocks noChangeAspect="1"/>
+          </p:cNvPicPr>
+          <p:nvPr/>
+        </p:nvPicPr>
+        <p:blipFill>
+          <a:blip r:embed="rId7">
+            <a:extLst>
+              <a:ext uri="{28A0092B-C50C-407E-A947-70E740481C1C}">
+                <a14:useLocalDpi xmlns:a14="http://schemas.microsoft.com/office/drawing/2010/main" val="0"/>
+              </a:ext>
+            </a:extLst>
+          </a:blip>
+          <a:stretch>
+            <a:fillRect/>
+          </a:stretch>
+        </p:blipFill>
+        <p:spPr>
+          <a:xfrm>
+            <a:off x="10388905" y="2854815"/>
+            <a:ext cx="952500" cy="952500"/>
+          </a:xfrm>
+          <a:prstGeom prst="rect">
+            <a:avLst/>
+          </a:prstGeom>
+        </p:spPr>
+      </p:pic>
+      <p:pic>
+        <p:nvPicPr>
+          <p:cNvPr id="138" name="그림 137" descr="그레이, 패브릭이(가) 표시된 사진&#10;&#10;자동 생성된 설명">
+            <a:extLst>
+              <a:ext uri="{FF2B5EF4-FFF2-40B4-BE49-F238E27FC236}">
+                <a16:creationId xmlns:a16="http://schemas.microsoft.com/office/drawing/2014/main" id="{C50099DD-7E0E-2246-C1BA-B9151FED8419}"/>
+              </a:ext>
+            </a:extLst>
+          </p:cNvPr>
+          <p:cNvPicPr>
+            <a:picLocks noChangeAspect="1"/>
+          </p:cNvPicPr>
+          <p:nvPr/>
+        </p:nvPicPr>
+        <p:blipFill>
+          <a:blip r:embed="rId7">
+            <a:extLst>
+              <a:ext uri="{28A0092B-C50C-407E-A947-70E740481C1C}">
+                <a14:useLocalDpi xmlns:a14="http://schemas.microsoft.com/office/drawing/2010/main" val="0"/>
+              </a:ext>
+            </a:extLst>
+          </a:blip>
+          <a:stretch>
+            <a:fillRect/>
+          </a:stretch>
+        </p:blipFill>
+        <p:spPr>
+          <a:xfrm>
+            <a:off x="8499415" y="2854815"/>
+            <a:ext cx="952500" cy="952500"/>
+          </a:xfrm>
+          <a:prstGeom prst="rect">
+            <a:avLst/>
+          </a:prstGeom>
+        </p:spPr>
+      </p:pic>
+      <p:pic>
+        <p:nvPicPr>
+          <p:cNvPr id="140" name="그림 139" descr="그레이, 패브릭이(가) 표시된 사진&#10;&#10;자동 생성된 설명">
+            <a:extLst>
+              <a:ext uri="{FF2B5EF4-FFF2-40B4-BE49-F238E27FC236}">
+                <a16:creationId xmlns:a16="http://schemas.microsoft.com/office/drawing/2014/main" id="{D494C15A-F4AA-9082-54C6-A0DEBC756B62}"/>
+              </a:ext>
+            </a:extLst>
+          </p:cNvPr>
+          <p:cNvPicPr>
+            <a:picLocks noChangeAspect="1"/>
+          </p:cNvPicPr>
+          <p:nvPr/>
+        </p:nvPicPr>
+        <p:blipFill>
+          <a:blip r:embed="rId7">
+            <a:extLst>
+              <a:ext uri="{28A0092B-C50C-407E-A947-70E740481C1C}">
+                <a14:useLocalDpi xmlns:a14="http://schemas.microsoft.com/office/drawing/2010/main" val="0"/>
+              </a:ext>
+            </a:extLst>
+          </a:blip>
+          <a:stretch>
+            <a:fillRect/>
+          </a:stretch>
+        </p:blipFill>
+        <p:spPr>
+          <a:xfrm>
+            <a:off x="5660028" y="2852130"/>
+            <a:ext cx="952500" cy="959146"/>
+          </a:xfrm>
+          <a:prstGeom prst="rect">
+            <a:avLst/>
+          </a:prstGeom>
+        </p:spPr>
+      </p:pic>
+      <p:pic>
+        <p:nvPicPr>
+          <p:cNvPr id="144" name="그림 143" descr="클립아트, 예술, 일러스트레이션, 만화 영화이(가) 표시된 사진&#10;&#10;자동 생성된 설명">
+            <a:extLst>
+              <a:ext uri="{FF2B5EF4-FFF2-40B4-BE49-F238E27FC236}">
+                <a16:creationId xmlns:a16="http://schemas.microsoft.com/office/drawing/2014/main" id="{69B80230-7271-664C-CF81-AFC83E9BE934}"/>
+              </a:ext>
+            </a:extLst>
+          </p:cNvPr>
+          <p:cNvPicPr>
+            <a:picLocks noChangeAspect="1"/>
+          </p:cNvPicPr>
+          <p:nvPr/>
+        </p:nvPicPr>
+        <p:blipFill>
+          <a:blip r:embed="rId4">
+            <a:extLst>
+              <a:ext uri="{28A0092B-C50C-407E-A947-70E740481C1C}">
+                <a14:useLocalDpi xmlns:a14="http://schemas.microsoft.com/office/drawing/2010/main" val="0"/>
+              </a:ext>
+            </a:extLst>
+          </a:blip>
+          <a:stretch>
+            <a:fillRect/>
+          </a:stretch>
+        </p:blipFill>
+        <p:spPr>
+          <a:xfrm>
+            <a:off x="8484947" y="3747688"/>
+            <a:ext cx="1016088" cy="1016088"/>
+          </a:xfrm>
+          <a:prstGeom prst="rect">
+            <a:avLst/>
+          </a:prstGeom>
+        </p:spPr>
+      </p:pic>
+      <p:pic>
+        <p:nvPicPr>
+          <p:cNvPr id="146" name="그림 145" descr="일렉트릭 블루, 블루, 마조렐 블루, 스크린샷이(가) 표시된 사진&#10;&#10;자동 생성된 설명">
+            <a:extLst>
+              <a:ext uri="{FF2B5EF4-FFF2-40B4-BE49-F238E27FC236}">
+                <a16:creationId xmlns:a16="http://schemas.microsoft.com/office/drawing/2014/main" id="{810C22BC-C311-07AC-72ED-AFDD54CF5D32}"/>
+              </a:ext>
+            </a:extLst>
+          </p:cNvPr>
+          <p:cNvPicPr>
+            <a:picLocks noChangeAspect="1"/>
+          </p:cNvPicPr>
+          <p:nvPr/>
+        </p:nvPicPr>
+        <p:blipFill>
+          <a:blip r:embed="rId5">
+            <a:extLst>
+              <a:ext uri="{28A0092B-C50C-407E-A947-70E740481C1C}">
+                <a14:useLocalDpi xmlns:a14="http://schemas.microsoft.com/office/drawing/2010/main" val="0"/>
+              </a:ext>
+            </a:extLst>
+          </a:blip>
+          <a:stretch>
+            <a:fillRect/>
+          </a:stretch>
+        </p:blipFill>
+        <p:spPr>
+          <a:xfrm>
+            <a:off x="3771424" y="5715000"/>
+            <a:ext cx="952500" cy="952500"/>
+          </a:xfrm>
+          <a:prstGeom prst="rect">
+            <a:avLst/>
+          </a:prstGeom>
+        </p:spPr>
+      </p:pic>
+      <p:pic>
+        <p:nvPicPr>
+          <p:cNvPr id="148" name="그림 147" descr="클립아트이(가) 표시된 사진&#10;&#10;자동 생성된 설명">
+            <a:extLst>
+              <a:ext uri="{FF2B5EF4-FFF2-40B4-BE49-F238E27FC236}">
+                <a16:creationId xmlns:a16="http://schemas.microsoft.com/office/drawing/2014/main" id="{7A201A4D-B604-1110-DDE7-326A17EBCB05}"/>
+              </a:ext>
+            </a:extLst>
+          </p:cNvPr>
+          <p:cNvPicPr>
+            <a:picLocks noChangeAspect="1"/>
+          </p:cNvPicPr>
+          <p:nvPr/>
+        </p:nvPicPr>
+        <p:blipFill>
+          <a:blip r:embed="rId6">
+            <a:extLst>
+              <a:ext uri="{28A0092B-C50C-407E-A947-70E740481C1C}">
+                <a14:useLocalDpi xmlns:a14="http://schemas.microsoft.com/office/drawing/2010/main" val="0"/>
+              </a:ext>
+            </a:extLst>
+          </a:blip>
+          <a:stretch>
+            <a:fillRect/>
+          </a:stretch>
+        </p:blipFill>
+        <p:spPr>
+          <a:xfrm>
+            <a:off x="4704933" y="2849445"/>
+            <a:ext cx="952633" cy="952633"/>
           </a:xfrm>
           <a:prstGeom prst="rect">
             <a:avLst/>

--- a/data/땅파기 맵 설계.pptx
+++ b/data/땅파기 맵 설계.pptx
@@ -20413,42 +20413,6 @@
       </p:pic>
       <p:pic>
         <p:nvPicPr>
-          <p:cNvPr id="32" name="그림 31">
-            <a:extLst>
-              <a:ext uri="{FF2B5EF4-FFF2-40B4-BE49-F238E27FC236}">
-                <a16:creationId xmlns:a16="http://schemas.microsoft.com/office/drawing/2014/main" id="{E68B939A-6D57-F77A-19FC-DD860F7D3798}"/>
-              </a:ext>
-            </a:extLst>
-          </p:cNvPr>
-          <p:cNvPicPr>
-            <a:picLocks noChangeAspect="1"/>
-          </p:cNvPicPr>
-          <p:nvPr/>
-        </p:nvPicPr>
-        <p:blipFill>
-          <a:blip r:embed="rId2">
-            <a:extLst>
-              <a:ext uri="{28A0092B-C50C-407E-A947-70E740481C1C}">
-                <a14:useLocalDpi xmlns:a14="http://schemas.microsoft.com/office/drawing/2010/main" val="0"/>
-              </a:ext>
-            </a:extLst>
-          </a:blip>
-          <a:stretch>
-            <a:fillRect/>
-          </a:stretch>
-        </p:blipFill>
-        <p:spPr>
-          <a:xfrm>
-            <a:off x="7564121" y="952500"/>
-            <a:ext cx="952500" cy="952500"/>
-          </a:xfrm>
-          <a:prstGeom prst="rect">
-            <a:avLst/>
-          </a:prstGeom>
-        </p:spPr>
-      </p:pic>
-      <p:pic>
-        <p:nvPicPr>
           <p:cNvPr id="34" name="그림 33">
             <a:extLst>
               <a:ext uri="{FF2B5EF4-FFF2-40B4-BE49-F238E27FC236}">
@@ -22491,7 +22455,7 @@
         </p:blipFill>
         <p:spPr>
           <a:xfrm>
-            <a:off x="9438570" y="964722"/>
+            <a:off x="9438636" y="934184"/>
             <a:ext cx="952500" cy="964688"/>
           </a:xfrm>
           <a:prstGeom prst="rect">
@@ -22961,6 +22925,42 @@
           <a:xfrm>
             <a:off x="11313865" y="1895884"/>
             <a:ext cx="952500" cy="990422"/>
+          </a:xfrm>
+          <a:prstGeom prst="rect">
+            <a:avLst/>
+          </a:prstGeom>
+        </p:spPr>
+      </p:pic>
+      <p:pic>
+        <p:nvPicPr>
+          <p:cNvPr id="12" name="그림 11" descr="그레이, 패브릭이(가) 표시된 사진&#10;&#10;자동 생성된 설명">
+            <a:extLst>
+              <a:ext uri="{FF2B5EF4-FFF2-40B4-BE49-F238E27FC236}">
+                <a16:creationId xmlns:a16="http://schemas.microsoft.com/office/drawing/2014/main" id="{C2B0F329-5839-2925-696E-828EADF91D9B}"/>
+              </a:ext>
+            </a:extLst>
+          </p:cNvPr>
+          <p:cNvPicPr>
+            <a:picLocks noChangeAspect="1"/>
+          </p:cNvPicPr>
+          <p:nvPr/>
+        </p:nvPicPr>
+        <p:blipFill>
+          <a:blip r:embed="rId5">
+            <a:extLst>
+              <a:ext uri="{28A0092B-C50C-407E-A947-70E740481C1C}">
+                <a14:useLocalDpi xmlns:a14="http://schemas.microsoft.com/office/drawing/2010/main" val="0"/>
+              </a:ext>
+            </a:extLst>
+          </a:blip>
+          <a:stretch>
+            <a:fillRect/>
+          </a:stretch>
+        </p:blipFill>
+        <p:spPr>
+          <a:xfrm>
+            <a:off x="7564581" y="958545"/>
+            <a:ext cx="952500" cy="952500"/>
           </a:xfrm>
           <a:prstGeom prst="rect">
             <a:avLst/>
@@ -24655,42 +24655,6 @@
       </p:pic>
       <p:pic>
         <p:nvPicPr>
-          <p:cNvPr id="77" name="그림 76">
-            <a:extLst>
-              <a:ext uri="{FF2B5EF4-FFF2-40B4-BE49-F238E27FC236}">
-                <a16:creationId xmlns:a16="http://schemas.microsoft.com/office/drawing/2014/main" id="{7E2F5B46-A3E5-14F8-2740-B2AB235D94E4}"/>
-              </a:ext>
-            </a:extLst>
-          </p:cNvPr>
-          <p:cNvPicPr>
-            <a:picLocks noChangeAspect="1"/>
-          </p:cNvPicPr>
-          <p:nvPr/>
-        </p:nvPicPr>
-        <p:blipFill>
-          <a:blip r:embed="rId2">
-            <a:extLst>
-              <a:ext uri="{28A0092B-C50C-407E-A947-70E740481C1C}">
-                <a14:useLocalDpi xmlns:a14="http://schemas.microsoft.com/office/drawing/2010/main" val="0"/>
-              </a:ext>
-            </a:extLst>
-          </a:blip>
-          <a:stretch>
-            <a:fillRect/>
-          </a:stretch>
-        </p:blipFill>
-        <p:spPr>
-          <a:xfrm>
-            <a:off x="1877291" y="4762500"/>
-            <a:ext cx="952500" cy="952500"/>
-          </a:xfrm>
-          <a:prstGeom prst="rect">
-            <a:avLst/>
-          </a:prstGeom>
-        </p:spPr>
-      </p:pic>
-      <p:pic>
-        <p:nvPicPr>
           <p:cNvPr id="78" name="그림 77">
             <a:extLst>
               <a:ext uri="{FF2B5EF4-FFF2-40B4-BE49-F238E27FC236}">
@@ -26045,6 +26009,42 @@
           <a:xfrm>
             <a:off x="7551159" y="5715000"/>
             <a:ext cx="952500" cy="952500"/>
+          </a:xfrm>
+          <a:prstGeom prst="rect">
+            <a:avLst/>
+          </a:prstGeom>
+        </p:spPr>
+      </p:pic>
+      <p:pic>
+        <p:nvPicPr>
+          <p:cNvPr id="15" name="그림 14" descr="클립아트이(가) 표시된 사진&#10;&#10;자동 생성된 설명">
+            <a:extLst>
+              <a:ext uri="{FF2B5EF4-FFF2-40B4-BE49-F238E27FC236}">
+                <a16:creationId xmlns:a16="http://schemas.microsoft.com/office/drawing/2014/main" id="{99F0BFF0-0717-9CFE-BBE6-60584975B961}"/>
+              </a:ext>
+            </a:extLst>
+          </p:cNvPr>
+          <p:cNvPicPr>
+            <a:picLocks noChangeAspect="1"/>
+          </p:cNvPicPr>
+          <p:nvPr/>
+        </p:nvPicPr>
+        <p:blipFill>
+          <a:blip r:embed="rId7">
+            <a:extLst>
+              <a:ext uri="{28A0092B-C50C-407E-A947-70E740481C1C}">
+                <a14:useLocalDpi xmlns:a14="http://schemas.microsoft.com/office/drawing/2010/main" val="0"/>
+              </a:ext>
+            </a:extLst>
+          </a:blip>
+          <a:stretch>
+            <a:fillRect/>
+          </a:stretch>
+        </p:blipFill>
+        <p:spPr>
+          <a:xfrm>
+            <a:off x="1859250" y="4748537"/>
+            <a:ext cx="952633" cy="952633"/>
           </a:xfrm>
           <a:prstGeom prst="rect">
             <a:avLst/>
@@ -27163,42 +27163,6 @@
       </p:pic>
       <p:pic>
         <p:nvPicPr>
-          <p:cNvPr id="44" name="그림 43">
-            <a:extLst>
-              <a:ext uri="{FF2B5EF4-FFF2-40B4-BE49-F238E27FC236}">
-                <a16:creationId xmlns:a16="http://schemas.microsoft.com/office/drawing/2014/main" id="{1CB594BC-631C-3568-608D-C9BE7969E0F9}"/>
-              </a:ext>
-            </a:extLst>
-          </p:cNvPr>
-          <p:cNvPicPr>
-            <a:picLocks noChangeAspect="1"/>
-          </p:cNvPicPr>
-          <p:nvPr/>
-        </p:nvPicPr>
-        <p:blipFill>
-          <a:blip r:embed="rId2">
-            <a:extLst>
-              <a:ext uri="{28A0092B-C50C-407E-A947-70E740481C1C}">
-                <a14:useLocalDpi xmlns:a14="http://schemas.microsoft.com/office/drawing/2010/main" val="0"/>
-              </a:ext>
-            </a:extLst>
-          </a:blip>
-          <a:stretch>
-            <a:fillRect/>
-          </a:stretch>
-        </p:blipFill>
-        <p:spPr>
-          <a:xfrm>
-            <a:off x="7560197" y="1905000"/>
-            <a:ext cx="952500" cy="952500"/>
-          </a:xfrm>
-          <a:prstGeom prst="rect">
-            <a:avLst/>
-          </a:prstGeom>
-        </p:spPr>
-      </p:pic>
-      <p:pic>
-        <p:nvPicPr>
           <p:cNvPr id="45" name="그림 44">
             <a:extLst>
               <a:ext uri="{FF2B5EF4-FFF2-40B4-BE49-F238E27FC236}">
@@ -29135,6 +29099,42 @@
           <a:xfrm>
             <a:off x="2771952" y="4698845"/>
             <a:ext cx="1016088" cy="1016088"/>
+          </a:xfrm>
+          <a:prstGeom prst="rect">
+            <a:avLst/>
+          </a:prstGeom>
+        </p:spPr>
+      </p:pic>
+      <p:pic>
+        <p:nvPicPr>
+          <p:cNvPr id="13" name="그림 12" descr="그레이, 패브릭이(가) 표시된 사진&#10;&#10;자동 생성된 설명">
+            <a:extLst>
+              <a:ext uri="{FF2B5EF4-FFF2-40B4-BE49-F238E27FC236}">
+                <a16:creationId xmlns:a16="http://schemas.microsoft.com/office/drawing/2014/main" id="{791617BC-CD92-F09A-6896-E0C4097230E5}"/>
+              </a:ext>
+            </a:extLst>
+          </p:cNvPr>
+          <p:cNvPicPr>
+            <a:picLocks noChangeAspect="1"/>
+          </p:cNvPicPr>
+          <p:nvPr/>
+        </p:nvPicPr>
+        <p:blipFill>
+          <a:blip r:embed="rId4">
+            <a:extLst>
+              <a:ext uri="{28A0092B-C50C-407E-A947-70E740481C1C}">
+                <a14:useLocalDpi xmlns:a14="http://schemas.microsoft.com/office/drawing/2010/main" val="0"/>
+              </a:ext>
+            </a:extLst>
+          </a:blip>
+          <a:stretch>
+            <a:fillRect/>
+          </a:stretch>
+        </p:blipFill>
+        <p:spPr>
+          <a:xfrm>
+            <a:off x="7572096" y="1904867"/>
+            <a:ext cx="952500" cy="952500"/>
           </a:xfrm>
           <a:prstGeom prst="rect">
             <a:avLst/>

--- a/data/땅파기 맵 설계.pptx
+++ b/data/땅파기 맵 설계.pptx
@@ -3925,150 +3925,6 @@
       </p:pic>
       <p:pic>
         <p:nvPicPr>
-          <p:cNvPr id="24" name="그림 23">
-            <a:extLst>
-              <a:ext uri="{FF2B5EF4-FFF2-40B4-BE49-F238E27FC236}">
-                <a16:creationId xmlns:a16="http://schemas.microsoft.com/office/drawing/2014/main" id="{B2EA0044-2ADA-48E7-B681-DB83F6FDA8B3}"/>
-              </a:ext>
-            </a:extLst>
-          </p:cNvPr>
-          <p:cNvPicPr>
-            <a:picLocks noChangeAspect="1"/>
-          </p:cNvPicPr>
-          <p:nvPr/>
-        </p:nvPicPr>
-        <p:blipFill>
-          <a:blip r:embed="rId2">
-            <a:extLst>
-              <a:ext uri="{28A0092B-C50C-407E-A947-70E740481C1C}">
-                <a14:useLocalDpi xmlns:a14="http://schemas.microsoft.com/office/drawing/2010/main" val="0"/>
-              </a:ext>
-            </a:extLst>
-          </a:blip>
-          <a:stretch>
-            <a:fillRect/>
-          </a:stretch>
-        </p:blipFill>
-        <p:spPr>
-          <a:xfrm>
-            <a:off x="1875559" y="952500"/>
-            <a:ext cx="952500" cy="952500"/>
-          </a:xfrm>
-          <a:prstGeom prst="rect">
-            <a:avLst/>
-          </a:prstGeom>
-        </p:spPr>
-      </p:pic>
-      <p:pic>
-        <p:nvPicPr>
-          <p:cNvPr id="25" name="그림 24">
-            <a:extLst>
-              <a:ext uri="{FF2B5EF4-FFF2-40B4-BE49-F238E27FC236}">
-                <a16:creationId xmlns:a16="http://schemas.microsoft.com/office/drawing/2014/main" id="{094DC5BB-25C1-3DF7-1B06-D9329525F543}"/>
-              </a:ext>
-            </a:extLst>
-          </p:cNvPr>
-          <p:cNvPicPr>
-            <a:picLocks noChangeAspect="1"/>
-          </p:cNvPicPr>
-          <p:nvPr/>
-        </p:nvPicPr>
-        <p:blipFill>
-          <a:blip r:embed="rId2">
-            <a:extLst>
-              <a:ext uri="{28A0092B-C50C-407E-A947-70E740481C1C}">
-                <a14:useLocalDpi xmlns:a14="http://schemas.microsoft.com/office/drawing/2010/main" val="0"/>
-              </a:ext>
-            </a:extLst>
-          </a:blip>
-          <a:stretch>
-            <a:fillRect/>
-          </a:stretch>
-        </p:blipFill>
-        <p:spPr>
-          <a:xfrm>
-            <a:off x="940377" y="952500"/>
-            <a:ext cx="952500" cy="952500"/>
-          </a:xfrm>
-          <a:prstGeom prst="rect">
-            <a:avLst/>
-          </a:prstGeom>
-        </p:spPr>
-      </p:pic>
-      <p:pic>
-        <p:nvPicPr>
-          <p:cNvPr id="26" name="그림 25">
-            <a:extLst>
-              <a:ext uri="{FF2B5EF4-FFF2-40B4-BE49-F238E27FC236}">
-                <a16:creationId xmlns:a16="http://schemas.microsoft.com/office/drawing/2014/main" id="{55B0D8A2-F279-BE5B-3EE5-FCE1F624B207}"/>
-              </a:ext>
-            </a:extLst>
-          </p:cNvPr>
-          <p:cNvPicPr>
-            <a:picLocks noChangeAspect="1"/>
-          </p:cNvPicPr>
-          <p:nvPr/>
-        </p:nvPicPr>
-        <p:blipFill>
-          <a:blip r:embed="rId2">
-            <a:extLst>
-              <a:ext uri="{28A0092B-C50C-407E-A947-70E740481C1C}">
-                <a14:useLocalDpi xmlns:a14="http://schemas.microsoft.com/office/drawing/2010/main" val="0"/>
-              </a:ext>
-            </a:extLst>
-          </a:blip>
-          <a:stretch>
-            <a:fillRect/>
-          </a:stretch>
-        </p:blipFill>
-        <p:spPr>
-          <a:xfrm>
-            <a:off x="3758045" y="952500"/>
-            <a:ext cx="952500" cy="952500"/>
-          </a:xfrm>
-          <a:prstGeom prst="rect">
-            <a:avLst/>
-          </a:prstGeom>
-        </p:spPr>
-      </p:pic>
-      <p:pic>
-        <p:nvPicPr>
-          <p:cNvPr id="27" name="그림 26">
-            <a:extLst>
-              <a:ext uri="{FF2B5EF4-FFF2-40B4-BE49-F238E27FC236}">
-                <a16:creationId xmlns:a16="http://schemas.microsoft.com/office/drawing/2014/main" id="{51B6B6E9-6CAD-FF7B-FF50-C5D5292E89EB}"/>
-              </a:ext>
-            </a:extLst>
-          </p:cNvPr>
-          <p:cNvPicPr>
-            <a:picLocks noChangeAspect="1"/>
-          </p:cNvPicPr>
-          <p:nvPr/>
-        </p:nvPicPr>
-        <p:blipFill>
-          <a:blip r:embed="rId2">
-            <a:extLst>
-              <a:ext uri="{28A0092B-C50C-407E-A947-70E740481C1C}">
-                <a14:useLocalDpi xmlns:a14="http://schemas.microsoft.com/office/drawing/2010/main" val="0"/>
-              </a:ext>
-            </a:extLst>
-          </a:blip>
-          <a:stretch>
-            <a:fillRect/>
-          </a:stretch>
-        </p:blipFill>
-        <p:spPr>
-          <a:xfrm>
-            <a:off x="2831522" y="952500"/>
-            <a:ext cx="952500" cy="952500"/>
-          </a:xfrm>
-          <a:prstGeom prst="rect">
-            <a:avLst/>
-          </a:prstGeom>
-        </p:spPr>
-      </p:pic>
-      <p:pic>
-        <p:nvPicPr>
           <p:cNvPr id="28" name="그림 27">
             <a:extLst>
               <a:ext uri="{FF2B5EF4-FFF2-40B4-BE49-F238E27FC236}">
@@ -4177,20 +4033,1604 @@
       </p:pic>
       <p:pic>
         <p:nvPicPr>
-          <p:cNvPr id="31" name="그림 30">
-            <a:extLst>
-              <a:ext uri="{FF2B5EF4-FFF2-40B4-BE49-F238E27FC236}">
-                <a16:creationId xmlns:a16="http://schemas.microsoft.com/office/drawing/2014/main" id="{35B965D9-1E29-C170-0138-DBCF0D554F77}"/>
-              </a:ext>
-            </a:extLst>
-          </p:cNvPr>
-          <p:cNvPicPr>
-            <a:picLocks noChangeAspect="1"/>
-          </p:cNvPicPr>
-          <p:nvPr/>
-        </p:nvPicPr>
-        <p:blipFill>
-          <a:blip r:embed="rId2">
+          <p:cNvPr id="36" name="그림 35">
+            <a:extLst>
+              <a:ext uri="{FF2B5EF4-FFF2-40B4-BE49-F238E27FC236}">
+                <a16:creationId xmlns:a16="http://schemas.microsoft.com/office/drawing/2014/main" id="{D1B10F92-EC7E-DF55-EBFD-AD5552AF3CB0}"/>
+              </a:ext>
+            </a:extLst>
+          </p:cNvPr>
+          <p:cNvPicPr>
+            <a:picLocks noChangeAspect="1"/>
+          </p:cNvPicPr>
+          <p:nvPr/>
+        </p:nvPicPr>
+        <p:blipFill>
+          <a:blip r:embed="rId2">
+            <a:extLst>
+              <a:ext uri="{28A0092B-C50C-407E-A947-70E740481C1C}">
+                <a14:useLocalDpi xmlns:a14="http://schemas.microsoft.com/office/drawing/2010/main" val="0"/>
+              </a:ext>
+            </a:extLst>
+          </a:blip>
+          <a:stretch>
+            <a:fillRect/>
+          </a:stretch>
+        </p:blipFill>
+        <p:spPr>
+          <a:xfrm>
+            <a:off x="-3464" y="1905000"/>
+            <a:ext cx="952500" cy="952500"/>
+          </a:xfrm>
+          <a:prstGeom prst="rect">
+            <a:avLst/>
+          </a:prstGeom>
+        </p:spPr>
+      </p:pic>
+      <p:pic>
+        <p:nvPicPr>
+          <p:cNvPr id="37" name="그림 36">
+            <a:extLst>
+              <a:ext uri="{FF2B5EF4-FFF2-40B4-BE49-F238E27FC236}">
+                <a16:creationId xmlns:a16="http://schemas.microsoft.com/office/drawing/2014/main" id="{A41CBD92-D5A0-918E-5BE6-F5AFEA619EEC}"/>
+              </a:ext>
+            </a:extLst>
+          </p:cNvPr>
+          <p:cNvPicPr>
+            <a:picLocks noChangeAspect="1"/>
+          </p:cNvPicPr>
+          <p:nvPr/>
+        </p:nvPicPr>
+        <p:blipFill>
+          <a:blip r:embed="rId2">
+            <a:extLst>
+              <a:ext uri="{28A0092B-C50C-407E-A947-70E740481C1C}">
+                <a14:useLocalDpi xmlns:a14="http://schemas.microsoft.com/office/drawing/2010/main" val="0"/>
+              </a:ext>
+            </a:extLst>
+          </a:blip>
+          <a:stretch>
+            <a:fillRect/>
+          </a:stretch>
+        </p:blipFill>
+        <p:spPr>
+          <a:xfrm>
+            <a:off x="939511" y="1905000"/>
+            <a:ext cx="952500" cy="952500"/>
+          </a:xfrm>
+          <a:prstGeom prst="rect">
+            <a:avLst/>
+          </a:prstGeom>
+        </p:spPr>
+      </p:pic>
+      <p:pic>
+        <p:nvPicPr>
+          <p:cNvPr id="38" name="그림 37">
+            <a:extLst>
+              <a:ext uri="{FF2B5EF4-FFF2-40B4-BE49-F238E27FC236}">
+                <a16:creationId xmlns:a16="http://schemas.microsoft.com/office/drawing/2014/main" id="{07ABA64A-54B5-F322-B270-CA03306FDDE3}"/>
+              </a:ext>
+            </a:extLst>
+          </p:cNvPr>
+          <p:cNvPicPr>
+            <a:picLocks noChangeAspect="1"/>
+          </p:cNvPicPr>
+          <p:nvPr/>
+        </p:nvPicPr>
+        <p:blipFill>
+          <a:blip r:embed="rId2">
+            <a:extLst>
+              <a:ext uri="{28A0092B-C50C-407E-A947-70E740481C1C}">
+                <a14:useLocalDpi xmlns:a14="http://schemas.microsoft.com/office/drawing/2010/main" val="0"/>
+              </a:ext>
+            </a:extLst>
+          </a:blip>
+          <a:stretch>
+            <a:fillRect/>
+          </a:stretch>
+        </p:blipFill>
+        <p:spPr>
+          <a:xfrm>
+            <a:off x="1895474" y="1905000"/>
+            <a:ext cx="952500" cy="952500"/>
+          </a:xfrm>
+          <a:prstGeom prst="rect">
+            <a:avLst/>
+          </a:prstGeom>
+        </p:spPr>
+      </p:pic>
+      <p:pic>
+        <p:nvPicPr>
+          <p:cNvPr id="39" name="그림 38">
+            <a:extLst>
+              <a:ext uri="{FF2B5EF4-FFF2-40B4-BE49-F238E27FC236}">
+                <a16:creationId xmlns:a16="http://schemas.microsoft.com/office/drawing/2014/main" id="{3F04D973-7CBC-247E-D191-A10D562A5093}"/>
+              </a:ext>
+            </a:extLst>
+          </p:cNvPr>
+          <p:cNvPicPr>
+            <a:picLocks noChangeAspect="1"/>
+          </p:cNvPicPr>
+          <p:nvPr/>
+        </p:nvPicPr>
+        <p:blipFill>
+          <a:blip r:embed="rId2">
+            <a:extLst>
+              <a:ext uri="{28A0092B-C50C-407E-A947-70E740481C1C}">
+                <a14:useLocalDpi xmlns:a14="http://schemas.microsoft.com/office/drawing/2010/main" val="0"/>
+              </a:ext>
+            </a:extLst>
+          </a:blip>
+          <a:stretch>
+            <a:fillRect/>
+          </a:stretch>
+        </p:blipFill>
+        <p:spPr>
+          <a:xfrm>
+            <a:off x="2844511" y="1905000"/>
+            <a:ext cx="952500" cy="952500"/>
+          </a:xfrm>
+          <a:prstGeom prst="rect">
+            <a:avLst/>
+          </a:prstGeom>
+        </p:spPr>
+      </p:pic>
+      <p:pic>
+        <p:nvPicPr>
+          <p:cNvPr id="40" name="그림 39">
+            <a:extLst>
+              <a:ext uri="{FF2B5EF4-FFF2-40B4-BE49-F238E27FC236}">
+                <a16:creationId xmlns:a16="http://schemas.microsoft.com/office/drawing/2014/main" id="{4D38CAB6-41C4-8C9C-5ECF-69CD15A922FB}"/>
+              </a:ext>
+            </a:extLst>
+          </p:cNvPr>
+          <p:cNvPicPr>
+            <a:picLocks noChangeAspect="1"/>
+          </p:cNvPicPr>
+          <p:nvPr/>
+        </p:nvPicPr>
+        <p:blipFill>
+          <a:blip r:embed="rId2">
+            <a:extLst>
+              <a:ext uri="{28A0092B-C50C-407E-A947-70E740481C1C}">
+                <a14:useLocalDpi xmlns:a14="http://schemas.microsoft.com/office/drawing/2010/main" val="0"/>
+              </a:ext>
+            </a:extLst>
+          </a:blip>
+          <a:stretch>
+            <a:fillRect/>
+          </a:stretch>
+        </p:blipFill>
+        <p:spPr>
+          <a:xfrm>
+            <a:off x="3791815" y="1905000"/>
+            <a:ext cx="952500" cy="952500"/>
+          </a:xfrm>
+          <a:prstGeom prst="rect">
+            <a:avLst/>
+          </a:prstGeom>
+        </p:spPr>
+      </p:pic>
+      <p:pic>
+        <p:nvPicPr>
+          <p:cNvPr id="42" name="그림 41">
+            <a:extLst>
+              <a:ext uri="{FF2B5EF4-FFF2-40B4-BE49-F238E27FC236}">
+                <a16:creationId xmlns:a16="http://schemas.microsoft.com/office/drawing/2014/main" id="{71A272B7-EEE2-A0D8-FCBF-D544D9713093}"/>
+              </a:ext>
+            </a:extLst>
+          </p:cNvPr>
+          <p:cNvPicPr>
+            <a:picLocks noChangeAspect="1"/>
+          </p:cNvPicPr>
+          <p:nvPr/>
+        </p:nvPicPr>
+        <p:blipFill>
+          <a:blip r:embed="rId2">
+            <a:extLst>
+              <a:ext uri="{28A0092B-C50C-407E-A947-70E740481C1C}">
+                <a14:useLocalDpi xmlns:a14="http://schemas.microsoft.com/office/drawing/2010/main" val="0"/>
+              </a:ext>
+            </a:extLst>
+          </a:blip>
+          <a:stretch>
+            <a:fillRect/>
+          </a:stretch>
+        </p:blipFill>
+        <p:spPr>
+          <a:xfrm>
+            <a:off x="5677116" y="1905000"/>
+            <a:ext cx="952500" cy="952500"/>
+          </a:xfrm>
+          <a:prstGeom prst="rect">
+            <a:avLst/>
+          </a:prstGeom>
+        </p:spPr>
+      </p:pic>
+      <p:pic>
+        <p:nvPicPr>
+          <p:cNvPr id="43" name="그림 42">
+            <a:extLst>
+              <a:ext uri="{FF2B5EF4-FFF2-40B4-BE49-F238E27FC236}">
+                <a16:creationId xmlns:a16="http://schemas.microsoft.com/office/drawing/2014/main" id="{AF697016-2097-3F92-4DB2-15A23674189C}"/>
+              </a:ext>
+            </a:extLst>
+          </p:cNvPr>
+          <p:cNvPicPr>
+            <a:picLocks noChangeAspect="1"/>
+          </p:cNvPicPr>
+          <p:nvPr/>
+        </p:nvPicPr>
+        <p:blipFill>
+          <a:blip r:embed="rId2">
+            <a:extLst>
+              <a:ext uri="{28A0092B-C50C-407E-A947-70E740481C1C}">
+                <a14:useLocalDpi xmlns:a14="http://schemas.microsoft.com/office/drawing/2010/main" val="0"/>
+              </a:ext>
+            </a:extLst>
+          </a:blip>
+          <a:stretch>
+            <a:fillRect/>
+          </a:stretch>
+        </p:blipFill>
+        <p:spPr>
+          <a:xfrm>
+            <a:off x="6627559" y="1905000"/>
+            <a:ext cx="952500" cy="952500"/>
+          </a:xfrm>
+          <a:prstGeom prst="rect">
+            <a:avLst/>
+          </a:prstGeom>
+        </p:spPr>
+      </p:pic>
+      <p:pic>
+        <p:nvPicPr>
+          <p:cNvPr id="45" name="그림 44">
+            <a:extLst>
+              <a:ext uri="{FF2B5EF4-FFF2-40B4-BE49-F238E27FC236}">
+                <a16:creationId xmlns:a16="http://schemas.microsoft.com/office/drawing/2014/main" id="{694BD0A5-4B0B-5C28-8E4F-6E5D323816EF}"/>
+              </a:ext>
+            </a:extLst>
+          </p:cNvPr>
+          <p:cNvPicPr>
+            <a:picLocks noChangeAspect="1"/>
+          </p:cNvPicPr>
+          <p:nvPr/>
+        </p:nvPicPr>
+        <p:blipFill>
+          <a:blip r:embed="rId2">
+            <a:extLst>
+              <a:ext uri="{28A0092B-C50C-407E-A947-70E740481C1C}">
+                <a14:useLocalDpi xmlns:a14="http://schemas.microsoft.com/office/drawing/2010/main" val="0"/>
+              </a:ext>
+            </a:extLst>
+          </a:blip>
+          <a:stretch>
+            <a:fillRect/>
+          </a:stretch>
+        </p:blipFill>
+        <p:spPr>
+          <a:xfrm>
+            <a:off x="8497111" y="1905000"/>
+            <a:ext cx="952500" cy="952500"/>
+          </a:xfrm>
+          <a:prstGeom prst="rect">
+            <a:avLst/>
+          </a:prstGeom>
+        </p:spPr>
+      </p:pic>
+      <p:pic>
+        <p:nvPicPr>
+          <p:cNvPr id="46" name="그림 45">
+            <a:extLst>
+              <a:ext uri="{FF2B5EF4-FFF2-40B4-BE49-F238E27FC236}">
+                <a16:creationId xmlns:a16="http://schemas.microsoft.com/office/drawing/2014/main" id="{FA3D875F-7298-69A5-3EA5-D7FC41A5E9BB}"/>
+              </a:ext>
+            </a:extLst>
+          </p:cNvPr>
+          <p:cNvPicPr>
+            <a:picLocks noChangeAspect="1"/>
+          </p:cNvPicPr>
+          <p:nvPr/>
+        </p:nvPicPr>
+        <p:blipFill>
+          <a:blip r:embed="rId2">
+            <a:extLst>
+              <a:ext uri="{28A0092B-C50C-407E-A947-70E740481C1C}">
+                <a14:useLocalDpi xmlns:a14="http://schemas.microsoft.com/office/drawing/2010/main" val="0"/>
+              </a:ext>
+            </a:extLst>
+          </a:blip>
+          <a:stretch>
+            <a:fillRect/>
+          </a:stretch>
+        </p:blipFill>
+        <p:spPr>
+          <a:xfrm>
+            <a:off x="9441872" y="1905000"/>
+            <a:ext cx="952500" cy="952500"/>
+          </a:xfrm>
+          <a:prstGeom prst="rect">
+            <a:avLst/>
+          </a:prstGeom>
+        </p:spPr>
+      </p:pic>
+      <p:pic>
+        <p:nvPicPr>
+          <p:cNvPr id="47" name="그림 46">
+            <a:extLst>
+              <a:ext uri="{FF2B5EF4-FFF2-40B4-BE49-F238E27FC236}">
+                <a16:creationId xmlns:a16="http://schemas.microsoft.com/office/drawing/2014/main" id="{2E1BE1F0-D2CB-8ADB-5D73-31B318751D73}"/>
+              </a:ext>
+            </a:extLst>
+          </p:cNvPr>
+          <p:cNvPicPr>
+            <a:picLocks noChangeAspect="1"/>
+          </p:cNvPicPr>
+          <p:nvPr/>
+        </p:nvPicPr>
+        <p:blipFill>
+          <a:blip r:embed="rId2">
+            <a:extLst>
+              <a:ext uri="{28A0092B-C50C-407E-A947-70E740481C1C}">
+                <a14:useLocalDpi xmlns:a14="http://schemas.microsoft.com/office/drawing/2010/main" val="0"/>
+              </a:ext>
+            </a:extLst>
+          </a:blip>
+          <a:stretch>
+            <a:fillRect/>
+          </a:stretch>
+        </p:blipFill>
+        <p:spPr>
+          <a:xfrm>
+            <a:off x="10374402" y="1905000"/>
+            <a:ext cx="952500" cy="952500"/>
+          </a:xfrm>
+          <a:prstGeom prst="rect">
+            <a:avLst/>
+          </a:prstGeom>
+        </p:spPr>
+      </p:pic>
+      <p:pic>
+        <p:nvPicPr>
+          <p:cNvPr id="48" name="그림 47">
+            <a:extLst>
+              <a:ext uri="{FF2B5EF4-FFF2-40B4-BE49-F238E27FC236}">
+                <a16:creationId xmlns:a16="http://schemas.microsoft.com/office/drawing/2014/main" id="{E6D707AE-AF9A-B707-C26B-50D050C12EB6}"/>
+              </a:ext>
+            </a:extLst>
+          </p:cNvPr>
+          <p:cNvPicPr>
+            <a:picLocks noChangeAspect="1"/>
+          </p:cNvPicPr>
+          <p:nvPr/>
+        </p:nvPicPr>
+        <p:blipFill>
+          <a:blip r:embed="rId2">
+            <a:extLst>
+              <a:ext uri="{28A0092B-C50C-407E-A947-70E740481C1C}">
+                <a14:useLocalDpi xmlns:a14="http://schemas.microsoft.com/office/drawing/2010/main" val="0"/>
+              </a:ext>
+            </a:extLst>
+          </a:blip>
+          <a:stretch>
+            <a:fillRect/>
+          </a:stretch>
+        </p:blipFill>
+        <p:spPr>
+          <a:xfrm>
+            <a:off x="11302251" y="1905000"/>
+            <a:ext cx="952500" cy="952500"/>
+          </a:xfrm>
+          <a:prstGeom prst="rect">
+            <a:avLst/>
+          </a:prstGeom>
+        </p:spPr>
+      </p:pic>
+      <p:pic>
+        <p:nvPicPr>
+          <p:cNvPr id="51" name="그림 50">
+            <a:extLst>
+              <a:ext uri="{FF2B5EF4-FFF2-40B4-BE49-F238E27FC236}">
+                <a16:creationId xmlns:a16="http://schemas.microsoft.com/office/drawing/2014/main" id="{BAB311AF-103D-A333-4D80-CBAFD5FA4AE8}"/>
+              </a:ext>
+            </a:extLst>
+          </p:cNvPr>
+          <p:cNvPicPr>
+            <a:picLocks noChangeAspect="1"/>
+          </p:cNvPicPr>
+          <p:nvPr/>
+        </p:nvPicPr>
+        <p:blipFill>
+          <a:blip r:embed="rId2">
+            <a:extLst>
+              <a:ext uri="{28A0092B-C50C-407E-A947-70E740481C1C}">
+                <a14:useLocalDpi xmlns:a14="http://schemas.microsoft.com/office/drawing/2010/main" val="0"/>
+              </a:ext>
+            </a:extLst>
+          </a:blip>
+          <a:stretch>
+            <a:fillRect/>
+          </a:stretch>
+        </p:blipFill>
+        <p:spPr>
+          <a:xfrm>
+            <a:off x="1877291" y="2857500"/>
+            <a:ext cx="952500" cy="952500"/>
+          </a:xfrm>
+          <a:prstGeom prst="rect">
+            <a:avLst/>
+          </a:prstGeom>
+        </p:spPr>
+      </p:pic>
+      <p:pic>
+        <p:nvPicPr>
+          <p:cNvPr id="52" name="그림 51">
+            <a:extLst>
+              <a:ext uri="{FF2B5EF4-FFF2-40B4-BE49-F238E27FC236}">
+                <a16:creationId xmlns:a16="http://schemas.microsoft.com/office/drawing/2014/main" id="{CE88BD20-2FDC-2AE8-7065-B8D91B8BCD11}"/>
+              </a:ext>
+            </a:extLst>
+          </p:cNvPr>
+          <p:cNvPicPr>
+            <a:picLocks noChangeAspect="1"/>
+          </p:cNvPicPr>
+          <p:nvPr/>
+        </p:nvPicPr>
+        <p:blipFill>
+          <a:blip r:embed="rId2">
+            <a:extLst>
+              <a:ext uri="{28A0092B-C50C-407E-A947-70E740481C1C}">
+                <a14:useLocalDpi xmlns:a14="http://schemas.microsoft.com/office/drawing/2010/main" val="0"/>
+              </a:ext>
+            </a:extLst>
+          </a:blip>
+          <a:stretch>
+            <a:fillRect/>
+          </a:stretch>
+        </p:blipFill>
+        <p:spPr>
+          <a:xfrm>
+            <a:off x="2822430" y="2857500"/>
+            <a:ext cx="952500" cy="952500"/>
+          </a:xfrm>
+          <a:prstGeom prst="rect">
+            <a:avLst/>
+          </a:prstGeom>
+        </p:spPr>
+      </p:pic>
+      <p:pic>
+        <p:nvPicPr>
+          <p:cNvPr id="53" name="그림 52">
+            <a:extLst>
+              <a:ext uri="{FF2B5EF4-FFF2-40B4-BE49-F238E27FC236}">
+                <a16:creationId xmlns:a16="http://schemas.microsoft.com/office/drawing/2014/main" id="{B023B1BB-3F5E-8661-694C-6A46856641B8}"/>
+              </a:ext>
+            </a:extLst>
+          </p:cNvPr>
+          <p:cNvPicPr>
+            <a:picLocks noChangeAspect="1"/>
+          </p:cNvPicPr>
+          <p:nvPr/>
+        </p:nvPicPr>
+        <p:blipFill>
+          <a:blip r:embed="rId2">
+            <a:extLst>
+              <a:ext uri="{28A0092B-C50C-407E-A947-70E740481C1C}">
+                <a14:useLocalDpi xmlns:a14="http://schemas.microsoft.com/office/drawing/2010/main" val="0"/>
+              </a:ext>
+            </a:extLst>
+          </a:blip>
+          <a:stretch>
+            <a:fillRect/>
+          </a:stretch>
+        </p:blipFill>
+        <p:spPr>
+          <a:xfrm>
+            <a:off x="3768814" y="2857500"/>
+            <a:ext cx="952500" cy="952500"/>
+          </a:xfrm>
+          <a:prstGeom prst="rect">
+            <a:avLst/>
+          </a:prstGeom>
+        </p:spPr>
+      </p:pic>
+      <p:pic>
+        <p:nvPicPr>
+          <p:cNvPr id="54" name="그림 53">
+            <a:extLst>
+              <a:ext uri="{FF2B5EF4-FFF2-40B4-BE49-F238E27FC236}">
+                <a16:creationId xmlns:a16="http://schemas.microsoft.com/office/drawing/2014/main" id="{09A8DB68-E666-A3ED-1333-C809DBD6D852}"/>
+              </a:ext>
+            </a:extLst>
+          </p:cNvPr>
+          <p:cNvPicPr>
+            <a:picLocks noChangeAspect="1"/>
+          </p:cNvPicPr>
+          <p:nvPr/>
+        </p:nvPicPr>
+        <p:blipFill>
+          <a:blip r:embed="rId2">
+            <a:extLst>
+              <a:ext uri="{28A0092B-C50C-407E-A947-70E740481C1C}">
+                <a14:useLocalDpi xmlns:a14="http://schemas.microsoft.com/office/drawing/2010/main" val="0"/>
+              </a:ext>
+            </a:extLst>
+          </a:blip>
+          <a:stretch>
+            <a:fillRect/>
+          </a:stretch>
+        </p:blipFill>
+        <p:spPr>
+          <a:xfrm>
+            <a:off x="4715524" y="2857500"/>
+            <a:ext cx="952500" cy="952500"/>
+          </a:xfrm>
+          <a:prstGeom prst="rect">
+            <a:avLst/>
+          </a:prstGeom>
+        </p:spPr>
+      </p:pic>
+      <p:pic>
+        <p:nvPicPr>
+          <p:cNvPr id="56" name="그림 55">
+            <a:extLst>
+              <a:ext uri="{FF2B5EF4-FFF2-40B4-BE49-F238E27FC236}">
+                <a16:creationId xmlns:a16="http://schemas.microsoft.com/office/drawing/2014/main" id="{5E5F526B-748A-87CC-E09B-11B5AA3ADDB1}"/>
+              </a:ext>
+            </a:extLst>
+          </p:cNvPr>
+          <p:cNvPicPr>
+            <a:picLocks noChangeAspect="1"/>
+          </p:cNvPicPr>
+          <p:nvPr/>
+        </p:nvPicPr>
+        <p:blipFill>
+          <a:blip r:embed="rId2">
+            <a:extLst>
+              <a:ext uri="{28A0092B-C50C-407E-A947-70E740481C1C}">
+                <a14:useLocalDpi xmlns:a14="http://schemas.microsoft.com/office/drawing/2010/main" val="0"/>
+              </a:ext>
+            </a:extLst>
+          </a:blip>
+          <a:stretch>
+            <a:fillRect/>
+          </a:stretch>
+        </p:blipFill>
+        <p:spPr>
+          <a:xfrm>
+            <a:off x="6567829" y="2857500"/>
+            <a:ext cx="991962" cy="952500"/>
+          </a:xfrm>
+          <a:prstGeom prst="rect">
+            <a:avLst/>
+          </a:prstGeom>
+        </p:spPr>
+      </p:pic>
+      <p:pic>
+        <p:nvPicPr>
+          <p:cNvPr id="57" name="그림 56">
+            <a:extLst>
+              <a:ext uri="{FF2B5EF4-FFF2-40B4-BE49-F238E27FC236}">
+                <a16:creationId xmlns:a16="http://schemas.microsoft.com/office/drawing/2014/main" id="{B2A83BE2-76FB-5C09-2640-BD9E0EB8D478}"/>
+              </a:ext>
+            </a:extLst>
+          </p:cNvPr>
+          <p:cNvPicPr>
+            <a:picLocks noChangeAspect="1"/>
+          </p:cNvPicPr>
+          <p:nvPr/>
+        </p:nvPicPr>
+        <p:blipFill>
+          <a:blip r:embed="rId2">
+            <a:extLst>
+              <a:ext uri="{28A0092B-C50C-407E-A947-70E740481C1C}">
+                <a14:useLocalDpi xmlns:a14="http://schemas.microsoft.com/office/drawing/2010/main" val="0"/>
+              </a:ext>
+            </a:extLst>
+          </a:blip>
+          <a:stretch>
+            <a:fillRect/>
+          </a:stretch>
+        </p:blipFill>
+        <p:spPr>
+          <a:xfrm>
+            <a:off x="7560197" y="2857500"/>
+            <a:ext cx="952500" cy="952500"/>
+          </a:xfrm>
+          <a:prstGeom prst="rect">
+            <a:avLst/>
+          </a:prstGeom>
+        </p:spPr>
+      </p:pic>
+      <p:pic>
+        <p:nvPicPr>
+          <p:cNvPr id="59" name="그림 58">
+            <a:extLst>
+              <a:ext uri="{FF2B5EF4-FFF2-40B4-BE49-F238E27FC236}">
+                <a16:creationId xmlns:a16="http://schemas.microsoft.com/office/drawing/2014/main" id="{61CBDAEF-1EBC-B57C-647E-63C0F8F36DB8}"/>
+              </a:ext>
+            </a:extLst>
+          </p:cNvPr>
+          <p:cNvPicPr>
+            <a:picLocks noChangeAspect="1"/>
+          </p:cNvPicPr>
+          <p:nvPr/>
+        </p:nvPicPr>
+        <p:blipFill>
+          <a:blip r:embed="rId2">
+            <a:extLst>
+              <a:ext uri="{28A0092B-C50C-407E-A947-70E740481C1C}">
+                <a14:useLocalDpi xmlns:a14="http://schemas.microsoft.com/office/drawing/2010/main" val="0"/>
+              </a:ext>
+            </a:extLst>
+          </a:blip>
+          <a:stretch>
+            <a:fillRect/>
+          </a:stretch>
+        </p:blipFill>
+        <p:spPr>
+          <a:xfrm>
+            <a:off x="9450531" y="2857500"/>
+            <a:ext cx="952500" cy="952500"/>
+          </a:xfrm>
+          <a:prstGeom prst="rect">
+            <a:avLst/>
+          </a:prstGeom>
+        </p:spPr>
+      </p:pic>
+      <p:pic>
+        <p:nvPicPr>
+          <p:cNvPr id="60" name="그림 59">
+            <a:extLst>
+              <a:ext uri="{FF2B5EF4-FFF2-40B4-BE49-F238E27FC236}">
+                <a16:creationId xmlns:a16="http://schemas.microsoft.com/office/drawing/2014/main" id="{FCB9477D-709A-7342-F1A4-43694A9083F3}"/>
+              </a:ext>
+            </a:extLst>
+          </p:cNvPr>
+          <p:cNvPicPr>
+            <a:picLocks noChangeAspect="1"/>
+          </p:cNvPicPr>
+          <p:nvPr/>
+        </p:nvPicPr>
+        <p:blipFill>
+          <a:blip r:embed="rId2">
+            <a:extLst>
+              <a:ext uri="{28A0092B-C50C-407E-A947-70E740481C1C}">
+                <a14:useLocalDpi xmlns:a14="http://schemas.microsoft.com/office/drawing/2010/main" val="0"/>
+              </a:ext>
+            </a:extLst>
+          </a:blip>
+          <a:stretch>
+            <a:fillRect/>
+          </a:stretch>
+        </p:blipFill>
+        <p:spPr>
+          <a:xfrm>
+            <a:off x="10397836" y="2857500"/>
+            <a:ext cx="952500" cy="952500"/>
+          </a:xfrm>
+          <a:prstGeom prst="rect">
+            <a:avLst/>
+          </a:prstGeom>
+        </p:spPr>
+      </p:pic>
+      <p:pic>
+        <p:nvPicPr>
+          <p:cNvPr id="63" name="그림 62">
+            <a:extLst>
+              <a:ext uri="{FF2B5EF4-FFF2-40B4-BE49-F238E27FC236}">
+                <a16:creationId xmlns:a16="http://schemas.microsoft.com/office/drawing/2014/main" id="{0EE07063-C63C-459E-0EDB-4DA7B51B40E9}"/>
+              </a:ext>
+            </a:extLst>
+          </p:cNvPr>
+          <p:cNvPicPr>
+            <a:picLocks noChangeAspect="1"/>
+          </p:cNvPicPr>
+          <p:nvPr/>
+        </p:nvPicPr>
+        <p:blipFill>
+          <a:blip r:embed="rId2">
+            <a:extLst>
+              <a:ext uri="{28A0092B-C50C-407E-A947-70E740481C1C}">
+                <a14:useLocalDpi xmlns:a14="http://schemas.microsoft.com/office/drawing/2010/main" val="0"/>
+              </a:ext>
+            </a:extLst>
+          </a:blip>
+          <a:stretch>
+            <a:fillRect/>
+          </a:stretch>
+        </p:blipFill>
+        <p:spPr>
+          <a:xfrm>
+            <a:off x="930786" y="3810000"/>
+            <a:ext cx="952500" cy="952500"/>
+          </a:xfrm>
+          <a:prstGeom prst="rect">
+            <a:avLst/>
+          </a:prstGeom>
+        </p:spPr>
+      </p:pic>
+      <p:pic>
+        <p:nvPicPr>
+          <p:cNvPr id="64" name="그림 63">
+            <a:extLst>
+              <a:ext uri="{FF2B5EF4-FFF2-40B4-BE49-F238E27FC236}">
+                <a16:creationId xmlns:a16="http://schemas.microsoft.com/office/drawing/2014/main" id="{32ACDC04-58D4-60E1-B1A7-93ED10DC3516}"/>
+              </a:ext>
+            </a:extLst>
+          </p:cNvPr>
+          <p:cNvPicPr>
+            <a:picLocks noChangeAspect="1"/>
+          </p:cNvPicPr>
+          <p:nvPr/>
+        </p:nvPicPr>
+        <p:blipFill>
+          <a:blip r:embed="rId2">
+            <a:extLst>
+              <a:ext uri="{28A0092B-C50C-407E-A947-70E740481C1C}">
+                <a14:useLocalDpi xmlns:a14="http://schemas.microsoft.com/office/drawing/2010/main" val="0"/>
+              </a:ext>
+            </a:extLst>
+          </a:blip>
+          <a:stretch>
+            <a:fillRect/>
+          </a:stretch>
+        </p:blipFill>
+        <p:spPr>
+          <a:xfrm>
+            <a:off x="1878914" y="3810000"/>
+            <a:ext cx="952500" cy="952500"/>
+          </a:xfrm>
+          <a:prstGeom prst="rect">
+            <a:avLst/>
+          </a:prstGeom>
+        </p:spPr>
+      </p:pic>
+      <p:pic>
+        <p:nvPicPr>
+          <p:cNvPr id="65" name="그림 64">
+            <a:extLst>
+              <a:ext uri="{FF2B5EF4-FFF2-40B4-BE49-F238E27FC236}">
+                <a16:creationId xmlns:a16="http://schemas.microsoft.com/office/drawing/2014/main" id="{E54AD96A-05C7-66DC-79B2-59AF81441F0D}"/>
+              </a:ext>
+            </a:extLst>
+          </p:cNvPr>
+          <p:cNvPicPr>
+            <a:picLocks noChangeAspect="1"/>
+          </p:cNvPicPr>
+          <p:nvPr/>
+        </p:nvPicPr>
+        <p:blipFill>
+          <a:blip r:embed="rId2">
+            <a:extLst>
+              <a:ext uri="{28A0092B-C50C-407E-A947-70E740481C1C}">
+                <a14:useLocalDpi xmlns:a14="http://schemas.microsoft.com/office/drawing/2010/main" val="0"/>
+              </a:ext>
+            </a:extLst>
+          </a:blip>
+          <a:stretch>
+            <a:fillRect/>
+          </a:stretch>
+        </p:blipFill>
+        <p:spPr>
+          <a:xfrm>
+            <a:off x="2822228" y="3810000"/>
+            <a:ext cx="952500" cy="952500"/>
+          </a:xfrm>
+          <a:prstGeom prst="rect">
+            <a:avLst/>
+          </a:prstGeom>
+        </p:spPr>
+      </p:pic>
+      <p:pic>
+        <p:nvPicPr>
+          <p:cNvPr id="66" name="그림 65">
+            <a:extLst>
+              <a:ext uri="{FF2B5EF4-FFF2-40B4-BE49-F238E27FC236}">
+                <a16:creationId xmlns:a16="http://schemas.microsoft.com/office/drawing/2014/main" id="{13F9D375-0480-A815-6852-80BE76168E07}"/>
+              </a:ext>
+            </a:extLst>
+          </p:cNvPr>
+          <p:cNvPicPr>
+            <a:picLocks noChangeAspect="1"/>
+          </p:cNvPicPr>
+          <p:nvPr/>
+        </p:nvPicPr>
+        <p:blipFill>
+          <a:blip r:embed="rId2">
+            <a:extLst>
+              <a:ext uri="{28A0092B-C50C-407E-A947-70E740481C1C}">
+                <a14:useLocalDpi xmlns:a14="http://schemas.microsoft.com/office/drawing/2010/main" val="0"/>
+              </a:ext>
+            </a:extLst>
+          </a:blip>
+          <a:stretch>
+            <a:fillRect/>
+          </a:stretch>
+        </p:blipFill>
+        <p:spPr>
+          <a:xfrm>
+            <a:off x="3768112" y="3810000"/>
+            <a:ext cx="952500" cy="952500"/>
+          </a:xfrm>
+          <a:prstGeom prst="rect">
+            <a:avLst/>
+          </a:prstGeom>
+        </p:spPr>
+      </p:pic>
+      <p:pic>
+        <p:nvPicPr>
+          <p:cNvPr id="67" name="그림 66">
+            <a:extLst>
+              <a:ext uri="{FF2B5EF4-FFF2-40B4-BE49-F238E27FC236}">
+                <a16:creationId xmlns:a16="http://schemas.microsoft.com/office/drawing/2014/main" id="{C97E552F-1133-396F-0EBD-99E047330EFF}"/>
+              </a:ext>
+            </a:extLst>
+          </p:cNvPr>
+          <p:cNvPicPr>
+            <a:picLocks noChangeAspect="1"/>
+          </p:cNvPicPr>
+          <p:nvPr/>
+        </p:nvPicPr>
+        <p:blipFill>
+          <a:blip r:embed="rId2">
+            <a:extLst>
+              <a:ext uri="{28A0092B-C50C-407E-A947-70E740481C1C}">
+                <a14:useLocalDpi xmlns:a14="http://schemas.microsoft.com/office/drawing/2010/main" val="0"/>
+              </a:ext>
+            </a:extLst>
+          </a:blip>
+          <a:stretch>
+            <a:fillRect/>
+          </a:stretch>
+        </p:blipFill>
+        <p:spPr>
+          <a:xfrm>
+            <a:off x="4713981" y="3810000"/>
+            <a:ext cx="952500" cy="952500"/>
+          </a:xfrm>
+          <a:prstGeom prst="rect">
+            <a:avLst/>
+          </a:prstGeom>
+        </p:spPr>
+      </p:pic>
+      <p:pic>
+        <p:nvPicPr>
+          <p:cNvPr id="70" name="그림 69">
+            <a:extLst>
+              <a:ext uri="{FF2B5EF4-FFF2-40B4-BE49-F238E27FC236}">
+                <a16:creationId xmlns:a16="http://schemas.microsoft.com/office/drawing/2014/main" id="{CF90697B-D6C0-2316-D0C2-3A6C861470C2}"/>
+              </a:ext>
+            </a:extLst>
+          </p:cNvPr>
+          <p:cNvPicPr>
+            <a:picLocks noChangeAspect="1"/>
+          </p:cNvPicPr>
+          <p:nvPr/>
+        </p:nvPicPr>
+        <p:blipFill>
+          <a:blip r:embed="rId2">
+            <a:extLst>
+              <a:ext uri="{28A0092B-C50C-407E-A947-70E740481C1C}">
+                <a14:useLocalDpi xmlns:a14="http://schemas.microsoft.com/office/drawing/2010/main" val="0"/>
+              </a:ext>
+            </a:extLst>
+          </a:blip>
+          <a:stretch>
+            <a:fillRect/>
+          </a:stretch>
+        </p:blipFill>
+        <p:spPr>
+          <a:xfrm>
+            <a:off x="7550632" y="3810000"/>
+            <a:ext cx="952500" cy="952500"/>
+          </a:xfrm>
+          <a:prstGeom prst="rect">
+            <a:avLst/>
+          </a:prstGeom>
+        </p:spPr>
+      </p:pic>
+      <p:pic>
+        <p:nvPicPr>
+          <p:cNvPr id="71" name="그림 70">
+            <a:extLst>
+              <a:ext uri="{FF2B5EF4-FFF2-40B4-BE49-F238E27FC236}">
+                <a16:creationId xmlns:a16="http://schemas.microsoft.com/office/drawing/2014/main" id="{5496A83C-6DB6-BCB8-7A2D-6A7DB734EBA3}"/>
+              </a:ext>
+            </a:extLst>
+          </p:cNvPr>
+          <p:cNvPicPr>
+            <a:picLocks noChangeAspect="1"/>
+          </p:cNvPicPr>
+          <p:nvPr/>
+        </p:nvPicPr>
+        <p:blipFill>
+          <a:blip r:embed="rId2">
+            <a:extLst>
+              <a:ext uri="{28A0092B-C50C-407E-A947-70E740481C1C}">
+                <a14:useLocalDpi xmlns:a14="http://schemas.microsoft.com/office/drawing/2010/main" val="0"/>
+              </a:ext>
+            </a:extLst>
+          </a:blip>
+          <a:stretch>
+            <a:fillRect/>
+          </a:stretch>
+        </p:blipFill>
+        <p:spPr>
+          <a:xfrm>
+            <a:off x="8479570" y="3810000"/>
+            <a:ext cx="952500" cy="952500"/>
+          </a:xfrm>
+          <a:prstGeom prst="rect">
+            <a:avLst/>
+          </a:prstGeom>
+        </p:spPr>
+      </p:pic>
+      <p:pic>
+        <p:nvPicPr>
+          <p:cNvPr id="72" name="그림 71">
+            <a:extLst>
+              <a:ext uri="{FF2B5EF4-FFF2-40B4-BE49-F238E27FC236}">
+                <a16:creationId xmlns:a16="http://schemas.microsoft.com/office/drawing/2014/main" id="{CAE1C625-0528-38D8-C0A2-CB3F374E09DE}"/>
+              </a:ext>
+            </a:extLst>
+          </p:cNvPr>
+          <p:cNvPicPr>
+            <a:picLocks noChangeAspect="1"/>
+          </p:cNvPicPr>
+          <p:nvPr/>
+        </p:nvPicPr>
+        <p:blipFill>
+          <a:blip r:embed="rId2">
+            <a:extLst>
+              <a:ext uri="{28A0092B-C50C-407E-A947-70E740481C1C}">
+                <a14:useLocalDpi xmlns:a14="http://schemas.microsoft.com/office/drawing/2010/main" val="0"/>
+              </a:ext>
+            </a:extLst>
+          </a:blip>
+          <a:stretch>
+            <a:fillRect/>
+          </a:stretch>
+        </p:blipFill>
+        <p:spPr>
+          <a:xfrm>
+            <a:off x="9432070" y="3810000"/>
+            <a:ext cx="952500" cy="952500"/>
+          </a:xfrm>
+          <a:prstGeom prst="rect">
+            <a:avLst/>
+          </a:prstGeom>
+        </p:spPr>
+      </p:pic>
+      <p:pic>
+        <p:nvPicPr>
+          <p:cNvPr id="73" name="그림 72">
+            <a:extLst>
+              <a:ext uri="{FF2B5EF4-FFF2-40B4-BE49-F238E27FC236}">
+                <a16:creationId xmlns:a16="http://schemas.microsoft.com/office/drawing/2014/main" id="{421B0FFE-2BB8-D266-833E-B3ED6F20275F}"/>
+              </a:ext>
+            </a:extLst>
+          </p:cNvPr>
+          <p:cNvPicPr>
+            <a:picLocks noChangeAspect="1"/>
+          </p:cNvPicPr>
+          <p:nvPr/>
+        </p:nvPicPr>
+        <p:blipFill>
+          <a:blip r:embed="rId2">
+            <a:extLst>
+              <a:ext uri="{28A0092B-C50C-407E-A947-70E740481C1C}">
+                <a14:useLocalDpi xmlns:a14="http://schemas.microsoft.com/office/drawing/2010/main" val="0"/>
+              </a:ext>
+            </a:extLst>
+          </a:blip>
+          <a:stretch>
+            <a:fillRect/>
+          </a:stretch>
+        </p:blipFill>
+        <p:spPr>
+          <a:xfrm>
+            <a:off x="10377236" y="3810000"/>
+            <a:ext cx="952500" cy="952500"/>
+          </a:xfrm>
+          <a:prstGeom prst="rect">
+            <a:avLst/>
+          </a:prstGeom>
+        </p:spPr>
+      </p:pic>
+      <p:pic>
+        <p:nvPicPr>
+          <p:cNvPr id="74" name="그림 73">
+            <a:extLst>
+              <a:ext uri="{FF2B5EF4-FFF2-40B4-BE49-F238E27FC236}">
+                <a16:creationId xmlns:a16="http://schemas.microsoft.com/office/drawing/2014/main" id="{BD8476BF-C95D-D1E1-BEDB-479B3DC768A1}"/>
+              </a:ext>
+            </a:extLst>
+          </p:cNvPr>
+          <p:cNvPicPr>
+            <a:picLocks noChangeAspect="1"/>
+          </p:cNvPicPr>
+          <p:nvPr/>
+        </p:nvPicPr>
+        <p:blipFill>
+          <a:blip r:embed="rId2">
+            <a:extLst>
+              <a:ext uri="{28A0092B-C50C-407E-A947-70E740481C1C}">
+                <a14:useLocalDpi xmlns:a14="http://schemas.microsoft.com/office/drawing/2010/main" val="0"/>
+              </a:ext>
+            </a:extLst>
+          </a:blip>
+          <a:stretch>
+            <a:fillRect/>
+          </a:stretch>
+        </p:blipFill>
+        <p:spPr>
+          <a:xfrm>
+            <a:off x="11292518" y="3810000"/>
+            <a:ext cx="952500" cy="952500"/>
+          </a:xfrm>
+          <a:prstGeom prst="rect">
+            <a:avLst/>
+          </a:prstGeom>
+        </p:spPr>
+      </p:pic>
+      <p:pic>
+        <p:nvPicPr>
+          <p:cNvPr id="76" name="그림 75">
+            <a:extLst>
+              <a:ext uri="{FF2B5EF4-FFF2-40B4-BE49-F238E27FC236}">
+                <a16:creationId xmlns:a16="http://schemas.microsoft.com/office/drawing/2014/main" id="{D358BAB7-9BCC-2E56-A68E-C5061817FCE6}"/>
+              </a:ext>
+            </a:extLst>
+          </p:cNvPr>
+          <p:cNvPicPr>
+            <a:picLocks noChangeAspect="1"/>
+          </p:cNvPicPr>
+          <p:nvPr/>
+        </p:nvPicPr>
+        <p:blipFill>
+          <a:blip r:embed="rId2">
+            <a:extLst>
+              <a:ext uri="{28A0092B-C50C-407E-A947-70E740481C1C}">
+                <a14:useLocalDpi xmlns:a14="http://schemas.microsoft.com/office/drawing/2010/main" val="0"/>
+              </a:ext>
+            </a:extLst>
+          </a:blip>
+          <a:stretch>
+            <a:fillRect/>
+          </a:stretch>
+        </p:blipFill>
+        <p:spPr>
+          <a:xfrm>
+            <a:off x="933589" y="4762500"/>
+            <a:ext cx="952500" cy="952500"/>
+          </a:xfrm>
+          <a:prstGeom prst="rect">
+            <a:avLst/>
+          </a:prstGeom>
+        </p:spPr>
+      </p:pic>
+      <p:pic>
+        <p:nvPicPr>
+          <p:cNvPr id="79" name="그림 78">
+            <a:extLst>
+              <a:ext uri="{FF2B5EF4-FFF2-40B4-BE49-F238E27FC236}">
+                <a16:creationId xmlns:a16="http://schemas.microsoft.com/office/drawing/2014/main" id="{FC6C0185-7C92-3A50-DC98-FB9037956E3E}"/>
+              </a:ext>
+            </a:extLst>
+          </p:cNvPr>
+          <p:cNvPicPr>
+            <a:picLocks noChangeAspect="1"/>
+          </p:cNvPicPr>
+          <p:nvPr/>
+        </p:nvPicPr>
+        <p:blipFill>
+          <a:blip r:embed="rId2">
+            <a:extLst>
+              <a:ext uri="{28A0092B-C50C-407E-A947-70E740481C1C}">
+                <a14:useLocalDpi xmlns:a14="http://schemas.microsoft.com/office/drawing/2010/main" val="0"/>
+              </a:ext>
+            </a:extLst>
+          </a:blip>
+          <a:stretch>
+            <a:fillRect/>
+          </a:stretch>
+        </p:blipFill>
+        <p:spPr>
+          <a:xfrm>
+            <a:off x="3735687" y="4762500"/>
+            <a:ext cx="952500" cy="952500"/>
+          </a:xfrm>
+          <a:prstGeom prst="rect">
+            <a:avLst/>
+          </a:prstGeom>
+        </p:spPr>
+      </p:pic>
+      <p:pic>
+        <p:nvPicPr>
+          <p:cNvPr id="80" name="그림 79">
+            <a:extLst>
+              <a:ext uri="{FF2B5EF4-FFF2-40B4-BE49-F238E27FC236}">
+                <a16:creationId xmlns:a16="http://schemas.microsoft.com/office/drawing/2014/main" id="{15FB8D0C-BD0B-1A99-2265-6233C0868281}"/>
+              </a:ext>
+            </a:extLst>
+          </p:cNvPr>
+          <p:cNvPicPr>
+            <a:picLocks noChangeAspect="1"/>
+          </p:cNvPicPr>
+          <p:nvPr/>
+        </p:nvPicPr>
+        <p:blipFill>
+          <a:blip r:embed="rId2">
+            <a:extLst>
+              <a:ext uri="{28A0092B-C50C-407E-A947-70E740481C1C}">
+                <a14:useLocalDpi xmlns:a14="http://schemas.microsoft.com/office/drawing/2010/main" val="0"/>
+              </a:ext>
+            </a:extLst>
+          </a:blip>
+          <a:stretch>
+            <a:fillRect/>
+          </a:stretch>
+        </p:blipFill>
+        <p:spPr>
+          <a:xfrm>
+            <a:off x="4679372" y="4762500"/>
+            <a:ext cx="952500" cy="952500"/>
+          </a:xfrm>
+          <a:prstGeom prst="rect">
+            <a:avLst/>
+          </a:prstGeom>
+        </p:spPr>
+      </p:pic>
+      <p:pic>
+        <p:nvPicPr>
+          <p:cNvPr id="82" name="그림 81">
+            <a:extLst>
+              <a:ext uri="{FF2B5EF4-FFF2-40B4-BE49-F238E27FC236}">
+                <a16:creationId xmlns:a16="http://schemas.microsoft.com/office/drawing/2014/main" id="{E77A8F5A-35F7-28C3-8BAD-AFB0DF3BDE9F}"/>
+              </a:ext>
+            </a:extLst>
+          </p:cNvPr>
+          <p:cNvPicPr>
+            <a:picLocks noChangeAspect="1"/>
+          </p:cNvPicPr>
+          <p:nvPr/>
+        </p:nvPicPr>
+        <p:blipFill>
+          <a:blip r:embed="rId2">
+            <a:extLst>
+              <a:ext uri="{28A0092B-C50C-407E-A947-70E740481C1C}">
+                <a14:useLocalDpi xmlns:a14="http://schemas.microsoft.com/office/drawing/2010/main" val="0"/>
+              </a:ext>
+            </a:extLst>
+          </a:blip>
+          <a:stretch>
+            <a:fillRect/>
+          </a:stretch>
+        </p:blipFill>
+        <p:spPr>
+          <a:xfrm>
+            <a:off x="6575557" y="4762500"/>
+            <a:ext cx="952500" cy="952500"/>
+          </a:xfrm>
+          <a:prstGeom prst="rect">
+            <a:avLst/>
+          </a:prstGeom>
+        </p:spPr>
+      </p:pic>
+      <p:pic>
+        <p:nvPicPr>
+          <p:cNvPr id="88" name="그림 87">
+            <a:extLst>
+              <a:ext uri="{FF2B5EF4-FFF2-40B4-BE49-F238E27FC236}">
+                <a16:creationId xmlns:a16="http://schemas.microsoft.com/office/drawing/2014/main" id="{E736F417-50BF-ED7E-D96C-276D7357D041}"/>
+              </a:ext>
+            </a:extLst>
+          </p:cNvPr>
+          <p:cNvPicPr>
+            <a:picLocks noChangeAspect="1"/>
+          </p:cNvPicPr>
+          <p:nvPr/>
+        </p:nvPicPr>
+        <p:blipFill>
+          <a:blip r:embed="rId2">
+            <a:extLst>
+              <a:ext uri="{28A0092B-C50C-407E-A947-70E740481C1C}">
+                <a14:useLocalDpi xmlns:a14="http://schemas.microsoft.com/office/drawing/2010/main" val="0"/>
+              </a:ext>
+            </a:extLst>
+          </a:blip>
+          <a:stretch>
+            <a:fillRect/>
+          </a:stretch>
+        </p:blipFill>
+        <p:spPr>
+          <a:xfrm>
+            <a:off x="-13456" y="5715000"/>
+            <a:ext cx="952500" cy="952500"/>
+          </a:xfrm>
+          <a:prstGeom prst="rect">
+            <a:avLst/>
+          </a:prstGeom>
+        </p:spPr>
+      </p:pic>
+      <p:pic>
+        <p:nvPicPr>
+          <p:cNvPr id="90" name="그림 89">
+            <a:extLst>
+              <a:ext uri="{FF2B5EF4-FFF2-40B4-BE49-F238E27FC236}">
+                <a16:creationId xmlns:a16="http://schemas.microsoft.com/office/drawing/2014/main" id="{A9C531DD-0E4D-779B-95E2-A53BA6ABA917}"/>
+              </a:ext>
+            </a:extLst>
+          </p:cNvPr>
+          <p:cNvPicPr>
+            <a:picLocks noChangeAspect="1"/>
+          </p:cNvPicPr>
+          <p:nvPr/>
+        </p:nvPicPr>
+        <p:blipFill>
+          <a:blip r:embed="rId2">
+            <a:extLst>
+              <a:ext uri="{28A0092B-C50C-407E-A947-70E740481C1C}">
+                <a14:useLocalDpi xmlns:a14="http://schemas.microsoft.com/office/drawing/2010/main" val="0"/>
+              </a:ext>
+            </a:extLst>
+          </a:blip>
+          <a:stretch>
+            <a:fillRect/>
+          </a:stretch>
+        </p:blipFill>
+        <p:spPr>
+          <a:xfrm>
+            <a:off x="1877274" y="5715000"/>
+            <a:ext cx="952500" cy="952500"/>
+          </a:xfrm>
+          <a:prstGeom prst="rect">
+            <a:avLst/>
+          </a:prstGeom>
+        </p:spPr>
+      </p:pic>
+      <p:pic>
+        <p:nvPicPr>
+          <p:cNvPr id="93" name="그림 92">
+            <a:extLst>
+              <a:ext uri="{FF2B5EF4-FFF2-40B4-BE49-F238E27FC236}">
+                <a16:creationId xmlns:a16="http://schemas.microsoft.com/office/drawing/2014/main" id="{BC6F750B-C906-0CC5-D945-F2088D478A97}"/>
+              </a:ext>
+            </a:extLst>
+          </p:cNvPr>
+          <p:cNvPicPr>
+            <a:picLocks noChangeAspect="1"/>
+          </p:cNvPicPr>
+          <p:nvPr/>
+        </p:nvPicPr>
+        <p:blipFill>
+          <a:blip r:embed="rId2">
+            <a:extLst>
+              <a:ext uri="{28A0092B-C50C-407E-A947-70E740481C1C}">
+                <a14:useLocalDpi xmlns:a14="http://schemas.microsoft.com/office/drawing/2010/main" val="0"/>
+              </a:ext>
+            </a:extLst>
+          </a:blip>
+          <a:stretch>
+            <a:fillRect/>
+          </a:stretch>
+        </p:blipFill>
+        <p:spPr>
+          <a:xfrm>
+            <a:off x="4704638" y="5715000"/>
+            <a:ext cx="952500" cy="952500"/>
+          </a:xfrm>
+          <a:prstGeom prst="rect">
+            <a:avLst/>
+          </a:prstGeom>
+        </p:spPr>
+      </p:pic>
+      <p:pic>
+        <p:nvPicPr>
+          <p:cNvPr id="94" name="그림 93">
+            <a:extLst>
+              <a:ext uri="{FF2B5EF4-FFF2-40B4-BE49-F238E27FC236}">
+                <a16:creationId xmlns:a16="http://schemas.microsoft.com/office/drawing/2014/main" id="{B95C4C3F-9498-A3D7-5E92-4988A3ADB528}"/>
+              </a:ext>
+            </a:extLst>
+          </p:cNvPr>
+          <p:cNvPicPr>
+            <a:picLocks noChangeAspect="1"/>
+          </p:cNvPicPr>
+          <p:nvPr/>
+        </p:nvPicPr>
+        <p:blipFill>
+          <a:blip r:embed="rId2">
+            <a:extLst>
+              <a:ext uri="{28A0092B-C50C-407E-A947-70E740481C1C}">
+                <a14:useLocalDpi xmlns:a14="http://schemas.microsoft.com/office/drawing/2010/main" val="0"/>
+              </a:ext>
+            </a:extLst>
+          </a:blip>
+          <a:stretch>
+            <a:fillRect/>
+          </a:stretch>
+        </p:blipFill>
+        <p:spPr>
+          <a:xfrm>
+            <a:off x="5657849" y="5715000"/>
+            <a:ext cx="952500" cy="952500"/>
+          </a:xfrm>
+          <a:prstGeom prst="rect">
+            <a:avLst/>
+          </a:prstGeom>
+        </p:spPr>
+      </p:pic>
+      <p:pic>
+        <p:nvPicPr>
+          <p:cNvPr id="95" name="그림 94">
+            <a:extLst>
+              <a:ext uri="{FF2B5EF4-FFF2-40B4-BE49-F238E27FC236}">
+                <a16:creationId xmlns:a16="http://schemas.microsoft.com/office/drawing/2014/main" id="{F49EBD02-CE6F-57C3-09D9-74FC88A319C2}"/>
+              </a:ext>
+            </a:extLst>
+          </p:cNvPr>
+          <p:cNvPicPr>
+            <a:picLocks noChangeAspect="1"/>
+          </p:cNvPicPr>
+          <p:nvPr/>
+        </p:nvPicPr>
+        <p:blipFill>
+          <a:blip r:embed="rId2">
+            <a:extLst>
+              <a:ext uri="{28A0092B-C50C-407E-A947-70E740481C1C}">
+                <a14:useLocalDpi xmlns:a14="http://schemas.microsoft.com/office/drawing/2010/main" val="0"/>
+              </a:ext>
+            </a:extLst>
+          </a:blip>
+          <a:stretch>
+            <a:fillRect/>
+          </a:stretch>
+        </p:blipFill>
+        <p:spPr>
+          <a:xfrm>
+            <a:off x="6605195" y="5715000"/>
+            <a:ext cx="952500" cy="952500"/>
+          </a:xfrm>
+          <a:prstGeom prst="rect">
+            <a:avLst/>
+          </a:prstGeom>
+        </p:spPr>
+      </p:pic>
+      <p:pic>
+        <p:nvPicPr>
+          <p:cNvPr id="96" name="그림 95">
+            <a:extLst>
+              <a:ext uri="{FF2B5EF4-FFF2-40B4-BE49-F238E27FC236}">
+                <a16:creationId xmlns:a16="http://schemas.microsoft.com/office/drawing/2014/main" id="{284B47A3-BEFE-65C2-827A-96C0F47E0FB2}"/>
+              </a:ext>
+            </a:extLst>
+          </p:cNvPr>
+          <p:cNvPicPr>
+            <a:picLocks noChangeAspect="1"/>
+          </p:cNvPicPr>
+          <p:nvPr/>
+        </p:nvPicPr>
+        <p:blipFill>
+          <a:blip r:embed="rId2">
+            <a:extLst>
+              <a:ext uri="{28A0092B-C50C-407E-A947-70E740481C1C}">
+                <a14:useLocalDpi xmlns:a14="http://schemas.microsoft.com/office/drawing/2010/main" val="0"/>
+              </a:ext>
+            </a:extLst>
+          </a:blip>
+          <a:stretch>
+            <a:fillRect/>
+          </a:stretch>
+        </p:blipFill>
+        <p:spPr>
+          <a:xfrm>
+            <a:off x="7550632" y="5715000"/>
+            <a:ext cx="952500" cy="952500"/>
+          </a:xfrm>
+          <a:prstGeom prst="rect">
+            <a:avLst/>
+          </a:prstGeom>
+        </p:spPr>
+      </p:pic>
+      <p:pic>
+        <p:nvPicPr>
+          <p:cNvPr id="97" name="그림 96">
+            <a:extLst>
+              <a:ext uri="{FF2B5EF4-FFF2-40B4-BE49-F238E27FC236}">
+                <a16:creationId xmlns:a16="http://schemas.microsoft.com/office/drawing/2014/main" id="{EE8833BF-497A-1B2C-E4DC-22E9EB755423}"/>
+              </a:ext>
+            </a:extLst>
+          </p:cNvPr>
+          <p:cNvPicPr>
+            <a:picLocks noChangeAspect="1"/>
+          </p:cNvPicPr>
+          <p:nvPr/>
+        </p:nvPicPr>
+        <p:blipFill>
+          <a:blip r:embed="rId2">
+            <a:extLst>
+              <a:ext uri="{28A0092B-C50C-407E-A947-70E740481C1C}">
+                <a14:useLocalDpi xmlns:a14="http://schemas.microsoft.com/office/drawing/2010/main" val="0"/>
+              </a:ext>
+            </a:extLst>
+          </a:blip>
+          <a:stretch>
+            <a:fillRect/>
+          </a:stretch>
+        </p:blipFill>
+        <p:spPr>
+          <a:xfrm>
+            <a:off x="8495408" y="5715000"/>
+            <a:ext cx="952500" cy="952500"/>
+          </a:xfrm>
+          <a:prstGeom prst="rect">
+            <a:avLst/>
+          </a:prstGeom>
+        </p:spPr>
+      </p:pic>
+      <p:pic>
+        <p:nvPicPr>
+          <p:cNvPr id="98" name="그림 97">
+            <a:extLst>
+              <a:ext uri="{FF2B5EF4-FFF2-40B4-BE49-F238E27FC236}">
+                <a16:creationId xmlns:a16="http://schemas.microsoft.com/office/drawing/2014/main" id="{6392275A-19B0-998D-C2D1-6B43E1EA2306}"/>
+              </a:ext>
+            </a:extLst>
+          </p:cNvPr>
+          <p:cNvPicPr>
+            <a:picLocks noChangeAspect="1"/>
+          </p:cNvPicPr>
+          <p:nvPr/>
+        </p:nvPicPr>
+        <p:blipFill>
+          <a:blip r:embed="rId2">
+            <a:extLst>
+              <a:ext uri="{28A0092B-C50C-407E-A947-70E740481C1C}">
+                <a14:useLocalDpi xmlns:a14="http://schemas.microsoft.com/office/drawing/2010/main" val="0"/>
+              </a:ext>
+            </a:extLst>
+          </a:blip>
+          <a:stretch>
+            <a:fillRect/>
+          </a:stretch>
+        </p:blipFill>
+        <p:spPr>
+          <a:xfrm>
+            <a:off x="9432070" y="5715000"/>
+            <a:ext cx="952500" cy="952500"/>
+          </a:xfrm>
+          <a:prstGeom prst="rect">
+            <a:avLst/>
+          </a:prstGeom>
+        </p:spPr>
+      </p:pic>
+      <p:pic>
+        <p:nvPicPr>
+          <p:cNvPr id="99" name="그림 98">
+            <a:extLst>
+              <a:ext uri="{FF2B5EF4-FFF2-40B4-BE49-F238E27FC236}">
+                <a16:creationId xmlns:a16="http://schemas.microsoft.com/office/drawing/2014/main" id="{217CDB79-0630-5FB6-B418-6B01978348EC}"/>
+              </a:ext>
+            </a:extLst>
+          </p:cNvPr>
+          <p:cNvPicPr>
+            <a:picLocks noChangeAspect="1"/>
+          </p:cNvPicPr>
+          <p:nvPr/>
+        </p:nvPicPr>
+        <p:blipFill>
+          <a:blip r:embed="rId2">
+            <a:extLst>
+              <a:ext uri="{28A0092B-C50C-407E-A947-70E740481C1C}">
+                <a14:useLocalDpi xmlns:a14="http://schemas.microsoft.com/office/drawing/2010/main" val="0"/>
+              </a:ext>
+            </a:extLst>
+          </a:blip>
+          <a:stretch>
+            <a:fillRect/>
+          </a:stretch>
+        </p:blipFill>
+        <p:spPr>
+          <a:xfrm>
+            <a:off x="10384570" y="5715000"/>
+            <a:ext cx="952500" cy="952500"/>
+          </a:xfrm>
+          <a:prstGeom prst="rect">
+            <a:avLst/>
+          </a:prstGeom>
+        </p:spPr>
+      </p:pic>
+      <p:pic>
+        <p:nvPicPr>
+          <p:cNvPr id="100" name="그림 99">
+            <a:extLst>
+              <a:ext uri="{FF2B5EF4-FFF2-40B4-BE49-F238E27FC236}">
+                <a16:creationId xmlns:a16="http://schemas.microsoft.com/office/drawing/2014/main" id="{AFA0F82C-107B-504A-F0A8-82AD9597D985}"/>
+              </a:ext>
+            </a:extLst>
+          </p:cNvPr>
+          <p:cNvPicPr>
+            <a:picLocks noChangeAspect="1"/>
+          </p:cNvPicPr>
+          <p:nvPr/>
+        </p:nvPicPr>
+        <p:blipFill>
+          <a:blip r:embed="rId2">
+            <a:extLst>
+              <a:ext uri="{28A0092B-C50C-407E-A947-70E740481C1C}">
+                <a14:useLocalDpi xmlns:a14="http://schemas.microsoft.com/office/drawing/2010/main" val="0"/>
+              </a:ext>
+            </a:extLst>
+          </a:blip>
+          <a:stretch>
+            <a:fillRect/>
+          </a:stretch>
+        </p:blipFill>
+        <p:spPr>
+          <a:xfrm>
+            <a:off x="11292518" y="5715000"/>
+            <a:ext cx="952500" cy="952500"/>
+          </a:xfrm>
+          <a:prstGeom prst="rect">
+            <a:avLst/>
+          </a:prstGeom>
+        </p:spPr>
+      </p:pic>
+      <p:pic>
+        <p:nvPicPr>
+          <p:cNvPr id="11" name="그림 10" descr="은, 레버, 키보드이(가) 표시된 사진&#10;&#10;자동 생성된 설명">
+            <a:extLst>
+              <a:ext uri="{FF2B5EF4-FFF2-40B4-BE49-F238E27FC236}">
+                <a16:creationId xmlns:a16="http://schemas.microsoft.com/office/drawing/2014/main" id="{11609031-0A98-6681-50E1-D7253DA733D3}"/>
+              </a:ext>
+            </a:extLst>
+          </p:cNvPr>
+          <p:cNvPicPr>
+            <a:picLocks noChangeAspect="1"/>
+          </p:cNvPicPr>
+          <p:nvPr/>
+        </p:nvPicPr>
+        <p:blipFill>
+          <a:blip r:embed="rId3">
+            <a:extLst>
+              <a:ext uri="{28A0092B-C50C-407E-A947-70E740481C1C}">
+                <a14:useLocalDpi xmlns:a14="http://schemas.microsoft.com/office/drawing/2010/main" val="0"/>
+              </a:ext>
+            </a:extLst>
+          </a:blip>
+          <a:stretch>
+            <a:fillRect/>
+          </a:stretch>
+        </p:blipFill>
+        <p:spPr>
+          <a:xfrm>
+            <a:off x="949361" y="952500"/>
+            <a:ext cx="3810000" cy="952500"/>
+          </a:xfrm>
+          <a:prstGeom prst="rect">
+            <a:avLst/>
+          </a:prstGeom>
+        </p:spPr>
+      </p:pic>
+      <p:pic>
+        <p:nvPicPr>
+          <p:cNvPr id="13" name="그림 12" descr="은, 레버, 키보드이(가) 표시된 사진&#10;&#10;자동 생성된 설명">
+            <a:extLst>
+              <a:ext uri="{FF2B5EF4-FFF2-40B4-BE49-F238E27FC236}">
+                <a16:creationId xmlns:a16="http://schemas.microsoft.com/office/drawing/2014/main" id="{BE089790-6A96-6DA2-AEB4-451723A0CA51}"/>
+              </a:ext>
+            </a:extLst>
+          </p:cNvPr>
+          <p:cNvPicPr>
+            <a:picLocks noChangeAspect="1"/>
+          </p:cNvPicPr>
+          <p:nvPr/>
+        </p:nvPicPr>
+        <p:blipFill>
+          <a:blip r:embed="rId3">
             <a:extLst>
               <a:ext uri="{28A0092B-C50C-407E-A947-70E740481C1C}">
                 <a14:useLocalDpi xmlns:a14="http://schemas.microsoft.com/office/drawing/2010/main" val="0"/>
@@ -4204,2490 +5644,834 @@
         <p:spPr>
           <a:xfrm>
             <a:off x="6612081" y="952500"/>
-            <a:ext cx="952500" cy="952500"/>
-          </a:xfrm>
-          <a:prstGeom prst="rect">
-            <a:avLst/>
-          </a:prstGeom>
-        </p:spPr>
-      </p:pic>
-      <p:pic>
-        <p:nvPicPr>
-          <p:cNvPr id="32" name="그림 31">
-            <a:extLst>
-              <a:ext uri="{FF2B5EF4-FFF2-40B4-BE49-F238E27FC236}">
-                <a16:creationId xmlns:a16="http://schemas.microsoft.com/office/drawing/2014/main" id="{E68B939A-6D57-F77A-19FC-DD860F7D3798}"/>
-              </a:ext>
-            </a:extLst>
-          </p:cNvPr>
-          <p:cNvPicPr>
-            <a:picLocks noChangeAspect="1"/>
-          </p:cNvPicPr>
-          <p:nvPr/>
-        </p:nvPicPr>
-        <p:blipFill>
-          <a:blip r:embed="rId2">
-            <a:extLst>
-              <a:ext uri="{28A0092B-C50C-407E-A947-70E740481C1C}">
-                <a14:useLocalDpi xmlns:a14="http://schemas.microsoft.com/office/drawing/2010/main" val="0"/>
-              </a:ext>
-            </a:extLst>
-          </a:blip>
-          <a:stretch>
-            <a:fillRect/>
-          </a:stretch>
-        </p:blipFill>
-        <p:spPr>
-          <a:xfrm>
-            <a:off x="7564121" y="952500"/>
-            <a:ext cx="952500" cy="952500"/>
-          </a:xfrm>
-          <a:prstGeom prst="rect">
-            <a:avLst/>
-          </a:prstGeom>
-        </p:spPr>
-      </p:pic>
-      <p:pic>
-        <p:nvPicPr>
-          <p:cNvPr id="33" name="그림 32">
-            <a:extLst>
-              <a:ext uri="{FF2B5EF4-FFF2-40B4-BE49-F238E27FC236}">
-                <a16:creationId xmlns:a16="http://schemas.microsoft.com/office/drawing/2014/main" id="{48AA1C14-249F-DB68-D4F3-D53B80E6BF7E}"/>
-              </a:ext>
-            </a:extLst>
-          </p:cNvPr>
-          <p:cNvPicPr>
-            <a:picLocks noChangeAspect="1"/>
-          </p:cNvPicPr>
-          <p:nvPr/>
-        </p:nvPicPr>
-        <p:blipFill>
-          <a:blip r:embed="rId2">
-            <a:extLst>
-              <a:ext uri="{28A0092B-C50C-407E-A947-70E740481C1C}">
-                <a14:useLocalDpi xmlns:a14="http://schemas.microsoft.com/office/drawing/2010/main" val="0"/>
-              </a:ext>
-            </a:extLst>
-          </a:blip>
-          <a:stretch>
-            <a:fillRect/>
-          </a:stretch>
-        </p:blipFill>
-        <p:spPr>
-          <a:xfrm>
-            <a:off x="9433213" y="952500"/>
-            <a:ext cx="952500" cy="952500"/>
-          </a:xfrm>
-          <a:prstGeom prst="rect">
-            <a:avLst/>
-          </a:prstGeom>
-        </p:spPr>
-      </p:pic>
-      <p:pic>
-        <p:nvPicPr>
-          <p:cNvPr id="34" name="그림 33">
-            <a:extLst>
-              <a:ext uri="{FF2B5EF4-FFF2-40B4-BE49-F238E27FC236}">
-                <a16:creationId xmlns:a16="http://schemas.microsoft.com/office/drawing/2014/main" id="{4CC41F28-9D0E-A37F-FE8F-620796C53F7D}"/>
-              </a:ext>
-            </a:extLst>
-          </p:cNvPr>
-          <p:cNvPicPr>
-            <a:picLocks noChangeAspect="1"/>
-          </p:cNvPicPr>
-          <p:nvPr/>
-        </p:nvPicPr>
-        <p:blipFill>
-          <a:blip r:embed="rId2">
-            <a:extLst>
-              <a:ext uri="{28A0092B-C50C-407E-A947-70E740481C1C}">
-                <a14:useLocalDpi xmlns:a14="http://schemas.microsoft.com/office/drawing/2010/main" val="0"/>
-              </a:ext>
-            </a:extLst>
-          </a:blip>
-          <a:stretch>
-            <a:fillRect/>
-          </a:stretch>
-        </p:blipFill>
-        <p:spPr>
-          <a:xfrm>
-            <a:off x="8488858" y="952500"/>
-            <a:ext cx="952500" cy="952500"/>
-          </a:xfrm>
-          <a:prstGeom prst="rect">
-            <a:avLst/>
-          </a:prstGeom>
-        </p:spPr>
-      </p:pic>
-      <p:pic>
-        <p:nvPicPr>
-          <p:cNvPr id="35" name="그림 34">
-            <a:extLst>
-              <a:ext uri="{FF2B5EF4-FFF2-40B4-BE49-F238E27FC236}">
-                <a16:creationId xmlns:a16="http://schemas.microsoft.com/office/drawing/2014/main" id="{E3216883-B9C1-DC54-D8C8-5D29A27915ED}"/>
-              </a:ext>
-            </a:extLst>
-          </p:cNvPr>
-          <p:cNvPicPr>
-            <a:picLocks noChangeAspect="1"/>
-          </p:cNvPicPr>
-          <p:nvPr/>
-        </p:nvPicPr>
-        <p:blipFill>
-          <a:blip r:embed="rId2">
-            <a:extLst>
-              <a:ext uri="{28A0092B-C50C-407E-A947-70E740481C1C}">
-                <a14:useLocalDpi xmlns:a14="http://schemas.microsoft.com/office/drawing/2010/main" val="0"/>
-              </a:ext>
-            </a:extLst>
-          </a:blip>
-          <a:stretch>
-            <a:fillRect/>
-          </a:stretch>
-        </p:blipFill>
-        <p:spPr>
-          <a:xfrm>
-            <a:off x="10377236" y="952500"/>
-            <a:ext cx="952500" cy="952500"/>
-          </a:xfrm>
-          <a:prstGeom prst="rect">
-            <a:avLst/>
-          </a:prstGeom>
-        </p:spPr>
-      </p:pic>
-      <p:pic>
-        <p:nvPicPr>
-          <p:cNvPr id="36" name="그림 35">
-            <a:extLst>
-              <a:ext uri="{FF2B5EF4-FFF2-40B4-BE49-F238E27FC236}">
-                <a16:creationId xmlns:a16="http://schemas.microsoft.com/office/drawing/2014/main" id="{D1B10F92-EC7E-DF55-EBFD-AD5552AF3CB0}"/>
-              </a:ext>
-            </a:extLst>
-          </p:cNvPr>
-          <p:cNvPicPr>
-            <a:picLocks noChangeAspect="1"/>
-          </p:cNvPicPr>
-          <p:nvPr/>
-        </p:nvPicPr>
-        <p:blipFill>
-          <a:blip r:embed="rId2">
-            <a:extLst>
-              <a:ext uri="{28A0092B-C50C-407E-A947-70E740481C1C}">
-                <a14:useLocalDpi xmlns:a14="http://schemas.microsoft.com/office/drawing/2010/main" val="0"/>
-              </a:ext>
-            </a:extLst>
-          </a:blip>
-          <a:stretch>
-            <a:fillRect/>
-          </a:stretch>
-        </p:blipFill>
-        <p:spPr>
-          <a:xfrm>
-            <a:off x="-3464" y="1905000"/>
-            <a:ext cx="952500" cy="952500"/>
-          </a:xfrm>
-          <a:prstGeom prst="rect">
-            <a:avLst/>
-          </a:prstGeom>
-        </p:spPr>
-      </p:pic>
-      <p:pic>
-        <p:nvPicPr>
-          <p:cNvPr id="37" name="그림 36">
-            <a:extLst>
-              <a:ext uri="{FF2B5EF4-FFF2-40B4-BE49-F238E27FC236}">
-                <a16:creationId xmlns:a16="http://schemas.microsoft.com/office/drawing/2014/main" id="{A41CBD92-D5A0-918E-5BE6-F5AFEA619EEC}"/>
-              </a:ext>
-            </a:extLst>
-          </p:cNvPr>
-          <p:cNvPicPr>
-            <a:picLocks noChangeAspect="1"/>
-          </p:cNvPicPr>
-          <p:nvPr/>
-        </p:nvPicPr>
-        <p:blipFill>
-          <a:blip r:embed="rId2">
-            <a:extLst>
-              <a:ext uri="{28A0092B-C50C-407E-A947-70E740481C1C}">
-                <a14:useLocalDpi xmlns:a14="http://schemas.microsoft.com/office/drawing/2010/main" val="0"/>
-              </a:ext>
-            </a:extLst>
-          </a:blip>
-          <a:stretch>
-            <a:fillRect/>
-          </a:stretch>
-        </p:blipFill>
-        <p:spPr>
-          <a:xfrm>
-            <a:off x="939511" y="1905000"/>
-            <a:ext cx="952500" cy="952500"/>
-          </a:xfrm>
-          <a:prstGeom prst="rect">
-            <a:avLst/>
-          </a:prstGeom>
-        </p:spPr>
-      </p:pic>
-      <p:pic>
-        <p:nvPicPr>
-          <p:cNvPr id="38" name="그림 37">
-            <a:extLst>
-              <a:ext uri="{FF2B5EF4-FFF2-40B4-BE49-F238E27FC236}">
-                <a16:creationId xmlns:a16="http://schemas.microsoft.com/office/drawing/2014/main" id="{07ABA64A-54B5-F322-B270-CA03306FDDE3}"/>
-              </a:ext>
-            </a:extLst>
-          </p:cNvPr>
-          <p:cNvPicPr>
-            <a:picLocks noChangeAspect="1"/>
-          </p:cNvPicPr>
-          <p:nvPr/>
-        </p:nvPicPr>
-        <p:blipFill>
-          <a:blip r:embed="rId2">
-            <a:extLst>
-              <a:ext uri="{28A0092B-C50C-407E-A947-70E740481C1C}">
-                <a14:useLocalDpi xmlns:a14="http://schemas.microsoft.com/office/drawing/2010/main" val="0"/>
-              </a:ext>
-            </a:extLst>
-          </a:blip>
-          <a:stretch>
-            <a:fillRect/>
-          </a:stretch>
-        </p:blipFill>
-        <p:spPr>
-          <a:xfrm>
-            <a:off x="1895474" y="1905000"/>
-            <a:ext cx="952500" cy="952500"/>
-          </a:xfrm>
-          <a:prstGeom prst="rect">
-            <a:avLst/>
-          </a:prstGeom>
-        </p:spPr>
-      </p:pic>
-      <p:pic>
-        <p:nvPicPr>
-          <p:cNvPr id="39" name="그림 38">
-            <a:extLst>
-              <a:ext uri="{FF2B5EF4-FFF2-40B4-BE49-F238E27FC236}">
-                <a16:creationId xmlns:a16="http://schemas.microsoft.com/office/drawing/2014/main" id="{3F04D973-7CBC-247E-D191-A10D562A5093}"/>
-              </a:ext>
-            </a:extLst>
-          </p:cNvPr>
-          <p:cNvPicPr>
-            <a:picLocks noChangeAspect="1"/>
-          </p:cNvPicPr>
-          <p:nvPr/>
-        </p:nvPicPr>
-        <p:blipFill>
-          <a:blip r:embed="rId2">
-            <a:extLst>
-              <a:ext uri="{28A0092B-C50C-407E-A947-70E740481C1C}">
-                <a14:useLocalDpi xmlns:a14="http://schemas.microsoft.com/office/drawing/2010/main" val="0"/>
-              </a:ext>
-            </a:extLst>
-          </a:blip>
-          <a:stretch>
-            <a:fillRect/>
-          </a:stretch>
-        </p:blipFill>
-        <p:spPr>
-          <a:xfrm>
-            <a:off x="2844511" y="1905000"/>
-            <a:ext cx="952500" cy="952500"/>
-          </a:xfrm>
-          <a:prstGeom prst="rect">
-            <a:avLst/>
-          </a:prstGeom>
-        </p:spPr>
-      </p:pic>
-      <p:pic>
-        <p:nvPicPr>
-          <p:cNvPr id="40" name="그림 39">
-            <a:extLst>
-              <a:ext uri="{FF2B5EF4-FFF2-40B4-BE49-F238E27FC236}">
-                <a16:creationId xmlns:a16="http://schemas.microsoft.com/office/drawing/2014/main" id="{4D38CAB6-41C4-8C9C-5ECF-69CD15A922FB}"/>
-              </a:ext>
-            </a:extLst>
-          </p:cNvPr>
-          <p:cNvPicPr>
-            <a:picLocks noChangeAspect="1"/>
-          </p:cNvPicPr>
-          <p:nvPr/>
-        </p:nvPicPr>
-        <p:blipFill>
-          <a:blip r:embed="rId2">
-            <a:extLst>
-              <a:ext uri="{28A0092B-C50C-407E-A947-70E740481C1C}">
-                <a14:useLocalDpi xmlns:a14="http://schemas.microsoft.com/office/drawing/2010/main" val="0"/>
-              </a:ext>
-            </a:extLst>
-          </a:blip>
-          <a:stretch>
-            <a:fillRect/>
-          </a:stretch>
-        </p:blipFill>
-        <p:spPr>
-          <a:xfrm>
-            <a:off x="3791815" y="1905000"/>
-            <a:ext cx="952500" cy="952500"/>
-          </a:xfrm>
-          <a:prstGeom prst="rect">
-            <a:avLst/>
-          </a:prstGeom>
-        </p:spPr>
-      </p:pic>
-      <p:pic>
-        <p:nvPicPr>
-          <p:cNvPr id="41" name="그림 40">
-            <a:extLst>
-              <a:ext uri="{FF2B5EF4-FFF2-40B4-BE49-F238E27FC236}">
-                <a16:creationId xmlns:a16="http://schemas.microsoft.com/office/drawing/2014/main" id="{9EA0C427-4FC0-478C-8A9E-E65BFDEB1C10}"/>
-              </a:ext>
-            </a:extLst>
-          </p:cNvPr>
-          <p:cNvPicPr>
-            <a:picLocks noChangeAspect="1"/>
-          </p:cNvPicPr>
-          <p:nvPr/>
-        </p:nvPicPr>
-        <p:blipFill>
-          <a:blip r:embed="rId2">
-            <a:extLst>
-              <a:ext uri="{28A0092B-C50C-407E-A947-70E740481C1C}">
-                <a14:useLocalDpi xmlns:a14="http://schemas.microsoft.com/office/drawing/2010/main" val="0"/>
-              </a:ext>
-            </a:extLst>
-          </a:blip>
-          <a:stretch>
-            <a:fillRect/>
-          </a:stretch>
-        </p:blipFill>
-        <p:spPr>
-          <a:xfrm>
-            <a:off x="4725698" y="1905000"/>
-            <a:ext cx="952500" cy="952500"/>
-          </a:xfrm>
-          <a:prstGeom prst="rect">
-            <a:avLst/>
-          </a:prstGeom>
-        </p:spPr>
-      </p:pic>
-      <p:pic>
-        <p:nvPicPr>
-          <p:cNvPr id="42" name="그림 41">
-            <a:extLst>
-              <a:ext uri="{FF2B5EF4-FFF2-40B4-BE49-F238E27FC236}">
-                <a16:creationId xmlns:a16="http://schemas.microsoft.com/office/drawing/2014/main" id="{71A272B7-EEE2-A0D8-FCBF-D544D9713093}"/>
-              </a:ext>
-            </a:extLst>
-          </p:cNvPr>
-          <p:cNvPicPr>
-            <a:picLocks noChangeAspect="1"/>
-          </p:cNvPicPr>
-          <p:nvPr/>
-        </p:nvPicPr>
-        <p:blipFill>
-          <a:blip r:embed="rId2">
-            <a:extLst>
-              <a:ext uri="{28A0092B-C50C-407E-A947-70E740481C1C}">
-                <a14:useLocalDpi xmlns:a14="http://schemas.microsoft.com/office/drawing/2010/main" val="0"/>
-              </a:ext>
-            </a:extLst>
-          </a:blip>
-          <a:stretch>
-            <a:fillRect/>
-          </a:stretch>
-        </p:blipFill>
-        <p:spPr>
-          <a:xfrm>
-            <a:off x="5677116" y="1905000"/>
-            <a:ext cx="952500" cy="952500"/>
-          </a:xfrm>
-          <a:prstGeom prst="rect">
-            <a:avLst/>
-          </a:prstGeom>
-        </p:spPr>
-      </p:pic>
-      <p:pic>
-        <p:nvPicPr>
-          <p:cNvPr id="43" name="그림 42">
-            <a:extLst>
-              <a:ext uri="{FF2B5EF4-FFF2-40B4-BE49-F238E27FC236}">
-                <a16:creationId xmlns:a16="http://schemas.microsoft.com/office/drawing/2014/main" id="{AF697016-2097-3F92-4DB2-15A23674189C}"/>
-              </a:ext>
-            </a:extLst>
-          </p:cNvPr>
-          <p:cNvPicPr>
-            <a:picLocks noChangeAspect="1"/>
-          </p:cNvPicPr>
-          <p:nvPr/>
-        </p:nvPicPr>
-        <p:blipFill>
-          <a:blip r:embed="rId2">
-            <a:extLst>
-              <a:ext uri="{28A0092B-C50C-407E-A947-70E740481C1C}">
-                <a14:useLocalDpi xmlns:a14="http://schemas.microsoft.com/office/drawing/2010/main" val="0"/>
-              </a:ext>
-            </a:extLst>
-          </a:blip>
-          <a:stretch>
-            <a:fillRect/>
-          </a:stretch>
-        </p:blipFill>
-        <p:spPr>
-          <a:xfrm>
-            <a:off x="6627559" y="1905000"/>
-            <a:ext cx="952500" cy="952500"/>
-          </a:xfrm>
-          <a:prstGeom prst="rect">
-            <a:avLst/>
-          </a:prstGeom>
-        </p:spPr>
-      </p:pic>
-      <p:pic>
-        <p:nvPicPr>
-          <p:cNvPr id="44" name="그림 43">
-            <a:extLst>
-              <a:ext uri="{FF2B5EF4-FFF2-40B4-BE49-F238E27FC236}">
-                <a16:creationId xmlns:a16="http://schemas.microsoft.com/office/drawing/2014/main" id="{1CB594BC-631C-3568-608D-C9BE7969E0F9}"/>
-              </a:ext>
-            </a:extLst>
-          </p:cNvPr>
-          <p:cNvPicPr>
-            <a:picLocks noChangeAspect="1"/>
-          </p:cNvPicPr>
-          <p:nvPr/>
-        </p:nvPicPr>
-        <p:blipFill>
-          <a:blip r:embed="rId2">
-            <a:extLst>
-              <a:ext uri="{28A0092B-C50C-407E-A947-70E740481C1C}">
-                <a14:useLocalDpi xmlns:a14="http://schemas.microsoft.com/office/drawing/2010/main" val="0"/>
-              </a:ext>
-            </a:extLst>
-          </a:blip>
-          <a:stretch>
-            <a:fillRect/>
-          </a:stretch>
-        </p:blipFill>
-        <p:spPr>
-          <a:xfrm>
-            <a:off x="7560197" y="1905000"/>
-            <a:ext cx="952500" cy="952500"/>
-          </a:xfrm>
-          <a:prstGeom prst="rect">
-            <a:avLst/>
-          </a:prstGeom>
-        </p:spPr>
-      </p:pic>
-      <p:pic>
-        <p:nvPicPr>
-          <p:cNvPr id="45" name="그림 44">
-            <a:extLst>
-              <a:ext uri="{FF2B5EF4-FFF2-40B4-BE49-F238E27FC236}">
-                <a16:creationId xmlns:a16="http://schemas.microsoft.com/office/drawing/2014/main" id="{694BD0A5-4B0B-5C28-8E4F-6E5D323816EF}"/>
-              </a:ext>
-            </a:extLst>
-          </p:cNvPr>
-          <p:cNvPicPr>
-            <a:picLocks noChangeAspect="1"/>
-          </p:cNvPicPr>
-          <p:nvPr/>
-        </p:nvPicPr>
-        <p:blipFill>
-          <a:blip r:embed="rId2">
-            <a:extLst>
-              <a:ext uri="{28A0092B-C50C-407E-A947-70E740481C1C}">
-                <a14:useLocalDpi xmlns:a14="http://schemas.microsoft.com/office/drawing/2010/main" val="0"/>
-              </a:ext>
-            </a:extLst>
-          </a:blip>
-          <a:stretch>
-            <a:fillRect/>
-          </a:stretch>
-        </p:blipFill>
-        <p:spPr>
-          <a:xfrm>
-            <a:off x="8497111" y="1905000"/>
-            <a:ext cx="952500" cy="952500"/>
-          </a:xfrm>
-          <a:prstGeom prst="rect">
-            <a:avLst/>
-          </a:prstGeom>
-        </p:spPr>
-      </p:pic>
-      <p:pic>
-        <p:nvPicPr>
-          <p:cNvPr id="46" name="그림 45">
-            <a:extLst>
-              <a:ext uri="{FF2B5EF4-FFF2-40B4-BE49-F238E27FC236}">
-                <a16:creationId xmlns:a16="http://schemas.microsoft.com/office/drawing/2014/main" id="{FA3D875F-7298-69A5-3EA5-D7FC41A5E9BB}"/>
-              </a:ext>
-            </a:extLst>
-          </p:cNvPr>
-          <p:cNvPicPr>
-            <a:picLocks noChangeAspect="1"/>
-          </p:cNvPicPr>
-          <p:nvPr/>
-        </p:nvPicPr>
-        <p:blipFill>
-          <a:blip r:embed="rId2">
-            <a:extLst>
-              <a:ext uri="{28A0092B-C50C-407E-A947-70E740481C1C}">
-                <a14:useLocalDpi xmlns:a14="http://schemas.microsoft.com/office/drawing/2010/main" val="0"/>
-              </a:ext>
-            </a:extLst>
-          </a:blip>
-          <a:stretch>
-            <a:fillRect/>
-          </a:stretch>
-        </p:blipFill>
-        <p:spPr>
-          <a:xfrm>
-            <a:off x="9441872" y="1905000"/>
-            <a:ext cx="952500" cy="952500"/>
-          </a:xfrm>
-          <a:prstGeom prst="rect">
-            <a:avLst/>
-          </a:prstGeom>
-        </p:spPr>
-      </p:pic>
-      <p:pic>
-        <p:nvPicPr>
-          <p:cNvPr id="47" name="그림 46">
-            <a:extLst>
-              <a:ext uri="{FF2B5EF4-FFF2-40B4-BE49-F238E27FC236}">
-                <a16:creationId xmlns:a16="http://schemas.microsoft.com/office/drawing/2014/main" id="{2E1BE1F0-D2CB-8ADB-5D73-31B318751D73}"/>
-              </a:ext>
-            </a:extLst>
-          </p:cNvPr>
-          <p:cNvPicPr>
-            <a:picLocks noChangeAspect="1"/>
-          </p:cNvPicPr>
-          <p:nvPr/>
-        </p:nvPicPr>
-        <p:blipFill>
-          <a:blip r:embed="rId2">
-            <a:extLst>
-              <a:ext uri="{28A0092B-C50C-407E-A947-70E740481C1C}">
-                <a14:useLocalDpi xmlns:a14="http://schemas.microsoft.com/office/drawing/2010/main" val="0"/>
-              </a:ext>
-            </a:extLst>
-          </a:blip>
-          <a:stretch>
-            <a:fillRect/>
-          </a:stretch>
-        </p:blipFill>
-        <p:spPr>
-          <a:xfrm>
-            <a:off x="10374402" y="1905000"/>
-            <a:ext cx="952500" cy="952500"/>
-          </a:xfrm>
-          <a:prstGeom prst="rect">
-            <a:avLst/>
-          </a:prstGeom>
-        </p:spPr>
-      </p:pic>
-      <p:pic>
-        <p:nvPicPr>
-          <p:cNvPr id="48" name="그림 47">
-            <a:extLst>
-              <a:ext uri="{FF2B5EF4-FFF2-40B4-BE49-F238E27FC236}">
-                <a16:creationId xmlns:a16="http://schemas.microsoft.com/office/drawing/2014/main" id="{E6D707AE-AF9A-B707-C26B-50D050C12EB6}"/>
-              </a:ext>
-            </a:extLst>
-          </p:cNvPr>
-          <p:cNvPicPr>
-            <a:picLocks noChangeAspect="1"/>
-          </p:cNvPicPr>
-          <p:nvPr/>
-        </p:nvPicPr>
-        <p:blipFill>
-          <a:blip r:embed="rId2">
-            <a:extLst>
-              <a:ext uri="{28A0092B-C50C-407E-A947-70E740481C1C}">
-                <a14:useLocalDpi xmlns:a14="http://schemas.microsoft.com/office/drawing/2010/main" val="0"/>
-              </a:ext>
-            </a:extLst>
-          </a:blip>
-          <a:stretch>
-            <a:fillRect/>
-          </a:stretch>
-        </p:blipFill>
-        <p:spPr>
-          <a:xfrm>
-            <a:off x="11302251" y="1905000"/>
-            <a:ext cx="952500" cy="952500"/>
-          </a:xfrm>
-          <a:prstGeom prst="rect">
-            <a:avLst/>
-          </a:prstGeom>
-        </p:spPr>
-      </p:pic>
-      <p:pic>
-        <p:nvPicPr>
-          <p:cNvPr id="49" name="그림 48">
-            <a:extLst>
-              <a:ext uri="{FF2B5EF4-FFF2-40B4-BE49-F238E27FC236}">
-                <a16:creationId xmlns:a16="http://schemas.microsoft.com/office/drawing/2014/main" id="{C98D2232-7227-2C30-3FB1-132B37263BC4}"/>
-              </a:ext>
-            </a:extLst>
-          </p:cNvPr>
-          <p:cNvPicPr>
-            <a:picLocks noChangeAspect="1"/>
-          </p:cNvPicPr>
-          <p:nvPr/>
-        </p:nvPicPr>
-        <p:blipFill>
-          <a:blip r:embed="rId2">
-            <a:extLst>
-              <a:ext uri="{28A0092B-C50C-407E-A947-70E740481C1C}">
-                <a14:useLocalDpi xmlns:a14="http://schemas.microsoft.com/office/drawing/2010/main" val="0"/>
-              </a:ext>
-            </a:extLst>
-          </a:blip>
-          <a:stretch>
-            <a:fillRect/>
-          </a:stretch>
-        </p:blipFill>
-        <p:spPr>
-          <a:xfrm>
-            <a:off x="-2679" y="2857500"/>
-            <a:ext cx="952500" cy="952500"/>
-          </a:xfrm>
-          <a:prstGeom prst="rect">
-            <a:avLst/>
-          </a:prstGeom>
-        </p:spPr>
-      </p:pic>
-      <p:pic>
-        <p:nvPicPr>
-          <p:cNvPr id="50" name="그림 49">
-            <a:extLst>
-              <a:ext uri="{FF2B5EF4-FFF2-40B4-BE49-F238E27FC236}">
-                <a16:creationId xmlns:a16="http://schemas.microsoft.com/office/drawing/2014/main" id="{047985E4-5ADD-B9A3-3938-69B14485487D}"/>
-              </a:ext>
-            </a:extLst>
-          </p:cNvPr>
-          <p:cNvPicPr>
-            <a:picLocks noChangeAspect="1"/>
-          </p:cNvPicPr>
-          <p:nvPr/>
-        </p:nvPicPr>
-        <p:blipFill>
-          <a:blip r:embed="rId2">
-            <a:extLst>
-              <a:ext uri="{28A0092B-C50C-407E-A947-70E740481C1C}">
-                <a14:useLocalDpi xmlns:a14="http://schemas.microsoft.com/office/drawing/2010/main" val="0"/>
-              </a:ext>
-            </a:extLst>
-          </a:blip>
-          <a:stretch>
-            <a:fillRect/>
-          </a:stretch>
-        </p:blipFill>
-        <p:spPr>
-          <a:xfrm>
-            <a:off x="929986" y="2857500"/>
-            <a:ext cx="952500" cy="952500"/>
-          </a:xfrm>
-          <a:prstGeom prst="rect">
-            <a:avLst/>
-          </a:prstGeom>
-        </p:spPr>
-      </p:pic>
-      <p:pic>
-        <p:nvPicPr>
-          <p:cNvPr id="51" name="그림 50">
-            <a:extLst>
-              <a:ext uri="{FF2B5EF4-FFF2-40B4-BE49-F238E27FC236}">
-                <a16:creationId xmlns:a16="http://schemas.microsoft.com/office/drawing/2014/main" id="{BAB311AF-103D-A333-4D80-CBAFD5FA4AE8}"/>
-              </a:ext>
-            </a:extLst>
-          </p:cNvPr>
-          <p:cNvPicPr>
-            <a:picLocks noChangeAspect="1"/>
-          </p:cNvPicPr>
-          <p:nvPr/>
-        </p:nvPicPr>
-        <p:blipFill>
-          <a:blip r:embed="rId2">
-            <a:extLst>
-              <a:ext uri="{28A0092B-C50C-407E-A947-70E740481C1C}">
-                <a14:useLocalDpi xmlns:a14="http://schemas.microsoft.com/office/drawing/2010/main" val="0"/>
-              </a:ext>
-            </a:extLst>
-          </a:blip>
-          <a:stretch>
-            <a:fillRect/>
-          </a:stretch>
-        </p:blipFill>
-        <p:spPr>
-          <a:xfrm>
-            <a:off x="1877291" y="2857500"/>
-            <a:ext cx="952500" cy="952500"/>
-          </a:xfrm>
-          <a:prstGeom prst="rect">
-            <a:avLst/>
-          </a:prstGeom>
-        </p:spPr>
-      </p:pic>
-      <p:pic>
-        <p:nvPicPr>
-          <p:cNvPr id="52" name="그림 51">
-            <a:extLst>
-              <a:ext uri="{FF2B5EF4-FFF2-40B4-BE49-F238E27FC236}">
-                <a16:creationId xmlns:a16="http://schemas.microsoft.com/office/drawing/2014/main" id="{CE88BD20-2FDC-2AE8-7065-B8D91B8BCD11}"/>
-              </a:ext>
-            </a:extLst>
-          </p:cNvPr>
-          <p:cNvPicPr>
-            <a:picLocks noChangeAspect="1"/>
-          </p:cNvPicPr>
-          <p:nvPr/>
-        </p:nvPicPr>
-        <p:blipFill>
-          <a:blip r:embed="rId2">
-            <a:extLst>
-              <a:ext uri="{28A0092B-C50C-407E-A947-70E740481C1C}">
-                <a14:useLocalDpi xmlns:a14="http://schemas.microsoft.com/office/drawing/2010/main" val="0"/>
-              </a:ext>
-            </a:extLst>
-          </a:blip>
-          <a:stretch>
-            <a:fillRect/>
-          </a:stretch>
-        </p:blipFill>
-        <p:spPr>
-          <a:xfrm>
-            <a:off x="2822430" y="2857500"/>
-            <a:ext cx="952500" cy="952500"/>
-          </a:xfrm>
-          <a:prstGeom prst="rect">
-            <a:avLst/>
-          </a:prstGeom>
-        </p:spPr>
-      </p:pic>
-      <p:pic>
-        <p:nvPicPr>
-          <p:cNvPr id="53" name="그림 52">
-            <a:extLst>
-              <a:ext uri="{FF2B5EF4-FFF2-40B4-BE49-F238E27FC236}">
-                <a16:creationId xmlns:a16="http://schemas.microsoft.com/office/drawing/2014/main" id="{B023B1BB-3F5E-8661-694C-6A46856641B8}"/>
-              </a:ext>
-            </a:extLst>
-          </p:cNvPr>
-          <p:cNvPicPr>
-            <a:picLocks noChangeAspect="1"/>
-          </p:cNvPicPr>
-          <p:nvPr/>
-        </p:nvPicPr>
-        <p:blipFill>
-          <a:blip r:embed="rId2">
-            <a:extLst>
-              <a:ext uri="{28A0092B-C50C-407E-A947-70E740481C1C}">
-                <a14:useLocalDpi xmlns:a14="http://schemas.microsoft.com/office/drawing/2010/main" val="0"/>
-              </a:ext>
-            </a:extLst>
-          </a:blip>
-          <a:stretch>
-            <a:fillRect/>
-          </a:stretch>
-        </p:blipFill>
-        <p:spPr>
-          <a:xfrm>
-            <a:off x="3768814" y="2857500"/>
-            <a:ext cx="952500" cy="952500"/>
-          </a:xfrm>
-          <a:prstGeom prst="rect">
-            <a:avLst/>
-          </a:prstGeom>
-        </p:spPr>
-      </p:pic>
-      <p:pic>
-        <p:nvPicPr>
-          <p:cNvPr id="54" name="그림 53">
-            <a:extLst>
-              <a:ext uri="{FF2B5EF4-FFF2-40B4-BE49-F238E27FC236}">
-                <a16:creationId xmlns:a16="http://schemas.microsoft.com/office/drawing/2014/main" id="{09A8DB68-E666-A3ED-1333-C809DBD6D852}"/>
-              </a:ext>
-            </a:extLst>
-          </p:cNvPr>
-          <p:cNvPicPr>
-            <a:picLocks noChangeAspect="1"/>
-          </p:cNvPicPr>
-          <p:nvPr/>
-        </p:nvPicPr>
-        <p:blipFill>
-          <a:blip r:embed="rId2">
-            <a:extLst>
-              <a:ext uri="{28A0092B-C50C-407E-A947-70E740481C1C}">
-                <a14:useLocalDpi xmlns:a14="http://schemas.microsoft.com/office/drawing/2010/main" val="0"/>
-              </a:ext>
-            </a:extLst>
-          </a:blip>
-          <a:stretch>
-            <a:fillRect/>
-          </a:stretch>
-        </p:blipFill>
-        <p:spPr>
-          <a:xfrm>
-            <a:off x="4715524" y="2857500"/>
-            <a:ext cx="952500" cy="952500"/>
-          </a:xfrm>
-          <a:prstGeom prst="rect">
-            <a:avLst/>
-          </a:prstGeom>
-        </p:spPr>
-      </p:pic>
-      <p:pic>
-        <p:nvPicPr>
-          <p:cNvPr id="55" name="그림 54">
-            <a:extLst>
-              <a:ext uri="{FF2B5EF4-FFF2-40B4-BE49-F238E27FC236}">
-                <a16:creationId xmlns:a16="http://schemas.microsoft.com/office/drawing/2014/main" id="{2E9EECAD-D127-FD50-5BE0-39B18354FE92}"/>
-              </a:ext>
-            </a:extLst>
-          </p:cNvPr>
-          <p:cNvPicPr>
-            <a:picLocks noChangeAspect="1"/>
-          </p:cNvPicPr>
-          <p:nvPr/>
-        </p:nvPicPr>
-        <p:blipFill>
-          <a:blip r:embed="rId2">
-            <a:extLst>
-              <a:ext uri="{28A0092B-C50C-407E-A947-70E740481C1C}">
-                <a14:useLocalDpi xmlns:a14="http://schemas.microsoft.com/office/drawing/2010/main" val="0"/>
-              </a:ext>
-            </a:extLst>
-          </a:blip>
-          <a:stretch>
-            <a:fillRect/>
-          </a:stretch>
-        </p:blipFill>
-        <p:spPr>
-          <a:xfrm>
-            <a:off x="5658716" y="2857500"/>
-            <a:ext cx="952500" cy="952500"/>
-          </a:xfrm>
-          <a:prstGeom prst="rect">
-            <a:avLst/>
-          </a:prstGeom>
-        </p:spPr>
-      </p:pic>
-      <p:pic>
-        <p:nvPicPr>
-          <p:cNvPr id="56" name="그림 55">
-            <a:extLst>
-              <a:ext uri="{FF2B5EF4-FFF2-40B4-BE49-F238E27FC236}">
-                <a16:creationId xmlns:a16="http://schemas.microsoft.com/office/drawing/2014/main" id="{5E5F526B-748A-87CC-E09B-11B5AA3ADDB1}"/>
-              </a:ext>
-            </a:extLst>
-          </p:cNvPr>
-          <p:cNvPicPr>
-            <a:picLocks noChangeAspect="1"/>
-          </p:cNvPicPr>
-          <p:nvPr/>
-        </p:nvPicPr>
-        <p:blipFill>
-          <a:blip r:embed="rId2">
-            <a:extLst>
-              <a:ext uri="{28A0092B-C50C-407E-A947-70E740481C1C}">
-                <a14:useLocalDpi xmlns:a14="http://schemas.microsoft.com/office/drawing/2010/main" val="0"/>
-              </a:ext>
-            </a:extLst>
-          </a:blip>
-          <a:stretch>
-            <a:fillRect/>
-          </a:stretch>
-        </p:blipFill>
-        <p:spPr>
-          <a:xfrm>
-            <a:off x="6607291" y="2857500"/>
-            <a:ext cx="952500" cy="952500"/>
-          </a:xfrm>
-          <a:prstGeom prst="rect">
-            <a:avLst/>
-          </a:prstGeom>
-        </p:spPr>
-      </p:pic>
-      <p:pic>
-        <p:nvPicPr>
-          <p:cNvPr id="57" name="그림 56">
-            <a:extLst>
-              <a:ext uri="{FF2B5EF4-FFF2-40B4-BE49-F238E27FC236}">
-                <a16:creationId xmlns:a16="http://schemas.microsoft.com/office/drawing/2014/main" id="{B2A83BE2-76FB-5C09-2640-BD9E0EB8D478}"/>
-              </a:ext>
-            </a:extLst>
-          </p:cNvPr>
-          <p:cNvPicPr>
-            <a:picLocks noChangeAspect="1"/>
-          </p:cNvPicPr>
-          <p:nvPr/>
-        </p:nvPicPr>
-        <p:blipFill>
-          <a:blip r:embed="rId2">
-            <a:extLst>
-              <a:ext uri="{28A0092B-C50C-407E-A947-70E740481C1C}">
-                <a14:useLocalDpi xmlns:a14="http://schemas.microsoft.com/office/drawing/2010/main" val="0"/>
-              </a:ext>
-            </a:extLst>
-          </a:blip>
-          <a:stretch>
-            <a:fillRect/>
-          </a:stretch>
-        </p:blipFill>
-        <p:spPr>
-          <a:xfrm>
-            <a:off x="7560197" y="2857500"/>
-            <a:ext cx="952500" cy="952500"/>
-          </a:xfrm>
-          <a:prstGeom prst="rect">
-            <a:avLst/>
-          </a:prstGeom>
-        </p:spPr>
-      </p:pic>
-      <p:pic>
-        <p:nvPicPr>
-          <p:cNvPr id="58" name="그림 57">
-            <a:extLst>
-              <a:ext uri="{FF2B5EF4-FFF2-40B4-BE49-F238E27FC236}">
-                <a16:creationId xmlns:a16="http://schemas.microsoft.com/office/drawing/2014/main" id="{9F060A65-BD52-6D8F-E44B-879252115343}"/>
-              </a:ext>
-            </a:extLst>
-          </p:cNvPr>
-          <p:cNvPicPr>
-            <a:picLocks noChangeAspect="1"/>
-          </p:cNvPicPr>
-          <p:nvPr/>
-        </p:nvPicPr>
-        <p:blipFill>
-          <a:blip r:embed="rId2">
-            <a:extLst>
-              <a:ext uri="{28A0092B-C50C-407E-A947-70E740481C1C}">
-                <a14:useLocalDpi xmlns:a14="http://schemas.microsoft.com/office/drawing/2010/main" val="0"/>
-              </a:ext>
-            </a:extLst>
-          </a:blip>
-          <a:stretch>
-            <a:fillRect/>
-          </a:stretch>
-        </p:blipFill>
-        <p:spPr>
-          <a:xfrm>
-            <a:off x="8505364" y="2857500"/>
-            <a:ext cx="952500" cy="952500"/>
-          </a:xfrm>
-          <a:prstGeom prst="rect">
-            <a:avLst/>
-          </a:prstGeom>
-        </p:spPr>
-      </p:pic>
-      <p:pic>
-        <p:nvPicPr>
-          <p:cNvPr id="59" name="그림 58">
-            <a:extLst>
-              <a:ext uri="{FF2B5EF4-FFF2-40B4-BE49-F238E27FC236}">
-                <a16:creationId xmlns:a16="http://schemas.microsoft.com/office/drawing/2014/main" id="{61CBDAEF-1EBC-B57C-647E-63C0F8F36DB8}"/>
-              </a:ext>
-            </a:extLst>
-          </p:cNvPr>
-          <p:cNvPicPr>
-            <a:picLocks noChangeAspect="1"/>
-          </p:cNvPicPr>
-          <p:nvPr/>
-        </p:nvPicPr>
-        <p:blipFill>
-          <a:blip r:embed="rId2">
-            <a:extLst>
-              <a:ext uri="{28A0092B-C50C-407E-A947-70E740481C1C}">
-                <a14:useLocalDpi xmlns:a14="http://schemas.microsoft.com/office/drawing/2010/main" val="0"/>
-              </a:ext>
-            </a:extLst>
-          </a:blip>
-          <a:stretch>
-            <a:fillRect/>
-          </a:stretch>
-        </p:blipFill>
-        <p:spPr>
-          <a:xfrm>
-            <a:off x="9450531" y="2857500"/>
-            <a:ext cx="952500" cy="952500"/>
-          </a:xfrm>
-          <a:prstGeom prst="rect">
-            <a:avLst/>
-          </a:prstGeom>
-        </p:spPr>
-      </p:pic>
-      <p:pic>
-        <p:nvPicPr>
-          <p:cNvPr id="60" name="그림 59">
-            <a:extLst>
-              <a:ext uri="{FF2B5EF4-FFF2-40B4-BE49-F238E27FC236}">
-                <a16:creationId xmlns:a16="http://schemas.microsoft.com/office/drawing/2014/main" id="{FCB9477D-709A-7342-F1A4-43694A9083F3}"/>
-              </a:ext>
-            </a:extLst>
-          </p:cNvPr>
-          <p:cNvPicPr>
-            <a:picLocks noChangeAspect="1"/>
-          </p:cNvPicPr>
-          <p:nvPr/>
-        </p:nvPicPr>
-        <p:blipFill>
-          <a:blip r:embed="rId2">
-            <a:extLst>
-              <a:ext uri="{28A0092B-C50C-407E-A947-70E740481C1C}">
-                <a14:useLocalDpi xmlns:a14="http://schemas.microsoft.com/office/drawing/2010/main" val="0"/>
-              </a:ext>
-            </a:extLst>
-          </a:blip>
-          <a:stretch>
-            <a:fillRect/>
-          </a:stretch>
-        </p:blipFill>
-        <p:spPr>
-          <a:xfrm>
-            <a:off x="10397836" y="2857500"/>
-            <a:ext cx="952500" cy="952500"/>
-          </a:xfrm>
-          <a:prstGeom prst="rect">
-            <a:avLst/>
-          </a:prstGeom>
-        </p:spPr>
-      </p:pic>
-      <p:pic>
-        <p:nvPicPr>
-          <p:cNvPr id="61" name="그림 60">
-            <a:extLst>
-              <a:ext uri="{FF2B5EF4-FFF2-40B4-BE49-F238E27FC236}">
-                <a16:creationId xmlns:a16="http://schemas.microsoft.com/office/drawing/2014/main" id="{3A2184D9-A405-EFE3-A844-B5D5CD619531}"/>
-              </a:ext>
-            </a:extLst>
-          </p:cNvPr>
-          <p:cNvPicPr>
-            <a:picLocks noChangeAspect="1"/>
-          </p:cNvPicPr>
-          <p:nvPr/>
-        </p:nvPicPr>
-        <p:blipFill>
-          <a:blip r:embed="rId2">
-            <a:extLst>
-              <a:ext uri="{28A0092B-C50C-407E-A947-70E740481C1C}">
-                <a14:useLocalDpi xmlns:a14="http://schemas.microsoft.com/office/drawing/2010/main" val="0"/>
-              </a:ext>
-            </a:extLst>
-          </a:blip>
-          <a:stretch>
-            <a:fillRect/>
-          </a:stretch>
-        </p:blipFill>
-        <p:spPr>
-          <a:xfrm>
-            <a:off x="11300827" y="2857500"/>
-            <a:ext cx="952500" cy="952500"/>
-          </a:xfrm>
-          <a:prstGeom prst="rect">
-            <a:avLst/>
-          </a:prstGeom>
-        </p:spPr>
-      </p:pic>
-      <p:pic>
-        <p:nvPicPr>
-          <p:cNvPr id="62" name="그림 61">
-            <a:extLst>
-              <a:ext uri="{FF2B5EF4-FFF2-40B4-BE49-F238E27FC236}">
-                <a16:creationId xmlns:a16="http://schemas.microsoft.com/office/drawing/2014/main" id="{1C53F94E-1B6A-D866-9D2C-59264FEA2335}"/>
-              </a:ext>
-            </a:extLst>
-          </p:cNvPr>
-          <p:cNvPicPr>
-            <a:picLocks noChangeAspect="1"/>
-          </p:cNvPicPr>
-          <p:nvPr/>
-        </p:nvPicPr>
-        <p:blipFill>
-          <a:blip r:embed="rId2">
-            <a:extLst>
-              <a:ext uri="{28A0092B-C50C-407E-A947-70E740481C1C}">
-                <a14:useLocalDpi xmlns:a14="http://schemas.microsoft.com/office/drawing/2010/main" val="0"/>
-              </a:ext>
-            </a:extLst>
-          </a:blip>
-          <a:stretch>
-            <a:fillRect/>
-          </a:stretch>
-        </p:blipFill>
-        <p:spPr>
-          <a:xfrm>
-            <a:off x="-12596" y="3810000"/>
-            <a:ext cx="952500" cy="952500"/>
-          </a:xfrm>
-          <a:prstGeom prst="rect">
-            <a:avLst/>
-          </a:prstGeom>
-        </p:spPr>
-      </p:pic>
-      <p:pic>
-        <p:nvPicPr>
-          <p:cNvPr id="63" name="그림 62">
-            <a:extLst>
-              <a:ext uri="{FF2B5EF4-FFF2-40B4-BE49-F238E27FC236}">
-                <a16:creationId xmlns:a16="http://schemas.microsoft.com/office/drawing/2014/main" id="{0EE07063-C63C-459E-0EDB-4DA7B51B40E9}"/>
-              </a:ext>
-            </a:extLst>
-          </p:cNvPr>
-          <p:cNvPicPr>
-            <a:picLocks noChangeAspect="1"/>
-          </p:cNvPicPr>
-          <p:nvPr/>
-        </p:nvPicPr>
-        <p:blipFill>
-          <a:blip r:embed="rId2">
-            <a:extLst>
-              <a:ext uri="{28A0092B-C50C-407E-A947-70E740481C1C}">
-                <a14:useLocalDpi xmlns:a14="http://schemas.microsoft.com/office/drawing/2010/main" val="0"/>
-              </a:ext>
-            </a:extLst>
-          </a:blip>
-          <a:stretch>
-            <a:fillRect/>
-          </a:stretch>
-        </p:blipFill>
-        <p:spPr>
-          <a:xfrm>
-            <a:off x="930786" y="3810000"/>
-            <a:ext cx="952500" cy="952500"/>
-          </a:xfrm>
-          <a:prstGeom prst="rect">
-            <a:avLst/>
-          </a:prstGeom>
-        </p:spPr>
-      </p:pic>
-      <p:pic>
-        <p:nvPicPr>
-          <p:cNvPr id="64" name="그림 63">
-            <a:extLst>
-              <a:ext uri="{FF2B5EF4-FFF2-40B4-BE49-F238E27FC236}">
-                <a16:creationId xmlns:a16="http://schemas.microsoft.com/office/drawing/2014/main" id="{32ACDC04-58D4-60E1-B1A7-93ED10DC3516}"/>
-              </a:ext>
-            </a:extLst>
-          </p:cNvPr>
-          <p:cNvPicPr>
-            <a:picLocks noChangeAspect="1"/>
-          </p:cNvPicPr>
-          <p:nvPr/>
-        </p:nvPicPr>
-        <p:blipFill>
-          <a:blip r:embed="rId2">
-            <a:extLst>
-              <a:ext uri="{28A0092B-C50C-407E-A947-70E740481C1C}">
-                <a14:useLocalDpi xmlns:a14="http://schemas.microsoft.com/office/drawing/2010/main" val="0"/>
-              </a:ext>
-            </a:extLst>
-          </a:blip>
-          <a:stretch>
-            <a:fillRect/>
-          </a:stretch>
-        </p:blipFill>
-        <p:spPr>
-          <a:xfrm>
-            <a:off x="1878914" y="3810000"/>
-            <a:ext cx="952500" cy="952500"/>
-          </a:xfrm>
-          <a:prstGeom prst="rect">
-            <a:avLst/>
-          </a:prstGeom>
-        </p:spPr>
-      </p:pic>
-      <p:pic>
-        <p:nvPicPr>
-          <p:cNvPr id="65" name="그림 64">
-            <a:extLst>
-              <a:ext uri="{FF2B5EF4-FFF2-40B4-BE49-F238E27FC236}">
-                <a16:creationId xmlns:a16="http://schemas.microsoft.com/office/drawing/2014/main" id="{E54AD96A-05C7-66DC-79B2-59AF81441F0D}"/>
-              </a:ext>
-            </a:extLst>
-          </p:cNvPr>
-          <p:cNvPicPr>
-            <a:picLocks noChangeAspect="1"/>
-          </p:cNvPicPr>
-          <p:nvPr/>
-        </p:nvPicPr>
-        <p:blipFill>
-          <a:blip r:embed="rId2">
-            <a:extLst>
-              <a:ext uri="{28A0092B-C50C-407E-A947-70E740481C1C}">
-                <a14:useLocalDpi xmlns:a14="http://schemas.microsoft.com/office/drawing/2010/main" val="0"/>
-              </a:ext>
-            </a:extLst>
-          </a:blip>
-          <a:stretch>
-            <a:fillRect/>
-          </a:stretch>
-        </p:blipFill>
-        <p:spPr>
-          <a:xfrm>
-            <a:off x="2822228" y="3810000"/>
-            <a:ext cx="952500" cy="952500"/>
-          </a:xfrm>
-          <a:prstGeom prst="rect">
-            <a:avLst/>
-          </a:prstGeom>
-        </p:spPr>
-      </p:pic>
-      <p:pic>
-        <p:nvPicPr>
-          <p:cNvPr id="66" name="그림 65">
-            <a:extLst>
-              <a:ext uri="{FF2B5EF4-FFF2-40B4-BE49-F238E27FC236}">
-                <a16:creationId xmlns:a16="http://schemas.microsoft.com/office/drawing/2014/main" id="{13F9D375-0480-A815-6852-80BE76168E07}"/>
-              </a:ext>
-            </a:extLst>
-          </p:cNvPr>
-          <p:cNvPicPr>
-            <a:picLocks noChangeAspect="1"/>
-          </p:cNvPicPr>
-          <p:nvPr/>
-        </p:nvPicPr>
-        <p:blipFill>
-          <a:blip r:embed="rId2">
-            <a:extLst>
-              <a:ext uri="{28A0092B-C50C-407E-A947-70E740481C1C}">
-                <a14:useLocalDpi xmlns:a14="http://schemas.microsoft.com/office/drawing/2010/main" val="0"/>
-              </a:ext>
-            </a:extLst>
-          </a:blip>
-          <a:stretch>
-            <a:fillRect/>
-          </a:stretch>
-        </p:blipFill>
-        <p:spPr>
-          <a:xfrm>
-            <a:off x="3768112" y="3810000"/>
-            <a:ext cx="952500" cy="952500"/>
-          </a:xfrm>
-          <a:prstGeom prst="rect">
-            <a:avLst/>
-          </a:prstGeom>
-        </p:spPr>
-      </p:pic>
-      <p:pic>
-        <p:nvPicPr>
-          <p:cNvPr id="67" name="그림 66">
-            <a:extLst>
-              <a:ext uri="{FF2B5EF4-FFF2-40B4-BE49-F238E27FC236}">
-                <a16:creationId xmlns:a16="http://schemas.microsoft.com/office/drawing/2014/main" id="{C97E552F-1133-396F-0EBD-99E047330EFF}"/>
-              </a:ext>
-            </a:extLst>
-          </p:cNvPr>
-          <p:cNvPicPr>
-            <a:picLocks noChangeAspect="1"/>
-          </p:cNvPicPr>
-          <p:nvPr/>
-        </p:nvPicPr>
-        <p:blipFill>
-          <a:blip r:embed="rId2">
-            <a:extLst>
-              <a:ext uri="{28A0092B-C50C-407E-A947-70E740481C1C}">
-                <a14:useLocalDpi xmlns:a14="http://schemas.microsoft.com/office/drawing/2010/main" val="0"/>
-              </a:ext>
-            </a:extLst>
-          </a:blip>
-          <a:stretch>
-            <a:fillRect/>
-          </a:stretch>
-        </p:blipFill>
-        <p:spPr>
-          <a:xfrm>
-            <a:off x="4713981" y="3810000"/>
-            <a:ext cx="952500" cy="952500"/>
-          </a:xfrm>
-          <a:prstGeom prst="rect">
-            <a:avLst/>
-          </a:prstGeom>
-        </p:spPr>
-      </p:pic>
-      <p:pic>
-        <p:nvPicPr>
-          <p:cNvPr id="68" name="그림 67">
-            <a:extLst>
-              <a:ext uri="{FF2B5EF4-FFF2-40B4-BE49-F238E27FC236}">
-                <a16:creationId xmlns:a16="http://schemas.microsoft.com/office/drawing/2014/main" id="{317D5079-1F47-CD59-5339-4CB7D7C9C7F1}"/>
-              </a:ext>
-            </a:extLst>
-          </p:cNvPr>
-          <p:cNvPicPr>
-            <a:picLocks noChangeAspect="1"/>
-          </p:cNvPicPr>
-          <p:nvPr/>
-        </p:nvPicPr>
-        <p:blipFill>
-          <a:blip r:embed="rId2">
-            <a:extLst>
-              <a:ext uri="{28A0092B-C50C-407E-A947-70E740481C1C}">
-                <a14:useLocalDpi xmlns:a14="http://schemas.microsoft.com/office/drawing/2010/main" val="0"/>
-              </a:ext>
-            </a:extLst>
-          </a:blip>
-          <a:stretch>
-            <a:fillRect/>
-          </a:stretch>
-        </p:blipFill>
-        <p:spPr>
-          <a:xfrm>
-            <a:off x="5660028" y="3810000"/>
-            <a:ext cx="952500" cy="952500"/>
-          </a:xfrm>
-          <a:prstGeom prst="rect">
-            <a:avLst/>
-          </a:prstGeom>
-        </p:spPr>
-      </p:pic>
-      <p:pic>
-        <p:nvPicPr>
-          <p:cNvPr id="69" name="그림 68">
-            <a:extLst>
-              <a:ext uri="{FF2B5EF4-FFF2-40B4-BE49-F238E27FC236}">
-                <a16:creationId xmlns:a16="http://schemas.microsoft.com/office/drawing/2014/main" id="{3D15C54A-CBA0-FD3D-2809-761CF49FCA7C}"/>
-              </a:ext>
-            </a:extLst>
-          </p:cNvPr>
-          <p:cNvPicPr>
-            <a:picLocks noChangeAspect="1"/>
-          </p:cNvPicPr>
-          <p:nvPr/>
-        </p:nvPicPr>
-        <p:blipFill>
-          <a:blip r:embed="rId2">
-            <a:extLst>
-              <a:ext uri="{28A0092B-C50C-407E-A947-70E740481C1C}">
-                <a14:useLocalDpi xmlns:a14="http://schemas.microsoft.com/office/drawing/2010/main" val="0"/>
-              </a:ext>
-            </a:extLst>
-          </a:blip>
-          <a:stretch>
-            <a:fillRect/>
-          </a:stretch>
-        </p:blipFill>
-        <p:spPr>
-          <a:xfrm>
-            <a:off x="6605195" y="3810000"/>
-            <a:ext cx="952500" cy="952500"/>
-          </a:xfrm>
-          <a:prstGeom prst="rect">
-            <a:avLst/>
-          </a:prstGeom>
-        </p:spPr>
-      </p:pic>
-      <p:pic>
-        <p:nvPicPr>
-          <p:cNvPr id="70" name="그림 69">
-            <a:extLst>
-              <a:ext uri="{FF2B5EF4-FFF2-40B4-BE49-F238E27FC236}">
-                <a16:creationId xmlns:a16="http://schemas.microsoft.com/office/drawing/2014/main" id="{CF90697B-D6C0-2316-D0C2-3A6C861470C2}"/>
-              </a:ext>
-            </a:extLst>
-          </p:cNvPr>
-          <p:cNvPicPr>
-            <a:picLocks noChangeAspect="1"/>
-          </p:cNvPicPr>
-          <p:nvPr/>
-        </p:nvPicPr>
-        <p:blipFill>
-          <a:blip r:embed="rId2">
-            <a:extLst>
-              <a:ext uri="{28A0092B-C50C-407E-A947-70E740481C1C}">
-                <a14:useLocalDpi xmlns:a14="http://schemas.microsoft.com/office/drawing/2010/main" val="0"/>
-              </a:ext>
-            </a:extLst>
-          </a:blip>
-          <a:stretch>
-            <a:fillRect/>
-          </a:stretch>
-        </p:blipFill>
-        <p:spPr>
-          <a:xfrm>
-            <a:off x="7550632" y="3810000"/>
-            <a:ext cx="952500" cy="952500"/>
-          </a:xfrm>
-          <a:prstGeom prst="rect">
-            <a:avLst/>
-          </a:prstGeom>
-        </p:spPr>
-      </p:pic>
-      <p:pic>
-        <p:nvPicPr>
-          <p:cNvPr id="71" name="그림 70">
-            <a:extLst>
-              <a:ext uri="{FF2B5EF4-FFF2-40B4-BE49-F238E27FC236}">
-                <a16:creationId xmlns:a16="http://schemas.microsoft.com/office/drawing/2014/main" id="{5496A83C-6DB6-BCB8-7A2D-6A7DB734EBA3}"/>
-              </a:ext>
-            </a:extLst>
-          </p:cNvPr>
-          <p:cNvPicPr>
-            <a:picLocks noChangeAspect="1"/>
-          </p:cNvPicPr>
-          <p:nvPr/>
-        </p:nvPicPr>
-        <p:blipFill>
-          <a:blip r:embed="rId2">
-            <a:extLst>
-              <a:ext uri="{28A0092B-C50C-407E-A947-70E740481C1C}">
-                <a14:useLocalDpi xmlns:a14="http://schemas.microsoft.com/office/drawing/2010/main" val="0"/>
-              </a:ext>
-            </a:extLst>
-          </a:blip>
-          <a:stretch>
-            <a:fillRect/>
-          </a:stretch>
-        </p:blipFill>
-        <p:spPr>
-          <a:xfrm>
-            <a:off x="8479570" y="3810000"/>
-            <a:ext cx="952500" cy="952500"/>
-          </a:xfrm>
-          <a:prstGeom prst="rect">
-            <a:avLst/>
-          </a:prstGeom>
-        </p:spPr>
-      </p:pic>
-      <p:pic>
-        <p:nvPicPr>
-          <p:cNvPr id="72" name="그림 71">
-            <a:extLst>
-              <a:ext uri="{FF2B5EF4-FFF2-40B4-BE49-F238E27FC236}">
-                <a16:creationId xmlns:a16="http://schemas.microsoft.com/office/drawing/2014/main" id="{CAE1C625-0528-38D8-C0A2-CB3F374E09DE}"/>
-              </a:ext>
-            </a:extLst>
-          </p:cNvPr>
-          <p:cNvPicPr>
-            <a:picLocks noChangeAspect="1"/>
-          </p:cNvPicPr>
-          <p:nvPr/>
-        </p:nvPicPr>
-        <p:blipFill>
-          <a:blip r:embed="rId2">
-            <a:extLst>
-              <a:ext uri="{28A0092B-C50C-407E-A947-70E740481C1C}">
-                <a14:useLocalDpi xmlns:a14="http://schemas.microsoft.com/office/drawing/2010/main" val="0"/>
-              </a:ext>
-            </a:extLst>
-          </a:blip>
-          <a:stretch>
-            <a:fillRect/>
-          </a:stretch>
-        </p:blipFill>
-        <p:spPr>
-          <a:xfrm>
-            <a:off x="9432070" y="3810000"/>
-            <a:ext cx="952500" cy="952500"/>
-          </a:xfrm>
-          <a:prstGeom prst="rect">
-            <a:avLst/>
-          </a:prstGeom>
-        </p:spPr>
-      </p:pic>
-      <p:pic>
-        <p:nvPicPr>
-          <p:cNvPr id="73" name="그림 72">
-            <a:extLst>
-              <a:ext uri="{FF2B5EF4-FFF2-40B4-BE49-F238E27FC236}">
-                <a16:creationId xmlns:a16="http://schemas.microsoft.com/office/drawing/2014/main" id="{421B0FFE-2BB8-D266-833E-B3ED6F20275F}"/>
-              </a:ext>
-            </a:extLst>
-          </p:cNvPr>
-          <p:cNvPicPr>
-            <a:picLocks noChangeAspect="1"/>
-          </p:cNvPicPr>
-          <p:nvPr/>
-        </p:nvPicPr>
-        <p:blipFill>
-          <a:blip r:embed="rId2">
-            <a:extLst>
-              <a:ext uri="{28A0092B-C50C-407E-A947-70E740481C1C}">
-                <a14:useLocalDpi xmlns:a14="http://schemas.microsoft.com/office/drawing/2010/main" val="0"/>
-              </a:ext>
-            </a:extLst>
-          </a:blip>
-          <a:stretch>
-            <a:fillRect/>
-          </a:stretch>
-        </p:blipFill>
-        <p:spPr>
-          <a:xfrm>
-            <a:off x="10377236" y="3810000"/>
-            <a:ext cx="952500" cy="952500"/>
-          </a:xfrm>
-          <a:prstGeom prst="rect">
-            <a:avLst/>
-          </a:prstGeom>
-        </p:spPr>
-      </p:pic>
-      <p:pic>
-        <p:nvPicPr>
-          <p:cNvPr id="74" name="그림 73">
-            <a:extLst>
-              <a:ext uri="{FF2B5EF4-FFF2-40B4-BE49-F238E27FC236}">
-                <a16:creationId xmlns:a16="http://schemas.microsoft.com/office/drawing/2014/main" id="{BD8476BF-C95D-D1E1-BEDB-479B3DC768A1}"/>
-              </a:ext>
-            </a:extLst>
-          </p:cNvPr>
-          <p:cNvPicPr>
-            <a:picLocks noChangeAspect="1"/>
-          </p:cNvPicPr>
-          <p:nvPr/>
-        </p:nvPicPr>
-        <p:blipFill>
-          <a:blip r:embed="rId2">
-            <a:extLst>
-              <a:ext uri="{28A0092B-C50C-407E-A947-70E740481C1C}">
-                <a14:useLocalDpi xmlns:a14="http://schemas.microsoft.com/office/drawing/2010/main" val="0"/>
-              </a:ext>
-            </a:extLst>
-          </a:blip>
-          <a:stretch>
-            <a:fillRect/>
-          </a:stretch>
-        </p:blipFill>
-        <p:spPr>
-          <a:xfrm>
-            <a:off x="11292518" y="3810000"/>
-            <a:ext cx="952500" cy="952500"/>
-          </a:xfrm>
-          <a:prstGeom prst="rect">
-            <a:avLst/>
-          </a:prstGeom>
-        </p:spPr>
-      </p:pic>
-      <p:pic>
-        <p:nvPicPr>
-          <p:cNvPr id="75" name="그림 74">
-            <a:extLst>
-              <a:ext uri="{FF2B5EF4-FFF2-40B4-BE49-F238E27FC236}">
-                <a16:creationId xmlns:a16="http://schemas.microsoft.com/office/drawing/2014/main" id="{2924C19F-10BF-C340-B71E-E83348A49E88}"/>
-              </a:ext>
-            </a:extLst>
-          </p:cNvPr>
-          <p:cNvPicPr>
-            <a:picLocks noChangeAspect="1"/>
-          </p:cNvPicPr>
-          <p:nvPr/>
-        </p:nvPicPr>
-        <p:blipFill>
-          <a:blip r:embed="rId2">
-            <a:extLst>
-              <a:ext uri="{28A0092B-C50C-407E-A947-70E740481C1C}">
-                <a14:useLocalDpi xmlns:a14="http://schemas.microsoft.com/office/drawing/2010/main" val="0"/>
-              </a:ext>
-            </a:extLst>
-          </a:blip>
-          <a:stretch>
-            <a:fillRect/>
-          </a:stretch>
-        </p:blipFill>
-        <p:spPr>
-          <a:xfrm>
-            <a:off x="-12596" y="4762500"/>
-            <a:ext cx="952500" cy="952500"/>
-          </a:xfrm>
-          <a:prstGeom prst="rect">
-            <a:avLst/>
-          </a:prstGeom>
-        </p:spPr>
-      </p:pic>
-      <p:pic>
-        <p:nvPicPr>
-          <p:cNvPr id="76" name="그림 75">
-            <a:extLst>
-              <a:ext uri="{FF2B5EF4-FFF2-40B4-BE49-F238E27FC236}">
-                <a16:creationId xmlns:a16="http://schemas.microsoft.com/office/drawing/2014/main" id="{D358BAB7-9BCC-2E56-A68E-C5061817FCE6}"/>
-              </a:ext>
-            </a:extLst>
-          </p:cNvPr>
-          <p:cNvPicPr>
-            <a:picLocks noChangeAspect="1"/>
-          </p:cNvPicPr>
-          <p:nvPr/>
-        </p:nvPicPr>
-        <p:blipFill>
-          <a:blip r:embed="rId2">
-            <a:extLst>
-              <a:ext uri="{28A0092B-C50C-407E-A947-70E740481C1C}">
-                <a14:useLocalDpi xmlns:a14="http://schemas.microsoft.com/office/drawing/2010/main" val="0"/>
-              </a:ext>
-            </a:extLst>
-          </a:blip>
-          <a:stretch>
-            <a:fillRect/>
-          </a:stretch>
-        </p:blipFill>
-        <p:spPr>
-          <a:xfrm>
-            <a:off x="933589" y="4762500"/>
-            <a:ext cx="952500" cy="952500"/>
-          </a:xfrm>
-          <a:prstGeom prst="rect">
-            <a:avLst/>
-          </a:prstGeom>
-        </p:spPr>
-      </p:pic>
-      <p:pic>
-        <p:nvPicPr>
-          <p:cNvPr id="77" name="그림 76">
-            <a:extLst>
-              <a:ext uri="{FF2B5EF4-FFF2-40B4-BE49-F238E27FC236}">
-                <a16:creationId xmlns:a16="http://schemas.microsoft.com/office/drawing/2014/main" id="{7E2F5B46-A3E5-14F8-2740-B2AB235D94E4}"/>
-              </a:ext>
-            </a:extLst>
-          </p:cNvPr>
-          <p:cNvPicPr>
-            <a:picLocks noChangeAspect="1"/>
-          </p:cNvPicPr>
-          <p:nvPr/>
-        </p:nvPicPr>
-        <p:blipFill>
-          <a:blip r:embed="rId2">
-            <a:extLst>
-              <a:ext uri="{28A0092B-C50C-407E-A947-70E740481C1C}">
-                <a14:useLocalDpi xmlns:a14="http://schemas.microsoft.com/office/drawing/2010/main" val="0"/>
-              </a:ext>
-            </a:extLst>
-          </a:blip>
-          <a:stretch>
-            <a:fillRect/>
-          </a:stretch>
-        </p:blipFill>
-        <p:spPr>
-          <a:xfrm>
-            <a:off x="1877291" y="4762500"/>
-            <a:ext cx="952500" cy="952500"/>
-          </a:xfrm>
-          <a:prstGeom prst="rect">
-            <a:avLst/>
-          </a:prstGeom>
-        </p:spPr>
-      </p:pic>
-      <p:pic>
-        <p:nvPicPr>
-          <p:cNvPr id="78" name="그림 77">
-            <a:extLst>
-              <a:ext uri="{FF2B5EF4-FFF2-40B4-BE49-F238E27FC236}">
-                <a16:creationId xmlns:a16="http://schemas.microsoft.com/office/drawing/2014/main" id="{43D5B0FA-0E6E-94A6-472D-965DCD58D795}"/>
-              </a:ext>
-            </a:extLst>
-          </p:cNvPr>
-          <p:cNvPicPr>
-            <a:picLocks noChangeAspect="1"/>
-          </p:cNvPicPr>
-          <p:nvPr/>
-        </p:nvPicPr>
-        <p:blipFill>
-          <a:blip r:embed="rId2">
-            <a:extLst>
-              <a:ext uri="{28A0092B-C50C-407E-A947-70E740481C1C}">
-                <a14:useLocalDpi xmlns:a14="http://schemas.microsoft.com/office/drawing/2010/main" val="0"/>
-              </a:ext>
-            </a:extLst>
-          </a:blip>
-          <a:stretch>
-            <a:fillRect/>
-          </a:stretch>
-        </p:blipFill>
-        <p:spPr>
-          <a:xfrm>
-            <a:off x="2802082" y="4762500"/>
-            <a:ext cx="952500" cy="952500"/>
-          </a:xfrm>
-          <a:prstGeom prst="rect">
-            <a:avLst/>
-          </a:prstGeom>
-        </p:spPr>
-      </p:pic>
-      <p:pic>
-        <p:nvPicPr>
-          <p:cNvPr id="79" name="그림 78">
-            <a:extLst>
-              <a:ext uri="{FF2B5EF4-FFF2-40B4-BE49-F238E27FC236}">
-                <a16:creationId xmlns:a16="http://schemas.microsoft.com/office/drawing/2014/main" id="{FC6C0185-7C92-3A50-DC98-FB9037956E3E}"/>
-              </a:ext>
-            </a:extLst>
-          </p:cNvPr>
-          <p:cNvPicPr>
-            <a:picLocks noChangeAspect="1"/>
-          </p:cNvPicPr>
-          <p:nvPr/>
-        </p:nvPicPr>
-        <p:blipFill>
-          <a:blip r:embed="rId2">
-            <a:extLst>
-              <a:ext uri="{28A0092B-C50C-407E-A947-70E740481C1C}">
-                <a14:useLocalDpi xmlns:a14="http://schemas.microsoft.com/office/drawing/2010/main" val="0"/>
-              </a:ext>
-            </a:extLst>
-          </a:blip>
-          <a:stretch>
-            <a:fillRect/>
-          </a:stretch>
-        </p:blipFill>
-        <p:spPr>
-          <a:xfrm>
-            <a:off x="3735687" y="4762500"/>
-            <a:ext cx="952500" cy="952500"/>
-          </a:xfrm>
-          <a:prstGeom prst="rect">
-            <a:avLst/>
-          </a:prstGeom>
-        </p:spPr>
-      </p:pic>
-      <p:pic>
-        <p:nvPicPr>
-          <p:cNvPr id="80" name="그림 79">
-            <a:extLst>
-              <a:ext uri="{FF2B5EF4-FFF2-40B4-BE49-F238E27FC236}">
-                <a16:creationId xmlns:a16="http://schemas.microsoft.com/office/drawing/2014/main" id="{15FB8D0C-BD0B-1A99-2265-6233C0868281}"/>
-              </a:ext>
-            </a:extLst>
-          </p:cNvPr>
-          <p:cNvPicPr>
-            <a:picLocks noChangeAspect="1"/>
-          </p:cNvPicPr>
-          <p:nvPr/>
-        </p:nvPicPr>
-        <p:blipFill>
-          <a:blip r:embed="rId2">
-            <a:extLst>
-              <a:ext uri="{28A0092B-C50C-407E-A947-70E740481C1C}">
-                <a14:useLocalDpi xmlns:a14="http://schemas.microsoft.com/office/drawing/2010/main" val="0"/>
-              </a:ext>
-            </a:extLst>
-          </a:blip>
-          <a:stretch>
-            <a:fillRect/>
-          </a:stretch>
-        </p:blipFill>
-        <p:spPr>
-          <a:xfrm>
-            <a:off x="4679372" y="4762500"/>
-            <a:ext cx="952500" cy="952500"/>
-          </a:xfrm>
-          <a:prstGeom prst="rect">
-            <a:avLst/>
-          </a:prstGeom>
-        </p:spPr>
-      </p:pic>
-      <p:pic>
-        <p:nvPicPr>
-          <p:cNvPr id="81" name="그림 80">
-            <a:extLst>
-              <a:ext uri="{FF2B5EF4-FFF2-40B4-BE49-F238E27FC236}">
-                <a16:creationId xmlns:a16="http://schemas.microsoft.com/office/drawing/2014/main" id="{210790D8-2DCA-52FC-D5E5-0AC497E7E170}"/>
-              </a:ext>
-            </a:extLst>
-          </p:cNvPr>
-          <p:cNvPicPr>
-            <a:picLocks noChangeAspect="1"/>
-          </p:cNvPicPr>
-          <p:nvPr/>
-        </p:nvPicPr>
-        <p:blipFill>
-          <a:blip r:embed="rId2">
-            <a:extLst>
-              <a:ext uri="{28A0092B-C50C-407E-A947-70E740481C1C}">
-                <a14:useLocalDpi xmlns:a14="http://schemas.microsoft.com/office/drawing/2010/main" val="0"/>
-              </a:ext>
-            </a:extLst>
-          </a:blip>
-          <a:stretch>
-            <a:fillRect/>
-          </a:stretch>
-        </p:blipFill>
-        <p:spPr>
-          <a:xfrm>
-            <a:off x="5631872" y="4762500"/>
-            <a:ext cx="952500" cy="952500"/>
-          </a:xfrm>
-          <a:prstGeom prst="rect">
-            <a:avLst/>
-          </a:prstGeom>
-        </p:spPr>
-      </p:pic>
-      <p:pic>
-        <p:nvPicPr>
-          <p:cNvPr id="82" name="그림 81">
-            <a:extLst>
-              <a:ext uri="{FF2B5EF4-FFF2-40B4-BE49-F238E27FC236}">
-                <a16:creationId xmlns:a16="http://schemas.microsoft.com/office/drawing/2014/main" id="{E77A8F5A-35F7-28C3-8BAD-AFB0DF3BDE9F}"/>
-              </a:ext>
-            </a:extLst>
-          </p:cNvPr>
-          <p:cNvPicPr>
-            <a:picLocks noChangeAspect="1"/>
-          </p:cNvPicPr>
-          <p:nvPr/>
-        </p:nvPicPr>
-        <p:blipFill>
-          <a:blip r:embed="rId2">
-            <a:extLst>
-              <a:ext uri="{28A0092B-C50C-407E-A947-70E740481C1C}">
-                <a14:useLocalDpi xmlns:a14="http://schemas.microsoft.com/office/drawing/2010/main" val="0"/>
-              </a:ext>
-            </a:extLst>
-          </a:blip>
-          <a:stretch>
-            <a:fillRect/>
-          </a:stretch>
-        </p:blipFill>
-        <p:spPr>
-          <a:xfrm>
-            <a:off x="6575557" y="4762500"/>
-            <a:ext cx="952500" cy="952500"/>
-          </a:xfrm>
-          <a:prstGeom prst="rect">
-            <a:avLst/>
-          </a:prstGeom>
-        </p:spPr>
-      </p:pic>
-      <p:pic>
-        <p:nvPicPr>
-          <p:cNvPr id="83" name="그림 82">
-            <a:extLst>
-              <a:ext uri="{FF2B5EF4-FFF2-40B4-BE49-F238E27FC236}">
-                <a16:creationId xmlns:a16="http://schemas.microsoft.com/office/drawing/2014/main" id="{0C770D4E-7428-41D2-D19D-E3940F71F7A8}"/>
-              </a:ext>
-            </a:extLst>
-          </p:cNvPr>
-          <p:cNvPicPr>
-            <a:picLocks noChangeAspect="1"/>
-          </p:cNvPicPr>
-          <p:nvPr/>
-        </p:nvPicPr>
-        <p:blipFill>
-          <a:blip r:embed="rId2">
-            <a:extLst>
-              <a:ext uri="{28A0092B-C50C-407E-A947-70E740481C1C}">
-                <a14:useLocalDpi xmlns:a14="http://schemas.microsoft.com/office/drawing/2010/main" val="0"/>
-              </a:ext>
-            </a:extLst>
-          </a:blip>
-          <a:stretch>
-            <a:fillRect/>
-          </a:stretch>
-        </p:blipFill>
-        <p:spPr>
-          <a:xfrm>
-            <a:off x="7517505" y="4762500"/>
-            <a:ext cx="952500" cy="952500"/>
-          </a:xfrm>
-          <a:prstGeom prst="rect">
-            <a:avLst/>
-          </a:prstGeom>
-        </p:spPr>
-      </p:pic>
-      <p:pic>
-        <p:nvPicPr>
-          <p:cNvPr id="84" name="그림 83">
-            <a:extLst>
-              <a:ext uri="{FF2B5EF4-FFF2-40B4-BE49-F238E27FC236}">
-                <a16:creationId xmlns:a16="http://schemas.microsoft.com/office/drawing/2014/main" id="{084D3432-B5C1-C479-B224-AACB0D425D81}"/>
-              </a:ext>
-            </a:extLst>
-          </p:cNvPr>
-          <p:cNvPicPr>
-            <a:picLocks noChangeAspect="1"/>
-          </p:cNvPicPr>
-          <p:nvPr/>
-        </p:nvPicPr>
-        <p:blipFill>
-          <a:blip r:embed="rId2">
-            <a:extLst>
-              <a:ext uri="{28A0092B-C50C-407E-A947-70E740481C1C}">
-                <a14:useLocalDpi xmlns:a14="http://schemas.microsoft.com/office/drawing/2010/main" val="0"/>
-              </a:ext>
-            </a:extLst>
-          </a:blip>
-          <a:stretch>
-            <a:fillRect/>
-          </a:stretch>
-        </p:blipFill>
-        <p:spPr>
-          <a:xfrm>
-            <a:off x="8466304" y="4762500"/>
-            <a:ext cx="952500" cy="952500"/>
-          </a:xfrm>
-          <a:prstGeom prst="rect">
-            <a:avLst/>
-          </a:prstGeom>
-        </p:spPr>
-      </p:pic>
-      <p:pic>
-        <p:nvPicPr>
-          <p:cNvPr id="85" name="그림 84">
-            <a:extLst>
-              <a:ext uri="{FF2B5EF4-FFF2-40B4-BE49-F238E27FC236}">
-                <a16:creationId xmlns:a16="http://schemas.microsoft.com/office/drawing/2014/main" id="{9CBC8ADB-7759-96EC-7F3A-99D3F69EB87C}"/>
-              </a:ext>
-            </a:extLst>
-          </p:cNvPr>
-          <p:cNvPicPr>
-            <a:picLocks noChangeAspect="1"/>
-          </p:cNvPicPr>
-          <p:nvPr/>
-        </p:nvPicPr>
-        <p:blipFill>
-          <a:blip r:embed="rId2">
-            <a:extLst>
-              <a:ext uri="{28A0092B-C50C-407E-A947-70E740481C1C}">
-                <a14:useLocalDpi xmlns:a14="http://schemas.microsoft.com/office/drawing/2010/main" val="0"/>
-              </a:ext>
-            </a:extLst>
-          </a:blip>
-          <a:stretch>
-            <a:fillRect/>
-          </a:stretch>
-        </p:blipFill>
-        <p:spPr>
-          <a:xfrm>
-            <a:off x="9410690" y="4762500"/>
-            <a:ext cx="952500" cy="952500"/>
-          </a:xfrm>
-          <a:prstGeom prst="rect">
-            <a:avLst/>
-          </a:prstGeom>
-        </p:spPr>
-      </p:pic>
-      <p:pic>
-        <p:nvPicPr>
-          <p:cNvPr id="86" name="그림 85">
-            <a:extLst>
-              <a:ext uri="{FF2B5EF4-FFF2-40B4-BE49-F238E27FC236}">
-                <a16:creationId xmlns:a16="http://schemas.microsoft.com/office/drawing/2014/main" id="{B16A712E-4021-11BC-053B-FB70227EC2D3}"/>
-              </a:ext>
-            </a:extLst>
-          </p:cNvPr>
-          <p:cNvPicPr>
-            <a:picLocks noChangeAspect="1"/>
-          </p:cNvPicPr>
-          <p:nvPr/>
-        </p:nvPicPr>
-        <p:blipFill>
-          <a:blip r:embed="rId2">
-            <a:extLst>
-              <a:ext uri="{28A0092B-C50C-407E-A947-70E740481C1C}">
-                <a14:useLocalDpi xmlns:a14="http://schemas.microsoft.com/office/drawing/2010/main" val="0"/>
-              </a:ext>
-            </a:extLst>
-          </a:blip>
-          <a:stretch>
-            <a:fillRect/>
-          </a:stretch>
-        </p:blipFill>
-        <p:spPr>
-          <a:xfrm>
-            <a:off x="10355856" y="4762500"/>
-            <a:ext cx="952500" cy="952500"/>
-          </a:xfrm>
-          <a:prstGeom prst="rect">
-            <a:avLst/>
-          </a:prstGeom>
-        </p:spPr>
-      </p:pic>
-      <p:pic>
-        <p:nvPicPr>
-          <p:cNvPr id="87" name="그림 86">
-            <a:extLst>
-              <a:ext uri="{FF2B5EF4-FFF2-40B4-BE49-F238E27FC236}">
-                <a16:creationId xmlns:a16="http://schemas.microsoft.com/office/drawing/2014/main" id="{8F07ACFC-4023-AA64-034E-7DEDB8FC4DFB}"/>
-              </a:ext>
-            </a:extLst>
-          </p:cNvPr>
-          <p:cNvPicPr>
-            <a:picLocks noChangeAspect="1"/>
-          </p:cNvPicPr>
-          <p:nvPr/>
-        </p:nvPicPr>
-        <p:blipFill>
-          <a:blip r:embed="rId2">
-            <a:extLst>
-              <a:ext uri="{28A0092B-C50C-407E-A947-70E740481C1C}">
-                <a14:useLocalDpi xmlns:a14="http://schemas.microsoft.com/office/drawing/2010/main" val="0"/>
-              </a:ext>
-            </a:extLst>
-          </a:blip>
-          <a:stretch>
-            <a:fillRect/>
-          </a:stretch>
-        </p:blipFill>
-        <p:spPr>
-          <a:xfrm>
-            <a:off x="11307460" y="4762500"/>
-            <a:ext cx="952500" cy="952500"/>
-          </a:xfrm>
-          <a:prstGeom prst="rect">
-            <a:avLst/>
-          </a:prstGeom>
-        </p:spPr>
-      </p:pic>
-      <p:pic>
-        <p:nvPicPr>
-          <p:cNvPr id="88" name="그림 87">
-            <a:extLst>
-              <a:ext uri="{FF2B5EF4-FFF2-40B4-BE49-F238E27FC236}">
-                <a16:creationId xmlns:a16="http://schemas.microsoft.com/office/drawing/2014/main" id="{E736F417-50BF-ED7E-D96C-276D7357D041}"/>
-              </a:ext>
-            </a:extLst>
-          </p:cNvPr>
-          <p:cNvPicPr>
-            <a:picLocks noChangeAspect="1"/>
-          </p:cNvPicPr>
-          <p:nvPr/>
-        </p:nvPicPr>
-        <p:blipFill>
-          <a:blip r:embed="rId2">
-            <a:extLst>
-              <a:ext uri="{28A0092B-C50C-407E-A947-70E740481C1C}">
-                <a14:useLocalDpi xmlns:a14="http://schemas.microsoft.com/office/drawing/2010/main" val="0"/>
-              </a:ext>
-            </a:extLst>
-          </a:blip>
-          <a:stretch>
-            <a:fillRect/>
-          </a:stretch>
-        </p:blipFill>
-        <p:spPr>
-          <a:xfrm>
-            <a:off x="-13456" y="5715000"/>
-            <a:ext cx="952500" cy="952500"/>
-          </a:xfrm>
-          <a:prstGeom prst="rect">
-            <a:avLst/>
-          </a:prstGeom>
-        </p:spPr>
-      </p:pic>
-      <p:pic>
-        <p:nvPicPr>
-          <p:cNvPr id="89" name="그림 88">
-            <a:extLst>
-              <a:ext uri="{FF2B5EF4-FFF2-40B4-BE49-F238E27FC236}">
-                <a16:creationId xmlns:a16="http://schemas.microsoft.com/office/drawing/2014/main" id="{9BD55712-3259-E50C-AD1D-605667B39B48}"/>
-              </a:ext>
-            </a:extLst>
-          </p:cNvPr>
-          <p:cNvPicPr>
-            <a:picLocks noChangeAspect="1"/>
-          </p:cNvPicPr>
-          <p:nvPr/>
-        </p:nvPicPr>
-        <p:blipFill>
-          <a:blip r:embed="rId2">
-            <a:extLst>
-              <a:ext uri="{28A0092B-C50C-407E-A947-70E740481C1C}">
-                <a14:useLocalDpi xmlns:a14="http://schemas.microsoft.com/office/drawing/2010/main" val="0"/>
-              </a:ext>
-            </a:extLst>
-          </a:blip>
-          <a:stretch>
-            <a:fillRect/>
-          </a:stretch>
-        </p:blipFill>
-        <p:spPr>
-          <a:xfrm>
-            <a:off x="932515" y="5715000"/>
-            <a:ext cx="952500" cy="952500"/>
-          </a:xfrm>
-          <a:prstGeom prst="rect">
-            <a:avLst/>
-          </a:prstGeom>
-        </p:spPr>
-      </p:pic>
-      <p:pic>
-        <p:nvPicPr>
-          <p:cNvPr id="90" name="그림 89">
-            <a:extLst>
-              <a:ext uri="{FF2B5EF4-FFF2-40B4-BE49-F238E27FC236}">
-                <a16:creationId xmlns:a16="http://schemas.microsoft.com/office/drawing/2014/main" id="{A9C531DD-0E4D-779B-95E2-A53BA6ABA917}"/>
-              </a:ext>
-            </a:extLst>
-          </p:cNvPr>
-          <p:cNvPicPr>
-            <a:picLocks noChangeAspect="1"/>
-          </p:cNvPicPr>
-          <p:nvPr/>
-        </p:nvPicPr>
-        <p:blipFill>
-          <a:blip r:embed="rId2">
-            <a:extLst>
-              <a:ext uri="{28A0092B-C50C-407E-A947-70E740481C1C}">
-                <a14:useLocalDpi xmlns:a14="http://schemas.microsoft.com/office/drawing/2010/main" val="0"/>
-              </a:ext>
-            </a:extLst>
-          </a:blip>
-          <a:stretch>
-            <a:fillRect/>
-          </a:stretch>
-        </p:blipFill>
-        <p:spPr>
-          <a:xfrm>
-            <a:off x="1877274" y="5715000"/>
-            <a:ext cx="952500" cy="952500"/>
-          </a:xfrm>
-          <a:prstGeom prst="rect">
-            <a:avLst/>
-          </a:prstGeom>
-        </p:spPr>
-      </p:pic>
-      <p:pic>
-        <p:nvPicPr>
-          <p:cNvPr id="91" name="그림 90">
-            <a:extLst>
-              <a:ext uri="{FF2B5EF4-FFF2-40B4-BE49-F238E27FC236}">
-                <a16:creationId xmlns:a16="http://schemas.microsoft.com/office/drawing/2014/main" id="{DF72B19E-7534-1975-EB01-324A8E07BB00}"/>
-              </a:ext>
-            </a:extLst>
-          </p:cNvPr>
-          <p:cNvPicPr>
-            <a:picLocks noChangeAspect="1"/>
-          </p:cNvPicPr>
-          <p:nvPr/>
-        </p:nvPicPr>
-        <p:blipFill>
-          <a:blip r:embed="rId2">
-            <a:extLst>
-              <a:ext uri="{28A0092B-C50C-407E-A947-70E740481C1C}">
-                <a14:useLocalDpi xmlns:a14="http://schemas.microsoft.com/office/drawing/2010/main" val="0"/>
-              </a:ext>
-            </a:extLst>
-          </a:blip>
-          <a:stretch>
-            <a:fillRect/>
-          </a:stretch>
-        </p:blipFill>
-        <p:spPr>
-          <a:xfrm>
-            <a:off x="2815106" y="5715000"/>
-            <a:ext cx="952500" cy="952500"/>
-          </a:xfrm>
-          <a:prstGeom prst="rect">
-            <a:avLst/>
-          </a:prstGeom>
-        </p:spPr>
-      </p:pic>
-      <p:pic>
-        <p:nvPicPr>
-          <p:cNvPr id="92" name="그림 91">
-            <a:extLst>
-              <a:ext uri="{FF2B5EF4-FFF2-40B4-BE49-F238E27FC236}">
-                <a16:creationId xmlns:a16="http://schemas.microsoft.com/office/drawing/2014/main" id="{AE3C197C-B8FB-77DC-65A2-35133A8BBE8C}"/>
-              </a:ext>
-            </a:extLst>
-          </p:cNvPr>
-          <p:cNvPicPr>
-            <a:picLocks noChangeAspect="1"/>
-          </p:cNvPicPr>
-          <p:nvPr/>
-        </p:nvPicPr>
-        <p:blipFill>
-          <a:blip r:embed="rId2">
-            <a:extLst>
-              <a:ext uri="{28A0092B-C50C-407E-A947-70E740481C1C}">
-                <a14:useLocalDpi xmlns:a14="http://schemas.microsoft.com/office/drawing/2010/main" val="0"/>
-              </a:ext>
-            </a:extLst>
-          </a:blip>
-          <a:stretch>
-            <a:fillRect/>
-          </a:stretch>
-        </p:blipFill>
-        <p:spPr>
-          <a:xfrm>
-            <a:off x="3758045" y="5715000"/>
-            <a:ext cx="952500" cy="952500"/>
-          </a:xfrm>
-          <a:prstGeom prst="rect">
-            <a:avLst/>
-          </a:prstGeom>
-        </p:spPr>
-      </p:pic>
-      <p:pic>
-        <p:nvPicPr>
-          <p:cNvPr id="93" name="그림 92">
-            <a:extLst>
-              <a:ext uri="{FF2B5EF4-FFF2-40B4-BE49-F238E27FC236}">
-                <a16:creationId xmlns:a16="http://schemas.microsoft.com/office/drawing/2014/main" id="{BC6F750B-C906-0CC5-D945-F2088D478A97}"/>
-              </a:ext>
-            </a:extLst>
-          </p:cNvPr>
-          <p:cNvPicPr>
-            <a:picLocks noChangeAspect="1"/>
-          </p:cNvPicPr>
-          <p:nvPr/>
-        </p:nvPicPr>
-        <p:blipFill>
-          <a:blip r:embed="rId2">
-            <a:extLst>
-              <a:ext uri="{28A0092B-C50C-407E-A947-70E740481C1C}">
-                <a14:useLocalDpi xmlns:a14="http://schemas.microsoft.com/office/drawing/2010/main" val="0"/>
-              </a:ext>
-            </a:extLst>
-          </a:blip>
-          <a:stretch>
-            <a:fillRect/>
-          </a:stretch>
-        </p:blipFill>
-        <p:spPr>
-          <a:xfrm>
-            <a:off x="4704638" y="5715000"/>
-            <a:ext cx="952500" cy="952500"/>
-          </a:xfrm>
-          <a:prstGeom prst="rect">
-            <a:avLst/>
-          </a:prstGeom>
-        </p:spPr>
-      </p:pic>
-      <p:pic>
-        <p:nvPicPr>
-          <p:cNvPr id="94" name="그림 93">
-            <a:extLst>
-              <a:ext uri="{FF2B5EF4-FFF2-40B4-BE49-F238E27FC236}">
-                <a16:creationId xmlns:a16="http://schemas.microsoft.com/office/drawing/2014/main" id="{B95C4C3F-9498-A3D7-5E92-4988A3ADB528}"/>
-              </a:ext>
-            </a:extLst>
-          </p:cNvPr>
-          <p:cNvPicPr>
-            <a:picLocks noChangeAspect="1"/>
-          </p:cNvPicPr>
-          <p:nvPr/>
-        </p:nvPicPr>
-        <p:blipFill>
-          <a:blip r:embed="rId2">
-            <a:extLst>
-              <a:ext uri="{28A0092B-C50C-407E-A947-70E740481C1C}">
-                <a14:useLocalDpi xmlns:a14="http://schemas.microsoft.com/office/drawing/2010/main" val="0"/>
-              </a:ext>
-            </a:extLst>
-          </a:blip>
-          <a:stretch>
-            <a:fillRect/>
-          </a:stretch>
-        </p:blipFill>
-        <p:spPr>
-          <a:xfrm>
-            <a:off x="5657849" y="5715000"/>
-            <a:ext cx="952500" cy="952500"/>
-          </a:xfrm>
-          <a:prstGeom prst="rect">
-            <a:avLst/>
-          </a:prstGeom>
-        </p:spPr>
-      </p:pic>
-      <p:pic>
-        <p:nvPicPr>
-          <p:cNvPr id="95" name="그림 94">
-            <a:extLst>
-              <a:ext uri="{FF2B5EF4-FFF2-40B4-BE49-F238E27FC236}">
-                <a16:creationId xmlns:a16="http://schemas.microsoft.com/office/drawing/2014/main" id="{F49EBD02-CE6F-57C3-09D9-74FC88A319C2}"/>
-              </a:ext>
-            </a:extLst>
-          </p:cNvPr>
-          <p:cNvPicPr>
-            <a:picLocks noChangeAspect="1"/>
-          </p:cNvPicPr>
-          <p:nvPr/>
-        </p:nvPicPr>
-        <p:blipFill>
-          <a:blip r:embed="rId2">
-            <a:extLst>
-              <a:ext uri="{28A0092B-C50C-407E-A947-70E740481C1C}">
-                <a14:useLocalDpi xmlns:a14="http://schemas.microsoft.com/office/drawing/2010/main" val="0"/>
-              </a:ext>
-            </a:extLst>
-          </a:blip>
-          <a:stretch>
-            <a:fillRect/>
-          </a:stretch>
-        </p:blipFill>
-        <p:spPr>
-          <a:xfrm>
-            <a:off x="6605195" y="5715000"/>
-            <a:ext cx="952500" cy="952500"/>
-          </a:xfrm>
-          <a:prstGeom prst="rect">
-            <a:avLst/>
-          </a:prstGeom>
-        </p:spPr>
-      </p:pic>
-      <p:pic>
-        <p:nvPicPr>
-          <p:cNvPr id="96" name="그림 95">
-            <a:extLst>
-              <a:ext uri="{FF2B5EF4-FFF2-40B4-BE49-F238E27FC236}">
-                <a16:creationId xmlns:a16="http://schemas.microsoft.com/office/drawing/2014/main" id="{284B47A3-BEFE-65C2-827A-96C0F47E0FB2}"/>
-              </a:ext>
-            </a:extLst>
-          </p:cNvPr>
-          <p:cNvPicPr>
-            <a:picLocks noChangeAspect="1"/>
-          </p:cNvPicPr>
-          <p:nvPr/>
-        </p:nvPicPr>
-        <p:blipFill>
-          <a:blip r:embed="rId2">
-            <a:extLst>
-              <a:ext uri="{28A0092B-C50C-407E-A947-70E740481C1C}">
-                <a14:useLocalDpi xmlns:a14="http://schemas.microsoft.com/office/drawing/2010/main" val="0"/>
-              </a:ext>
-            </a:extLst>
-          </a:blip>
-          <a:stretch>
-            <a:fillRect/>
-          </a:stretch>
-        </p:blipFill>
-        <p:spPr>
-          <a:xfrm>
-            <a:off x="7550632" y="5715000"/>
-            <a:ext cx="952500" cy="952500"/>
-          </a:xfrm>
-          <a:prstGeom prst="rect">
-            <a:avLst/>
-          </a:prstGeom>
-        </p:spPr>
-      </p:pic>
-      <p:pic>
-        <p:nvPicPr>
-          <p:cNvPr id="97" name="그림 96">
-            <a:extLst>
-              <a:ext uri="{FF2B5EF4-FFF2-40B4-BE49-F238E27FC236}">
-                <a16:creationId xmlns:a16="http://schemas.microsoft.com/office/drawing/2014/main" id="{EE8833BF-497A-1B2C-E4DC-22E9EB755423}"/>
-              </a:ext>
-            </a:extLst>
-          </p:cNvPr>
-          <p:cNvPicPr>
-            <a:picLocks noChangeAspect="1"/>
-          </p:cNvPicPr>
-          <p:nvPr/>
-        </p:nvPicPr>
-        <p:blipFill>
-          <a:blip r:embed="rId2">
-            <a:extLst>
-              <a:ext uri="{28A0092B-C50C-407E-A947-70E740481C1C}">
-                <a14:useLocalDpi xmlns:a14="http://schemas.microsoft.com/office/drawing/2010/main" val="0"/>
-              </a:ext>
-            </a:extLst>
-          </a:blip>
-          <a:stretch>
-            <a:fillRect/>
-          </a:stretch>
-        </p:blipFill>
-        <p:spPr>
-          <a:xfrm>
-            <a:off x="8495408" y="5715000"/>
-            <a:ext cx="952500" cy="952500"/>
-          </a:xfrm>
-          <a:prstGeom prst="rect">
-            <a:avLst/>
-          </a:prstGeom>
-        </p:spPr>
-      </p:pic>
-      <p:pic>
-        <p:nvPicPr>
-          <p:cNvPr id="98" name="그림 97">
-            <a:extLst>
-              <a:ext uri="{FF2B5EF4-FFF2-40B4-BE49-F238E27FC236}">
-                <a16:creationId xmlns:a16="http://schemas.microsoft.com/office/drawing/2014/main" id="{6392275A-19B0-998D-C2D1-6B43E1EA2306}"/>
-              </a:ext>
-            </a:extLst>
-          </p:cNvPr>
-          <p:cNvPicPr>
-            <a:picLocks noChangeAspect="1"/>
-          </p:cNvPicPr>
-          <p:nvPr/>
-        </p:nvPicPr>
-        <p:blipFill>
-          <a:blip r:embed="rId2">
-            <a:extLst>
-              <a:ext uri="{28A0092B-C50C-407E-A947-70E740481C1C}">
-                <a14:useLocalDpi xmlns:a14="http://schemas.microsoft.com/office/drawing/2010/main" val="0"/>
-              </a:ext>
-            </a:extLst>
-          </a:blip>
-          <a:stretch>
-            <a:fillRect/>
-          </a:stretch>
-        </p:blipFill>
-        <p:spPr>
-          <a:xfrm>
-            <a:off x="9432070" y="5715000"/>
-            <a:ext cx="952500" cy="952500"/>
-          </a:xfrm>
-          <a:prstGeom prst="rect">
-            <a:avLst/>
-          </a:prstGeom>
-        </p:spPr>
-      </p:pic>
-      <p:pic>
-        <p:nvPicPr>
-          <p:cNvPr id="99" name="그림 98">
-            <a:extLst>
-              <a:ext uri="{FF2B5EF4-FFF2-40B4-BE49-F238E27FC236}">
-                <a16:creationId xmlns:a16="http://schemas.microsoft.com/office/drawing/2014/main" id="{217CDB79-0630-5FB6-B418-6B01978348EC}"/>
-              </a:ext>
-            </a:extLst>
-          </p:cNvPr>
-          <p:cNvPicPr>
-            <a:picLocks noChangeAspect="1"/>
-          </p:cNvPicPr>
-          <p:nvPr/>
-        </p:nvPicPr>
-        <p:blipFill>
-          <a:blip r:embed="rId2">
-            <a:extLst>
-              <a:ext uri="{28A0092B-C50C-407E-A947-70E740481C1C}">
-                <a14:useLocalDpi xmlns:a14="http://schemas.microsoft.com/office/drawing/2010/main" val="0"/>
-              </a:ext>
-            </a:extLst>
-          </a:blip>
-          <a:stretch>
-            <a:fillRect/>
-          </a:stretch>
-        </p:blipFill>
-        <p:spPr>
-          <a:xfrm>
-            <a:off x="10384570" y="5715000"/>
-            <a:ext cx="952500" cy="952500"/>
-          </a:xfrm>
-          <a:prstGeom prst="rect">
-            <a:avLst/>
-          </a:prstGeom>
-        </p:spPr>
-      </p:pic>
-      <p:pic>
-        <p:nvPicPr>
-          <p:cNvPr id="100" name="그림 99">
-            <a:extLst>
-              <a:ext uri="{FF2B5EF4-FFF2-40B4-BE49-F238E27FC236}">
-                <a16:creationId xmlns:a16="http://schemas.microsoft.com/office/drawing/2014/main" id="{AFA0F82C-107B-504A-F0A8-82AD9597D985}"/>
-              </a:ext>
-            </a:extLst>
-          </p:cNvPr>
-          <p:cNvPicPr>
-            <a:picLocks noChangeAspect="1"/>
-          </p:cNvPicPr>
-          <p:nvPr/>
-        </p:nvPicPr>
-        <p:blipFill>
-          <a:blip r:embed="rId2">
-            <a:extLst>
-              <a:ext uri="{28A0092B-C50C-407E-A947-70E740481C1C}">
-                <a14:useLocalDpi xmlns:a14="http://schemas.microsoft.com/office/drawing/2010/main" val="0"/>
-              </a:ext>
-            </a:extLst>
-          </a:blip>
-          <a:stretch>
-            <a:fillRect/>
-          </a:stretch>
-        </p:blipFill>
-        <p:spPr>
-          <a:xfrm>
-            <a:off x="11292518" y="5715000"/>
+            <a:ext cx="3810000" cy="952500"/>
+          </a:xfrm>
+          <a:prstGeom prst="rect">
+            <a:avLst/>
+          </a:prstGeom>
+        </p:spPr>
+      </p:pic>
+      <p:pic>
+        <p:nvPicPr>
+          <p:cNvPr id="102" name="그림 101" descr="클립아트, 예술, 일러스트레이션, 만화 영화이(가) 표시된 사진&#10;&#10;자동 생성된 설명">
+            <a:extLst>
+              <a:ext uri="{FF2B5EF4-FFF2-40B4-BE49-F238E27FC236}">
+                <a16:creationId xmlns:a16="http://schemas.microsoft.com/office/drawing/2014/main" id="{EAEF8465-3D8B-5AB3-2ECE-0E55786D9970}"/>
+              </a:ext>
+            </a:extLst>
+          </p:cNvPr>
+          <p:cNvPicPr>
+            <a:picLocks noChangeAspect="1"/>
+          </p:cNvPicPr>
+          <p:nvPr/>
+        </p:nvPicPr>
+        <p:blipFill>
+          <a:blip r:embed="rId4">
+            <a:extLst>
+              <a:ext uri="{28A0092B-C50C-407E-A947-70E740481C1C}">
+                <a14:useLocalDpi xmlns:a14="http://schemas.microsoft.com/office/drawing/2010/main" val="0"/>
+              </a:ext>
+            </a:extLst>
+          </a:blip>
+          <a:stretch>
+            <a:fillRect/>
+          </a:stretch>
+        </p:blipFill>
+        <p:spPr>
+          <a:xfrm>
+            <a:off x="4671778" y="1873206"/>
+            <a:ext cx="1016088" cy="1016088"/>
+          </a:xfrm>
+          <a:prstGeom prst="rect">
+            <a:avLst/>
+          </a:prstGeom>
+        </p:spPr>
+      </p:pic>
+      <p:pic>
+        <p:nvPicPr>
+          <p:cNvPr id="104" name="그림 103" descr="일렉트릭 블루, 블루, 마조렐 블루, 스크린샷이(가) 표시된 사진&#10;&#10;자동 생성된 설명">
+            <a:extLst>
+              <a:ext uri="{FF2B5EF4-FFF2-40B4-BE49-F238E27FC236}">
+                <a16:creationId xmlns:a16="http://schemas.microsoft.com/office/drawing/2014/main" id="{7C03E218-E702-4D67-F6E2-2E2695931CEB}"/>
+              </a:ext>
+            </a:extLst>
+          </p:cNvPr>
+          <p:cNvPicPr>
+            <a:picLocks noChangeAspect="1"/>
+          </p:cNvPicPr>
+          <p:nvPr/>
+        </p:nvPicPr>
+        <p:blipFill>
+          <a:blip r:embed="rId5">
+            <a:extLst>
+              <a:ext uri="{28A0092B-C50C-407E-A947-70E740481C1C}">
+                <a14:useLocalDpi xmlns:a14="http://schemas.microsoft.com/office/drawing/2010/main" val="0"/>
+              </a:ext>
+            </a:extLst>
+          </a:blip>
+          <a:stretch>
+            <a:fillRect/>
+          </a:stretch>
+        </p:blipFill>
+        <p:spPr>
+          <a:xfrm>
+            <a:off x="5650245" y="2825706"/>
+            <a:ext cx="950273" cy="984294"/>
+          </a:xfrm>
+          <a:prstGeom prst="rect">
+            <a:avLst/>
+          </a:prstGeom>
+        </p:spPr>
+      </p:pic>
+      <p:pic>
+        <p:nvPicPr>
+          <p:cNvPr id="106" name="그림 105" descr="일렉트릭 블루, 블루, 마조렐 블루, 스크린샷이(가) 표시된 사진&#10;&#10;자동 생성된 설명">
+            <a:extLst>
+              <a:ext uri="{FF2B5EF4-FFF2-40B4-BE49-F238E27FC236}">
+                <a16:creationId xmlns:a16="http://schemas.microsoft.com/office/drawing/2014/main" id="{9CA0D172-4582-56DD-069B-FC543A7BCD61}"/>
+              </a:ext>
+            </a:extLst>
+          </p:cNvPr>
+          <p:cNvPicPr>
+            <a:picLocks noChangeAspect="1"/>
+          </p:cNvPicPr>
+          <p:nvPr/>
+        </p:nvPicPr>
+        <p:blipFill>
+          <a:blip r:embed="rId5">
+            <a:extLst>
+              <a:ext uri="{28A0092B-C50C-407E-A947-70E740481C1C}">
+                <a14:useLocalDpi xmlns:a14="http://schemas.microsoft.com/office/drawing/2010/main" val="0"/>
+              </a:ext>
+            </a:extLst>
+          </a:blip>
+          <a:stretch>
+            <a:fillRect/>
+          </a:stretch>
+        </p:blipFill>
+        <p:spPr>
+          <a:xfrm>
+            <a:off x="5661055" y="3810000"/>
+            <a:ext cx="952500" cy="952500"/>
+          </a:xfrm>
+          <a:prstGeom prst="rect">
+            <a:avLst/>
+          </a:prstGeom>
+        </p:spPr>
+      </p:pic>
+      <p:pic>
+        <p:nvPicPr>
+          <p:cNvPr id="108" name="그림 107" descr="일렉트릭 블루, 블루, 마조렐 블루, 스크린샷이(가) 표시된 사진&#10;&#10;자동 생성된 설명">
+            <a:extLst>
+              <a:ext uri="{FF2B5EF4-FFF2-40B4-BE49-F238E27FC236}">
+                <a16:creationId xmlns:a16="http://schemas.microsoft.com/office/drawing/2014/main" id="{10862A2F-3CC1-D026-6555-C29C17F63198}"/>
+              </a:ext>
+            </a:extLst>
+          </p:cNvPr>
+          <p:cNvPicPr>
+            <a:picLocks noChangeAspect="1"/>
+          </p:cNvPicPr>
+          <p:nvPr/>
+        </p:nvPicPr>
+        <p:blipFill>
+          <a:blip r:embed="rId5">
+            <a:extLst>
+              <a:ext uri="{28A0092B-C50C-407E-A947-70E740481C1C}">
+                <a14:useLocalDpi xmlns:a14="http://schemas.microsoft.com/office/drawing/2010/main" val="0"/>
+              </a:ext>
+            </a:extLst>
+          </a:blip>
+          <a:stretch>
+            <a:fillRect/>
+          </a:stretch>
+        </p:blipFill>
+        <p:spPr>
+          <a:xfrm>
+            <a:off x="6608467" y="3810000"/>
+            <a:ext cx="952500" cy="952500"/>
+          </a:xfrm>
+          <a:prstGeom prst="rect">
+            <a:avLst/>
+          </a:prstGeom>
+        </p:spPr>
+      </p:pic>
+      <p:pic>
+        <p:nvPicPr>
+          <p:cNvPr id="110" name="그림 109" descr="일렉트릭 블루, 블루, 마조렐 블루, 스크린샷이(가) 표시된 사진&#10;&#10;자동 생성된 설명">
+            <a:extLst>
+              <a:ext uri="{FF2B5EF4-FFF2-40B4-BE49-F238E27FC236}">
+                <a16:creationId xmlns:a16="http://schemas.microsoft.com/office/drawing/2014/main" id="{CB7B7670-8170-3065-A08E-6ABFDDF63FEE}"/>
+              </a:ext>
+            </a:extLst>
+          </p:cNvPr>
+          <p:cNvPicPr>
+            <a:picLocks noChangeAspect="1"/>
+          </p:cNvPicPr>
+          <p:nvPr/>
+        </p:nvPicPr>
+        <p:blipFill>
+          <a:blip r:embed="rId5">
+            <a:extLst>
+              <a:ext uri="{28A0092B-C50C-407E-A947-70E740481C1C}">
+                <a14:useLocalDpi xmlns:a14="http://schemas.microsoft.com/office/drawing/2010/main" val="0"/>
+              </a:ext>
+            </a:extLst>
+          </a:blip>
+          <a:stretch>
+            <a:fillRect/>
+          </a:stretch>
+        </p:blipFill>
+        <p:spPr>
+          <a:xfrm>
+            <a:off x="-11420" y="2857500"/>
+            <a:ext cx="952500" cy="952500"/>
+          </a:xfrm>
+          <a:prstGeom prst="rect">
+            <a:avLst/>
+          </a:prstGeom>
+        </p:spPr>
+      </p:pic>
+      <p:pic>
+        <p:nvPicPr>
+          <p:cNvPr id="112" name="그림 111" descr="일렉트릭 블루, 블루, 마조렐 블루, 스크린샷이(가) 표시된 사진&#10;&#10;자동 생성된 설명">
+            <a:extLst>
+              <a:ext uri="{FF2B5EF4-FFF2-40B4-BE49-F238E27FC236}">
+                <a16:creationId xmlns:a16="http://schemas.microsoft.com/office/drawing/2014/main" id="{F925C293-8712-17F8-4304-F3FC4B4B66CD}"/>
+              </a:ext>
+            </a:extLst>
+          </p:cNvPr>
+          <p:cNvPicPr>
+            <a:picLocks noChangeAspect="1"/>
+          </p:cNvPicPr>
+          <p:nvPr/>
+        </p:nvPicPr>
+        <p:blipFill>
+          <a:blip r:embed="rId5">
+            <a:extLst>
+              <a:ext uri="{28A0092B-C50C-407E-A947-70E740481C1C}">
+                <a14:useLocalDpi xmlns:a14="http://schemas.microsoft.com/office/drawing/2010/main" val="0"/>
+              </a:ext>
+            </a:extLst>
+          </a:blip>
+          <a:stretch>
+            <a:fillRect/>
+          </a:stretch>
+        </p:blipFill>
+        <p:spPr>
+          <a:xfrm>
+            <a:off x="944235" y="2857500"/>
+            <a:ext cx="952500" cy="952500"/>
+          </a:xfrm>
+          <a:prstGeom prst="rect">
+            <a:avLst/>
+          </a:prstGeom>
+        </p:spPr>
+      </p:pic>
+      <p:pic>
+        <p:nvPicPr>
+          <p:cNvPr id="114" name="그림 113" descr="클립아트이(가) 표시된 사진&#10;&#10;자동 생성된 설명">
+            <a:extLst>
+              <a:ext uri="{FF2B5EF4-FFF2-40B4-BE49-F238E27FC236}">
+                <a16:creationId xmlns:a16="http://schemas.microsoft.com/office/drawing/2014/main" id="{78E7D077-3743-AA8B-1BFF-E45B38C6ABE7}"/>
+              </a:ext>
+            </a:extLst>
+          </p:cNvPr>
+          <p:cNvPicPr>
+            <a:picLocks noChangeAspect="1"/>
+          </p:cNvPicPr>
+          <p:nvPr/>
+        </p:nvPicPr>
+        <p:blipFill>
+          <a:blip r:embed="rId6">
+            <a:extLst>
+              <a:ext uri="{28A0092B-C50C-407E-A947-70E740481C1C}">
+                <a14:useLocalDpi xmlns:a14="http://schemas.microsoft.com/office/drawing/2010/main" val="0"/>
+              </a:ext>
+            </a:extLst>
+          </a:blip>
+          <a:stretch>
+            <a:fillRect/>
+          </a:stretch>
+        </p:blipFill>
+        <p:spPr>
+          <a:xfrm>
+            <a:off x="-1708" y="3809801"/>
+            <a:ext cx="952633" cy="952633"/>
+          </a:xfrm>
+          <a:prstGeom prst="rect">
+            <a:avLst/>
+          </a:prstGeom>
+        </p:spPr>
+      </p:pic>
+      <p:pic>
+        <p:nvPicPr>
+          <p:cNvPr id="116" name="그림 115" descr="일렉트릭 블루, 블루, 마조렐 블루, 스크린샷이(가) 표시된 사진&#10;&#10;자동 생성된 설명">
+            <a:extLst>
+              <a:ext uri="{FF2B5EF4-FFF2-40B4-BE49-F238E27FC236}">
+                <a16:creationId xmlns:a16="http://schemas.microsoft.com/office/drawing/2014/main" id="{8EE176A7-1243-5521-6376-45CCD10B5892}"/>
+              </a:ext>
+            </a:extLst>
+          </p:cNvPr>
+          <p:cNvPicPr>
+            <a:picLocks noChangeAspect="1"/>
+          </p:cNvPicPr>
+          <p:nvPr/>
+        </p:nvPicPr>
+        <p:blipFill>
+          <a:blip r:embed="rId5">
+            <a:extLst>
+              <a:ext uri="{28A0092B-C50C-407E-A947-70E740481C1C}">
+                <a14:useLocalDpi xmlns:a14="http://schemas.microsoft.com/office/drawing/2010/main" val="0"/>
+              </a:ext>
+            </a:extLst>
+          </a:blip>
+          <a:stretch>
+            <a:fillRect/>
+          </a:stretch>
+        </p:blipFill>
+        <p:spPr>
+          <a:xfrm>
+            <a:off x="-22251" y="4762500"/>
+            <a:ext cx="952500" cy="952500"/>
+          </a:xfrm>
+          <a:prstGeom prst="rect">
+            <a:avLst/>
+          </a:prstGeom>
+        </p:spPr>
+      </p:pic>
+      <p:pic>
+        <p:nvPicPr>
+          <p:cNvPr id="118" name="그림 117" descr="일렉트릭 블루, 블루, 마조렐 블루, 스크린샷이(가) 표시된 사진&#10;&#10;자동 생성된 설명">
+            <a:extLst>
+              <a:ext uri="{FF2B5EF4-FFF2-40B4-BE49-F238E27FC236}">
+                <a16:creationId xmlns:a16="http://schemas.microsoft.com/office/drawing/2014/main" id="{EB686635-3884-22A4-4E23-DDE15C6C9C20}"/>
+              </a:ext>
+            </a:extLst>
+          </p:cNvPr>
+          <p:cNvPicPr>
+            <a:picLocks noChangeAspect="1"/>
+          </p:cNvPicPr>
+          <p:nvPr/>
+        </p:nvPicPr>
+        <p:blipFill>
+          <a:blip r:embed="rId5">
+            <a:extLst>
+              <a:ext uri="{28A0092B-C50C-407E-A947-70E740481C1C}">
+                <a14:useLocalDpi xmlns:a14="http://schemas.microsoft.com/office/drawing/2010/main" val="0"/>
+              </a:ext>
+            </a:extLst>
+          </a:blip>
+          <a:stretch>
+            <a:fillRect/>
+          </a:stretch>
+        </p:blipFill>
+        <p:spPr>
+          <a:xfrm>
+            <a:off x="933572" y="5715000"/>
+            <a:ext cx="952500" cy="952500"/>
+          </a:xfrm>
+          <a:prstGeom prst="rect">
+            <a:avLst/>
+          </a:prstGeom>
+        </p:spPr>
+      </p:pic>
+      <p:pic>
+        <p:nvPicPr>
+          <p:cNvPr id="120" name="그림 119" descr="그레이, 패브릭이(가) 표시된 사진&#10;&#10;자동 생성된 설명">
+            <a:extLst>
+              <a:ext uri="{FF2B5EF4-FFF2-40B4-BE49-F238E27FC236}">
+                <a16:creationId xmlns:a16="http://schemas.microsoft.com/office/drawing/2014/main" id="{12E566E8-6F13-CF95-D850-F6F972C7126A}"/>
+              </a:ext>
+            </a:extLst>
+          </p:cNvPr>
+          <p:cNvPicPr>
+            <a:picLocks noChangeAspect="1"/>
+          </p:cNvPicPr>
+          <p:nvPr/>
+        </p:nvPicPr>
+        <p:blipFill>
+          <a:blip r:embed="rId7">
+            <a:extLst>
+              <a:ext uri="{28A0092B-C50C-407E-A947-70E740481C1C}">
+                <a14:useLocalDpi xmlns:a14="http://schemas.microsoft.com/office/drawing/2010/main" val="0"/>
+              </a:ext>
+            </a:extLst>
+          </a:blip>
+          <a:stretch>
+            <a:fillRect/>
+          </a:stretch>
+        </p:blipFill>
+        <p:spPr>
+          <a:xfrm>
+            <a:off x="1889203" y="4762500"/>
+            <a:ext cx="952500" cy="952500"/>
+          </a:xfrm>
+          <a:prstGeom prst="rect">
+            <a:avLst/>
+          </a:prstGeom>
+        </p:spPr>
+      </p:pic>
+      <p:pic>
+        <p:nvPicPr>
+          <p:cNvPr id="122" name="그림 121" descr="그레이, 패브릭이(가) 표시된 사진&#10;&#10;자동 생성된 설명">
+            <a:extLst>
+              <a:ext uri="{FF2B5EF4-FFF2-40B4-BE49-F238E27FC236}">
+                <a16:creationId xmlns:a16="http://schemas.microsoft.com/office/drawing/2014/main" id="{622D3900-D4E7-8220-4407-846E79D93F5A}"/>
+              </a:ext>
+            </a:extLst>
+          </p:cNvPr>
+          <p:cNvPicPr>
+            <a:picLocks noChangeAspect="1"/>
+          </p:cNvPicPr>
+          <p:nvPr/>
+        </p:nvPicPr>
+        <p:blipFill>
+          <a:blip r:embed="rId7">
+            <a:extLst>
+              <a:ext uri="{28A0092B-C50C-407E-A947-70E740481C1C}">
+                <a14:useLocalDpi xmlns:a14="http://schemas.microsoft.com/office/drawing/2010/main" val="0"/>
+              </a:ext>
+            </a:extLst>
+          </a:blip>
+          <a:stretch>
+            <a:fillRect/>
+          </a:stretch>
+        </p:blipFill>
+        <p:spPr>
+          <a:xfrm>
+            <a:off x="2823785" y="5715000"/>
+            <a:ext cx="952500" cy="952500"/>
+          </a:xfrm>
+          <a:prstGeom prst="rect">
+            <a:avLst/>
+          </a:prstGeom>
+        </p:spPr>
+      </p:pic>
+      <p:pic>
+        <p:nvPicPr>
+          <p:cNvPr id="124" name="그림 123" descr="일렉트릭 블루, 블루, 마조렐 블루, 스크린샷이(가) 표시된 사진&#10;&#10;자동 생성된 설명">
+            <a:extLst>
+              <a:ext uri="{FF2B5EF4-FFF2-40B4-BE49-F238E27FC236}">
+                <a16:creationId xmlns:a16="http://schemas.microsoft.com/office/drawing/2014/main" id="{EF0C7F00-ADDE-CDFE-1053-2A67441C878F}"/>
+              </a:ext>
+            </a:extLst>
+          </p:cNvPr>
+          <p:cNvPicPr>
+            <a:picLocks noChangeAspect="1"/>
+          </p:cNvPicPr>
+          <p:nvPr/>
+        </p:nvPicPr>
+        <p:blipFill>
+          <a:blip r:embed="rId5">
+            <a:extLst>
+              <a:ext uri="{28A0092B-C50C-407E-A947-70E740481C1C}">
+                <a14:useLocalDpi xmlns:a14="http://schemas.microsoft.com/office/drawing/2010/main" val="0"/>
+              </a:ext>
+            </a:extLst>
+          </a:blip>
+          <a:stretch>
+            <a:fillRect/>
+          </a:stretch>
+        </p:blipFill>
+        <p:spPr>
+          <a:xfrm>
+            <a:off x="3768687" y="5715000"/>
+            <a:ext cx="952500" cy="952500"/>
+          </a:xfrm>
+          <a:prstGeom prst="rect">
+            <a:avLst/>
+          </a:prstGeom>
+        </p:spPr>
+      </p:pic>
+      <p:pic>
+        <p:nvPicPr>
+          <p:cNvPr id="126" name="그림 125" descr="그레이, 패브릭이(가) 표시된 사진&#10;&#10;자동 생성된 설명">
+            <a:extLst>
+              <a:ext uri="{FF2B5EF4-FFF2-40B4-BE49-F238E27FC236}">
+                <a16:creationId xmlns:a16="http://schemas.microsoft.com/office/drawing/2014/main" id="{7E59719C-4C66-21CB-9741-CDD912478D93}"/>
+              </a:ext>
+            </a:extLst>
+          </p:cNvPr>
+          <p:cNvPicPr>
+            <a:picLocks noChangeAspect="1"/>
+          </p:cNvPicPr>
+          <p:nvPr/>
+        </p:nvPicPr>
+        <p:blipFill>
+          <a:blip r:embed="rId7">
+            <a:extLst>
+              <a:ext uri="{28A0092B-C50C-407E-A947-70E740481C1C}">
+                <a14:useLocalDpi xmlns:a14="http://schemas.microsoft.com/office/drawing/2010/main" val="0"/>
+              </a:ext>
+            </a:extLst>
+          </a:blip>
+          <a:stretch>
+            <a:fillRect/>
+          </a:stretch>
+        </p:blipFill>
+        <p:spPr>
+          <a:xfrm>
+            <a:off x="7511695" y="4762434"/>
+            <a:ext cx="952500" cy="952500"/>
+          </a:xfrm>
+          <a:prstGeom prst="rect">
+            <a:avLst/>
+          </a:prstGeom>
+        </p:spPr>
+      </p:pic>
+      <p:pic>
+        <p:nvPicPr>
+          <p:cNvPr id="128" name="그림 127" descr="클립아트, 예술, 일러스트레이션, 만화 영화이(가) 표시된 사진&#10;&#10;자동 생성된 설명">
+            <a:extLst>
+              <a:ext uri="{FF2B5EF4-FFF2-40B4-BE49-F238E27FC236}">
+                <a16:creationId xmlns:a16="http://schemas.microsoft.com/office/drawing/2014/main" id="{52ACF4A7-EF8D-B9A5-C9F1-615640DEFD2A}"/>
+              </a:ext>
+            </a:extLst>
+          </p:cNvPr>
+          <p:cNvPicPr>
+            <a:picLocks noChangeAspect="1"/>
+          </p:cNvPicPr>
+          <p:nvPr/>
+        </p:nvPicPr>
+        <p:blipFill>
+          <a:blip r:embed="rId4">
+            <a:extLst>
+              <a:ext uri="{28A0092B-C50C-407E-A947-70E740481C1C}">
+                <a14:useLocalDpi xmlns:a14="http://schemas.microsoft.com/office/drawing/2010/main" val="0"/>
+              </a:ext>
+            </a:extLst>
+          </a:blip>
+          <a:stretch>
+            <a:fillRect/>
+          </a:stretch>
+        </p:blipFill>
+        <p:spPr>
+          <a:xfrm>
+            <a:off x="2781426" y="4730640"/>
+            <a:ext cx="1016088" cy="1016088"/>
+          </a:xfrm>
+          <a:prstGeom prst="rect">
+            <a:avLst/>
+          </a:prstGeom>
+        </p:spPr>
+      </p:pic>
+      <p:pic>
+        <p:nvPicPr>
+          <p:cNvPr id="130" name="그림 129" descr="클립아트, 예술, 일러스트레이션, 만화 영화이(가) 표시된 사진&#10;&#10;자동 생성된 설명">
+            <a:extLst>
+              <a:ext uri="{FF2B5EF4-FFF2-40B4-BE49-F238E27FC236}">
+                <a16:creationId xmlns:a16="http://schemas.microsoft.com/office/drawing/2014/main" id="{5DEB8330-84A2-96EA-F8DD-6754FD07E4D1}"/>
+              </a:ext>
+            </a:extLst>
+          </p:cNvPr>
+          <p:cNvPicPr>
+            <a:picLocks noChangeAspect="1"/>
+          </p:cNvPicPr>
+          <p:nvPr/>
+        </p:nvPicPr>
+        <p:blipFill>
+          <a:blip r:embed="rId4">
+            <a:extLst>
+              <a:ext uri="{28A0092B-C50C-407E-A947-70E740481C1C}">
+                <a14:useLocalDpi xmlns:a14="http://schemas.microsoft.com/office/drawing/2010/main" val="0"/>
+              </a:ext>
+            </a:extLst>
+          </a:blip>
+          <a:stretch>
+            <a:fillRect/>
+          </a:stretch>
+        </p:blipFill>
+        <p:spPr>
+          <a:xfrm>
+            <a:off x="7552596" y="1873173"/>
+            <a:ext cx="1016088" cy="1016088"/>
+          </a:xfrm>
+          <a:prstGeom prst="rect">
+            <a:avLst/>
+          </a:prstGeom>
+        </p:spPr>
+      </p:pic>
+      <p:pic>
+        <p:nvPicPr>
+          <p:cNvPr id="132" name="그림 131" descr="그레이, 패브릭이(가) 표시된 사진&#10;&#10;자동 생성된 설명">
+            <a:extLst>
+              <a:ext uri="{FF2B5EF4-FFF2-40B4-BE49-F238E27FC236}">
+                <a16:creationId xmlns:a16="http://schemas.microsoft.com/office/drawing/2014/main" id="{424B7DC8-C50A-74AB-540B-A2356A20F8EF}"/>
+              </a:ext>
+            </a:extLst>
+          </p:cNvPr>
+          <p:cNvPicPr>
+            <a:picLocks noChangeAspect="1"/>
+          </p:cNvPicPr>
+          <p:nvPr/>
+        </p:nvPicPr>
+        <p:blipFill>
+          <a:blip r:embed="rId7">
+            <a:extLst>
+              <a:ext uri="{28A0092B-C50C-407E-A947-70E740481C1C}">
+                <a14:useLocalDpi xmlns:a14="http://schemas.microsoft.com/office/drawing/2010/main" val="0"/>
+              </a:ext>
+            </a:extLst>
+          </a:blip>
+          <a:stretch>
+            <a:fillRect/>
+          </a:stretch>
+        </p:blipFill>
+        <p:spPr>
+          <a:xfrm>
+            <a:off x="5620481" y="4762434"/>
+            <a:ext cx="952500" cy="952500"/>
+          </a:xfrm>
+          <a:prstGeom prst="rect">
+            <a:avLst/>
+          </a:prstGeom>
+        </p:spPr>
+      </p:pic>
+      <p:pic>
+        <p:nvPicPr>
+          <p:cNvPr id="134" name="그림 133" descr="일렉트릭 블루, 블루, 마조렐 블루, 스크린샷이(가) 표시된 사진&#10;&#10;자동 생성된 설명">
+            <a:extLst>
+              <a:ext uri="{FF2B5EF4-FFF2-40B4-BE49-F238E27FC236}">
+                <a16:creationId xmlns:a16="http://schemas.microsoft.com/office/drawing/2014/main" id="{A74B1502-8AB7-BC52-8017-F1AF8ED2CA38}"/>
+              </a:ext>
+            </a:extLst>
+          </p:cNvPr>
+          <p:cNvPicPr>
+            <a:picLocks noChangeAspect="1"/>
+          </p:cNvPicPr>
+          <p:nvPr/>
+        </p:nvPicPr>
+        <p:blipFill>
+          <a:blip r:embed="rId5">
+            <a:extLst>
+              <a:ext uri="{28A0092B-C50C-407E-A947-70E740481C1C}">
+                <a14:useLocalDpi xmlns:a14="http://schemas.microsoft.com/office/drawing/2010/main" val="0"/>
+              </a:ext>
+            </a:extLst>
+          </a:blip>
+          <a:stretch>
+            <a:fillRect/>
+          </a:stretch>
+        </p:blipFill>
+        <p:spPr>
+          <a:xfrm>
+            <a:off x="8508346" y="2857467"/>
+            <a:ext cx="952500" cy="952500"/>
+          </a:xfrm>
+          <a:prstGeom prst="rect">
+            <a:avLst/>
+          </a:prstGeom>
+        </p:spPr>
+      </p:pic>
+      <p:pic>
+        <p:nvPicPr>
+          <p:cNvPr id="138" name="그림 137" descr="클립아트, 예술, 일러스트레이션, 만화 영화이(가) 표시된 사진&#10;&#10;자동 생성된 설명">
+            <a:extLst>
+              <a:ext uri="{FF2B5EF4-FFF2-40B4-BE49-F238E27FC236}">
+                <a16:creationId xmlns:a16="http://schemas.microsoft.com/office/drawing/2014/main" id="{EC821DCD-BA6A-5143-496A-EFE982B3FA1C}"/>
+              </a:ext>
+            </a:extLst>
+          </p:cNvPr>
+          <p:cNvPicPr>
+            <a:picLocks noChangeAspect="1"/>
+          </p:cNvPicPr>
+          <p:nvPr/>
+        </p:nvPicPr>
+        <p:blipFill>
+          <a:blip r:embed="rId4">
+            <a:extLst>
+              <a:ext uri="{28A0092B-C50C-407E-A947-70E740481C1C}">
+                <a14:useLocalDpi xmlns:a14="http://schemas.microsoft.com/office/drawing/2010/main" val="0"/>
+              </a:ext>
+            </a:extLst>
+          </a:blip>
+          <a:stretch>
+            <a:fillRect/>
+          </a:stretch>
+        </p:blipFill>
+        <p:spPr>
+          <a:xfrm>
+            <a:off x="9380585" y="4730640"/>
+            <a:ext cx="1016088" cy="1016088"/>
+          </a:xfrm>
+          <a:prstGeom prst="rect">
+            <a:avLst/>
+          </a:prstGeom>
+        </p:spPr>
+      </p:pic>
+      <p:pic>
+        <p:nvPicPr>
+          <p:cNvPr id="140" name="그림 139" descr="일렉트릭 블루, 블루, 마조렐 블루, 스크린샷이(가) 표시된 사진&#10;&#10;자동 생성된 설명">
+            <a:extLst>
+              <a:ext uri="{FF2B5EF4-FFF2-40B4-BE49-F238E27FC236}">
+                <a16:creationId xmlns:a16="http://schemas.microsoft.com/office/drawing/2014/main" id="{E05B1241-B23D-5C2F-6B8B-01C5EF9BD9B2}"/>
+              </a:ext>
+            </a:extLst>
+          </p:cNvPr>
+          <p:cNvPicPr>
+            <a:picLocks noChangeAspect="1"/>
+          </p:cNvPicPr>
+          <p:nvPr/>
+        </p:nvPicPr>
+        <p:blipFill>
+          <a:blip r:embed="rId5">
+            <a:extLst>
+              <a:ext uri="{28A0092B-C50C-407E-A947-70E740481C1C}">
+                <a14:useLocalDpi xmlns:a14="http://schemas.microsoft.com/office/drawing/2010/main" val="0"/>
+              </a:ext>
+            </a:extLst>
+          </a:blip>
+          <a:stretch>
+            <a:fillRect/>
+          </a:stretch>
+        </p:blipFill>
+        <p:spPr>
+          <a:xfrm>
+            <a:off x="10356645" y="4762434"/>
+            <a:ext cx="952500" cy="952500"/>
+          </a:xfrm>
+          <a:prstGeom prst="rect">
+            <a:avLst/>
+          </a:prstGeom>
+        </p:spPr>
+      </p:pic>
+      <p:pic>
+        <p:nvPicPr>
+          <p:cNvPr id="142" name="그림 141" descr="일렉트릭 블루, 블루, 마조렐 블루, 스크린샷이(가) 표시된 사진&#10;&#10;자동 생성된 설명">
+            <a:extLst>
+              <a:ext uri="{FF2B5EF4-FFF2-40B4-BE49-F238E27FC236}">
+                <a16:creationId xmlns:a16="http://schemas.microsoft.com/office/drawing/2014/main" id="{E2BC6733-5E4A-48F1-615D-5971F807D696}"/>
+              </a:ext>
+            </a:extLst>
+          </p:cNvPr>
+          <p:cNvPicPr>
+            <a:picLocks noChangeAspect="1"/>
+          </p:cNvPicPr>
+          <p:nvPr/>
+        </p:nvPicPr>
+        <p:blipFill>
+          <a:blip r:embed="rId5">
+            <a:extLst>
+              <a:ext uri="{28A0092B-C50C-407E-A947-70E740481C1C}">
+                <a14:useLocalDpi xmlns:a14="http://schemas.microsoft.com/office/drawing/2010/main" val="0"/>
+              </a:ext>
+            </a:extLst>
+          </a:blip>
+          <a:stretch>
+            <a:fillRect/>
+          </a:stretch>
+        </p:blipFill>
+        <p:spPr>
+          <a:xfrm>
+            <a:off x="5619750" y="2952750"/>
+            <a:ext cx="952500" cy="952500"/>
+          </a:xfrm>
+          <a:prstGeom prst="rect">
+            <a:avLst/>
+          </a:prstGeom>
+        </p:spPr>
+      </p:pic>
+      <p:pic>
+        <p:nvPicPr>
+          <p:cNvPr id="146" name="그림 145" descr="일렉트릭 블루, 블루, 마조렐 블루, 스크린샷이(가) 표시된 사진&#10;&#10;자동 생성된 설명">
+            <a:extLst>
+              <a:ext uri="{FF2B5EF4-FFF2-40B4-BE49-F238E27FC236}">
+                <a16:creationId xmlns:a16="http://schemas.microsoft.com/office/drawing/2014/main" id="{22791E5A-BE3A-58E0-3C4F-97A55895C9C8}"/>
+              </a:ext>
+            </a:extLst>
+          </p:cNvPr>
+          <p:cNvPicPr>
+            <a:picLocks noChangeAspect="1"/>
+          </p:cNvPicPr>
+          <p:nvPr/>
+        </p:nvPicPr>
+        <p:blipFill>
+          <a:blip r:embed="rId5">
+            <a:extLst>
+              <a:ext uri="{28A0092B-C50C-407E-A947-70E740481C1C}">
+                <a14:useLocalDpi xmlns:a14="http://schemas.microsoft.com/office/drawing/2010/main" val="0"/>
+              </a:ext>
+            </a:extLst>
+          </a:blip>
+          <a:stretch>
+            <a:fillRect/>
+          </a:stretch>
+        </p:blipFill>
+        <p:spPr>
+          <a:xfrm>
+            <a:off x="10409756" y="952467"/>
+            <a:ext cx="952500" cy="952500"/>
+          </a:xfrm>
+          <a:prstGeom prst="rect">
+            <a:avLst/>
+          </a:prstGeom>
+        </p:spPr>
+      </p:pic>
+      <p:pic>
+        <p:nvPicPr>
+          <p:cNvPr id="148" name="그림 147" descr="클립아트, 예술, 일러스트레이션, 만화 영화이(가) 표시된 사진&#10;&#10;자동 생성된 설명">
+            <a:extLst>
+              <a:ext uri="{FF2B5EF4-FFF2-40B4-BE49-F238E27FC236}">
+                <a16:creationId xmlns:a16="http://schemas.microsoft.com/office/drawing/2014/main" id="{086EB918-1236-F81B-3409-9FB980F686D0}"/>
+              </a:ext>
+            </a:extLst>
+          </p:cNvPr>
+          <p:cNvPicPr>
+            <a:picLocks noChangeAspect="1"/>
+          </p:cNvPicPr>
+          <p:nvPr/>
+        </p:nvPicPr>
+        <p:blipFill>
+          <a:blip r:embed="rId4">
+            <a:extLst>
+              <a:ext uri="{28A0092B-C50C-407E-A947-70E740481C1C}">
+                <a14:useLocalDpi xmlns:a14="http://schemas.microsoft.com/office/drawing/2010/main" val="0"/>
+              </a:ext>
+            </a:extLst>
+          </a:blip>
+          <a:stretch>
+            <a:fillRect/>
+          </a:stretch>
+        </p:blipFill>
+        <p:spPr>
+          <a:xfrm>
+            <a:off x="11316587" y="2816016"/>
+            <a:ext cx="1016088" cy="1016088"/>
+          </a:xfrm>
+          <a:prstGeom prst="rect">
+            <a:avLst/>
+          </a:prstGeom>
+        </p:spPr>
+      </p:pic>
+      <p:pic>
+        <p:nvPicPr>
+          <p:cNvPr id="150" name="그림 149" descr="갈색, 지상이(가) 표시된 사진&#10;&#10;자동 생성된 설명">
+            <a:extLst>
+              <a:ext uri="{FF2B5EF4-FFF2-40B4-BE49-F238E27FC236}">
+                <a16:creationId xmlns:a16="http://schemas.microsoft.com/office/drawing/2014/main" id="{C8E69292-6E4A-65B7-445D-9DD791F767C0}"/>
+              </a:ext>
+            </a:extLst>
+          </p:cNvPr>
+          <p:cNvPicPr>
+            <a:picLocks noChangeAspect="1"/>
+          </p:cNvPicPr>
+          <p:nvPr/>
+        </p:nvPicPr>
+        <p:blipFill>
+          <a:blip r:embed="rId2">
+            <a:extLst>
+              <a:ext uri="{28A0092B-C50C-407E-A947-70E740481C1C}">
+                <a14:useLocalDpi xmlns:a14="http://schemas.microsoft.com/office/drawing/2010/main" val="0"/>
+              </a:ext>
+            </a:extLst>
+          </a:blip>
+          <a:stretch>
+            <a:fillRect/>
+          </a:stretch>
+        </p:blipFill>
+        <p:spPr>
+          <a:xfrm>
+            <a:off x="8467058" y="4762368"/>
             <a:ext cx="952500" cy="952500"/>
           </a:xfrm>
           <a:prstGeom prst="rect">
@@ -22167,7 +21951,7 @@
         </p:blipFill>
         <p:spPr>
           <a:xfrm>
-            <a:off x="934929" y="4762500"/>
+            <a:off x="952500" y="4750278"/>
             <a:ext cx="952500" cy="952500"/>
           </a:xfrm>
           <a:prstGeom prst="rect">

--- a/data/땅파기 맵 설계.pptx
+++ b/data/땅파기 맵 설계.pptx
@@ -27847,42 +27847,6 @@
       </p:pic>
       <p:pic>
         <p:nvPicPr>
-          <p:cNvPr id="80" name="그림 79">
-            <a:extLst>
-              <a:ext uri="{FF2B5EF4-FFF2-40B4-BE49-F238E27FC236}">
-                <a16:creationId xmlns:a16="http://schemas.microsoft.com/office/drawing/2014/main" id="{15FB8D0C-BD0B-1A99-2265-6233C0868281}"/>
-              </a:ext>
-            </a:extLst>
-          </p:cNvPr>
-          <p:cNvPicPr>
-            <a:picLocks noChangeAspect="1"/>
-          </p:cNvPicPr>
-          <p:nvPr/>
-        </p:nvPicPr>
-        <p:blipFill>
-          <a:blip r:embed="rId2">
-            <a:extLst>
-              <a:ext uri="{28A0092B-C50C-407E-A947-70E740481C1C}">
-                <a14:useLocalDpi xmlns:a14="http://schemas.microsoft.com/office/drawing/2010/main" val="0"/>
-              </a:ext>
-            </a:extLst>
-          </a:blip>
-          <a:stretch>
-            <a:fillRect/>
-          </a:stretch>
-        </p:blipFill>
-        <p:spPr>
-          <a:xfrm>
-            <a:off x="4679372" y="4762500"/>
-            <a:ext cx="952500" cy="952500"/>
-          </a:xfrm>
-          <a:prstGeom prst="rect">
-            <a:avLst/>
-          </a:prstGeom>
-        </p:spPr>
-      </p:pic>
-      <p:pic>
-        <p:nvPicPr>
           <p:cNvPr id="81" name="그림 80">
             <a:extLst>
               <a:ext uri="{FF2B5EF4-FFF2-40B4-BE49-F238E27FC236}">
@@ -27946,42 +27910,6 @@
         <p:spPr>
           <a:xfrm>
             <a:off x="9410690" y="4762500"/>
-            <a:ext cx="952500" cy="952500"/>
-          </a:xfrm>
-          <a:prstGeom prst="rect">
-            <a:avLst/>
-          </a:prstGeom>
-        </p:spPr>
-      </p:pic>
-      <p:pic>
-        <p:nvPicPr>
-          <p:cNvPr id="86" name="그림 85">
-            <a:extLst>
-              <a:ext uri="{FF2B5EF4-FFF2-40B4-BE49-F238E27FC236}">
-                <a16:creationId xmlns:a16="http://schemas.microsoft.com/office/drawing/2014/main" id="{B16A712E-4021-11BC-053B-FB70227EC2D3}"/>
-              </a:ext>
-            </a:extLst>
-          </p:cNvPr>
-          <p:cNvPicPr>
-            <a:picLocks noChangeAspect="1"/>
-          </p:cNvPicPr>
-          <p:nvPr/>
-        </p:nvPicPr>
-        <p:blipFill>
-          <a:blip r:embed="rId2">
-            <a:extLst>
-              <a:ext uri="{28A0092B-C50C-407E-A947-70E740481C1C}">
-                <a14:useLocalDpi xmlns:a14="http://schemas.microsoft.com/office/drawing/2010/main" val="0"/>
-              </a:ext>
-            </a:extLst>
-          </a:blip>
-          <a:stretch>
-            <a:fillRect/>
-          </a:stretch>
-        </p:blipFill>
-        <p:spPr>
-          <a:xfrm>
-            <a:off x="10355856" y="4762500"/>
             <a:ext cx="952500" cy="952500"/>
           </a:xfrm>
           <a:prstGeom prst="rect">
@@ -29135,6 +29063,78 @@
           <a:xfrm>
             <a:off x="7572096" y="1904867"/>
             <a:ext cx="952500" cy="952500"/>
+          </a:xfrm>
+          <a:prstGeom prst="rect">
+            <a:avLst/>
+          </a:prstGeom>
+        </p:spPr>
+      </p:pic>
+      <p:pic>
+        <p:nvPicPr>
+          <p:cNvPr id="15" name="그림 14" descr="클립아트이(가) 표시된 사진&#10;&#10;자동 생성된 설명">
+            <a:extLst>
+              <a:ext uri="{FF2B5EF4-FFF2-40B4-BE49-F238E27FC236}">
+                <a16:creationId xmlns:a16="http://schemas.microsoft.com/office/drawing/2014/main" id="{325090C9-85E8-51CA-3AE8-8C2193231D7A}"/>
+              </a:ext>
+            </a:extLst>
+          </p:cNvPr>
+          <p:cNvPicPr>
+            <a:picLocks noChangeAspect="1"/>
+          </p:cNvPicPr>
+          <p:nvPr/>
+        </p:nvPicPr>
+        <p:blipFill>
+          <a:blip r:embed="rId6">
+            <a:extLst>
+              <a:ext uri="{28A0092B-C50C-407E-A947-70E740481C1C}">
+                <a14:useLocalDpi xmlns:a14="http://schemas.microsoft.com/office/drawing/2010/main" val="0"/>
+              </a:ext>
+            </a:extLst>
+          </a:blip>
+          <a:stretch>
+            <a:fillRect/>
+          </a:stretch>
+        </p:blipFill>
+        <p:spPr>
+          <a:xfrm>
+            <a:off x="4704083" y="4762434"/>
+            <a:ext cx="952633" cy="952633"/>
+          </a:xfrm>
+          <a:prstGeom prst="rect">
+            <a:avLst/>
+          </a:prstGeom>
+        </p:spPr>
+      </p:pic>
+      <p:pic>
+        <p:nvPicPr>
+          <p:cNvPr id="25" name="그림 24" descr="클립아트이(가) 표시된 사진&#10;&#10;자동 생성된 설명">
+            <a:extLst>
+              <a:ext uri="{FF2B5EF4-FFF2-40B4-BE49-F238E27FC236}">
+                <a16:creationId xmlns:a16="http://schemas.microsoft.com/office/drawing/2014/main" id="{C275B28B-B613-7622-D33D-36A185260086}"/>
+              </a:ext>
+            </a:extLst>
+          </p:cNvPr>
+          <p:cNvPicPr>
+            <a:picLocks noChangeAspect="1"/>
+          </p:cNvPicPr>
+          <p:nvPr/>
+        </p:nvPicPr>
+        <p:blipFill>
+          <a:blip r:embed="rId6">
+            <a:extLst>
+              <a:ext uri="{28A0092B-C50C-407E-A947-70E740481C1C}">
+                <a14:useLocalDpi xmlns:a14="http://schemas.microsoft.com/office/drawing/2010/main" val="0"/>
+              </a:ext>
+            </a:extLst>
+          </a:blip>
+          <a:stretch>
+            <a:fillRect/>
+          </a:stretch>
+        </p:blipFill>
+        <p:spPr>
+          <a:xfrm>
+            <a:off x="10369422" y="4773090"/>
+            <a:ext cx="952633" cy="952633"/>
           </a:xfrm>
           <a:prstGeom prst="rect">
             <a:avLst/>

--- a/data/땅파기 맵 설계.pptx
+++ b/data/땅파기 맵 설계.pptx
@@ -4,6 +4,9 @@
   <p:sldMasterIdLst>
     <p:sldMasterId id="2147483648" r:id="rId1"/>
   </p:sldMasterIdLst>
+  <p:notesMasterIdLst>
+    <p:notesMasterId r:id="rId13"/>
+  </p:notesMasterIdLst>
   <p:sldIdLst>
     <p:sldId id="256" r:id="rId2"/>
     <p:sldId id="267" r:id="rId3"/>
@@ -122,6 +125,439 @@
 </p:presentation>
 </file>
 
+<file path=ppt/notesMasters/notesMaster1.xml><?xml version="1.0" encoding="utf-8"?>
+<p:notesMaster xmlns:a="http://schemas.openxmlformats.org/drawingml/2006/main" xmlns:r="http://schemas.openxmlformats.org/officeDocument/2006/relationships" xmlns:p="http://schemas.openxmlformats.org/presentationml/2006/main">
+  <p:cSld>
+    <p:bg>
+      <p:bgRef idx="1001">
+        <a:schemeClr val="bg1"/>
+      </p:bgRef>
+    </p:bg>
+    <p:spTree>
+      <p:nvGrpSpPr>
+        <p:cNvPr id="1" name=""/>
+        <p:cNvGrpSpPr/>
+        <p:nvPr/>
+      </p:nvGrpSpPr>
+      <p:grpSpPr>
+        <a:xfrm>
+          <a:off x="0" y="0"/>
+          <a:ext cx="0" cy="0"/>
+          <a:chOff x="0" y="0"/>
+          <a:chExt cx="0" cy="0"/>
+        </a:xfrm>
+      </p:grpSpPr>
+      <p:sp>
+        <p:nvSpPr>
+          <p:cNvPr id="2" name="머리글 개체 틀 1"/>
+          <p:cNvSpPr>
+            <a:spLocks noGrp="1"/>
+          </p:cNvSpPr>
+          <p:nvPr>
+            <p:ph type="hdr" sz="quarter"/>
+          </p:nvPr>
+        </p:nvSpPr>
+        <p:spPr>
+          <a:xfrm>
+            <a:off x="0" y="0"/>
+            <a:ext cx="2971800" cy="458788"/>
+          </a:xfrm>
+          <a:prstGeom prst="rect">
+            <a:avLst/>
+          </a:prstGeom>
+        </p:spPr>
+        <p:txBody>
+          <a:bodyPr vert="horz" lIns="91440" tIns="45720" rIns="91440" bIns="45720" rtlCol="0"/>
+          <a:lstStyle>
+            <a:lvl1pPr algn="l">
+              <a:defRPr sz="1200"/>
+            </a:lvl1pPr>
+          </a:lstStyle>
+          <a:p>
+            <a:endParaRPr lang="ko-KR" altLang="en-US"/>
+          </a:p>
+        </p:txBody>
+      </p:sp>
+      <p:sp>
+        <p:nvSpPr>
+          <p:cNvPr id="3" name="날짜 개체 틀 2"/>
+          <p:cNvSpPr>
+            <a:spLocks noGrp="1"/>
+          </p:cNvSpPr>
+          <p:nvPr>
+            <p:ph type="dt" idx="1"/>
+          </p:nvPr>
+        </p:nvSpPr>
+        <p:spPr>
+          <a:xfrm>
+            <a:off x="3884613" y="0"/>
+            <a:ext cx="2971800" cy="458788"/>
+          </a:xfrm>
+          <a:prstGeom prst="rect">
+            <a:avLst/>
+          </a:prstGeom>
+        </p:spPr>
+        <p:txBody>
+          <a:bodyPr vert="horz" lIns="91440" tIns="45720" rIns="91440" bIns="45720" rtlCol="0"/>
+          <a:lstStyle>
+            <a:lvl1pPr algn="r">
+              <a:defRPr sz="1200"/>
+            </a:lvl1pPr>
+          </a:lstStyle>
+          <a:p>
+            <a:fld id="{D13F82DD-40D6-41BF-A583-1C15377428E6}" type="datetimeFigureOut">
+              <a:rPr lang="ko-KR" altLang="en-US" smtClean="0"/>
+              <a:t>2024-05-25</a:t>
+            </a:fld>
+            <a:endParaRPr lang="ko-KR" altLang="en-US"/>
+          </a:p>
+        </p:txBody>
+      </p:sp>
+      <p:sp>
+        <p:nvSpPr>
+          <p:cNvPr id="4" name="슬라이드 이미지 개체 틀 3"/>
+          <p:cNvSpPr>
+            <a:spLocks noGrp="1" noRot="1" noChangeAspect="1"/>
+          </p:cNvSpPr>
+          <p:nvPr>
+            <p:ph type="sldImg" idx="2"/>
+          </p:nvPr>
+        </p:nvSpPr>
+        <p:spPr>
+          <a:xfrm>
+            <a:off x="685800" y="1143000"/>
+            <a:ext cx="5486400" cy="3086100"/>
+          </a:xfrm>
+          <a:prstGeom prst="rect">
+            <a:avLst/>
+          </a:prstGeom>
+          <a:noFill/>
+          <a:ln w="12700">
+            <a:solidFill>
+              <a:prstClr val="black"/>
+            </a:solidFill>
+          </a:ln>
+        </p:spPr>
+        <p:txBody>
+          <a:bodyPr vert="horz" lIns="91440" tIns="45720" rIns="91440" bIns="45720" rtlCol="0" anchor="ctr"/>
+          <a:lstStyle/>
+          <a:p>
+            <a:endParaRPr lang="ko-KR" altLang="en-US"/>
+          </a:p>
+        </p:txBody>
+      </p:sp>
+      <p:sp>
+        <p:nvSpPr>
+          <p:cNvPr id="5" name="슬라이드 노트 개체 틀 4"/>
+          <p:cNvSpPr>
+            <a:spLocks noGrp="1"/>
+          </p:cNvSpPr>
+          <p:nvPr>
+            <p:ph type="body" sz="quarter" idx="3"/>
+          </p:nvPr>
+        </p:nvSpPr>
+        <p:spPr>
+          <a:xfrm>
+            <a:off x="685800" y="4400550"/>
+            <a:ext cx="5486400" cy="3600450"/>
+          </a:xfrm>
+          <a:prstGeom prst="rect">
+            <a:avLst/>
+          </a:prstGeom>
+        </p:spPr>
+        <p:txBody>
+          <a:bodyPr vert="horz" lIns="91440" tIns="45720" rIns="91440" bIns="45720" rtlCol="0"/>
+          <a:lstStyle/>
+          <a:p>
+            <a:pPr lvl="0"/>
+            <a:r>
+              <a:rPr lang="ko-KR" altLang="en-US"/>
+              <a:t>마스터 텍스트 스타일을 편집하려면 클릭</a:t>
+            </a:r>
+          </a:p>
+          <a:p>
+            <a:pPr lvl="1"/>
+            <a:r>
+              <a:rPr lang="ko-KR" altLang="en-US"/>
+              <a:t>두 번째 수준</a:t>
+            </a:r>
+          </a:p>
+          <a:p>
+            <a:pPr lvl="2"/>
+            <a:r>
+              <a:rPr lang="ko-KR" altLang="en-US"/>
+              <a:t>세 번째 수준</a:t>
+            </a:r>
+          </a:p>
+          <a:p>
+            <a:pPr lvl="3"/>
+            <a:r>
+              <a:rPr lang="ko-KR" altLang="en-US"/>
+              <a:t>네 번째 수준</a:t>
+            </a:r>
+          </a:p>
+          <a:p>
+            <a:pPr lvl="4"/>
+            <a:r>
+              <a:rPr lang="ko-KR" altLang="en-US"/>
+              <a:t>다섯 번째 수준</a:t>
+            </a:r>
+          </a:p>
+        </p:txBody>
+      </p:sp>
+      <p:sp>
+        <p:nvSpPr>
+          <p:cNvPr id="6" name="바닥글 개체 틀 5"/>
+          <p:cNvSpPr>
+            <a:spLocks noGrp="1"/>
+          </p:cNvSpPr>
+          <p:nvPr>
+            <p:ph type="ftr" sz="quarter" idx="4"/>
+          </p:nvPr>
+        </p:nvSpPr>
+        <p:spPr>
+          <a:xfrm>
+            <a:off x="0" y="8685213"/>
+            <a:ext cx="2971800" cy="458787"/>
+          </a:xfrm>
+          <a:prstGeom prst="rect">
+            <a:avLst/>
+          </a:prstGeom>
+        </p:spPr>
+        <p:txBody>
+          <a:bodyPr vert="horz" lIns="91440" tIns="45720" rIns="91440" bIns="45720" rtlCol="0" anchor="b"/>
+          <a:lstStyle>
+            <a:lvl1pPr algn="l">
+              <a:defRPr sz="1200"/>
+            </a:lvl1pPr>
+          </a:lstStyle>
+          <a:p>
+            <a:endParaRPr lang="ko-KR" altLang="en-US"/>
+          </a:p>
+        </p:txBody>
+      </p:sp>
+      <p:sp>
+        <p:nvSpPr>
+          <p:cNvPr id="7" name="슬라이드 번호 개체 틀 6"/>
+          <p:cNvSpPr>
+            <a:spLocks noGrp="1"/>
+          </p:cNvSpPr>
+          <p:nvPr>
+            <p:ph type="sldNum" sz="quarter" idx="5"/>
+          </p:nvPr>
+        </p:nvSpPr>
+        <p:spPr>
+          <a:xfrm>
+            <a:off x="3884613" y="8685213"/>
+            <a:ext cx="2971800" cy="458787"/>
+          </a:xfrm>
+          <a:prstGeom prst="rect">
+            <a:avLst/>
+          </a:prstGeom>
+        </p:spPr>
+        <p:txBody>
+          <a:bodyPr vert="horz" lIns="91440" tIns="45720" rIns="91440" bIns="45720" rtlCol="0" anchor="b"/>
+          <a:lstStyle>
+            <a:lvl1pPr algn="r">
+              <a:defRPr sz="1200"/>
+            </a:lvl1pPr>
+          </a:lstStyle>
+          <a:p>
+            <a:fld id="{5A8F2BC9-FC5C-4430-B5C5-07F272B967B6}" type="slidenum">
+              <a:rPr lang="ko-KR" altLang="en-US" smtClean="0"/>
+              <a:t>‹#›</a:t>
+            </a:fld>
+            <a:endParaRPr lang="ko-KR" altLang="en-US"/>
+          </a:p>
+        </p:txBody>
+      </p:sp>
+    </p:spTree>
+    <p:extLst>
+      <p:ext uri="{BB962C8B-B14F-4D97-AF65-F5344CB8AC3E}">
+        <p14:creationId xmlns:p14="http://schemas.microsoft.com/office/powerpoint/2010/main" val="3223102263"/>
+      </p:ext>
+    </p:extLst>
+  </p:cSld>
+  <p:clrMap bg1="lt1" tx1="dk1" bg2="lt2" tx2="dk2" accent1="accent1" accent2="accent2" accent3="accent3" accent4="accent4" accent5="accent5" accent6="accent6" hlink="hlink" folHlink="folHlink"/>
+  <p:notesStyle>
+    <a:lvl1pPr marL="0" algn="l" defTabSz="914400" rtl="0" eaLnBrk="1" latinLnBrk="1" hangingPunct="1">
+      <a:defRPr sz="1200" kern="1200">
+        <a:solidFill>
+          <a:schemeClr val="tx1"/>
+        </a:solidFill>
+        <a:latin typeface="+mn-lt"/>
+        <a:ea typeface="+mn-ea"/>
+        <a:cs typeface="+mn-cs"/>
+      </a:defRPr>
+    </a:lvl1pPr>
+    <a:lvl2pPr marL="457200" algn="l" defTabSz="914400" rtl="0" eaLnBrk="1" latinLnBrk="1" hangingPunct="1">
+      <a:defRPr sz="1200" kern="1200">
+        <a:solidFill>
+          <a:schemeClr val="tx1"/>
+        </a:solidFill>
+        <a:latin typeface="+mn-lt"/>
+        <a:ea typeface="+mn-ea"/>
+        <a:cs typeface="+mn-cs"/>
+      </a:defRPr>
+    </a:lvl2pPr>
+    <a:lvl3pPr marL="914400" algn="l" defTabSz="914400" rtl="0" eaLnBrk="1" latinLnBrk="1" hangingPunct="1">
+      <a:defRPr sz="1200" kern="1200">
+        <a:solidFill>
+          <a:schemeClr val="tx1"/>
+        </a:solidFill>
+        <a:latin typeface="+mn-lt"/>
+        <a:ea typeface="+mn-ea"/>
+        <a:cs typeface="+mn-cs"/>
+      </a:defRPr>
+    </a:lvl3pPr>
+    <a:lvl4pPr marL="1371600" algn="l" defTabSz="914400" rtl="0" eaLnBrk="1" latinLnBrk="1" hangingPunct="1">
+      <a:defRPr sz="1200" kern="1200">
+        <a:solidFill>
+          <a:schemeClr val="tx1"/>
+        </a:solidFill>
+        <a:latin typeface="+mn-lt"/>
+        <a:ea typeface="+mn-ea"/>
+        <a:cs typeface="+mn-cs"/>
+      </a:defRPr>
+    </a:lvl4pPr>
+    <a:lvl5pPr marL="1828800" algn="l" defTabSz="914400" rtl="0" eaLnBrk="1" latinLnBrk="1" hangingPunct="1">
+      <a:defRPr sz="1200" kern="1200">
+        <a:solidFill>
+          <a:schemeClr val="tx1"/>
+        </a:solidFill>
+        <a:latin typeface="+mn-lt"/>
+        <a:ea typeface="+mn-ea"/>
+        <a:cs typeface="+mn-cs"/>
+      </a:defRPr>
+    </a:lvl5pPr>
+    <a:lvl6pPr marL="2286000" algn="l" defTabSz="914400" rtl="0" eaLnBrk="1" latinLnBrk="1" hangingPunct="1">
+      <a:defRPr sz="1200" kern="1200">
+        <a:solidFill>
+          <a:schemeClr val="tx1"/>
+        </a:solidFill>
+        <a:latin typeface="+mn-lt"/>
+        <a:ea typeface="+mn-ea"/>
+        <a:cs typeface="+mn-cs"/>
+      </a:defRPr>
+    </a:lvl6pPr>
+    <a:lvl7pPr marL="2743200" algn="l" defTabSz="914400" rtl="0" eaLnBrk="1" latinLnBrk="1" hangingPunct="1">
+      <a:defRPr sz="1200" kern="1200">
+        <a:solidFill>
+          <a:schemeClr val="tx1"/>
+        </a:solidFill>
+        <a:latin typeface="+mn-lt"/>
+        <a:ea typeface="+mn-ea"/>
+        <a:cs typeface="+mn-cs"/>
+      </a:defRPr>
+    </a:lvl7pPr>
+    <a:lvl8pPr marL="3200400" algn="l" defTabSz="914400" rtl="0" eaLnBrk="1" latinLnBrk="1" hangingPunct="1">
+      <a:defRPr sz="1200" kern="1200">
+        <a:solidFill>
+          <a:schemeClr val="tx1"/>
+        </a:solidFill>
+        <a:latin typeface="+mn-lt"/>
+        <a:ea typeface="+mn-ea"/>
+        <a:cs typeface="+mn-cs"/>
+      </a:defRPr>
+    </a:lvl8pPr>
+    <a:lvl9pPr marL="3657600" algn="l" defTabSz="914400" rtl="0" eaLnBrk="1" latinLnBrk="1" hangingPunct="1">
+      <a:defRPr sz="1200" kern="1200">
+        <a:solidFill>
+          <a:schemeClr val="tx1"/>
+        </a:solidFill>
+        <a:latin typeface="+mn-lt"/>
+        <a:ea typeface="+mn-ea"/>
+        <a:cs typeface="+mn-cs"/>
+      </a:defRPr>
+    </a:lvl9pPr>
+  </p:notesStyle>
+</p:notesMaster>
+</file>
+
+<file path=ppt/notesSlides/notesSlide1.xml><?xml version="1.0" encoding="utf-8"?>
+<p:notes xmlns:a="http://schemas.openxmlformats.org/drawingml/2006/main" xmlns:r="http://schemas.openxmlformats.org/officeDocument/2006/relationships" xmlns:p="http://schemas.openxmlformats.org/presentationml/2006/main">
+  <p:cSld>
+    <p:spTree>
+      <p:nvGrpSpPr>
+        <p:cNvPr id="1" name=""/>
+        <p:cNvGrpSpPr/>
+        <p:nvPr/>
+      </p:nvGrpSpPr>
+      <p:grpSpPr>
+        <a:xfrm>
+          <a:off x="0" y="0"/>
+          <a:ext cx="0" cy="0"/>
+          <a:chOff x="0" y="0"/>
+          <a:chExt cx="0" cy="0"/>
+        </a:xfrm>
+      </p:grpSpPr>
+      <p:sp>
+        <p:nvSpPr>
+          <p:cNvPr id="2" name="슬라이드 이미지 개체 틀 1"/>
+          <p:cNvSpPr>
+            <a:spLocks noGrp="1" noRot="1" noChangeAspect="1"/>
+          </p:cNvSpPr>
+          <p:nvPr>
+            <p:ph type="sldImg"/>
+          </p:nvPr>
+        </p:nvSpPr>
+        <p:spPr/>
+      </p:sp>
+      <p:sp>
+        <p:nvSpPr>
+          <p:cNvPr id="3" name="슬라이드 노트 개체 틀 2"/>
+          <p:cNvSpPr>
+            <a:spLocks noGrp="1"/>
+          </p:cNvSpPr>
+          <p:nvPr>
+            <p:ph type="body" idx="1"/>
+          </p:nvPr>
+        </p:nvSpPr>
+        <p:spPr/>
+        <p:txBody>
+          <a:bodyPr/>
+          <a:lstStyle/>
+          <a:p>
+            <a:endParaRPr lang="ko-KR" altLang="en-US" dirty="0"/>
+          </a:p>
+        </p:txBody>
+      </p:sp>
+      <p:sp>
+        <p:nvSpPr>
+          <p:cNvPr id="4" name="슬라이드 번호 개체 틀 3"/>
+          <p:cNvSpPr>
+            <a:spLocks noGrp="1"/>
+          </p:cNvSpPr>
+          <p:nvPr>
+            <p:ph type="sldNum" sz="quarter" idx="5"/>
+          </p:nvPr>
+        </p:nvSpPr>
+        <p:spPr/>
+        <p:txBody>
+          <a:bodyPr/>
+          <a:lstStyle/>
+          <a:p>
+            <a:fld id="{5A8F2BC9-FC5C-4430-B5C5-07F272B967B6}" type="slidenum">
+              <a:rPr lang="ko-KR" altLang="en-US" smtClean="0"/>
+              <a:t>11</a:t>
+            </a:fld>
+            <a:endParaRPr lang="ko-KR" altLang="en-US"/>
+          </a:p>
+        </p:txBody>
+      </p:sp>
+    </p:spTree>
+    <p:extLst>
+      <p:ext uri="{BB962C8B-B14F-4D97-AF65-F5344CB8AC3E}">
+        <p14:creationId xmlns:p14="http://schemas.microsoft.com/office/powerpoint/2010/main" val="894693212"/>
+      </p:ext>
+    </p:extLst>
+  </p:cSld>
+  <p:clrMapOvr>
+    <a:masterClrMapping/>
+  </p:clrMapOvr>
+</p:notes>
+</file>
+
 <file path=ppt/slideLayouts/slideLayout1.xml><?xml version="1.0" encoding="utf-8"?>
 <p:sldLayout xmlns:a="http://schemas.openxmlformats.org/drawingml/2006/main" xmlns:r="http://schemas.openxmlformats.org/officeDocument/2006/relationships" xmlns:p="http://schemas.openxmlformats.org/presentationml/2006/main" type="title" preserve="1">
   <p:cSld name="제목 슬라이드">
@@ -271,7 +707,7 @@
               <a:rPr lang="ko-KR" altLang="en-US" smtClean="0"/>
               <a:t>2024-05-25</a:t>
             </a:fld>
-            <a:endParaRPr lang="ko-KR" altLang="en-US"/>
+            <a:endParaRPr lang="ko-KR" altLang="en-US" dirty="0"/>
           </a:p>
         </p:txBody>
       </p:sp>
@@ -296,7 +732,7 @@
           <a:bodyPr/>
           <a:lstStyle/>
           <a:p>
-            <a:endParaRPr lang="ko-KR" altLang="en-US"/>
+            <a:endParaRPr lang="ko-KR" altLang="en-US" dirty="0"/>
           </a:p>
         </p:txBody>
       </p:sp>
@@ -325,7 +761,7 @@
               <a:rPr lang="ko-KR" altLang="en-US" smtClean="0"/>
               <a:t>‹#›</a:t>
             </a:fld>
-            <a:endParaRPr lang="ko-KR" altLang="en-US"/>
+            <a:endParaRPr lang="ko-KR" altLang="en-US" dirty="0"/>
           </a:p>
         </p:txBody>
       </p:sp>
@@ -469,7 +905,7 @@
               <a:rPr lang="ko-KR" altLang="en-US" smtClean="0"/>
               <a:t>2024-05-25</a:t>
             </a:fld>
-            <a:endParaRPr lang="ko-KR" altLang="en-US"/>
+            <a:endParaRPr lang="ko-KR" altLang="en-US" dirty="0"/>
           </a:p>
         </p:txBody>
       </p:sp>
@@ -494,7 +930,7 @@
           <a:bodyPr/>
           <a:lstStyle/>
           <a:p>
-            <a:endParaRPr lang="ko-KR" altLang="en-US"/>
+            <a:endParaRPr lang="ko-KR" altLang="en-US" dirty="0"/>
           </a:p>
         </p:txBody>
       </p:sp>
@@ -523,7 +959,7 @@
               <a:rPr lang="ko-KR" altLang="en-US" smtClean="0"/>
               <a:t>‹#›</a:t>
             </a:fld>
-            <a:endParaRPr lang="ko-KR" altLang="en-US"/>
+            <a:endParaRPr lang="ko-KR" altLang="en-US" dirty="0"/>
           </a:p>
         </p:txBody>
       </p:sp>
@@ -677,7 +1113,7 @@
               <a:rPr lang="ko-KR" altLang="en-US" smtClean="0"/>
               <a:t>2024-05-25</a:t>
             </a:fld>
-            <a:endParaRPr lang="ko-KR" altLang="en-US"/>
+            <a:endParaRPr lang="ko-KR" altLang="en-US" dirty="0"/>
           </a:p>
         </p:txBody>
       </p:sp>
@@ -702,7 +1138,7 @@
           <a:bodyPr/>
           <a:lstStyle/>
           <a:p>
-            <a:endParaRPr lang="ko-KR" altLang="en-US"/>
+            <a:endParaRPr lang="ko-KR" altLang="en-US" dirty="0"/>
           </a:p>
         </p:txBody>
       </p:sp>
@@ -731,7 +1167,7 @@
               <a:rPr lang="ko-KR" altLang="en-US" smtClean="0"/>
               <a:t>‹#›</a:t>
             </a:fld>
-            <a:endParaRPr lang="ko-KR" altLang="en-US"/>
+            <a:endParaRPr lang="ko-KR" altLang="en-US" dirty="0"/>
           </a:p>
         </p:txBody>
       </p:sp>
@@ -875,7 +1311,7 @@
               <a:rPr lang="ko-KR" altLang="en-US" smtClean="0"/>
               <a:t>2024-05-25</a:t>
             </a:fld>
-            <a:endParaRPr lang="ko-KR" altLang="en-US"/>
+            <a:endParaRPr lang="ko-KR" altLang="en-US" dirty="0"/>
           </a:p>
         </p:txBody>
       </p:sp>
@@ -900,7 +1336,7 @@
           <a:bodyPr/>
           <a:lstStyle/>
           <a:p>
-            <a:endParaRPr lang="ko-KR" altLang="en-US"/>
+            <a:endParaRPr lang="ko-KR" altLang="en-US" dirty="0"/>
           </a:p>
         </p:txBody>
       </p:sp>
@@ -929,7 +1365,7 @@
               <a:rPr lang="ko-KR" altLang="en-US" smtClean="0"/>
               <a:t>‹#›</a:t>
             </a:fld>
-            <a:endParaRPr lang="ko-KR" altLang="en-US"/>
+            <a:endParaRPr lang="ko-KR" altLang="en-US" dirty="0"/>
           </a:p>
         </p:txBody>
       </p:sp>
@@ -1150,7 +1586,7 @@
               <a:rPr lang="ko-KR" altLang="en-US" smtClean="0"/>
               <a:t>2024-05-25</a:t>
             </a:fld>
-            <a:endParaRPr lang="ko-KR" altLang="en-US"/>
+            <a:endParaRPr lang="ko-KR" altLang="en-US" dirty="0"/>
           </a:p>
         </p:txBody>
       </p:sp>
@@ -1175,7 +1611,7 @@
           <a:bodyPr/>
           <a:lstStyle/>
           <a:p>
-            <a:endParaRPr lang="ko-KR" altLang="en-US"/>
+            <a:endParaRPr lang="ko-KR" altLang="en-US" dirty="0"/>
           </a:p>
         </p:txBody>
       </p:sp>
@@ -1204,7 +1640,7 @@
               <a:rPr lang="ko-KR" altLang="en-US" smtClean="0"/>
               <a:t>‹#›</a:t>
             </a:fld>
-            <a:endParaRPr lang="ko-KR" altLang="en-US"/>
+            <a:endParaRPr lang="ko-KR" altLang="en-US" dirty="0"/>
           </a:p>
         </p:txBody>
       </p:sp>
@@ -1415,7 +1851,7 @@
               <a:rPr lang="ko-KR" altLang="en-US" smtClean="0"/>
               <a:t>2024-05-25</a:t>
             </a:fld>
-            <a:endParaRPr lang="ko-KR" altLang="en-US"/>
+            <a:endParaRPr lang="ko-KR" altLang="en-US" dirty="0"/>
           </a:p>
         </p:txBody>
       </p:sp>
@@ -1440,7 +1876,7 @@
           <a:bodyPr/>
           <a:lstStyle/>
           <a:p>
-            <a:endParaRPr lang="ko-KR" altLang="en-US"/>
+            <a:endParaRPr lang="ko-KR" altLang="en-US" dirty="0"/>
           </a:p>
         </p:txBody>
       </p:sp>
@@ -1469,7 +1905,7 @@
               <a:rPr lang="ko-KR" altLang="en-US" smtClean="0"/>
               <a:t>‹#›</a:t>
             </a:fld>
-            <a:endParaRPr lang="ko-KR" altLang="en-US"/>
+            <a:endParaRPr lang="ko-KR" altLang="en-US" dirty="0"/>
           </a:p>
         </p:txBody>
       </p:sp>
@@ -1827,7 +2263,7 @@
               <a:rPr lang="ko-KR" altLang="en-US" smtClean="0"/>
               <a:t>2024-05-25</a:t>
             </a:fld>
-            <a:endParaRPr lang="ko-KR" altLang="en-US"/>
+            <a:endParaRPr lang="ko-KR" altLang="en-US" dirty="0"/>
           </a:p>
         </p:txBody>
       </p:sp>
@@ -1852,7 +2288,7 @@
           <a:bodyPr/>
           <a:lstStyle/>
           <a:p>
-            <a:endParaRPr lang="ko-KR" altLang="en-US"/>
+            <a:endParaRPr lang="ko-KR" altLang="en-US" dirty="0"/>
           </a:p>
         </p:txBody>
       </p:sp>
@@ -1881,7 +2317,7 @@
               <a:rPr lang="ko-KR" altLang="en-US" smtClean="0"/>
               <a:t>‹#›</a:t>
             </a:fld>
-            <a:endParaRPr lang="ko-KR" altLang="en-US"/>
+            <a:endParaRPr lang="ko-KR" altLang="en-US" dirty="0"/>
           </a:p>
         </p:txBody>
       </p:sp>
@@ -1968,7 +2404,7 @@
               <a:rPr lang="ko-KR" altLang="en-US" smtClean="0"/>
               <a:t>2024-05-25</a:t>
             </a:fld>
-            <a:endParaRPr lang="ko-KR" altLang="en-US"/>
+            <a:endParaRPr lang="ko-KR" altLang="en-US" dirty="0"/>
           </a:p>
         </p:txBody>
       </p:sp>
@@ -1993,7 +2429,7 @@
           <a:bodyPr/>
           <a:lstStyle/>
           <a:p>
-            <a:endParaRPr lang="ko-KR" altLang="en-US"/>
+            <a:endParaRPr lang="ko-KR" altLang="en-US" dirty="0"/>
           </a:p>
         </p:txBody>
       </p:sp>
@@ -2022,7 +2458,7 @@
               <a:rPr lang="ko-KR" altLang="en-US" smtClean="0"/>
               <a:t>‹#›</a:t>
             </a:fld>
-            <a:endParaRPr lang="ko-KR" altLang="en-US"/>
+            <a:endParaRPr lang="ko-KR" altLang="en-US" dirty="0"/>
           </a:p>
         </p:txBody>
       </p:sp>
@@ -2081,7 +2517,7 @@
               <a:rPr lang="ko-KR" altLang="en-US" smtClean="0"/>
               <a:t>2024-05-25</a:t>
             </a:fld>
-            <a:endParaRPr lang="ko-KR" altLang="en-US"/>
+            <a:endParaRPr lang="ko-KR" altLang="en-US" dirty="0"/>
           </a:p>
         </p:txBody>
       </p:sp>
@@ -2106,7 +2542,7 @@
           <a:bodyPr/>
           <a:lstStyle/>
           <a:p>
-            <a:endParaRPr lang="ko-KR" altLang="en-US"/>
+            <a:endParaRPr lang="ko-KR" altLang="en-US" dirty="0"/>
           </a:p>
         </p:txBody>
       </p:sp>
@@ -2135,7 +2571,7 @@
               <a:rPr lang="ko-KR" altLang="en-US" smtClean="0"/>
               <a:t>‹#›</a:t>
             </a:fld>
-            <a:endParaRPr lang="ko-KR" altLang="en-US"/>
+            <a:endParaRPr lang="ko-KR" altLang="en-US" dirty="0"/>
           </a:p>
         </p:txBody>
       </p:sp>
@@ -2392,7 +2828,7 @@
               <a:rPr lang="ko-KR" altLang="en-US" smtClean="0"/>
               <a:t>2024-05-25</a:t>
             </a:fld>
-            <a:endParaRPr lang="ko-KR" altLang="en-US"/>
+            <a:endParaRPr lang="ko-KR" altLang="en-US" dirty="0"/>
           </a:p>
         </p:txBody>
       </p:sp>
@@ -2417,7 +2853,7 @@
           <a:bodyPr/>
           <a:lstStyle/>
           <a:p>
-            <a:endParaRPr lang="ko-KR" altLang="en-US"/>
+            <a:endParaRPr lang="ko-KR" altLang="en-US" dirty="0"/>
           </a:p>
         </p:txBody>
       </p:sp>
@@ -2446,7 +2882,7 @@
               <a:rPr lang="ko-KR" altLang="en-US" smtClean="0"/>
               <a:t>‹#›</a:t>
             </a:fld>
-            <a:endParaRPr lang="ko-KR" altLang="en-US"/>
+            <a:endParaRPr lang="ko-KR" altLang="en-US" dirty="0"/>
           </a:p>
         </p:txBody>
       </p:sp>
@@ -2580,7 +3016,7 @@
             </a:lvl9pPr>
           </a:lstStyle>
           <a:p>
-            <a:endParaRPr lang="ko-KR" altLang="en-US"/>
+            <a:endParaRPr lang="ko-KR" altLang="en-US" dirty="0"/>
           </a:p>
         </p:txBody>
       </p:sp>
@@ -2680,7 +3116,7 @@
               <a:rPr lang="ko-KR" altLang="en-US" smtClean="0"/>
               <a:t>2024-05-25</a:t>
             </a:fld>
-            <a:endParaRPr lang="ko-KR" altLang="en-US"/>
+            <a:endParaRPr lang="ko-KR" altLang="en-US" dirty="0"/>
           </a:p>
         </p:txBody>
       </p:sp>
@@ -2705,7 +3141,7 @@
           <a:bodyPr/>
           <a:lstStyle/>
           <a:p>
-            <a:endParaRPr lang="ko-KR" altLang="en-US"/>
+            <a:endParaRPr lang="ko-KR" altLang="en-US" dirty="0"/>
           </a:p>
         </p:txBody>
       </p:sp>
@@ -2734,7 +3170,7 @@
               <a:rPr lang="ko-KR" altLang="en-US" smtClean="0"/>
               <a:t>‹#›</a:t>
             </a:fld>
-            <a:endParaRPr lang="ko-KR" altLang="en-US"/>
+            <a:endParaRPr lang="ko-KR" altLang="en-US" dirty="0"/>
           </a:p>
         </p:txBody>
       </p:sp>
@@ -2921,7 +3357,7 @@
               <a:rPr lang="ko-KR" altLang="en-US" smtClean="0"/>
               <a:t>2024-05-25</a:t>
             </a:fld>
-            <a:endParaRPr lang="ko-KR" altLang="en-US"/>
+            <a:endParaRPr lang="ko-KR" altLang="en-US" dirty="0"/>
           </a:p>
         </p:txBody>
       </p:sp>
@@ -2964,7 +3400,7 @@
             </a:lvl1pPr>
           </a:lstStyle>
           <a:p>
-            <a:endParaRPr lang="ko-KR" altLang="en-US"/>
+            <a:endParaRPr lang="ko-KR" altLang="en-US" dirty="0"/>
           </a:p>
         </p:txBody>
       </p:sp>
@@ -3011,7 +3447,7 @@
               <a:rPr lang="ko-KR" altLang="en-US" smtClean="0"/>
               <a:t>‹#›</a:t>
             </a:fld>
-            <a:endParaRPr lang="ko-KR" altLang="en-US"/>
+            <a:endParaRPr lang="ko-KR" altLang="en-US" dirty="0"/>
           </a:p>
         </p:txBody>
       </p:sp>
@@ -3385,7 +3821,7 @@
           <a:bodyPr/>
           <a:lstStyle/>
           <a:p>
-            <a:endParaRPr lang="ko-KR" altLang="en-US"/>
+            <a:endParaRPr lang="ko-KR" altLang="en-US" dirty="0"/>
           </a:p>
         </p:txBody>
       </p:sp>
@@ -3961,42 +4397,6 @@
       </p:pic>
       <p:pic>
         <p:nvPicPr>
-          <p:cNvPr id="29" name="그림 28">
-            <a:extLst>
-              <a:ext uri="{FF2B5EF4-FFF2-40B4-BE49-F238E27FC236}">
-                <a16:creationId xmlns:a16="http://schemas.microsoft.com/office/drawing/2014/main" id="{0AD3741D-ACC5-EDCE-ADA2-FE89F2C65072}"/>
-              </a:ext>
-            </a:extLst>
-          </p:cNvPr>
-          <p:cNvPicPr>
-            <a:picLocks noChangeAspect="1"/>
-          </p:cNvPicPr>
-          <p:nvPr/>
-        </p:nvPicPr>
-        <p:blipFill>
-          <a:blip r:embed="rId2">
-            <a:extLst>
-              <a:ext uri="{28A0092B-C50C-407E-A947-70E740481C1C}">
-                <a14:useLocalDpi xmlns:a14="http://schemas.microsoft.com/office/drawing/2010/main" val="0"/>
-              </a:ext>
-            </a:extLst>
-          </a:blip>
-          <a:stretch>
-            <a:fillRect/>
-          </a:stretch>
-        </p:blipFill>
-        <p:spPr>
-          <a:xfrm>
-            <a:off x="5657849" y="952500"/>
-            <a:ext cx="952500" cy="952500"/>
-          </a:xfrm>
-          <a:prstGeom prst="rect">
-            <a:avLst/>
-          </a:prstGeom>
-        </p:spPr>
-      </p:pic>
-      <p:pic>
-        <p:nvPicPr>
           <p:cNvPr id="30" name="그림 29">
             <a:extLst>
               <a:ext uri="{FF2B5EF4-FFF2-40B4-BE49-F238E27FC236}">
@@ -4033,42 +4433,6 @@
       </p:pic>
       <p:pic>
         <p:nvPicPr>
-          <p:cNvPr id="36" name="그림 35">
-            <a:extLst>
-              <a:ext uri="{FF2B5EF4-FFF2-40B4-BE49-F238E27FC236}">
-                <a16:creationId xmlns:a16="http://schemas.microsoft.com/office/drawing/2014/main" id="{D1B10F92-EC7E-DF55-EBFD-AD5552AF3CB0}"/>
-              </a:ext>
-            </a:extLst>
-          </p:cNvPr>
-          <p:cNvPicPr>
-            <a:picLocks noChangeAspect="1"/>
-          </p:cNvPicPr>
-          <p:nvPr/>
-        </p:nvPicPr>
-        <p:blipFill>
-          <a:blip r:embed="rId2">
-            <a:extLst>
-              <a:ext uri="{28A0092B-C50C-407E-A947-70E740481C1C}">
-                <a14:useLocalDpi xmlns:a14="http://schemas.microsoft.com/office/drawing/2010/main" val="0"/>
-              </a:ext>
-            </a:extLst>
-          </a:blip>
-          <a:stretch>
-            <a:fillRect/>
-          </a:stretch>
-        </p:blipFill>
-        <p:spPr>
-          <a:xfrm>
-            <a:off x="-3464" y="1905000"/>
-            <a:ext cx="952500" cy="952500"/>
-          </a:xfrm>
-          <a:prstGeom prst="rect">
-            <a:avLst/>
-          </a:prstGeom>
-        </p:spPr>
-      </p:pic>
-      <p:pic>
-        <p:nvPicPr>
           <p:cNvPr id="37" name="그림 36">
             <a:extLst>
               <a:ext uri="{FF2B5EF4-FFF2-40B4-BE49-F238E27FC236}">
@@ -4456,42 +4820,6 @@
         <p:spPr>
           <a:xfrm>
             <a:off x="1877291" y="2857500"/>
-            <a:ext cx="952500" cy="952500"/>
-          </a:xfrm>
-          <a:prstGeom prst="rect">
-            <a:avLst/>
-          </a:prstGeom>
-        </p:spPr>
-      </p:pic>
-      <p:pic>
-        <p:nvPicPr>
-          <p:cNvPr id="52" name="그림 51">
-            <a:extLst>
-              <a:ext uri="{FF2B5EF4-FFF2-40B4-BE49-F238E27FC236}">
-                <a16:creationId xmlns:a16="http://schemas.microsoft.com/office/drawing/2014/main" id="{CE88BD20-2FDC-2AE8-7065-B8D91B8BCD11}"/>
-              </a:ext>
-            </a:extLst>
-          </p:cNvPr>
-          <p:cNvPicPr>
-            <a:picLocks noChangeAspect="1"/>
-          </p:cNvPicPr>
-          <p:nvPr/>
-        </p:nvPicPr>
-        <p:blipFill>
-          <a:blip r:embed="rId2">
-            <a:extLst>
-              <a:ext uri="{28A0092B-C50C-407E-A947-70E740481C1C}">
-                <a14:useLocalDpi xmlns:a14="http://schemas.microsoft.com/office/drawing/2010/main" val="0"/>
-              </a:ext>
-            </a:extLst>
-          </a:blip>
-          <a:stretch>
-            <a:fillRect/>
-          </a:stretch>
-        </p:blipFill>
-        <p:spPr>
-          <a:xfrm>
-            <a:off x="2822430" y="2857500"/>
             <a:ext cx="952500" cy="952500"/>
           </a:xfrm>
           <a:prstGeom prst="rect">
@@ -5293,114 +5621,6 @@
       </p:pic>
       <p:pic>
         <p:nvPicPr>
-          <p:cNvPr id="93" name="그림 92">
-            <a:extLst>
-              <a:ext uri="{FF2B5EF4-FFF2-40B4-BE49-F238E27FC236}">
-                <a16:creationId xmlns:a16="http://schemas.microsoft.com/office/drawing/2014/main" id="{BC6F750B-C906-0CC5-D945-F2088D478A97}"/>
-              </a:ext>
-            </a:extLst>
-          </p:cNvPr>
-          <p:cNvPicPr>
-            <a:picLocks noChangeAspect="1"/>
-          </p:cNvPicPr>
-          <p:nvPr/>
-        </p:nvPicPr>
-        <p:blipFill>
-          <a:blip r:embed="rId2">
-            <a:extLst>
-              <a:ext uri="{28A0092B-C50C-407E-A947-70E740481C1C}">
-                <a14:useLocalDpi xmlns:a14="http://schemas.microsoft.com/office/drawing/2010/main" val="0"/>
-              </a:ext>
-            </a:extLst>
-          </a:blip>
-          <a:stretch>
-            <a:fillRect/>
-          </a:stretch>
-        </p:blipFill>
-        <p:spPr>
-          <a:xfrm>
-            <a:off x="4704638" y="5715000"/>
-            <a:ext cx="952500" cy="952500"/>
-          </a:xfrm>
-          <a:prstGeom prst="rect">
-            <a:avLst/>
-          </a:prstGeom>
-        </p:spPr>
-      </p:pic>
-      <p:pic>
-        <p:nvPicPr>
-          <p:cNvPr id="94" name="그림 93">
-            <a:extLst>
-              <a:ext uri="{FF2B5EF4-FFF2-40B4-BE49-F238E27FC236}">
-                <a16:creationId xmlns:a16="http://schemas.microsoft.com/office/drawing/2014/main" id="{B95C4C3F-9498-A3D7-5E92-4988A3ADB528}"/>
-              </a:ext>
-            </a:extLst>
-          </p:cNvPr>
-          <p:cNvPicPr>
-            <a:picLocks noChangeAspect="1"/>
-          </p:cNvPicPr>
-          <p:nvPr/>
-        </p:nvPicPr>
-        <p:blipFill>
-          <a:blip r:embed="rId2">
-            <a:extLst>
-              <a:ext uri="{28A0092B-C50C-407E-A947-70E740481C1C}">
-                <a14:useLocalDpi xmlns:a14="http://schemas.microsoft.com/office/drawing/2010/main" val="0"/>
-              </a:ext>
-            </a:extLst>
-          </a:blip>
-          <a:stretch>
-            <a:fillRect/>
-          </a:stretch>
-        </p:blipFill>
-        <p:spPr>
-          <a:xfrm>
-            <a:off x="5657849" y="5715000"/>
-            <a:ext cx="952500" cy="952500"/>
-          </a:xfrm>
-          <a:prstGeom prst="rect">
-            <a:avLst/>
-          </a:prstGeom>
-        </p:spPr>
-      </p:pic>
-      <p:pic>
-        <p:nvPicPr>
-          <p:cNvPr id="95" name="그림 94">
-            <a:extLst>
-              <a:ext uri="{FF2B5EF4-FFF2-40B4-BE49-F238E27FC236}">
-                <a16:creationId xmlns:a16="http://schemas.microsoft.com/office/drawing/2014/main" id="{F49EBD02-CE6F-57C3-09D9-74FC88A319C2}"/>
-              </a:ext>
-            </a:extLst>
-          </p:cNvPr>
-          <p:cNvPicPr>
-            <a:picLocks noChangeAspect="1"/>
-          </p:cNvPicPr>
-          <p:nvPr/>
-        </p:nvPicPr>
-        <p:blipFill>
-          <a:blip r:embed="rId2">
-            <a:extLst>
-              <a:ext uri="{28A0092B-C50C-407E-A947-70E740481C1C}">
-                <a14:useLocalDpi xmlns:a14="http://schemas.microsoft.com/office/drawing/2010/main" val="0"/>
-              </a:ext>
-            </a:extLst>
-          </a:blip>
-          <a:stretch>
-            <a:fillRect/>
-          </a:stretch>
-        </p:blipFill>
-        <p:spPr>
-          <a:xfrm>
-            <a:off x="6605195" y="5715000"/>
-            <a:ext cx="952500" cy="952500"/>
-          </a:xfrm>
-          <a:prstGeom prst="rect">
-            <a:avLst/>
-          </a:prstGeom>
-        </p:spPr>
-      </p:pic>
-      <p:pic>
-        <p:nvPicPr>
           <p:cNvPr id="96" name="그림 95">
             <a:extLst>
               <a:ext uri="{FF2B5EF4-FFF2-40B4-BE49-F238E27FC236}">
@@ -5715,8 +5935,8 @@
         </p:blipFill>
         <p:spPr>
           <a:xfrm>
-            <a:off x="5650245" y="2825706"/>
-            <a:ext cx="950273" cy="984294"/>
+            <a:off x="5641453" y="2825706"/>
+            <a:ext cx="959066" cy="984294"/>
           </a:xfrm>
           <a:prstGeom prst="rect">
             <a:avLst/>
@@ -5751,8 +5971,8 @@
         </p:blipFill>
         <p:spPr>
           <a:xfrm>
-            <a:off x="5661055" y="3810000"/>
-            <a:ext cx="952500" cy="952500"/>
+            <a:off x="5634168" y="3810000"/>
+            <a:ext cx="979387" cy="952500"/>
           </a:xfrm>
           <a:prstGeom prst="rect">
             <a:avLst/>
@@ -5869,10 +6089,82 @@
       </p:pic>
       <p:pic>
         <p:nvPicPr>
-          <p:cNvPr id="114" name="그림 113" descr="클립아트이(가) 표시된 사진&#10;&#10;자동 생성된 설명">
-            <a:extLst>
-              <a:ext uri="{FF2B5EF4-FFF2-40B4-BE49-F238E27FC236}">
-                <a16:creationId xmlns:a16="http://schemas.microsoft.com/office/drawing/2014/main" id="{78E7D077-3743-AA8B-1BFF-E45B38C6ABE7}"/>
+          <p:cNvPr id="116" name="그림 115" descr="일렉트릭 블루, 블루, 마조렐 블루, 스크린샷이(가) 표시된 사진&#10;&#10;자동 생성된 설명">
+            <a:extLst>
+              <a:ext uri="{FF2B5EF4-FFF2-40B4-BE49-F238E27FC236}">
+                <a16:creationId xmlns:a16="http://schemas.microsoft.com/office/drawing/2014/main" id="{8EE176A7-1243-5521-6376-45CCD10B5892}"/>
+              </a:ext>
+            </a:extLst>
+          </p:cNvPr>
+          <p:cNvPicPr>
+            <a:picLocks noChangeAspect="1"/>
+          </p:cNvPicPr>
+          <p:nvPr/>
+        </p:nvPicPr>
+        <p:blipFill>
+          <a:blip r:embed="rId5">
+            <a:extLst>
+              <a:ext uri="{28A0092B-C50C-407E-A947-70E740481C1C}">
+                <a14:useLocalDpi xmlns:a14="http://schemas.microsoft.com/office/drawing/2010/main" val="0"/>
+              </a:ext>
+            </a:extLst>
+          </a:blip>
+          <a:stretch>
+            <a:fillRect/>
+          </a:stretch>
+        </p:blipFill>
+        <p:spPr>
+          <a:xfrm>
+            <a:off x="-22251" y="4762500"/>
+            <a:ext cx="952500" cy="952500"/>
+          </a:xfrm>
+          <a:prstGeom prst="rect">
+            <a:avLst/>
+          </a:prstGeom>
+        </p:spPr>
+      </p:pic>
+      <p:pic>
+        <p:nvPicPr>
+          <p:cNvPr id="118" name="그림 117" descr="일렉트릭 블루, 블루, 마조렐 블루, 스크린샷이(가) 표시된 사진&#10;&#10;자동 생성된 설명">
+            <a:extLst>
+              <a:ext uri="{FF2B5EF4-FFF2-40B4-BE49-F238E27FC236}">
+                <a16:creationId xmlns:a16="http://schemas.microsoft.com/office/drawing/2014/main" id="{EB686635-3884-22A4-4E23-DDE15C6C9C20}"/>
+              </a:ext>
+            </a:extLst>
+          </p:cNvPr>
+          <p:cNvPicPr>
+            <a:picLocks noChangeAspect="1"/>
+          </p:cNvPicPr>
+          <p:nvPr/>
+        </p:nvPicPr>
+        <p:blipFill>
+          <a:blip r:embed="rId5">
+            <a:extLst>
+              <a:ext uri="{28A0092B-C50C-407E-A947-70E740481C1C}">
+                <a14:useLocalDpi xmlns:a14="http://schemas.microsoft.com/office/drawing/2010/main" val="0"/>
+              </a:ext>
+            </a:extLst>
+          </a:blip>
+          <a:stretch>
+            <a:fillRect/>
+          </a:stretch>
+        </p:blipFill>
+        <p:spPr>
+          <a:xfrm>
+            <a:off x="933572" y="5715000"/>
+            <a:ext cx="952500" cy="952500"/>
+          </a:xfrm>
+          <a:prstGeom prst="rect">
+            <a:avLst/>
+          </a:prstGeom>
+        </p:spPr>
+      </p:pic>
+      <p:pic>
+        <p:nvPicPr>
+          <p:cNvPr id="120" name="그림 119" descr="그레이, 패브릭이(가) 표시된 사진&#10;&#10;자동 생성된 설명">
+            <a:extLst>
+              <a:ext uri="{FF2B5EF4-FFF2-40B4-BE49-F238E27FC236}">
+                <a16:creationId xmlns:a16="http://schemas.microsoft.com/office/drawing/2014/main" id="{12E566E8-6F13-CF95-D850-F6F972C7126A}"/>
               </a:ext>
             </a:extLst>
           </p:cNvPr>
@@ -5895,20 +6187,56 @@
         </p:blipFill>
         <p:spPr>
           <a:xfrm>
-            <a:off x="-1708" y="3809801"/>
-            <a:ext cx="952633" cy="952633"/>
-          </a:xfrm>
-          <a:prstGeom prst="rect">
-            <a:avLst/>
-          </a:prstGeom>
-        </p:spPr>
-      </p:pic>
-      <p:pic>
-        <p:nvPicPr>
-          <p:cNvPr id="116" name="그림 115" descr="일렉트릭 블루, 블루, 마조렐 블루, 스크린샷이(가) 표시된 사진&#10;&#10;자동 생성된 설명">
-            <a:extLst>
-              <a:ext uri="{FF2B5EF4-FFF2-40B4-BE49-F238E27FC236}">
-                <a16:creationId xmlns:a16="http://schemas.microsoft.com/office/drawing/2014/main" id="{8EE176A7-1243-5521-6376-45CCD10B5892}"/>
+            <a:off x="1889203" y="4762500"/>
+            <a:ext cx="952500" cy="952500"/>
+          </a:xfrm>
+          <a:prstGeom prst="rect">
+            <a:avLst/>
+          </a:prstGeom>
+        </p:spPr>
+      </p:pic>
+      <p:pic>
+        <p:nvPicPr>
+          <p:cNvPr id="122" name="그림 121" descr="그레이, 패브릭이(가) 표시된 사진&#10;&#10;자동 생성된 설명">
+            <a:extLst>
+              <a:ext uri="{FF2B5EF4-FFF2-40B4-BE49-F238E27FC236}">
+                <a16:creationId xmlns:a16="http://schemas.microsoft.com/office/drawing/2014/main" id="{622D3900-D4E7-8220-4407-846E79D93F5A}"/>
+              </a:ext>
+            </a:extLst>
+          </p:cNvPr>
+          <p:cNvPicPr>
+            <a:picLocks noChangeAspect="1"/>
+          </p:cNvPicPr>
+          <p:nvPr/>
+        </p:nvPicPr>
+        <p:blipFill>
+          <a:blip r:embed="rId6">
+            <a:extLst>
+              <a:ext uri="{28A0092B-C50C-407E-A947-70E740481C1C}">
+                <a14:useLocalDpi xmlns:a14="http://schemas.microsoft.com/office/drawing/2010/main" val="0"/>
+              </a:ext>
+            </a:extLst>
+          </a:blip>
+          <a:stretch>
+            <a:fillRect/>
+          </a:stretch>
+        </p:blipFill>
+        <p:spPr>
+          <a:xfrm>
+            <a:off x="2823785" y="5715000"/>
+            <a:ext cx="952500" cy="952500"/>
+          </a:xfrm>
+          <a:prstGeom prst="rect">
+            <a:avLst/>
+          </a:prstGeom>
+        </p:spPr>
+      </p:pic>
+      <p:pic>
+        <p:nvPicPr>
+          <p:cNvPr id="124" name="그림 123" descr="일렉트릭 블루, 블루, 마조렐 블루, 스크린샷이(가) 표시된 사진&#10;&#10;자동 생성된 설명">
+            <a:extLst>
+              <a:ext uri="{FF2B5EF4-FFF2-40B4-BE49-F238E27FC236}">
+                <a16:creationId xmlns:a16="http://schemas.microsoft.com/office/drawing/2014/main" id="{EF0C7F00-ADDE-CDFE-1053-2A67441C878F}"/>
               </a:ext>
             </a:extLst>
           </p:cNvPr>
@@ -5931,150 +6259,6 @@
         </p:blipFill>
         <p:spPr>
           <a:xfrm>
-            <a:off x="-22251" y="4762500"/>
-            <a:ext cx="952500" cy="952500"/>
-          </a:xfrm>
-          <a:prstGeom prst="rect">
-            <a:avLst/>
-          </a:prstGeom>
-        </p:spPr>
-      </p:pic>
-      <p:pic>
-        <p:nvPicPr>
-          <p:cNvPr id="118" name="그림 117" descr="일렉트릭 블루, 블루, 마조렐 블루, 스크린샷이(가) 표시된 사진&#10;&#10;자동 생성된 설명">
-            <a:extLst>
-              <a:ext uri="{FF2B5EF4-FFF2-40B4-BE49-F238E27FC236}">
-                <a16:creationId xmlns:a16="http://schemas.microsoft.com/office/drawing/2014/main" id="{EB686635-3884-22A4-4E23-DDE15C6C9C20}"/>
-              </a:ext>
-            </a:extLst>
-          </p:cNvPr>
-          <p:cNvPicPr>
-            <a:picLocks noChangeAspect="1"/>
-          </p:cNvPicPr>
-          <p:nvPr/>
-        </p:nvPicPr>
-        <p:blipFill>
-          <a:blip r:embed="rId5">
-            <a:extLst>
-              <a:ext uri="{28A0092B-C50C-407E-A947-70E740481C1C}">
-                <a14:useLocalDpi xmlns:a14="http://schemas.microsoft.com/office/drawing/2010/main" val="0"/>
-              </a:ext>
-            </a:extLst>
-          </a:blip>
-          <a:stretch>
-            <a:fillRect/>
-          </a:stretch>
-        </p:blipFill>
-        <p:spPr>
-          <a:xfrm>
-            <a:off x="933572" y="5715000"/>
-            <a:ext cx="952500" cy="952500"/>
-          </a:xfrm>
-          <a:prstGeom prst="rect">
-            <a:avLst/>
-          </a:prstGeom>
-        </p:spPr>
-      </p:pic>
-      <p:pic>
-        <p:nvPicPr>
-          <p:cNvPr id="120" name="그림 119" descr="그레이, 패브릭이(가) 표시된 사진&#10;&#10;자동 생성된 설명">
-            <a:extLst>
-              <a:ext uri="{FF2B5EF4-FFF2-40B4-BE49-F238E27FC236}">
-                <a16:creationId xmlns:a16="http://schemas.microsoft.com/office/drawing/2014/main" id="{12E566E8-6F13-CF95-D850-F6F972C7126A}"/>
-              </a:ext>
-            </a:extLst>
-          </p:cNvPr>
-          <p:cNvPicPr>
-            <a:picLocks noChangeAspect="1"/>
-          </p:cNvPicPr>
-          <p:nvPr/>
-        </p:nvPicPr>
-        <p:blipFill>
-          <a:blip r:embed="rId7">
-            <a:extLst>
-              <a:ext uri="{28A0092B-C50C-407E-A947-70E740481C1C}">
-                <a14:useLocalDpi xmlns:a14="http://schemas.microsoft.com/office/drawing/2010/main" val="0"/>
-              </a:ext>
-            </a:extLst>
-          </a:blip>
-          <a:stretch>
-            <a:fillRect/>
-          </a:stretch>
-        </p:blipFill>
-        <p:spPr>
-          <a:xfrm>
-            <a:off x="1889203" y="4762500"/>
-            <a:ext cx="952500" cy="952500"/>
-          </a:xfrm>
-          <a:prstGeom prst="rect">
-            <a:avLst/>
-          </a:prstGeom>
-        </p:spPr>
-      </p:pic>
-      <p:pic>
-        <p:nvPicPr>
-          <p:cNvPr id="122" name="그림 121" descr="그레이, 패브릭이(가) 표시된 사진&#10;&#10;자동 생성된 설명">
-            <a:extLst>
-              <a:ext uri="{FF2B5EF4-FFF2-40B4-BE49-F238E27FC236}">
-                <a16:creationId xmlns:a16="http://schemas.microsoft.com/office/drawing/2014/main" id="{622D3900-D4E7-8220-4407-846E79D93F5A}"/>
-              </a:ext>
-            </a:extLst>
-          </p:cNvPr>
-          <p:cNvPicPr>
-            <a:picLocks noChangeAspect="1"/>
-          </p:cNvPicPr>
-          <p:nvPr/>
-        </p:nvPicPr>
-        <p:blipFill>
-          <a:blip r:embed="rId7">
-            <a:extLst>
-              <a:ext uri="{28A0092B-C50C-407E-A947-70E740481C1C}">
-                <a14:useLocalDpi xmlns:a14="http://schemas.microsoft.com/office/drawing/2010/main" val="0"/>
-              </a:ext>
-            </a:extLst>
-          </a:blip>
-          <a:stretch>
-            <a:fillRect/>
-          </a:stretch>
-        </p:blipFill>
-        <p:spPr>
-          <a:xfrm>
-            <a:off x="2823785" y="5715000"/>
-            <a:ext cx="952500" cy="952500"/>
-          </a:xfrm>
-          <a:prstGeom prst="rect">
-            <a:avLst/>
-          </a:prstGeom>
-        </p:spPr>
-      </p:pic>
-      <p:pic>
-        <p:nvPicPr>
-          <p:cNvPr id="124" name="그림 123" descr="일렉트릭 블루, 블루, 마조렐 블루, 스크린샷이(가) 표시된 사진&#10;&#10;자동 생성된 설명">
-            <a:extLst>
-              <a:ext uri="{FF2B5EF4-FFF2-40B4-BE49-F238E27FC236}">
-                <a16:creationId xmlns:a16="http://schemas.microsoft.com/office/drawing/2014/main" id="{EF0C7F00-ADDE-CDFE-1053-2A67441C878F}"/>
-              </a:ext>
-            </a:extLst>
-          </p:cNvPr>
-          <p:cNvPicPr>
-            <a:picLocks noChangeAspect="1"/>
-          </p:cNvPicPr>
-          <p:nvPr/>
-        </p:nvPicPr>
-        <p:blipFill>
-          <a:blip r:embed="rId5">
-            <a:extLst>
-              <a:ext uri="{28A0092B-C50C-407E-A947-70E740481C1C}">
-                <a14:useLocalDpi xmlns:a14="http://schemas.microsoft.com/office/drawing/2010/main" val="0"/>
-              </a:ext>
-            </a:extLst>
-          </a:blip>
-          <a:stretch>
-            <a:fillRect/>
-          </a:stretch>
-        </p:blipFill>
-        <p:spPr>
-          <a:xfrm>
             <a:off x="3768687" y="5715000"/>
             <a:ext cx="952500" cy="952500"/>
           </a:xfrm>
@@ -6098,7 +6282,7 @@
           <p:nvPr/>
         </p:nvPicPr>
         <p:blipFill>
-          <a:blip r:embed="rId7">
+          <a:blip r:embed="rId6">
             <a:extLst>
               <a:ext uri="{28A0092B-C50C-407E-A947-70E740481C1C}">
                 <a14:useLocalDpi xmlns:a14="http://schemas.microsoft.com/office/drawing/2010/main" val="0"/>
@@ -6206,7 +6390,7 @@
           <p:nvPr/>
         </p:nvPicPr>
         <p:blipFill>
-          <a:blip r:embed="rId7">
+          <a:blip r:embed="rId6">
             <a:extLst>
               <a:ext uri="{28A0092B-C50C-407E-A947-70E740481C1C}">
                 <a14:useLocalDpi xmlns:a14="http://schemas.microsoft.com/office/drawing/2010/main" val="0"/>
@@ -6337,42 +6521,6 @@
       </p:pic>
       <p:pic>
         <p:nvPicPr>
-          <p:cNvPr id="142" name="그림 141" descr="일렉트릭 블루, 블루, 마조렐 블루, 스크린샷이(가) 표시된 사진&#10;&#10;자동 생성된 설명">
-            <a:extLst>
-              <a:ext uri="{FF2B5EF4-FFF2-40B4-BE49-F238E27FC236}">
-                <a16:creationId xmlns:a16="http://schemas.microsoft.com/office/drawing/2014/main" id="{E2BC6733-5E4A-48F1-615D-5971F807D696}"/>
-              </a:ext>
-            </a:extLst>
-          </p:cNvPr>
-          <p:cNvPicPr>
-            <a:picLocks noChangeAspect="1"/>
-          </p:cNvPicPr>
-          <p:nvPr/>
-        </p:nvPicPr>
-        <p:blipFill>
-          <a:blip r:embed="rId5">
-            <a:extLst>
-              <a:ext uri="{28A0092B-C50C-407E-A947-70E740481C1C}">
-                <a14:useLocalDpi xmlns:a14="http://schemas.microsoft.com/office/drawing/2010/main" val="0"/>
-              </a:ext>
-            </a:extLst>
-          </a:blip>
-          <a:stretch>
-            <a:fillRect/>
-          </a:stretch>
-        </p:blipFill>
-        <p:spPr>
-          <a:xfrm>
-            <a:off x="5619750" y="2952750"/>
-            <a:ext cx="952500" cy="952500"/>
-          </a:xfrm>
-          <a:prstGeom prst="rect">
-            <a:avLst/>
-          </a:prstGeom>
-        </p:spPr>
-      </p:pic>
-      <p:pic>
-        <p:nvPicPr>
           <p:cNvPr id="146" name="그림 145" descr="일렉트릭 블루, 블루, 마조렐 블루, 스크린샷이(가) 표시된 사진&#10;&#10;자동 생성된 설명">
             <a:extLst>
               <a:ext uri="{FF2B5EF4-FFF2-40B4-BE49-F238E27FC236}">
@@ -6473,6 +6621,294 @@
           <a:xfrm>
             <a:off x="8467058" y="4762368"/>
             <a:ext cx="952500" cy="952500"/>
+          </a:xfrm>
+          <a:prstGeom prst="rect">
+            <a:avLst/>
+          </a:prstGeom>
+        </p:spPr>
+      </p:pic>
+      <p:pic>
+        <p:nvPicPr>
+          <p:cNvPr id="12" name="그림 11" descr="갈색, 지상이(가) 표시된 사진&#10;&#10;자동 생성된 설명">
+            <a:extLst>
+              <a:ext uri="{FF2B5EF4-FFF2-40B4-BE49-F238E27FC236}">
+                <a16:creationId xmlns:a16="http://schemas.microsoft.com/office/drawing/2014/main" id="{C17D0DB2-022D-5DE8-07BA-C75031A5A49F}"/>
+              </a:ext>
+            </a:extLst>
+          </p:cNvPr>
+          <p:cNvPicPr>
+            <a:picLocks noChangeAspect="1"/>
+          </p:cNvPicPr>
+          <p:nvPr/>
+        </p:nvPicPr>
+        <p:blipFill>
+          <a:blip r:embed="rId2">
+            <a:extLst>
+              <a:ext uri="{28A0092B-C50C-407E-A947-70E740481C1C}">
+                <a14:useLocalDpi xmlns:a14="http://schemas.microsoft.com/office/drawing/2010/main" val="0"/>
+              </a:ext>
+            </a:extLst>
+          </a:blip>
+          <a:stretch>
+            <a:fillRect/>
+          </a:stretch>
+        </p:blipFill>
+        <p:spPr>
+          <a:xfrm>
+            <a:off x="-12963" y="3809868"/>
+            <a:ext cx="952500" cy="952500"/>
+          </a:xfrm>
+          <a:prstGeom prst="rect">
+            <a:avLst/>
+          </a:prstGeom>
+        </p:spPr>
+      </p:pic>
+      <p:pic>
+        <p:nvPicPr>
+          <p:cNvPr id="15" name="그림 14" descr="클립아트이(가) 표시된 사진&#10;&#10;자동 생성된 설명">
+            <a:extLst>
+              <a:ext uri="{FF2B5EF4-FFF2-40B4-BE49-F238E27FC236}">
+                <a16:creationId xmlns:a16="http://schemas.microsoft.com/office/drawing/2014/main" id="{E1512358-928E-5D20-2B7A-969F231F91C3}"/>
+              </a:ext>
+            </a:extLst>
+          </p:cNvPr>
+          <p:cNvPicPr>
+            <a:picLocks noChangeAspect="1"/>
+          </p:cNvPicPr>
+          <p:nvPr/>
+        </p:nvPicPr>
+        <p:blipFill>
+          <a:blip r:embed="rId7">
+            <a:extLst>
+              <a:ext uri="{28A0092B-C50C-407E-A947-70E740481C1C}">
+                <a14:useLocalDpi xmlns:a14="http://schemas.microsoft.com/office/drawing/2010/main" val="0"/>
+              </a:ext>
+            </a:extLst>
+          </a:blip>
+          <a:stretch>
+            <a:fillRect/>
+          </a:stretch>
+        </p:blipFill>
+        <p:spPr>
+          <a:xfrm>
+            <a:off x="-22251" y="1895064"/>
+            <a:ext cx="952633" cy="952633"/>
+          </a:xfrm>
+          <a:prstGeom prst="rect">
+            <a:avLst/>
+          </a:prstGeom>
+        </p:spPr>
+      </p:pic>
+      <p:pic>
+        <p:nvPicPr>
+          <p:cNvPr id="17" name="그림 16" descr="클립아트이(가) 표시된 사진&#10;&#10;자동 생성된 설명">
+            <a:extLst>
+              <a:ext uri="{FF2B5EF4-FFF2-40B4-BE49-F238E27FC236}">
+                <a16:creationId xmlns:a16="http://schemas.microsoft.com/office/drawing/2014/main" id="{9AF7EF8C-6CF0-85F6-766B-899591842EFC}"/>
+              </a:ext>
+            </a:extLst>
+          </p:cNvPr>
+          <p:cNvPicPr>
+            <a:picLocks noChangeAspect="1"/>
+          </p:cNvPicPr>
+          <p:nvPr/>
+        </p:nvPicPr>
+        <p:blipFill>
+          <a:blip r:embed="rId7">
+            <a:extLst>
+              <a:ext uri="{28A0092B-C50C-407E-A947-70E740481C1C}">
+                <a14:useLocalDpi xmlns:a14="http://schemas.microsoft.com/office/drawing/2010/main" val="0"/>
+              </a:ext>
+            </a:extLst>
+          </a:blip>
+          <a:stretch>
+            <a:fillRect/>
+          </a:stretch>
+        </p:blipFill>
+        <p:spPr>
+          <a:xfrm>
+            <a:off x="5629928" y="936537"/>
+            <a:ext cx="952633" cy="952633"/>
+          </a:xfrm>
+          <a:prstGeom prst="rect">
+            <a:avLst/>
+          </a:prstGeom>
+        </p:spPr>
+      </p:pic>
+      <p:pic>
+        <p:nvPicPr>
+          <p:cNvPr id="25" name="그림 24" descr="그레이, 패브릭이(가) 표시된 사진&#10;&#10;자동 생성된 설명">
+            <a:extLst>
+              <a:ext uri="{FF2B5EF4-FFF2-40B4-BE49-F238E27FC236}">
+                <a16:creationId xmlns:a16="http://schemas.microsoft.com/office/drawing/2014/main" id="{211CE30E-6A19-A494-EAC1-A76BC8E95BDD}"/>
+              </a:ext>
+            </a:extLst>
+          </p:cNvPr>
+          <p:cNvPicPr>
+            <a:picLocks noChangeAspect="1"/>
+          </p:cNvPicPr>
+          <p:nvPr/>
+        </p:nvPicPr>
+        <p:blipFill>
+          <a:blip r:embed="rId6">
+            <a:extLst>
+              <a:ext uri="{28A0092B-C50C-407E-A947-70E740481C1C}">
+                <a14:useLocalDpi xmlns:a14="http://schemas.microsoft.com/office/drawing/2010/main" val="0"/>
+              </a:ext>
+            </a:extLst>
+          </a:blip>
+          <a:stretch>
+            <a:fillRect/>
+          </a:stretch>
+        </p:blipFill>
+        <p:spPr>
+          <a:xfrm>
+            <a:off x="2824491" y="2857467"/>
+            <a:ext cx="952500" cy="952500"/>
+          </a:xfrm>
+          <a:prstGeom prst="rect">
+            <a:avLst/>
+          </a:prstGeom>
+        </p:spPr>
+      </p:pic>
+      <p:pic>
+        <p:nvPicPr>
+          <p:cNvPr id="27" name="그림 26" descr="클립아트이(가) 표시된 사진&#10;&#10;자동 생성된 설명">
+            <a:extLst>
+              <a:ext uri="{FF2B5EF4-FFF2-40B4-BE49-F238E27FC236}">
+                <a16:creationId xmlns:a16="http://schemas.microsoft.com/office/drawing/2014/main" id="{549EDC7A-66F8-1A0E-FB22-9B3D4059C333}"/>
+              </a:ext>
+            </a:extLst>
+          </p:cNvPr>
+          <p:cNvPicPr>
+            <a:picLocks noChangeAspect="1"/>
+          </p:cNvPicPr>
+          <p:nvPr/>
+        </p:nvPicPr>
+        <p:blipFill>
+          <a:blip r:embed="rId7">
+            <a:extLst>
+              <a:ext uri="{28A0092B-C50C-407E-A947-70E740481C1C}">
+                <a14:useLocalDpi xmlns:a14="http://schemas.microsoft.com/office/drawing/2010/main" val="0"/>
+              </a:ext>
+            </a:extLst>
+          </a:blip>
+          <a:stretch>
+            <a:fillRect/>
+          </a:stretch>
+        </p:blipFill>
+        <p:spPr>
+          <a:xfrm>
+            <a:off x="6608264" y="5714735"/>
+            <a:ext cx="952633" cy="952633"/>
+          </a:xfrm>
+          <a:prstGeom prst="rect">
+            <a:avLst/>
+          </a:prstGeom>
+        </p:spPr>
+      </p:pic>
+      <p:pic>
+        <p:nvPicPr>
+          <p:cNvPr id="32" name="그림 31" descr="그레이, 패브릭이(가) 표시된 사진&#10;&#10;자동 생성된 설명">
+            <a:extLst>
+              <a:ext uri="{FF2B5EF4-FFF2-40B4-BE49-F238E27FC236}">
+                <a16:creationId xmlns:a16="http://schemas.microsoft.com/office/drawing/2014/main" id="{690A17C7-F43E-D743-49D3-71F47B509788}"/>
+              </a:ext>
+            </a:extLst>
+          </p:cNvPr>
+          <p:cNvPicPr>
+            <a:picLocks noChangeAspect="1"/>
+          </p:cNvPicPr>
+          <p:nvPr/>
+        </p:nvPicPr>
+        <p:blipFill>
+          <a:blip r:embed="rId6">
+            <a:extLst>
+              <a:ext uri="{28A0092B-C50C-407E-A947-70E740481C1C}">
+                <a14:useLocalDpi xmlns:a14="http://schemas.microsoft.com/office/drawing/2010/main" val="0"/>
+              </a:ext>
+            </a:extLst>
+          </a:blip>
+          <a:stretch>
+            <a:fillRect/>
+          </a:stretch>
+        </p:blipFill>
+        <p:spPr>
+          <a:xfrm>
+            <a:off x="11302251" y="4762235"/>
+            <a:ext cx="952500" cy="952500"/>
+          </a:xfrm>
+          <a:prstGeom prst="rect">
+            <a:avLst/>
+          </a:prstGeom>
+        </p:spPr>
+      </p:pic>
+      <p:pic>
+        <p:nvPicPr>
+          <p:cNvPr id="34" name="그림 33" descr="그레이, 패브릭이(가) 표시된 사진&#10;&#10;자동 생성된 설명">
+            <a:extLst>
+              <a:ext uri="{FF2B5EF4-FFF2-40B4-BE49-F238E27FC236}">
+                <a16:creationId xmlns:a16="http://schemas.microsoft.com/office/drawing/2014/main" id="{FCA5C1FB-62B3-82B4-A593-F2D430AC5D4D}"/>
+              </a:ext>
+            </a:extLst>
+          </p:cNvPr>
+          <p:cNvPicPr>
+            <a:picLocks noChangeAspect="1"/>
+          </p:cNvPicPr>
+          <p:nvPr/>
+        </p:nvPicPr>
+        <p:blipFill>
+          <a:blip r:embed="rId6">
+            <a:extLst>
+              <a:ext uri="{28A0092B-C50C-407E-A947-70E740481C1C}">
+                <a14:useLocalDpi xmlns:a14="http://schemas.microsoft.com/office/drawing/2010/main" val="0"/>
+              </a:ext>
+            </a:extLst>
+          </a:blip>
+          <a:stretch>
+            <a:fillRect/>
+          </a:stretch>
+        </p:blipFill>
+        <p:spPr>
+          <a:xfrm>
+            <a:off x="5630061" y="5714868"/>
+            <a:ext cx="952500" cy="952500"/>
+          </a:xfrm>
+          <a:prstGeom prst="rect">
+            <a:avLst/>
+          </a:prstGeom>
+        </p:spPr>
+      </p:pic>
+      <p:pic>
+        <p:nvPicPr>
+          <p:cNvPr id="41" name="그림 40" descr="클립아트이(가) 표시된 사진&#10;&#10;자동 생성된 설명">
+            <a:extLst>
+              <a:ext uri="{FF2B5EF4-FFF2-40B4-BE49-F238E27FC236}">
+                <a16:creationId xmlns:a16="http://schemas.microsoft.com/office/drawing/2014/main" id="{F29EA05D-2A82-EA55-FD38-C0374A4F52A3}"/>
+              </a:ext>
+            </a:extLst>
+          </p:cNvPr>
+          <p:cNvPicPr>
+            <a:picLocks noChangeAspect="1"/>
+          </p:cNvPicPr>
+          <p:nvPr/>
+        </p:nvPicPr>
+        <p:blipFill>
+          <a:blip r:embed="rId7">
+            <a:extLst>
+              <a:ext uri="{28A0092B-C50C-407E-A947-70E740481C1C}">
+                <a14:useLocalDpi xmlns:a14="http://schemas.microsoft.com/office/drawing/2010/main" val="0"/>
+              </a:ext>
+            </a:extLst>
+          </a:blip>
+          <a:stretch>
+            <a:fillRect/>
+          </a:stretch>
+        </p:blipFill>
+        <p:spPr>
+          <a:xfrm>
+            <a:off x="4704692" y="5714669"/>
+            <a:ext cx="952633" cy="952633"/>
           </a:xfrm>
           <a:prstGeom prst="rect">
             <a:avLst/>
@@ -6524,7 +6960,7 @@
           <p:nvPr/>
         </p:nvPicPr>
         <p:blipFill>
-          <a:blip r:embed="rId2">
+          <a:blip r:embed="rId3">
             <a:extLst>
               <a:ext uri="{28A0092B-C50C-407E-A947-70E740481C1C}">
                 <a14:useLocalDpi xmlns:a14="http://schemas.microsoft.com/office/drawing/2010/main" val="0"/>
@@ -6560,7 +6996,7 @@
           <p:nvPr/>
         </p:nvPicPr>
         <p:blipFill>
-          <a:blip r:embed="rId2">
+          <a:blip r:embed="rId3">
             <a:extLst>
               <a:ext uri="{28A0092B-C50C-407E-A947-70E740481C1C}">
                 <a14:useLocalDpi xmlns:a14="http://schemas.microsoft.com/office/drawing/2010/main" val="0"/>
@@ -6596,7 +7032,7 @@
           <p:nvPr/>
         </p:nvPicPr>
         <p:blipFill>
-          <a:blip r:embed="rId2">
+          <a:blip r:embed="rId3">
             <a:extLst>
               <a:ext uri="{28A0092B-C50C-407E-A947-70E740481C1C}">
                 <a14:useLocalDpi xmlns:a14="http://schemas.microsoft.com/office/drawing/2010/main" val="0"/>
@@ -6632,7 +7068,7 @@
           <p:nvPr/>
         </p:nvPicPr>
         <p:blipFill>
-          <a:blip r:embed="rId2">
+          <a:blip r:embed="rId3">
             <a:extLst>
               <a:ext uri="{28A0092B-C50C-407E-A947-70E740481C1C}">
                 <a14:useLocalDpi xmlns:a14="http://schemas.microsoft.com/office/drawing/2010/main" val="0"/>
@@ -6668,7 +7104,7 @@
           <p:nvPr/>
         </p:nvPicPr>
         <p:blipFill>
-          <a:blip r:embed="rId2">
+          <a:blip r:embed="rId3">
             <a:extLst>
               <a:ext uri="{28A0092B-C50C-407E-A947-70E740481C1C}">
                 <a14:useLocalDpi xmlns:a14="http://schemas.microsoft.com/office/drawing/2010/main" val="0"/>
@@ -6704,7 +7140,7 @@
           <p:nvPr/>
         </p:nvPicPr>
         <p:blipFill>
-          <a:blip r:embed="rId2">
+          <a:blip r:embed="rId3">
             <a:extLst>
               <a:ext uri="{28A0092B-C50C-407E-A947-70E740481C1C}">
                 <a14:useLocalDpi xmlns:a14="http://schemas.microsoft.com/office/drawing/2010/main" val="0"/>
@@ -6740,7 +7176,7 @@
           <p:nvPr/>
         </p:nvPicPr>
         <p:blipFill>
-          <a:blip r:embed="rId2">
+          <a:blip r:embed="rId3">
             <a:extLst>
               <a:ext uri="{28A0092B-C50C-407E-A947-70E740481C1C}">
                 <a14:useLocalDpi xmlns:a14="http://schemas.microsoft.com/office/drawing/2010/main" val="0"/>
@@ -6776,7 +7212,7 @@
           <p:nvPr/>
         </p:nvPicPr>
         <p:blipFill>
-          <a:blip r:embed="rId2">
+          <a:blip r:embed="rId3">
             <a:extLst>
               <a:ext uri="{28A0092B-C50C-407E-A947-70E740481C1C}">
                 <a14:useLocalDpi xmlns:a14="http://schemas.microsoft.com/office/drawing/2010/main" val="0"/>
@@ -6812,7 +7248,7 @@
           <p:nvPr/>
         </p:nvPicPr>
         <p:blipFill>
-          <a:blip r:embed="rId2">
+          <a:blip r:embed="rId3">
             <a:extLst>
               <a:ext uri="{28A0092B-C50C-407E-A947-70E740481C1C}">
                 <a14:useLocalDpi xmlns:a14="http://schemas.microsoft.com/office/drawing/2010/main" val="0"/>
@@ -6848,7 +7284,7 @@
           <p:nvPr/>
         </p:nvPicPr>
         <p:blipFill>
-          <a:blip r:embed="rId2">
+          <a:blip r:embed="rId3">
             <a:extLst>
               <a:ext uri="{28A0092B-C50C-407E-A947-70E740481C1C}">
                 <a14:useLocalDpi xmlns:a14="http://schemas.microsoft.com/office/drawing/2010/main" val="0"/>
@@ -6884,7 +7320,7 @@
           <p:nvPr/>
         </p:nvPicPr>
         <p:blipFill>
-          <a:blip r:embed="rId2">
+          <a:blip r:embed="rId3">
             <a:extLst>
               <a:ext uri="{28A0092B-C50C-407E-A947-70E740481C1C}">
                 <a14:useLocalDpi xmlns:a14="http://schemas.microsoft.com/office/drawing/2010/main" val="0"/>
@@ -6920,7 +7356,7 @@
           <p:nvPr/>
         </p:nvPicPr>
         <p:blipFill>
-          <a:blip r:embed="rId2">
+          <a:blip r:embed="rId3">
             <a:extLst>
               <a:ext uri="{28A0092B-C50C-407E-A947-70E740481C1C}">
                 <a14:useLocalDpi xmlns:a14="http://schemas.microsoft.com/office/drawing/2010/main" val="0"/>
@@ -6956,7 +7392,7 @@
           <p:nvPr/>
         </p:nvPicPr>
         <p:blipFill>
-          <a:blip r:embed="rId2">
+          <a:blip r:embed="rId3">
             <a:extLst>
               <a:ext uri="{28A0092B-C50C-407E-A947-70E740481C1C}">
                 <a14:useLocalDpi xmlns:a14="http://schemas.microsoft.com/office/drawing/2010/main" val="0"/>
@@ -6992,7 +7428,7 @@
           <p:nvPr/>
         </p:nvPicPr>
         <p:blipFill>
-          <a:blip r:embed="rId2">
+          <a:blip r:embed="rId3">
             <a:extLst>
               <a:ext uri="{28A0092B-C50C-407E-A947-70E740481C1C}">
                 <a14:useLocalDpi xmlns:a14="http://schemas.microsoft.com/office/drawing/2010/main" val="0"/>
@@ -7015,42 +7451,6 @@
       </p:pic>
       <p:pic>
         <p:nvPicPr>
-          <p:cNvPr id="24" name="그림 23">
-            <a:extLst>
-              <a:ext uri="{FF2B5EF4-FFF2-40B4-BE49-F238E27FC236}">
-                <a16:creationId xmlns:a16="http://schemas.microsoft.com/office/drawing/2014/main" id="{B2EA0044-2ADA-48E7-B681-DB83F6FDA8B3}"/>
-              </a:ext>
-            </a:extLst>
-          </p:cNvPr>
-          <p:cNvPicPr>
-            <a:picLocks noChangeAspect="1"/>
-          </p:cNvPicPr>
-          <p:nvPr/>
-        </p:nvPicPr>
-        <p:blipFill>
-          <a:blip r:embed="rId2">
-            <a:extLst>
-              <a:ext uri="{28A0092B-C50C-407E-A947-70E740481C1C}">
-                <a14:useLocalDpi xmlns:a14="http://schemas.microsoft.com/office/drawing/2010/main" val="0"/>
-              </a:ext>
-            </a:extLst>
-          </a:blip>
-          <a:stretch>
-            <a:fillRect/>
-          </a:stretch>
-        </p:blipFill>
-        <p:spPr>
-          <a:xfrm>
-            <a:off x="1875559" y="952500"/>
-            <a:ext cx="952500" cy="952500"/>
-          </a:xfrm>
-          <a:prstGeom prst="rect">
-            <a:avLst/>
-          </a:prstGeom>
-        </p:spPr>
-      </p:pic>
-      <p:pic>
-        <p:nvPicPr>
           <p:cNvPr id="25" name="그림 24">
             <a:extLst>
               <a:ext uri="{FF2B5EF4-FFF2-40B4-BE49-F238E27FC236}">
@@ -7064,7 +7464,7 @@
           <p:nvPr/>
         </p:nvPicPr>
         <p:blipFill>
-          <a:blip r:embed="rId2">
+          <a:blip r:embed="rId3">
             <a:extLst>
               <a:ext uri="{28A0092B-C50C-407E-A947-70E740481C1C}">
                 <a14:useLocalDpi xmlns:a14="http://schemas.microsoft.com/office/drawing/2010/main" val="0"/>
@@ -7087,42 +7487,6 @@
       </p:pic>
       <p:pic>
         <p:nvPicPr>
-          <p:cNvPr id="26" name="그림 25">
-            <a:extLst>
-              <a:ext uri="{FF2B5EF4-FFF2-40B4-BE49-F238E27FC236}">
-                <a16:creationId xmlns:a16="http://schemas.microsoft.com/office/drawing/2014/main" id="{55B0D8A2-F279-BE5B-3EE5-FCE1F624B207}"/>
-              </a:ext>
-            </a:extLst>
-          </p:cNvPr>
-          <p:cNvPicPr>
-            <a:picLocks noChangeAspect="1"/>
-          </p:cNvPicPr>
-          <p:nvPr/>
-        </p:nvPicPr>
-        <p:blipFill>
-          <a:blip r:embed="rId2">
-            <a:extLst>
-              <a:ext uri="{28A0092B-C50C-407E-A947-70E740481C1C}">
-                <a14:useLocalDpi xmlns:a14="http://schemas.microsoft.com/office/drawing/2010/main" val="0"/>
-              </a:ext>
-            </a:extLst>
-          </a:blip>
-          <a:stretch>
-            <a:fillRect/>
-          </a:stretch>
-        </p:blipFill>
-        <p:spPr>
-          <a:xfrm>
-            <a:off x="3758045" y="952500"/>
-            <a:ext cx="952500" cy="952500"/>
-          </a:xfrm>
-          <a:prstGeom prst="rect">
-            <a:avLst/>
-          </a:prstGeom>
-        </p:spPr>
-      </p:pic>
-      <p:pic>
-        <p:nvPicPr>
           <p:cNvPr id="27" name="그림 26">
             <a:extLst>
               <a:ext uri="{FF2B5EF4-FFF2-40B4-BE49-F238E27FC236}">
@@ -7136,7 +7500,7 @@
           <p:nvPr/>
         </p:nvPicPr>
         <p:blipFill>
-          <a:blip r:embed="rId2">
+          <a:blip r:embed="rId3">
             <a:extLst>
               <a:ext uri="{28A0092B-C50C-407E-A947-70E740481C1C}">
                 <a14:useLocalDpi xmlns:a14="http://schemas.microsoft.com/office/drawing/2010/main" val="0"/>
@@ -7159,78 +7523,6 @@
       </p:pic>
       <p:pic>
         <p:nvPicPr>
-          <p:cNvPr id="28" name="그림 27">
-            <a:extLst>
-              <a:ext uri="{FF2B5EF4-FFF2-40B4-BE49-F238E27FC236}">
-                <a16:creationId xmlns:a16="http://schemas.microsoft.com/office/drawing/2014/main" id="{FB229728-B5FA-131B-0B13-09C61D0DC27A}"/>
-              </a:ext>
-            </a:extLst>
-          </p:cNvPr>
-          <p:cNvPicPr>
-            <a:picLocks noChangeAspect="1"/>
-          </p:cNvPicPr>
-          <p:nvPr/>
-        </p:nvPicPr>
-        <p:blipFill>
-          <a:blip r:embed="rId2">
-            <a:extLst>
-              <a:ext uri="{28A0092B-C50C-407E-A947-70E740481C1C}">
-                <a14:useLocalDpi xmlns:a14="http://schemas.microsoft.com/office/drawing/2010/main" val="0"/>
-              </a:ext>
-            </a:extLst>
-          </a:blip>
-          <a:stretch>
-            <a:fillRect/>
-          </a:stretch>
-        </p:blipFill>
-        <p:spPr>
-          <a:xfrm>
-            <a:off x="4707081" y="952500"/>
-            <a:ext cx="952500" cy="952500"/>
-          </a:xfrm>
-          <a:prstGeom prst="rect">
-            <a:avLst/>
-          </a:prstGeom>
-        </p:spPr>
-      </p:pic>
-      <p:pic>
-        <p:nvPicPr>
-          <p:cNvPr id="29" name="그림 28">
-            <a:extLst>
-              <a:ext uri="{FF2B5EF4-FFF2-40B4-BE49-F238E27FC236}">
-                <a16:creationId xmlns:a16="http://schemas.microsoft.com/office/drawing/2014/main" id="{0AD3741D-ACC5-EDCE-ADA2-FE89F2C65072}"/>
-              </a:ext>
-            </a:extLst>
-          </p:cNvPr>
-          <p:cNvPicPr>
-            <a:picLocks noChangeAspect="1"/>
-          </p:cNvPicPr>
-          <p:nvPr/>
-        </p:nvPicPr>
-        <p:blipFill>
-          <a:blip r:embed="rId2">
-            <a:extLst>
-              <a:ext uri="{28A0092B-C50C-407E-A947-70E740481C1C}">
-                <a14:useLocalDpi xmlns:a14="http://schemas.microsoft.com/office/drawing/2010/main" val="0"/>
-              </a:ext>
-            </a:extLst>
-          </a:blip>
-          <a:stretch>
-            <a:fillRect/>
-          </a:stretch>
-        </p:blipFill>
-        <p:spPr>
-          <a:xfrm>
-            <a:off x="5657849" y="952500"/>
-            <a:ext cx="952500" cy="952500"/>
-          </a:xfrm>
-          <a:prstGeom prst="rect">
-            <a:avLst/>
-          </a:prstGeom>
-        </p:spPr>
-      </p:pic>
-      <p:pic>
-        <p:nvPicPr>
           <p:cNvPr id="30" name="그림 29">
             <a:extLst>
               <a:ext uri="{FF2B5EF4-FFF2-40B4-BE49-F238E27FC236}">
@@ -7244,7 +7536,7 @@
           <p:nvPr/>
         </p:nvPicPr>
         <p:blipFill>
-          <a:blip r:embed="rId2">
+          <a:blip r:embed="rId3">
             <a:extLst>
               <a:ext uri="{28A0092B-C50C-407E-A947-70E740481C1C}">
                 <a14:useLocalDpi xmlns:a14="http://schemas.microsoft.com/office/drawing/2010/main" val="0"/>
@@ -7267,114 +7559,6 @@
       </p:pic>
       <p:pic>
         <p:nvPicPr>
-          <p:cNvPr id="31" name="그림 30">
-            <a:extLst>
-              <a:ext uri="{FF2B5EF4-FFF2-40B4-BE49-F238E27FC236}">
-                <a16:creationId xmlns:a16="http://schemas.microsoft.com/office/drawing/2014/main" id="{35B965D9-1E29-C170-0138-DBCF0D554F77}"/>
-              </a:ext>
-            </a:extLst>
-          </p:cNvPr>
-          <p:cNvPicPr>
-            <a:picLocks noChangeAspect="1"/>
-          </p:cNvPicPr>
-          <p:nvPr/>
-        </p:nvPicPr>
-        <p:blipFill>
-          <a:blip r:embed="rId2">
-            <a:extLst>
-              <a:ext uri="{28A0092B-C50C-407E-A947-70E740481C1C}">
-                <a14:useLocalDpi xmlns:a14="http://schemas.microsoft.com/office/drawing/2010/main" val="0"/>
-              </a:ext>
-            </a:extLst>
-          </a:blip>
-          <a:stretch>
-            <a:fillRect/>
-          </a:stretch>
-        </p:blipFill>
-        <p:spPr>
-          <a:xfrm>
-            <a:off x="6612081" y="952500"/>
-            <a:ext cx="952500" cy="952500"/>
-          </a:xfrm>
-          <a:prstGeom prst="rect">
-            <a:avLst/>
-          </a:prstGeom>
-        </p:spPr>
-      </p:pic>
-      <p:pic>
-        <p:nvPicPr>
-          <p:cNvPr id="32" name="그림 31">
-            <a:extLst>
-              <a:ext uri="{FF2B5EF4-FFF2-40B4-BE49-F238E27FC236}">
-                <a16:creationId xmlns:a16="http://schemas.microsoft.com/office/drawing/2014/main" id="{E68B939A-6D57-F77A-19FC-DD860F7D3798}"/>
-              </a:ext>
-            </a:extLst>
-          </p:cNvPr>
-          <p:cNvPicPr>
-            <a:picLocks noChangeAspect="1"/>
-          </p:cNvPicPr>
-          <p:nvPr/>
-        </p:nvPicPr>
-        <p:blipFill>
-          <a:blip r:embed="rId2">
-            <a:extLst>
-              <a:ext uri="{28A0092B-C50C-407E-A947-70E740481C1C}">
-                <a14:useLocalDpi xmlns:a14="http://schemas.microsoft.com/office/drawing/2010/main" val="0"/>
-              </a:ext>
-            </a:extLst>
-          </a:blip>
-          <a:stretch>
-            <a:fillRect/>
-          </a:stretch>
-        </p:blipFill>
-        <p:spPr>
-          <a:xfrm>
-            <a:off x="7564121" y="952500"/>
-            <a:ext cx="952500" cy="952500"/>
-          </a:xfrm>
-          <a:prstGeom prst="rect">
-            <a:avLst/>
-          </a:prstGeom>
-        </p:spPr>
-      </p:pic>
-      <p:pic>
-        <p:nvPicPr>
-          <p:cNvPr id="33" name="그림 32">
-            <a:extLst>
-              <a:ext uri="{FF2B5EF4-FFF2-40B4-BE49-F238E27FC236}">
-                <a16:creationId xmlns:a16="http://schemas.microsoft.com/office/drawing/2014/main" id="{48AA1C14-249F-DB68-D4F3-D53B80E6BF7E}"/>
-              </a:ext>
-            </a:extLst>
-          </p:cNvPr>
-          <p:cNvPicPr>
-            <a:picLocks noChangeAspect="1"/>
-          </p:cNvPicPr>
-          <p:nvPr/>
-        </p:nvPicPr>
-        <p:blipFill>
-          <a:blip r:embed="rId2">
-            <a:extLst>
-              <a:ext uri="{28A0092B-C50C-407E-A947-70E740481C1C}">
-                <a14:useLocalDpi xmlns:a14="http://schemas.microsoft.com/office/drawing/2010/main" val="0"/>
-              </a:ext>
-            </a:extLst>
-          </a:blip>
-          <a:stretch>
-            <a:fillRect/>
-          </a:stretch>
-        </p:blipFill>
-        <p:spPr>
-          <a:xfrm>
-            <a:off x="9433213" y="952500"/>
-            <a:ext cx="952500" cy="952500"/>
-          </a:xfrm>
-          <a:prstGeom prst="rect">
-            <a:avLst/>
-          </a:prstGeom>
-        </p:spPr>
-      </p:pic>
-      <p:pic>
-        <p:nvPicPr>
           <p:cNvPr id="34" name="그림 33">
             <a:extLst>
               <a:ext uri="{FF2B5EF4-FFF2-40B4-BE49-F238E27FC236}">
@@ -7388,7 +7572,7 @@
           <p:nvPr/>
         </p:nvPicPr>
         <p:blipFill>
-          <a:blip r:embed="rId2">
+          <a:blip r:embed="rId3">
             <a:extLst>
               <a:ext uri="{28A0092B-C50C-407E-A947-70E740481C1C}">
                 <a14:useLocalDpi xmlns:a14="http://schemas.microsoft.com/office/drawing/2010/main" val="0"/>
@@ -7424,7 +7608,7 @@
           <p:nvPr/>
         </p:nvPicPr>
         <p:blipFill>
-          <a:blip r:embed="rId2">
+          <a:blip r:embed="rId3">
             <a:extLst>
               <a:ext uri="{28A0092B-C50C-407E-A947-70E740481C1C}">
                 <a14:useLocalDpi xmlns:a14="http://schemas.microsoft.com/office/drawing/2010/main" val="0"/>
@@ -7460,7 +7644,7 @@
           <p:nvPr/>
         </p:nvPicPr>
         <p:blipFill>
-          <a:blip r:embed="rId2">
+          <a:blip r:embed="rId3">
             <a:extLst>
               <a:ext uri="{28A0092B-C50C-407E-A947-70E740481C1C}">
                 <a14:useLocalDpi xmlns:a14="http://schemas.microsoft.com/office/drawing/2010/main" val="0"/>
@@ -7483,78 +7667,6 @@
       </p:pic>
       <p:pic>
         <p:nvPicPr>
-          <p:cNvPr id="37" name="그림 36">
-            <a:extLst>
-              <a:ext uri="{FF2B5EF4-FFF2-40B4-BE49-F238E27FC236}">
-                <a16:creationId xmlns:a16="http://schemas.microsoft.com/office/drawing/2014/main" id="{A41CBD92-D5A0-918E-5BE6-F5AFEA619EEC}"/>
-              </a:ext>
-            </a:extLst>
-          </p:cNvPr>
-          <p:cNvPicPr>
-            <a:picLocks noChangeAspect="1"/>
-          </p:cNvPicPr>
-          <p:nvPr/>
-        </p:nvPicPr>
-        <p:blipFill>
-          <a:blip r:embed="rId2">
-            <a:extLst>
-              <a:ext uri="{28A0092B-C50C-407E-A947-70E740481C1C}">
-                <a14:useLocalDpi xmlns:a14="http://schemas.microsoft.com/office/drawing/2010/main" val="0"/>
-              </a:ext>
-            </a:extLst>
-          </a:blip>
-          <a:stretch>
-            <a:fillRect/>
-          </a:stretch>
-        </p:blipFill>
-        <p:spPr>
-          <a:xfrm>
-            <a:off x="939511" y="1905000"/>
-            <a:ext cx="952500" cy="952500"/>
-          </a:xfrm>
-          <a:prstGeom prst="rect">
-            <a:avLst/>
-          </a:prstGeom>
-        </p:spPr>
-      </p:pic>
-      <p:pic>
-        <p:nvPicPr>
-          <p:cNvPr id="38" name="그림 37">
-            <a:extLst>
-              <a:ext uri="{FF2B5EF4-FFF2-40B4-BE49-F238E27FC236}">
-                <a16:creationId xmlns:a16="http://schemas.microsoft.com/office/drawing/2014/main" id="{07ABA64A-54B5-F322-B270-CA03306FDDE3}"/>
-              </a:ext>
-            </a:extLst>
-          </p:cNvPr>
-          <p:cNvPicPr>
-            <a:picLocks noChangeAspect="1"/>
-          </p:cNvPicPr>
-          <p:nvPr/>
-        </p:nvPicPr>
-        <p:blipFill>
-          <a:blip r:embed="rId2">
-            <a:extLst>
-              <a:ext uri="{28A0092B-C50C-407E-A947-70E740481C1C}">
-                <a14:useLocalDpi xmlns:a14="http://schemas.microsoft.com/office/drawing/2010/main" val="0"/>
-              </a:ext>
-            </a:extLst>
-          </a:blip>
-          <a:stretch>
-            <a:fillRect/>
-          </a:stretch>
-        </p:blipFill>
-        <p:spPr>
-          <a:xfrm>
-            <a:off x="1895474" y="1905000"/>
-            <a:ext cx="952500" cy="952500"/>
-          </a:xfrm>
-          <a:prstGeom prst="rect">
-            <a:avLst/>
-          </a:prstGeom>
-        </p:spPr>
-      </p:pic>
-      <p:pic>
-        <p:nvPicPr>
           <p:cNvPr id="39" name="그림 38">
             <a:extLst>
               <a:ext uri="{FF2B5EF4-FFF2-40B4-BE49-F238E27FC236}">
@@ -7568,21 +7680,21 @@
           <p:nvPr/>
         </p:nvPicPr>
         <p:blipFill>
-          <a:blip r:embed="rId2">
-            <a:extLst>
-              <a:ext uri="{28A0092B-C50C-407E-A947-70E740481C1C}">
-                <a14:useLocalDpi xmlns:a14="http://schemas.microsoft.com/office/drawing/2010/main" val="0"/>
-              </a:ext>
-            </a:extLst>
-          </a:blip>
-          <a:stretch>
-            <a:fillRect/>
-          </a:stretch>
-        </p:blipFill>
-        <p:spPr>
-          <a:xfrm>
-            <a:off x="2844511" y="1905000"/>
-            <a:ext cx="952500" cy="952500"/>
+          <a:blip r:embed="rId3">
+            <a:extLst>
+              <a:ext uri="{28A0092B-C50C-407E-A947-70E740481C1C}">
+                <a14:useLocalDpi xmlns:a14="http://schemas.microsoft.com/office/drawing/2010/main" val="0"/>
+              </a:ext>
+            </a:extLst>
+          </a:blip>
+          <a:stretch>
+            <a:fillRect/>
+          </a:stretch>
+        </p:blipFill>
+        <p:spPr>
+          <a:xfrm>
+            <a:off x="2813854" y="1905000"/>
+            <a:ext cx="983157" cy="952500"/>
           </a:xfrm>
           <a:prstGeom prst="rect">
             <a:avLst/>
@@ -7604,7 +7716,7 @@
           <p:nvPr/>
         </p:nvPicPr>
         <p:blipFill>
-          <a:blip r:embed="rId2">
+          <a:blip r:embed="rId3">
             <a:extLst>
               <a:ext uri="{28A0092B-C50C-407E-A947-70E740481C1C}">
                 <a14:useLocalDpi xmlns:a14="http://schemas.microsoft.com/office/drawing/2010/main" val="0"/>
@@ -7627,78 +7739,6 @@
       </p:pic>
       <p:pic>
         <p:nvPicPr>
-          <p:cNvPr id="41" name="그림 40">
-            <a:extLst>
-              <a:ext uri="{FF2B5EF4-FFF2-40B4-BE49-F238E27FC236}">
-                <a16:creationId xmlns:a16="http://schemas.microsoft.com/office/drawing/2014/main" id="{9EA0C427-4FC0-478C-8A9E-E65BFDEB1C10}"/>
-              </a:ext>
-            </a:extLst>
-          </p:cNvPr>
-          <p:cNvPicPr>
-            <a:picLocks noChangeAspect="1"/>
-          </p:cNvPicPr>
-          <p:nvPr/>
-        </p:nvPicPr>
-        <p:blipFill>
-          <a:blip r:embed="rId2">
-            <a:extLst>
-              <a:ext uri="{28A0092B-C50C-407E-A947-70E740481C1C}">
-                <a14:useLocalDpi xmlns:a14="http://schemas.microsoft.com/office/drawing/2010/main" val="0"/>
-              </a:ext>
-            </a:extLst>
-          </a:blip>
-          <a:stretch>
-            <a:fillRect/>
-          </a:stretch>
-        </p:blipFill>
-        <p:spPr>
-          <a:xfrm>
-            <a:off x="4725698" y="1905000"/>
-            <a:ext cx="952500" cy="952500"/>
-          </a:xfrm>
-          <a:prstGeom prst="rect">
-            <a:avLst/>
-          </a:prstGeom>
-        </p:spPr>
-      </p:pic>
-      <p:pic>
-        <p:nvPicPr>
-          <p:cNvPr id="42" name="그림 41">
-            <a:extLst>
-              <a:ext uri="{FF2B5EF4-FFF2-40B4-BE49-F238E27FC236}">
-                <a16:creationId xmlns:a16="http://schemas.microsoft.com/office/drawing/2014/main" id="{71A272B7-EEE2-A0D8-FCBF-D544D9713093}"/>
-              </a:ext>
-            </a:extLst>
-          </p:cNvPr>
-          <p:cNvPicPr>
-            <a:picLocks noChangeAspect="1"/>
-          </p:cNvPicPr>
-          <p:nvPr/>
-        </p:nvPicPr>
-        <p:blipFill>
-          <a:blip r:embed="rId2">
-            <a:extLst>
-              <a:ext uri="{28A0092B-C50C-407E-A947-70E740481C1C}">
-                <a14:useLocalDpi xmlns:a14="http://schemas.microsoft.com/office/drawing/2010/main" val="0"/>
-              </a:ext>
-            </a:extLst>
-          </a:blip>
-          <a:stretch>
-            <a:fillRect/>
-          </a:stretch>
-        </p:blipFill>
-        <p:spPr>
-          <a:xfrm>
-            <a:off x="5677116" y="1905000"/>
-            <a:ext cx="952500" cy="952500"/>
-          </a:xfrm>
-          <a:prstGeom prst="rect">
-            <a:avLst/>
-          </a:prstGeom>
-        </p:spPr>
-      </p:pic>
-      <p:pic>
-        <p:nvPicPr>
           <p:cNvPr id="43" name="그림 42">
             <a:extLst>
               <a:ext uri="{FF2B5EF4-FFF2-40B4-BE49-F238E27FC236}">
@@ -7712,7 +7752,7 @@
           <p:nvPr/>
         </p:nvPicPr>
         <p:blipFill>
-          <a:blip r:embed="rId2">
+          <a:blip r:embed="rId3">
             <a:extLst>
               <a:ext uri="{28A0092B-C50C-407E-A947-70E740481C1C}">
                 <a14:useLocalDpi xmlns:a14="http://schemas.microsoft.com/office/drawing/2010/main" val="0"/>
@@ -7735,42 +7775,6 @@
       </p:pic>
       <p:pic>
         <p:nvPicPr>
-          <p:cNvPr id="44" name="그림 43">
-            <a:extLst>
-              <a:ext uri="{FF2B5EF4-FFF2-40B4-BE49-F238E27FC236}">
-                <a16:creationId xmlns:a16="http://schemas.microsoft.com/office/drawing/2014/main" id="{1CB594BC-631C-3568-608D-C9BE7969E0F9}"/>
-              </a:ext>
-            </a:extLst>
-          </p:cNvPr>
-          <p:cNvPicPr>
-            <a:picLocks noChangeAspect="1"/>
-          </p:cNvPicPr>
-          <p:nvPr/>
-        </p:nvPicPr>
-        <p:blipFill>
-          <a:blip r:embed="rId2">
-            <a:extLst>
-              <a:ext uri="{28A0092B-C50C-407E-A947-70E740481C1C}">
-                <a14:useLocalDpi xmlns:a14="http://schemas.microsoft.com/office/drawing/2010/main" val="0"/>
-              </a:ext>
-            </a:extLst>
-          </a:blip>
-          <a:stretch>
-            <a:fillRect/>
-          </a:stretch>
-        </p:blipFill>
-        <p:spPr>
-          <a:xfrm>
-            <a:off x="7560197" y="1905000"/>
-            <a:ext cx="952500" cy="952500"/>
-          </a:xfrm>
-          <a:prstGeom prst="rect">
-            <a:avLst/>
-          </a:prstGeom>
-        </p:spPr>
-      </p:pic>
-      <p:pic>
-        <p:nvPicPr>
           <p:cNvPr id="45" name="그림 44">
             <a:extLst>
               <a:ext uri="{FF2B5EF4-FFF2-40B4-BE49-F238E27FC236}">
@@ -7784,7 +7788,7 @@
           <p:nvPr/>
         </p:nvPicPr>
         <p:blipFill>
-          <a:blip r:embed="rId2">
+          <a:blip r:embed="rId3">
             <a:extLst>
               <a:ext uri="{28A0092B-C50C-407E-A947-70E740481C1C}">
                 <a14:useLocalDpi xmlns:a14="http://schemas.microsoft.com/office/drawing/2010/main" val="0"/>
@@ -7820,7 +7824,7 @@
           <p:nvPr/>
         </p:nvPicPr>
         <p:blipFill>
-          <a:blip r:embed="rId2">
+          <a:blip r:embed="rId3">
             <a:extLst>
               <a:ext uri="{28A0092B-C50C-407E-A947-70E740481C1C}">
                 <a14:useLocalDpi xmlns:a14="http://schemas.microsoft.com/office/drawing/2010/main" val="0"/>
@@ -7856,57 +7860,21 @@
           <p:nvPr/>
         </p:nvPicPr>
         <p:blipFill>
-          <a:blip r:embed="rId2">
-            <a:extLst>
-              <a:ext uri="{28A0092B-C50C-407E-A947-70E740481C1C}">
-                <a14:useLocalDpi xmlns:a14="http://schemas.microsoft.com/office/drawing/2010/main" val="0"/>
-              </a:ext>
-            </a:extLst>
-          </a:blip>
-          <a:stretch>
-            <a:fillRect/>
-          </a:stretch>
-        </p:blipFill>
-        <p:spPr>
-          <a:xfrm>
-            <a:off x="10374402" y="1905000"/>
-            <a:ext cx="952500" cy="952500"/>
-          </a:xfrm>
-          <a:prstGeom prst="rect">
-            <a:avLst/>
-          </a:prstGeom>
-        </p:spPr>
-      </p:pic>
-      <p:pic>
-        <p:nvPicPr>
-          <p:cNvPr id="48" name="그림 47">
-            <a:extLst>
-              <a:ext uri="{FF2B5EF4-FFF2-40B4-BE49-F238E27FC236}">
-                <a16:creationId xmlns:a16="http://schemas.microsoft.com/office/drawing/2014/main" id="{E6D707AE-AF9A-B707-C26B-50D050C12EB6}"/>
-              </a:ext>
-            </a:extLst>
-          </p:cNvPr>
-          <p:cNvPicPr>
-            <a:picLocks noChangeAspect="1"/>
-          </p:cNvPicPr>
-          <p:nvPr/>
-        </p:nvPicPr>
-        <p:blipFill>
-          <a:blip r:embed="rId2">
-            <a:extLst>
-              <a:ext uri="{28A0092B-C50C-407E-A947-70E740481C1C}">
-                <a14:useLocalDpi xmlns:a14="http://schemas.microsoft.com/office/drawing/2010/main" val="0"/>
-              </a:ext>
-            </a:extLst>
-          </a:blip>
-          <a:stretch>
-            <a:fillRect/>
-          </a:stretch>
-        </p:blipFill>
-        <p:spPr>
-          <a:xfrm>
-            <a:off x="11302251" y="1905000"/>
-            <a:ext cx="952500" cy="952500"/>
+          <a:blip r:embed="rId3">
+            <a:extLst>
+              <a:ext uri="{28A0092B-C50C-407E-A947-70E740481C1C}">
+                <a14:useLocalDpi xmlns:a14="http://schemas.microsoft.com/office/drawing/2010/main" val="0"/>
+              </a:ext>
+            </a:extLst>
+          </a:blip>
+          <a:stretch>
+            <a:fillRect/>
+          </a:stretch>
+        </p:blipFill>
+        <p:spPr>
+          <a:xfrm>
+            <a:off x="10374401" y="1905000"/>
+            <a:ext cx="1002925" cy="952500"/>
           </a:xfrm>
           <a:prstGeom prst="rect">
             <a:avLst/>
@@ -7928,7 +7896,7 @@
           <p:nvPr/>
         </p:nvPicPr>
         <p:blipFill>
-          <a:blip r:embed="rId2">
+          <a:blip r:embed="rId3">
             <a:extLst>
               <a:ext uri="{28A0092B-C50C-407E-A947-70E740481C1C}">
                 <a14:useLocalDpi xmlns:a14="http://schemas.microsoft.com/office/drawing/2010/main" val="0"/>
@@ -7964,7 +7932,7 @@
           <p:nvPr/>
         </p:nvPicPr>
         <p:blipFill>
-          <a:blip r:embed="rId2">
+          <a:blip r:embed="rId3">
             <a:extLst>
               <a:ext uri="{28A0092B-C50C-407E-A947-70E740481C1C}">
                 <a14:useLocalDpi xmlns:a14="http://schemas.microsoft.com/office/drawing/2010/main" val="0"/>
@@ -7987,150 +7955,6 @@
       </p:pic>
       <p:pic>
         <p:nvPicPr>
-          <p:cNvPr id="51" name="그림 50">
-            <a:extLst>
-              <a:ext uri="{FF2B5EF4-FFF2-40B4-BE49-F238E27FC236}">
-                <a16:creationId xmlns:a16="http://schemas.microsoft.com/office/drawing/2014/main" id="{BAB311AF-103D-A333-4D80-CBAFD5FA4AE8}"/>
-              </a:ext>
-            </a:extLst>
-          </p:cNvPr>
-          <p:cNvPicPr>
-            <a:picLocks noChangeAspect="1"/>
-          </p:cNvPicPr>
-          <p:nvPr/>
-        </p:nvPicPr>
-        <p:blipFill>
-          <a:blip r:embed="rId2">
-            <a:extLst>
-              <a:ext uri="{28A0092B-C50C-407E-A947-70E740481C1C}">
-                <a14:useLocalDpi xmlns:a14="http://schemas.microsoft.com/office/drawing/2010/main" val="0"/>
-              </a:ext>
-            </a:extLst>
-          </a:blip>
-          <a:stretch>
-            <a:fillRect/>
-          </a:stretch>
-        </p:blipFill>
-        <p:spPr>
-          <a:xfrm>
-            <a:off x="1877291" y="2857500"/>
-            <a:ext cx="952500" cy="952500"/>
-          </a:xfrm>
-          <a:prstGeom prst="rect">
-            <a:avLst/>
-          </a:prstGeom>
-        </p:spPr>
-      </p:pic>
-      <p:pic>
-        <p:nvPicPr>
-          <p:cNvPr id="52" name="그림 51">
-            <a:extLst>
-              <a:ext uri="{FF2B5EF4-FFF2-40B4-BE49-F238E27FC236}">
-                <a16:creationId xmlns:a16="http://schemas.microsoft.com/office/drawing/2014/main" id="{CE88BD20-2FDC-2AE8-7065-B8D91B8BCD11}"/>
-              </a:ext>
-            </a:extLst>
-          </p:cNvPr>
-          <p:cNvPicPr>
-            <a:picLocks noChangeAspect="1"/>
-          </p:cNvPicPr>
-          <p:nvPr/>
-        </p:nvPicPr>
-        <p:blipFill>
-          <a:blip r:embed="rId2">
-            <a:extLst>
-              <a:ext uri="{28A0092B-C50C-407E-A947-70E740481C1C}">
-                <a14:useLocalDpi xmlns:a14="http://schemas.microsoft.com/office/drawing/2010/main" val="0"/>
-              </a:ext>
-            </a:extLst>
-          </a:blip>
-          <a:stretch>
-            <a:fillRect/>
-          </a:stretch>
-        </p:blipFill>
-        <p:spPr>
-          <a:xfrm>
-            <a:off x="2822430" y="2857500"/>
-            <a:ext cx="952500" cy="952500"/>
-          </a:xfrm>
-          <a:prstGeom prst="rect">
-            <a:avLst/>
-          </a:prstGeom>
-        </p:spPr>
-      </p:pic>
-      <p:pic>
-        <p:nvPicPr>
-          <p:cNvPr id="53" name="그림 52">
-            <a:extLst>
-              <a:ext uri="{FF2B5EF4-FFF2-40B4-BE49-F238E27FC236}">
-                <a16:creationId xmlns:a16="http://schemas.microsoft.com/office/drawing/2014/main" id="{B023B1BB-3F5E-8661-694C-6A46856641B8}"/>
-              </a:ext>
-            </a:extLst>
-          </p:cNvPr>
-          <p:cNvPicPr>
-            <a:picLocks noChangeAspect="1"/>
-          </p:cNvPicPr>
-          <p:nvPr/>
-        </p:nvPicPr>
-        <p:blipFill>
-          <a:blip r:embed="rId2">
-            <a:extLst>
-              <a:ext uri="{28A0092B-C50C-407E-A947-70E740481C1C}">
-                <a14:useLocalDpi xmlns:a14="http://schemas.microsoft.com/office/drawing/2010/main" val="0"/>
-              </a:ext>
-            </a:extLst>
-          </a:blip>
-          <a:stretch>
-            <a:fillRect/>
-          </a:stretch>
-        </p:blipFill>
-        <p:spPr>
-          <a:xfrm>
-            <a:off x="3768814" y="2857500"/>
-            <a:ext cx="952500" cy="952500"/>
-          </a:xfrm>
-          <a:prstGeom prst="rect">
-            <a:avLst/>
-          </a:prstGeom>
-        </p:spPr>
-      </p:pic>
-      <p:pic>
-        <p:nvPicPr>
-          <p:cNvPr id="54" name="그림 53">
-            <a:extLst>
-              <a:ext uri="{FF2B5EF4-FFF2-40B4-BE49-F238E27FC236}">
-                <a16:creationId xmlns:a16="http://schemas.microsoft.com/office/drawing/2014/main" id="{09A8DB68-E666-A3ED-1333-C809DBD6D852}"/>
-              </a:ext>
-            </a:extLst>
-          </p:cNvPr>
-          <p:cNvPicPr>
-            <a:picLocks noChangeAspect="1"/>
-          </p:cNvPicPr>
-          <p:nvPr/>
-        </p:nvPicPr>
-        <p:blipFill>
-          <a:blip r:embed="rId2">
-            <a:extLst>
-              <a:ext uri="{28A0092B-C50C-407E-A947-70E740481C1C}">
-                <a14:useLocalDpi xmlns:a14="http://schemas.microsoft.com/office/drawing/2010/main" val="0"/>
-              </a:ext>
-            </a:extLst>
-          </a:blip>
-          <a:stretch>
-            <a:fillRect/>
-          </a:stretch>
-        </p:blipFill>
-        <p:spPr>
-          <a:xfrm>
-            <a:off x="4715524" y="2857500"/>
-            <a:ext cx="952500" cy="952500"/>
-          </a:xfrm>
-          <a:prstGeom prst="rect">
-            <a:avLst/>
-          </a:prstGeom>
-        </p:spPr>
-      </p:pic>
-      <p:pic>
-        <p:nvPicPr>
           <p:cNvPr id="55" name="그림 54">
             <a:extLst>
               <a:ext uri="{FF2B5EF4-FFF2-40B4-BE49-F238E27FC236}">
@@ -8144,7 +7968,7 @@
           <p:nvPr/>
         </p:nvPicPr>
         <p:blipFill>
-          <a:blip r:embed="rId2">
+          <a:blip r:embed="rId3">
             <a:extLst>
               <a:ext uri="{28A0092B-C50C-407E-A947-70E740481C1C}">
                 <a14:useLocalDpi xmlns:a14="http://schemas.microsoft.com/office/drawing/2010/main" val="0"/>
@@ -8167,150 +7991,6 @@
       </p:pic>
       <p:pic>
         <p:nvPicPr>
-          <p:cNvPr id="56" name="그림 55">
-            <a:extLst>
-              <a:ext uri="{FF2B5EF4-FFF2-40B4-BE49-F238E27FC236}">
-                <a16:creationId xmlns:a16="http://schemas.microsoft.com/office/drawing/2014/main" id="{5E5F526B-748A-87CC-E09B-11B5AA3ADDB1}"/>
-              </a:ext>
-            </a:extLst>
-          </p:cNvPr>
-          <p:cNvPicPr>
-            <a:picLocks noChangeAspect="1"/>
-          </p:cNvPicPr>
-          <p:nvPr/>
-        </p:nvPicPr>
-        <p:blipFill>
-          <a:blip r:embed="rId2">
-            <a:extLst>
-              <a:ext uri="{28A0092B-C50C-407E-A947-70E740481C1C}">
-                <a14:useLocalDpi xmlns:a14="http://schemas.microsoft.com/office/drawing/2010/main" val="0"/>
-              </a:ext>
-            </a:extLst>
-          </a:blip>
-          <a:stretch>
-            <a:fillRect/>
-          </a:stretch>
-        </p:blipFill>
-        <p:spPr>
-          <a:xfrm>
-            <a:off x="6607291" y="2857500"/>
-            <a:ext cx="952500" cy="952500"/>
-          </a:xfrm>
-          <a:prstGeom prst="rect">
-            <a:avLst/>
-          </a:prstGeom>
-        </p:spPr>
-      </p:pic>
-      <p:pic>
-        <p:nvPicPr>
-          <p:cNvPr id="57" name="그림 56">
-            <a:extLst>
-              <a:ext uri="{FF2B5EF4-FFF2-40B4-BE49-F238E27FC236}">
-                <a16:creationId xmlns:a16="http://schemas.microsoft.com/office/drawing/2014/main" id="{B2A83BE2-76FB-5C09-2640-BD9E0EB8D478}"/>
-              </a:ext>
-            </a:extLst>
-          </p:cNvPr>
-          <p:cNvPicPr>
-            <a:picLocks noChangeAspect="1"/>
-          </p:cNvPicPr>
-          <p:nvPr/>
-        </p:nvPicPr>
-        <p:blipFill>
-          <a:blip r:embed="rId2">
-            <a:extLst>
-              <a:ext uri="{28A0092B-C50C-407E-A947-70E740481C1C}">
-                <a14:useLocalDpi xmlns:a14="http://schemas.microsoft.com/office/drawing/2010/main" val="0"/>
-              </a:ext>
-            </a:extLst>
-          </a:blip>
-          <a:stretch>
-            <a:fillRect/>
-          </a:stretch>
-        </p:blipFill>
-        <p:spPr>
-          <a:xfrm>
-            <a:off x="7560197" y="2857500"/>
-            <a:ext cx="952500" cy="952500"/>
-          </a:xfrm>
-          <a:prstGeom prst="rect">
-            <a:avLst/>
-          </a:prstGeom>
-        </p:spPr>
-      </p:pic>
-      <p:pic>
-        <p:nvPicPr>
-          <p:cNvPr id="58" name="그림 57">
-            <a:extLst>
-              <a:ext uri="{FF2B5EF4-FFF2-40B4-BE49-F238E27FC236}">
-                <a16:creationId xmlns:a16="http://schemas.microsoft.com/office/drawing/2014/main" id="{9F060A65-BD52-6D8F-E44B-879252115343}"/>
-              </a:ext>
-            </a:extLst>
-          </p:cNvPr>
-          <p:cNvPicPr>
-            <a:picLocks noChangeAspect="1"/>
-          </p:cNvPicPr>
-          <p:nvPr/>
-        </p:nvPicPr>
-        <p:blipFill>
-          <a:blip r:embed="rId2">
-            <a:extLst>
-              <a:ext uri="{28A0092B-C50C-407E-A947-70E740481C1C}">
-                <a14:useLocalDpi xmlns:a14="http://schemas.microsoft.com/office/drawing/2010/main" val="0"/>
-              </a:ext>
-            </a:extLst>
-          </a:blip>
-          <a:stretch>
-            <a:fillRect/>
-          </a:stretch>
-        </p:blipFill>
-        <p:spPr>
-          <a:xfrm>
-            <a:off x="8505364" y="2857500"/>
-            <a:ext cx="952500" cy="952500"/>
-          </a:xfrm>
-          <a:prstGeom prst="rect">
-            <a:avLst/>
-          </a:prstGeom>
-        </p:spPr>
-      </p:pic>
-      <p:pic>
-        <p:nvPicPr>
-          <p:cNvPr id="59" name="그림 58">
-            <a:extLst>
-              <a:ext uri="{FF2B5EF4-FFF2-40B4-BE49-F238E27FC236}">
-                <a16:creationId xmlns:a16="http://schemas.microsoft.com/office/drawing/2014/main" id="{61CBDAEF-1EBC-B57C-647E-63C0F8F36DB8}"/>
-              </a:ext>
-            </a:extLst>
-          </p:cNvPr>
-          <p:cNvPicPr>
-            <a:picLocks noChangeAspect="1"/>
-          </p:cNvPicPr>
-          <p:nvPr/>
-        </p:nvPicPr>
-        <p:blipFill>
-          <a:blip r:embed="rId2">
-            <a:extLst>
-              <a:ext uri="{28A0092B-C50C-407E-A947-70E740481C1C}">
-                <a14:useLocalDpi xmlns:a14="http://schemas.microsoft.com/office/drawing/2010/main" val="0"/>
-              </a:ext>
-            </a:extLst>
-          </a:blip>
-          <a:stretch>
-            <a:fillRect/>
-          </a:stretch>
-        </p:blipFill>
-        <p:spPr>
-          <a:xfrm>
-            <a:off x="9450531" y="2857500"/>
-            <a:ext cx="952500" cy="952500"/>
-          </a:xfrm>
-          <a:prstGeom prst="rect">
-            <a:avLst/>
-          </a:prstGeom>
-        </p:spPr>
-      </p:pic>
-      <p:pic>
-        <p:nvPicPr>
           <p:cNvPr id="60" name="그림 59">
             <a:extLst>
               <a:ext uri="{FF2B5EF4-FFF2-40B4-BE49-F238E27FC236}">
@@ -8324,7 +8004,7 @@
           <p:nvPr/>
         </p:nvPicPr>
         <p:blipFill>
-          <a:blip r:embed="rId2">
+          <a:blip r:embed="rId3">
             <a:extLst>
               <a:ext uri="{28A0092B-C50C-407E-A947-70E740481C1C}">
                 <a14:useLocalDpi xmlns:a14="http://schemas.microsoft.com/office/drawing/2010/main" val="0"/>
@@ -8347,78 +8027,6 @@
       </p:pic>
       <p:pic>
         <p:nvPicPr>
-          <p:cNvPr id="61" name="그림 60">
-            <a:extLst>
-              <a:ext uri="{FF2B5EF4-FFF2-40B4-BE49-F238E27FC236}">
-                <a16:creationId xmlns:a16="http://schemas.microsoft.com/office/drawing/2014/main" id="{3A2184D9-A405-EFE3-A844-B5D5CD619531}"/>
-              </a:ext>
-            </a:extLst>
-          </p:cNvPr>
-          <p:cNvPicPr>
-            <a:picLocks noChangeAspect="1"/>
-          </p:cNvPicPr>
-          <p:nvPr/>
-        </p:nvPicPr>
-        <p:blipFill>
-          <a:blip r:embed="rId2">
-            <a:extLst>
-              <a:ext uri="{28A0092B-C50C-407E-A947-70E740481C1C}">
-                <a14:useLocalDpi xmlns:a14="http://schemas.microsoft.com/office/drawing/2010/main" val="0"/>
-              </a:ext>
-            </a:extLst>
-          </a:blip>
-          <a:stretch>
-            <a:fillRect/>
-          </a:stretch>
-        </p:blipFill>
-        <p:spPr>
-          <a:xfrm>
-            <a:off x="11300827" y="2857500"/>
-            <a:ext cx="952500" cy="952500"/>
-          </a:xfrm>
-          <a:prstGeom prst="rect">
-            <a:avLst/>
-          </a:prstGeom>
-        </p:spPr>
-      </p:pic>
-      <p:pic>
-        <p:nvPicPr>
-          <p:cNvPr id="62" name="그림 61">
-            <a:extLst>
-              <a:ext uri="{FF2B5EF4-FFF2-40B4-BE49-F238E27FC236}">
-                <a16:creationId xmlns:a16="http://schemas.microsoft.com/office/drawing/2014/main" id="{1C53F94E-1B6A-D866-9D2C-59264FEA2335}"/>
-              </a:ext>
-            </a:extLst>
-          </p:cNvPr>
-          <p:cNvPicPr>
-            <a:picLocks noChangeAspect="1"/>
-          </p:cNvPicPr>
-          <p:nvPr/>
-        </p:nvPicPr>
-        <p:blipFill>
-          <a:blip r:embed="rId2">
-            <a:extLst>
-              <a:ext uri="{28A0092B-C50C-407E-A947-70E740481C1C}">
-                <a14:useLocalDpi xmlns:a14="http://schemas.microsoft.com/office/drawing/2010/main" val="0"/>
-              </a:ext>
-            </a:extLst>
-          </a:blip>
-          <a:stretch>
-            <a:fillRect/>
-          </a:stretch>
-        </p:blipFill>
-        <p:spPr>
-          <a:xfrm>
-            <a:off x="-12596" y="3810000"/>
-            <a:ext cx="952500" cy="952500"/>
-          </a:xfrm>
-          <a:prstGeom prst="rect">
-            <a:avLst/>
-          </a:prstGeom>
-        </p:spPr>
-      </p:pic>
-      <p:pic>
-        <p:nvPicPr>
           <p:cNvPr id="63" name="그림 62">
             <a:extLst>
               <a:ext uri="{FF2B5EF4-FFF2-40B4-BE49-F238E27FC236}">
@@ -8432,7 +8040,7 @@
           <p:nvPr/>
         </p:nvPicPr>
         <p:blipFill>
-          <a:blip r:embed="rId2">
+          <a:blip r:embed="rId3">
             <a:extLst>
               <a:ext uri="{28A0092B-C50C-407E-A947-70E740481C1C}">
                 <a14:useLocalDpi xmlns:a14="http://schemas.microsoft.com/office/drawing/2010/main" val="0"/>
@@ -8468,7 +8076,7 @@
           <p:nvPr/>
         </p:nvPicPr>
         <p:blipFill>
-          <a:blip r:embed="rId2">
+          <a:blip r:embed="rId3">
             <a:extLst>
               <a:ext uri="{28A0092B-C50C-407E-A947-70E740481C1C}">
                 <a14:useLocalDpi xmlns:a14="http://schemas.microsoft.com/office/drawing/2010/main" val="0"/>
@@ -8491,42 +8099,6 @@
       </p:pic>
       <p:pic>
         <p:nvPicPr>
-          <p:cNvPr id="65" name="그림 64">
-            <a:extLst>
-              <a:ext uri="{FF2B5EF4-FFF2-40B4-BE49-F238E27FC236}">
-                <a16:creationId xmlns:a16="http://schemas.microsoft.com/office/drawing/2014/main" id="{E54AD96A-05C7-66DC-79B2-59AF81441F0D}"/>
-              </a:ext>
-            </a:extLst>
-          </p:cNvPr>
-          <p:cNvPicPr>
-            <a:picLocks noChangeAspect="1"/>
-          </p:cNvPicPr>
-          <p:nvPr/>
-        </p:nvPicPr>
-        <p:blipFill>
-          <a:blip r:embed="rId2">
-            <a:extLst>
-              <a:ext uri="{28A0092B-C50C-407E-A947-70E740481C1C}">
-                <a14:useLocalDpi xmlns:a14="http://schemas.microsoft.com/office/drawing/2010/main" val="0"/>
-              </a:ext>
-            </a:extLst>
-          </a:blip>
-          <a:stretch>
-            <a:fillRect/>
-          </a:stretch>
-        </p:blipFill>
-        <p:spPr>
-          <a:xfrm>
-            <a:off x="2822228" y="3810000"/>
-            <a:ext cx="952500" cy="952500"/>
-          </a:xfrm>
-          <a:prstGeom prst="rect">
-            <a:avLst/>
-          </a:prstGeom>
-        </p:spPr>
-      </p:pic>
-      <p:pic>
-        <p:nvPicPr>
           <p:cNvPr id="66" name="그림 65">
             <a:extLst>
               <a:ext uri="{FF2B5EF4-FFF2-40B4-BE49-F238E27FC236}">
@@ -8540,7 +8112,7 @@
           <p:nvPr/>
         </p:nvPicPr>
         <p:blipFill>
-          <a:blip r:embed="rId2">
+          <a:blip r:embed="rId3">
             <a:extLst>
               <a:ext uri="{28A0092B-C50C-407E-A947-70E740481C1C}">
                 <a14:useLocalDpi xmlns:a14="http://schemas.microsoft.com/office/drawing/2010/main" val="0"/>
@@ -8576,7 +8148,7 @@
           <p:nvPr/>
         </p:nvPicPr>
         <p:blipFill>
-          <a:blip r:embed="rId2">
+          <a:blip r:embed="rId3">
             <a:extLst>
               <a:ext uri="{28A0092B-C50C-407E-A947-70E740481C1C}">
                 <a14:useLocalDpi xmlns:a14="http://schemas.microsoft.com/office/drawing/2010/main" val="0"/>
@@ -8612,7 +8184,7 @@
           <p:nvPr/>
         </p:nvPicPr>
         <p:blipFill>
-          <a:blip r:embed="rId2">
+          <a:blip r:embed="rId3">
             <a:extLst>
               <a:ext uri="{28A0092B-C50C-407E-A947-70E740481C1C}">
                 <a14:useLocalDpi xmlns:a14="http://schemas.microsoft.com/office/drawing/2010/main" val="0"/>
@@ -8635,42 +8207,6 @@
       </p:pic>
       <p:pic>
         <p:nvPicPr>
-          <p:cNvPr id="69" name="그림 68">
-            <a:extLst>
-              <a:ext uri="{FF2B5EF4-FFF2-40B4-BE49-F238E27FC236}">
-                <a16:creationId xmlns:a16="http://schemas.microsoft.com/office/drawing/2014/main" id="{3D15C54A-CBA0-FD3D-2809-761CF49FCA7C}"/>
-              </a:ext>
-            </a:extLst>
-          </p:cNvPr>
-          <p:cNvPicPr>
-            <a:picLocks noChangeAspect="1"/>
-          </p:cNvPicPr>
-          <p:nvPr/>
-        </p:nvPicPr>
-        <p:blipFill>
-          <a:blip r:embed="rId2">
-            <a:extLst>
-              <a:ext uri="{28A0092B-C50C-407E-A947-70E740481C1C}">
-                <a14:useLocalDpi xmlns:a14="http://schemas.microsoft.com/office/drawing/2010/main" val="0"/>
-              </a:ext>
-            </a:extLst>
-          </a:blip>
-          <a:stretch>
-            <a:fillRect/>
-          </a:stretch>
-        </p:blipFill>
-        <p:spPr>
-          <a:xfrm>
-            <a:off x="6605195" y="3810000"/>
-            <a:ext cx="952500" cy="952500"/>
-          </a:xfrm>
-          <a:prstGeom prst="rect">
-            <a:avLst/>
-          </a:prstGeom>
-        </p:spPr>
-      </p:pic>
-      <p:pic>
-        <p:nvPicPr>
           <p:cNvPr id="70" name="그림 69">
             <a:extLst>
               <a:ext uri="{FF2B5EF4-FFF2-40B4-BE49-F238E27FC236}">
@@ -8684,7 +8220,7 @@
           <p:nvPr/>
         </p:nvPicPr>
         <p:blipFill>
-          <a:blip r:embed="rId2">
+          <a:blip r:embed="rId3">
             <a:extLst>
               <a:ext uri="{28A0092B-C50C-407E-A947-70E740481C1C}">
                 <a14:useLocalDpi xmlns:a14="http://schemas.microsoft.com/office/drawing/2010/main" val="0"/>
@@ -8720,21 +8256,21 @@
           <p:nvPr/>
         </p:nvPicPr>
         <p:blipFill>
-          <a:blip r:embed="rId2">
-            <a:extLst>
-              <a:ext uri="{28A0092B-C50C-407E-A947-70E740481C1C}">
-                <a14:useLocalDpi xmlns:a14="http://schemas.microsoft.com/office/drawing/2010/main" val="0"/>
-              </a:ext>
-            </a:extLst>
-          </a:blip>
-          <a:stretch>
-            <a:fillRect/>
-          </a:stretch>
-        </p:blipFill>
-        <p:spPr>
-          <a:xfrm>
-            <a:off x="8479570" y="3810000"/>
-            <a:ext cx="952500" cy="952500"/>
+          <a:blip r:embed="rId3">
+            <a:extLst>
+              <a:ext uri="{28A0092B-C50C-407E-A947-70E740481C1C}">
+                <a14:useLocalDpi xmlns:a14="http://schemas.microsoft.com/office/drawing/2010/main" val="0"/>
+              </a:ext>
+            </a:extLst>
+          </a:blip>
+          <a:stretch>
+            <a:fillRect/>
+          </a:stretch>
+        </p:blipFill>
+        <p:spPr>
+          <a:xfrm>
+            <a:off x="8479570" y="3828298"/>
+            <a:ext cx="952500" cy="934202"/>
           </a:xfrm>
           <a:prstGeom prst="rect">
             <a:avLst/>
@@ -8756,7 +8292,7 @@
           <p:nvPr/>
         </p:nvPicPr>
         <p:blipFill>
-          <a:blip r:embed="rId2">
+          <a:blip r:embed="rId3">
             <a:extLst>
               <a:ext uri="{28A0092B-C50C-407E-A947-70E740481C1C}">
                 <a14:useLocalDpi xmlns:a14="http://schemas.microsoft.com/office/drawing/2010/main" val="0"/>
@@ -8792,7 +8328,7 @@
           <p:nvPr/>
         </p:nvPicPr>
         <p:blipFill>
-          <a:blip r:embed="rId2">
+          <a:blip r:embed="rId3">
             <a:extLst>
               <a:ext uri="{28A0092B-C50C-407E-A947-70E740481C1C}">
                 <a14:useLocalDpi xmlns:a14="http://schemas.microsoft.com/office/drawing/2010/main" val="0"/>
@@ -8828,7 +8364,7 @@
           <p:nvPr/>
         </p:nvPicPr>
         <p:blipFill>
-          <a:blip r:embed="rId2">
+          <a:blip r:embed="rId3">
             <a:extLst>
               <a:ext uri="{28A0092B-C50C-407E-A947-70E740481C1C}">
                 <a14:useLocalDpi xmlns:a14="http://schemas.microsoft.com/office/drawing/2010/main" val="0"/>
@@ -8864,7 +8400,7 @@
           <p:nvPr/>
         </p:nvPicPr>
         <p:blipFill>
-          <a:blip r:embed="rId2">
+          <a:blip r:embed="rId3">
             <a:extLst>
               <a:ext uri="{28A0092B-C50C-407E-A947-70E740481C1C}">
                 <a14:useLocalDpi xmlns:a14="http://schemas.microsoft.com/office/drawing/2010/main" val="0"/>
@@ -8887,78 +8423,6 @@
       </p:pic>
       <p:pic>
         <p:nvPicPr>
-          <p:cNvPr id="76" name="그림 75">
-            <a:extLst>
-              <a:ext uri="{FF2B5EF4-FFF2-40B4-BE49-F238E27FC236}">
-                <a16:creationId xmlns:a16="http://schemas.microsoft.com/office/drawing/2014/main" id="{D358BAB7-9BCC-2E56-A68E-C5061817FCE6}"/>
-              </a:ext>
-            </a:extLst>
-          </p:cNvPr>
-          <p:cNvPicPr>
-            <a:picLocks noChangeAspect="1"/>
-          </p:cNvPicPr>
-          <p:nvPr/>
-        </p:nvPicPr>
-        <p:blipFill>
-          <a:blip r:embed="rId2">
-            <a:extLst>
-              <a:ext uri="{28A0092B-C50C-407E-A947-70E740481C1C}">
-                <a14:useLocalDpi xmlns:a14="http://schemas.microsoft.com/office/drawing/2010/main" val="0"/>
-              </a:ext>
-            </a:extLst>
-          </a:blip>
-          <a:stretch>
-            <a:fillRect/>
-          </a:stretch>
-        </p:blipFill>
-        <p:spPr>
-          <a:xfrm>
-            <a:off x="933589" y="4762500"/>
-            <a:ext cx="952500" cy="952500"/>
-          </a:xfrm>
-          <a:prstGeom prst="rect">
-            <a:avLst/>
-          </a:prstGeom>
-        </p:spPr>
-      </p:pic>
-      <p:pic>
-        <p:nvPicPr>
-          <p:cNvPr id="77" name="그림 76">
-            <a:extLst>
-              <a:ext uri="{FF2B5EF4-FFF2-40B4-BE49-F238E27FC236}">
-                <a16:creationId xmlns:a16="http://schemas.microsoft.com/office/drawing/2014/main" id="{7E2F5B46-A3E5-14F8-2740-B2AB235D94E4}"/>
-              </a:ext>
-            </a:extLst>
-          </p:cNvPr>
-          <p:cNvPicPr>
-            <a:picLocks noChangeAspect="1"/>
-          </p:cNvPicPr>
-          <p:nvPr/>
-        </p:nvPicPr>
-        <p:blipFill>
-          <a:blip r:embed="rId2">
-            <a:extLst>
-              <a:ext uri="{28A0092B-C50C-407E-A947-70E740481C1C}">
-                <a14:useLocalDpi xmlns:a14="http://schemas.microsoft.com/office/drawing/2010/main" val="0"/>
-              </a:ext>
-            </a:extLst>
-          </a:blip>
-          <a:stretch>
-            <a:fillRect/>
-          </a:stretch>
-        </p:blipFill>
-        <p:spPr>
-          <a:xfrm>
-            <a:off x="1877291" y="4762500"/>
-            <a:ext cx="952500" cy="952500"/>
-          </a:xfrm>
-          <a:prstGeom prst="rect">
-            <a:avLst/>
-          </a:prstGeom>
-        </p:spPr>
-      </p:pic>
-      <p:pic>
-        <p:nvPicPr>
           <p:cNvPr id="78" name="그림 77">
             <a:extLst>
               <a:ext uri="{FF2B5EF4-FFF2-40B4-BE49-F238E27FC236}">
@@ -8972,7 +8436,7 @@
           <p:nvPr/>
         </p:nvPicPr>
         <p:blipFill>
-          <a:blip r:embed="rId2">
+          <a:blip r:embed="rId3">
             <a:extLst>
               <a:ext uri="{28A0092B-C50C-407E-A947-70E740481C1C}">
                 <a14:useLocalDpi xmlns:a14="http://schemas.microsoft.com/office/drawing/2010/main" val="0"/>
@@ -8995,42 +8459,6 @@
       </p:pic>
       <p:pic>
         <p:nvPicPr>
-          <p:cNvPr id="79" name="그림 78">
-            <a:extLst>
-              <a:ext uri="{FF2B5EF4-FFF2-40B4-BE49-F238E27FC236}">
-                <a16:creationId xmlns:a16="http://schemas.microsoft.com/office/drawing/2014/main" id="{FC6C0185-7C92-3A50-DC98-FB9037956E3E}"/>
-              </a:ext>
-            </a:extLst>
-          </p:cNvPr>
-          <p:cNvPicPr>
-            <a:picLocks noChangeAspect="1"/>
-          </p:cNvPicPr>
-          <p:nvPr/>
-        </p:nvPicPr>
-        <p:blipFill>
-          <a:blip r:embed="rId2">
-            <a:extLst>
-              <a:ext uri="{28A0092B-C50C-407E-A947-70E740481C1C}">
-                <a14:useLocalDpi xmlns:a14="http://schemas.microsoft.com/office/drawing/2010/main" val="0"/>
-              </a:ext>
-            </a:extLst>
-          </a:blip>
-          <a:stretch>
-            <a:fillRect/>
-          </a:stretch>
-        </p:blipFill>
-        <p:spPr>
-          <a:xfrm>
-            <a:off x="3735687" y="4762500"/>
-            <a:ext cx="952500" cy="952500"/>
-          </a:xfrm>
-          <a:prstGeom prst="rect">
-            <a:avLst/>
-          </a:prstGeom>
-        </p:spPr>
-      </p:pic>
-      <p:pic>
-        <p:nvPicPr>
           <p:cNvPr id="80" name="그림 79">
             <a:extLst>
               <a:ext uri="{FF2B5EF4-FFF2-40B4-BE49-F238E27FC236}">
@@ -9044,7 +8472,7 @@
           <p:nvPr/>
         </p:nvPicPr>
         <p:blipFill>
-          <a:blip r:embed="rId2">
+          <a:blip r:embed="rId3">
             <a:extLst>
               <a:ext uri="{28A0092B-C50C-407E-A947-70E740481C1C}">
                 <a14:useLocalDpi xmlns:a14="http://schemas.microsoft.com/office/drawing/2010/main" val="0"/>
@@ -9067,42 +8495,6 @@
       </p:pic>
       <p:pic>
         <p:nvPicPr>
-          <p:cNvPr id="81" name="그림 80">
-            <a:extLst>
-              <a:ext uri="{FF2B5EF4-FFF2-40B4-BE49-F238E27FC236}">
-                <a16:creationId xmlns:a16="http://schemas.microsoft.com/office/drawing/2014/main" id="{210790D8-2DCA-52FC-D5E5-0AC497E7E170}"/>
-              </a:ext>
-            </a:extLst>
-          </p:cNvPr>
-          <p:cNvPicPr>
-            <a:picLocks noChangeAspect="1"/>
-          </p:cNvPicPr>
-          <p:nvPr/>
-        </p:nvPicPr>
-        <p:blipFill>
-          <a:blip r:embed="rId2">
-            <a:extLst>
-              <a:ext uri="{28A0092B-C50C-407E-A947-70E740481C1C}">
-                <a14:useLocalDpi xmlns:a14="http://schemas.microsoft.com/office/drawing/2010/main" val="0"/>
-              </a:ext>
-            </a:extLst>
-          </a:blip>
-          <a:stretch>
-            <a:fillRect/>
-          </a:stretch>
-        </p:blipFill>
-        <p:spPr>
-          <a:xfrm>
-            <a:off x="5631872" y="4762500"/>
-            <a:ext cx="952500" cy="952500"/>
-          </a:xfrm>
-          <a:prstGeom prst="rect">
-            <a:avLst/>
-          </a:prstGeom>
-        </p:spPr>
-      </p:pic>
-      <p:pic>
-        <p:nvPicPr>
           <p:cNvPr id="82" name="그림 81">
             <a:extLst>
               <a:ext uri="{FF2B5EF4-FFF2-40B4-BE49-F238E27FC236}">
@@ -9116,7 +8508,7 @@
           <p:nvPr/>
         </p:nvPicPr>
         <p:blipFill>
-          <a:blip r:embed="rId2">
+          <a:blip r:embed="rId3">
             <a:extLst>
               <a:ext uri="{28A0092B-C50C-407E-A947-70E740481C1C}">
                 <a14:useLocalDpi xmlns:a14="http://schemas.microsoft.com/office/drawing/2010/main" val="0"/>
@@ -9139,645 +8531,1149 @@
       </p:pic>
       <p:pic>
         <p:nvPicPr>
-          <p:cNvPr id="83" name="그림 82">
-            <a:extLst>
-              <a:ext uri="{FF2B5EF4-FFF2-40B4-BE49-F238E27FC236}">
-                <a16:creationId xmlns:a16="http://schemas.microsoft.com/office/drawing/2014/main" id="{0C770D4E-7428-41D2-D19D-E3940F71F7A8}"/>
-              </a:ext>
-            </a:extLst>
-          </p:cNvPr>
-          <p:cNvPicPr>
-            <a:picLocks noChangeAspect="1"/>
-          </p:cNvPicPr>
-          <p:nvPr/>
-        </p:nvPicPr>
-        <p:blipFill>
-          <a:blip r:embed="rId2">
-            <a:extLst>
-              <a:ext uri="{28A0092B-C50C-407E-A947-70E740481C1C}">
-                <a14:useLocalDpi xmlns:a14="http://schemas.microsoft.com/office/drawing/2010/main" val="0"/>
-              </a:ext>
-            </a:extLst>
-          </a:blip>
-          <a:stretch>
-            <a:fillRect/>
-          </a:stretch>
-        </p:blipFill>
-        <p:spPr>
-          <a:xfrm>
-            <a:off x="7517505" y="4762500"/>
-            <a:ext cx="952500" cy="952500"/>
-          </a:xfrm>
-          <a:prstGeom prst="rect">
-            <a:avLst/>
-          </a:prstGeom>
-        </p:spPr>
-      </p:pic>
-      <p:pic>
-        <p:nvPicPr>
-          <p:cNvPr id="84" name="그림 83">
-            <a:extLst>
-              <a:ext uri="{FF2B5EF4-FFF2-40B4-BE49-F238E27FC236}">
-                <a16:creationId xmlns:a16="http://schemas.microsoft.com/office/drawing/2014/main" id="{084D3432-B5C1-C479-B224-AACB0D425D81}"/>
-              </a:ext>
-            </a:extLst>
-          </p:cNvPr>
-          <p:cNvPicPr>
-            <a:picLocks noChangeAspect="1"/>
-          </p:cNvPicPr>
-          <p:nvPr/>
-        </p:nvPicPr>
-        <p:blipFill>
-          <a:blip r:embed="rId2">
-            <a:extLst>
-              <a:ext uri="{28A0092B-C50C-407E-A947-70E740481C1C}">
-                <a14:useLocalDpi xmlns:a14="http://schemas.microsoft.com/office/drawing/2010/main" val="0"/>
-              </a:ext>
-            </a:extLst>
-          </a:blip>
-          <a:stretch>
-            <a:fillRect/>
-          </a:stretch>
-        </p:blipFill>
-        <p:spPr>
-          <a:xfrm>
-            <a:off x="8466304" y="4762500"/>
-            <a:ext cx="952500" cy="952500"/>
-          </a:xfrm>
-          <a:prstGeom prst="rect">
-            <a:avLst/>
-          </a:prstGeom>
-        </p:spPr>
-      </p:pic>
-      <p:pic>
-        <p:nvPicPr>
-          <p:cNvPr id="85" name="그림 84">
-            <a:extLst>
-              <a:ext uri="{FF2B5EF4-FFF2-40B4-BE49-F238E27FC236}">
-                <a16:creationId xmlns:a16="http://schemas.microsoft.com/office/drawing/2014/main" id="{9CBC8ADB-7759-96EC-7F3A-99D3F69EB87C}"/>
-              </a:ext>
-            </a:extLst>
-          </p:cNvPr>
-          <p:cNvPicPr>
-            <a:picLocks noChangeAspect="1"/>
-          </p:cNvPicPr>
-          <p:nvPr/>
-        </p:nvPicPr>
-        <p:blipFill>
-          <a:blip r:embed="rId2">
-            <a:extLst>
-              <a:ext uri="{28A0092B-C50C-407E-A947-70E740481C1C}">
-                <a14:useLocalDpi xmlns:a14="http://schemas.microsoft.com/office/drawing/2010/main" val="0"/>
-              </a:ext>
-            </a:extLst>
-          </a:blip>
-          <a:stretch>
-            <a:fillRect/>
-          </a:stretch>
-        </p:blipFill>
-        <p:spPr>
-          <a:xfrm>
-            <a:off x="9410690" y="4762500"/>
-            <a:ext cx="952500" cy="952500"/>
-          </a:xfrm>
-          <a:prstGeom prst="rect">
-            <a:avLst/>
-          </a:prstGeom>
-        </p:spPr>
-      </p:pic>
-      <p:pic>
-        <p:nvPicPr>
-          <p:cNvPr id="86" name="그림 85">
-            <a:extLst>
-              <a:ext uri="{FF2B5EF4-FFF2-40B4-BE49-F238E27FC236}">
-                <a16:creationId xmlns:a16="http://schemas.microsoft.com/office/drawing/2014/main" id="{B16A712E-4021-11BC-053B-FB70227EC2D3}"/>
-              </a:ext>
-            </a:extLst>
-          </p:cNvPr>
-          <p:cNvPicPr>
-            <a:picLocks noChangeAspect="1"/>
-          </p:cNvPicPr>
-          <p:nvPr/>
-        </p:nvPicPr>
-        <p:blipFill>
-          <a:blip r:embed="rId2">
-            <a:extLst>
-              <a:ext uri="{28A0092B-C50C-407E-A947-70E740481C1C}">
-                <a14:useLocalDpi xmlns:a14="http://schemas.microsoft.com/office/drawing/2010/main" val="0"/>
-              </a:ext>
-            </a:extLst>
-          </a:blip>
-          <a:stretch>
-            <a:fillRect/>
-          </a:stretch>
-        </p:blipFill>
-        <p:spPr>
-          <a:xfrm>
-            <a:off x="10355856" y="4762500"/>
-            <a:ext cx="952500" cy="952500"/>
-          </a:xfrm>
-          <a:prstGeom prst="rect">
-            <a:avLst/>
-          </a:prstGeom>
-        </p:spPr>
-      </p:pic>
-      <p:pic>
-        <p:nvPicPr>
-          <p:cNvPr id="87" name="그림 86">
-            <a:extLst>
-              <a:ext uri="{FF2B5EF4-FFF2-40B4-BE49-F238E27FC236}">
-                <a16:creationId xmlns:a16="http://schemas.microsoft.com/office/drawing/2014/main" id="{8F07ACFC-4023-AA64-034E-7DEDB8FC4DFB}"/>
-              </a:ext>
-            </a:extLst>
-          </p:cNvPr>
-          <p:cNvPicPr>
-            <a:picLocks noChangeAspect="1"/>
-          </p:cNvPicPr>
-          <p:nvPr/>
-        </p:nvPicPr>
-        <p:blipFill>
-          <a:blip r:embed="rId2">
-            <a:extLst>
-              <a:ext uri="{28A0092B-C50C-407E-A947-70E740481C1C}">
-                <a14:useLocalDpi xmlns:a14="http://schemas.microsoft.com/office/drawing/2010/main" val="0"/>
-              </a:ext>
-            </a:extLst>
-          </a:blip>
-          <a:stretch>
-            <a:fillRect/>
-          </a:stretch>
-        </p:blipFill>
-        <p:spPr>
-          <a:xfrm>
-            <a:off x="11307460" y="4762500"/>
-            <a:ext cx="952500" cy="952500"/>
-          </a:xfrm>
-          <a:prstGeom prst="rect">
-            <a:avLst/>
-          </a:prstGeom>
-        </p:spPr>
-      </p:pic>
-      <p:pic>
-        <p:nvPicPr>
-          <p:cNvPr id="88" name="그림 87">
-            <a:extLst>
-              <a:ext uri="{FF2B5EF4-FFF2-40B4-BE49-F238E27FC236}">
-                <a16:creationId xmlns:a16="http://schemas.microsoft.com/office/drawing/2014/main" id="{E736F417-50BF-ED7E-D96C-276D7357D041}"/>
-              </a:ext>
-            </a:extLst>
-          </p:cNvPr>
-          <p:cNvPicPr>
-            <a:picLocks noChangeAspect="1"/>
-          </p:cNvPicPr>
-          <p:nvPr/>
-        </p:nvPicPr>
-        <p:blipFill>
-          <a:blip r:embed="rId2">
-            <a:extLst>
-              <a:ext uri="{28A0092B-C50C-407E-A947-70E740481C1C}">
-                <a14:useLocalDpi xmlns:a14="http://schemas.microsoft.com/office/drawing/2010/main" val="0"/>
-              </a:ext>
-            </a:extLst>
-          </a:blip>
-          <a:stretch>
-            <a:fillRect/>
-          </a:stretch>
-        </p:blipFill>
-        <p:spPr>
-          <a:xfrm>
-            <a:off x="-13456" y="5715000"/>
-            <a:ext cx="952500" cy="952500"/>
-          </a:xfrm>
-          <a:prstGeom prst="rect">
-            <a:avLst/>
-          </a:prstGeom>
-        </p:spPr>
-      </p:pic>
-      <p:pic>
-        <p:nvPicPr>
-          <p:cNvPr id="89" name="그림 88">
-            <a:extLst>
-              <a:ext uri="{FF2B5EF4-FFF2-40B4-BE49-F238E27FC236}">
-                <a16:creationId xmlns:a16="http://schemas.microsoft.com/office/drawing/2014/main" id="{9BD55712-3259-E50C-AD1D-605667B39B48}"/>
-              </a:ext>
-            </a:extLst>
-          </p:cNvPr>
-          <p:cNvPicPr>
-            <a:picLocks noChangeAspect="1"/>
-          </p:cNvPicPr>
-          <p:nvPr/>
-        </p:nvPicPr>
-        <p:blipFill>
-          <a:blip r:embed="rId2">
-            <a:extLst>
-              <a:ext uri="{28A0092B-C50C-407E-A947-70E740481C1C}">
-                <a14:useLocalDpi xmlns:a14="http://schemas.microsoft.com/office/drawing/2010/main" val="0"/>
-              </a:ext>
-            </a:extLst>
-          </a:blip>
-          <a:stretch>
-            <a:fillRect/>
-          </a:stretch>
-        </p:blipFill>
-        <p:spPr>
-          <a:xfrm>
-            <a:off x="932515" y="5715000"/>
-            <a:ext cx="952500" cy="952500"/>
-          </a:xfrm>
-          <a:prstGeom prst="rect">
-            <a:avLst/>
-          </a:prstGeom>
-        </p:spPr>
-      </p:pic>
-      <p:pic>
-        <p:nvPicPr>
-          <p:cNvPr id="90" name="그림 89">
-            <a:extLst>
-              <a:ext uri="{FF2B5EF4-FFF2-40B4-BE49-F238E27FC236}">
-                <a16:creationId xmlns:a16="http://schemas.microsoft.com/office/drawing/2014/main" id="{A9C531DD-0E4D-779B-95E2-A53BA6ABA917}"/>
-              </a:ext>
-            </a:extLst>
-          </p:cNvPr>
-          <p:cNvPicPr>
-            <a:picLocks noChangeAspect="1"/>
-          </p:cNvPicPr>
-          <p:nvPr/>
-        </p:nvPicPr>
-        <p:blipFill>
-          <a:blip r:embed="rId2">
-            <a:extLst>
-              <a:ext uri="{28A0092B-C50C-407E-A947-70E740481C1C}">
-                <a14:useLocalDpi xmlns:a14="http://schemas.microsoft.com/office/drawing/2010/main" val="0"/>
-              </a:ext>
-            </a:extLst>
-          </a:blip>
-          <a:stretch>
-            <a:fillRect/>
-          </a:stretch>
-        </p:blipFill>
-        <p:spPr>
-          <a:xfrm>
-            <a:off x="1877274" y="5715000"/>
-            <a:ext cx="952500" cy="952500"/>
-          </a:xfrm>
-          <a:prstGeom prst="rect">
-            <a:avLst/>
-          </a:prstGeom>
-        </p:spPr>
-      </p:pic>
-      <p:pic>
-        <p:nvPicPr>
-          <p:cNvPr id="91" name="그림 90">
-            <a:extLst>
-              <a:ext uri="{FF2B5EF4-FFF2-40B4-BE49-F238E27FC236}">
-                <a16:creationId xmlns:a16="http://schemas.microsoft.com/office/drawing/2014/main" id="{DF72B19E-7534-1975-EB01-324A8E07BB00}"/>
-              </a:ext>
-            </a:extLst>
-          </p:cNvPr>
-          <p:cNvPicPr>
-            <a:picLocks noChangeAspect="1"/>
-          </p:cNvPicPr>
-          <p:nvPr/>
-        </p:nvPicPr>
-        <p:blipFill>
-          <a:blip r:embed="rId2">
-            <a:extLst>
-              <a:ext uri="{28A0092B-C50C-407E-A947-70E740481C1C}">
-                <a14:useLocalDpi xmlns:a14="http://schemas.microsoft.com/office/drawing/2010/main" val="0"/>
-              </a:ext>
-            </a:extLst>
-          </a:blip>
-          <a:stretch>
-            <a:fillRect/>
-          </a:stretch>
-        </p:blipFill>
-        <p:spPr>
-          <a:xfrm>
-            <a:off x="2815106" y="5715000"/>
-            <a:ext cx="952500" cy="952500"/>
-          </a:xfrm>
-          <a:prstGeom prst="rect">
-            <a:avLst/>
-          </a:prstGeom>
-        </p:spPr>
-      </p:pic>
-      <p:pic>
-        <p:nvPicPr>
-          <p:cNvPr id="92" name="그림 91">
-            <a:extLst>
-              <a:ext uri="{FF2B5EF4-FFF2-40B4-BE49-F238E27FC236}">
-                <a16:creationId xmlns:a16="http://schemas.microsoft.com/office/drawing/2014/main" id="{AE3C197C-B8FB-77DC-65A2-35133A8BBE8C}"/>
-              </a:ext>
-            </a:extLst>
-          </p:cNvPr>
-          <p:cNvPicPr>
-            <a:picLocks noChangeAspect="1"/>
-          </p:cNvPicPr>
-          <p:nvPr/>
-        </p:nvPicPr>
-        <p:blipFill>
-          <a:blip r:embed="rId2">
-            <a:extLst>
-              <a:ext uri="{28A0092B-C50C-407E-A947-70E740481C1C}">
-                <a14:useLocalDpi xmlns:a14="http://schemas.microsoft.com/office/drawing/2010/main" val="0"/>
-              </a:ext>
-            </a:extLst>
-          </a:blip>
-          <a:stretch>
-            <a:fillRect/>
-          </a:stretch>
-        </p:blipFill>
-        <p:spPr>
-          <a:xfrm>
-            <a:off x="3758045" y="5715000"/>
-            <a:ext cx="952500" cy="952500"/>
-          </a:xfrm>
-          <a:prstGeom prst="rect">
-            <a:avLst/>
-          </a:prstGeom>
-        </p:spPr>
-      </p:pic>
-      <p:pic>
-        <p:nvPicPr>
-          <p:cNvPr id="93" name="그림 92">
-            <a:extLst>
-              <a:ext uri="{FF2B5EF4-FFF2-40B4-BE49-F238E27FC236}">
-                <a16:creationId xmlns:a16="http://schemas.microsoft.com/office/drawing/2014/main" id="{BC6F750B-C906-0CC5-D945-F2088D478A97}"/>
-              </a:ext>
-            </a:extLst>
-          </p:cNvPr>
-          <p:cNvPicPr>
-            <a:picLocks noChangeAspect="1"/>
-          </p:cNvPicPr>
-          <p:nvPr/>
-        </p:nvPicPr>
-        <p:blipFill>
-          <a:blip r:embed="rId2">
-            <a:extLst>
-              <a:ext uri="{28A0092B-C50C-407E-A947-70E740481C1C}">
-                <a14:useLocalDpi xmlns:a14="http://schemas.microsoft.com/office/drawing/2010/main" val="0"/>
-              </a:ext>
-            </a:extLst>
-          </a:blip>
-          <a:stretch>
-            <a:fillRect/>
-          </a:stretch>
-        </p:blipFill>
-        <p:spPr>
-          <a:xfrm>
-            <a:off x="4704638" y="5715000"/>
-            <a:ext cx="952500" cy="952500"/>
-          </a:xfrm>
-          <a:prstGeom prst="rect">
-            <a:avLst/>
-          </a:prstGeom>
-        </p:spPr>
-      </p:pic>
-      <p:pic>
-        <p:nvPicPr>
-          <p:cNvPr id="94" name="그림 93">
-            <a:extLst>
-              <a:ext uri="{FF2B5EF4-FFF2-40B4-BE49-F238E27FC236}">
-                <a16:creationId xmlns:a16="http://schemas.microsoft.com/office/drawing/2014/main" id="{B95C4C3F-9498-A3D7-5E92-4988A3ADB528}"/>
-              </a:ext>
-            </a:extLst>
-          </p:cNvPr>
-          <p:cNvPicPr>
-            <a:picLocks noChangeAspect="1"/>
-          </p:cNvPicPr>
-          <p:nvPr/>
-        </p:nvPicPr>
-        <p:blipFill>
-          <a:blip r:embed="rId2">
-            <a:extLst>
-              <a:ext uri="{28A0092B-C50C-407E-A947-70E740481C1C}">
-                <a14:useLocalDpi xmlns:a14="http://schemas.microsoft.com/office/drawing/2010/main" val="0"/>
-              </a:ext>
-            </a:extLst>
-          </a:blip>
-          <a:stretch>
-            <a:fillRect/>
-          </a:stretch>
-        </p:blipFill>
-        <p:spPr>
-          <a:xfrm>
-            <a:off x="5657849" y="5715000"/>
-            <a:ext cx="952500" cy="952500"/>
-          </a:xfrm>
-          <a:prstGeom prst="rect">
-            <a:avLst/>
-          </a:prstGeom>
-        </p:spPr>
-      </p:pic>
-      <p:pic>
-        <p:nvPicPr>
-          <p:cNvPr id="95" name="그림 94">
-            <a:extLst>
-              <a:ext uri="{FF2B5EF4-FFF2-40B4-BE49-F238E27FC236}">
-                <a16:creationId xmlns:a16="http://schemas.microsoft.com/office/drawing/2014/main" id="{F49EBD02-CE6F-57C3-09D9-74FC88A319C2}"/>
-              </a:ext>
-            </a:extLst>
-          </p:cNvPr>
-          <p:cNvPicPr>
-            <a:picLocks noChangeAspect="1"/>
-          </p:cNvPicPr>
-          <p:nvPr/>
-        </p:nvPicPr>
-        <p:blipFill>
-          <a:blip r:embed="rId2">
-            <a:extLst>
-              <a:ext uri="{28A0092B-C50C-407E-A947-70E740481C1C}">
-                <a14:useLocalDpi xmlns:a14="http://schemas.microsoft.com/office/drawing/2010/main" val="0"/>
-              </a:ext>
-            </a:extLst>
-          </a:blip>
-          <a:stretch>
-            <a:fillRect/>
-          </a:stretch>
-        </p:blipFill>
-        <p:spPr>
-          <a:xfrm>
-            <a:off x="6605195" y="5715000"/>
-            <a:ext cx="952500" cy="952500"/>
-          </a:xfrm>
-          <a:prstGeom prst="rect">
-            <a:avLst/>
-          </a:prstGeom>
-        </p:spPr>
-      </p:pic>
-      <p:pic>
-        <p:nvPicPr>
-          <p:cNvPr id="96" name="그림 95">
-            <a:extLst>
-              <a:ext uri="{FF2B5EF4-FFF2-40B4-BE49-F238E27FC236}">
-                <a16:creationId xmlns:a16="http://schemas.microsoft.com/office/drawing/2014/main" id="{284B47A3-BEFE-65C2-827A-96C0F47E0FB2}"/>
-              </a:ext>
-            </a:extLst>
-          </p:cNvPr>
-          <p:cNvPicPr>
-            <a:picLocks noChangeAspect="1"/>
-          </p:cNvPicPr>
-          <p:nvPr/>
-        </p:nvPicPr>
-        <p:blipFill>
-          <a:blip r:embed="rId2">
-            <a:extLst>
-              <a:ext uri="{28A0092B-C50C-407E-A947-70E740481C1C}">
-                <a14:useLocalDpi xmlns:a14="http://schemas.microsoft.com/office/drawing/2010/main" val="0"/>
-              </a:ext>
-            </a:extLst>
-          </a:blip>
-          <a:stretch>
-            <a:fillRect/>
-          </a:stretch>
-        </p:blipFill>
-        <p:spPr>
-          <a:xfrm>
-            <a:off x="7550632" y="5715000"/>
-            <a:ext cx="952500" cy="952500"/>
-          </a:xfrm>
-          <a:prstGeom prst="rect">
-            <a:avLst/>
-          </a:prstGeom>
-        </p:spPr>
-      </p:pic>
-      <p:pic>
-        <p:nvPicPr>
-          <p:cNvPr id="97" name="그림 96">
-            <a:extLst>
-              <a:ext uri="{FF2B5EF4-FFF2-40B4-BE49-F238E27FC236}">
-                <a16:creationId xmlns:a16="http://schemas.microsoft.com/office/drawing/2014/main" id="{EE8833BF-497A-1B2C-E4DC-22E9EB755423}"/>
-              </a:ext>
-            </a:extLst>
-          </p:cNvPr>
-          <p:cNvPicPr>
-            <a:picLocks noChangeAspect="1"/>
-          </p:cNvPicPr>
-          <p:nvPr/>
-        </p:nvPicPr>
-        <p:blipFill>
-          <a:blip r:embed="rId2">
-            <a:extLst>
-              <a:ext uri="{28A0092B-C50C-407E-A947-70E740481C1C}">
-                <a14:useLocalDpi xmlns:a14="http://schemas.microsoft.com/office/drawing/2010/main" val="0"/>
-              </a:ext>
-            </a:extLst>
-          </a:blip>
-          <a:stretch>
-            <a:fillRect/>
-          </a:stretch>
-        </p:blipFill>
-        <p:spPr>
-          <a:xfrm>
-            <a:off x="8495408" y="5715000"/>
-            <a:ext cx="952500" cy="952500"/>
-          </a:xfrm>
-          <a:prstGeom prst="rect">
-            <a:avLst/>
-          </a:prstGeom>
-        </p:spPr>
-      </p:pic>
-      <p:pic>
-        <p:nvPicPr>
-          <p:cNvPr id="98" name="그림 97">
-            <a:extLst>
-              <a:ext uri="{FF2B5EF4-FFF2-40B4-BE49-F238E27FC236}">
-                <a16:creationId xmlns:a16="http://schemas.microsoft.com/office/drawing/2014/main" id="{6392275A-19B0-998D-C2D1-6B43E1EA2306}"/>
-              </a:ext>
-            </a:extLst>
-          </p:cNvPr>
-          <p:cNvPicPr>
-            <a:picLocks noChangeAspect="1"/>
-          </p:cNvPicPr>
-          <p:nvPr/>
-        </p:nvPicPr>
-        <p:blipFill>
-          <a:blip r:embed="rId2">
-            <a:extLst>
-              <a:ext uri="{28A0092B-C50C-407E-A947-70E740481C1C}">
-                <a14:useLocalDpi xmlns:a14="http://schemas.microsoft.com/office/drawing/2010/main" val="0"/>
-              </a:ext>
-            </a:extLst>
-          </a:blip>
-          <a:stretch>
-            <a:fillRect/>
-          </a:stretch>
-        </p:blipFill>
-        <p:spPr>
-          <a:xfrm>
-            <a:off x="9432070" y="5715000"/>
-            <a:ext cx="952500" cy="952500"/>
-          </a:xfrm>
-          <a:prstGeom prst="rect">
-            <a:avLst/>
-          </a:prstGeom>
-        </p:spPr>
-      </p:pic>
-      <p:pic>
-        <p:nvPicPr>
-          <p:cNvPr id="99" name="그림 98">
-            <a:extLst>
-              <a:ext uri="{FF2B5EF4-FFF2-40B4-BE49-F238E27FC236}">
-                <a16:creationId xmlns:a16="http://schemas.microsoft.com/office/drawing/2014/main" id="{217CDB79-0630-5FB6-B418-6B01978348EC}"/>
-              </a:ext>
-            </a:extLst>
-          </p:cNvPr>
-          <p:cNvPicPr>
-            <a:picLocks noChangeAspect="1"/>
-          </p:cNvPicPr>
-          <p:nvPr/>
-        </p:nvPicPr>
-        <p:blipFill>
-          <a:blip r:embed="rId2">
-            <a:extLst>
-              <a:ext uri="{28A0092B-C50C-407E-A947-70E740481C1C}">
-                <a14:useLocalDpi xmlns:a14="http://schemas.microsoft.com/office/drawing/2010/main" val="0"/>
-              </a:ext>
-            </a:extLst>
-          </a:blip>
-          <a:stretch>
-            <a:fillRect/>
-          </a:stretch>
-        </p:blipFill>
-        <p:spPr>
-          <a:xfrm>
-            <a:off x="10384570" y="5715000"/>
-            <a:ext cx="952500" cy="952500"/>
-          </a:xfrm>
-          <a:prstGeom prst="rect">
-            <a:avLst/>
-          </a:prstGeom>
-        </p:spPr>
-      </p:pic>
-      <p:pic>
-        <p:nvPicPr>
-          <p:cNvPr id="100" name="그림 99">
-            <a:extLst>
-              <a:ext uri="{FF2B5EF4-FFF2-40B4-BE49-F238E27FC236}">
-                <a16:creationId xmlns:a16="http://schemas.microsoft.com/office/drawing/2014/main" id="{AFA0F82C-107B-504A-F0A8-82AD9597D985}"/>
-              </a:ext>
-            </a:extLst>
-          </p:cNvPr>
-          <p:cNvPicPr>
-            <a:picLocks noChangeAspect="1"/>
-          </p:cNvPicPr>
-          <p:nvPr/>
-        </p:nvPicPr>
-        <p:blipFill>
-          <a:blip r:embed="rId2">
-            <a:extLst>
-              <a:ext uri="{28A0092B-C50C-407E-A947-70E740481C1C}">
-                <a14:useLocalDpi xmlns:a14="http://schemas.microsoft.com/office/drawing/2010/main" val="0"/>
-              </a:ext>
-            </a:extLst>
-          </a:blip>
-          <a:stretch>
-            <a:fillRect/>
-          </a:stretch>
-        </p:blipFill>
-        <p:spPr>
-          <a:xfrm>
-            <a:off x="11292518" y="5715000"/>
+          <p:cNvPr id="11" name="그림 10" descr="은, 레버, 키보드이(가) 표시된 사진&#10;&#10;자동 생성된 설명">
+            <a:extLst>
+              <a:ext uri="{FF2B5EF4-FFF2-40B4-BE49-F238E27FC236}">
+                <a16:creationId xmlns:a16="http://schemas.microsoft.com/office/drawing/2014/main" id="{7AC490E3-8191-E05F-6DEF-D8F24C72BA39}"/>
+              </a:ext>
+            </a:extLst>
+          </p:cNvPr>
+          <p:cNvPicPr>
+            <a:picLocks noChangeAspect="1"/>
+          </p:cNvPicPr>
+          <p:nvPr/>
+        </p:nvPicPr>
+        <p:blipFill>
+          <a:blip r:embed="rId4">
+            <a:extLst>
+              <a:ext uri="{28A0092B-C50C-407E-A947-70E740481C1C}">
+                <a14:useLocalDpi xmlns:a14="http://schemas.microsoft.com/office/drawing/2010/main" val="0"/>
+              </a:ext>
+            </a:extLst>
+          </a:blip>
+          <a:stretch>
+            <a:fillRect/>
+          </a:stretch>
+        </p:blipFill>
+        <p:spPr>
+          <a:xfrm>
+            <a:off x="3784536" y="952500"/>
+            <a:ext cx="3810000" cy="952500"/>
+          </a:xfrm>
+          <a:prstGeom prst="rect">
+            <a:avLst/>
+          </a:prstGeom>
+        </p:spPr>
+      </p:pic>
+      <p:pic>
+        <p:nvPicPr>
+          <p:cNvPr id="13" name="그림 12" descr="클립아트, 예술, 일러스트레이션, 만화 영화이(가) 표시된 사진&#10;&#10;자동 생성된 설명">
+            <a:extLst>
+              <a:ext uri="{FF2B5EF4-FFF2-40B4-BE49-F238E27FC236}">
+                <a16:creationId xmlns:a16="http://schemas.microsoft.com/office/drawing/2014/main" id="{151E57AD-352F-8882-12C9-8824123BE8C2}"/>
+              </a:ext>
+            </a:extLst>
+          </p:cNvPr>
+          <p:cNvPicPr>
+            <a:picLocks noChangeAspect="1"/>
+          </p:cNvPicPr>
+          <p:nvPr/>
+        </p:nvPicPr>
+        <p:blipFill>
+          <a:blip r:embed="rId5">
+            <a:extLst>
+              <a:ext uri="{28A0092B-C50C-407E-A947-70E740481C1C}">
+                <a14:useLocalDpi xmlns:a14="http://schemas.microsoft.com/office/drawing/2010/main" val="0"/>
+              </a:ext>
+            </a:extLst>
+          </a:blip>
+          <a:stretch>
+            <a:fillRect/>
+          </a:stretch>
+        </p:blipFill>
+        <p:spPr>
+          <a:xfrm>
+            <a:off x="1847390" y="2815936"/>
+            <a:ext cx="1054938" cy="1016088"/>
+          </a:xfrm>
+          <a:prstGeom prst="rect">
+            <a:avLst/>
+          </a:prstGeom>
+        </p:spPr>
+      </p:pic>
+      <p:pic>
+        <p:nvPicPr>
+          <p:cNvPr id="15" name="그림 14" descr="클립아트, 예술, 일러스트레이션, 만화 영화이(가) 표시된 사진&#10;&#10;자동 생성된 설명">
+            <a:extLst>
+              <a:ext uri="{FF2B5EF4-FFF2-40B4-BE49-F238E27FC236}">
+                <a16:creationId xmlns:a16="http://schemas.microsoft.com/office/drawing/2014/main" id="{10753B89-60E0-B8E0-E64D-56094C364564}"/>
+              </a:ext>
+            </a:extLst>
+          </p:cNvPr>
+          <p:cNvPicPr>
+            <a:picLocks noChangeAspect="1"/>
+          </p:cNvPicPr>
+          <p:nvPr/>
+        </p:nvPicPr>
+        <p:blipFill>
+          <a:blip r:embed="rId5">
+            <a:extLst>
+              <a:ext uri="{28A0092B-C50C-407E-A947-70E740481C1C}">
+                <a14:useLocalDpi xmlns:a14="http://schemas.microsoft.com/office/drawing/2010/main" val="0"/>
+              </a:ext>
+            </a:extLst>
+          </a:blip>
+          <a:stretch>
+            <a:fillRect/>
+          </a:stretch>
+        </p:blipFill>
+        <p:spPr>
+          <a:xfrm>
+            <a:off x="1847120" y="909694"/>
+            <a:ext cx="1016088" cy="1016088"/>
+          </a:xfrm>
+          <a:prstGeom prst="rect">
+            <a:avLst/>
+          </a:prstGeom>
+        </p:spPr>
+      </p:pic>
+      <p:pic>
+        <p:nvPicPr>
+          <p:cNvPr id="17" name="그림 16" descr="일렉트릭 블루, 블루, 마조렐 블루, 스크린샷이(가) 표시된 사진&#10;&#10;자동 생성된 설명">
+            <a:extLst>
+              <a:ext uri="{FF2B5EF4-FFF2-40B4-BE49-F238E27FC236}">
+                <a16:creationId xmlns:a16="http://schemas.microsoft.com/office/drawing/2014/main" id="{8D631A39-AE6F-51C1-D225-8A98BF7E8C1A}"/>
+              </a:ext>
+            </a:extLst>
+          </p:cNvPr>
+          <p:cNvPicPr>
+            <a:picLocks noChangeAspect="1"/>
+          </p:cNvPicPr>
+          <p:nvPr/>
+        </p:nvPicPr>
+        <p:blipFill>
+          <a:blip r:embed="rId6">
+            <a:extLst>
+              <a:ext uri="{28A0092B-C50C-407E-A947-70E740481C1C}">
+                <a14:useLocalDpi xmlns:a14="http://schemas.microsoft.com/office/drawing/2010/main" val="0"/>
+              </a:ext>
+            </a:extLst>
+          </a:blip>
+          <a:stretch>
+            <a:fillRect/>
+          </a:stretch>
+        </p:blipFill>
+        <p:spPr>
+          <a:xfrm>
+            <a:off x="943759" y="1903758"/>
+            <a:ext cx="952500" cy="952500"/>
+          </a:xfrm>
+          <a:prstGeom prst="rect">
+            <a:avLst/>
+          </a:prstGeom>
+        </p:spPr>
+      </p:pic>
+      <p:pic>
+        <p:nvPicPr>
+          <p:cNvPr id="104" name="그림 103" descr="그레이, 패브릭이(가) 표시된 사진&#10;&#10;자동 생성된 설명">
+            <a:extLst>
+              <a:ext uri="{FF2B5EF4-FFF2-40B4-BE49-F238E27FC236}">
+                <a16:creationId xmlns:a16="http://schemas.microsoft.com/office/drawing/2014/main" id="{143833A7-D60F-1D92-B945-FA0301488CB8}"/>
+              </a:ext>
+            </a:extLst>
+          </p:cNvPr>
+          <p:cNvPicPr>
+            <a:picLocks noChangeAspect="1"/>
+          </p:cNvPicPr>
+          <p:nvPr/>
+        </p:nvPicPr>
+        <p:blipFill>
+          <a:blip r:embed="rId7">
+            <a:extLst>
+              <a:ext uri="{28A0092B-C50C-407E-A947-70E740481C1C}">
+                <a14:useLocalDpi xmlns:a14="http://schemas.microsoft.com/office/drawing/2010/main" val="0"/>
+              </a:ext>
+            </a:extLst>
+          </a:blip>
+          <a:stretch>
+            <a:fillRect/>
+          </a:stretch>
+        </p:blipFill>
+        <p:spPr>
+          <a:xfrm>
+            <a:off x="5683697" y="1903758"/>
+            <a:ext cx="952500" cy="952500"/>
+          </a:xfrm>
+          <a:prstGeom prst="rect">
+            <a:avLst/>
+          </a:prstGeom>
+        </p:spPr>
+      </p:pic>
+      <p:pic>
+        <p:nvPicPr>
+          <p:cNvPr id="106" name="그림 105" descr="클립아트이(가) 표시된 사진&#10;&#10;자동 생성된 설명">
+            <a:extLst>
+              <a:ext uri="{FF2B5EF4-FFF2-40B4-BE49-F238E27FC236}">
+                <a16:creationId xmlns:a16="http://schemas.microsoft.com/office/drawing/2014/main" id="{21F3DF4A-ED7C-4988-C0C7-6FC177CD4E29}"/>
+              </a:ext>
+            </a:extLst>
+          </p:cNvPr>
+          <p:cNvPicPr>
+            <a:picLocks noChangeAspect="1"/>
+          </p:cNvPicPr>
+          <p:nvPr/>
+        </p:nvPicPr>
+        <p:blipFill>
+          <a:blip r:embed="rId8">
+            <a:extLst>
+              <a:ext uri="{28A0092B-C50C-407E-A947-70E740481C1C}">
+                <a14:useLocalDpi xmlns:a14="http://schemas.microsoft.com/office/drawing/2010/main" val="0"/>
+              </a:ext>
+            </a:extLst>
+          </a:blip>
+          <a:stretch>
+            <a:fillRect/>
+          </a:stretch>
+        </p:blipFill>
+        <p:spPr>
+          <a:xfrm>
+            <a:off x="1858539" y="1914637"/>
+            <a:ext cx="952633" cy="952633"/>
+          </a:xfrm>
+          <a:prstGeom prst="rect">
+            <a:avLst/>
+          </a:prstGeom>
+        </p:spPr>
+      </p:pic>
+      <p:pic>
+        <p:nvPicPr>
+          <p:cNvPr id="108" name="그림 107" descr="일렉트릭 블루, 블루, 마조렐 블루, 스크린샷이(가) 표시된 사진&#10;&#10;자동 생성된 설명">
+            <a:extLst>
+              <a:ext uri="{FF2B5EF4-FFF2-40B4-BE49-F238E27FC236}">
+                <a16:creationId xmlns:a16="http://schemas.microsoft.com/office/drawing/2014/main" id="{D1C5DD82-2A72-971C-EA3D-C3AF76D2384F}"/>
+              </a:ext>
+            </a:extLst>
+          </p:cNvPr>
+          <p:cNvPicPr>
+            <a:picLocks noChangeAspect="1"/>
+          </p:cNvPicPr>
+          <p:nvPr/>
+        </p:nvPicPr>
+        <p:blipFill>
+          <a:blip r:embed="rId6">
+            <a:extLst>
+              <a:ext uri="{28A0092B-C50C-407E-A947-70E740481C1C}">
+                <a14:useLocalDpi xmlns:a14="http://schemas.microsoft.com/office/drawing/2010/main" val="0"/>
+              </a:ext>
+            </a:extLst>
+          </a:blip>
+          <a:stretch>
+            <a:fillRect/>
+          </a:stretch>
+        </p:blipFill>
+        <p:spPr>
+          <a:xfrm>
+            <a:off x="2823377" y="2835476"/>
+            <a:ext cx="952500" cy="985536"/>
+          </a:xfrm>
+          <a:prstGeom prst="rect">
+            <a:avLst/>
+          </a:prstGeom>
+        </p:spPr>
+      </p:pic>
+      <p:pic>
+        <p:nvPicPr>
+          <p:cNvPr id="110" name="그림 109" descr="일렉트릭 블루, 블루, 마조렐 블루, 스크린샷이(가) 표시된 사진&#10;&#10;자동 생성된 설명">
+            <a:extLst>
+              <a:ext uri="{FF2B5EF4-FFF2-40B4-BE49-F238E27FC236}">
+                <a16:creationId xmlns:a16="http://schemas.microsoft.com/office/drawing/2014/main" id="{01D302A2-599D-2232-F53E-3EFD28943207}"/>
+              </a:ext>
+            </a:extLst>
+          </p:cNvPr>
+          <p:cNvPicPr>
+            <a:picLocks noChangeAspect="1"/>
+          </p:cNvPicPr>
+          <p:nvPr/>
+        </p:nvPicPr>
+        <p:blipFill>
+          <a:blip r:embed="rId6">
+            <a:extLst>
+              <a:ext uri="{28A0092B-C50C-407E-A947-70E740481C1C}">
+                <a14:useLocalDpi xmlns:a14="http://schemas.microsoft.com/office/drawing/2010/main" val="0"/>
+              </a:ext>
+            </a:extLst>
+          </a:blip>
+          <a:stretch>
+            <a:fillRect/>
+          </a:stretch>
+        </p:blipFill>
+        <p:spPr>
+          <a:xfrm>
+            <a:off x="7594279" y="951258"/>
+            <a:ext cx="952500" cy="952500"/>
+          </a:xfrm>
+          <a:prstGeom prst="rect">
+            <a:avLst/>
+          </a:prstGeom>
+        </p:spPr>
+      </p:pic>
+      <p:pic>
+        <p:nvPicPr>
+          <p:cNvPr id="112" name="그림 111" descr="클립아트이(가) 표시된 사진&#10;&#10;자동 생성된 설명">
+            <a:extLst>
+              <a:ext uri="{FF2B5EF4-FFF2-40B4-BE49-F238E27FC236}">
+                <a16:creationId xmlns:a16="http://schemas.microsoft.com/office/drawing/2014/main" id="{272110EB-5054-4CE6-C5D7-6DB875F38511}"/>
+              </a:ext>
+            </a:extLst>
+          </p:cNvPr>
+          <p:cNvPicPr>
+            <a:picLocks noChangeAspect="1"/>
+          </p:cNvPicPr>
+          <p:nvPr/>
+        </p:nvPicPr>
+        <p:blipFill>
+          <a:blip r:embed="rId8">
+            <a:extLst>
+              <a:ext uri="{28A0092B-C50C-407E-A947-70E740481C1C}">
+                <a14:useLocalDpi xmlns:a14="http://schemas.microsoft.com/office/drawing/2010/main" val="0"/>
+              </a:ext>
+            </a:extLst>
+          </a:blip>
+          <a:stretch>
+            <a:fillRect/>
+          </a:stretch>
+        </p:blipFill>
+        <p:spPr>
+          <a:xfrm>
+            <a:off x="7571897" y="1935419"/>
+            <a:ext cx="952633" cy="952633"/>
+          </a:xfrm>
+          <a:prstGeom prst="rect">
+            <a:avLst/>
+          </a:prstGeom>
+        </p:spPr>
+      </p:pic>
+      <p:pic>
+        <p:nvPicPr>
+          <p:cNvPr id="114" name="그림 113" descr="그레이, 패브릭이(가) 표시된 사진&#10;&#10;자동 생성된 설명">
+            <a:extLst>
+              <a:ext uri="{FF2B5EF4-FFF2-40B4-BE49-F238E27FC236}">
+                <a16:creationId xmlns:a16="http://schemas.microsoft.com/office/drawing/2014/main" id="{154DC842-B179-793B-04D9-45519618790E}"/>
+              </a:ext>
+            </a:extLst>
+          </p:cNvPr>
+          <p:cNvPicPr>
+            <a:picLocks noChangeAspect="1"/>
+          </p:cNvPicPr>
+          <p:nvPr/>
+        </p:nvPicPr>
+        <p:blipFill>
+          <a:blip r:embed="rId7">
+            <a:extLst>
+              <a:ext uri="{28A0092B-C50C-407E-A947-70E740481C1C}">
+                <a14:useLocalDpi xmlns:a14="http://schemas.microsoft.com/office/drawing/2010/main" val="0"/>
+              </a:ext>
+            </a:extLst>
+          </a:blip>
+          <a:stretch>
+            <a:fillRect/>
+          </a:stretch>
+        </p:blipFill>
+        <p:spPr>
+          <a:xfrm>
+            <a:off x="-11833" y="3807516"/>
+            <a:ext cx="952500" cy="952500"/>
+          </a:xfrm>
+          <a:prstGeom prst="rect">
+            <a:avLst/>
+          </a:prstGeom>
+        </p:spPr>
+      </p:pic>
+      <p:pic>
+        <p:nvPicPr>
+          <p:cNvPr id="116" name="그림 115">
+            <a:extLst>
+              <a:ext uri="{FF2B5EF4-FFF2-40B4-BE49-F238E27FC236}">
+                <a16:creationId xmlns:a16="http://schemas.microsoft.com/office/drawing/2014/main" id="{93D62369-BCD1-DFE5-1966-F59B21D9F5D0}"/>
+              </a:ext>
+            </a:extLst>
+          </p:cNvPr>
+          <p:cNvPicPr>
+            <a:picLocks noChangeAspect="1"/>
+          </p:cNvPicPr>
+          <p:nvPr/>
+        </p:nvPicPr>
+        <p:blipFill>
+          <a:blip r:embed="rId9">
+            <a:extLst>
+              <a:ext uri="{28A0092B-C50C-407E-A947-70E740481C1C}">
+                <a14:useLocalDpi xmlns:a14="http://schemas.microsoft.com/office/drawing/2010/main" val="0"/>
+              </a:ext>
+            </a:extLst>
+          </a:blip>
+          <a:stretch>
+            <a:fillRect/>
+          </a:stretch>
+        </p:blipFill>
+        <p:spPr>
+          <a:xfrm>
+            <a:off x="-1" y="5734540"/>
+            <a:ext cx="12245019" cy="1123460"/>
+          </a:xfrm>
+          <a:prstGeom prst="rect">
+            <a:avLst/>
+          </a:prstGeom>
+        </p:spPr>
+      </p:pic>
+      <p:pic>
+        <p:nvPicPr>
+          <p:cNvPr id="118" name="그림 117" descr="일렉트릭 블루, 블루, 마조렐 블루, 스크린샷이(가) 표시된 사진&#10;&#10;자동 생성된 설명">
+            <a:extLst>
+              <a:ext uri="{FF2B5EF4-FFF2-40B4-BE49-F238E27FC236}">
+                <a16:creationId xmlns:a16="http://schemas.microsoft.com/office/drawing/2014/main" id="{7525C22B-261E-A269-0E2C-1EC62DB27B3B}"/>
+              </a:ext>
+            </a:extLst>
+          </p:cNvPr>
+          <p:cNvPicPr>
+            <a:picLocks noChangeAspect="1"/>
+          </p:cNvPicPr>
+          <p:nvPr/>
+        </p:nvPicPr>
+        <p:blipFill>
+          <a:blip r:embed="rId6">
+            <a:extLst>
+              <a:ext uri="{28A0092B-C50C-407E-A947-70E740481C1C}">
+                <a14:useLocalDpi xmlns:a14="http://schemas.microsoft.com/office/drawing/2010/main" val="0"/>
+              </a:ext>
+            </a:extLst>
+          </a:blip>
+          <a:stretch>
+            <a:fillRect/>
+          </a:stretch>
+        </p:blipFill>
+        <p:spPr>
+          <a:xfrm>
+            <a:off x="3750634" y="4750867"/>
+            <a:ext cx="952500" cy="952500"/>
+          </a:xfrm>
+          <a:prstGeom prst="rect">
+            <a:avLst/>
+          </a:prstGeom>
+        </p:spPr>
+      </p:pic>
+      <p:pic>
+        <p:nvPicPr>
+          <p:cNvPr id="120" name="그림 119" descr="클립아트, 예술, 일러스트레이션, 만화 영화이(가) 표시된 사진&#10;&#10;자동 생성된 설명">
+            <a:extLst>
+              <a:ext uri="{FF2B5EF4-FFF2-40B4-BE49-F238E27FC236}">
+                <a16:creationId xmlns:a16="http://schemas.microsoft.com/office/drawing/2014/main" id="{0EE45B9E-9B81-E20B-BD4A-830E496F42DF}"/>
+              </a:ext>
+            </a:extLst>
+          </p:cNvPr>
+          <p:cNvPicPr>
+            <a:picLocks noChangeAspect="1"/>
+          </p:cNvPicPr>
+          <p:nvPr/>
+        </p:nvPicPr>
+        <p:blipFill>
+          <a:blip r:embed="rId5">
+            <a:extLst>
+              <a:ext uri="{28A0092B-C50C-407E-A947-70E740481C1C}">
+                <a14:useLocalDpi xmlns:a14="http://schemas.microsoft.com/office/drawing/2010/main" val="0"/>
+              </a:ext>
+            </a:extLst>
+          </a:blip>
+          <a:stretch>
+            <a:fillRect/>
+          </a:stretch>
+        </p:blipFill>
+        <p:spPr>
+          <a:xfrm>
+            <a:off x="9389918" y="4750867"/>
+            <a:ext cx="1016088" cy="1016088"/>
+          </a:xfrm>
+          <a:prstGeom prst="rect">
+            <a:avLst/>
+          </a:prstGeom>
+        </p:spPr>
+      </p:pic>
+      <p:pic>
+        <p:nvPicPr>
+          <p:cNvPr id="122" name="그림 121" descr="그레이, 패브릭이(가) 표시된 사진&#10;&#10;자동 생성된 설명">
+            <a:extLst>
+              <a:ext uri="{FF2B5EF4-FFF2-40B4-BE49-F238E27FC236}">
+                <a16:creationId xmlns:a16="http://schemas.microsoft.com/office/drawing/2014/main" id="{D2F30431-DAC1-E59B-2A33-5EB2966CC060}"/>
+              </a:ext>
+            </a:extLst>
+          </p:cNvPr>
+          <p:cNvPicPr>
+            <a:picLocks noChangeAspect="1"/>
+          </p:cNvPicPr>
+          <p:nvPr/>
+        </p:nvPicPr>
+        <p:blipFill>
+          <a:blip r:embed="rId7">
+            <a:extLst>
+              <a:ext uri="{28A0092B-C50C-407E-A947-70E740481C1C}">
+                <a14:useLocalDpi xmlns:a14="http://schemas.microsoft.com/office/drawing/2010/main" val="0"/>
+              </a:ext>
+            </a:extLst>
+          </a:blip>
+          <a:stretch>
+            <a:fillRect/>
+          </a:stretch>
+        </p:blipFill>
+        <p:spPr>
+          <a:xfrm>
+            <a:off x="10348188" y="4750867"/>
+            <a:ext cx="952500" cy="952500"/>
+          </a:xfrm>
+          <a:prstGeom prst="rect">
+            <a:avLst/>
+          </a:prstGeom>
+        </p:spPr>
+      </p:pic>
+      <p:pic>
+        <p:nvPicPr>
+          <p:cNvPr id="124" name="그림 123" descr="클립아트, 예술, 일러스트레이션, 만화 영화이(가) 표시된 사진&#10;&#10;자동 생성된 설명">
+            <a:extLst>
+              <a:ext uri="{FF2B5EF4-FFF2-40B4-BE49-F238E27FC236}">
+                <a16:creationId xmlns:a16="http://schemas.microsoft.com/office/drawing/2014/main" id="{1883562F-5B81-3888-2512-D8647FBCA48C}"/>
+              </a:ext>
+            </a:extLst>
+          </p:cNvPr>
+          <p:cNvPicPr>
+            <a:picLocks noChangeAspect="1"/>
+          </p:cNvPicPr>
+          <p:nvPr/>
+        </p:nvPicPr>
+        <p:blipFill>
+          <a:blip r:embed="rId5">
+            <a:extLst>
+              <a:ext uri="{28A0092B-C50C-407E-A947-70E740481C1C}">
+                <a14:useLocalDpi xmlns:a14="http://schemas.microsoft.com/office/drawing/2010/main" val="0"/>
+              </a:ext>
+            </a:extLst>
+          </a:blip>
+          <a:stretch>
+            <a:fillRect/>
+          </a:stretch>
+        </p:blipFill>
+        <p:spPr>
+          <a:xfrm>
+            <a:off x="11243008" y="4740476"/>
+            <a:ext cx="1016088" cy="1016088"/>
+          </a:xfrm>
+          <a:prstGeom prst="rect">
+            <a:avLst/>
+          </a:prstGeom>
+        </p:spPr>
+      </p:pic>
+      <p:pic>
+        <p:nvPicPr>
+          <p:cNvPr id="126" name="그림 125" descr="클립아트, 예술, 일러스트레이션, 만화 영화이(가) 표시된 사진&#10;&#10;자동 생성된 설명">
+            <a:extLst>
+              <a:ext uri="{FF2B5EF4-FFF2-40B4-BE49-F238E27FC236}">
+                <a16:creationId xmlns:a16="http://schemas.microsoft.com/office/drawing/2014/main" id="{F499BA04-433A-AA92-2793-F8F06F46A9C7}"/>
+              </a:ext>
+            </a:extLst>
+          </p:cNvPr>
+          <p:cNvPicPr>
+            <a:picLocks noChangeAspect="1"/>
+          </p:cNvPicPr>
+          <p:nvPr/>
+        </p:nvPicPr>
+        <p:blipFill>
+          <a:blip r:embed="rId5">
+            <a:extLst>
+              <a:ext uri="{28A0092B-C50C-407E-A947-70E740481C1C}">
+                <a14:useLocalDpi xmlns:a14="http://schemas.microsoft.com/office/drawing/2010/main" val="0"/>
+              </a:ext>
+            </a:extLst>
+          </a:blip>
+          <a:stretch>
+            <a:fillRect/>
+          </a:stretch>
+        </p:blipFill>
+        <p:spPr>
+          <a:xfrm>
+            <a:off x="7459706" y="4718452"/>
+            <a:ext cx="1016088" cy="1016088"/>
+          </a:xfrm>
+          <a:prstGeom prst="rect">
+            <a:avLst/>
+          </a:prstGeom>
+        </p:spPr>
+      </p:pic>
+      <p:pic>
+        <p:nvPicPr>
+          <p:cNvPr id="128" name="그림 127" descr="클립아트, 예술, 일러스트레이션, 만화 영화이(가) 표시된 사진&#10;&#10;자동 생성된 설명">
+            <a:extLst>
+              <a:ext uri="{FF2B5EF4-FFF2-40B4-BE49-F238E27FC236}">
+                <a16:creationId xmlns:a16="http://schemas.microsoft.com/office/drawing/2014/main" id="{43B08590-C987-BBB9-316C-DA977B6DB13E}"/>
+              </a:ext>
+            </a:extLst>
+          </p:cNvPr>
+          <p:cNvPicPr>
+            <a:picLocks noChangeAspect="1"/>
+          </p:cNvPicPr>
+          <p:nvPr/>
+        </p:nvPicPr>
+        <p:blipFill>
+          <a:blip r:embed="rId5">
+            <a:extLst>
+              <a:ext uri="{28A0092B-C50C-407E-A947-70E740481C1C}">
+                <a14:useLocalDpi xmlns:a14="http://schemas.microsoft.com/office/drawing/2010/main" val="0"/>
+              </a:ext>
+            </a:extLst>
+          </a:blip>
+          <a:stretch>
+            <a:fillRect/>
+          </a:stretch>
+        </p:blipFill>
+        <p:spPr>
+          <a:xfrm>
+            <a:off x="7507737" y="2875798"/>
+            <a:ext cx="1016088" cy="1016088"/>
+          </a:xfrm>
+          <a:prstGeom prst="rect">
+            <a:avLst/>
+          </a:prstGeom>
+        </p:spPr>
+      </p:pic>
+      <p:pic>
+        <p:nvPicPr>
+          <p:cNvPr id="132" name="그림 131" descr="클립아트, 예술, 일러스트레이션, 만화 영화이(가) 표시된 사진&#10;&#10;자동 생성된 설명">
+            <a:extLst>
+              <a:ext uri="{FF2B5EF4-FFF2-40B4-BE49-F238E27FC236}">
+                <a16:creationId xmlns:a16="http://schemas.microsoft.com/office/drawing/2014/main" id="{A2B4EA3D-5E98-6FB9-CEDA-F43A593FA1CF}"/>
+              </a:ext>
+            </a:extLst>
+          </p:cNvPr>
+          <p:cNvPicPr>
+            <a:picLocks noChangeAspect="1"/>
+          </p:cNvPicPr>
+          <p:nvPr/>
+        </p:nvPicPr>
+        <p:blipFill>
+          <a:blip r:embed="rId5">
+            <a:extLst>
+              <a:ext uri="{28A0092B-C50C-407E-A947-70E740481C1C}">
+                <a14:useLocalDpi xmlns:a14="http://schemas.microsoft.com/office/drawing/2010/main" val="0"/>
+              </a:ext>
+            </a:extLst>
+          </a:blip>
+          <a:stretch>
+            <a:fillRect/>
+          </a:stretch>
+        </p:blipFill>
+        <p:spPr>
+          <a:xfrm>
+            <a:off x="5620109" y="4772270"/>
+            <a:ext cx="1016088" cy="1016088"/>
+          </a:xfrm>
+          <a:prstGeom prst="rect">
+            <a:avLst/>
+          </a:prstGeom>
+        </p:spPr>
+      </p:pic>
+      <p:pic>
+        <p:nvPicPr>
+          <p:cNvPr id="134" name="그림 133" descr="일렉트릭 블루, 블루, 마조렐 블루, 스크린샷이(가) 표시된 사진&#10;&#10;자동 생성된 설명">
+            <a:extLst>
+              <a:ext uri="{FF2B5EF4-FFF2-40B4-BE49-F238E27FC236}">
+                <a16:creationId xmlns:a16="http://schemas.microsoft.com/office/drawing/2014/main" id="{33A403B3-06D4-22A7-0166-64093EEDB50B}"/>
+              </a:ext>
+            </a:extLst>
+          </p:cNvPr>
+          <p:cNvPicPr>
+            <a:picLocks noChangeAspect="1"/>
+          </p:cNvPicPr>
+          <p:nvPr/>
+        </p:nvPicPr>
+        <p:blipFill>
+          <a:blip r:embed="rId6">
+            <a:extLst>
+              <a:ext uri="{28A0092B-C50C-407E-A947-70E740481C1C}">
+                <a14:useLocalDpi xmlns:a14="http://schemas.microsoft.com/office/drawing/2010/main" val="0"/>
+              </a:ext>
+            </a:extLst>
+          </a:blip>
+          <a:stretch>
+            <a:fillRect/>
+          </a:stretch>
+        </p:blipFill>
+        <p:spPr>
+          <a:xfrm>
+            <a:off x="6596962" y="3814885"/>
+            <a:ext cx="952500" cy="952500"/>
+          </a:xfrm>
+          <a:prstGeom prst="rect">
+            <a:avLst/>
+          </a:prstGeom>
+        </p:spPr>
+      </p:pic>
+      <p:pic>
+        <p:nvPicPr>
+          <p:cNvPr id="136" name="그림 135" descr="일렉트릭 블루, 블루, 마조렐 블루, 스크린샷이(가) 표시된 사진&#10;&#10;자동 생성된 설명">
+            <a:extLst>
+              <a:ext uri="{FF2B5EF4-FFF2-40B4-BE49-F238E27FC236}">
+                <a16:creationId xmlns:a16="http://schemas.microsoft.com/office/drawing/2014/main" id="{EAF87CB9-8E8F-6246-FD02-869327BFFD3B}"/>
+              </a:ext>
+            </a:extLst>
+          </p:cNvPr>
+          <p:cNvPicPr>
+            <a:picLocks noChangeAspect="1"/>
+          </p:cNvPicPr>
+          <p:nvPr/>
+        </p:nvPicPr>
+        <p:blipFill>
+          <a:blip r:embed="rId6">
+            <a:extLst>
+              <a:ext uri="{28A0092B-C50C-407E-A947-70E740481C1C}">
+                <a14:useLocalDpi xmlns:a14="http://schemas.microsoft.com/office/drawing/2010/main" val="0"/>
+              </a:ext>
+            </a:extLst>
+          </a:blip>
+          <a:stretch>
+            <a:fillRect/>
+          </a:stretch>
+        </p:blipFill>
+        <p:spPr>
+          <a:xfrm>
+            <a:off x="8508366" y="2857500"/>
+            <a:ext cx="952500" cy="967155"/>
+          </a:xfrm>
+          <a:prstGeom prst="rect">
+            <a:avLst/>
+          </a:prstGeom>
+        </p:spPr>
+      </p:pic>
+      <p:pic>
+        <p:nvPicPr>
+          <p:cNvPr id="138" name="그림 137" descr="일렉트릭 블루, 블루, 마조렐 블루, 스크린샷이(가) 표시된 사진&#10;&#10;자동 생성된 설명">
+            <a:extLst>
+              <a:ext uri="{FF2B5EF4-FFF2-40B4-BE49-F238E27FC236}">
+                <a16:creationId xmlns:a16="http://schemas.microsoft.com/office/drawing/2014/main" id="{1EF62E1D-B223-D7BD-07A5-DB8E1A31C550}"/>
+              </a:ext>
+            </a:extLst>
+          </p:cNvPr>
+          <p:cNvPicPr>
+            <a:picLocks noChangeAspect="1"/>
+          </p:cNvPicPr>
+          <p:nvPr/>
+        </p:nvPicPr>
+        <p:blipFill>
+          <a:blip r:embed="rId6">
+            <a:extLst>
+              <a:ext uri="{28A0092B-C50C-407E-A947-70E740481C1C}">
+                <a14:useLocalDpi xmlns:a14="http://schemas.microsoft.com/office/drawing/2010/main" val="0"/>
+              </a:ext>
+            </a:extLst>
+          </a:blip>
+          <a:stretch>
+            <a:fillRect/>
+          </a:stretch>
+        </p:blipFill>
+        <p:spPr>
+          <a:xfrm>
+            <a:off x="9453589" y="2857500"/>
+            <a:ext cx="952500" cy="952500"/>
+          </a:xfrm>
+          <a:prstGeom prst="rect">
+            <a:avLst/>
+          </a:prstGeom>
+        </p:spPr>
+      </p:pic>
+      <p:pic>
+        <p:nvPicPr>
+          <p:cNvPr id="140" name="그림 139" descr="일렉트릭 블루, 블루, 마조렐 블루, 스크린샷이(가) 표시된 사진&#10;&#10;자동 생성된 설명">
+            <a:extLst>
+              <a:ext uri="{FF2B5EF4-FFF2-40B4-BE49-F238E27FC236}">
+                <a16:creationId xmlns:a16="http://schemas.microsoft.com/office/drawing/2014/main" id="{5FEFE51C-1DAE-FBA6-F66D-1F298B8D23EF}"/>
+              </a:ext>
+            </a:extLst>
+          </p:cNvPr>
+          <p:cNvPicPr>
+            <a:picLocks noChangeAspect="1"/>
+          </p:cNvPicPr>
+          <p:nvPr/>
+        </p:nvPicPr>
+        <p:blipFill>
+          <a:blip r:embed="rId6">
+            <a:extLst>
+              <a:ext uri="{28A0092B-C50C-407E-A947-70E740481C1C}">
+                <a14:useLocalDpi xmlns:a14="http://schemas.microsoft.com/office/drawing/2010/main" val="0"/>
+              </a:ext>
+            </a:extLst>
+          </a:blip>
+          <a:stretch>
+            <a:fillRect/>
+          </a:stretch>
+        </p:blipFill>
+        <p:spPr>
+          <a:xfrm>
+            <a:off x="11334806" y="1903758"/>
+            <a:ext cx="952500" cy="952500"/>
+          </a:xfrm>
+          <a:prstGeom prst="rect">
+            <a:avLst/>
+          </a:prstGeom>
+        </p:spPr>
+      </p:pic>
+      <p:pic>
+        <p:nvPicPr>
+          <p:cNvPr id="142" name="그림 141" descr="일렉트릭 블루, 블루, 마조렐 블루, 스크린샷이(가) 표시된 사진&#10;&#10;자동 생성된 설명">
+            <a:extLst>
+              <a:ext uri="{FF2B5EF4-FFF2-40B4-BE49-F238E27FC236}">
+                <a16:creationId xmlns:a16="http://schemas.microsoft.com/office/drawing/2014/main" id="{80FBD0F3-ACDF-7479-721B-D4E44D38E7EE}"/>
+              </a:ext>
+            </a:extLst>
+          </p:cNvPr>
+          <p:cNvPicPr>
+            <a:picLocks noChangeAspect="1"/>
+          </p:cNvPicPr>
+          <p:nvPr/>
+        </p:nvPicPr>
+        <p:blipFill>
+          <a:blip r:embed="rId6">
+            <a:extLst>
+              <a:ext uri="{28A0092B-C50C-407E-A947-70E740481C1C}">
+                <a14:useLocalDpi xmlns:a14="http://schemas.microsoft.com/office/drawing/2010/main" val="0"/>
+              </a:ext>
+            </a:extLst>
+          </a:blip>
+          <a:stretch>
+            <a:fillRect/>
+          </a:stretch>
+        </p:blipFill>
+        <p:spPr>
+          <a:xfrm>
+            <a:off x="11342571" y="2858742"/>
+            <a:ext cx="952500" cy="952500"/>
+          </a:xfrm>
+          <a:prstGeom prst="rect">
+            <a:avLst/>
+          </a:prstGeom>
+        </p:spPr>
+      </p:pic>
+      <p:pic>
+        <p:nvPicPr>
+          <p:cNvPr id="144" name="그림 143" descr="그레이, 패브릭이(가) 표시된 사진&#10;&#10;자동 생성된 설명">
+            <a:extLst>
+              <a:ext uri="{FF2B5EF4-FFF2-40B4-BE49-F238E27FC236}">
+                <a16:creationId xmlns:a16="http://schemas.microsoft.com/office/drawing/2014/main" id="{17B18AB3-EA04-AC9B-4A00-6E41683FA012}"/>
+              </a:ext>
+            </a:extLst>
+          </p:cNvPr>
+          <p:cNvPicPr>
+            <a:picLocks noChangeAspect="1"/>
+          </p:cNvPicPr>
+          <p:nvPr/>
+        </p:nvPicPr>
+        <p:blipFill>
+          <a:blip r:embed="rId7">
+            <a:extLst>
+              <a:ext uri="{28A0092B-C50C-407E-A947-70E740481C1C}">
+                <a14:useLocalDpi xmlns:a14="http://schemas.microsoft.com/office/drawing/2010/main" val="0"/>
+              </a:ext>
+            </a:extLst>
+          </a:blip>
+          <a:stretch>
+            <a:fillRect/>
+          </a:stretch>
+        </p:blipFill>
+        <p:spPr>
+          <a:xfrm>
+            <a:off x="9432234" y="959828"/>
+            <a:ext cx="952500" cy="952500"/>
+          </a:xfrm>
+          <a:prstGeom prst="rect">
+            <a:avLst/>
+          </a:prstGeom>
+        </p:spPr>
+      </p:pic>
+      <p:pic>
+        <p:nvPicPr>
+          <p:cNvPr id="146" name="그림 145" descr="일렉트릭 블루, 블루, 마조렐 블루, 스크린샷이(가) 표시된 사진&#10;&#10;자동 생성된 설명">
+            <a:extLst>
+              <a:ext uri="{FF2B5EF4-FFF2-40B4-BE49-F238E27FC236}">
+                <a16:creationId xmlns:a16="http://schemas.microsoft.com/office/drawing/2014/main" id="{C96AA9A9-162C-AFED-5DD0-8ECF1A75C5CF}"/>
+              </a:ext>
+            </a:extLst>
+          </p:cNvPr>
+          <p:cNvPicPr>
+            <a:picLocks noChangeAspect="1"/>
+          </p:cNvPicPr>
+          <p:nvPr/>
+        </p:nvPicPr>
+        <p:blipFill>
+          <a:blip r:embed="rId6">
+            <a:extLst>
+              <a:ext uri="{28A0092B-C50C-407E-A947-70E740481C1C}">
+                <a14:useLocalDpi xmlns:a14="http://schemas.microsoft.com/office/drawing/2010/main" val="0"/>
+              </a:ext>
+            </a:extLst>
+          </a:blip>
+          <a:stretch>
+            <a:fillRect/>
+          </a:stretch>
+        </p:blipFill>
+        <p:spPr>
+          <a:xfrm>
+            <a:off x="932729" y="4762500"/>
+            <a:ext cx="952500" cy="952500"/>
+          </a:xfrm>
+          <a:prstGeom prst="rect">
+            <a:avLst/>
+          </a:prstGeom>
+        </p:spPr>
+      </p:pic>
+      <p:pic>
+        <p:nvPicPr>
+          <p:cNvPr id="148" name="그림 147" descr="갈색, 지상이(가) 표시된 사진&#10;&#10;자동 생성된 설명">
+            <a:extLst>
+              <a:ext uri="{FF2B5EF4-FFF2-40B4-BE49-F238E27FC236}">
+                <a16:creationId xmlns:a16="http://schemas.microsoft.com/office/drawing/2014/main" id="{3D1C5E4B-661A-1EB7-DDE6-AD40E35BB53E}"/>
+              </a:ext>
+            </a:extLst>
+          </p:cNvPr>
+          <p:cNvPicPr>
+            <a:picLocks noChangeAspect="1"/>
+          </p:cNvPicPr>
+          <p:nvPr/>
+        </p:nvPicPr>
+        <p:blipFill>
+          <a:blip r:embed="rId3">
+            <a:extLst>
+              <a:ext uri="{28A0092B-C50C-407E-A947-70E740481C1C}">
+                <a14:useLocalDpi xmlns:a14="http://schemas.microsoft.com/office/drawing/2010/main" val="0"/>
+              </a:ext>
+            </a:extLst>
+          </a:blip>
+          <a:stretch>
+            <a:fillRect/>
+          </a:stretch>
+        </p:blipFill>
+        <p:spPr>
+          <a:xfrm>
+            <a:off x="4737036" y="1902516"/>
+            <a:ext cx="952500" cy="952500"/>
+          </a:xfrm>
+          <a:prstGeom prst="rect">
+            <a:avLst/>
+          </a:prstGeom>
+        </p:spPr>
+      </p:pic>
+      <p:pic>
+        <p:nvPicPr>
+          <p:cNvPr id="150" name="그림 149" descr="그레이, 패브릭이(가) 표시된 사진&#10;&#10;자동 생성된 설명">
+            <a:extLst>
+              <a:ext uri="{FF2B5EF4-FFF2-40B4-BE49-F238E27FC236}">
+                <a16:creationId xmlns:a16="http://schemas.microsoft.com/office/drawing/2014/main" id="{92B4EF40-22AD-D73F-511D-4DB1B6AC02A0}"/>
+              </a:ext>
+            </a:extLst>
+          </p:cNvPr>
+          <p:cNvPicPr>
+            <a:picLocks noChangeAspect="1"/>
+          </p:cNvPicPr>
+          <p:nvPr/>
+        </p:nvPicPr>
+        <p:blipFill>
+          <a:blip r:embed="rId7">
+            <a:extLst>
+              <a:ext uri="{28A0092B-C50C-407E-A947-70E740481C1C}">
+                <a14:useLocalDpi xmlns:a14="http://schemas.microsoft.com/office/drawing/2010/main" val="0"/>
+              </a:ext>
+            </a:extLst>
+          </a:blip>
+          <a:stretch>
+            <a:fillRect/>
+          </a:stretch>
+        </p:blipFill>
+        <p:spPr>
+          <a:xfrm>
+            <a:off x="3770263" y="2846488"/>
+            <a:ext cx="952500" cy="967466"/>
+          </a:xfrm>
+          <a:prstGeom prst="rect">
+            <a:avLst/>
+          </a:prstGeom>
+        </p:spPr>
+      </p:pic>
+      <p:pic>
+        <p:nvPicPr>
+          <p:cNvPr id="152" name="그림 151" descr="일렉트릭 블루, 블루, 마조렐 블루, 스크린샷이(가) 표시된 사진&#10;&#10;자동 생성된 설명">
+            <a:extLst>
+              <a:ext uri="{FF2B5EF4-FFF2-40B4-BE49-F238E27FC236}">
+                <a16:creationId xmlns:a16="http://schemas.microsoft.com/office/drawing/2014/main" id="{8F873E6E-7793-8E96-B7F6-1F6F28FFC0DF}"/>
+              </a:ext>
+            </a:extLst>
+          </p:cNvPr>
+          <p:cNvPicPr>
+            <a:picLocks noChangeAspect="1"/>
+          </p:cNvPicPr>
+          <p:nvPr/>
+        </p:nvPicPr>
+        <p:blipFill>
+          <a:blip r:embed="rId6">
+            <a:extLst>
+              <a:ext uri="{28A0092B-C50C-407E-A947-70E740481C1C}">
+                <a14:useLocalDpi xmlns:a14="http://schemas.microsoft.com/office/drawing/2010/main" val="0"/>
+              </a:ext>
+            </a:extLst>
+          </a:blip>
+          <a:stretch>
+            <a:fillRect/>
+          </a:stretch>
+        </p:blipFill>
+        <p:spPr>
+          <a:xfrm>
+            <a:off x="1878914" y="4762500"/>
+            <a:ext cx="952500" cy="952500"/>
+          </a:xfrm>
+          <a:prstGeom prst="rect">
+            <a:avLst/>
+          </a:prstGeom>
+        </p:spPr>
+      </p:pic>
+      <p:pic>
+        <p:nvPicPr>
+          <p:cNvPr id="154" name="그림 153" descr="그레이, 패브릭이(가) 표시된 사진&#10;&#10;자동 생성된 설명">
+            <a:extLst>
+              <a:ext uri="{FF2B5EF4-FFF2-40B4-BE49-F238E27FC236}">
+                <a16:creationId xmlns:a16="http://schemas.microsoft.com/office/drawing/2014/main" id="{5D34CA9C-BA95-074C-E1B0-6ADBA85BC061}"/>
+              </a:ext>
+            </a:extLst>
+          </p:cNvPr>
+          <p:cNvPicPr>
+            <a:picLocks noChangeAspect="1"/>
+          </p:cNvPicPr>
+          <p:nvPr/>
+        </p:nvPicPr>
+        <p:blipFill>
+          <a:blip r:embed="rId7">
+            <a:extLst>
+              <a:ext uri="{28A0092B-C50C-407E-A947-70E740481C1C}">
+                <a14:useLocalDpi xmlns:a14="http://schemas.microsoft.com/office/drawing/2010/main" val="0"/>
+              </a:ext>
+            </a:extLst>
+          </a:blip>
+          <a:stretch>
+            <a:fillRect/>
+          </a:stretch>
+        </p:blipFill>
+        <p:spPr>
+          <a:xfrm>
+            <a:off x="2814350" y="3825587"/>
+            <a:ext cx="952500" cy="952500"/>
+          </a:xfrm>
+          <a:prstGeom prst="rect">
+            <a:avLst/>
+          </a:prstGeom>
+        </p:spPr>
+      </p:pic>
+      <p:pic>
+        <p:nvPicPr>
+          <p:cNvPr id="156" name="그림 155" descr="일렉트릭 블루, 블루, 마조렐 블루, 스크린샷이(가) 표시된 사진&#10;&#10;자동 생성된 설명">
+            <a:extLst>
+              <a:ext uri="{FF2B5EF4-FFF2-40B4-BE49-F238E27FC236}">
+                <a16:creationId xmlns:a16="http://schemas.microsoft.com/office/drawing/2014/main" id="{60D635DE-C35C-4597-B465-7E32650BCC43}"/>
+              </a:ext>
+            </a:extLst>
+          </p:cNvPr>
+          <p:cNvPicPr>
+            <a:picLocks noChangeAspect="1"/>
+          </p:cNvPicPr>
+          <p:nvPr/>
+        </p:nvPicPr>
+        <p:blipFill>
+          <a:blip r:embed="rId6">
+            <a:extLst>
+              <a:ext uri="{28A0092B-C50C-407E-A947-70E740481C1C}">
+                <a14:useLocalDpi xmlns:a14="http://schemas.microsoft.com/office/drawing/2010/main" val="0"/>
+              </a:ext>
+            </a:extLst>
+          </a:blip>
+          <a:stretch>
+            <a:fillRect/>
+          </a:stretch>
+        </p:blipFill>
+        <p:spPr>
+          <a:xfrm>
+            <a:off x="8444207" y="4762500"/>
+            <a:ext cx="952500" cy="952500"/>
+          </a:xfrm>
+          <a:prstGeom prst="rect">
+            <a:avLst/>
+          </a:prstGeom>
+        </p:spPr>
+      </p:pic>
+      <p:pic>
+        <p:nvPicPr>
+          <p:cNvPr id="158" name="그림 157" descr="일렉트릭 블루, 블루, 마조렐 블루, 스크린샷이(가) 표시된 사진&#10;&#10;자동 생성된 설명">
+            <a:extLst>
+              <a:ext uri="{FF2B5EF4-FFF2-40B4-BE49-F238E27FC236}">
+                <a16:creationId xmlns:a16="http://schemas.microsoft.com/office/drawing/2014/main" id="{2E0225F0-F8A7-080C-0EF6-EEF47714E07F}"/>
+              </a:ext>
+            </a:extLst>
+          </p:cNvPr>
+          <p:cNvPicPr>
+            <a:picLocks noChangeAspect="1"/>
+          </p:cNvPicPr>
+          <p:nvPr/>
+        </p:nvPicPr>
+        <p:blipFill>
+          <a:blip r:embed="rId6">
+            <a:extLst>
+              <a:ext uri="{28A0092B-C50C-407E-A947-70E740481C1C}">
+                <a14:useLocalDpi xmlns:a14="http://schemas.microsoft.com/office/drawing/2010/main" val="0"/>
+              </a:ext>
+            </a:extLst>
+          </a:blip>
+          <a:stretch>
+            <a:fillRect/>
+          </a:stretch>
+        </p:blipFill>
+        <p:spPr>
+          <a:xfrm>
+            <a:off x="6608402" y="2842845"/>
+            <a:ext cx="952500" cy="980568"/>
+          </a:xfrm>
+          <a:prstGeom prst="rect">
+            <a:avLst/>
+          </a:prstGeom>
+        </p:spPr>
+      </p:pic>
+      <p:pic>
+        <p:nvPicPr>
+          <p:cNvPr id="160" name="그림 159" descr="일렉트릭 블루, 블루, 마조렐 블루, 스크린샷이(가) 표시된 사진&#10;&#10;자동 생성된 설명">
+            <a:extLst>
+              <a:ext uri="{FF2B5EF4-FFF2-40B4-BE49-F238E27FC236}">
+                <a16:creationId xmlns:a16="http://schemas.microsoft.com/office/drawing/2014/main" id="{17F87535-5DD8-8452-2DF9-E1B44155DEBD}"/>
+              </a:ext>
+            </a:extLst>
+          </p:cNvPr>
+          <p:cNvPicPr>
+            <a:picLocks noChangeAspect="1"/>
+          </p:cNvPicPr>
+          <p:nvPr/>
+        </p:nvPicPr>
+        <p:blipFill>
+          <a:blip r:embed="rId6">
+            <a:extLst>
+              <a:ext uri="{28A0092B-C50C-407E-A947-70E740481C1C}">
+                <a14:useLocalDpi xmlns:a14="http://schemas.microsoft.com/office/drawing/2010/main" val="0"/>
+              </a:ext>
+            </a:extLst>
+          </a:blip>
+          <a:stretch>
+            <a:fillRect/>
+          </a:stretch>
+        </p:blipFill>
+        <p:spPr>
+          <a:xfrm>
+            <a:off x="4715968" y="2858742"/>
             <a:ext cx="952500" cy="952500"/>
           </a:xfrm>
           <a:prstGeom prst="rect">
@@ -17251,42 +17147,6 @@
       </p:pic>
       <p:pic>
         <p:nvPicPr>
-          <p:cNvPr id="41" name="그림 40">
-            <a:extLst>
-              <a:ext uri="{FF2B5EF4-FFF2-40B4-BE49-F238E27FC236}">
-                <a16:creationId xmlns:a16="http://schemas.microsoft.com/office/drawing/2014/main" id="{9EA0C427-4FC0-478C-8A9E-E65BFDEB1C10}"/>
-              </a:ext>
-            </a:extLst>
-          </p:cNvPr>
-          <p:cNvPicPr>
-            <a:picLocks noChangeAspect="1"/>
-          </p:cNvPicPr>
-          <p:nvPr/>
-        </p:nvPicPr>
-        <p:blipFill>
-          <a:blip r:embed="rId2">
-            <a:extLst>
-              <a:ext uri="{28A0092B-C50C-407E-A947-70E740481C1C}">
-                <a14:useLocalDpi xmlns:a14="http://schemas.microsoft.com/office/drawing/2010/main" val="0"/>
-              </a:ext>
-            </a:extLst>
-          </a:blip>
-          <a:stretch>
-            <a:fillRect/>
-          </a:stretch>
-        </p:blipFill>
-        <p:spPr>
-          <a:xfrm>
-            <a:off x="4725698" y="1905000"/>
-            <a:ext cx="952500" cy="952500"/>
-          </a:xfrm>
-          <a:prstGeom prst="rect">
-            <a:avLst/>
-          </a:prstGeom>
-        </p:spPr>
-      </p:pic>
-      <p:pic>
-        <p:nvPicPr>
           <p:cNvPr id="42" name="그림 41">
             <a:extLst>
               <a:ext uri="{FF2B5EF4-FFF2-40B4-BE49-F238E27FC236}">
@@ -17385,8 +17245,8 @@
         </p:blipFill>
         <p:spPr>
           <a:xfrm>
-            <a:off x="9441872" y="1905000"/>
-            <a:ext cx="952500" cy="952500"/>
+            <a:off x="9432070" y="1905000"/>
+            <a:ext cx="962302" cy="952500"/>
           </a:xfrm>
           <a:prstGeom prst="rect">
             <a:avLst/>
@@ -18763,10 +18623,10 @@
       </p:pic>
       <p:pic>
         <p:nvPicPr>
-          <p:cNvPr id="13" name="그림 12" descr="클립아트이(가) 표시된 사진&#10;&#10;자동 생성된 설명">
-            <a:extLst>
-              <a:ext uri="{FF2B5EF4-FFF2-40B4-BE49-F238E27FC236}">
-                <a16:creationId xmlns:a16="http://schemas.microsoft.com/office/drawing/2014/main" id="{9EF2A478-1F5C-08CC-9BEA-E2FC956E6DA7}"/>
+          <p:cNvPr id="15" name="그림 14" descr="그레이, 패브릭이(가) 표시된 사진&#10;&#10;자동 생성된 설명">
+            <a:extLst>
+              <a:ext uri="{FF2B5EF4-FFF2-40B4-BE49-F238E27FC236}">
+                <a16:creationId xmlns:a16="http://schemas.microsoft.com/office/drawing/2014/main" id="{23057F31-E504-53E0-0FA4-BF0DB85E63CD}"/>
               </a:ext>
             </a:extLst>
           </p:cNvPr>
@@ -18789,20 +18649,164 @@
         </p:blipFill>
         <p:spPr>
           <a:xfrm>
-            <a:off x="8487232" y="1904801"/>
-            <a:ext cx="952633" cy="952633"/>
-          </a:xfrm>
-          <a:prstGeom prst="rect">
-            <a:avLst/>
-          </a:prstGeom>
-        </p:spPr>
-      </p:pic>
-      <p:pic>
-        <p:nvPicPr>
-          <p:cNvPr id="15" name="그림 14" descr="그레이, 패브릭이(가) 표시된 사진&#10;&#10;자동 생성된 설명">
-            <a:extLst>
-              <a:ext uri="{FF2B5EF4-FFF2-40B4-BE49-F238E27FC236}">
-                <a16:creationId xmlns:a16="http://schemas.microsoft.com/office/drawing/2014/main" id="{23057F31-E504-53E0-0FA4-BF0DB85E63CD}"/>
+            <a:off x="933843" y="4762500"/>
+            <a:ext cx="952500" cy="952500"/>
+          </a:xfrm>
+          <a:prstGeom prst="rect">
+            <a:avLst/>
+          </a:prstGeom>
+        </p:spPr>
+      </p:pic>
+      <p:pic>
+        <p:nvPicPr>
+          <p:cNvPr id="16" name="그림 15" descr="그레이, 패브릭이(가) 표시된 사진&#10;&#10;자동 생성된 설명">
+            <a:extLst>
+              <a:ext uri="{FF2B5EF4-FFF2-40B4-BE49-F238E27FC236}">
+                <a16:creationId xmlns:a16="http://schemas.microsoft.com/office/drawing/2014/main" id="{119F8367-F097-7AAE-A43B-E7B54F6F87DD}"/>
+              </a:ext>
+            </a:extLst>
+          </p:cNvPr>
+          <p:cNvPicPr>
+            <a:picLocks noChangeAspect="1"/>
+          </p:cNvPicPr>
+          <p:nvPr/>
+        </p:nvPicPr>
+        <p:blipFill>
+          <a:blip r:embed="rId4">
+            <a:extLst>
+              <a:ext uri="{28A0092B-C50C-407E-A947-70E740481C1C}">
+                <a14:useLocalDpi xmlns:a14="http://schemas.microsoft.com/office/drawing/2010/main" val="0"/>
+              </a:ext>
+            </a:extLst>
+          </a:blip>
+          <a:stretch>
+            <a:fillRect/>
+          </a:stretch>
+        </p:blipFill>
+        <p:spPr>
+          <a:xfrm>
+            <a:off x="1866339" y="5715000"/>
+            <a:ext cx="952500" cy="952500"/>
+          </a:xfrm>
+          <a:prstGeom prst="rect">
+            <a:avLst/>
+          </a:prstGeom>
+        </p:spPr>
+      </p:pic>
+      <p:pic>
+        <p:nvPicPr>
+          <p:cNvPr id="17" name="그림 16" descr="그레이, 패브릭이(가) 표시된 사진&#10;&#10;자동 생성된 설명">
+            <a:extLst>
+              <a:ext uri="{FF2B5EF4-FFF2-40B4-BE49-F238E27FC236}">
+                <a16:creationId xmlns:a16="http://schemas.microsoft.com/office/drawing/2014/main" id="{0FCECB42-81F4-E42D-F76B-F86B53C7E7AB}"/>
+              </a:ext>
+            </a:extLst>
+          </p:cNvPr>
+          <p:cNvPicPr>
+            <a:picLocks noChangeAspect="1"/>
+          </p:cNvPicPr>
+          <p:nvPr/>
+        </p:nvPicPr>
+        <p:blipFill>
+          <a:blip r:embed="rId4">
+            <a:extLst>
+              <a:ext uri="{28A0092B-C50C-407E-A947-70E740481C1C}">
+                <a14:useLocalDpi xmlns:a14="http://schemas.microsoft.com/office/drawing/2010/main" val="0"/>
+              </a:ext>
+            </a:extLst>
+          </a:blip>
+          <a:stretch>
+            <a:fillRect/>
+          </a:stretch>
+        </p:blipFill>
+        <p:spPr>
+          <a:xfrm>
+            <a:off x="3767102" y="5715000"/>
+            <a:ext cx="952500" cy="952500"/>
+          </a:xfrm>
+          <a:prstGeom prst="rect">
+            <a:avLst/>
+          </a:prstGeom>
+        </p:spPr>
+      </p:pic>
+      <p:pic>
+        <p:nvPicPr>
+          <p:cNvPr id="101" name="그림 100" descr="그레이, 패브릭이(가) 표시된 사진&#10;&#10;자동 생성된 설명">
+            <a:extLst>
+              <a:ext uri="{FF2B5EF4-FFF2-40B4-BE49-F238E27FC236}">
+                <a16:creationId xmlns:a16="http://schemas.microsoft.com/office/drawing/2014/main" id="{DBA07D43-8D7A-121E-1E4E-8FBC8612B87D}"/>
+              </a:ext>
+            </a:extLst>
+          </p:cNvPr>
+          <p:cNvPicPr>
+            <a:picLocks noChangeAspect="1"/>
+          </p:cNvPicPr>
+          <p:nvPr/>
+        </p:nvPicPr>
+        <p:blipFill>
+          <a:blip r:embed="rId4">
+            <a:extLst>
+              <a:ext uri="{28A0092B-C50C-407E-A947-70E740481C1C}">
+                <a14:useLocalDpi xmlns:a14="http://schemas.microsoft.com/office/drawing/2010/main" val="0"/>
+              </a:ext>
+            </a:extLst>
+          </a:blip>
+          <a:stretch>
+            <a:fillRect/>
+          </a:stretch>
+        </p:blipFill>
+        <p:spPr>
+          <a:xfrm>
+            <a:off x="6605195" y="5715000"/>
+            <a:ext cx="952500" cy="952500"/>
+          </a:xfrm>
+          <a:prstGeom prst="rect">
+            <a:avLst/>
+          </a:prstGeom>
+        </p:spPr>
+      </p:pic>
+      <p:pic>
+        <p:nvPicPr>
+          <p:cNvPr id="102" name="그림 101" descr="그레이, 패브릭이(가) 표시된 사진&#10;&#10;자동 생성된 설명">
+            <a:extLst>
+              <a:ext uri="{FF2B5EF4-FFF2-40B4-BE49-F238E27FC236}">
+                <a16:creationId xmlns:a16="http://schemas.microsoft.com/office/drawing/2014/main" id="{610FE7EA-C061-E8E3-75B1-AAE2B6C3EEC1}"/>
+              </a:ext>
+            </a:extLst>
+          </p:cNvPr>
+          <p:cNvPicPr>
+            <a:picLocks noChangeAspect="1"/>
+          </p:cNvPicPr>
+          <p:nvPr/>
+        </p:nvPicPr>
+        <p:blipFill>
+          <a:blip r:embed="rId4">
+            <a:extLst>
+              <a:ext uri="{28A0092B-C50C-407E-A947-70E740481C1C}">
+                <a14:useLocalDpi xmlns:a14="http://schemas.microsoft.com/office/drawing/2010/main" val="0"/>
+              </a:ext>
+            </a:extLst>
+          </a:blip>
+          <a:stretch>
+            <a:fillRect/>
+          </a:stretch>
+        </p:blipFill>
+        <p:spPr>
+          <a:xfrm>
+            <a:off x="8494375" y="5715000"/>
+            <a:ext cx="952500" cy="952500"/>
+          </a:xfrm>
+          <a:prstGeom prst="rect">
+            <a:avLst/>
+          </a:prstGeom>
+        </p:spPr>
+      </p:pic>
+      <p:pic>
+        <p:nvPicPr>
+          <p:cNvPr id="104" name="그림 103" descr="일렉트릭 블루, 블루, 마조렐 블루, 스크린샷이(가) 표시된 사진&#10;&#10;자동 생성된 설명">
+            <a:extLst>
+              <a:ext uri="{FF2B5EF4-FFF2-40B4-BE49-F238E27FC236}">
+                <a16:creationId xmlns:a16="http://schemas.microsoft.com/office/drawing/2014/main" id="{16B70227-3953-8D72-452C-16F9D683ADD4}"/>
               </a:ext>
             </a:extLst>
           </p:cNvPr>
@@ -18825,164 +18829,20 @@
         </p:blipFill>
         <p:spPr>
           <a:xfrm>
-            <a:off x="933843" y="4762500"/>
-            <a:ext cx="952500" cy="952500"/>
-          </a:xfrm>
-          <a:prstGeom prst="rect">
-            <a:avLst/>
-          </a:prstGeom>
-        </p:spPr>
-      </p:pic>
-      <p:pic>
-        <p:nvPicPr>
-          <p:cNvPr id="16" name="그림 15" descr="그레이, 패브릭이(가) 표시된 사진&#10;&#10;자동 생성된 설명">
-            <a:extLst>
-              <a:ext uri="{FF2B5EF4-FFF2-40B4-BE49-F238E27FC236}">
-                <a16:creationId xmlns:a16="http://schemas.microsoft.com/office/drawing/2014/main" id="{119F8367-F097-7AAE-A43B-E7B54F6F87DD}"/>
-              </a:ext>
-            </a:extLst>
-          </p:cNvPr>
-          <p:cNvPicPr>
-            <a:picLocks noChangeAspect="1"/>
-          </p:cNvPicPr>
-          <p:nvPr/>
-        </p:nvPicPr>
-        <p:blipFill>
-          <a:blip r:embed="rId5">
-            <a:extLst>
-              <a:ext uri="{28A0092B-C50C-407E-A947-70E740481C1C}">
-                <a14:useLocalDpi xmlns:a14="http://schemas.microsoft.com/office/drawing/2010/main" val="0"/>
-              </a:ext>
-            </a:extLst>
-          </a:blip>
-          <a:stretch>
-            <a:fillRect/>
-          </a:stretch>
-        </p:blipFill>
-        <p:spPr>
-          <a:xfrm>
-            <a:off x="1866339" y="5715000"/>
-            <a:ext cx="952500" cy="952500"/>
-          </a:xfrm>
-          <a:prstGeom prst="rect">
-            <a:avLst/>
-          </a:prstGeom>
-        </p:spPr>
-      </p:pic>
-      <p:pic>
-        <p:nvPicPr>
-          <p:cNvPr id="17" name="그림 16" descr="그레이, 패브릭이(가) 표시된 사진&#10;&#10;자동 생성된 설명">
-            <a:extLst>
-              <a:ext uri="{FF2B5EF4-FFF2-40B4-BE49-F238E27FC236}">
-                <a16:creationId xmlns:a16="http://schemas.microsoft.com/office/drawing/2014/main" id="{0FCECB42-81F4-E42D-F76B-F86B53C7E7AB}"/>
-              </a:ext>
-            </a:extLst>
-          </p:cNvPr>
-          <p:cNvPicPr>
-            <a:picLocks noChangeAspect="1"/>
-          </p:cNvPicPr>
-          <p:nvPr/>
-        </p:nvPicPr>
-        <p:blipFill>
-          <a:blip r:embed="rId5">
-            <a:extLst>
-              <a:ext uri="{28A0092B-C50C-407E-A947-70E740481C1C}">
-                <a14:useLocalDpi xmlns:a14="http://schemas.microsoft.com/office/drawing/2010/main" val="0"/>
-              </a:ext>
-            </a:extLst>
-          </a:blip>
-          <a:stretch>
-            <a:fillRect/>
-          </a:stretch>
-        </p:blipFill>
-        <p:spPr>
-          <a:xfrm>
-            <a:off x="3767102" y="5715000"/>
-            <a:ext cx="952500" cy="952500"/>
-          </a:xfrm>
-          <a:prstGeom prst="rect">
-            <a:avLst/>
-          </a:prstGeom>
-        </p:spPr>
-      </p:pic>
-      <p:pic>
-        <p:nvPicPr>
-          <p:cNvPr id="101" name="그림 100" descr="그레이, 패브릭이(가) 표시된 사진&#10;&#10;자동 생성된 설명">
-            <a:extLst>
-              <a:ext uri="{FF2B5EF4-FFF2-40B4-BE49-F238E27FC236}">
-                <a16:creationId xmlns:a16="http://schemas.microsoft.com/office/drawing/2014/main" id="{DBA07D43-8D7A-121E-1E4E-8FBC8612B87D}"/>
-              </a:ext>
-            </a:extLst>
-          </p:cNvPr>
-          <p:cNvPicPr>
-            <a:picLocks noChangeAspect="1"/>
-          </p:cNvPicPr>
-          <p:nvPr/>
-        </p:nvPicPr>
-        <p:blipFill>
-          <a:blip r:embed="rId5">
-            <a:extLst>
-              <a:ext uri="{28A0092B-C50C-407E-A947-70E740481C1C}">
-                <a14:useLocalDpi xmlns:a14="http://schemas.microsoft.com/office/drawing/2010/main" val="0"/>
-              </a:ext>
-            </a:extLst>
-          </a:blip>
-          <a:stretch>
-            <a:fillRect/>
-          </a:stretch>
-        </p:blipFill>
-        <p:spPr>
-          <a:xfrm>
-            <a:off x="6605195" y="5715000"/>
-            <a:ext cx="952500" cy="952500"/>
-          </a:xfrm>
-          <a:prstGeom prst="rect">
-            <a:avLst/>
-          </a:prstGeom>
-        </p:spPr>
-      </p:pic>
-      <p:pic>
-        <p:nvPicPr>
-          <p:cNvPr id="102" name="그림 101" descr="그레이, 패브릭이(가) 표시된 사진&#10;&#10;자동 생성된 설명">
-            <a:extLst>
-              <a:ext uri="{FF2B5EF4-FFF2-40B4-BE49-F238E27FC236}">
-                <a16:creationId xmlns:a16="http://schemas.microsoft.com/office/drawing/2014/main" id="{610FE7EA-C061-E8E3-75B1-AAE2B6C3EEC1}"/>
-              </a:ext>
-            </a:extLst>
-          </p:cNvPr>
-          <p:cNvPicPr>
-            <a:picLocks noChangeAspect="1"/>
-          </p:cNvPicPr>
-          <p:nvPr/>
-        </p:nvPicPr>
-        <p:blipFill>
-          <a:blip r:embed="rId5">
-            <a:extLst>
-              <a:ext uri="{28A0092B-C50C-407E-A947-70E740481C1C}">
-                <a14:useLocalDpi xmlns:a14="http://schemas.microsoft.com/office/drawing/2010/main" val="0"/>
-              </a:ext>
-            </a:extLst>
-          </a:blip>
-          <a:stretch>
-            <a:fillRect/>
-          </a:stretch>
-        </p:blipFill>
-        <p:spPr>
-          <a:xfrm>
-            <a:off x="8494375" y="5715000"/>
-            <a:ext cx="952500" cy="952500"/>
-          </a:xfrm>
-          <a:prstGeom prst="rect">
-            <a:avLst/>
-          </a:prstGeom>
-        </p:spPr>
-      </p:pic>
-      <p:pic>
-        <p:nvPicPr>
-          <p:cNvPr id="104" name="그림 103" descr="일렉트릭 블루, 블루, 마조렐 블루, 스크린샷이(가) 표시된 사진&#10;&#10;자동 생성된 설명">
-            <a:extLst>
-              <a:ext uri="{FF2B5EF4-FFF2-40B4-BE49-F238E27FC236}">
-                <a16:creationId xmlns:a16="http://schemas.microsoft.com/office/drawing/2014/main" id="{16B70227-3953-8D72-452C-16F9D683ADD4}"/>
+            <a:off x="9433356" y="3810000"/>
+            <a:ext cx="952500" cy="952500"/>
+          </a:xfrm>
+          <a:prstGeom prst="rect">
+            <a:avLst/>
+          </a:prstGeom>
+        </p:spPr>
+      </p:pic>
+      <p:pic>
+        <p:nvPicPr>
+          <p:cNvPr id="106" name="그림 105" descr="클립아트, 예술, 일러스트레이션, 만화 영화이(가) 표시된 사진&#10;&#10;자동 생성된 설명">
+            <a:extLst>
+              <a:ext uri="{FF2B5EF4-FFF2-40B4-BE49-F238E27FC236}">
+                <a16:creationId xmlns:a16="http://schemas.microsoft.com/office/drawing/2014/main" id="{EF452522-AB95-12DD-AA8E-D36E106634B5}"/>
               </a:ext>
             </a:extLst>
           </p:cNvPr>
@@ -18993,42 +18853,6 @@
         </p:nvPicPr>
         <p:blipFill>
           <a:blip r:embed="rId6">
-            <a:extLst>
-              <a:ext uri="{28A0092B-C50C-407E-A947-70E740481C1C}">
-                <a14:useLocalDpi xmlns:a14="http://schemas.microsoft.com/office/drawing/2010/main" val="0"/>
-              </a:ext>
-            </a:extLst>
-          </a:blip>
-          <a:stretch>
-            <a:fillRect/>
-          </a:stretch>
-        </p:blipFill>
-        <p:spPr>
-          <a:xfrm>
-            <a:off x="9433356" y="3810000"/>
-            <a:ext cx="952500" cy="952500"/>
-          </a:xfrm>
-          <a:prstGeom prst="rect">
-            <a:avLst/>
-          </a:prstGeom>
-        </p:spPr>
-      </p:pic>
-      <p:pic>
-        <p:nvPicPr>
-          <p:cNvPr id="106" name="그림 105" descr="클립아트, 예술, 일러스트레이션, 만화 영화이(가) 표시된 사진&#10;&#10;자동 생성된 설명">
-            <a:extLst>
-              <a:ext uri="{FF2B5EF4-FFF2-40B4-BE49-F238E27FC236}">
-                <a16:creationId xmlns:a16="http://schemas.microsoft.com/office/drawing/2014/main" id="{EF452522-AB95-12DD-AA8E-D36E106634B5}"/>
-              </a:ext>
-            </a:extLst>
-          </p:cNvPr>
-          <p:cNvPicPr>
-            <a:picLocks noChangeAspect="1"/>
-          </p:cNvPicPr>
-          <p:nvPr/>
-        </p:nvPicPr>
-        <p:blipFill>
-          <a:blip r:embed="rId7">
             <a:extLst>
               <a:ext uri="{28A0092B-C50C-407E-A947-70E740481C1C}">
                 <a14:useLocalDpi xmlns:a14="http://schemas.microsoft.com/office/drawing/2010/main" val="0"/>
@@ -19064,259 +18888,259 @@
           <p:nvPr/>
         </p:nvPicPr>
         <p:blipFill>
+          <a:blip r:embed="rId4">
+            <a:extLst>
+              <a:ext uri="{28A0092B-C50C-407E-A947-70E740481C1C}">
+                <a14:useLocalDpi xmlns:a14="http://schemas.microsoft.com/office/drawing/2010/main" val="0"/>
+              </a:ext>
+            </a:extLst>
+          </a:blip>
+          <a:stretch>
+            <a:fillRect/>
+          </a:stretch>
+        </p:blipFill>
+        <p:spPr>
+          <a:xfrm>
+            <a:off x="933962" y="952003"/>
+            <a:ext cx="952500" cy="952500"/>
+          </a:xfrm>
+          <a:prstGeom prst="rect">
+            <a:avLst/>
+          </a:prstGeom>
+        </p:spPr>
+      </p:pic>
+      <p:pic>
+        <p:nvPicPr>
+          <p:cNvPr id="108" name="그림 107" descr="그레이, 패브릭이(가) 표시된 사진&#10;&#10;자동 생성된 설명">
+            <a:extLst>
+              <a:ext uri="{FF2B5EF4-FFF2-40B4-BE49-F238E27FC236}">
+                <a16:creationId xmlns:a16="http://schemas.microsoft.com/office/drawing/2014/main" id="{C75CD9DD-0F5E-481E-1040-B0A115ED360E}"/>
+              </a:ext>
+            </a:extLst>
+          </p:cNvPr>
+          <p:cNvPicPr>
+            <a:picLocks noChangeAspect="1"/>
+          </p:cNvPicPr>
+          <p:nvPr/>
+        </p:nvPicPr>
+        <p:blipFill>
+          <a:blip r:embed="rId4">
+            <a:extLst>
+              <a:ext uri="{28A0092B-C50C-407E-A947-70E740481C1C}">
+                <a14:useLocalDpi xmlns:a14="http://schemas.microsoft.com/office/drawing/2010/main" val="0"/>
+              </a:ext>
+            </a:extLst>
+          </a:blip>
+          <a:stretch>
+            <a:fillRect/>
+          </a:stretch>
+        </p:blipFill>
+        <p:spPr>
+          <a:xfrm>
+            <a:off x="950493" y="1904801"/>
+            <a:ext cx="952500" cy="952500"/>
+          </a:xfrm>
+          <a:prstGeom prst="rect">
+            <a:avLst/>
+          </a:prstGeom>
+        </p:spPr>
+      </p:pic>
+      <p:pic>
+        <p:nvPicPr>
+          <p:cNvPr id="109" name="그림 108" descr="그레이, 패브릭이(가) 표시된 사진&#10;&#10;자동 생성된 설명">
+            <a:extLst>
+              <a:ext uri="{FF2B5EF4-FFF2-40B4-BE49-F238E27FC236}">
+                <a16:creationId xmlns:a16="http://schemas.microsoft.com/office/drawing/2014/main" id="{AD439DF7-F5F9-2692-4E9B-18FF7583387C}"/>
+              </a:ext>
+            </a:extLst>
+          </p:cNvPr>
+          <p:cNvPicPr>
+            <a:picLocks noChangeAspect="1"/>
+          </p:cNvPicPr>
+          <p:nvPr/>
+        </p:nvPicPr>
+        <p:blipFill>
+          <a:blip r:embed="rId4">
+            <a:extLst>
+              <a:ext uri="{28A0092B-C50C-407E-A947-70E740481C1C}">
+                <a14:useLocalDpi xmlns:a14="http://schemas.microsoft.com/office/drawing/2010/main" val="0"/>
+              </a:ext>
+            </a:extLst>
+          </a:blip>
+          <a:stretch>
+            <a:fillRect/>
+          </a:stretch>
+        </p:blipFill>
+        <p:spPr>
+          <a:xfrm>
+            <a:off x="1875448" y="2856506"/>
+            <a:ext cx="952500" cy="952500"/>
+          </a:xfrm>
+          <a:prstGeom prst="rect">
+            <a:avLst/>
+          </a:prstGeom>
+        </p:spPr>
+      </p:pic>
+      <p:pic>
+        <p:nvPicPr>
+          <p:cNvPr id="110" name="그림 109" descr="그레이, 패브릭이(가) 표시된 사진&#10;&#10;자동 생성된 설명">
+            <a:extLst>
+              <a:ext uri="{FF2B5EF4-FFF2-40B4-BE49-F238E27FC236}">
+                <a16:creationId xmlns:a16="http://schemas.microsoft.com/office/drawing/2014/main" id="{4C8F49EE-B709-31D8-2542-0BD715403EA4}"/>
+              </a:ext>
+            </a:extLst>
+          </p:cNvPr>
+          <p:cNvPicPr>
+            <a:picLocks noChangeAspect="1"/>
+          </p:cNvPicPr>
+          <p:nvPr/>
+        </p:nvPicPr>
+        <p:blipFill>
+          <a:blip r:embed="rId4">
+            <a:extLst>
+              <a:ext uri="{28A0092B-C50C-407E-A947-70E740481C1C}">
+                <a14:useLocalDpi xmlns:a14="http://schemas.microsoft.com/office/drawing/2010/main" val="0"/>
+              </a:ext>
+            </a:extLst>
+          </a:blip>
+          <a:stretch>
+            <a:fillRect/>
+          </a:stretch>
+        </p:blipFill>
+        <p:spPr>
+          <a:xfrm>
+            <a:off x="3787893" y="1904006"/>
+            <a:ext cx="952500" cy="952500"/>
+          </a:xfrm>
+          <a:prstGeom prst="rect">
+            <a:avLst/>
+          </a:prstGeom>
+        </p:spPr>
+      </p:pic>
+      <p:pic>
+        <p:nvPicPr>
+          <p:cNvPr id="111" name="그림 110" descr="그레이, 패브릭이(가) 표시된 사진&#10;&#10;자동 생성된 설명">
+            <a:extLst>
+              <a:ext uri="{FF2B5EF4-FFF2-40B4-BE49-F238E27FC236}">
+                <a16:creationId xmlns:a16="http://schemas.microsoft.com/office/drawing/2014/main" id="{726BF5CD-149D-7A6A-B463-07D332BB2959}"/>
+              </a:ext>
+            </a:extLst>
+          </p:cNvPr>
+          <p:cNvPicPr>
+            <a:picLocks noChangeAspect="1"/>
+          </p:cNvPicPr>
+          <p:nvPr/>
+        </p:nvPicPr>
+        <p:blipFill>
+          <a:blip r:embed="rId4">
+            <a:extLst>
+              <a:ext uri="{28A0092B-C50C-407E-A947-70E740481C1C}">
+                <a14:useLocalDpi xmlns:a14="http://schemas.microsoft.com/office/drawing/2010/main" val="0"/>
+              </a:ext>
+            </a:extLst>
+          </a:blip>
+          <a:stretch>
+            <a:fillRect/>
+          </a:stretch>
+        </p:blipFill>
+        <p:spPr>
+          <a:xfrm>
+            <a:off x="4712832" y="3808012"/>
+            <a:ext cx="952500" cy="952500"/>
+          </a:xfrm>
+          <a:prstGeom prst="rect">
+            <a:avLst/>
+          </a:prstGeom>
+        </p:spPr>
+      </p:pic>
+      <p:pic>
+        <p:nvPicPr>
+          <p:cNvPr id="112" name="그림 111" descr="그레이, 패브릭이(가) 표시된 사진&#10;&#10;자동 생성된 설명">
+            <a:extLst>
+              <a:ext uri="{FF2B5EF4-FFF2-40B4-BE49-F238E27FC236}">
+                <a16:creationId xmlns:a16="http://schemas.microsoft.com/office/drawing/2014/main" id="{54032F75-4C2D-D236-A702-411739865E81}"/>
+              </a:ext>
+            </a:extLst>
+          </p:cNvPr>
+          <p:cNvPicPr>
+            <a:picLocks noChangeAspect="1"/>
+          </p:cNvPicPr>
+          <p:nvPr/>
+        </p:nvPicPr>
+        <p:blipFill>
+          <a:blip r:embed="rId4">
+            <a:extLst>
+              <a:ext uri="{28A0092B-C50C-407E-A947-70E740481C1C}">
+                <a14:useLocalDpi xmlns:a14="http://schemas.microsoft.com/office/drawing/2010/main" val="0"/>
+              </a:ext>
+            </a:extLst>
+          </a:blip>
+          <a:stretch>
+            <a:fillRect/>
+          </a:stretch>
+        </p:blipFill>
+        <p:spPr>
+          <a:xfrm>
+            <a:off x="6624226" y="1904006"/>
+            <a:ext cx="952500" cy="952500"/>
+          </a:xfrm>
+          <a:prstGeom prst="rect">
+            <a:avLst/>
+          </a:prstGeom>
+        </p:spPr>
+      </p:pic>
+      <p:pic>
+        <p:nvPicPr>
+          <p:cNvPr id="113" name="그림 112" descr="그레이, 패브릭이(가) 표시된 사진&#10;&#10;자동 생성된 설명">
+            <a:extLst>
+              <a:ext uri="{FF2B5EF4-FFF2-40B4-BE49-F238E27FC236}">
+                <a16:creationId xmlns:a16="http://schemas.microsoft.com/office/drawing/2014/main" id="{F647A4A2-C47D-32AE-7657-8880092CFD43}"/>
+              </a:ext>
+            </a:extLst>
+          </p:cNvPr>
+          <p:cNvPicPr>
+            <a:picLocks noChangeAspect="1"/>
+          </p:cNvPicPr>
+          <p:nvPr/>
+        </p:nvPicPr>
+        <p:blipFill>
+          <a:blip r:embed="rId4">
+            <a:extLst>
+              <a:ext uri="{28A0092B-C50C-407E-A947-70E740481C1C}">
+                <a14:useLocalDpi xmlns:a14="http://schemas.microsoft.com/office/drawing/2010/main" val="0"/>
+              </a:ext>
+            </a:extLst>
+          </a:blip>
+          <a:stretch>
+            <a:fillRect/>
+          </a:stretch>
+        </p:blipFill>
+        <p:spPr>
+          <a:xfrm>
+            <a:off x="9446553" y="951506"/>
+            <a:ext cx="952500" cy="952500"/>
+          </a:xfrm>
+          <a:prstGeom prst="rect">
+            <a:avLst/>
+          </a:prstGeom>
+        </p:spPr>
+      </p:pic>
+      <p:pic>
+        <p:nvPicPr>
+          <p:cNvPr id="115" name="그림 114" descr="일렉트릭 블루, 블루, 마조렐 블루, 스크린샷이(가) 표시된 사진&#10;&#10;자동 생성된 설명">
+            <a:extLst>
+              <a:ext uri="{FF2B5EF4-FFF2-40B4-BE49-F238E27FC236}">
+                <a16:creationId xmlns:a16="http://schemas.microsoft.com/office/drawing/2014/main" id="{B0E0AF00-098E-E2FC-FBE1-C8CCD51AA936}"/>
+              </a:ext>
+            </a:extLst>
+          </p:cNvPr>
+          <p:cNvPicPr>
+            <a:picLocks noChangeAspect="1"/>
+          </p:cNvPicPr>
+          <p:nvPr/>
+        </p:nvPicPr>
+        <p:blipFill>
           <a:blip r:embed="rId5">
-            <a:extLst>
-              <a:ext uri="{28A0092B-C50C-407E-A947-70E740481C1C}">
-                <a14:useLocalDpi xmlns:a14="http://schemas.microsoft.com/office/drawing/2010/main" val="0"/>
-              </a:ext>
-            </a:extLst>
-          </a:blip>
-          <a:stretch>
-            <a:fillRect/>
-          </a:stretch>
-        </p:blipFill>
-        <p:spPr>
-          <a:xfrm>
-            <a:off x="933962" y="952003"/>
-            <a:ext cx="952500" cy="952500"/>
-          </a:xfrm>
-          <a:prstGeom prst="rect">
-            <a:avLst/>
-          </a:prstGeom>
-        </p:spPr>
-      </p:pic>
-      <p:pic>
-        <p:nvPicPr>
-          <p:cNvPr id="108" name="그림 107" descr="그레이, 패브릭이(가) 표시된 사진&#10;&#10;자동 생성된 설명">
-            <a:extLst>
-              <a:ext uri="{FF2B5EF4-FFF2-40B4-BE49-F238E27FC236}">
-                <a16:creationId xmlns:a16="http://schemas.microsoft.com/office/drawing/2014/main" id="{C75CD9DD-0F5E-481E-1040-B0A115ED360E}"/>
-              </a:ext>
-            </a:extLst>
-          </p:cNvPr>
-          <p:cNvPicPr>
-            <a:picLocks noChangeAspect="1"/>
-          </p:cNvPicPr>
-          <p:nvPr/>
-        </p:nvPicPr>
-        <p:blipFill>
-          <a:blip r:embed="rId5">
-            <a:extLst>
-              <a:ext uri="{28A0092B-C50C-407E-A947-70E740481C1C}">
-                <a14:useLocalDpi xmlns:a14="http://schemas.microsoft.com/office/drawing/2010/main" val="0"/>
-              </a:ext>
-            </a:extLst>
-          </a:blip>
-          <a:stretch>
-            <a:fillRect/>
-          </a:stretch>
-        </p:blipFill>
-        <p:spPr>
-          <a:xfrm>
-            <a:off x="950493" y="1904801"/>
-            <a:ext cx="952500" cy="952500"/>
-          </a:xfrm>
-          <a:prstGeom prst="rect">
-            <a:avLst/>
-          </a:prstGeom>
-        </p:spPr>
-      </p:pic>
-      <p:pic>
-        <p:nvPicPr>
-          <p:cNvPr id="109" name="그림 108" descr="그레이, 패브릭이(가) 표시된 사진&#10;&#10;자동 생성된 설명">
-            <a:extLst>
-              <a:ext uri="{FF2B5EF4-FFF2-40B4-BE49-F238E27FC236}">
-                <a16:creationId xmlns:a16="http://schemas.microsoft.com/office/drawing/2014/main" id="{AD439DF7-F5F9-2692-4E9B-18FF7583387C}"/>
-              </a:ext>
-            </a:extLst>
-          </p:cNvPr>
-          <p:cNvPicPr>
-            <a:picLocks noChangeAspect="1"/>
-          </p:cNvPicPr>
-          <p:nvPr/>
-        </p:nvPicPr>
-        <p:blipFill>
-          <a:blip r:embed="rId5">
-            <a:extLst>
-              <a:ext uri="{28A0092B-C50C-407E-A947-70E740481C1C}">
-                <a14:useLocalDpi xmlns:a14="http://schemas.microsoft.com/office/drawing/2010/main" val="0"/>
-              </a:ext>
-            </a:extLst>
-          </a:blip>
-          <a:stretch>
-            <a:fillRect/>
-          </a:stretch>
-        </p:blipFill>
-        <p:spPr>
-          <a:xfrm>
-            <a:off x="1875448" y="2856506"/>
-            <a:ext cx="952500" cy="952500"/>
-          </a:xfrm>
-          <a:prstGeom prst="rect">
-            <a:avLst/>
-          </a:prstGeom>
-        </p:spPr>
-      </p:pic>
-      <p:pic>
-        <p:nvPicPr>
-          <p:cNvPr id="110" name="그림 109" descr="그레이, 패브릭이(가) 표시된 사진&#10;&#10;자동 생성된 설명">
-            <a:extLst>
-              <a:ext uri="{FF2B5EF4-FFF2-40B4-BE49-F238E27FC236}">
-                <a16:creationId xmlns:a16="http://schemas.microsoft.com/office/drawing/2014/main" id="{4C8F49EE-B709-31D8-2542-0BD715403EA4}"/>
-              </a:ext>
-            </a:extLst>
-          </p:cNvPr>
-          <p:cNvPicPr>
-            <a:picLocks noChangeAspect="1"/>
-          </p:cNvPicPr>
-          <p:nvPr/>
-        </p:nvPicPr>
-        <p:blipFill>
-          <a:blip r:embed="rId5">
-            <a:extLst>
-              <a:ext uri="{28A0092B-C50C-407E-A947-70E740481C1C}">
-                <a14:useLocalDpi xmlns:a14="http://schemas.microsoft.com/office/drawing/2010/main" val="0"/>
-              </a:ext>
-            </a:extLst>
-          </a:blip>
-          <a:stretch>
-            <a:fillRect/>
-          </a:stretch>
-        </p:blipFill>
-        <p:spPr>
-          <a:xfrm>
-            <a:off x="3787893" y="1904006"/>
-            <a:ext cx="952500" cy="952500"/>
-          </a:xfrm>
-          <a:prstGeom prst="rect">
-            <a:avLst/>
-          </a:prstGeom>
-        </p:spPr>
-      </p:pic>
-      <p:pic>
-        <p:nvPicPr>
-          <p:cNvPr id="111" name="그림 110" descr="그레이, 패브릭이(가) 표시된 사진&#10;&#10;자동 생성된 설명">
-            <a:extLst>
-              <a:ext uri="{FF2B5EF4-FFF2-40B4-BE49-F238E27FC236}">
-                <a16:creationId xmlns:a16="http://schemas.microsoft.com/office/drawing/2014/main" id="{726BF5CD-149D-7A6A-B463-07D332BB2959}"/>
-              </a:ext>
-            </a:extLst>
-          </p:cNvPr>
-          <p:cNvPicPr>
-            <a:picLocks noChangeAspect="1"/>
-          </p:cNvPicPr>
-          <p:nvPr/>
-        </p:nvPicPr>
-        <p:blipFill>
-          <a:blip r:embed="rId5">
-            <a:extLst>
-              <a:ext uri="{28A0092B-C50C-407E-A947-70E740481C1C}">
-                <a14:useLocalDpi xmlns:a14="http://schemas.microsoft.com/office/drawing/2010/main" val="0"/>
-              </a:ext>
-            </a:extLst>
-          </a:blip>
-          <a:stretch>
-            <a:fillRect/>
-          </a:stretch>
-        </p:blipFill>
-        <p:spPr>
-          <a:xfrm>
-            <a:off x="4712832" y="3808012"/>
-            <a:ext cx="952500" cy="952500"/>
-          </a:xfrm>
-          <a:prstGeom prst="rect">
-            <a:avLst/>
-          </a:prstGeom>
-        </p:spPr>
-      </p:pic>
-      <p:pic>
-        <p:nvPicPr>
-          <p:cNvPr id="112" name="그림 111" descr="그레이, 패브릭이(가) 표시된 사진&#10;&#10;자동 생성된 설명">
-            <a:extLst>
-              <a:ext uri="{FF2B5EF4-FFF2-40B4-BE49-F238E27FC236}">
-                <a16:creationId xmlns:a16="http://schemas.microsoft.com/office/drawing/2014/main" id="{54032F75-4C2D-D236-A702-411739865E81}"/>
-              </a:ext>
-            </a:extLst>
-          </p:cNvPr>
-          <p:cNvPicPr>
-            <a:picLocks noChangeAspect="1"/>
-          </p:cNvPicPr>
-          <p:nvPr/>
-        </p:nvPicPr>
-        <p:blipFill>
-          <a:blip r:embed="rId5">
-            <a:extLst>
-              <a:ext uri="{28A0092B-C50C-407E-A947-70E740481C1C}">
-                <a14:useLocalDpi xmlns:a14="http://schemas.microsoft.com/office/drawing/2010/main" val="0"/>
-              </a:ext>
-            </a:extLst>
-          </a:blip>
-          <a:stretch>
-            <a:fillRect/>
-          </a:stretch>
-        </p:blipFill>
-        <p:spPr>
-          <a:xfrm>
-            <a:off x="6624226" y="1904006"/>
-            <a:ext cx="952500" cy="952500"/>
-          </a:xfrm>
-          <a:prstGeom prst="rect">
-            <a:avLst/>
-          </a:prstGeom>
-        </p:spPr>
-      </p:pic>
-      <p:pic>
-        <p:nvPicPr>
-          <p:cNvPr id="113" name="그림 112" descr="그레이, 패브릭이(가) 표시된 사진&#10;&#10;자동 생성된 설명">
-            <a:extLst>
-              <a:ext uri="{FF2B5EF4-FFF2-40B4-BE49-F238E27FC236}">
-                <a16:creationId xmlns:a16="http://schemas.microsoft.com/office/drawing/2014/main" id="{F647A4A2-C47D-32AE-7657-8880092CFD43}"/>
-              </a:ext>
-            </a:extLst>
-          </p:cNvPr>
-          <p:cNvPicPr>
-            <a:picLocks noChangeAspect="1"/>
-          </p:cNvPicPr>
-          <p:nvPr/>
-        </p:nvPicPr>
-        <p:blipFill>
-          <a:blip r:embed="rId5">
-            <a:extLst>
-              <a:ext uri="{28A0092B-C50C-407E-A947-70E740481C1C}">
-                <a14:useLocalDpi xmlns:a14="http://schemas.microsoft.com/office/drawing/2010/main" val="0"/>
-              </a:ext>
-            </a:extLst>
-          </a:blip>
-          <a:stretch>
-            <a:fillRect/>
-          </a:stretch>
-        </p:blipFill>
-        <p:spPr>
-          <a:xfrm>
-            <a:off x="9446553" y="951506"/>
-            <a:ext cx="952500" cy="952500"/>
-          </a:xfrm>
-          <a:prstGeom prst="rect">
-            <a:avLst/>
-          </a:prstGeom>
-        </p:spPr>
-      </p:pic>
-      <p:pic>
-        <p:nvPicPr>
-          <p:cNvPr id="115" name="그림 114" descr="일렉트릭 블루, 블루, 마조렐 블루, 스크린샷이(가) 표시된 사진&#10;&#10;자동 생성된 설명">
-            <a:extLst>
-              <a:ext uri="{FF2B5EF4-FFF2-40B4-BE49-F238E27FC236}">
-                <a16:creationId xmlns:a16="http://schemas.microsoft.com/office/drawing/2014/main" id="{B0E0AF00-098E-E2FC-FBE1-C8CCD51AA936}"/>
-              </a:ext>
-            </a:extLst>
-          </p:cNvPr>
-          <p:cNvPicPr>
-            <a:picLocks noChangeAspect="1"/>
-          </p:cNvPicPr>
-          <p:nvPr/>
-        </p:nvPicPr>
-        <p:blipFill>
-          <a:blip r:embed="rId6">
             <a:extLst>
               <a:ext uri="{28A0092B-C50C-407E-A947-70E740481C1C}">
                 <a14:useLocalDpi xmlns:a14="http://schemas.microsoft.com/office/drawing/2010/main" val="0"/>
@@ -19352,7 +19176,7 @@
           <p:nvPr/>
         </p:nvPicPr>
         <p:blipFill>
-          <a:blip r:embed="rId4">
+          <a:blip r:embed="rId7">
             <a:extLst>
               <a:ext uri="{28A0092B-C50C-407E-A947-70E740481C1C}">
                 <a14:useLocalDpi xmlns:a14="http://schemas.microsoft.com/office/drawing/2010/main" val="0"/>
@@ -19388,7 +19212,7 @@
           <p:nvPr/>
         </p:nvPicPr>
         <p:blipFill>
-          <a:blip r:embed="rId4">
+          <a:blip r:embed="rId7">
             <a:extLst>
               <a:ext uri="{28A0092B-C50C-407E-A947-70E740481C1C}">
                 <a14:useLocalDpi xmlns:a14="http://schemas.microsoft.com/office/drawing/2010/main" val="0"/>
@@ -19424,7 +19248,7 @@
           <p:nvPr/>
         </p:nvPicPr>
         <p:blipFill>
-          <a:blip r:embed="rId6">
+          <a:blip r:embed="rId5">
             <a:extLst>
               <a:ext uri="{28A0092B-C50C-407E-A947-70E740481C1C}">
                 <a14:useLocalDpi xmlns:a14="http://schemas.microsoft.com/office/drawing/2010/main" val="0"/>
@@ -19439,6 +19263,78 @@
           <a:xfrm>
             <a:off x="9441872" y="5712151"/>
             <a:ext cx="952500" cy="951506"/>
+          </a:xfrm>
+          <a:prstGeom prst="rect">
+            <a:avLst/>
+          </a:prstGeom>
+        </p:spPr>
+      </p:pic>
+      <p:pic>
+        <p:nvPicPr>
+          <p:cNvPr id="12" name="그림 11" descr="갈색, 지상이(가) 표시된 사진&#10;&#10;자동 생성된 설명">
+            <a:extLst>
+              <a:ext uri="{FF2B5EF4-FFF2-40B4-BE49-F238E27FC236}">
+                <a16:creationId xmlns:a16="http://schemas.microsoft.com/office/drawing/2014/main" id="{D5282E23-B05C-6A4B-1F43-D01BFC5FE79C}"/>
+              </a:ext>
+            </a:extLst>
+          </p:cNvPr>
+          <p:cNvPicPr>
+            <a:picLocks noChangeAspect="1"/>
+          </p:cNvPicPr>
+          <p:nvPr/>
+        </p:nvPicPr>
+        <p:blipFill>
+          <a:blip r:embed="rId2">
+            <a:extLst>
+              <a:ext uri="{28A0092B-C50C-407E-A947-70E740481C1C}">
+                <a14:useLocalDpi xmlns:a14="http://schemas.microsoft.com/office/drawing/2010/main" val="0"/>
+              </a:ext>
+            </a:extLst>
+          </a:blip>
+          <a:stretch>
+            <a:fillRect/>
+          </a:stretch>
+        </p:blipFill>
+        <p:spPr>
+          <a:xfrm>
+            <a:off x="8487640" y="1904006"/>
+            <a:ext cx="952500" cy="952500"/>
+          </a:xfrm>
+          <a:prstGeom prst="rect">
+            <a:avLst/>
+          </a:prstGeom>
+        </p:spPr>
+      </p:pic>
+      <p:pic>
+        <p:nvPicPr>
+          <p:cNvPr id="25" name="그림 24" descr="클립아트이(가) 표시된 사진&#10;&#10;자동 생성된 설명">
+            <a:extLst>
+              <a:ext uri="{FF2B5EF4-FFF2-40B4-BE49-F238E27FC236}">
+                <a16:creationId xmlns:a16="http://schemas.microsoft.com/office/drawing/2014/main" id="{36E5A769-B430-6D69-D36B-2498AB51252A}"/>
+              </a:ext>
+            </a:extLst>
+          </p:cNvPr>
+          <p:cNvPicPr>
+            <a:picLocks noChangeAspect="1"/>
+          </p:cNvPicPr>
+          <p:nvPr/>
+        </p:nvPicPr>
+        <p:blipFill>
+          <a:blip r:embed="rId7">
+            <a:extLst>
+              <a:ext uri="{28A0092B-C50C-407E-A947-70E740481C1C}">
+                <a14:useLocalDpi xmlns:a14="http://schemas.microsoft.com/office/drawing/2010/main" val="0"/>
+              </a:ext>
+            </a:extLst>
+          </a:blip>
+          <a:stretch>
+            <a:fillRect/>
+          </a:stretch>
+        </p:blipFill>
+        <p:spPr>
+          <a:xfrm>
+            <a:off x="4734673" y="1936594"/>
+            <a:ext cx="952633" cy="952633"/>
           </a:xfrm>
           <a:prstGeom prst="rect">
             <a:avLst/>
@@ -21951,8 +21847,8 @@
         </p:blipFill>
         <p:spPr>
           <a:xfrm>
-            <a:off x="952500" y="4750278"/>
-            <a:ext cx="952500" cy="952500"/>
+            <a:off x="924774" y="4750278"/>
+            <a:ext cx="980226" cy="980226"/>
           </a:xfrm>
           <a:prstGeom prst="rect">
             <a:avLst/>
@@ -22095,8 +21991,8 @@
         </p:blipFill>
         <p:spPr>
           <a:xfrm>
-            <a:off x="1886383" y="940278"/>
-            <a:ext cx="952500" cy="952500"/>
+            <a:off x="1886382" y="940278"/>
+            <a:ext cx="983239" cy="952500"/>
           </a:xfrm>
           <a:prstGeom prst="rect">
             <a:avLst/>
@@ -22275,8 +22171,8 @@
         </p:blipFill>
         <p:spPr>
           <a:xfrm>
-            <a:off x="9438570" y="964722"/>
-            <a:ext cx="952500" cy="964688"/>
+            <a:off x="9438570" y="952500"/>
+            <a:ext cx="952500" cy="976910"/>
           </a:xfrm>
           <a:prstGeom prst="rect">
             <a:avLst/>
@@ -22419,8 +22315,8 @@
         </p:blipFill>
         <p:spPr>
           <a:xfrm>
-            <a:off x="2814113" y="946389"/>
-            <a:ext cx="952500" cy="952500"/>
+            <a:off x="2857499" y="946389"/>
+            <a:ext cx="909113" cy="952500"/>
           </a:xfrm>
           <a:prstGeom prst="rect">
             <a:avLst/>
@@ -25575,7 +25471,7 @@
         </p:blipFill>
         <p:spPr>
           <a:xfrm>
-            <a:off x="11251623" y="1904623"/>
+            <a:off x="11292518" y="1904623"/>
             <a:ext cx="952500" cy="952500"/>
           </a:xfrm>
           <a:prstGeom prst="rect">
@@ -33549,44 +33445,8 @@
         </p:blipFill>
         <p:spPr>
           <a:xfrm>
-            <a:off x="3735687" y="4762500"/>
-            <a:ext cx="952500" cy="952500"/>
-          </a:xfrm>
-          <a:prstGeom prst="rect">
-            <a:avLst/>
-          </a:prstGeom>
-        </p:spPr>
-      </p:pic>
-      <p:pic>
-        <p:nvPicPr>
-          <p:cNvPr id="80" name="그림 79">
-            <a:extLst>
-              <a:ext uri="{FF2B5EF4-FFF2-40B4-BE49-F238E27FC236}">
-                <a16:creationId xmlns:a16="http://schemas.microsoft.com/office/drawing/2014/main" id="{15FB8D0C-BD0B-1A99-2265-6233C0868281}"/>
-              </a:ext>
-            </a:extLst>
-          </p:cNvPr>
-          <p:cNvPicPr>
-            <a:picLocks noChangeAspect="1"/>
-          </p:cNvPicPr>
-          <p:nvPr/>
-        </p:nvPicPr>
-        <p:blipFill>
-          <a:blip r:embed="rId2">
-            <a:extLst>
-              <a:ext uri="{28A0092B-C50C-407E-A947-70E740481C1C}">
-                <a14:useLocalDpi xmlns:a14="http://schemas.microsoft.com/office/drawing/2010/main" val="0"/>
-              </a:ext>
-            </a:extLst>
-          </a:blip>
-          <a:stretch>
-            <a:fillRect/>
-          </a:stretch>
-        </p:blipFill>
-        <p:spPr>
-          <a:xfrm>
-            <a:off x="4679372" y="4762500"/>
-            <a:ext cx="952500" cy="952500"/>
+            <a:off x="3735686" y="4762500"/>
+            <a:ext cx="1005123" cy="952500"/>
           </a:xfrm>
           <a:prstGeom prst="rect">
             <a:avLst/>
@@ -34531,42 +34391,6 @@
       </p:pic>
       <p:pic>
         <p:nvPicPr>
-          <p:cNvPr id="122" name="그림 121" descr="일렉트릭 블루, 블루, 마조렐 블루, 스크린샷이(가) 표시된 사진&#10;&#10;자동 생성된 설명">
-            <a:extLst>
-              <a:ext uri="{FF2B5EF4-FFF2-40B4-BE49-F238E27FC236}">
-                <a16:creationId xmlns:a16="http://schemas.microsoft.com/office/drawing/2014/main" id="{DD60232F-14A7-DCFB-1AD7-B8138C173909}"/>
-              </a:ext>
-            </a:extLst>
-          </p:cNvPr>
-          <p:cNvPicPr>
-            <a:picLocks noChangeAspect="1"/>
-          </p:cNvPicPr>
-          <p:nvPr/>
-        </p:nvPicPr>
-        <p:blipFill>
-          <a:blip r:embed="rId5">
-            <a:extLst>
-              <a:ext uri="{28A0092B-C50C-407E-A947-70E740481C1C}">
-                <a14:useLocalDpi xmlns:a14="http://schemas.microsoft.com/office/drawing/2010/main" val="0"/>
-              </a:ext>
-            </a:extLst>
-          </a:blip>
-          <a:stretch>
-            <a:fillRect/>
-          </a:stretch>
-        </p:blipFill>
-        <p:spPr>
-          <a:xfrm>
-            <a:off x="4706013" y="3807448"/>
-            <a:ext cx="952500" cy="952500"/>
-          </a:xfrm>
-          <a:prstGeom prst="rect">
-            <a:avLst/>
-          </a:prstGeom>
-        </p:spPr>
-      </p:pic>
-      <p:pic>
-        <p:nvPicPr>
           <p:cNvPr id="124" name="그림 123" descr="갈색, 지상이(가) 표시된 사진&#10;&#10;자동 생성된 설명">
             <a:extLst>
               <a:ext uri="{FF2B5EF4-FFF2-40B4-BE49-F238E27FC236}">
@@ -34991,6 +34815,78 @@
           <a:xfrm>
             <a:off x="4704933" y="2849445"/>
             <a:ext cx="952633" cy="952633"/>
+          </a:xfrm>
+          <a:prstGeom prst="rect">
+            <a:avLst/>
+          </a:prstGeom>
+        </p:spPr>
+      </p:pic>
+      <p:pic>
+        <p:nvPicPr>
+          <p:cNvPr id="12" name="그림 11" descr="일렉트릭 블루, 블루, 마조렐 블루, 스크린샷이(가) 표시된 사진&#10;&#10;자동 생성된 설명">
+            <a:extLst>
+              <a:ext uri="{FF2B5EF4-FFF2-40B4-BE49-F238E27FC236}">
+                <a16:creationId xmlns:a16="http://schemas.microsoft.com/office/drawing/2014/main" id="{323D559B-3851-8509-F6E0-7DDFB7C35AB5}"/>
+              </a:ext>
+            </a:extLst>
+          </p:cNvPr>
+          <p:cNvPicPr>
+            <a:picLocks noChangeAspect="1"/>
+          </p:cNvPicPr>
+          <p:nvPr/>
+        </p:nvPicPr>
+        <p:blipFill>
+          <a:blip r:embed="rId5">
+            <a:extLst>
+              <a:ext uri="{28A0092B-C50C-407E-A947-70E740481C1C}">
+                <a14:useLocalDpi xmlns:a14="http://schemas.microsoft.com/office/drawing/2010/main" val="0"/>
+              </a:ext>
+            </a:extLst>
+          </a:blip>
+          <a:stretch>
+            <a:fillRect/>
+          </a:stretch>
+        </p:blipFill>
+        <p:spPr>
+          <a:xfrm>
+            <a:off x="4725698" y="4762500"/>
+            <a:ext cx="952500" cy="952500"/>
+          </a:xfrm>
+          <a:prstGeom prst="rect">
+            <a:avLst/>
+          </a:prstGeom>
+        </p:spPr>
+      </p:pic>
+      <p:pic>
+        <p:nvPicPr>
+          <p:cNvPr id="16" name="그림 15" descr="갈색, 지상이(가) 표시된 사진&#10;&#10;자동 생성된 설명">
+            <a:extLst>
+              <a:ext uri="{FF2B5EF4-FFF2-40B4-BE49-F238E27FC236}">
+                <a16:creationId xmlns:a16="http://schemas.microsoft.com/office/drawing/2014/main" id="{F34594E8-75B5-772F-203D-BC0F8C3A074B}"/>
+              </a:ext>
+            </a:extLst>
+          </p:cNvPr>
+          <p:cNvPicPr>
+            <a:picLocks noChangeAspect="1"/>
+          </p:cNvPicPr>
+          <p:nvPr/>
+        </p:nvPicPr>
+        <p:blipFill>
+          <a:blip r:embed="rId2">
+            <a:extLst>
+              <a:ext uri="{28A0092B-C50C-407E-A947-70E740481C1C}">
+                <a14:useLocalDpi xmlns:a14="http://schemas.microsoft.com/office/drawing/2010/main" val="0"/>
+              </a:ext>
+            </a:extLst>
+          </a:blip>
+          <a:stretch>
+            <a:fillRect/>
+          </a:stretch>
+        </p:blipFill>
+        <p:spPr>
+          <a:xfrm>
+            <a:off x="4716015" y="3815370"/>
+            <a:ext cx="952500" cy="952500"/>
           </a:xfrm>
           <a:prstGeom prst="rect">
             <a:avLst/>
@@ -35323,4 +35219,319 @@
     </a:ext>
   </a:extLst>
 </a:theme>
+</file>
+
+<file path=ppt/theme/theme2.xml><?xml version="1.0" encoding="utf-8"?>
+<a:theme xmlns:a="http://schemas.openxmlformats.org/drawingml/2006/main" name="Office 테마">
+  <a:themeElements>
+    <a:clrScheme name="Office">
+      <a:dk1>
+        <a:sysClr val="windowText" lastClr="000000"/>
+      </a:dk1>
+      <a:lt1>
+        <a:sysClr val="window" lastClr="FFFFFF"/>
+      </a:lt1>
+      <a:dk2>
+        <a:srgbClr val="0E2841"/>
+      </a:dk2>
+      <a:lt2>
+        <a:srgbClr val="E8E8E8"/>
+      </a:lt2>
+      <a:accent1>
+        <a:srgbClr val="156082"/>
+      </a:accent1>
+      <a:accent2>
+        <a:srgbClr val="E97132"/>
+      </a:accent2>
+      <a:accent3>
+        <a:srgbClr val="196B24"/>
+      </a:accent3>
+      <a:accent4>
+        <a:srgbClr val="0F9ED5"/>
+      </a:accent4>
+      <a:accent5>
+        <a:srgbClr val="A02B93"/>
+      </a:accent5>
+      <a:accent6>
+        <a:srgbClr val="4EA72E"/>
+      </a:accent6>
+      <a:hlink>
+        <a:srgbClr val="467886"/>
+      </a:hlink>
+      <a:folHlink>
+        <a:srgbClr val="96607D"/>
+      </a:folHlink>
+    </a:clrScheme>
+    <a:fontScheme name="Office">
+      <a:majorFont>
+        <a:latin typeface="맑은 고딕" panose="02110004020202020204"/>
+        <a:ea typeface=""/>
+        <a:cs typeface=""/>
+        <a:font script="Jpan" typeface="游ゴシック Light"/>
+        <a:font script="Hang" typeface="맑은 고딕"/>
+        <a:font script="Hans" typeface="等线 Light"/>
+        <a:font script="Hant" typeface="新細明體"/>
+        <a:font script="Arab" typeface="Times New Roman"/>
+        <a:font script="Hebr" typeface="Times New Roman"/>
+        <a:font script="Thai" typeface="Angsana New"/>
+        <a:font script="Ethi" typeface="Nyala"/>
+        <a:font script="Beng" typeface="Vrinda"/>
+        <a:font script="Gujr" typeface="Shruti"/>
+        <a:font script="Khmr" typeface="MoolBoran"/>
+        <a:font script="Knda" typeface="Tunga"/>
+        <a:font script="Guru" typeface="Raavi"/>
+        <a:font script="Cans" typeface="Euphemia"/>
+        <a:font script="Cher" typeface="Plantagenet Cherokee"/>
+        <a:font script="Yiii" typeface="Microsoft Yi Baiti"/>
+        <a:font script="Tibt" typeface="Microsoft Himalaya"/>
+        <a:font script="Thaa" typeface="MV Boli"/>
+        <a:font script="Deva" typeface="Mangal"/>
+        <a:font script="Telu" typeface="Gautami"/>
+        <a:font script="Taml" typeface="Latha"/>
+        <a:font script="Syrc" typeface="Estrangelo Edessa"/>
+        <a:font script="Orya" typeface="Kalinga"/>
+        <a:font script="Mlym" typeface="Kartika"/>
+        <a:font script="Laoo" typeface="DokChampa"/>
+        <a:font script="Sinh" typeface="Iskoola Pota"/>
+        <a:font script="Mong" typeface="Mongolian Baiti"/>
+        <a:font script="Viet" typeface="Times New Roman"/>
+        <a:font script="Uigh" typeface="Microsoft Uighur"/>
+        <a:font script="Geor" typeface="Sylfaen"/>
+        <a:font script="Armn" typeface="Arial"/>
+        <a:font script="Bugi" typeface="Leelawadee UI"/>
+        <a:font script="Bopo" typeface="Microsoft JhengHei"/>
+        <a:font script="Java" typeface="Javanese Text"/>
+        <a:font script="Lisu" typeface="Segoe UI"/>
+        <a:font script="Mymr" typeface="Myanmar Text"/>
+        <a:font script="Nkoo" typeface="Ebrima"/>
+        <a:font script="Olck" typeface="Nirmala UI"/>
+        <a:font script="Osma" typeface="Ebrima"/>
+        <a:font script="Phag" typeface="Phagspa"/>
+        <a:font script="Syrn" typeface="Estrangelo Edessa"/>
+        <a:font script="Syrj" typeface="Estrangelo Edessa"/>
+        <a:font script="Syre" typeface="Estrangelo Edessa"/>
+        <a:font script="Sora" typeface="Nirmala UI"/>
+        <a:font script="Tale" typeface="Microsoft Tai Le"/>
+        <a:font script="Talu" typeface="Microsoft New Tai Lue"/>
+        <a:font script="Tfng" typeface="Ebrima"/>
+      </a:majorFont>
+      <a:minorFont>
+        <a:latin typeface="맑은 고딕" panose="02110004020202020204"/>
+        <a:ea typeface=""/>
+        <a:cs typeface=""/>
+        <a:font script="Jpan" typeface="游ゴシック"/>
+        <a:font script="Hang" typeface="맑은 고딕"/>
+        <a:font script="Hans" typeface="等线"/>
+        <a:font script="Hant" typeface="新細明體"/>
+        <a:font script="Arab" typeface="Arial"/>
+        <a:font script="Hebr" typeface="Arial"/>
+        <a:font script="Thai" typeface="Cordia New"/>
+        <a:font script="Ethi" typeface="Nyala"/>
+        <a:font script="Beng" typeface="Vrinda"/>
+        <a:font script="Gujr" typeface="Shruti"/>
+        <a:font script="Khmr" typeface="DaunPenh"/>
+        <a:font script="Knda" typeface="Tunga"/>
+        <a:font script="Guru" typeface="Raavi"/>
+        <a:font script="Cans" typeface="Euphemia"/>
+        <a:font script="Cher" typeface="Plantagenet Cherokee"/>
+        <a:font script="Yiii" typeface="Microsoft Yi Baiti"/>
+        <a:font script="Tibt" typeface="Microsoft Himalaya"/>
+        <a:font script="Thaa" typeface="MV Boli"/>
+        <a:font script="Deva" typeface="Mangal"/>
+        <a:font script="Telu" typeface="Gautami"/>
+        <a:font script="Taml" typeface="Latha"/>
+        <a:font script="Syrc" typeface="Estrangelo Edessa"/>
+        <a:font script="Orya" typeface="Kalinga"/>
+        <a:font script="Mlym" typeface="Kartika"/>
+        <a:font script="Laoo" typeface="DokChampa"/>
+        <a:font script="Sinh" typeface="Iskoola Pota"/>
+        <a:font script="Mong" typeface="Mongolian Baiti"/>
+        <a:font script="Viet" typeface="Arial"/>
+        <a:font script="Uigh" typeface="Microsoft Uighur"/>
+        <a:font script="Geor" typeface="Sylfaen"/>
+        <a:font script="Armn" typeface="Arial"/>
+        <a:font script="Bugi" typeface="Leelawadee UI"/>
+        <a:font script="Bopo" typeface="Microsoft JhengHei"/>
+        <a:font script="Java" typeface="Javanese Text"/>
+        <a:font script="Lisu" typeface="Segoe UI"/>
+        <a:font script="Mymr" typeface="Myanmar Text"/>
+        <a:font script="Nkoo" typeface="Ebrima"/>
+        <a:font script="Olck" typeface="Nirmala UI"/>
+        <a:font script="Osma" typeface="Ebrima"/>
+        <a:font script="Phag" typeface="Phagspa"/>
+        <a:font script="Syrn" typeface="Estrangelo Edessa"/>
+        <a:font script="Syrj" typeface="Estrangelo Edessa"/>
+        <a:font script="Syre" typeface="Estrangelo Edessa"/>
+        <a:font script="Sora" typeface="Nirmala UI"/>
+        <a:font script="Tale" typeface="Microsoft Tai Le"/>
+        <a:font script="Talu" typeface="Microsoft New Tai Lue"/>
+        <a:font script="Tfng" typeface="Ebrima"/>
+      </a:minorFont>
+    </a:fontScheme>
+    <a:fmtScheme name="Office">
+      <a:fillStyleLst>
+        <a:solidFill>
+          <a:schemeClr val="phClr"/>
+        </a:solidFill>
+        <a:gradFill rotWithShape="1">
+          <a:gsLst>
+            <a:gs pos="0">
+              <a:schemeClr val="phClr">
+                <a:lumMod val="110000"/>
+                <a:satMod val="105000"/>
+                <a:tint val="67000"/>
+              </a:schemeClr>
+            </a:gs>
+            <a:gs pos="50000">
+              <a:schemeClr val="phClr">
+                <a:lumMod val="105000"/>
+                <a:satMod val="103000"/>
+                <a:tint val="73000"/>
+              </a:schemeClr>
+            </a:gs>
+            <a:gs pos="100000">
+              <a:schemeClr val="phClr">
+                <a:lumMod val="105000"/>
+                <a:satMod val="109000"/>
+                <a:tint val="81000"/>
+              </a:schemeClr>
+            </a:gs>
+          </a:gsLst>
+          <a:lin ang="5400000" scaled="0"/>
+        </a:gradFill>
+        <a:gradFill rotWithShape="1">
+          <a:gsLst>
+            <a:gs pos="0">
+              <a:schemeClr val="phClr">
+                <a:satMod val="103000"/>
+                <a:lumMod val="102000"/>
+                <a:tint val="94000"/>
+              </a:schemeClr>
+            </a:gs>
+            <a:gs pos="50000">
+              <a:schemeClr val="phClr">
+                <a:satMod val="110000"/>
+                <a:lumMod val="100000"/>
+                <a:shade val="100000"/>
+              </a:schemeClr>
+            </a:gs>
+            <a:gs pos="100000">
+              <a:schemeClr val="phClr">
+                <a:lumMod val="99000"/>
+                <a:satMod val="120000"/>
+                <a:shade val="78000"/>
+              </a:schemeClr>
+            </a:gs>
+          </a:gsLst>
+          <a:lin ang="5400000" scaled="0"/>
+        </a:gradFill>
+      </a:fillStyleLst>
+      <a:lnStyleLst>
+        <a:ln w="12700" cap="flat" cmpd="sng" algn="ctr">
+          <a:solidFill>
+            <a:schemeClr val="phClr"/>
+          </a:solidFill>
+          <a:prstDash val="solid"/>
+          <a:miter lim="800000"/>
+        </a:ln>
+        <a:ln w="19050" cap="flat" cmpd="sng" algn="ctr">
+          <a:solidFill>
+            <a:schemeClr val="phClr"/>
+          </a:solidFill>
+          <a:prstDash val="solid"/>
+          <a:miter lim="800000"/>
+        </a:ln>
+        <a:ln w="25400" cap="flat" cmpd="sng" algn="ctr">
+          <a:solidFill>
+            <a:schemeClr val="phClr"/>
+          </a:solidFill>
+          <a:prstDash val="solid"/>
+          <a:miter lim="800000"/>
+        </a:ln>
+      </a:lnStyleLst>
+      <a:effectStyleLst>
+        <a:effectStyle>
+          <a:effectLst/>
+        </a:effectStyle>
+        <a:effectStyle>
+          <a:effectLst/>
+        </a:effectStyle>
+        <a:effectStyle>
+          <a:effectLst>
+            <a:outerShdw blurRad="57150" dist="19050" dir="5400000" algn="ctr" rotWithShape="0">
+              <a:srgbClr val="000000">
+                <a:alpha val="63000"/>
+              </a:srgbClr>
+            </a:outerShdw>
+          </a:effectLst>
+        </a:effectStyle>
+      </a:effectStyleLst>
+      <a:bgFillStyleLst>
+        <a:solidFill>
+          <a:schemeClr val="phClr"/>
+        </a:solidFill>
+        <a:solidFill>
+          <a:schemeClr val="phClr">
+            <a:tint val="95000"/>
+            <a:satMod val="170000"/>
+          </a:schemeClr>
+        </a:solidFill>
+        <a:gradFill rotWithShape="1">
+          <a:gsLst>
+            <a:gs pos="0">
+              <a:schemeClr val="phClr">
+                <a:tint val="93000"/>
+                <a:satMod val="150000"/>
+                <a:shade val="98000"/>
+                <a:lumMod val="102000"/>
+              </a:schemeClr>
+            </a:gs>
+            <a:gs pos="50000">
+              <a:schemeClr val="phClr">
+                <a:tint val="98000"/>
+                <a:satMod val="130000"/>
+                <a:shade val="90000"/>
+                <a:lumMod val="103000"/>
+              </a:schemeClr>
+            </a:gs>
+            <a:gs pos="100000">
+              <a:schemeClr val="phClr">
+                <a:shade val="63000"/>
+                <a:satMod val="120000"/>
+              </a:schemeClr>
+            </a:gs>
+          </a:gsLst>
+          <a:lin ang="5400000" scaled="0"/>
+        </a:gradFill>
+      </a:bgFillStyleLst>
+    </a:fmtScheme>
+  </a:themeElements>
+  <a:objectDefaults>
+    <a:lnDef>
+      <a:spPr/>
+      <a:bodyPr/>
+      <a:lstStyle/>
+      <a:style>
+        <a:lnRef idx="2">
+          <a:schemeClr val="accent1"/>
+        </a:lnRef>
+        <a:fillRef idx="0">
+          <a:schemeClr val="accent1"/>
+        </a:fillRef>
+        <a:effectRef idx="1">
+          <a:schemeClr val="accent1"/>
+        </a:effectRef>
+        <a:fontRef idx="minor">
+          <a:schemeClr val="tx1"/>
+        </a:fontRef>
+      </a:style>
+    </a:lnDef>
+  </a:objectDefaults>
+  <a:extraClrSchemeLst/>
+  <a:extLst>
+    <a:ext uri="{05A4C25C-085E-4340-85A3-A5531E510DB2}">
+      <thm15:themeFamily xmlns:thm15="http://schemas.microsoft.com/office/thememl/2012/main" name="Office Theme" id="{2E142A2C-CD16-42D6-873A-C26D2A0506FA}" vid="{1BDDFF52-6CD6-40A5-AB3C-68EB2F1E4D0A}"/>
+    </a:ext>
+  </a:extLst>
+</a:theme>
 </file>
--- a/data/땅파기 맵 설계.pptx
+++ b/data/땅파기 맵 설계.pptx
@@ -4325,42 +4325,6 @@
       </p:pic>
       <p:pic>
         <p:nvPicPr>
-          <p:cNvPr id="18" name="그림 17">
-            <a:extLst>
-              <a:ext uri="{FF2B5EF4-FFF2-40B4-BE49-F238E27FC236}">
-                <a16:creationId xmlns:a16="http://schemas.microsoft.com/office/drawing/2014/main" id="{4C899377-706A-7D4F-DF60-BAB17E3D8BC0}"/>
-              </a:ext>
-            </a:extLst>
-          </p:cNvPr>
-          <p:cNvPicPr>
-            <a:picLocks noChangeAspect="1"/>
-          </p:cNvPicPr>
-          <p:nvPr/>
-        </p:nvPicPr>
-        <p:blipFill>
-          <a:blip r:embed="rId2">
-            <a:extLst>
-              <a:ext uri="{28A0092B-C50C-407E-A947-70E740481C1C}">
-                <a14:useLocalDpi xmlns:a14="http://schemas.microsoft.com/office/drawing/2010/main" val="0"/>
-              </a:ext>
-            </a:extLst>
-          </a:blip>
-          <a:stretch>
-            <a:fillRect/>
-          </a:stretch>
-        </p:blipFill>
-        <p:spPr>
-          <a:xfrm>
-            <a:off x="-3464" y="952500"/>
-            <a:ext cx="952500" cy="952500"/>
-          </a:xfrm>
-          <a:prstGeom prst="rect">
-            <a:avLst/>
-          </a:prstGeom>
-        </p:spPr>
-      </p:pic>
-      <p:pic>
-        <p:nvPicPr>
           <p:cNvPr id="28" name="그림 27">
             <a:extLst>
               <a:ext uri="{FF2B5EF4-FFF2-40B4-BE49-F238E27FC236}">
@@ -4388,42 +4352,6 @@
         <p:spPr>
           <a:xfrm>
             <a:off x="4707081" y="952500"/>
-            <a:ext cx="952500" cy="952500"/>
-          </a:xfrm>
-          <a:prstGeom prst="rect">
-            <a:avLst/>
-          </a:prstGeom>
-        </p:spPr>
-      </p:pic>
-      <p:pic>
-        <p:nvPicPr>
-          <p:cNvPr id="30" name="그림 29">
-            <a:extLst>
-              <a:ext uri="{FF2B5EF4-FFF2-40B4-BE49-F238E27FC236}">
-                <a16:creationId xmlns:a16="http://schemas.microsoft.com/office/drawing/2014/main" id="{893DED9F-F9BF-CE81-87A1-488BF05C6539}"/>
-              </a:ext>
-            </a:extLst>
-          </p:cNvPr>
-          <p:cNvPicPr>
-            <a:picLocks noChangeAspect="1"/>
-          </p:cNvPicPr>
-          <p:nvPr/>
-        </p:nvPicPr>
-        <p:blipFill>
-          <a:blip r:embed="rId2">
-            <a:extLst>
-              <a:ext uri="{28A0092B-C50C-407E-A947-70E740481C1C}">
-                <a14:useLocalDpi xmlns:a14="http://schemas.microsoft.com/office/drawing/2010/main" val="0"/>
-              </a:ext>
-            </a:extLst>
-          </a:blip>
-          <a:stretch>
-            <a:fillRect/>
-          </a:stretch>
-        </p:blipFill>
-        <p:spPr>
-          <a:xfrm>
-            <a:off x="11302251" y="952500"/>
             <a:ext cx="952500" cy="952500"/>
           </a:xfrm>
           <a:prstGeom prst="rect">
@@ -4973,42 +4901,6 @@
       </p:pic>
       <p:pic>
         <p:nvPicPr>
-          <p:cNvPr id="59" name="그림 58">
-            <a:extLst>
-              <a:ext uri="{FF2B5EF4-FFF2-40B4-BE49-F238E27FC236}">
-                <a16:creationId xmlns:a16="http://schemas.microsoft.com/office/drawing/2014/main" id="{61CBDAEF-1EBC-B57C-647E-63C0F8F36DB8}"/>
-              </a:ext>
-            </a:extLst>
-          </p:cNvPr>
-          <p:cNvPicPr>
-            <a:picLocks noChangeAspect="1"/>
-          </p:cNvPicPr>
-          <p:nvPr/>
-        </p:nvPicPr>
-        <p:blipFill>
-          <a:blip r:embed="rId2">
-            <a:extLst>
-              <a:ext uri="{28A0092B-C50C-407E-A947-70E740481C1C}">
-                <a14:useLocalDpi xmlns:a14="http://schemas.microsoft.com/office/drawing/2010/main" val="0"/>
-              </a:ext>
-            </a:extLst>
-          </a:blip>
-          <a:stretch>
-            <a:fillRect/>
-          </a:stretch>
-        </p:blipFill>
-        <p:spPr>
-          <a:xfrm>
-            <a:off x="9450531" y="2857500"/>
-            <a:ext cx="952500" cy="952500"/>
-          </a:xfrm>
-          <a:prstGeom prst="rect">
-            <a:avLst/>
-          </a:prstGeom>
-        </p:spPr>
-      </p:pic>
-      <p:pic>
-        <p:nvPicPr>
           <p:cNvPr id="60" name="그림 59">
             <a:extLst>
               <a:ext uri="{FF2B5EF4-FFF2-40B4-BE49-F238E27FC236}">
@@ -5621,42 +5513,6 @@
       </p:pic>
       <p:pic>
         <p:nvPicPr>
-          <p:cNvPr id="96" name="그림 95">
-            <a:extLst>
-              <a:ext uri="{FF2B5EF4-FFF2-40B4-BE49-F238E27FC236}">
-                <a16:creationId xmlns:a16="http://schemas.microsoft.com/office/drawing/2014/main" id="{284B47A3-BEFE-65C2-827A-96C0F47E0FB2}"/>
-              </a:ext>
-            </a:extLst>
-          </p:cNvPr>
-          <p:cNvPicPr>
-            <a:picLocks noChangeAspect="1"/>
-          </p:cNvPicPr>
-          <p:nvPr/>
-        </p:nvPicPr>
-        <p:blipFill>
-          <a:blip r:embed="rId2">
-            <a:extLst>
-              <a:ext uri="{28A0092B-C50C-407E-A947-70E740481C1C}">
-                <a14:useLocalDpi xmlns:a14="http://schemas.microsoft.com/office/drawing/2010/main" val="0"/>
-              </a:ext>
-            </a:extLst>
-          </a:blip>
-          <a:stretch>
-            <a:fillRect/>
-          </a:stretch>
-        </p:blipFill>
-        <p:spPr>
-          <a:xfrm>
-            <a:off x="7550632" y="5715000"/>
-            <a:ext cx="952500" cy="952500"/>
-          </a:xfrm>
-          <a:prstGeom prst="rect">
-            <a:avLst/>
-          </a:prstGeom>
-        </p:spPr>
-      </p:pic>
-      <p:pic>
-        <p:nvPicPr>
           <p:cNvPr id="97" name="그림 96">
             <a:extLst>
               <a:ext uri="{FF2B5EF4-FFF2-40B4-BE49-F238E27FC236}">
@@ -5683,8 +5539,8 @@
         </p:blipFill>
         <p:spPr>
           <a:xfrm>
-            <a:off x="8495408" y="5715000"/>
-            <a:ext cx="952500" cy="952500"/>
+            <a:off x="8467829" y="5715000"/>
+            <a:ext cx="980079" cy="952500"/>
           </a:xfrm>
           <a:prstGeom prst="rect">
             <a:avLst/>
@@ -6017,10 +5873,10 @@
       </p:pic>
       <p:pic>
         <p:nvPicPr>
-          <p:cNvPr id="110" name="그림 109" descr="일렉트릭 블루, 블루, 마조렐 블루, 스크린샷이(가) 표시된 사진&#10;&#10;자동 생성된 설명">
-            <a:extLst>
-              <a:ext uri="{FF2B5EF4-FFF2-40B4-BE49-F238E27FC236}">
-                <a16:creationId xmlns:a16="http://schemas.microsoft.com/office/drawing/2014/main" id="{CB7B7670-8170-3065-A08E-6ABFDDF63FEE}"/>
+          <p:cNvPr id="112" name="그림 111" descr="일렉트릭 블루, 블루, 마조렐 블루, 스크린샷이(가) 표시된 사진&#10;&#10;자동 생성된 설명">
+            <a:extLst>
+              <a:ext uri="{FF2B5EF4-FFF2-40B4-BE49-F238E27FC236}">
+                <a16:creationId xmlns:a16="http://schemas.microsoft.com/office/drawing/2014/main" id="{F925C293-8712-17F8-4304-F3FC4B4B66CD}"/>
               </a:ext>
             </a:extLst>
           </p:cNvPr>
@@ -6043,44 +5899,8 @@
         </p:blipFill>
         <p:spPr>
           <a:xfrm>
-            <a:off x="-11420" y="2857500"/>
-            <a:ext cx="952500" cy="952500"/>
-          </a:xfrm>
-          <a:prstGeom prst="rect">
-            <a:avLst/>
-          </a:prstGeom>
-        </p:spPr>
-      </p:pic>
-      <p:pic>
-        <p:nvPicPr>
-          <p:cNvPr id="112" name="그림 111" descr="일렉트릭 블루, 블루, 마조렐 블루, 스크린샷이(가) 표시된 사진&#10;&#10;자동 생성된 설명">
-            <a:extLst>
-              <a:ext uri="{FF2B5EF4-FFF2-40B4-BE49-F238E27FC236}">
-                <a16:creationId xmlns:a16="http://schemas.microsoft.com/office/drawing/2014/main" id="{F925C293-8712-17F8-4304-F3FC4B4B66CD}"/>
-              </a:ext>
-            </a:extLst>
-          </p:cNvPr>
-          <p:cNvPicPr>
-            <a:picLocks noChangeAspect="1"/>
-          </p:cNvPicPr>
-          <p:nvPr/>
-        </p:nvPicPr>
-        <p:blipFill>
-          <a:blip r:embed="rId5">
-            <a:extLst>
-              <a:ext uri="{28A0092B-C50C-407E-A947-70E740481C1C}">
-                <a14:useLocalDpi xmlns:a14="http://schemas.microsoft.com/office/drawing/2010/main" val="0"/>
-              </a:ext>
-            </a:extLst>
-          </a:blip>
-          <a:stretch>
-            <a:fillRect/>
-          </a:stretch>
-        </p:blipFill>
-        <p:spPr>
-          <a:xfrm>
-            <a:off x="944235" y="2857500"/>
-            <a:ext cx="952500" cy="952500"/>
+            <a:off x="905479" y="2857500"/>
+            <a:ext cx="991256" cy="952500"/>
           </a:xfrm>
           <a:prstGeom prst="rect">
             <a:avLst/>
@@ -6521,42 +6341,6 @@
       </p:pic>
       <p:pic>
         <p:nvPicPr>
-          <p:cNvPr id="146" name="그림 145" descr="일렉트릭 블루, 블루, 마조렐 블루, 스크린샷이(가) 표시된 사진&#10;&#10;자동 생성된 설명">
-            <a:extLst>
-              <a:ext uri="{FF2B5EF4-FFF2-40B4-BE49-F238E27FC236}">
-                <a16:creationId xmlns:a16="http://schemas.microsoft.com/office/drawing/2014/main" id="{22791E5A-BE3A-58E0-3C4F-97A55895C9C8}"/>
-              </a:ext>
-            </a:extLst>
-          </p:cNvPr>
-          <p:cNvPicPr>
-            <a:picLocks noChangeAspect="1"/>
-          </p:cNvPicPr>
-          <p:nvPr/>
-        </p:nvPicPr>
-        <p:blipFill>
-          <a:blip r:embed="rId5">
-            <a:extLst>
-              <a:ext uri="{28A0092B-C50C-407E-A947-70E740481C1C}">
-                <a14:useLocalDpi xmlns:a14="http://schemas.microsoft.com/office/drawing/2010/main" val="0"/>
-              </a:ext>
-            </a:extLst>
-          </a:blip>
-          <a:stretch>
-            <a:fillRect/>
-          </a:stretch>
-        </p:blipFill>
-        <p:spPr>
-          <a:xfrm>
-            <a:off x="10409756" y="952467"/>
-            <a:ext cx="952500" cy="952500"/>
-          </a:xfrm>
-          <a:prstGeom prst="rect">
-            <a:avLst/>
-          </a:prstGeom>
-        </p:spPr>
-      </p:pic>
-      <p:pic>
-        <p:nvPicPr>
           <p:cNvPr id="148" name="그림 147" descr="클립아트, 예술, 일러스트레이션, 만화 영화이(가) 표시된 사진&#10;&#10;자동 생성된 설명">
             <a:extLst>
               <a:ext uri="{FF2B5EF4-FFF2-40B4-BE49-F238E27FC236}">
@@ -6665,42 +6449,6 @@
       </p:pic>
       <p:pic>
         <p:nvPicPr>
-          <p:cNvPr id="15" name="그림 14" descr="클립아트이(가) 표시된 사진&#10;&#10;자동 생성된 설명">
-            <a:extLst>
-              <a:ext uri="{FF2B5EF4-FFF2-40B4-BE49-F238E27FC236}">
-                <a16:creationId xmlns:a16="http://schemas.microsoft.com/office/drawing/2014/main" id="{E1512358-928E-5D20-2B7A-969F231F91C3}"/>
-              </a:ext>
-            </a:extLst>
-          </p:cNvPr>
-          <p:cNvPicPr>
-            <a:picLocks noChangeAspect="1"/>
-          </p:cNvPicPr>
-          <p:nvPr/>
-        </p:nvPicPr>
-        <p:blipFill>
-          <a:blip r:embed="rId7">
-            <a:extLst>
-              <a:ext uri="{28A0092B-C50C-407E-A947-70E740481C1C}">
-                <a14:useLocalDpi xmlns:a14="http://schemas.microsoft.com/office/drawing/2010/main" val="0"/>
-              </a:ext>
-            </a:extLst>
-          </a:blip>
-          <a:stretch>
-            <a:fillRect/>
-          </a:stretch>
-        </p:blipFill>
-        <p:spPr>
-          <a:xfrm>
-            <a:off x="-22251" y="1895064"/>
-            <a:ext cx="952633" cy="952633"/>
-          </a:xfrm>
-          <a:prstGeom prst="rect">
-            <a:avLst/>
-          </a:prstGeom>
-        </p:spPr>
-      </p:pic>
-      <p:pic>
-        <p:nvPicPr>
           <p:cNvPr id="17" name="그림 16" descr="클립아트이(가) 표시된 사진&#10;&#10;자동 생성된 설명">
             <a:extLst>
               <a:ext uri="{FF2B5EF4-FFF2-40B4-BE49-F238E27FC236}">
@@ -6773,10 +6521,190 @@
       </p:pic>
       <p:pic>
         <p:nvPicPr>
-          <p:cNvPr id="27" name="그림 26" descr="클립아트이(가) 표시된 사진&#10;&#10;자동 생성된 설명">
-            <a:extLst>
-              <a:ext uri="{FF2B5EF4-FFF2-40B4-BE49-F238E27FC236}">
-                <a16:creationId xmlns:a16="http://schemas.microsoft.com/office/drawing/2014/main" id="{549EDC7A-66F8-1A0E-FB22-9B3D4059C333}"/>
+          <p:cNvPr id="32" name="그림 31" descr="그레이, 패브릭이(가) 표시된 사진&#10;&#10;자동 생성된 설명">
+            <a:extLst>
+              <a:ext uri="{FF2B5EF4-FFF2-40B4-BE49-F238E27FC236}">
+                <a16:creationId xmlns:a16="http://schemas.microsoft.com/office/drawing/2014/main" id="{690A17C7-F43E-D743-49D3-71F47B509788}"/>
+              </a:ext>
+            </a:extLst>
+          </p:cNvPr>
+          <p:cNvPicPr>
+            <a:picLocks noChangeAspect="1"/>
+          </p:cNvPicPr>
+          <p:nvPr/>
+        </p:nvPicPr>
+        <p:blipFill>
+          <a:blip r:embed="rId6">
+            <a:extLst>
+              <a:ext uri="{28A0092B-C50C-407E-A947-70E740481C1C}">
+                <a14:useLocalDpi xmlns:a14="http://schemas.microsoft.com/office/drawing/2010/main" val="0"/>
+              </a:ext>
+            </a:extLst>
+          </a:blip>
+          <a:stretch>
+            <a:fillRect/>
+          </a:stretch>
+        </p:blipFill>
+        <p:spPr>
+          <a:xfrm>
+            <a:off x="11302251" y="4762235"/>
+            <a:ext cx="952500" cy="952500"/>
+          </a:xfrm>
+          <a:prstGeom prst="rect">
+            <a:avLst/>
+          </a:prstGeom>
+        </p:spPr>
+      </p:pic>
+      <p:pic>
+        <p:nvPicPr>
+          <p:cNvPr id="14" name="그림 13" descr="갈색, 지상이(가) 표시된 사진&#10;&#10;자동 생성된 설명">
+            <a:extLst>
+              <a:ext uri="{FF2B5EF4-FFF2-40B4-BE49-F238E27FC236}">
+                <a16:creationId xmlns:a16="http://schemas.microsoft.com/office/drawing/2014/main" id="{4F6CA236-82B8-57F4-FD52-6453215F5ACC}"/>
+              </a:ext>
+            </a:extLst>
+          </p:cNvPr>
+          <p:cNvPicPr>
+            <a:picLocks noChangeAspect="1"/>
+          </p:cNvPicPr>
+          <p:nvPr/>
+        </p:nvPicPr>
+        <p:blipFill>
+          <a:blip r:embed="rId2">
+            <a:extLst>
+              <a:ext uri="{28A0092B-C50C-407E-A947-70E740481C1C}">
+                <a14:useLocalDpi xmlns:a14="http://schemas.microsoft.com/office/drawing/2010/main" val="0"/>
+              </a:ext>
+            </a:extLst>
+          </a:blip>
+          <a:stretch>
+            <a:fillRect/>
+          </a:stretch>
+        </p:blipFill>
+        <p:spPr>
+          <a:xfrm>
+            <a:off x="4705223" y="5714999"/>
+            <a:ext cx="952500" cy="952500"/>
+          </a:xfrm>
+          <a:prstGeom prst="rect">
+            <a:avLst/>
+          </a:prstGeom>
+        </p:spPr>
+      </p:pic>
+      <p:pic>
+        <p:nvPicPr>
+          <p:cNvPr id="24" name="그림 23" descr="갈색, 지상이(가) 표시된 사진&#10;&#10;자동 생성된 설명">
+            <a:extLst>
+              <a:ext uri="{FF2B5EF4-FFF2-40B4-BE49-F238E27FC236}">
+                <a16:creationId xmlns:a16="http://schemas.microsoft.com/office/drawing/2014/main" id="{8F7FE9CB-DCDB-D7AC-F848-663EBC5727B4}"/>
+              </a:ext>
+            </a:extLst>
+          </p:cNvPr>
+          <p:cNvPicPr>
+            <a:picLocks noChangeAspect="1"/>
+          </p:cNvPicPr>
+          <p:nvPr/>
+        </p:nvPicPr>
+        <p:blipFill>
+          <a:blip r:embed="rId2">
+            <a:extLst>
+              <a:ext uri="{28A0092B-C50C-407E-A947-70E740481C1C}">
+                <a14:useLocalDpi xmlns:a14="http://schemas.microsoft.com/office/drawing/2010/main" val="0"/>
+              </a:ext>
+            </a:extLst>
+          </a:blip>
+          <a:stretch>
+            <a:fillRect/>
+          </a:stretch>
+        </p:blipFill>
+        <p:spPr>
+          <a:xfrm>
+            <a:off x="7519801" y="5714801"/>
+            <a:ext cx="952500" cy="952500"/>
+          </a:xfrm>
+          <a:prstGeom prst="rect">
+            <a:avLst/>
+          </a:prstGeom>
+        </p:spPr>
+      </p:pic>
+      <p:pic>
+        <p:nvPicPr>
+          <p:cNvPr id="29" name="그림 28" descr="갈색, 지상이(가) 표시된 사진&#10;&#10;자동 생성된 설명">
+            <a:extLst>
+              <a:ext uri="{FF2B5EF4-FFF2-40B4-BE49-F238E27FC236}">
+                <a16:creationId xmlns:a16="http://schemas.microsoft.com/office/drawing/2014/main" id="{AB93C2B4-1034-B89E-B176-6B1D50F8D8B2}"/>
+              </a:ext>
+            </a:extLst>
+          </p:cNvPr>
+          <p:cNvPicPr>
+            <a:picLocks noChangeAspect="1"/>
+          </p:cNvPicPr>
+          <p:nvPr/>
+        </p:nvPicPr>
+        <p:blipFill>
+          <a:blip r:embed="rId2">
+            <a:extLst>
+              <a:ext uri="{28A0092B-C50C-407E-A947-70E740481C1C}">
+                <a14:useLocalDpi xmlns:a14="http://schemas.microsoft.com/office/drawing/2010/main" val="0"/>
+              </a:ext>
+            </a:extLst>
+          </a:blip>
+          <a:stretch>
+            <a:fillRect/>
+          </a:stretch>
+        </p:blipFill>
+        <p:spPr>
+          <a:xfrm>
+            <a:off x="-21445" y="2858822"/>
+            <a:ext cx="952500" cy="952500"/>
+          </a:xfrm>
+          <a:prstGeom prst="rect">
+            <a:avLst/>
+          </a:prstGeom>
+        </p:spPr>
+      </p:pic>
+      <p:pic>
+        <p:nvPicPr>
+          <p:cNvPr id="33" name="그림 32" descr="갈색, 지상이(가) 표시된 사진&#10;&#10;자동 생성된 설명">
+            <a:extLst>
+              <a:ext uri="{FF2B5EF4-FFF2-40B4-BE49-F238E27FC236}">
+                <a16:creationId xmlns:a16="http://schemas.microsoft.com/office/drawing/2014/main" id="{E1F0C385-D2E0-72DA-9EB4-6DCEA61BC599}"/>
+              </a:ext>
+            </a:extLst>
+          </p:cNvPr>
+          <p:cNvPicPr>
+            <a:picLocks noChangeAspect="1"/>
+          </p:cNvPicPr>
+          <p:nvPr/>
+        </p:nvPicPr>
+        <p:blipFill>
+          <a:blip r:embed="rId2">
+            <a:extLst>
+              <a:ext uri="{28A0092B-C50C-407E-A947-70E740481C1C}">
+                <a14:useLocalDpi xmlns:a14="http://schemas.microsoft.com/office/drawing/2010/main" val="0"/>
+              </a:ext>
+            </a:extLst>
+          </a:blip>
+          <a:stretch>
+            <a:fillRect/>
+          </a:stretch>
+        </p:blipFill>
+        <p:spPr>
+          <a:xfrm>
+            <a:off x="5640754" y="5714999"/>
+            <a:ext cx="952500" cy="952500"/>
+          </a:xfrm>
+          <a:prstGeom prst="rect">
+            <a:avLst/>
+          </a:prstGeom>
+        </p:spPr>
+      </p:pic>
+      <p:pic>
+        <p:nvPicPr>
+          <p:cNvPr id="49" name="그림 48" descr="클립아트이(가) 표시된 사진&#10;&#10;자동 생성된 설명">
+            <a:extLst>
+              <a:ext uri="{FF2B5EF4-FFF2-40B4-BE49-F238E27FC236}">
+                <a16:creationId xmlns:a16="http://schemas.microsoft.com/office/drawing/2014/main" id="{43BAD945-2860-AAB4-12A0-4A680FD50CD5}"/>
               </a:ext>
             </a:extLst>
           </p:cNvPr>
@@ -6799,7 +6727,7 @@
         </p:blipFill>
         <p:spPr>
           <a:xfrm>
-            <a:off x="6608264" y="5714735"/>
+            <a:off x="-13456" y="952366"/>
             <a:ext cx="952633" cy="952633"/>
           </a:xfrm>
           <a:prstGeom prst="rect">
@@ -6809,82 +6737,118 @@
       </p:pic>
       <p:pic>
         <p:nvPicPr>
-          <p:cNvPr id="32" name="그림 31" descr="그레이, 패브릭이(가) 표시된 사진&#10;&#10;자동 생성된 설명">
-            <a:extLst>
-              <a:ext uri="{FF2B5EF4-FFF2-40B4-BE49-F238E27FC236}">
-                <a16:creationId xmlns:a16="http://schemas.microsoft.com/office/drawing/2014/main" id="{690A17C7-F43E-D743-49D3-71F47B509788}"/>
-              </a:ext>
-            </a:extLst>
-          </p:cNvPr>
-          <p:cNvPicPr>
-            <a:picLocks noChangeAspect="1"/>
-          </p:cNvPicPr>
-          <p:nvPr/>
-        </p:nvPicPr>
-        <p:blipFill>
-          <a:blip r:embed="rId6">
-            <a:extLst>
-              <a:ext uri="{28A0092B-C50C-407E-A947-70E740481C1C}">
-                <a14:useLocalDpi xmlns:a14="http://schemas.microsoft.com/office/drawing/2010/main" val="0"/>
-              </a:ext>
-            </a:extLst>
-          </a:blip>
-          <a:stretch>
-            <a:fillRect/>
-          </a:stretch>
-        </p:blipFill>
-        <p:spPr>
-          <a:xfrm>
-            <a:off x="11302251" y="4762235"/>
-            <a:ext cx="952500" cy="952500"/>
-          </a:xfrm>
-          <a:prstGeom prst="rect">
-            <a:avLst/>
-          </a:prstGeom>
-        </p:spPr>
-      </p:pic>
-      <p:pic>
-        <p:nvPicPr>
-          <p:cNvPr id="34" name="그림 33" descr="그레이, 패브릭이(가) 표시된 사진&#10;&#10;자동 생성된 설명">
-            <a:extLst>
-              <a:ext uri="{FF2B5EF4-FFF2-40B4-BE49-F238E27FC236}">
-                <a16:creationId xmlns:a16="http://schemas.microsoft.com/office/drawing/2014/main" id="{FCA5C1FB-62B3-82B4-A593-F2D430AC5D4D}"/>
-              </a:ext>
-            </a:extLst>
-          </p:cNvPr>
-          <p:cNvPicPr>
-            <a:picLocks noChangeAspect="1"/>
-          </p:cNvPicPr>
-          <p:nvPr/>
-        </p:nvPicPr>
-        <p:blipFill>
-          <a:blip r:embed="rId6">
-            <a:extLst>
-              <a:ext uri="{28A0092B-C50C-407E-A947-70E740481C1C}">
-                <a14:useLocalDpi xmlns:a14="http://schemas.microsoft.com/office/drawing/2010/main" val="0"/>
-              </a:ext>
-            </a:extLst>
-          </a:blip>
-          <a:stretch>
-            <a:fillRect/>
-          </a:stretch>
-        </p:blipFill>
-        <p:spPr>
-          <a:xfrm>
-            <a:off x="5630061" y="5714868"/>
-            <a:ext cx="952500" cy="952500"/>
-          </a:xfrm>
-          <a:prstGeom prst="rect">
-            <a:avLst/>
-          </a:prstGeom>
-        </p:spPr>
-      </p:pic>
-      <p:pic>
-        <p:nvPicPr>
-          <p:cNvPr id="41" name="그림 40" descr="클립아트이(가) 표시된 사진&#10;&#10;자동 생성된 설명">
-            <a:extLst>
-              <a:ext uri="{FF2B5EF4-FFF2-40B4-BE49-F238E27FC236}">
-                <a16:creationId xmlns:a16="http://schemas.microsoft.com/office/drawing/2014/main" id="{F29EA05D-2A82-EA55-FD38-C0374A4F52A3}"/>
+          <p:cNvPr id="52" name="그림 51" descr="갈색, 지상이(가) 표시된 사진&#10;&#10;자동 생성된 설명">
+            <a:extLst>
+              <a:ext uri="{FF2B5EF4-FFF2-40B4-BE49-F238E27FC236}">
+                <a16:creationId xmlns:a16="http://schemas.microsoft.com/office/drawing/2014/main" id="{1FE4F251-3DD0-0E3E-0974-17EB87832EC0}"/>
+              </a:ext>
+            </a:extLst>
+          </p:cNvPr>
+          <p:cNvPicPr>
+            <a:picLocks noChangeAspect="1"/>
+          </p:cNvPicPr>
+          <p:nvPr/>
+        </p:nvPicPr>
+        <p:blipFill>
+          <a:blip r:embed="rId2">
+            <a:extLst>
+              <a:ext uri="{28A0092B-C50C-407E-A947-70E740481C1C}">
+                <a14:useLocalDpi xmlns:a14="http://schemas.microsoft.com/office/drawing/2010/main" val="0"/>
+              </a:ext>
+            </a:extLst>
+          </a:blip>
+          <a:stretch>
+            <a:fillRect/>
+          </a:stretch>
+        </p:blipFill>
+        <p:spPr>
+          <a:xfrm>
+            <a:off x="-21991" y="1936761"/>
+            <a:ext cx="952500" cy="952500"/>
+          </a:xfrm>
+          <a:prstGeom prst="rect">
+            <a:avLst/>
+          </a:prstGeom>
+        </p:spPr>
+      </p:pic>
+      <p:pic>
+        <p:nvPicPr>
+          <p:cNvPr id="58" name="그림 57" descr="일렉트릭 블루, 블루, 마조렐 블루, 스크린샷이(가) 표시된 사진&#10;&#10;자동 생성된 설명">
+            <a:extLst>
+              <a:ext uri="{FF2B5EF4-FFF2-40B4-BE49-F238E27FC236}">
+                <a16:creationId xmlns:a16="http://schemas.microsoft.com/office/drawing/2014/main" id="{B654D13B-73AF-F1D4-42FF-93CF9240A4B3}"/>
+              </a:ext>
+            </a:extLst>
+          </p:cNvPr>
+          <p:cNvPicPr>
+            <a:picLocks noChangeAspect="1"/>
+          </p:cNvPicPr>
+          <p:nvPr/>
+        </p:nvPicPr>
+        <p:blipFill>
+          <a:blip r:embed="rId5">
+            <a:extLst>
+              <a:ext uri="{28A0092B-C50C-407E-A947-70E740481C1C}">
+                <a14:useLocalDpi xmlns:a14="http://schemas.microsoft.com/office/drawing/2010/main" val="0"/>
+              </a:ext>
+            </a:extLst>
+          </a:blip>
+          <a:stretch>
+            <a:fillRect/>
+          </a:stretch>
+        </p:blipFill>
+        <p:spPr>
+          <a:xfrm>
+            <a:off x="11292518" y="952235"/>
+            <a:ext cx="952500" cy="952500"/>
+          </a:xfrm>
+          <a:prstGeom prst="rect">
+            <a:avLst/>
+          </a:prstGeom>
+        </p:spPr>
+      </p:pic>
+      <p:pic>
+        <p:nvPicPr>
+          <p:cNvPr id="62" name="그림 61" descr="갈색, 지상이(가) 표시된 사진&#10;&#10;자동 생성된 설명">
+            <a:extLst>
+              <a:ext uri="{FF2B5EF4-FFF2-40B4-BE49-F238E27FC236}">
+                <a16:creationId xmlns:a16="http://schemas.microsoft.com/office/drawing/2014/main" id="{60C79441-9B35-6751-E99F-A20B854005E2}"/>
+              </a:ext>
+            </a:extLst>
+          </p:cNvPr>
+          <p:cNvPicPr>
+            <a:picLocks noChangeAspect="1"/>
+          </p:cNvPicPr>
+          <p:nvPr/>
+        </p:nvPicPr>
+        <p:blipFill>
+          <a:blip r:embed="rId2">
+            <a:extLst>
+              <a:ext uri="{28A0092B-C50C-407E-A947-70E740481C1C}">
+                <a14:useLocalDpi xmlns:a14="http://schemas.microsoft.com/office/drawing/2010/main" val="0"/>
+              </a:ext>
+            </a:extLst>
+          </a:blip>
+          <a:stretch>
+            <a:fillRect/>
+          </a:stretch>
+        </p:blipFill>
+        <p:spPr>
+          <a:xfrm>
+            <a:off x="10389831" y="951970"/>
+            <a:ext cx="952500" cy="952500"/>
+          </a:xfrm>
+          <a:prstGeom prst="rect">
+            <a:avLst/>
+          </a:prstGeom>
+        </p:spPr>
+      </p:pic>
+      <p:pic>
+        <p:nvPicPr>
+          <p:cNvPr id="69" name="그림 68" descr="클립아트이(가) 표시된 사진&#10;&#10;자동 생성된 설명">
+            <a:extLst>
+              <a:ext uri="{FF2B5EF4-FFF2-40B4-BE49-F238E27FC236}">
+                <a16:creationId xmlns:a16="http://schemas.microsoft.com/office/drawing/2014/main" id="{3F9081FB-47E1-4F37-A404-47A5E1266EBA}"/>
               </a:ext>
             </a:extLst>
           </p:cNvPr>
@@ -6907,8 +6871,44 @@
         </p:blipFill>
         <p:spPr>
           <a:xfrm>
-            <a:off x="4704692" y="5714669"/>
+            <a:off x="9425502" y="2867204"/>
             <a:ext cx="952633" cy="952633"/>
+          </a:xfrm>
+          <a:prstGeom prst="rect">
+            <a:avLst/>
+          </a:prstGeom>
+        </p:spPr>
+      </p:pic>
+      <p:pic>
+        <p:nvPicPr>
+          <p:cNvPr id="77" name="그림 76" descr="갈색, 지상이(가) 표시된 사진&#10;&#10;자동 생성된 설명">
+            <a:extLst>
+              <a:ext uri="{FF2B5EF4-FFF2-40B4-BE49-F238E27FC236}">
+                <a16:creationId xmlns:a16="http://schemas.microsoft.com/office/drawing/2014/main" id="{3D390EF9-CF76-AFB9-733C-37F0266A2963}"/>
+              </a:ext>
+            </a:extLst>
+          </p:cNvPr>
+          <p:cNvPicPr>
+            <a:picLocks noChangeAspect="1"/>
+          </p:cNvPicPr>
+          <p:nvPr/>
+        </p:nvPicPr>
+        <p:blipFill>
+          <a:blip r:embed="rId2">
+            <a:extLst>
+              <a:ext uri="{28A0092B-C50C-407E-A947-70E740481C1C}">
+                <a14:useLocalDpi xmlns:a14="http://schemas.microsoft.com/office/drawing/2010/main" val="0"/>
+              </a:ext>
+            </a:extLst>
+          </a:blip>
+          <a:stretch>
+            <a:fillRect/>
+          </a:stretch>
+        </p:blipFill>
+        <p:spPr>
+          <a:xfrm>
+            <a:off x="6586184" y="5714602"/>
+            <a:ext cx="952500" cy="952500"/>
           </a:xfrm>
           <a:prstGeom prst="rect">
             <a:avLst/>
@@ -7441,43 +7441,7 @@
         </p:blipFill>
         <p:spPr>
           <a:xfrm>
-            <a:off x="-3464" y="952500"/>
-            <a:ext cx="952500" cy="952500"/>
-          </a:xfrm>
-          <a:prstGeom prst="rect">
-            <a:avLst/>
-          </a:prstGeom>
-        </p:spPr>
-      </p:pic>
-      <p:pic>
-        <p:nvPicPr>
-          <p:cNvPr id="25" name="그림 24">
-            <a:extLst>
-              <a:ext uri="{FF2B5EF4-FFF2-40B4-BE49-F238E27FC236}">
-                <a16:creationId xmlns:a16="http://schemas.microsoft.com/office/drawing/2014/main" id="{094DC5BB-25C1-3DF7-1B06-D9329525F543}"/>
-              </a:ext>
-            </a:extLst>
-          </p:cNvPr>
-          <p:cNvPicPr>
-            <a:picLocks noChangeAspect="1"/>
-          </p:cNvPicPr>
-          <p:nvPr/>
-        </p:nvPicPr>
-        <p:blipFill>
-          <a:blip r:embed="rId3">
-            <a:extLst>
-              <a:ext uri="{28A0092B-C50C-407E-A947-70E740481C1C}">
-                <a14:useLocalDpi xmlns:a14="http://schemas.microsoft.com/office/drawing/2010/main" val="0"/>
-              </a:ext>
-            </a:extLst>
-          </a:blip>
-          <a:stretch>
-            <a:fillRect/>
-          </a:stretch>
-        </p:blipFill>
-        <p:spPr>
-          <a:xfrm>
-            <a:off x="940377" y="952500"/>
+            <a:off x="932381" y="942730"/>
             <a:ext cx="952500" cy="952500"/>
           </a:xfrm>
           <a:prstGeom prst="rect">
@@ -8387,42 +8351,6 @@
       </p:pic>
       <p:pic>
         <p:nvPicPr>
-          <p:cNvPr id="75" name="그림 74">
-            <a:extLst>
-              <a:ext uri="{FF2B5EF4-FFF2-40B4-BE49-F238E27FC236}">
-                <a16:creationId xmlns:a16="http://schemas.microsoft.com/office/drawing/2014/main" id="{2924C19F-10BF-C340-B71E-E83348A49E88}"/>
-              </a:ext>
-            </a:extLst>
-          </p:cNvPr>
-          <p:cNvPicPr>
-            <a:picLocks noChangeAspect="1"/>
-          </p:cNvPicPr>
-          <p:nvPr/>
-        </p:nvPicPr>
-        <p:blipFill>
-          <a:blip r:embed="rId3">
-            <a:extLst>
-              <a:ext uri="{28A0092B-C50C-407E-A947-70E740481C1C}">
-                <a14:useLocalDpi xmlns:a14="http://schemas.microsoft.com/office/drawing/2010/main" val="0"/>
-              </a:ext>
-            </a:extLst>
-          </a:blip>
-          <a:stretch>
-            <a:fillRect/>
-          </a:stretch>
-        </p:blipFill>
-        <p:spPr>
-          <a:xfrm>
-            <a:off x="-12596" y="4762500"/>
-            <a:ext cx="952500" cy="952500"/>
-          </a:xfrm>
-          <a:prstGeom prst="rect">
-            <a:avLst/>
-          </a:prstGeom>
-        </p:spPr>
-      </p:pic>
-      <p:pic>
-        <p:nvPicPr>
           <p:cNvPr id="78" name="그림 77">
             <a:extLst>
               <a:ext uri="{FF2B5EF4-FFF2-40B4-BE49-F238E27FC236}">
@@ -8711,42 +8639,6 @@
       </p:pic>
       <p:pic>
         <p:nvPicPr>
-          <p:cNvPr id="106" name="그림 105" descr="클립아트이(가) 표시된 사진&#10;&#10;자동 생성된 설명">
-            <a:extLst>
-              <a:ext uri="{FF2B5EF4-FFF2-40B4-BE49-F238E27FC236}">
-                <a16:creationId xmlns:a16="http://schemas.microsoft.com/office/drawing/2014/main" id="{21F3DF4A-ED7C-4988-C0C7-6FC177CD4E29}"/>
-              </a:ext>
-            </a:extLst>
-          </p:cNvPr>
-          <p:cNvPicPr>
-            <a:picLocks noChangeAspect="1"/>
-          </p:cNvPicPr>
-          <p:nvPr/>
-        </p:nvPicPr>
-        <p:blipFill>
-          <a:blip r:embed="rId8">
-            <a:extLst>
-              <a:ext uri="{28A0092B-C50C-407E-A947-70E740481C1C}">
-                <a14:useLocalDpi xmlns:a14="http://schemas.microsoft.com/office/drawing/2010/main" val="0"/>
-              </a:ext>
-            </a:extLst>
-          </a:blip>
-          <a:stretch>
-            <a:fillRect/>
-          </a:stretch>
-        </p:blipFill>
-        <p:spPr>
-          <a:xfrm>
-            <a:off x="1858539" y="1914637"/>
-            <a:ext cx="952633" cy="952633"/>
-          </a:xfrm>
-          <a:prstGeom prst="rect">
-            <a:avLst/>
-          </a:prstGeom>
-        </p:spPr>
-      </p:pic>
-      <p:pic>
-        <p:nvPicPr>
           <p:cNvPr id="108" name="그림 107" descr="일렉트릭 블루, 블루, 마조렐 블루, 스크린샷이(가) 표시된 사진&#10;&#10;자동 생성된 설명">
             <a:extLst>
               <a:ext uri="{FF2B5EF4-FFF2-40B4-BE49-F238E27FC236}">
@@ -8855,42 +8747,6 @@
       </p:pic>
       <p:pic>
         <p:nvPicPr>
-          <p:cNvPr id="114" name="그림 113" descr="그레이, 패브릭이(가) 표시된 사진&#10;&#10;자동 생성된 설명">
-            <a:extLst>
-              <a:ext uri="{FF2B5EF4-FFF2-40B4-BE49-F238E27FC236}">
-                <a16:creationId xmlns:a16="http://schemas.microsoft.com/office/drawing/2014/main" id="{154DC842-B179-793B-04D9-45519618790E}"/>
-              </a:ext>
-            </a:extLst>
-          </p:cNvPr>
-          <p:cNvPicPr>
-            <a:picLocks noChangeAspect="1"/>
-          </p:cNvPicPr>
-          <p:nvPr/>
-        </p:nvPicPr>
-        <p:blipFill>
-          <a:blip r:embed="rId7">
-            <a:extLst>
-              <a:ext uri="{28A0092B-C50C-407E-A947-70E740481C1C}">
-                <a14:useLocalDpi xmlns:a14="http://schemas.microsoft.com/office/drawing/2010/main" val="0"/>
-              </a:ext>
-            </a:extLst>
-          </a:blip>
-          <a:stretch>
-            <a:fillRect/>
-          </a:stretch>
-        </p:blipFill>
-        <p:spPr>
-          <a:xfrm>
-            <a:off x="-11833" y="3807516"/>
-            <a:ext cx="952500" cy="952500"/>
-          </a:xfrm>
-          <a:prstGeom prst="rect">
-            <a:avLst/>
-          </a:prstGeom>
-        </p:spPr>
-      </p:pic>
-      <p:pic>
-        <p:nvPicPr>
           <p:cNvPr id="116" name="그림 115">
             <a:extLst>
               <a:ext uri="{FF2B5EF4-FFF2-40B4-BE49-F238E27FC236}">
@@ -9395,42 +9251,6 @@
       </p:pic>
       <p:pic>
         <p:nvPicPr>
-          <p:cNvPr id="146" name="그림 145" descr="일렉트릭 블루, 블루, 마조렐 블루, 스크린샷이(가) 표시된 사진&#10;&#10;자동 생성된 설명">
-            <a:extLst>
-              <a:ext uri="{FF2B5EF4-FFF2-40B4-BE49-F238E27FC236}">
-                <a16:creationId xmlns:a16="http://schemas.microsoft.com/office/drawing/2014/main" id="{C96AA9A9-162C-AFED-5DD0-8ECF1A75C5CF}"/>
-              </a:ext>
-            </a:extLst>
-          </p:cNvPr>
-          <p:cNvPicPr>
-            <a:picLocks noChangeAspect="1"/>
-          </p:cNvPicPr>
-          <p:nvPr/>
-        </p:nvPicPr>
-        <p:blipFill>
-          <a:blip r:embed="rId6">
-            <a:extLst>
-              <a:ext uri="{28A0092B-C50C-407E-A947-70E740481C1C}">
-                <a14:useLocalDpi xmlns:a14="http://schemas.microsoft.com/office/drawing/2010/main" val="0"/>
-              </a:ext>
-            </a:extLst>
-          </a:blip>
-          <a:stretch>
-            <a:fillRect/>
-          </a:stretch>
-        </p:blipFill>
-        <p:spPr>
-          <a:xfrm>
-            <a:off x="932729" y="4762500"/>
-            <a:ext cx="952500" cy="952500"/>
-          </a:xfrm>
-          <a:prstGeom prst="rect">
-            <a:avLst/>
-          </a:prstGeom>
-        </p:spPr>
-      </p:pic>
-      <p:pic>
-        <p:nvPicPr>
           <p:cNvPr id="148" name="그림 147" descr="갈색, 지상이(가) 표시된 사진&#10;&#10;자동 생성된 설명">
             <a:extLst>
               <a:ext uri="{FF2B5EF4-FFF2-40B4-BE49-F238E27FC236}">
@@ -9675,6 +9495,186 @@
           <a:xfrm>
             <a:off x="4715968" y="2858742"/>
             <a:ext cx="952500" cy="952500"/>
+          </a:xfrm>
+          <a:prstGeom prst="rect">
+            <a:avLst/>
+          </a:prstGeom>
+        </p:spPr>
+      </p:pic>
+      <p:pic>
+        <p:nvPicPr>
+          <p:cNvPr id="16" name="그림 15" descr="갈색, 지상이(가) 표시된 사진&#10;&#10;자동 생성된 설명">
+            <a:extLst>
+              <a:ext uri="{FF2B5EF4-FFF2-40B4-BE49-F238E27FC236}">
+                <a16:creationId xmlns:a16="http://schemas.microsoft.com/office/drawing/2014/main" id="{45451CDD-AB12-2E2F-FA4F-CDEF346A2464}"/>
+              </a:ext>
+            </a:extLst>
+          </p:cNvPr>
+          <p:cNvPicPr>
+            <a:picLocks noChangeAspect="1"/>
+          </p:cNvPicPr>
+          <p:nvPr/>
+        </p:nvPicPr>
+        <p:blipFill>
+          <a:blip r:embed="rId3">
+            <a:extLst>
+              <a:ext uri="{28A0092B-C50C-407E-A947-70E740481C1C}">
+                <a14:useLocalDpi xmlns:a14="http://schemas.microsoft.com/office/drawing/2010/main" val="0"/>
+              </a:ext>
+            </a:extLst>
+          </a:blip>
+          <a:stretch>
+            <a:fillRect/>
+          </a:stretch>
+        </p:blipFill>
+        <p:spPr>
+          <a:xfrm>
+            <a:off x="1890739" y="1893122"/>
+            <a:ext cx="952500" cy="952500"/>
+          </a:xfrm>
+          <a:prstGeom prst="rect">
+            <a:avLst/>
+          </a:prstGeom>
+        </p:spPr>
+      </p:pic>
+      <p:pic>
+        <p:nvPicPr>
+          <p:cNvPr id="26" name="그림 25" descr="일렉트릭 블루, 블루, 마조렐 블루, 스크린샷이(가) 표시된 사진&#10;&#10;자동 생성된 설명">
+            <a:extLst>
+              <a:ext uri="{FF2B5EF4-FFF2-40B4-BE49-F238E27FC236}">
+                <a16:creationId xmlns:a16="http://schemas.microsoft.com/office/drawing/2014/main" id="{018373E5-DFDF-53D0-98F0-DC0658849255}"/>
+              </a:ext>
+            </a:extLst>
+          </p:cNvPr>
+          <p:cNvPicPr>
+            <a:picLocks noChangeAspect="1"/>
+          </p:cNvPicPr>
+          <p:nvPr/>
+        </p:nvPicPr>
+        <p:blipFill>
+          <a:blip r:embed="rId6">
+            <a:extLst>
+              <a:ext uri="{28A0092B-C50C-407E-A947-70E740481C1C}">
+                <a14:useLocalDpi xmlns:a14="http://schemas.microsoft.com/office/drawing/2010/main" val="0"/>
+              </a:ext>
+            </a:extLst>
+          </a:blip>
+          <a:stretch>
+            <a:fillRect/>
+          </a:stretch>
+        </p:blipFill>
+        <p:spPr>
+          <a:xfrm>
+            <a:off x="-2679" y="3814885"/>
+            <a:ext cx="952500" cy="952500"/>
+          </a:xfrm>
+          <a:prstGeom prst="rect">
+            <a:avLst/>
+          </a:prstGeom>
+        </p:spPr>
+      </p:pic>
+      <p:pic>
+        <p:nvPicPr>
+          <p:cNvPr id="29" name="그림 28" descr="그레이, 패브릭이(가) 표시된 사진&#10;&#10;자동 생성된 설명">
+            <a:extLst>
+              <a:ext uri="{FF2B5EF4-FFF2-40B4-BE49-F238E27FC236}">
+                <a16:creationId xmlns:a16="http://schemas.microsoft.com/office/drawing/2014/main" id="{5E06D227-19C7-7074-9119-0C639BC57555}"/>
+              </a:ext>
+            </a:extLst>
+          </p:cNvPr>
+          <p:cNvPicPr>
+            <a:picLocks noChangeAspect="1"/>
+          </p:cNvPicPr>
+          <p:nvPr/>
+        </p:nvPicPr>
+        <p:blipFill>
+          <a:blip r:embed="rId7">
+            <a:extLst>
+              <a:ext uri="{28A0092B-C50C-407E-A947-70E740481C1C}">
+                <a14:useLocalDpi xmlns:a14="http://schemas.microsoft.com/office/drawing/2010/main" val="0"/>
+              </a:ext>
+            </a:extLst>
+          </a:blip>
+          <a:stretch>
+            <a:fillRect/>
+          </a:stretch>
+        </p:blipFill>
+        <p:spPr>
+          <a:xfrm>
+            <a:off x="934300" y="4750246"/>
+            <a:ext cx="952500" cy="952500"/>
+          </a:xfrm>
+          <a:prstGeom prst="rect">
+            <a:avLst/>
+          </a:prstGeom>
+        </p:spPr>
+      </p:pic>
+      <p:pic>
+        <p:nvPicPr>
+          <p:cNvPr id="31" name="그림 30" descr="클립아트이(가) 표시된 사진&#10;&#10;자동 생성된 설명">
+            <a:extLst>
+              <a:ext uri="{FF2B5EF4-FFF2-40B4-BE49-F238E27FC236}">
+                <a16:creationId xmlns:a16="http://schemas.microsoft.com/office/drawing/2014/main" id="{093AEAA1-F54E-2FA4-E140-69FF61A0D7B4}"/>
+              </a:ext>
+            </a:extLst>
+          </p:cNvPr>
+          <p:cNvPicPr>
+            <a:picLocks noChangeAspect="1"/>
+          </p:cNvPicPr>
+          <p:nvPr/>
+        </p:nvPicPr>
+        <p:blipFill>
+          <a:blip r:embed="rId8">
+            <a:extLst>
+              <a:ext uri="{28A0092B-C50C-407E-A947-70E740481C1C}">
+                <a14:useLocalDpi xmlns:a14="http://schemas.microsoft.com/office/drawing/2010/main" val="0"/>
+              </a:ext>
+            </a:extLst>
+          </a:blip>
+          <a:stretch>
+            <a:fillRect/>
+          </a:stretch>
+        </p:blipFill>
+        <p:spPr>
+          <a:xfrm>
+            <a:off x="-14266" y="937845"/>
+            <a:ext cx="952633" cy="952633"/>
+          </a:xfrm>
+          <a:prstGeom prst="rect">
+            <a:avLst/>
+          </a:prstGeom>
+        </p:spPr>
+      </p:pic>
+      <p:pic>
+        <p:nvPicPr>
+          <p:cNvPr id="33" name="그림 32" descr="일렉트릭 블루, 블루, 마조렐 블루, 스크린샷이(가) 표시된 사진&#10;&#10;자동 생성된 설명">
+            <a:extLst>
+              <a:ext uri="{FF2B5EF4-FFF2-40B4-BE49-F238E27FC236}">
+                <a16:creationId xmlns:a16="http://schemas.microsoft.com/office/drawing/2014/main" id="{48942942-DA7F-33EA-35FF-AEB99A7FF931}"/>
+              </a:ext>
+            </a:extLst>
+          </p:cNvPr>
+          <p:cNvPicPr>
+            <a:picLocks noChangeAspect="1"/>
+          </p:cNvPicPr>
+          <p:nvPr/>
+        </p:nvPicPr>
+        <p:blipFill>
+          <a:blip r:embed="rId6">
+            <a:extLst>
+              <a:ext uri="{28A0092B-C50C-407E-A947-70E740481C1C}">
+                <a14:useLocalDpi xmlns:a14="http://schemas.microsoft.com/office/drawing/2010/main" val="0"/>
+              </a:ext>
+            </a:extLst>
+          </a:blip>
+          <a:stretch>
+            <a:fillRect/>
+          </a:stretch>
+        </p:blipFill>
+        <p:spPr>
+          <a:xfrm>
+            <a:off x="-3407" y="4718451"/>
+            <a:ext cx="952500" cy="979409"/>
           </a:xfrm>
           <a:prstGeom prst="rect">
             <a:avLst/>
@@ -17065,7 +17065,7 @@
         </p:blipFill>
         <p:spPr>
           <a:xfrm>
-            <a:off x="-3464" y="1905000"/>
+            <a:off x="-25242" y="2856506"/>
             <a:ext cx="952500" cy="952500"/>
           </a:xfrm>
           <a:prstGeom prst="rect">
@@ -17975,42 +17975,6 @@
       </p:pic>
       <p:pic>
         <p:nvPicPr>
-          <p:cNvPr id="75" name="그림 74">
-            <a:extLst>
-              <a:ext uri="{FF2B5EF4-FFF2-40B4-BE49-F238E27FC236}">
-                <a16:creationId xmlns:a16="http://schemas.microsoft.com/office/drawing/2014/main" id="{2924C19F-10BF-C340-B71E-E83348A49E88}"/>
-              </a:ext>
-            </a:extLst>
-          </p:cNvPr>
-          <p:cNvPicPr>
-            <a:picLocks noChangeAspect="1"/>
-          </p:cNvPicPr>
-          <p:nvPr/>
-        </p:nvPicPr>
-        <p:blipFill>
-          <a:blip r:embed="rId2">
-            <a:extLst>
-              <a:ext uri="{28A0092B-C50C-407E-A947-70E740481C1C}">
-                <a14:useLocalDpi xmlns:a14="http://schemas.microsoft.com/office/drawing/2010/main" val="0"/>
-              </a:ext>
-            </a:extLst>
-          </a:blip>
-          <a:stretch>
-            <a:fillRect/>
-          </a:stretch>
-        </p:blipFill>
-        <p:spPr>
-          <a:xfrm>
-            <a:off x="-12596" y="4762500"/>
-            <a:ext cx="952500" cy="952500"/>
-          </a:xfrm>
-          <a:prstGeom prst="rect">
-            <a:avLst/>
-          </a:prstGeom>
-        </p:spPr>
-      </p:pic>
-      <p:pic>
-        <p:nvPicPr>
           <p:cNvPr id="78" name="그림 77">
             <a:extLst>
               <a:ext uri="{FF2B5EF4-FFF2-40B4-BE49-F238E27FC236}">
@@ -19127,78 +19091,6 @@
       </p:pic>
       <p:pic>
         <p:nvPicPr>
-          <p:cNvPr id="115" name="그림 114" descr="일렉트릭 블루, 블루, 마조렐 블루, 스크린샷이(가) 표시된 사진&#10;&#10;자동 생성된 설명">
-            <a:extLst>
-              <a:ext uri="{FF2B5EF4-FFF2-40B4-BE49-F238E27FC236}">
-                <a16:creationId xmlns:a16="http://schemas.microsoft.com/office/drawing/2014/main" id="{B0E0AF00-098E-E2FC-FBE1-C8CCD51AA936}"/>
-              </a:ext>
-            </a:extLst>
-          </p:cNvPr>
-          <p:cNvPicPr>
-            <a:picLocks noChangeAspect="1"/>
-          </p:cNvPicPr>
-          <p:nvPr/>
-        </p:nvPicPr>
-        <p:blipFill>
-          <a:blip r:embed="rId5">
-            <a:extLst>
-              <a:ext uri="{28A0092B-C50C-407E-A947-70E740481C1C}">
-                <a14:useLocalDpi xmlns:a14="http://schemas.microsoft.com/office/drawing/2010/main" val="0"/>
-              </a:ext>
-            </a:extLst>
-          </a:blip>
-          <a:stretch>
-            <a:fillRect/>
-          </a:stretch>
-        </p:blipFill>
-        <p:spPr>
-          <a:xfrm>
-            <a:off x="-10863" y="2857003"/>
-            <a:ext cx="952500" cy="951506"/>
-          </a:xfrm>
-          <a:prstGeom prst="rect">
-            <a:avLst/>
-          </a:prstGeom>
-        </p:spPr>
-      </p:pic>
-      <p:pic>
-        <p:nvPicPr>
-          <p:cNvPr id="117" name="그림 116" descr="클립아트이(가) 표시된 사진&#10;&#10;자동 생성된 설명">
-            <a:extLst>
-              <a:ext uri="{FF2B5EF4-FFF2-40B4-BE49-F238E27FC236}">
-                <a16:creationId xmlns:a16="http://schemas.microsoft.com/office/drawing/2014/main" id="{057A58D5-EC35-68CA-3EFA-5FB8D6C1F663}"/>
-              </a:ext>
-            </a:extLst>
-          </p:cNvPr>
-          <p:cNvPicPr>
-            <a:picLocks noChangeAspect="1"/>
-          </p:cNvPicPr>
-          <p:nvPr/>
-        </p:nvPicPr>
-        <p:blipFill>
-          <a:blip r:embed="rId7">
-            <a:extLst>
-              <a:ext uri="{28A0092B-C50C-407E-A947-70E740481C1C}">
-                <a14:useLocalDpi xmlns:a14="http://schemas.microsoft.com/office/drawing/2010/main" val="0"/>
-              </a:ext>
-            </a:extLst>
-          </a:blip>
-          <a:stretch>
-            <a:fillRect/>
-          </a:stretch>
-        </p:blipFill>
-        <p:spPr>
-          <a:xfrm>
-            <a:off x="1888481" y="4762433"/>
-            <a:ext cx="952633" cy="952633"/>
-          </a:xfrm>
-          <a:prstGeom prst="rect">
-            <a:avLst/>
-          </a:prstGeom>
-        </p:spPr>
-      </p:pic>
-      <p:pic>
-        <p:nvPicPr>
           <p:cNvPr id="118" name="그림 117" descr="클립아트이(가) 표시된 사진&#10;&#10;자동 생성된 설명">
             <a:extLst>
               <a:ext uri="{FF2B5EF4-FFF2-40B4-BE49-F238E27FC236}">
@@ -19335,6 +19227,114 @@
           <a:xfrm>
             <a:off x="4734673" y="1936594"/>
             <a:ext cx="952633" cy="952633"/>
+          </a:xfrm>
+          <a:prstGeom prst="rect">
+            <a:avLst/>
+          </a:prstGeom>
+        </p:spPr>
+      </p:pic>
+      <p:pic>
+        <p:nvPicPr>
+          <p:cNvPr id="2" name="그림 1" descr="일렉트릭 블루, 블루, 마조렐 블루, 스크린샷이(가) 표시된 사진&#10;&#10;자동 생성된 설명">
+            <a:extLst>
+              <a:ext uri="{FF2B5EF4-FFF2-40B4-BE49-F238E27FC236}">
+                <a16:creationId xmlns:a16="http://schemas.microsoft.com/office/drawing/2014/main" id="{B0E0AF00-098E-E2FC-FBE1-C8CCD51AA936}"/>
+              </a:ext>
+            </a:extLst>
+          </p:cNvPr>
+          <p:cNvPicPr>
+            <a:picLocks noChangeAspect="1"/>
+          </p:cNvPicPr>
+          <p:nvPr/>
+        </p:nvPicPr>
+        <p:blipFill>
+          <a:blip r:embed="rId5">
+            <a:extLst>
+              <a:ext uri="{28A0092B-C50C-407E-A947-70E740481C1C}">
+                <a14:useLocalDpi xmlns:a14="http://schemas.microsoft.com/office/drawing/2010/main" val="0"/>
+              </a:ext>
+            </a:extLst>
+          </a:blip>
+          <a:stretch>
+            <a:fillRect/>
+          </a:stretch>
+        </p:blipFill>
+        <p:spPr>
+          <a:xfrm>
+            <a:off x="-10474" y="1903012"/>
+            <a:ext cx="952500" cy="951506"/>
+          </a:xfrm>
+          <a:prstGeom prst="rect">
+            <a:avLst/>
+          </a:prstGeom>
+        </p:spPr>
+      </p:pic>
+      <p:pic>
+        <p:nvPicPr>
+          <p:cNvPr id="14" name="그림 13" descr="클립아트이(가) 표시된 사진&#10;&#10;자동 생성된 설명">
+            <a:extLst>
+              <a:ext uri="{FF2B5EF4-FFF2-40B4-BE49-F238E27FC236}">
+                <a16:creationId xmlns:a16="http://schemas.microsoft.com/office/drawing/2014/main" id="{825F0FA5-4A5A-7D0C-0A76-FB962419A647}"/>
+              </a:ext>
+            </a:extLst>
+          </p:cNvPr>
+          <p:cNvPicPr>
+            <a:picLocks noChangeAspect="1"/>
+          </p:cNvPicPr>
+          <p:nvPr/>
+        </p:nvPicPr>
+        <p:blipFill>
+          <a:blip r:embed="rId7">
+            <a:extLst>
+              <a:ext uri="{28A0092B-C50C-407E-A947-70E740481C1C}">
+                <a14:useLocalDpi xmlns:a14="http://schemas.microsoft.com/office/drawing/2010/main" val="0"/>
+              </a:ext>
+            </a:extLst>
+          </a:blip>
+          <a:stretch>
+            <a:fillRect/>
+          </a:stretch>
+        </p:blipFill>
+        <p:spPr>
+          <a:xfrm>
+            <a:off x="9656" y="4760512"/>
+            <a:ext cx="952633" cy="952633"/>
+          </a:xfrm>
+          <a:prstGeom prst="rect">
+            <a:avLst/>
+          </a:prstGeom>
+        </p:spPr>
+      </p:pic>
+      <p:pic>
+        <p:nvPicPr>
+          <p:cNvPr id="41" name="그림 40" descr="일렉트릭 블루, 블루, 마조렐 블루, 스크린샷이(가) 표시된 사진&#10;&#10;자동 생성된 설명">
+            <a:extLst>
+              <a:ext uri="{FF2B5EF4-FFF2-40B4-BE49-F238E27FC236}">
+                <a16:creationId xmlns:a16="http://schemas.microsoft.com/office/drawing/2014/main" id="{1BCB3CD0-A322-4177-FAE2-E9B52AAC55CC}"/>
+              </a:ext>
+            </a:extLst>
+          </p:cNvPr>
+          <p:cNvPicPr>
+            <a:picLocks noChangeAspect="1"/>
+          </p:cNvPicPr>
+          <p:nvPr/>
+        </p:nvPicPr>
+        <p:blipFill>
+          <a:blip r:embed="rId5">
+            <a:extLst>
+              <a:ext uri="{28A0092B-C50C-407E-A947-70E740481C1C}">
+                <a14:useLocalDpi xmlns:a14="http://schemas.microsoft.com/office/drawing/2010/main" val="0"/>
+              </a:ext>
+            </a:extLst>
+          </a:blip>
+          <a:stretch>
+            <a:fillRect/>
+          </a:stretch>
+        </p:blipFill>
+        <p:spPr>
+          <a:xfrm>
+            <a:off x="1888032" y="4760578"/>
+            <a:ext cx="952500" cy="952500"/>
           </a:xfrm>
           <a:prstGeom prst="rect">
             <a:avLst/>
@@ -20489,42 +20489,6 @@
       </p:pic>
       <p:pic>
         <p:nvPicPr>
-          <p:cNvPr id="51" name="그림 50">
-            <a:extLst>
-              <a:ext uri="{FF2B5EF4-FFF2-40B4-BE49-F238E27FC236}">
-                <a16:creationId xmlns:a16="http://schemas.microsoft.com/office/drawing/2014/main" id="{BAB311AF-103D-A333-4D80-CBAFD5FA4AE8}"/>
-              </a:ext>
-            </a:extLst>
-          </p:cNvPr>
-          <p:cNvPicPr>
-            <a:picLocks noChangeAspect="1"/>
-          </p:cNvPicPr>
-          <p:nvPr/>
-        </p:nvPicPr>
-        <p:blipFill>
-          <a:blip r:embed="rId2">
-            <a:extLst>
-              <a:ext uri="{28A0092B-C50C-407E-A947-70E740481C1C}">
-                <a14:useLocalDpi xmlns:a14="http://schemas.microsoft.com/office/drawing/2010/main" val="0"/>
-              </a:ext>
-            </a:extLst>
-          </a:blip>
-          <a:stretch>
-            <a:fillRect/>
-          </a:stretch>
-        </p:blipFill>
-        <p:spPr>
-          <a:xfrm>
-            <a:off x="1877291" y="2857500"/>
-            <a:ext cx="952500" cy="952500"/>
-          </a:xfrm>
-          <a:prstGeom prst="rect">
-            <a:avLst/>
-          </a:prstGeom>
-        </p:spPr>
-      </p:pic>
-      <p:pic>
-        <p:nvPicPr>
           <p:cNvPr id="52" name="그림 51">
             <a:extLst>
               <a:ext uri="{FF2B5EF4-FFF2-40B4-BE49-F238E27FC236}">
@@ -20741,42 +20705,6 @@
       </p:pic>
       <p:pic>
         <p:nvPicPr>
-          <p:cNvPr id="62" name="그림 61">
-            <a:extLst>
-              <a:ext uri="{FF2B5EF4-FFF2-40B4-BE49-F238E27FC236}">
-                <a16:creationId xmlns:a16="http://schemas.microsoft.com/office/drawing/2014/main" id="{1C53F94E-1B6A-D866-9D2C-59264FEA2335}"/>
-              </a:ext>
-            </a:extLst>
-          </p:cNvPr>
-          <p:cNvPicPr>
-            <a:picLocks noChangeAspect="1"/>
-          </p:cNvPicPr>
-          <p:nvPr/>
-        </p:nvPicPr>
-        <p:blipFill>
-          <a:blip r:embed="rId2">
-            <a:extLst>
-              <a:ext uri="{28A0092B-C50C-407E-A947-70E740481C1C}">
-                <a14:useLocalDpi xmlns:a14="http://schemas.microsoft.com/office/drawing/2010/main" val="0"/>
-              </a:ext>
-            </a:extLst>
-          </a:blip>
-          <a:stretch>
-            <a:fillRect/>
-          </a:stretch>
-        </p:blipFill>
-        <p:spPr>
-          <a:xfrm>
-            <a:off x="-12596" y="3810000"/>
-            <a:ext cx="952500" cy="952500"/>
-          </a:xfrm>
-          <a:prstGeom prst="rect">
-            <a:avLst/>
-          </a:prstGeom>
-        </p:spPr>
-      </p:pic>
-      <p:pic>
-        <p:nvPicPr>
           <p:cNvPr id="63" name="그림 62">
             <a:extLst>
               <a:ext uri="{FF2B5EF4-FFF2-40B4-BE49-F238E27FC236}">
@@ -20849,42 +20777,6 @@
       </p:pic>
       <p:pic>
         <p:nvPicPr>
-          <p:cNvPr id="65" name="그림 64">
-            <a:extLst>
-              <a:ext uri="{FF2B5EF4-FFF2-40B4-BE49-F238E27FC236}">
-                <a16:creationId xmlns:a16="http://schemas.microsoft.com/office/drawing/2014/main" id="{E54AD96A-05C7-66DC-79B2-59AF81441F0D}"/>
-              </a:ext>
-            </a:extLst>
-          </p:cNvPr>
-          <p:cNvPicPr>
-            <a:picLocks noChangeAspect="1"/>
-          </p:cNvPicPr>
-          <p:nvPr/>
-        </p:nvPicPr>
-        <p:blipFill>
-          <a:blip r:embed="rId2">
-            <a:extLst>
-              <a:ext uri="{28A0092B-C50C-407E-A947-70E740481C1C}">
-                <a14:useLocalDpi xmlns:a14="http://schemas.microsoft.com/office/drawing/2010/main" val="0"/>
-              </a:ext>
-            </a:extLst>
-          </a:blip>
-          <a:stretch>
-            <a:fillRect/>
-          </a:stretch>
-        </p:blipFill>
-        <p:spPr>
-          <a:xfrm>
-            <a:off x="2822228" y="3810000"/>
-            <a:ext cx="952500" cy="952500"/>
-          </a:xfrm>
-          <a:prstGeom prst="rect">
-            <a:avLst/>
-          </a:prstGeom>
-        </p:spPr>
-      </p:pic>
-      <p:pic>
-        <p:nvPicPr>
           <p:cNvPr id="66" name="그림 65">
             <a:extLst>
               <a:ext uri="{FF2B5EF4-FFF2-40B4-BE49-F238E27FC236}">
@@ -21524,42 +21416,6 @@
         <p:spPr>
           <a:xfrm>
             <a:off x="1877274" y="5715000"/>
-            <a:ext cx="952500" cy="952500"/>
-          </a:xfrm>
-          <a:prstGeom prst="rect">
-            <a:avLst/>
-          </a:prstGeom>
-        </p:spPr>
-      </p:pic>
-      <p:pic>
-        <p:nvPicPr>
-          <p:cNvPr id="91" name="그림 90">
-            <a:extLst>
-              <a:ext uri="{FF2B5EF4-FFF2-40B4-BE49-F238E27FC236}">
-                <a16:creationId xmlns:a16="http://schemas.microsoft.com/office/drawing/2014/main" id="{DF72B19E-7534-1975-EB01-324A8E07BB00}"/>
-              </a:ext>
-            </a:extLst>
-          </p:cNvPr>
-          <p:cNvPicPr>
-            <a:picLocks noChangeAspect="1"/>
-          </p:cNvPicPr>
-          <p:nvPr/>
-        </p:nvPicPr>
-        <p:blipFill>
-          <a:blip r:embed="rId2">
-            <a:extLst>
-              <a:ext uri="{28A0092B-C50C-407E-A947-70E740481C1C}">
-                <a14:useLocalDpi xmlns:a14="http://schemas.microsoft.com/office/drawing/2010/main" val="0"/>
-              </a:ext>
-            </a:extLst>
-          </a:blip>
-          <a:stretch>
-            <a:fillRect/>
-          </a:stretch>
-        </p:blipFill>
-        <p:spPr>
-          <a:xfrm>
-            <a:off x="2815106" y="5715000"/>
             <a:ext cx="952500" cy="952500"/>
           </a:xfrm>
           <a:prstGeom prst="rect">
@@ -21929,42 +21785,6 @@
       </p:pic>
       <p:pic>
         <p:nvPicPr>
-          <p:cNvPr id="16" name="그림 15" descr="그레이, 패브릭이(가) 표시된 사진&#10;&#10;자동 생성된 설명">
-            <a:extLst>
-              <a:ext uri="{FF2B5EF4-FFF2-40B4-BE49-F238E27FC236}">
-                <a16:creationId xmlns:a16="http://schemas.microsoft.com/office/drawing/2014/main" id="{3AB9D487-9449-077E-E5D9-5A8142BAA70E}"/>
-              </a:ext>
-            </a:extLst>
-          </p:cNvPr>
-          <p:cNvPicPr>
-            <a:picLocks noChangeAspect="1"/>
-          </p:cNvPicPr>
-          <p:nvPr/>
-        </p:nvPicPr>
-        <p:blipFill>
-          <a:blip r:embed="rId5">
-            <a:extLst>
-              <a:ext uri="{28A0092B-C50C-407E-A947-70E740481C1C}">
-                <a14:useLocalDpi xmlns:a14="http://schemas.microsoft.com/office/drawing/2010/main" val="0"/>
-              </a:ext>
-            </a:extLst>
-          </a:blip>
-          <a:stretch>
-            <a:fillRect/>
-          </a:stretch>
-        </p:blipFill>
-        <p:spPr>
-          <a:xfrm>
-            <a:off x="930786" y="2857466"/>
-            <a:ext cx="952500" cy="952500"/>
-          </a:xfrm>
-          <a:prstGeom prst="rect">
-            <a:avLst/>
-          </a:prstGeom>
-        </p:spPr>
-      </p:pic>
-      <p:pic>
-        <p:nvPicPr>
           <p:cNvPr id="17" name="그림 16" descr="그레이, 패브릭이(가) 표시된 사진&#10;&#10;자동 생성된 설명">
             <a:extLst>
               <a:ext uri="{FF2B5EF4-FFF2-40B4-BE49-F238E27FC236}">
@@ -22397,42 +22217,6 @@
       </p:pic>
       <p:pic>
         <p:nvPicPr>
-          <p:cNvPr id="119" name="그림 118" descr="그레이, 패브릭이(가) 표시된 사진&#10;&#10;자동 생성된 설명">
-            <a:extLst>
-              <a:ext uri="{FF2B5EF4-FFF2-40B4-BE49-F238E27FC236}">
-                <a16:creationId xmlns:a16="http://schemas.microsoft.com/office/drawing/2014/main" id="{2243F374-58ED-3278-1C54-F811448EAA27}"/>
-              </a:ext>
-            </a:extLst>
-          </p:cNvPr>
-          <p:cNvPicPr>
-            <a:picLocks noChangeAspect="1"/>
-          </p:cNvPicPr>
-          <p:nvPr/>
-        </p:nvPicPr>
-        <p:blipFill>
-          <a:blip r:embed="rId5">
-            <a:extLst>
-              <a:ext uri="{28A0092B-C50C-407E-A947-70E740481C1C}">
-                <a14:useLocalDpi xmlns:a14="http://schemas.microsoft.com/office/drawing/2010/main" val="0"/>
-              </a:ext>
-            </a:extLst>
-          </a:blip>
-          <a:stretch>
-            <a:fillRect/>
-          </a:stretch>
-        </p:blipFill>
-        <p:spPr>
-          <a:xfrm>
-            <a:off x="2828861" y="4762500"/>
-            <a:ext cx="952500" cy="952500"/>
-          </a:xfrm>
-          <a:prstGeom prst="rect">
-            <a:avLst/>
-          </a:prstGeom>
-        </p:spPr>
-      </p:pic>
-      <p:pic>
-        <p:nvPicPr>
           <p:cNvPr id="120" name="그림 119" descr="그레이, 패브릭이(가) 표시된 사진&#10;&#10;자동 생성된 설명">
             <a:extLst>
               <a:ext uri="{FF2B5EF4-FFF2-40B4-BE49-F238E27FC236}">
@@ -22641,6 +22425,222 @@
           <a:xfrm>
             <a:off x="11313865" y="1895884"/>
             <a:ext cx="952500" cy="990422"/>
+          </a:xfrm>
+          <a:prstGeom prst="rect">
+            <a:avLst/>
+          </a:prstGeom>
+        </p:spPr>
+      </p:pic>
+      <p:pic>
+        <p:nvPicPr>
+          <p:cNvPr id="12" name="그림 11" descr="그레이, 패브릭이(가) 표시된 사진&#10;&#10;자동 생성된 설명">
+            <a:extLst>
+              <a:ext uri="{FF2B5EF4-FFF2-40B4-BE49-F238E27FC236}">
+                <a16:creationId xmlns:a16="http://schemas.microsoft.com/office/drawing/2014/main" id="{890E7E93-D05E-2F6B-9FF3-65318EEDA96F}"/>
+              </a:ext>
+            </a:extLst>
+          </p:cNvPr>
+          <p:cNvPicPr>
+            <a:picLocks noChangeAspect="1"/>
+          </p:cNvPicPr>
+          <p:nvPr/>
+        </p:nvPicPr>
+        <p:blipFill>
+          <a:blip r:embed="rId5">
+            <a:extLst>
+              <a:ext uri="{28A0092B-C50C-407E-A947-70E740481C1C}">
+                <a14:useLocalDpi xmlns:a14="http://schemas.microsoft.com/office/drawing/2010/main" val="0"/>
+              </a:ext>
+            </a:extLst>
+          </a:blip>
+          <a:stretch>
+            <a:fillRect/>
+          </a:stretch>
+        </p:blipFill>
+        <p:spPr>
+          <a:xfrm>
+            <a:off x="-12413" y="3794496"/>
+            <a:ext cx="952500" cy="993704"/>
+          </a:xfrm>
+          <a:prstGeom prst="rect">
+            <a:avLst/>
+          </a:prstGeom>
+        </p:spPr>
+      </p:pic>
+      <p:pic>
+        <p:nvPicPr>
+          <p:cNvPr id="24" name="그림 23" descr="일렉트릭 블루, 블루, 마조렐 블루, 스크린샷이(가) 표시된 사진&#10;&#10;자동 생성된 설명">
+            <a:extLst>
+              <a:ext uri="{FF2B5EF4-FFF2-40B4-BE49-F238E27FC236}">
+                <a16:creationId xmlns:a16="http://schemas.microsoft.com/office/drawing/2014/main" id="{9CBB227C-0963-BB97-403E-0A89E1EE6446}"/>
+              </a:ext>
+            </a:extLst>
+          </p:cNvPr>
+          <p:cNvPicPr>
+            <a:picLocks noChangeAspect="1"/>
+          </p:cNvPicPr>
+          <p:nvPr/>
+        </p:nvPicPr>
+        <p:blipFill>
+          <a:blip r:embed="rId3">
+            <a:extLst>
+              <a:ext uri="{28A0092B-C50C-407E-A947-70E740481C1C}">
+                <a14:useLocalDpi xmlns:a14="http://schemas.microsoft.com/office/drawing/2010/main" val="0"/>
+              </a:ext>
+            </a:extLst>
+          </a:blip>
+          <a:stretch>
+            <a:fillRect/>
+          </a:stretch>
+        </p:blipFill>
+        <p:spPr>
+          <a:xfrm>
+            <a:off x="1858955" y="2869688"/>
+            <a:ext cx="997709" cy="952500"/>
+          </a:xfrm>
+          <a:prstGeom prst="rect">
+            <a:avLst/>
+          </a:prstGeom>
+        </p:spPr>
+      </p:pic>
+      <p:pic>
+        <p:nvPicPr>
+          <p:cNvPr id="33" name="그림 32" descr="갈색, 지상이(가) 표시된 사진&#10;&#10;자동 생성된 설명">
+            <a:extLst>
+              <a:ext uri="{FF2B5EF4-FFF2-40B4-BE49-F238E27FC236}">
+                <a16:creationId xmlns:a16="http://schemas.microsoft.com/office/drawing/2014/main" id="{0355B1D5-A45E-B715-C690-AB91709AE612}"/>
+              </a:ext>
+            </a:extLst>
+          </p:cNvPr>
+          <p:cNvPicPr>
+            <a:picLocks noChangeAspect="1"/>
+          </p:cNvPicPr>
+          <p:nvPr/>
+        </p:nvPicPr>
+        <p:blipFill>
+          <a:blip r:embed="rId2">
+            <a:extLst>
+              <a:ext uri="{28A0092B-C50C-407E-A947-70E740481C1C}">
+                <a14:useLocalDpi xmlns:a14="http://schemas.microsoft.com/office/drawing/2010/main" val="0"/>
+              </a:ext>
+            </a:extLst>
+          </a:blip>
+          <a:stretch>
+            <a:fillRect/>
+          </a:stretch>
+        </p:blipFill>
+        <p:spPr>
+          <a:xfrm>
+            <a:off x="910186" y="2860782"/>
+            <a:ext cx="952500" cy="952500"/>
+          </a:xfrm>
+          <a:prstGeom prst="rect">
+            <a:avLst/>
+          </a:prstGeom>
+        </p:spPr>
+      </p:pic>
+      <p:pic>
+        <p:nvPicPr>
+          <p:cNvPr id="38" name="그림 37" descr="그레이, 패브릭이(가) 표시된 사진&#10;&#10;자동 생성된 설명">
+            <a:extLst>
+              <a:ext uri="{FF2B5EF4-FFF2-40B4-BE49-F238E27FC236}">
+                <a16:creationId xmlns:a16="http://schemas.microsoft.com/office/drawing/2014/main" id="{9AFC9BD1-580D-D205-78AA-1AEB6939EB45}"/>
+              </a:ext>
+            </a:extLst>
+          </p:cNvPr>
+          <p:cNvPicPr>
+            <a:picLocks noChangeAspect="1"/>
+          </p:cNvPicPr>
+          <p:nvPr/>
+        </p:nvPicPr>
+        <p:blipFill>
+          <a:blip r:embed="rId5">
+            <a:extLst>
+              <a:ext uri="{28A0092B-C50C-407E-A947-70E740481C1C}">
+                <a14:useLocalDpi xmlns:a14="http://schemas.microsoft.com/office/drawing/2010/main" val="0"/>
+              </a:ext>
+            </a:extLst>
+          </a:blip>
+          <a:stretch>
+            <a:fillRect/>
+          </a:stretch>
+        </p:blipFill>
+        <p:spPr>
+          <a:xfrm>
+            <a:off x="2822430" y="5705834"/>
+            <a:ext cx="952500" cy="952500"/>
+          </a:xfrm>
+          <a:prstGeom prst="rect">
+            <a:avLst/>
+          </a:prstGeom>
+        </p:spPr>
+      </p:pic>
+      <p:pic>
+        <p:nvPicPr>
+          <p:cNvPr id="46" name="그림 45" descr="갈색, 지상이(가) 표시된 사진&#10;&#10;자동 생성된 설명">
+            <a:extLst>
+              <a:ext uri="{FF2B5EF4-FFF2-40B4-BE49-F238E27FC236}">
+                <a16:creationId xmlns:a16="http://schemas.microsoft.com/office/drawing/2014/main" id="{6371AC3A-C0BB-03EB-9408-A340D9FDED4E}"/>
+              </a:ext>
+            </a:extLst>
+          </p:cNvPr>
+          <p:cNvPicPr>
+            <a:picLocks noChangeAspect="1"/>
+          </p:cNvPicPr>
+          <p:nvPr/>
+        </p:nvPicPr>
+        <p:blipFill>
+          <a:blip r:embed="rId2">
+            <a:extLst>
+              <a:ext uri="{28A0092B-C50C-407E-A947-70E740481C1C}">
+                <a14:useLocalDpi xmlns:a14="http://schemas.microsoft.com/office/drawing/2010/main" val="0"/>
+              </a:ext>
+            </a:extLst>
+          </a:blip>
+          <a:stretch>
+            <a:fillRect/>
+          </a:stretch>
+        </p:blipFill>
+        <p:spPr>
+          <a:xfrm>
+            <a:off x="2813989" y="4759444"/>
+            <a:ext cx="952500" cy="952500"/>
+          </a:xfrm>
+          <a:prstGeom prst="rect">
+            <a:avLst/>
+          </a:prstGeom>
+        </p:spPr>
+      </p:pic>
+      <p:pic>
+        <p:nvPicPr>
+          <p:cNvPr id="49" name="그림 48" descr="일렉트릭 블루, 블루, 마조렐 블루, 스크린샷이(가) 표시된 사진&#10;&#10;자동 생성된 설명">
+            <a:extLst>
+              <a:ext uri="{FF2B5EF4-FFF2-40B4-BE49-F238E27FC236}">
+                <a16:creationId xmlns:a16="http://schemas.microsoft.com/office/drawing/2014/main" id="{96B181CA-A9DA-85A1-AC9B-D95B10DA9F73}"/>
+              </a:ext>
+            </a:extLst>
+          </p:cNvPr>
+          <p:cNvPicPr>
+            <a:picLocks noChangeAspect="1"/>
+          </p:cNvPicPr>
+          <p:nvPr/>
+        </p:nvPicPr>
+        <p:blipFill>
+          <a:blip r:embed="rId3">
+            <a:extLst>
+              <a:ext uri="{28A0092B-C50C-407E-A947-70E740481C1C}">
+                <a14:useLocalDpi xmlns:a14="http://schemas.microsoft.com/office/drawing/2010/main" val="0"/>
+              </a:ext>
+            </a:extLst>
+          </a:blip>
+          <a:stretch>
+            <a:fillRect/>
+          </a:stretch>
+        </p:blipFill>
+        <p:spPr>
+          <a:xfrm>
+            <a:off x="2824662" y="3803888"/>
+            <a:ext cx="952500" cy="952500"/>
           </a:xfrm>
           <a:prstGeom prst="rect">
             <a:avLst/>
@@ -23363,42 +23363,6 @@
       </p:pic>
       <p:pic>
         <p:nvPicPr>
-          <p:cNvPr id="32" name="그림 31">
-            <a:extLst>
-              <a:ext uri="{FF2B5EF4-FFF2-40B4-BE49-F238E27FC236}">
-                <a16:creationId xmlns:a16="http://schemas.microsoft.com/office/drawing/2014/main" id="{E68B939A-6D57-F77A-19FC-DD860F7D3798}"/>
-              </a:ext>
-            </a:extLst>
-          </p:cNvPr>
-          <p:cNvPicPr>
-            <a:picLocks noChangeAspect="1"/>
-          </p:cNvPicPr>
-          <p:nvPr/>
-        </p:nvPicPr>
-        <p:blipFill>
-          <a:blip r:embed="rId2">
-            <a:extLst>
-              <a:ext uri="{28A0092B-C50C-407E-A947-70E740481C1C}">
-                <a14:useLocalDpi xmlns:a14="http://schemas.microsoft.com/office/drawing/2010/main" val="0"/>
-              </a:ext>
-            </a:extLst>
-          </a:blip>
-          <a:stretch>
-            <a:fillRect/>
-          </a:stretch>
-        </p:blipFill>
-        <p:spPr>
-          <a:xfrm>
-            <a:off x="7564121" y="952500"/>
-            <a:ext cx="952500" cy="952500"/>
-          </a:xfrm>
-          <a:prstGeom prst="rect">
-            <a:avLst/>
-          </a:prstGeom>
-        </p:spPr>
-      </p:pic>
-      <p:pic>
-        <p:nvPicPr>
           <p:cNvPr id="36" name="그림 35">
             <a:extLst>
               <a:ext uri="{FF2B5EF4-FFF2-40B4-BE49-F238E27FC236}">
@@ -24587,42 +24551,6 @@
       </p:pic>
       <p:pic>
         <p:nvPicPr>
-          <p:cNvPr id="87" name="그림 86">
-            <a:extLst>
-              <a:ext uri="{FF2B5EF4-FFF2-40B4-BE49-F238E27FC236}">
-                <a16:creationId xmlns:a16="http://schemas.microsoft.com/office/drawing/2014/main" id="{8F07ACFC-4023-AA64-034E-7DEDB8FC4DFB}"/>
-              </a:ext>
-            </a:extLst>
-          </p:cNvPr>
-          <p:cNvPicPr>
-            <a:picLocks noChangeAspect="1"/>
-          </p:cNvPicPr>
-          <p:nvPr/>
-        </p:nvPicPr>
-        <p:blipFill>
-          <a:blip r:embed="rId2">
-            <a:extLst>
-              <a:ext uri="{28A0092B-C50C-407E-A947-70E740481C1C}">
-                <a14:useLocalDpi xmlns:a14="http://schemas.microsoft.com/office/drawing/2010/main" val="0"/>
-              </a:ext>
-            </a:extLst>
-          </a:blip>
-          <a:stretch>
-            <a:fillRect/>
-          </a:stretch>
-        </p:blipFill>
-        <p:spPr>
-          <a:xfrm>
-            <a:off x="11307460" y="4762500"/>
-            <a:ext cx="952500" cy="952500"/>
-          </a:xfrm>
-          <a:prstGeom prst="rect">
-            <a:avLst/>
-          </a:prstGeom>
-        </p:spPr>
-      </p:pic>
-      <p:pic>
-        <p:nvPicPr>
           <p:cNvPr id="88" name="그림 87">
             <a:extLst>
               <a:ext uri="{FF2B5EF4-FFF2-40B4-BE49-F238E27FC236}">
@@ -25009,7 +24937,7 @@
         </p:blipFill>
         <p:spPr>
           <a:xfrm>
-            <a:off x="8479570" y="952500"/>
+            <a:off x="7564373" y="959668"/>
             <a:ext cx="3810000" cy="952500"/>
           </a:xfrm>
           <a:prstGeom prst="rect">
@@ -25435,7 +25363,7 @@
         </p:blipFill>
         <p:spPr>
           <a:xfrm>
-            <a:off x="10397703" y="1904745"/>
+            <a:off x="11300827" y="1948696"/>
             <a:ext cx="952633" cy="952633"/>
           </a:xfrm>
           <a:prstGeom prst="rect">
@@ -25471,7 +25399,7 @@
         </p:blipFill>
         <p:spPr>
           <a:xfrm>
-            <a:off x="11292518" y="1904623"/>
+            <a:off x="10386425" y="1905000"/>
             <a:ext cx="952500" cy="952500"/>
           </a:xfrm>
           <a:prstGeom prst="rect">
@@ -25724,6 +25652,78 @@
         <p:spPr>
           <a:xfrm>
             <a:off x="7551159" y="5715000"/>
+            <a:ext cx="952500" cy="952500"/>
+          </a:xfrm>
+          <a:prstGeom prst="rect">
+            <a:avLst/>
+          </a:prstGeom>
+        </p:spPr>
+      </p:pic>
+      <p:pic>
+        <p:nvPicPr>
+          <p:cNvPr id="15" name="그림 14" descr="갈색, 지상이(가) 표시된 사진&#10;&#10;자동 생성된 설명">
+            <a:extLst>
+              <a:ext uri="{FF2B5EF4-FFF2-40B4-BE49-F238E27FC236}">
+                <a16:creationId xmlns:a16="http://schemas.microsoft.com/office/drawing/2014/main" id="{BC1A940B-B08D-FE1C-F8E7-D8974A32EFE1}"/>
+              </a:ext>
+            </a:extLst>
+          </p:cNvPr>
+          <p:cNvPicPr>
+            <a:picLocks noChangeAspect="1"/>
+          </p:cNvPicPr>
+          <p:nvPr/>
+        </p:nvPicPr>
+        <p:blipFill>
+          <a:blip r:embed="rId2">
+            <a:extLst>
+              <a:ext uri="{28A0092B-C50C-407E-A947-70E740481C1C}">
+                <a14:useLocalDpi xmlns:a14="http://schemas.microsoft.com/office/drawing/2010/main" val="0"/>
+              </a:ext>
+            </a:extLst>
+          </a:blip>
+          <a:stretch>
+            <a:fillRect/>
+          </a:stretch>
+        </p:blipFill>
+        <p:spPr>
+          <a:xfrm>
+            <a:off x="11380149" y="938164"/>
+            <a:ext cx="879811" cy="952500"/>
+          </a:xfrm>
+          <a:prstGeom prst="rect">
+            <a:avLst/>
+          </a:prstGeom>
+        </p:spPr>
+      </p:pic>
+      <p:pic>
+        <p:nvPicPr>
+          <p:cNvPr id="27" name="그림 26" descr="일렉트릭 블루, 블루, 마조렐 블루, 스크린샷이(가) 표시된 사진&#10;&#10;자동 생성된 설명">
+            <a:extLst>
+              <a:ext uri="{FF2B5EF4-FFF2-40B4-BE49-F238E27FC236}">
+                <a16:creationId xmlns:a16="http://schemas.microsoft.com/office/drawing/2014/main" id="{3D06A991-28F2-DC75-CB5B-01A5D977CEDF}"/>
+              </a:ext>
+            </a:extLst>
+          </p:cNvPr>
+          <p:cNvPicPr>
+            <a:picLocks noChangeAspect="1"/>
+          </p:cNvPicPr>
+          <p:nvPr/>
+        </p:nvPicPr>
+        <p:blipFill>
+          <a:blip r:embed="rId6">
+            <a:extLst>
+              <a:ext uri="{28A0092B-C50C-407E-A947-70E740481C1C}">
+                <a14:useLocalDpi xmlns:a14="http://schemas.microsoft.com/office/drawing/2010/main" val="0"/>
+              </a:ext>
+            </a:extLst>
+          </a:blip>
+          <a:stretch>
+            <a:fillRect/>
+          </a:stretch>
+        </p:blipFill>
+        <p:spPr>
+          <a:xfrm>
+            <a:off x="11300827" y="4764827"/>
             <a:ext cx="952500" cy="952500"/>
           </a:xfrm>
           <a:prstGeom prst="rect">
@@ -26303,42 +26303,6 @@
       </p:pic>
       <p:pic>
         <p:nvPicPr>
-          <p:cNvPr id="27" name="그림 26">
-            <a:extLst>
-              <a:ext uri="{FF2B5EF4-FFF2-40B4-BE49-F238E27FC236}">
-                <a16:creationId xmlns:a16="http://schemas.microsoft.com/office/drawing/2014/main" id="{51B6B6E9-6CAD-FF7B-FF50-C5D5292E89EB}"/>
-              </a:ext>
-            </a:extLst>
-          </p:cNvPr>
-          <p:cNvPicPr>
-            <a:picLocks noChangeAspect="1"/>
-          </p:cNvPicPr>
-          <p:nvPr/>
-        </p:nvPicPr>
-        <p:blipFill>
-          <a:blip r:embed="rId2">
-            <a:extLst>
-              <a:ext uri="{28A0092B-C50C-407E-A947-70E740481C1C}">
-                <a14:useLocalDpi xmlns:a14="http://schemas.microsoft.com/office/drawing/2010/main" val="0"/>
-              </a:ext>
-            </a:extLst>
-          </a:blip>
-          <a:stretch>
-            <a:fillRect/>
-          </a:stretch>
-        </p:blipFill>
-        <p:spPr>
-          <a:xfrm>
-            <a:off x="2831522" y="952500"/>
-            <a:ext cx="952500" cy="952500"/>
-          </a:xfrm>
-          <a:prstGeom prst="rect">
-            <a:avLst/>
-          </a:prstGeom>
-        </p:spPr>
-      </p:pic>
-      <p:pic>
-        <p:nvPicPr>
           <p:cNvPr id="28" name="그림 27">
             <a:extLst>
               <a:ext uri="{FF2B5EF4-FFF2-40B4-BE49-F238E27FC236}">
@@ -26987,42 +26951,6 @@
       </p:pic>
       <p:pic>
         <p:nvPicPr>
-          <p:cNvPr id="51" name="그림 50">
-            <a:extLst>
-              <a:ext uri="{FF2B5EF4-FFF2-40B4-BE49-F238E27FC236}">
-                <a16:creationId xmlns:a16="http://schemas.microsoft.com/office/drawing/2014/main" id="{BAB311AF-103D-A333-4D80-CBAFD5FA4AE8}"/>
-              </a:ext>
-            </a:extLst>
-          </p:cNvPr>
-          <p:cNvPicPr>
-            <a:picLocks noChangeAspect="1"/>
-          </p:cNvPicPr>
-          <p:nvPr/>
-        </p:nvPicPr>
-        <p:blipFill>
-          <a:blip r:embed="rId2">
-            <a:extLst>
-              <a:ext uri="{28A0092B-C50C-407E-A947-70E740481C1C}">
-                <a14:useLocalDpi xmlns:a14="http://schemas.microsoft.com/office/drawing/2010/main" val="0"/>
-              </a:ext>
-            </a:extLst>
-          </a:blip>
-          <a:stretch>
-            <a:fillRect/>
-          </a:stretch>
-        </p:blipFill>
-        <p:spPr>
-          <a:xfrm>
-            <a:off x="1877291" y="2857500"/>
-            <a:ext cx="952500" cy="952500"/>
-          </a:xfrm>
-          <a:prstGeom prst="rect">
-            <a:avLst/>
-          </a:prstGeom>
-        </p:spPr>
-      </p:pic>
-      <p:pic>
-        <p:nvPicPr>
           <p:cNvPr id="52" name="그림 51">
             <a:extLst>
               <a:ext uri="{FF2B5EF4-FFF2-40B4-BE49-F238E27FC236}">
@@ -27086,42 +27014,6 @@
         <p:spPr>
           <a:xfrm>
             <a:off x="7560197" y="2857500"/>
-            <a:ext cx="952500" cy="952500"/>
-          </a:xfrm>
-          <a:prstGeom prst="rect">
-            <a:avLst/>
-          </a:prstGeom>
-        </p:spPr>
-      </p:pic>
-      <p:pic>
-        <p:nvPicPr>
-          <p:cNvPr id="58" name="그림 57">
-            <a:extLst>
-              <a:ext uri="{FF2B5EF4-FFF2-40B4-BE49-F238E27FC236}">
-                <a16:creationId xmlns:a16="http://schemas.microsoft.com/office/drawing/2014/main" id="{9F060A65-BD52-6D8F-E44B-879252115343}"/>
-              </a:ext>
-            </a:extLst>
-          </p:cNvPr>
-          <p:cNvPicPr>
-            <a:picLocks noChangeAspect="1"/>
-          </p:cNvPicPr>
-          <p:nvPr/>
-        </p:nvPicPr>
-        <p:blipFill>
-          <a:blip r:embed="rId2">
-            <a:extLst>
-              <a:ext uri="{28A0092B-C50C-407E-A947-70E740481C1C}">
-                <a14:useLocalDpi xmlns:a14="http://schemas.microsoft.com/office/drawing/2010/main" val="0"/>
-              </a:ext>
-            </a:extLst>
-          </a:blip>
-          <a:stretch>
-            <a:fillRect/>
-          </a:stretch>
-        </p:blipFill>
-        <p:spPr>
-          <a:xfrm>
-            <a:off x="8505364" y="2857500"/>
             <a:ext cx="952500" cy="952500"/>
           </a:xfrm>
           <a:prstGeom prst="rect">
@@ -27743,42 +27635,6 @@
       </p:pic>
       <p:pic>
         <p:nvPicPr>
-          <p:cNvPr id="93" name="그림 92">
-            <a:extLst>
-              <a:ext uri="{FF2B5EF4-FFF2-40B4-BE49-F238E27FC236}">
-                <a16:creationId xmlns:a16="http://schemas.microsoft.com/office/drawing/2014/main" id="{BC6F750B-C906-0CC5-D945-F2088D478A97}"/>
-              </a:ext>
-            </a:extLst>
-          </p:cNvPr>
-          <p:cNvPicPr>
-            <a:picLocks noChangeAspect="1"/>
-          </p:cNvPicPr>
-          <p:nvPr/>
-        </p:nvPicPr>
-        <p:blipFill>
-          <a:blip r:embed="rId2">
-            <a:extLst>
-              <a:ext uri="{28A0092B-C50C-407E-A947-70E740481C1C}">
-                <a14:useLocalDpi xmlns:a14="http://schemas.microsoft.com/office/drawing/2010/main" val="0"/>
-              </a:ext>
-            </a:extLst>
-          </a:blip>
-          <a:stretch>
-            <a:fillRect/>
-          </a:stretch>
-        </p:blipFill>
-        <p:spPr>
-          <a:xfrm>
-            <a:off x="4704638" y="5715000"/>
-            <a:ext cx="952500" cy="952500"/>
-          </a:xfrm>
-          <a:prstGeom prst="rect">
-            <a:avLst/>
-          </a:prstGeom>
-        </p:spPr>
-      </p:pic>
-      <p:pic>
-        <p:nvPicPr>
           <p:cNvPr id="95" name="그림 94">
             <a:extLst>
               <a:ext uri="{FF2B5EF4-FFF2-40B4-BE49-F238E27FC236}">
@@ -27887,42 +27743,6 @@
       </p:pic>
       <p:pic>
         <p:nvPicPr>
-          <p:cNvPr id="99" name="그림 98">
-            <a:extLst>
-              <a:ext uri="{FF2B5EF4-FFF2-40B4-BE49-F238E27FC236}">
-                <a16:creationId xmlns:a16="http://schemas.microsoft.com/office/drawing/2014/main" id="{217CDB79-0630-5FB6-B418-6B01978348EC}"/>
-              </a:ext>
-            </a:extLst>
-          </p:cNvPr>
-          <p:cNvPicPr>
-            <a:picLocks noChangeAspect="1"/>
-          </p:cNvPicPr>
-          <p:nvPr/>
-        </p:nvPicPr>
-        <p:blipFill>
-          <a:blip r:embed="rId2">
-            <a:extLst>
-              <a:ext uri="{28A0092B-C50C-407E-A947-70E740481C1C}">
-                <a14:useLocalDpi xmlns:a14="http://schemas.microsoft.com/office/drawing/2010/main" val="0"/>
-              </a:ext>
-            </a:extLst>
-          </a:blip>
-          <a:stretch>
-            <a:fillRect/>
-          </a:stretch>
-        </p:blipFill>
-        <p:spPr>
-          <a:xfrm>
-            <a:off x="10384570" y="5715000"/>
-            <a:ext cx="952500" cy="952500"/>
-          </a:xfrm>
-          <a:prstGeom prst="rect">
-            <a:avLst/>
-          </a:prstGeom>
-        </p:spPr>
-      </p:pic>
-      <p:pic>
-        <p:nvPicPr>
           <p:cNvPr id="100" name="그림 99">
             <a:extLst>
               <a:ext uri="{FF2B5EF4-FFF2-40B4-BE49-F238E27FC236}">
@@ -28535,10 +28355,46 @@
       </p:pic>
       <p:pic>
         <p:nvPicPr>
-          <p:cNvPr id="128" name="그림 127" descr="일렉트릭 블루, 블루, 마조렐 블루, 스크린샷이(가) 표시된 사진&#10;&#10;자동 생성된 설명">
-            <a:extLst>
-              <a:ext uri="{FF2B5EF4-FFF2-40B4-BE49-F238E27FC236}">
-                <a16:creationId xmlns:a16="http://schemas.microsoft.com/office/drawing/2014/main" id="{9184C92A-C924-3A3A-93BE-B68474793856}"/>
+          <p:cNvPr id="130" name="그림 129" descr="그레이, 패브릭이(가) 표시된 사진&#10;&#10;자동 생성된 설명">
+            <a:extLst>
+              <a:ext uri="{FF2B5EF4-FFF2-40B4-BE49-F238E27FC236}">
+                <a16:creationId xmlns:a16="http://schemas.microsoft.com/office/drawing/2014/main" id="{3FFCC907-6123-26F8-057B-AFE2F056DC4B}"/>
+              </a:ext>
+            </a:extLst>
+          </p:cNvPr>
+          <p:cNvPicPr>
+            <a:picLocks noChangeAspect="1"/>
+          </p:cNvPicPr>
+          <p:nvPr/>
+        </p:nvPicPr>
+        <p:blipFill>
+          <a:blip r:embed="rId4">
+            <a:extLst>
+              <a:ext uri="{28A0092B-C50C-407E-A947-70E740481C1C}">
+                <a14:useLocalDpi xmlns:a14="http://schemas.microsoft.com/office/drawing/2010/main" val="0"/>
+              </a:ext>
+            </a:extLst>
+          </a:blip>
+          <a:stretch>
+            <a:fillRect/>
+          </a:stretch>
+        </p:blipFill>
+        <p:spPr>
+          <a:xfrm>
+            <a:off x="-1876" y="4762500"/>
+            <a:ext cx="952500" cy="952500"/>
+          </a:xfrm>
+          <a:prstGeom prst="rect">
+            <a:avLst/>
+          </a:prstGeom>
+        </p:spPr>
+      </p:pic>
+      <p:pic>
+        <p:nvPicPr>
+          <p:cNvPr id="132" name="그림 131" descr="일렉트릭 블루, 블루, 마조렐 블루, 스크린샷이(가) 표시된 사진&#10;&#10;자동 생성된 설명">
+            <a:extLst>
+              <a:ext uri="{FF2B5EF4-FFF2-40B4-BE49-F238E27FC236}">
+                <a16:creationId xmlns:a16="http://schemas.microsoft.com/office/drawing/2014/main" id="{E2610EE3-C1E7-35E7-843E-9493F38D8E2C}"/>
               </a:ext>
             </a:extLst>
           </p:cNvPr>
@@ -28561,20 +28417,20 @@
         </p:blipFill>
         <p:spPr>
           <a:xfrm>
-            <a:off x="3771991" y="952500"/>
-            <a:ext cx="952500" cy="952500"/>
-          </a:xfrm>
-          <a:prstGeom prst="rect">
-            <a:avLst/>
-          </a:prstGeom>
-        </p:spPr>
-      </p:pic>
-      <p:pic>
-        <p:nvPicPr>
-          <p:cNvPr id="130" name="그림 129" descr="그레이, 패브릭이(가) 표시된 사진&#10;&#10;자동 생성된 설명">
-            <a:extLst>
-              <a:ext uri="{FF2B5EF4-FFF2-40B4-BE49-F238E27FC236}">
-                <a16:creationId xmlns:a16="http://schemas.microsoft.com/office/drawing/2014/main" id="{3FFCC907-6123-26F8-057B-AFE2F056DC4B}"/>
+            <a:off x="3780709" y="5715000"/>
+            <a:ext cx="952500" cy="952500"/>
+          </a:xfrm>
+          <a:prstGeom prst="rect">
+            <a:avLst/>
+          </a:prstGeom>
+        </p:spPr>
+      </p:pic>
+      <p:pic>
+        <p:nvPicPr>
+          <p:cNvPr id="138" name="그림 137" descr="그레이, 패브릭이(가) 표시된 사진&#10;&#10;자동 생성된 설명">
+            <a:extLst>
+              <a:ext uri="{FF2B5EF4-FFF2-40B4-BE49-F238E27FC236}">
+                <a16:creationId xmlns:a16="http://schemas.microsoft.com/office/drawing/2014/main" id="{ED0D5240-E7B8-C2A4-B2B7-8222D2F8556C}"/>
               </a:ext>
             </a:extLst>
           </p:cNvPr>
@@ -28597,56 +28453,20 @@
         </p:blipFill>
         <p:spPr>
           <a:xfrm>
-            <a:off x="-1876" y="4762500"/>
-            <a:ext cx="952500" cy="952500"/>
-          </a:xfrm>
-          <a:prstGeom prst="rect">
-            <a:avLst/>
-          </a:prstGeom>
-        </p:spPr>
-      </p:pic>
-      <p:pic>
-        <p:nvPicPr>
-          <p:cNvPr id="132" name="그림 131" descr="일렉트릭 블루, 블루, 마조렐 블루, 스크린샷이(가) 표시된 사진&#10;&#10;자동 생성된 설명">
-            <a:extLst>
-              <a:ext uri="{FF2B5EF4-FFF2-40B4-BE49-F238E27FC236}">
-                <a16:creationId xmlns:a16="http://schemas.microsoft.com/office/drawing/2014/main" id="{E2610EE3-C1E7-35E7-843E-9493F38D8E2C}"/>
-              </a:ext>
-            </a:extLst>
-          </p:cNvPr>
-          <p:cNvPicPr>
-            <a:picLocks noChangeAspect="1"/>
-          </p:cNvPicPr>
-          <p:nvPr/>
-        </p:nvPicPr>
-        <p:blipFill>
-          <a:blip r:embed="rId5">
-            <a:extLst>
-              <a:ext uri="{28A0092B-C50C-407E-A947-70E740481C1C}">
-                <a14:useLocalDpi xmlns:a14="http://schemas.microsoft.com/office/drawing/2010/main" val="0"/>
-              </a:ext>
-            </a:extLst>
-          </a:blip>
-          <a:stretch>
-            <a:fillRect/>
-          </a:stretch>
-        </p:blipFill>
-        <p:spPr>
-          <a:xfrm>
-            <a:off x="3780709" y="5715000"/>
-            <a:ext cx="952500" cy="952500"/>
-          </a:xfrm>
-          <a:prstGeom prst="rect">
-            <a:avLst/>
-          </a:prstGeom>
-        </p:spPr>
-      </p:pic>
-      <p:pic>
-        <p:nvPicPr>
-          <p:cNvPr id="134" name="그림 133" descr="클립아트이(가) 표시된 사진&#10;&#10;자동 생성된 설명">
-            <a:extLst>
-              <a:ext uri="{FF2B5EF4-FFF2-40B4-BE49-F238E27FC236}">
-                <a16:creationId xmlns:a16="http://schemas.microsoft.com/office/drawing/2014/main" id="{B09C4A72-F56F-D433-92EE-B83261ADACF8}"/>
+            <a:off x="6566814" y="4762500"/>
+            <a:ext cx="952500" cy="952500"/>
+          </a:xfrm>
+          <a:prstGeom prst="rect">
+            <a:avLst/>
+          </a:prstGeom>
+        </p:spPr>
+      </p:pic>
+      <p:pic>
+        <p:nvPicPr>
+          <p:cNvPr id="140" name="그림 139" descr="클립아트, 예술, 일러스트레이션, 만화 영화이(가) 표시된 사진&#10;&#10;자동 생성된 설명">
+            <a:extLst>
+              <a:ext uri="{FF2B5EF4-FFF2-40B4-BE49-F238E27FC236}">
+                <a16:creationId xmlns:a16="http://schemas.microsoft.com/office/drawing/2014/main" id="{E0BE375D-25BC-D8C2-A888-094264C9E229}"/>
               </a:ext>
             </a:extLst>
           </p:cNvPr>
@@ -28657,114 +28477,6 @@
         </p:nvPicPr>
         <p:blipFill>
           <a:blip r:embed="rId6">
-            <a:extLst>
-              <a:ext uri="{28A0092B-C50C-407E-A947-70E740481C1C}">
-                <a14:useLocalDpi xmlns:a14="http://schemas.microsoft.com/office/drawing/2010/main" val="0"/>
-              </a:ext>
-            </a:extLst>
-          </a:blip>
-          <a:stretch>
-            <a:fillRect/>
-          </a:stretch>
-        </p:blipFill>
-        <p:spPr>
-          <a:xfrm>
-            <a:off x="881606" y="3809934"/>
-            <a:ext cx="952633" cy="952633"/>
-          </a:xfrm>
-          <a:prstGeom prst="rect">
-            <a:avLst/>
-          </a:prstGeom>
-        </p:spPr>
-      </p:pic>
-      <p:pic>
-        <p:nvPicPr>
-          <p:cNvPr id="136" name="그림 135" descr="클립아트이(가) 표시된 사진&#10;&#10;자동 생성된 설명">
-            <a:extLst>
-              <a:ext uri="{FF2B5EF4-FFF2-40B4-BE49-F238E27FC236}">
-                <a16:creationId xmlns:a16="http://schemas.microsoft.com/office/drawing/2014/main" id="{6CF5339D-C156-B9EA-E5F7-8DB3C2A4752B}"/>
-              </a:ext>
-            </a:extLst>
-          </p:cNvPr>
-          <p:cNvPicPr>
-            <a:picLocks noChangeAspect="1"/>
-          </p:cNvPicPr>
-          <p:nvPr/>
-        </p:nvPicPr>
-        <p:blipFill>
-          <a:blip r:embed="rId6">
-            <a:extLst>
-              <a:ext uri="{28A0092B-C50C-407E-A947-70E740481C1C}">
-                <a14:useLocalDpi xmlns:a14="http://schemas.microsoft.com/office/drawing/2010/main" val="0"/>
-              </a:ext>
-            </a:extLst>
-          </a:blip>
-          <a:stretch>
-            <a:fillRect/>
-          </a:stretch>
-        </p:blipFill>
-        <p:spPr>
-          <a:xfrm>
-            <a:off x="8508308" y="3799410"/>
-            <a:ext cx="952633" cy="952633"/>
-          </a:xfrm>
-          <a:prstGeom prst="rect">
-            <a:avLst/>
-          </a:prstGeom>
-        </p:spPr>
-      </p:pic>
-      <p:pic>
-        <p:nvPicPr>
-          <p:cNvPr id="138" name="그림 137" descr="그레이, 패브릭이(가) 표시된 사진&#10;&#10;자동 생성된 설명">
-            <a:extLst>
-              <a:ext uri="{FF2B5EF4-FFF2-40B4-BE49-F238E27FC236}">
-                <a16:creationId xmlns:a16="http://schemas.microsoft.com/office/drawing/2014/main" id="{ED0D5240-E7B8-C2A4-B2B7-8222D2F8556C}"/>
-              </a:ext>
-            </a:extLst>
-          </p:cNvPr>
-          <p:cNvPicPr>
-            <a:picLocks noChangeAspect="1"/>
-          </p:cNvPicPr>
-          <p:nvPr/>
-        </p:nvPicPr>
-        <p:blipFill>
-          <a:blip r:embed="rId4">
-            <a:extLst>
-              <a:ext uri="{28A0092B-C50C-407E-A947-70E740481C1C}">
-                <a14:useLocalDpi xmlns:a14="http://schemas.microsoft.com/office/drawing/2010/main" val="0"/>
-              </a:ext>
-            </a:extLst>
-          </a:blip>
-          <a:stretch>
-            <a:fillRect/>
-          </a:stretch>
-        </p:blipFill>
-        <p:spPr>
-          <a:xfrm>
-            <a:off x="6566814" y="4762500"/>
-            <a:ext cx="952500" cy="952500"/>
-          </a:xfrm>
-          <a:prstGeom prst="rect">
-            <a:avLst/>
-          </a:prstGeom>
-        </p:spPr>
-      </p:pic>
-      <p:pic>
-        <p:nvPicPr>
-          <p:cNvPr id="140" name="그림 139" descr="클립아트, 예술, 일러스트레이션, 만화 영화이(가) 표시된 사진&#10;&#10;자동 생성된 설명">
-            <a:extLst>
-              <a:ext uri="{FF2B5EF4-FFF2-40B4-BE49-F238E27FC236}">
-                <a16:creationId xmlns:a16="http://schemas.microsoft.com/office/drawing/2014/main" id="{E0BE375D-25BC-D8C2-A888-094264C9E229}"/>
-              </a:ext>
-            </a:extLst>
-          </p:cNvPr>
-          <p:cNvPicPr>
-            <a:picLocks noChangeAspect="1"/>
-          </p:cNvPicPr>
-          <p:nvPr/>
-        </p:nvPicPr>
-        <p:blipFill>
-          <a:blip r:embed="rId7">
             <a:extLst>
               <a:ext uri="{28A0092B-C50C-407E-A947-70E740481C1C}">
                 <a14:useLocalDpi xmlns:a14="http://schemas.microsoft.com/office/drawing/2010/main" val="0"/>
@@ -28800,7 +28512,7 @@
           <p:nvPr/>
         </p:nvPicPr>
         <p:blipFill>
-          <a:blip r:embed="rId7">
+          <a:blip r:embed="rId6">
             <a:extLst>
               <a:ext uri="{28A0092B-C50C-407E-A947-70E740481C1C}">
                 <a14:useLocalDpi xmlns:a14="http://schemas.microsoft.com/office/drawing/2010/main" val="0"/>
@@ -28815,6 +28527,294 @@
           <a:xfrm>
             <a:off x="2771952" y="4698845"/>
             <a:ext cx="1016088" cy="1016088"/>
+          </a:xfrm>
+          <a:prstGeom prst="rect">
+            <a:avLst/>
+          </a:prstGeom>
+        </p:spPr>
+      </p:pic>
+      <p:pic>
+        <p:nvPicPr>
+          <p:cNvPr id="13" name="그림 12" descr="클립아트이(가) 표시된 사진&#10;&#10;자동 생성된 설명">
+            <a:extLst>
+              <a:ext uri="{FF2B5EF4-FFF2-40B4-BE49-F238E27FC236}">
+                <a16:creationId xmlns:a16="http://schemas.microsoft.com/office/drawing/2014/main" id="{74348403-0E17-1719-3ADC-6C6455DB5358}"/>
+              </a:ext>
+            </a:extLst>
+          </p:cNvPr>
+          <p:cNvPicPr>
+            <a:picLocks noChangeAspect="1"/>
+          </p:cNvPicPr>
+          <p:nvPr/>
+        </p:nvPicPr>
+        <p:blipFill>
+          <a:blip r:embed="rId7">
+            <a:extLst>
+              <a:ext uri="{28A0092B-C50C-407E-A947-70E740481C1C}">
+                <a14:useLocalDpi xmlns:a14="http://schemas.microsoft.com/office/drawing/2010/main" val="0"/>
+              </a:ext>
+            </a:extLst>
+          </a:blip>
+          <a:stretch>
+            <a:fillRect/>
+          </a:stretch>
+        </p:blipFill>
+        <p:spPr>
+          <a:xfrm>
+            <a:off x="4704619" y="5714933"/>
+            <a:ext cx="952633" cy="952633"/>
+          </a:xfrm>
+          <a:prstGeom prst="rect">
+            <a:avLst/>
+          </a:prstGeom>
+        </p:spPr>
+      </p:pic>
+      <p:pic>
+        <p:nvPicPr>
+          <p:cNvPr id="17" name="그림 16" descr="클립아트이(가) 표시된 사진&#10;&#10;자동 생성된 설명">
+            <a:extLst>
+              <a:ext uri="{FF2B5EF4-FFF2-40B4-BE49-F238E27FC236}">
+                <a16:creationId xmlns:a16="http://schemas.microsoft.com/office/drawing/2014/main" id="{2986EEFD-8DAA-BC95-ABEC-BCAB3F250225}"/>
+              </a:ext>
+            </a:extLst>
+          </p:cNvPr>
+          <p:cNvPicPr>
+            <a:picLocks noChangeAspect="1"/>
+          </p:cNvPicPr>
+          <p:nvPr/>
+        </p:nvPicPr>
+        <p:blipFill>
+          <a:blip r:embed="rId7">
+            <a:extLst>
+              <a:ext uri="{28A0092B-C50C-407E-A947-70E740481C1C}">
+                <a14:useLocalDpi xmlns:a14="http://schemas.microsoft.com/office/drawing/2010/main" val="0"/>
+              </a:ext>
+            </a:extLst>
+          </a:blip>
+          <a:stretch>
+            <a:fillRect/>
+          </a:stretch>
+        </p:blipFill>
+        <p:spPr>
+          <a:xfrm>
+            <a:off x="10389427" y="5746106"/>
+            <a:ext cx="952633" cy="952633"/>
+          </a:xfrm>
+          <a:prstGeom prst="rect">
+            <a:avLst/>
+          </a:prstGeom>
+        </p:spPr>
+      </p:pic>
+      <p:pic>
+        <p:nvPicPr>
+          <p:cNvPr id="26" name="그림 25" descr="갈색, 지상이(가) 표시된 사진&#10;&#10;자동 생성된 설명">
+            <a:extLst>
+              <a:ext uri="{FF2B5EF4-FFF2-40B4-BE49-F238E27FC236}">
+                <a16:creationId xmlns:a16="http://schemas.microsoft.com/office/drawing/2014/main" id="{950463FF-8A98-502A-E546-2A29568D3FCE}"/>
+              </a:ext>
+            </a:extLst>
+          </p:cNvPr>
+          <p:cNvPicPr>
+            <a:picLocks noChangeAspect="1"/>
+          </p:cNvPicPr>
+          <p:nvPr/>
+        </p:nvPicPr>
+        <p:blipFill>
+          <a:blip r:embed="rId2">
+            <a:extLst>
+              <a:ext uri="{28A0092B-C50C-407E-A947-70E740481C1C}">
+                <a14:useLocalDpi xmlns:a14="http://schemas.microsoft.com/office/drawing/2010/main" val="0"/>
+              </a:ext>
+            </a:extLst>
+          </a:blip>
+          <a:stretch>
+            <a:fillRect/>
+          </a:stretch>
+        </p:blipFill>
+        <p:spPr>
+          <a:xfrm>
+            <a:off x="8496714" y="3809934"/>
+            <a:ext cx="952500" cy="952500"/>
+          </a:xfrm>
+          <a:prstGeom prst="rect">
+            <a:avLst/>
+          </a:prstGeom>
+        </p:spPr>
+      </p:pic>
+      <p:pic>
+        <p:nvPicPr>
+          <p:cNvPr id="38" name="그림 37" descr="클립아트이(가) 표시된 사진&#10;&#10;자동 생성된 설명">
+            <a:extLst>
+              <a:ext uri="{FF2B5EF4-FFF2-40B4-BE49-F238E27FC236}">
+                <a16:creationId xmlns:a16="http://schemas.microsoft.com/office/drawing/2014/main" id="{431168A8-E8F7-AE65-0083-7B17F82A5684}"/>
+              </a:ext>
+            </a:extLst>
+          </p:cNvPr>
+          <p:cNvPicPr>
+            <a:picLocks noChangeAspect="1"/>
+          </p:cNvPicPr>
+          <p:nvPr/>
+        </p:nvPicPr>
+        <p:blipFill>
+          <a:blip r:embed="rId7">
+            <a:extLst>
+              <a:ext uri="{28A0092B-C50C-407E-A947-70E740481C1C}">
+                <a14:useLocalDpi xmlns:a14="http://schemas.microsoft.com/office/drawing/2010/main" val="0"/>
+              </a:ext>
+            </a:extLst>
+          </a:blip>
+          <a:stretch>
+            <a:fillRect/>
+          </a:stretch>
+        </p:blipFill>
+        <p:spPr>
+          <a:xfrm>
+            <a:off x="8478124" y="2857368"/>
+            <a:ext cx="952633" cy="952633"/>
+          </a:xfrm>
+          <a:prstGeom prst="rect">
+            <a:avLst/>
+          </a:prstGeom>
+        </p:spPr>
+      </p:pic>
+      <p:pic>
+        <p:nvPicPr>
+          <p:cNvPr id="47" name="그림 46" descr="갈색, 지상이(가) 표시된 사진&#10;&#10;자동 생성된 설명">
+            <a:extLst>
+              <a:ext uri="{FF2B5EF4-FFF2-40B4-BE49-F238E27FC236}">
+                <a16:creationId xmlns:a16="http://schemas.microsoft.com/office/drawing/2014/main" id="{41590A5A-BBAC-5AC8-D9A2-3681F0C8DF4F}"/>
+              </a:ext>
+            </a:extLst>
+          </p:cNvPr>
+          <p:cNvPicPr>
+            <a:picLocks noChangeAspect="1"/>
+          </p:cNvPicPr>
+          <p:nvPr/>
+        </p:nvPicPr>
+        <p:blipFill>
+          <a:blip r:embed="rId2">
+            <a:extLst>
+              <a:ext uri="{28A0092B-C50C-407E-A947-70E740481C1C}">
+                <a14:useLocalDpi xmlns:a14="http://schemas.microsoft.com/office/drawing/2010/main" val="0"/>
+              </a:ext>
+            </a:extLst>
+          </a:blip>
+          <a:stretch>
+            <a:fillRect/>
+          </a:stretch>
+        </p:blipFill>
+        <p:spPr>
+          <a:xfrm>
+            <a:off x="933570" y="3809934"/>
+            <a:ext cx="952500" cy="952500"/>
+          </a:xfrm>
+          <a:prstGeom prst="rect">
+            <a:avLst/>
+          </a:prstGeom>
+        </p:spPr>
+      </p:pic>
+      <p:pic>
+        <p:nvPicPr>
+          <p:cNvPr id="53" name="그림 52" descr="클립아트이(가) 표시된 사진&#10;&#10;자동 생성된 설명">
+            <a:extLst>
+              <a:ext uri="{FF2B5EF4-FFF2-40B4-BE49-F238E27FC236}">
+                <a16:creationId xmlns:a16="http://schemas.microsoft.com/office/drawing/2014/main" id="{A485067A-DCBE-12E2-1A78-88BC292ED3D3}"/>
+              </a:ext>
+            </a:extLst>
+          </p:cNvPr>
+          <p:cNvPicPr>
+            <a:picLocks noChangeAspect="1"/>
+          </p:cNvPicPr>
+          <p:nvPr/>
+        </p:nvPicPr>
+        <p:blipFill>
+          <a:blip r:embed="rId7">
+            <a:extLst>
+              <a:ext uri="{28A0092B-C50C-407E-A947-70E740481C1C}">
+                <a14:useLocalDpi xmlns:a14="http://schemas.microsoft.com/office/drawing/2010/main" val="0"/>
+              </a:ext>
+            </a:extLst>
+          </a:blip>
+          <a:stretch>
+            <a:fillRect/>
+          </a:stretch>
+        </p:blipFill>
+        <p:spPr>
+          <a:xfrm>
+            <a:off x="1879231" y="2857267"/>
+            <a:ext cx="952633" cy="952633"/>
+          </a:xfrm>
+          <a:prstGeom prst="rect">
+            <a:avLst/>
+          </a:prstGeom>
+        </p:spPr>
+      </p:pic>
+      <p:pic>
+        <p:nvPicPr>
+          <p:cNvPr id="55" name="그림 54" descr="갈색, 지상이(가) 표시된 사진&#10;&#10;자동 생성된 설명">
+            <a:extLst>
+              <a:ext uri="{FF2B5EF4-FFF2-40B4-BE49-F238E27FC236}">
+                <a16:creationId xmlns:a16="http://schemas.microsoft.com/office/drawing/2014/main" id="{2B7F7601-540C-AB23-B611-F6DDB17AB788}"/>
+              </a:ext>
+            </a:extLst>
+          </p:cNvPr>
+          <p:cNvPicPr>
+            <a:picLocks noChangeAspect="1"/>
+          </p:cNvPicPr>
+          <p:nvPr/>
+        </p:nvPicPr>
+        <p:blipFill>
+          <a:blip r:embed="rId2">
+            <a:extLst>
+              <a:ext uri="{28A0092B-C50C-407E-A947-70E740481C1C}">
+                <a14:useLocalDpi xmlns:a14="http://schemas.microsoft.com/office/drawing/2010/main" val="0"/>
+              </a:ext>
+            </a:extLst>
+          </a:blip>
+          <a:stretch>
+            <a:fillRect/>
+          </a:stretch>
+        </p:blipFill>
+        <p:spPr>
+          <a:xfrm>
+            <a:off x="3771991" y="951256"/>
+            <a:ext cx="952500" cy="952500"/>
+          </a:xfrm>
+          <a:prstGeom prst="rect">
+            <a:avLst/>
+          </a:prstGeom>
+        </p:spPr>
+      </p:pic>
+      <p:pic>
+        <p:nvPicPr>
+          <p:cNvPr id="59" name="그림 58" descr="일렉트릭 블루, 블루, 마조렐 블루, 스크린샷이(가) 표시된 사진&#10;&#10;자동 생성된 설명">
+            <a:extLst>
+              <a:ext uri="{FF2B5EF4-FFF2-40B4-BE49-F238E27FC236}">
+                <a16:creationId xmlns:a16="http://schemas.microsoft.com/office/drawing/2014/main" id="{49114B5D-F04F-B1E4-0FC2-A80B6578AA0C}"/>
+              </a:ext>
+            </a:extLst>
+          </p:cNvPr>
+          <p:cNvPicPr>
+            <a:picLocks noChangeAspect="1"/>
+          </p:cNvPicPr>
+          <p:nvPr/>
+        </p:nvPicPr>
+        <p:blipFill>
+          <a:blip r:embed="rId5">
+            <a:extLst>
+              <a:ext uri="{28A0092B-C50C-407E-A947-70E740481C1C}">
+                <a14:useLocalDpi xmlns:a14="http://schemas.microsoft.com/office/drawing/2010/main" val="0"/>
+              </a:ext>
+            </a:extLst>
+          </a:blip>
+          <a:stretch>
+            <a:fillRect/>
+          </a:stretch>
+        </p:blipFill>
+        <p:spPr>
+          <a:xfrm>
+            <a:off x="2821780" y="951256"/>
+            <a:ext cx="952500" cy="952500"/>
           </a:xfrm>
           <a:prstGeom prst="rect">
             <a:avLst/>
@@ -29501,42 +29501,6 @@
       </p:pic>
       <p:pic>
         <p:nvPicPr>
-          <p:cNvPr id="38" name="그림 37">
-            <a:extLst>
-              <a:ext uri="{FF2B5EF4-FFF2-40B4-BE49-F238E27FC236}">
-                <a16:creationId xmlns:a16="http://schemas.microsoft.com/office/drawing/2014/main" id="{07ABA64A-54B5-F322-B270-CA03306FDDE3}"/>
-              </a:ext>
-            </a:extLst>
-          </p:cNvPr>
-          <p:cNvPicPr>
-            <a:picLocks noChangeAspect="1"/>
-          </p:cNvPicPr>
-          <p:nvPr/>
-        </p:nvPicPr>
-        <p:blipFill>
-          <a:blip r:embed="rId2">
-            <a:extLst>
-              <a:ext uri="{28A0092B-C50C-407E-A947-70E740481C1C}">
-                <a14:useLocalDpi xmlns:a14="http://schemas.microsoft.com/office/drawing/2010/main" val="0"/>
-              </a:ext>
-            </a:extLst>
-          </a:blip>
-          <a:stretch>
-            <a:fillRect/>
-          </a:stretch>
-        </p:blipFill>
-        <p:spPr>
-          <a:xfrm>
-            <a:off x="1895474" y="1905000"/>
-            <a:ext cx="952500" cy="952500"/>
-          </a:xfrm>
-          <a:prstGeom prst="rect">
-            <a:avLst/>
-          </a:prstGeom>
-        </p:spPr>
-      </p:pic>
-      <p:pic>
-        <p:nvPicPr>
           <p:cNvPr id="39" name="그림 38">
             <a:extLst>
               <a:ext uri="{FF2B5EF4-FFF2-40B4-BE49-F238E27FC236}">
@@ -29609,42 +29573,6 @@
       </p:pic>
       <p:pic>
         <p:nvPicPr>
-          <p:cNvPr id="41" name="그림 40">
-            <a:extLst>
-              <a:ext uri="{FF2B5EF4-FFF2-40B4-BE49-F238E27FC236}">
-                <a16:creationId xmlns:a16="http://schemas.microsoft.com/office/drawing/2014/main" id="{9EA0C427-4FC0-478C-8A9E-E65BFDEB1C10}"/>
-              </a:ext>
-            </a:extLst>
-          </p:cNvPr>
-          <p:cNvPicPr>
-            <a:picLocks noChangeAspect="1"/>
-          </p:cNvPicPr>
-          <p:nvPr/>
-        </p:nvPicPr>
-        <p:blipFill>
-          <a:blip r:embed="rId2">
-            <a:extLst>
-              <a:ext uri="{28A0092B-C50C-407E-A947-70E740481C1C}">
-                <a14:useLocalDpi xmlns:a14="http://schemas.microsoft.com/office/drawing/2010/main" val="0"/>
-              </a:ext>
-            </a:extLst>
-          </a:blip>
-          <a:stretch>
-            <a:fillRect/>
-          </a:stretch>
-        </p:blipFill>
-        <p:spPr>
-          <a:xfrm>
-            <a:off x="4725698" y="1905000"/>
-            <a:ext cx="952500" cy="952500"/>
-          </a:xfrm>
-          <a:prstGeom prst="rect">
-            <a:avLst/>
-          </a:prstGeom>
-        </p:spPr>
-      </p:pic>
-      <p:pic>
-        <p:nvPicPr>
           <p:cNvPr id="42" name="그림 41">
             <a:extLst>
               <a:ext uri="{FF2B5EF4-FFF2-40B4-BE49-F238E27FC236}">
@@ -29672,42 +29600,6 @@
         <p:spPr>
           <a:xfrm>
             <a:off x="5677116" y="1905000"/>
-            <a:ext cx="952500" cy="952500"/>
-          </a:xfrm>
-          <a:prstGeom prst="rect">
-            <a:avLst/>
-          </a:prstGeom>
-        </p:spPr>
-      </p:pic>
-      <p:pic>
-        <p:nvPicPr>
-          <p:cNvPr id="43" name="그림 42">
-            <a:extLst>
-              <a:ext uri="{FF2B5EF4-FFF2-40B4-BE49-F238E27FC236}">
-                <a16:creationId xmlns:a16="http://schemas.microsoft.com/office/drawing/2014/main" id="{AF697016-2097-3F92-4DB2-15A23674189C}"/>
-              </a:ext>
-            </a:extLst>
-          </p:cNvPr>
-          <p:cNvPicPr>
-            <a:picLocks noChangeAspect="1"/>
-          </p:cNvPicPr>
-          <p:nvPr/>
-        </p:nvPicPr>
-        <p:blipFill>
-          <a:blip r:embed="rId2">
-            <a:extLst>
-              <a:ext uri="{28A0092B-C50C-407E-A947-70E740481C1C}">
-                <a14:useLocalDpi xmlns:a14="http://schemas.microsoft.com/office/drawing/2010/main" val="0"/>
-              </a:ext>
-            </a:extLst>
-          </a:blip>
-          <a:stretch>
-            <a:fillRect/>
-          </a:stretch>
-        </p:blipFill>
-        <p:spPr>
-          <a:xfrm>
-            <a:off x="6627559" y="1905000"/>
             <a:ext cx="952500" cy="952500"/>
           </a:xfrm>
           <a:prstGeom prst="rect">
@@ -31409,10 +31301,10 @@
       </p:pic>
       <p:pic>
         <p:nvPicPr>
-          <p:cNvPr id="108" name="그림 107" descr="클립아트이(가) 표시된 사진&#10;&#10;자동 생성된 설명">
-            <a:extLst>
-              <a:ext uri="{FF2B5EF4-FFF2-40B4-BE49-F238E27FC236}">
-                <a16:creationId xmlns:a16="http://schemas.microsoft.com/office/drawing/2014/main" id="{31D27405-54F1-6ACE-B867-8804FAFEAE76}"/>
+          <p:cNvPr id="12" name="그림 11" descr="클립아트, 예술, 일러스트레이션, 만화 영화이(가) 표시된 사진&#10;&#10;자동 생성된 설명">
+            <a:extLst>
+              <a:ext uri="{FF2B5EF4-FFF2-40B4-BE49-F238E27FC236}">
+                <a16:creationId xmlns:a16="http://schemas.microsoft.com/office/drawing/2014/main" id="{E97C86FF-E2EA-F2A6-E8EC-A1EE1826E487}"/>
               </a:ext>
             </a:extLst>
           </p:cNvPr>
@@ -31423,42 +31315,6 @@
         </p:nvPicPr>
         <p:blipFill>
           <a:blip r:embed="rId6">
-            <a:extLst>
-              <a:ext uri="{28A0092B-C50C-407E-A947-70E740481C1C}">
-                <a14:useLocalDpi xmlns:a14="http://schemas.microsoft.com/office/drawing/2010/main" val="0"/>
-              </a:ext>
-            </a:extLst>
-          </a:blip>
-          <a:stretch>
-            <a:fillRect/>
-          </a:stretch>
-        </p:blipFill>
-        <p:spPr>
-          <a:xfrm>
-            <a:off x="-24623" y="1904801"/>
-            <a:ext cx="952633" cy="952633"/>
-          </a:xfrm>
-          <a:prstGeom prst="rect">
-            <a:avLst/>
-          </a:prstGeom>
-        </p:spPr>
-      </p:pic>
-      <p:pic>
-        <p:nvPicPr>
-          <p:cNvPr id="12" name="그림 11" descr="클립아트, 예술, 일러스트레이션, 만화 영화이(가) 표시된 사진&#10;&#10;자동 생성된 설명">
-            <a:extLst>
-              <a:ext uri="{FF2B5EF4-FFF2-40B4-BE49-F238E27FC236}">
-                <a16:creationId xmlns:a16="http://schemas.microsoft.com/office/drawing/2014/main" id="{E97C86FF-E2EA-F2A6-E8EC-A1EE1826E487}"/>
-              </a:ext>
-            </a:extLst>
-          </p:cNvPr>
-          <p:cNvPicPr>
-            <a:picLocks noChangeAspect="1"/>
-          </p:cNvPicPr>
-          <p:nvPr/>
-        </p:nvPicPr>
-        <p:blipFill>
-          <a:blip r:embed="rId7">
             <a:extLst>
               <a:ext uri="{28A0092B-C50C-407E-A947-70E740481C1C}">
                 <a14:useLocalDpi xmlns:a14="http://schemas.microsoft.com/office/drawing/2010/main" val="0"/>
@@ -31566,7 +31422,7 @@
           <p:nvPr/>
         </p:nvPicPr>
         <p:blipFill>
-          <a:blip r:embed="rId6">
+          <a:blip r:embed="rId7">
             <a:extLst>
               <a:ext uri="{28A0092B-C50C-407E-A947-70E740481C1C}">
                 <a14:useLocalDpi xmlns:a14="http://schemas.microsoft.com/office/drawing/2010/main" val="0"/>
@@ -31818,7 +31674,7 @@
           <p:nvPr/>
         </p:nvPicPr>
         <p:blipFill>
-          <a:blip r:embed="rId7">
+          <a:blip r:embed="rId6">
             <a:extLst>
               <a:ext uri="{28A0092B-C50C-407E-A947-70E740481C1C}">
                 <a14:useLocalDpi xmlns:a14="http://schemas.microsoft.com/office/drawing/2010/main" val="0"/>
@@ -31854,7 +31710,7 @@
           <p:nvPr/>
         </p:nvPicPr>
         <p:blipFill>
-          <a:blip r:embed="rId7">
+          <a:blip r:embed="rId6">
             <a:extLst>
               <a:ext uri="{28A0092B-C50C-407E-A947-70E740481C1C}">
                 <a14:useLocalDpi xmlns:a14="http://schemas.microsoft.com/office/drawing/2010/main" val="0"/>
@@ -31905,6 +31761,150 @@
           <a:xfrm>
             <a:off x="2824598" y="5715000"/>
             <a:ext cx="952500" cy="952500"/>
+          </a:xfrm>
+          <a:prstGeom prst="rect">
+            <a:avLst/>
+          </a:prstGeom>
+        </p:spPr>
+      </p:pic>
+      <p:pic>
+        <p:nvPicPr>
+          <p:cNvPr id="14" name="그림 13" descr="클립아트이(가) 표시된 사진&#10;&#10;자동 생성된 설명">
+            <a:extLst>
+              <a:ext uri="{FF2B5EF4-FFF2-40B4-BE49-F238E27FC236}">
+                <a16:creationId xmlns:a16="http://schemas.microsoft.com/office/drawing/2014/main" id="{CB469263-2A61-CE97-E7A9-99C54E1CA226}"/>
+              </a:ext>
+            </a:extLst>
+          </p:cNvPr>
+          <p:cNvPicPr>
+            <a:picLocks noChangeAspect="1"/>
+          </p:cNvPicPr>
+          <p:nvPr/>
+        </p:nvPicPr>
+        <p:blipFill>
+          <a:blip r:embed="rId7">
+            <a:extLst>
+              <a:ext uri="{28A0092B-C50C-407E-A947-70E740481C1C}">
+                <a14:useLocalDpi xmlns:a14="http://schemas.microsoft.com/office/drawing/2010/main" val="0"/>
+              </a:ext>
+            </a:extLst>
+          </a:blip>
+          <a:stretch>
+            <a:fillRect/>
+          </a:stretch>
+        </p:blipFill>
+        <p:spPr>
+          <a:xfrm>
+            <a:off x="1899804" y="1888970"/>
+            <a:ext cx="952633" cy="952633"/>
+          </a:xfrm>
+          <a:prstGeom prst="rect">
+            <a:avLst/>
+          </a:prstGeom>
+        </p:spPr>
+      </p:pic>
+      <p:pic>
+        <p:nvPicPr>
+          <p:cNvPr id="28" name="그림 27" descr="갈색, 지상이(가) 표시된 사진&#10;&#10;자동 생성된 설명">
+            <a:extLst>
+              <a:ext uri="{FF2B5EF4-FFF2-40B4-BE49-F238E27FC236}">
+                <a16:creationId xmlns:a16="http://schemas.microsoft.com/office/drawing/2014/main" id="{3BCDBD0C-D0EB-7A6A-5BA3-FCD793F3FB19}"/>
+              </a:ext>
+            </a:extLst>
+          </p:cNvPr>
+          <p:cNvPicPr>
+            <a:picLocks noChangeAspect="1"/>
+          </p:cNvPicPr>
+          <p:nvPr/>
+        </p:nvPicPr>
+        <p:blipFill>
+          <a:blip r:embed="rId2">
+            <a:extLst>
+              <a:ext uri="{28A0092B-C50C-407E-A947-70E740481C1C}">
+                <a14:useLocalDpi xmlns:a14="http://schemas.microsoft.com/office/drawing/2010/main" val="0"/>
+              </a:ext>
+            </a:extLst>
+          </a:blip>
+          <a:stretch>
+            <a:fillRect/>
+          </a:stretch>
+        </p:blipFill>
+        <p:spPr>
+          <a:xfrm>
+            <a:off x="-1" y="1883597"/>
+            <a:ext cx="952500" cy="952500"/>
+          </a:xfrm>
+          <a:prstGeom prst="rect">
+            <a:avLst/>
+          </a:prstGeom>
+        </p:spPr>
+      </p:pic>
+      <p:pic>
+        <p:nvPicPr>
+          <p:cNvPr id="32" name="그림 31" descr="일렉트릭 블루, 블루, 마조렐 블루, 스크린샷이(가) 표시된 사진&#10;&#10;자동 생성된 설명">
+            <a:extLst>
+              <a:ext uri="{FF2B5EF4-FFF2-40B4-BE49-F238E27FC236}">
+                <a16:creationId xmlns:a16="http://schemas.microsoft.com/office/drawing/2014/main" id="{F253EC60-1D18-E263-D8A3-CCE318471AAE}"/>
+              </a:ext>
+            </a:extLst>
+          </p:cNvPr>
+          <p:cNvPicPr>
+            <a:picLocks noChangeAspect="1"/>
+          </p:cNvPicPr>
+          <p:nvPr/>
+        </p:nvPicPr>
+        <p:blipFill>
+          <a:blip r:embed="rId4">
+            <a:extLst>
+              <a:ext uri="{28A0092B-C50C-407E-A947-70E740481C1C}">
+                <a14:useLocalDpi xmlns:a14="http://schemas.microsoft.com/office/drawing/2010/main" val="0"/>
+              </a:ext>
+            </a:extLst>
+          </a:blip>
+          <a:stretch>
+            <a:fillRect/>
+          </a:stretch>
+        </p:blipFill>
+        <p:spPr>
+          <a:xfrm>
+            <a:off x="4746411" y="1889994"/>
+            <a:ext cx="952500" cy="999034"/>
+          </a:xfrm>
+          <a:prstGeom prst="rect">
+            <a:avLst/>
+          </a:prstGeom>
+        </p:spPr>
+      </p:pic>
+      <p:pic>
+        <p:nvPicPr>
+          <p:cNvPr id="49" name="그림 48" descr="일렉트릭 블루, 블루, 마조렐 블루, 스크린샷이(가) 표시된 사진&#10;&#10;자동 생성된 설명">
+            <a:extLst>
+              <a:ext uri="{FF2B5EF4-FFF2-40B4-BE49-F238E27FC236}">
+                <a16:creationId xmlns:a16="http://schemas.microsoft.com/office/drawing/2014/main" id="{473F0AE7-9997-A34C-DEB6-6355F963F467}"/>
+              </a:ext>
+            </a:extLst>
+          </p:cNvPr>
+          <p:cNvPicPr>
+            <a:picLocks noChangeAspect="1"/>
+          </p:cNvPicPr>
+          <p:nvPr/>
+        </p:nvPicPr>
+        <p:blipFill>
+          <a:blip r:embed="rId4">
+            <a:extLst>
+              <a:ext uri="{28A0092B-C50C-407E-A947-70E740481C1C}">
+                <a14:useLocalDpi xmlns:a14="http://schemas.microsoft.com/office/drawing/2010/main" val="0"/>
+              </a:ext>
+            </a:extLst>
+          </a:blip>
+          <a:stretch>
+            <a:fillRect/>
+          </a:stretch>
+        </p:blipFill>
+        <p:spPr>
+          <a:xfrm>
+            <a:off x="6627705" y="1889993"/>
+            <a:ext cx="952500" cy="999035"/>
           </a:xfrm>
           <a:prstGeom prst="rect">
             <a:avLst/>
@@ -32411,42 +32411,6 @@
       </p:pic>
       <p:pic>
         <p:nvPicPr>
-          <p:cNvPr id="25" name="그림 24">
-            <a:extLst>
-              <a:ext uri="{FF2B5EF4-FFF2-40B4-BE49-F238E27FC236}">
-                <a16:creationId xmlns:a16="http://schemas.microsoft.com/office/drawing/2014/main" id="{094DC5BB-25C1-3DF7-1B06-D9329525F543}"/>
-              </a:ext>
-            </a:extLst>
-          </p:cNvPr>
-          <p:cNvPicPr>
-            <a:picLocks noChangeAspect="1"/>
-          </p:cNvPicPr>
-          <p:nvPr/>
-        </p:nvPicPr>
-        <p:blipFill>
-          <a:blip r:embed="rId2">
-            <a:extLst>
-              <a:ext uri="{28A0092B-C50C-407E-A947-70E740481C1C}">
-                <a14:useLocalDpi xmlns:a14="http://schemas.microsoft.com/office/drawing/2010/main" val="0"/>
-              </a:ext>
-            </a:extLst>
-          </a:blip>
-          <a:stretch>
-            <a:fillRect/>
-          </a:stretch>
-        </p:blipFill>
-        <p:spPr>
-          <a:xfrm>
-            <a:off x="940377" y="952500"/>
-            <a:ext cx="952500" cy="952500"/>
-          </a:xfrm>
-          <a:prstGeom prst="rect">
-            <a:avLst/>
-          </a:prstGeom>
-        </p:spPr>
-      </p:pic>
-      <p:pic>
-        <p:nvPicPr>
           <p:cNvPr id="27" name="그림 26">
             <a:extLst>
               <a:ext uri="{FF2B5EF4-FFF2-40B4-BE49-F238E27FC236}">
@@ -32843,42 +32807,6 @@
       </p:pic>
       <p:pic>
         <p:nvPicPr>
-          <p:cNvPr id="45" name="그림 44">
-            <a:extLst>
-              <a:ext uri="{FF2B5EF4-FFF2-40B4-BE49-F238E27FC236}">
-                <a16:creationId xmlns:a16="http://schemas.microsoft.com/office/drawing/2014/main" id="{694BD0A5-4B0B-5C28-8E4F-6E5D323816EF}"/>
-              </a:ext>
-            </a:extLst>
-          </p:cNvPr>
-          <p:cNvPicPr>
-            <a:picLocks noChangeAspect="1"/>
-          </p:cNvPicPr>
-          <p:nvPr/>
-        </p:nvPicPr>
-        <p:blipFill>
-          <a:blip r:embed="rId2">
-            <a:extLst>
-              <a:ext uri="{28A0092B-C50C-407E-A947-70E740481C1C}">
-                <a14:useLocalDpi xmlns:a14="http://schemas.microsoft.com/office/drawing/2010/main" val="0"/>
-              </a:ext>
-            </a:extLst>
-          </a:blip>
-          <a:stretch>
-            <a:fillRect/>
-          </a:stretch>
-        </p:blipFill>
-        <p:spPr>
-          <a:xfrm>
-            <a:off x="8497111" y="1905000"/>
-            <a:ext cx="952500" cy="952500"/>
-          </a:xfrm>
-          <a:prstGeom prst="rect">
-            <a:avLst/>
-          </a:prstGeom>
-        </p:spPr>
-      </p:pic>
-      <p:pic>
-        <p:nvPicPr>
           <p:cNvPr id="46" name="그림 45">
             <a:extLst>
               <a:ext uri="{FF2B5EF4-FFF2-40B4-BE49-F238E27FC236}">
@@ -33131,42 +33059,6 @@
       </p:pic>
       <p:pic>
         <p:nvPicPr>
-          <p:cNvPr id="64" name="그림 63">
-            <a:extLst>
-              <a:ext uri="{FF2B5EF4-FFF2-40B4-BE49-F238E27FC236}">
-                <a16:creationId xmlns:a16="http://schemas.microsoft.com/office/drawing/2014/main" id="{32ACDC04-58D4-60E1-B1A7-93ED10DC3516}"/>
-              </a:ext>
-            </a:extLst>
-          </p:cNvPr>
-          <p:cNvPicPr>
-            <a:picLocks noChangeAspect="1"/>
-          </p:cNvPicPr>
-          <p:nvPr/>
-        </p:nvPicPr>
-        <p:blipFill>
-          <a:blip r:embed="rId2">
-            <a:extLst>
-              <a:ext uri="{28A0092B-C50C-407E-A947-70E740481C1C}">
-                <a14:useLocalDpi xmlns:a14="http://schemas.microsoft.com/office/drawing/2010/main" val="0"/>
-              </a:ext>
-            </a:extLst>
-          </a:blip>
-          <a:stretch>
-            <a:fillRect/>
-          </a:stretch>
-        </p:blipFill>
-        <p:spPr>
-          <a:xfrm>
-            <a:off x="1878914" y="3810000"/>
-            <a:ext cx="952500" cy="952500"/>
-          </a:xfrm>
-          <a:prstGeom prst="rect">
-            <a:avLst/>
-          </a:prstGeom>
-        </p:spPr>
-      </p:pic>
-      <p:pic>
-        <p:nvPicPr>
           <p:cNvPr id="66" name="그림 65">
             <a:extLst>
               <a:ext uri="{FF2B5EF4-FFF2-40B4-BE49-F238E27FC236}">
@@ -33302,42 +33194,6 @@
         <p:spPr>
           <a:xfrm>
             <a:off x="9432070" y="3810000"/>
-            <a:ext cx="952500" cy="952500"/>
-          </a:xfrm>
-          <a:prstGeom prst="rect">
-            <a:avLst/>
-          </a:prstGeom>
-        </p:spPr>
-      </p:pic>
-      <p:pic>
-        <p:nvPicPr>
-          <p:cNvPr id="73" name="그림 72">
-            <a:extLst>
-              <a:ext uri="{FF2B5EF4-FFF2-40B4-BE49-F238E27FC236}">
-                <a16:creationId xmlns:a16="http://schemas.microsoft.com/office/drawing/2014/main" id="{421B0FFE-2BB8-D266-833E-B3ED6F20275F}"/>
-              </a:ext>
-            </a:extLst>
-          </p:cNvPr>
-          <p:cNvPicPr>
-            <a:picLocks noChangeAspect="1"/>
-          </p:cNvPicPr>
-          <p:nvPr/>
-        </p:nvPicPr>
-        <p:blipFill>
-          <a:blip r:embed="rId2">
-            <a:extLst>
-              <a:ext uri="{28A0092B-C50C-407E-A947-70E740481C1C}">
-                <a14:useLocalDpi xmlns:a14="http://schemas.microsoft.com/office/drawing/2010/main" val="0"/>
-              </a:ext>
-            </a:extLst>
-          </a:blip>
-          <a:stretch>
-            <a:fillRect/>
-          </a:stretch>
-        </p:blipFill>
-        <p:spPr>
-          <a:xfrm>
-            <a:off x="10377236" y="3810000"/>
             <a:ext cx="952500" cy="952500"/>
           </a:xfrm>
           <a:prstGeom prst="rect">
@@ -33779,42 +33635,6 @@
       </p:pic>
       <p:pic>
         <p:nvPicPr>
-          <p:cNvPr id="97" name="그림 96">
-            <a:extLst>
-              <a:ext uri="{FF2B5EF4-FFF2-40B4-BE49-F238E27FC236}">
-                <a16:creationId xmlns:a16="http://schemas.microsoft.com/office/drawing/2014/main" id="{EE8833BF-497A-1B2C-E4DC-22E9EB755423}"/>
-              </a:ext>
-            </a:extLst>
-          </p:cNvPr>
-          <p:cNvPicPr>
-            <a:picLocks noChangeAspect="1"/>
-          </p:cNvPicPr>
-          <p:nvPr/>
-        </p:nvPicPr>
-        <p:blipFill>
-          <a:blip r:embed="rId2">
-            <a:extLst>
-              <a:ext uri="{28A0092B-C50C-407E-A947-70E740481C1C}">
-                <a14:useLocalDpi xmlns:a14="http://schemas.microsoft.com/office/drawing/2010/main" val="0"/>
-              </a:ext>
-            </a:extLst>
-          </a:blip>
-          <a:stretch>
-            <a:fillRect/>
-          </a:stretch>
-        </p:blipFill>
-        <p:spPr>
-          <a:xfrm>
-            <a:off x="8495408" y="5715000"/>
-            <a:ext cx="952500" cy="952500"/>
-          </a:xfrm>
-          <a:prstGeom prst="rect">
-            <a:avLst/>
-          </a:prstGeom>
-        </p:spPr>
-      </p:pic>
-      <p:pic>
-        <p:nvPicPr>
           <p:cNvPr id="98" name="그림 97">
             <a:extLst>
               <a:ext uri="{FF2B5EF4-FFF2-40B4-BE49-F238E27FC236}">
@@ -34021,7 +33841,7 @@
         </p:blipFill>
         <p:spPr>
           <a:xfrm>
-            <a:off x="4697697" y="5709630"/>
+            <a:off x="5631872" y="5720370"/>
             <a:ext cx="3810000" cy="952500"/>
           </a:xfrm>
           <a:prstGeom prst="rect">
@@ -34139,10 +33959,10 @@
       </p:pic>
       <p:pic>
         <p:nvPicPr>
-          <p:cNvPr id="106" name="그림 105" descr="일렉트릭 블루, 블루, 마조렐 블루, 스크린샷이(가) 표시된 사진&#10;&#10;자동 생성된 설명">
-            <a:extLst>
-              <a:ext uri="{FF2B5EF4-FFF2-40B4-BE49-F238E27FC236}">
-                <a16:creationId xmlns:a16="http://schemas.microsoft.com/office/drawing/2014/main" id="{B3109138-1E69-073A-7FF0-BF29CB337401}"/>
+          <p:cNvPr id="110" name="그림 109" descr="일렉트릭 블루, 블루, 마조렐 블루, 스크린샷이(가) 표시된 사진&#10;&#10;자동 생성된 설명">
+            <a:extLst>
+              <a:ext uri="{FF2B5EF4-FFF2-40B4-BE49-F238E27FC236}">
+                <a16:creationId xmlns:a16="http://schemas.microsoft.com/office/drawing/2014/main" id="{8B17053D-8345-EC00-93EE-3A3496D3C531}"/>
               </a:ext>
             </a:extLst>
           </p:cNvPr>
@@ -34165,20 +33985,20 @@
         </p:blipFill>
         <p:spPr>
           <a:xfrm>
-            <a:off x="935147" y="4762500"/>
-            <a:ext cx="952500" cy="952500"/>
-          </a:xfrm>
-          <a:prstGeom prst="rect">
-            <a:avLst/>
-          </a:prstGeom>
-        </p:spPr>
-      </p:pic>
-      <p:pic>
-        <p:nvPicPr>
-          <p:cNvPr id="110" name="그림 109" descr="일렉트릭 블루, 블루, 마조렐 블루, 스크린샷이(가) 표시된 사진&#10;&#10;자동 생성된 설명">
-            <a:extLst>
-              <a:ext uri="{FF2B5EF4-FFF2-40B4-BE49-F238E27FC236}">
-                <a16:creationId xmlns:a16="http://schemas.microsoft.com/office/drawing/2014/main" id="{8B17053D-8345-EC00-93EE-3A3496D3C531}"/>
+            <a:off x="942935" y="1905000"/>
+            <a:ext cx="952500" cy="952500"/>
+          </a:xfrm>
+          <a:prstGeom prst="rect">
+            <a:avLst/>
+          </a:prstGeom>
+        </p:spPr>
+      </p:pic>
+      <p:pic>
+        <p:nvPicPr>
+          <p:cNvPr id="116" name="그림 115" descr="일렉트릭 블루, 블루, 마조렐 블루, 스크린샷이(가) 표시된 사진&#10;&#10;자동 생성된 설명">
+            <a:extLst>
+              <a:ext uri="{FF2B5EF4-FFF2-40B4-BE49-F238E27FC236}">
+                <a16:creationId xmlns:a16="http://schemas.microsoft.com/office/drawing/2014/main" id="{4689E3B9-C9A9-C651-93BD-2A9389F0CD06}"/>
               </a:ext>
             </a:extLst>
           </p:cNvPr>
@@ -34201,20 +34021,20 @@
         </p:blipFill>
         <p:spPr>
           <a:xfrm>
-            <a:off x="942935" y="1905000"/>
-            <a:ext cx="952500" cy="952500"/>
-          </a:xfrm>
-          <a:prstGeom prst="rect">
-            <a:avLst/>
-          </a:prstGeom>
-        </p:spPr>
-      </p:pic>
-      <p:pic>
-        <p:nvPicPr>
-          <p:cNvPr id="112" name="그림 111" descr="클립아트이(가) 표시된 사진&#10;&#10;자동 생성된 설명">
-            <a:extLst>
-              <a:ext uri="{FF2B5EF4-FFF2-40B4-BE49-F238E27FC236}">
-                <a16:creationId xmlns:a16="http://schemas.microsoft.com/office/drawing/2014/main" id="{1D584461-8A1F-DB71-A827-24C3B5BB23F0}"/>
+            <a:off x="10368732" y="4762500"/>
+            <a:ext cx="952500" cy="952500"/>
+          </a:xfrm>
+          <a:prstGeom prst="rect">
+            <a:avLst/>
+          </a:prstGeom>
+        </p:spPr>
+      </p:pic>
+      <p:pic>
+        <p:nvPicPr>
+          <p:cNvPr id="118" name="그림 117" descr="그레이, 패브릭이(가) 표시된 사진&#10;&#10;자동 생성된 설명">
+            <a:extLst>
+              <a:ext uri="{FF2B5EF4-FFF2-40B4-BE49-F238E27FC236}">
+                <a16:creationId xmlns:a16="http://schemas.microsoft.com/office/drawing/2014/main" id="{A5D4D1BD-8260-7786-DB49-69630CFD512A}"/>
               </a:ext>
             </a:extLst>
           </p:cNvPr>
@@ -34237,114 +34057,6 @@
         </p:blipFill>
         <p:spPr>
           <a:xfrm>
-            <a:off x="0" y="2857301"/>
-            <a:ext cx="952633" cy="952633"/>
-          </a:xfrm>
-          <a:prstGeom prst="rect">
-            <a:avLst/>
-          </a:prstGeom>
-        </p:spPr>
-      </p:pic>
-      <p:pic>
-        <p:nvPicPr>
-          <p:cNvPr id="114" name="그림 113" descr="일렉트릭 블루, 블루, 마조렐 블루, 스크린샷이(가) 표시된 사진&#10;&#10;자동 생성된 설명">
-            <a:extLst>
-              <a:ext uri="{FF2B5EF4-FFF2-40B4-BE49-F238E27FC236}">
-                <a16:creationId xmlns:a16="http://schemas.microsoft.com/office/drawing/2014/main" id="{888E3B0D-FE8F-C5BE-353F-DBCAF799F3DD}"/>
-              </a:ext>
-            </a:extLst>
-          </p:cNvPr>
-          <p:cNvPicPr>
-            <a:picLocks noChangeAspect="1"/>
-          </p:cNvPicPr>
-          <p:nvPr/>
-        </p:nvPicPr>
-        <p:blipFill>
-          <a:blip r:embed="rId5">
-            <a:extLst>
-              <a:ext uri="{28A0092B-C50C-407E-A947-70E740481C1C}">
-                <a14:useLocalDpi xmlns:a14="http://schemas.microsoft.com/office/drawing/2010/main" val="0"/>
-              </a:ext>
-            </a:extLst>
-          </a:blip>
-          <a:stretch>
-            <a:fillRect/>
-          </a:stretch>
-        </p:blipFill>
-        <p:spPr>
-          <a:xfrm>
-            <a:off x="9413461" y="4762500"/>
-            <a:ext cx="952500" cy="952500"/>
-          </a:xfrm>
-          <a:prstGeom prst="rect">
-            <a:avLst/>
-          </a:prstGeom>
-        </p:spPr>
-      </p:pic>
-      <p:pic>
-        <p:nvPicPr>
-          <p:cNvPr id="116" name="그림 115" descr="일렉트릭 블루, 블루, 마조렐 블루, 스크린샷이(가) 표시된 사진&#10;&#10;자동 생성된 설명">
-            <a:extLst>
-              <a:ext uri="{FF2B5EF4-FFF2-40B4-BE49-F238E27FC236}">
-                <a16:creationId xmlns:a16="http://schemas.microsoft.com/office/drawing/2014/main" id="{4689E3B9-C9A9-C651-93BD-2A9389F0CD06}"/>
-              </a:ext>
-            </a:extLst>
-          </p:cNvPr>
-          <p:cNvPicPr>
-            <a:picLocks noChangeAspect="1"/>
-          </p:cNvPicPr>
-          <p:nvPr/>
-        </p:nvPicPr>
-        <p:blipFill>
-          <a:blip r:embed="rId5">
-            <a:extLst>
-              <a:ext uri="{28A0092B-C50C-407E-A947-70E740481C1C}">
-                <a14:useLocalDpi xmlns:a14="http://schemas.microsoft.com/office/drawing/2010/main" val="0"/>
-              </a:ext>
-            </a:extLst>
-          </a:blip>
-          <a:stretch>
-            <a:fillRect/>
-          </a:stretch>
-        </p:blipFill>
-        <p:spPr>
-          <a:xfrm>
-            <a:off x="10368732" y="4762500"/>
-            <a:ext cx="952500" cy="952500"/>
-          </a:xfrm>
-          <a:prstGeom prst="rect">
-            <a:avLst/>
-          </a:prstGeom>
-        </p:spPr>
-      </p:pic>
-      <p:pic>
-        <p:nvPicPr>
-          <p:cNvPr id="118" name="그림 117" descr="그레이, 패브릭이(가) 표시된 사진&#10;&#10;자동 생성된 설명">
-            <a:extLst>
-              <a:ext uri="{FF2B5EF4-FFF2-40B4-BE49-F238E27FC236}">
-                <a16:creationId xmlns:a16="http://schemas.microsoft.com/office/drawing/2014/main" id="{A5D4D1BD-8260-7786-DB49-69630CFD512A}"/>
-              </a:ext>
-            </a:extLst>
-          </p:cNvPr>
-          <p:cNvPicPr>
-            <a:picLocks noChangeAspect="1"/>
-          </p:cNvPicPr>
-          <p:nvPr/>
-        </p:nvPicPr>
-        <p:blipFill>
-          <a:blip r:embed="rId7">
-            <a:extLst>
-              <a:ext uri="{28A0092B-C50C-407E-A947-70E740481C1C}">
-                <a14:useLocalDpi xmlns:a14="http://schemas.microsoft.com/office/drawing/2010/main" val="0"/>
-              </a:ext>
-            </a:extLst>
-          </a:blip>
-          <a:stretch>
-            <a:fillRect/>
-          </a:stretch>
-        </p:blipFill>
-        <p:spPr>
-          <a:xfrm>
             <a:off x="11334344" y="2857301"/>
             <a:ext cx="952500" cy="952500"/>
           </a:xfrm>
@@ -34368,7 +34080,7 @@
           <p:nvPr/>
         </p:nvPicPr>
         <p:blipFill>
-          <a:blip r:embed="rId7">
+          <a:blip r:embed="rId6">
             <a:extLst>
               <a:ext uri="{28A0092B-C50C-407E-A947-70E740481C1C}">
                 <a14:useLocalDpi xmlns:a14="http://schemas.microsoft.com/office/drawing/2010/main" val="0"/>
@@ -34427,10 +34139,154 @@
       </p:pic>
       <p:pic>
         <p:nvPicPr>
-          <p:cNvPr id="126" name="그림 125" descr="클립아트이(가) 표시된 사진&#10;&#10;자동 생성된 설명">
-            <a:extLst>
-              <a:ext uri="{FF2B5EF4-FFF2-40B4-BE49-F238E27FC236}">
-                <a16:creationId xmlns:a16="http://schemas.microsoft.com/office/drawing/2014/main" id="{6F12ABA0-F042-1E57-F5CC-F4362B7CAD07}"/>
+          <p:cNvPr id="128" name="그림 127" descr="일렉트릭 블루, 블루, 마조렐 블루, 스크린샷이(가) 표시된 사진&#10;&#10;자동 생성된 설명">
+            <a:extLst>
+              <a:ext uri="{FF2B5EF4-FFF2-40B4-BE49-F238E27FC236}">
+                <a16:creationId xmlns:a16="http://schemas.microsoft.com/office/drawing/2014/main" id="{8937AD30-7648-4076-591D-5630DBEAB13B}"/>
+              </a:ext>
+            </a:extLst>
+          </p:cNvPr>
+          <p:cNvPicPr>
+            <a:picLocks noChangeAspect="1"/>
+          </p:cNvPicPr>
+          <p:nvPr/>
+        </p:nvPicPr>
+        <p:blipFill>
+          <a:blip r:embed="rId5">
+            <a:extLst>
+              <a:ext uri="{28A0092B-C50C-407E-A947-70E740481C1C}">
+                <a14:useLocalDpi xmlns:a14="http://schemas.microsoft.com/office/drawing/2010/main" val="0"/>
+              </a:ext>
+            </a:extLst>
+          </a:blip>
+          <a:stretch>
+            <a:fillRect/>
+          </a:stretch>
+        </p:blipFill>
+        <p:spPr>
+          <a:xfrm>
+            <a:off x="6597052" y="3807315"/>
+            <a:ext cx="952500" cy="952500"/>
+          </a:xfrm>
+          <a:prstGeom prst="rect">
+            <a:avLst/>
+          </a:prstGeom>
+        </p:spPr>
+      </p:pic>
+      <p:pic>
+        <p:nvPicPr>
+          <p:cNvPr id="130" name="그림 129" descr="일렉트릭 블루, 블루, 마조렐 블루, 스크린샷이(가) 표시된 사진&#10;&#10;자동 생성된 설명">
+            <a:extLst>
+              <a:ext uri="{FF2B5EF4-FFF2-40B4-BE49-F238E27FC236}">
+                <a16:creationId xmlns:a16="http://schemas.microsoft.com/office/drawing/2014/main" id="{7A04484C-0E9A-E1D0-5569-22EEE033CD1E}"/>
+              </a:ext>
+            </a:extLst>
+          </p:cNvPr>
+          <p:cNvPicPr>
+            <a:picLocks noChangeAspect="1"/>
+          </p:cNvPicPr>
+          <p:nvPr/>
+        </p:nvPicPr>
+        <p:blipFill>
+          <a:blip r:embed="rId5">
+            <a:extLst>
+              <a:ext uri="{28A0092B-C50C-407E-A947-70E740481C1C}">
+                <a14:useLocalDpi xmlns:a14="http://schemas.microsoft.com/office/drawing/2010/main" val="0"/>
+              </a:ext>
+            </a:extLst>
+          </a:blip>
+          <a:stretch>
+            <a:fillRect/>
+          </a:stretch>
+        </p:blipFill>
+        <p:spPr>
+          <a:xfrm>
+            <a:off x="9443289" y="2854815"/>
+            <a:ext cx="952500" cy="952500"/>
+          </a:xfrm>
+          <a:prstGeom prst="rect">
+            <a:avLst/>
+          </a:prstGeom>
+        </p:spPr>
+      </p:pic>
+      <p:pic>
+        <p:nvPicPr>
+          <p:cNvPr id="132" name="그림 131" descr="일렉트릭 블루, 블루, 마조렐 블루, 스크린샷이(가) 표시된 사진&#10;&#10;자동 생성된 설명">
+            <a:extLst>
+              <a:ext uri="{FF2B5EF4-FFF2-40B4-BE49-F238E27FC236}">
+                <a16:creationId xmlns:a16="http://schemas.microsoft.com/office/drawing/2014/main" id="{232ABDF5-9D59-C1B4-26DD-9270264C50C8}"/>
+              </a:ext>
+            </a:extLst>
+          </p:cNvPr>
+          <p:cNvPicPr>
+            <a:picLocks noChangeAspect="1"/>
+          </p:cNvPicPr>
+          <p:nvPr/>
+        </p:nvPicPr>
+        <p:blipFill>
+          <a:blip r:embed="rId5">
+            <a:extLst>
+              <a:ext uri="{28A0092B-C50C-407E-A947-70E740481C1C}">
+                <a14:useLocalDpi xmlns:a14="http://schemas.microsoft.com/office/drawing/2010/main" val="0"/>
+              </a:ext>
+            </a:extLst>
+          </a:blip>
+          <a:stretch>
+            <a:fillRect/>
+          </a:stretch>
+        </p:blipFill>
+        <p:spPr>
+          <a:xfrm>
+            <a:off x="1889177" y="957041"/>
+            <a:ext cx="952500" cy="952500"/>
+          </a:xfrm>
+          <a:prstGeom prst="rect">
+            <a:avLst/>
+          </a:prstGeom>
+        </p:spPr>
+      </p:pic>
+      <p:pic>
+        <p:nvPicPr>
+          <p:cNvPr id="134" name="그림 133" descr="일렉트릭 블루, 블루, 마조렐 블루, 스크린샷이(가) 표시된 사진&#10;&#10;자동 생성된 설명">
+            <a:extLst>
+              <a:ext uri="{FF2B5EF4-FFF2-40B4-BE49-F238E27FC236}">
+                <a16:creationId xmlns:a16="http://schemas.microsoft.com/office/drawing/2014/main" id="{79707ADB-D41D-C86A-1D43-CC9264D7C94C}"/>
+              </a:ext>
+            </a:extLst>
+          </p:cNvPr>
+          <p:cNvPicPr>
+            <a:picLocks noChangeAspect="1"/>
+          </p:cNvPicPr>
+          <p:nvPr/>
+        </p:nvPicPr>
+        <p:blipFill>
+          <a:blip r:embed="rId5">
+            <a:extLst>
+              <a:ext uri="{28A0092B-C50C-407E-A947-70E740481C1C}">
+                <a14:useLocalDpi xmlns:a14="http://schemas.microsoft.com/office/drawing/2010/main" val="0"/>
+              </a:ext>
+            </a:extLst>
+          </a:blip>
+          <a:stretch>
+            <a:fillRect/>
+          </a:stretch>
+        </p:blipFill>
+        <p:spPr>
+          <a:xfrm>
+            <a:off x="3770167" y="947959"/>
+            <a:ext cx="952500" cy="952500"/>
+          </a:xfrm>
+          <a:prstGeom prst="rect">
+            <a:avLst/>
+          </a:prstGeom>
+        </p:spPr>
+      </p:pic>
+      <p:pic>
+        <p:nvPicPr>
+          <p:cNvPr id="136" name="그림 135" descr="그레이, 패브릭이(가) 표시된 사진&#10;&#10;자동 생성된 설명">
+            <a:extLst>
+              <a:ext uri="{FF2B5EF4-FFF2-40B4-BE49-F238E27FC236}">
+                <a16:creationId xmlns:a16="http://schemas.microsoft.com/office/drawing/2014/main" id="{F97C7B0F-92C0-7A38-83F1-6FE15086FA38}"/>
               </a:ext>
             </a:extLst>
           </p:cNvPr>
@@ -34453,186 +34309,6 @@
         </p:blipFill>
         <p:spPr>
           <a:xfrm>
-            <a:off x="6627734" y="1903591"/>
-            <a:ext cx="952633" cy="952633"/>
-          </a:xfrm>
-          <a:prstGeom prst="rect">
-            <a:avLst/>
-          </a:prstGeom>
-        </p:spPr>
-      </p:pic>
-      <p:pic>
-        <p:nvPicPr>
-          <p:cNvPr id="128" name="그림 127" descr="일렉트릭 블루, 블루, 마조렐 블루, 스크린샷이(가) 표시된 사진&#10;&#10;자동 생성된 설명">
-            <a:extLst>
-              <a:ext uri="{FF2B5EF4-FFF2-40B4-BE49-F238E27FC236}">
-                <a16:creationId xmlns:a16="http://schemas.microsoft.com/office/drawing/2014/main" id="{8937AD30-7648-4076-591D-5630DBEAB13B}"/>
-              </a:ext>
-            </a:extLst>
-          </p:cNvPr>
-          <p:cNvPicPr>
-            <a:picLocks noChangeAspect="1"/>
-          </p:cNvPicPr>
-          <p:nvPr/>
-        </p:nvPicPr>
-        <p:blipFill>
-          <a:blip r:embed="rId5">
-            <a:extLst>
-              <a:ext uri="{28A0092B-C50C-407E-A947-70E740481C1C}">
-                <a14:useLocalDpi xmlns:a14="http://schemas.microsoft.com/office/drawing/2010/main" val="0"/>
-              </a:ext>
-            </a:extLst>
-          </a:blip>
-          <a:stretch>
-            <a:fillRect/>
-          </a:stretch>
-        </p:blipFill>
-        <p:spPr>
-          <a:xfrm>
-            <a:off x="6597052" y="3807315"/>
-            <a:ext cx="952500" cy="952500"/>
-          </a:xfrm>
-          <a:prstGeom prst="rect">
-            <a:avLst/>
-          </a:prstGeom>
-        </p:spPr>
-      </p:pic>
-      <p:pic>
-        <p:nvPicPr>
-          <p:cNvPr id="130" name="그림 129" descr="일렉트릭 블루, 블루, 마조렐 블루, 스크린샷이(가) 표시된 사진&#10;&#10;자동 생성된 설명">
-            <a:extLst>
-              <a:ext uri="{FF2B5EF4-FFF2-40B4-BE49-F238E27FC236}">
-                <a16:creationId xmlns:a16="http://schemas.microsoft.com/office/drawing/2014/main" id="{7A04484C-0E9A-E1D0-5569-22EEE033CD1E}"/>
-              </a:ext>
-            </a:extLst>
-          </p:cNvPr>
-          <p:cNvPicPr>
-            <a:picLocks noChangeAspect="1"/>
-          </p:cNvPicPr>
-          <p:nvPr/>
-        </p:nvPicPr>
-        <p:blipFill>
-          <a:blip r:embed="rId5">
-            <a:extLst>
-              <a:ext uri="{28A0092B-C50C-407E-A947-70E740481C1C}">
-                <a14:useLocalDpi xmlns:a14="http://schemas.microsoft.com/office/drawing/2010/main" val="0"/>
-              </a:ext>
-            </a:extLst>
-          </a:blip>
-          <a:stretch>
-            <a:fillRect/>
-          </a:stretch>
-        </p:blipFill>
-        <p:spPr>
-          <a:xfrm>
-            <a:off x="9443289" y="2854815"/>
-            <a:ext cx="952500" cy="952500"/>
-          </a:xfrm>
-          <a:prstGeom prst="rect">
-            <a:avLst/>
-          </a:prstGeom>
-        </p:spPr>
-      </p:pic>
-      <p:pic>
-        <p:nvPicPr>
-          <p:cNvPr id="132" name="그림 131" descr="일렉트릭 블루, 블루, 마조렐 블루, 스크린샷이(가) 표시된 사진&#10;&#10;자동 생성된 설명">
-            <a:extLst>
-              <a:ext uri="{FF2B5EF4-FFF2-40B4-BE49-F238E27FC236}">
-                <a16:creationId xmlns:a16="http://schemas.microsoft.com/office/drawing/2014/main" id="{232ABDF5-9D59-C1B4-26DD-9270264C50C8}"/>
-              </a:ext>
-            </a:extLst>
-          </p:cNvPr>
-          <p:cNvPicPr>
-            <a:picLocks noChangeAspect="1"/>
-          </p:cNvPicPr>
-          <p:nvPr/>
-        </p:nvPicPr>
-        <p:blipFill>
-          <a:blip r:embed="rId5">
-            <a:extLst>
-              <a:ext uri="{28A0092B-C50C-407E-A947-70E740481C1C}">
-                <a14:useLocalDpi xmlns:a14="http://schemas.microsoft.com/office/drawing/2010/main" val="0"/>
-              </a:ext>
-            </a:extLst>
-          </a:blip>
-          <a:stretch>
-            <a:fillRect/>
-          </a:stretch>
-        </p:blipFill>
-        <p:spPr>
-          <a:xfrm>
-            <a:off x="1889177" y="957041"/>
-            <a:ext cx="952500" cy="952500"/>
-          </a:xfrm>
-          <a:prstGeom prst="rect">
-            <a:avLst/>
-          </a:prstGeom>
-        </p:spPr>
-      </p:pic>
-      <p:pic>
-        <p:nvPicPr>
-          <p:cNvPr id="134" name="그림 133" descr="일렉트릭 블루, 블루, 마조렐 블루, 스크린샷이(가) 표시된 사진&#10;&#10;자동 생성된 설명">
-            <a:extLst>
-              <a:ext uri="{FF2B5EF4-FFF2-40B4-BE49-F238E27FC236}">
-                <a16:creationId xmlns:a16="http://schemas.microsoft.com/office/drawing/2014/main" id="{79707ADB-D41D-C86A-1D43-CC9264D7C94C}"/>
-              </a:ext>
-            </a:extLst>
-          </p:cNvPr>
-          <p:cNvPicPr>
-            <a:picLocks noChangeAspect="1"/>
-          </p:cNvPicPr>
-          <p:nvPr/>
-        </p:nvPicPr>
-        <p:blipFill>
-          <a:blip r:embed="rId5">
-            <a:extLst>
-              <a:ext uri="{28A0092B-C50C-407E-A947-70E740481C1C}">
-                <a14:useLocalDpi xmlns:a14="http://schemas.microsoft.com/office/drawing/2010/main" val="0"/>
-              </a:ext>
-            </a:extLst>
-          </a:blip>
-          <a:stretch>
-            <a:fillRect/>
-          </a:stretch>
-        </p:blipFill>
-        <p:spPr>
-          <a:xfrm>
-            <a:off x="3770167" y="947959"/>
-            <a:ext cx="952500" cy="952500"/>
-          </a:xfrm>
-          <a:prstGeom prst="rect">
-            <a:avLst/>
-          </a:prstGeom>
-        </p:spPr>
-      </p:pic>
-      <p:pic>
-        <p:nvPicPr>
-          <p:cNvPr id="136" name="그림 135" descr="그레이, 패브릭이(가) 표시된 사진&#10;&#10;자동 생성된 설명">
-            <a:extLst>
-              <a:ext uri="{FF2B5EF4-FFF2-40B4-BE49-F238E27FC236}">
-                <a16:creationId xmlns:a16="http://schemas.microsoft.com/office/drawing/2014/main" id="{F97C7B0F-92C0-7A38-83F1-6FE15086FA38}"/>
-              </a:ext>
-            </a:extLst>
-          </p:cNvPr>
-          <p:cNvPicPr>
-            <a:picLocks noChangeAspect="1"/>
-          </p:cNvPicPr>
-          <p:nvPr/>
-        </p:nvPicPr>
-        <p:blipFill>
-          <a:blip r:embed="rId7">
-            <a:extLst>
-              <a:ext uri="{28A0092B-C50C-407E-A947-70E740481C1C}">
-                <a14:useLocalDpi xmlns:a14="http://schemas.microsoft.com/office/drawing/2010/main" val="0"/>
-              </a:ext>
-            </a:extLst>
-          </a:blip>
-          <a:stretch>
-            <a:fillRect/>
-          </a:stretch>
-        </p:blipFill>
-        <p:spPr>
-          <a:xfrm>
             <a:off x="10388905" y="2854815"/>
             <a:ext cx="952500" cy="952500"/>
           </a:xfrm>
@@ -34656,7 +34332,7 @@
           <p:nvPr/>
         </p:nvPicPr>
         <p:blipFill>
-          <a:blip r:embed="rId7">
+          <a:blip r:embed="rId6">
             <a:extLst>
               <a:ext uri="{28A0092B-C50C-407E-A947-70E740481C1C}">
                 <a14:useLocalDpi xmlns:a14="http://schemas.microsoft.com/office/drawing/2010/main" val="0"/>
@@ -34692,7 +34368,7 @@
           <p:nvPr/>
         </p:nvPicPr>
         <p:blipFill>
-          <a:blip r:embed="rId7">
+          <a:blip r:embed="rId6">
             <a:extLst>
               <a:ext uri="{28A0092B-C50C-407E-A947-70E740481C1C}">
                 <a14:useLocalDpi xmlns:a14="http://schemas.microsoft.com/office/drawing/2010/main" val="0"/>
@@ -34800,7 +34476,7 @@
           <p:nvPr/>
         </p:nvPicPr>
         <p:blipFill>
-          <a:blip r:embed="rId6">
+          <a:blip r:embed="rId7">
             <a:extLst>
               <a:ext uri="{28A0092B-C50C-407E-A947-70E740481C1C}">
                 <a14:useLocalDpi xmlns:a14="http://schemas.microsoft.com/office/drawing/2010/main" val="0"/>
@@ -34886,6 +34562,330 @@
         <p:spPr>
           <a:xfrm>
             <a:off x="4716015" y="3815370"/>
+            <a:ext cx="952500" cy="952500"/>
+          </a:xfrm>
+          <a:prstGeom prst="rect">
+            <a:avLst/>
+          </a:prstGeom>
+        </p:spPr>
+      </p:pic>
+      <p:pic>
+        <p:nvPicPr>
+          <p:cNvPr id="14" name="그림 13" descr="갈색, 지상이(가) 표시된 사진&#10;&#10;자동 생성된 설명">
+            <a:extLst>
+              <a:ext uri="{FF2B5EF4-FFF2-40B4-BE49-F238E27FC236}">
+                <a16:creationId xmlns:a16="http://schemas.microsoft.com/office/drawing/2014/main" id="{B6B968E2-FD24-BFF2-54CC-454A29BCB53A}"/>
+              </a:ext>
+            </a:extLst>
+          </p:cNvPr>
+          <p:cNvPicPr>
+            <a:picLocks noChangeAspect="1"/>
+          </p:cNvPicPr>
+          <p:nvPr/>
+        </p:nvPicPr>
+        <p:blipFill>
+          <a:blip r:embed="rId2">
+            <a:extLst>
+              <a:ext uri="{28A0092B-C50C-407E-A947-70E740481C1C}">
+                <a14:useLocalDpi xmlns:a14="http://schemas.microsoft.com/office/drawing/2010/main" val="0"/>
+              </a:ext>
+            </a:extLst>
+          </a:blip>
+          <a:stretch>
+            <a:fillRect/>
+          </a:stretch>
+        </p:blipFill>
+        <p:spPr>
+          <a:xfrm>
+            <a:off x="6627972" y="1907685"/>
+            <a:ext cx="952500" cy="952500"/>
+          </a:xfrm>
+          <a:prstGeom prst="rect">
+            <a:avLst/>
+          </a:prstGeom>
+        </p:spPr>
+      </p:pic>
+      <p:pic>
+        <p:nvPicPr>
+          <p:cNvPr id="24" name="그림 23" descr="클립아트이(가) 표시된 사진&#10;&#10;자동 생성된 설명">
+            <a:extLst>
+              <a:ext uri="{FF2B5EF4-FFF2-40B4-BE49-F238E27FC236}">
+                <a16:creationId xmlns:a16="http://schemas.microsoft.com/office/drawing/2014/main" id="{4ADA6760-C8F3-8179-16DF-94C793D7E7AF}"/>
+              </a:ext>
+            </a:extLst>
+          </p:cNvPr>
+          <p:cNvPicPr>
+            <a:picLocks noChangeAspect="1"/>
+          </p:cNvPicPr>
+          <p:nvPr/>
+        </p:nvPicPr>
+        <p:blipFill>
+          <a:blip r:embed="rId7">
+            <a:extLst>
+              <a:ext uri="{28A0092B-C50C-407E-A947-70E740481C1C}">
+                <a14:useLocalDpi xmlns:a14="http://schemas.microsoft.com/office/drawing/2010/main" val="0"/>
+              </a:ext>
+            </a:extLst>
+          </a:blip>
+          <a:stretch>
+            <a:fillRect/>
+          </a:stretch>
+        </p:blipFill>
+        <p:spPr>
+          <a:xfrm>
+            <a:off x="8498080" y="1907619"/>
+            <a:ext cx="952633" cy="952633"/>
+          </a:xfrm>
+          <a:prstGeom prst="rect">
+            <a:avLst/>
+          </a:prstGeom>
+        </p:spPr>
+      </p:pic>
+      <p:pic>
+        <p:nvPicPr>
+          <p:cNvPr id="31" name="그림 30" descr="갈색, 지상이(가) 표시된 사진&#10;&#10;자동 생성된 설명">
+            <a:extLst>
+              <a:ext uri="{FF2B5EF4-FFF2-40B4-BE49-F238E27FC236}">
+                <a16:creationId xmlns:a16="http://schemas.microsoft.com/office/drawing/2014/main" id="{6E11B2CA-CE27-1E00-1FB0-7205C603B5D7}"/>
+              </a:ext>
+            </a:extLst>
+          </p:cNvPr>
+          <p:cNvPicPr>
+            <a:picLocks noChangeAspect="1"/>
+          </p:cNvPicPr>
+          <p:nvPr/>
+        </p:nvPicPr>
+        <p:blipFill>
+          <a:blip r:embed="rId2">
+            <a:extLst>
+              <a:ext uri="{28A0092B-C50C-407E-A947-70E740481C1C}">
+                <a14:useLocalDpi xmlns:a14="http://schemas.microsoft.com/office/drawing/2010/main" val="0"/>
+              </a:ext>
+            </a:extLst>
+          </a:blip>
+          <a:stretch>
+            <a:fillRect/>
+          </a:stretch>
+        </p:blipFill>
+        <p:spPr>
+          <a:xfrm>
+            <a:off x="-12093" y="2857301"/>
+            <a:ext cx="952500" cy="952500"/>
+          </a:xfrm>
+          <a:prstGeom prst="rect">
+            <a:avLst/>
+          </a:prstGeom>
+        </p:spPr>
+      </p:pic>
+      <p:pic>
+        <p:nvPicPr>
+          <p:cNvPr id="33" name="그림 32" descr="클립아트이(가) 표시된 사진&#10;&#10;자동 생성된 설명">
+            <a:extLst>
+              <a:ext uri="{FF2B5EF4-FFF2-40B4-BE49-F238E27FC236}">
+                <a16:creationId xmlns:a16="http://schemas.microsoft.com/office/drawing/2014/main" id="{8265879F-1E3D-B16B-56FC-B386859C4A77}"/>
+              </a:ext>
+            </a:extLst>
+          </p:cNvPr>
+          <p:cNvPicPr>
+            <a:picLocks noChangeAspect="1"/>
+          </p:cNvPicPr>
+          <p:nvPr/>
+        </p:nvPicPr>
+        <p:blipFill>
+          <a:blip r:embed="rId7">
+            <a:extLst>
+              <a:ext uri="{28A0092B-C50C-407E-A947-70E740481C1C}">
+                <a14:useLocalDpi xmlns:a14="http://schemas.microsoft.com/office/drawing/2010/main" val="0"/>
+              </a:ext>
+            </a:extLst>
+          </a:blip>
+          <a:stretch>
+            <a:fillRect/>
+          </a:stretch>
+        </p:blipFill>
+        <p:spPr>
+          <a:xfrm>
+            <a:off x="913396" y="945854"/>
+            <a:ext cx="952633" cy="952633"/>
+          </a:xfrm>
+          <a:prstGeom prst="rect">
+            <a:avLst/>
+          </a:prstGeom>
+        </p:spPr>
+      </p:pic>
+      <p:pic>
+        <p:nvPicPr>
+          <p:cNvPr id="37" name="그림 36" descr="갈색, 지상이(가) 표시된 사진&#10;&#10;자동 생성된 설명">
+            <a:extLst>
+              <a:ext uri="{FF2B5EF4-FFF2-40B4-BE49-F238E27FC236}">
+                <a16:creationId xmlns:a16="http://schemas.microsoft.com/office/drawing/2014/main" id="{297800FC-2335-E11E-661C-02CDBA565A69}"/>
+              </a:ext>
+            </a:extLst>
+          </p:cNvPr>
+          <p:cNvPicPr>
+            <a:picLocks noChangeAspect="1"/>
+          </p:cNvPicPr>
+          <p:nvPr/>
+        </p:nvPicPr>
+        <p:blipFill>
+          <a:blip r:embed="rId2">
+            <a:extLst>
+              <a:ext uri="{28A0092B-C50C-407E-A947-70E740481C1C}">
+                <a14:useLocalDpi xmlns:a14="http://schemas.microsoft.com/office/drawing/2010/main" val="0"/>
+              </a:ext>
+            </a:extLst>
+          </a:blip>
+          <a:stretch>
+            <a:fillRect/>
+          </a:stretch>
+        </p:blipFill>
+        <p:spPr>
+          <a:xfrm>
+            <a:off x="933867" y="4762500"/>
+            <a:ext cx="952500" cy="952500"/>
+          </a:xfrm>
+          <a:prstGeom prst="rect">
+            <a:avLst/>
+          </a:prstGeom>
+        </p:spPr>
+      </p:pic>
+      <p:pic>
+        <p:nvPicPr>
+          <p:cNvPr id="43" name="그림 42" descr="그레이, 패브릭이(가) 표시된 사진&#10;&#10;자동 생성된 설명">
+            <a:extLst>
+              <a:ext uri="{FF2B5EF4-FFF2-40B4-BE49-F238E27FC236}">
+                <a16:creationId xmlns:a16="http://schemas.microsoft.com/office/drawing/2014/main" id="{399A6C9E-A403-BFDB-AF4F-63C476945C4E}"/>
+              </a:ext>
+            </a:extLst>
+          </p:cNvPr>
+          <p:cNvPicPr>
+            <a:picLocks noChangeAspect="1"/>
+          </p:cNvPicPr>
+          <p:nvPr/>
+        </p:nvPicPr>
+        <p:blipFill>
+          <a:blip r:embed="rId6">
+            <a:extLst>
+              <a:ext uri="{28A0092B-C50C-407E-A947-70E740481C1C}">
+                <a14:useLocalDpi xmlns:a14="http://schemas.microsoft.com/office/drawing/2010/main" val="0"/>
+              </a:ext>
+            </a:extLst>
+          </a:blip>
+          <a:stretch>
+            <a:fillRect/>
+          </a:stretch>
+        </p:blipFill>
+        <p:spPr>
+          <a:xfrm>
+            <a:off x="1868743" y="3815370"/>
+            <a:ext cx="952500" cy="952500"/>
+          </a:xfrm>
+          <a:prstGeom prst="rect">
+            <a:avLst/>
+          </a:prstGeom>
+        </p:spPr>
+      </p:pic>
+      <p:pic>
+        <p:nvPicPr>
+          <p:cNvPr id="50" name="그림 49" descr="그레이, 패브릭이(가) 표시된 사진&#10;&#10;자동 생성된 설명">
+            <a:extLst>
+              <a:ext uri="{FF2B5EF4-FFF2-40B4-BE49-F238E27FC236}">
+                <a16:creationId xmlns:a16="http://schemas.microsoft.com/office/drawing/2014/main" id="{80D2F320-D9ED-3553-9EA6-A612F3E39F50}"/>
+              </a:ext>
+            </a:extLst>
+          </p:cNvPr>
+          <p:cNvPicPr>
+            <a:picLocks noChangeAspect="1"/>
+          </p:cNvPicPr>
+          <p:nvPr/>
+        </p:nvPicPr>
+        <p:blipFill>
+          <a:blip r:embed="rId6">
+            <a:extLst>
+              <a:ext uri="{28A0092B-C50C-407E-A947-70E740481C1C}">
+                <a14:useLocalDpi xmlns:a14="http://schemas.microsoft.com/office/drawing/2010/main" val="0"/>
+              </a:ext>
+            </a:extLst>
+          </a:blip>
+          <a:stretch>
+            <a:fillRect/>
+          </a:stretch>
+        </p:blipFill>
+        <p:spPr>
+          <a:xfrm>
+            <a:off x="10358930" y="3807315"/>
+            <a:ext cx="952500" cy="952500"/>
+          </a:xfrm>
+          <a:prstGeom prst="rect">
+            <a:avLst/>
+          </a:prstGeom>
+        </p:spPr>
+      </p:pic>
+      <p:pic>
+        <p:nvPicPr>
+          <p:cNvPr id="52" name="그림 51" descr="갈색, 지상이(가) 표시된 사진&#10;&#10;자동 생성된 설명">
+            <a:extLst>
+              <a:ext uri="{FF2B5EF4-FFF2-40B4-BE49-F238E27FC236}">
+                <a16:creationId xmlns:a16="http://schemas.microsoft.com/office/drawing/2014/main" id="{AD44E5BE-8F15-3EA2-A850-2E754122483A}"/>
+              </a:ext>
+            </a:extLst>
+          </p:cNvPr>
+          <p:cNvPicPr>
+            <a:picLocks noChangeAspect="1"/>
+          </p:cNvPicPr>
+          <p:nvPr/>
+        </p:nvPicPr>
+        <p:blipFill>
+          <a:blip r:embed="rId2">
+            <a:extLst>
+              <a:ext uri="{28A0092B-C50C-407E-A947-70E740481C1C}">
+                <a14:useLocalDpi xmlns:a14="http://schemas.microsoft.com/office/drawing/2010/main" val="0"/>
+              </a:ext>
+            </a:extLst>
+          </a:blip>
+          <a:stretch>
+            <a:fillRect/>
+          </a:stretch>
+        </p:blipFill>
+        <p:spPr>
+          <a:xfrm>
+            <a:off x="9411897" y="4759815"/>
+            <a:ext cx="952500" cy="952500"/>
+          </a:xfrm>
+          <a:prstGeom prst="rect">
+            <a:avLst/>
+          </a:prstGeom>
+        </p:spPr>
+      </p:pic>
+      <p:pic>
+        <p:nvPicPr>
+          <p:cNvPr id="54" name="그림 53" descr="갈색, 지상이(가) 표시된 사진&#10;&#10;자동 생성된 설명">
+            <a:extLst>
+              <a:ext uri="{FF2B5EF4-FFF2-40B4-BE49-F238E27FC236}">
+                <a16:creationId xmlns:a16="http://schemas.microsoft.com/office/drawing/2014/main" id="{06F3F9BD-26EB-F5B7-03E1-0F07C835D97F}"/>
+              </a:ext>
+            </a:extLst>
+          </p:cNvPr>
+          <p:cNvPicPr>
+            <a:picLocks noChangeAspect="1"/>
+          </p:cNvPicPr>
+          <p:nvPr/>
+        </p:nvPicPr>
+        <p:blipFill>
+          <a:blip r:embed="rId2">
+            <a:extLst>
+              <a:ext uri="{28A0092B-C50C-407E-A947-70E740481C1C}">
+                <a14:useLocalDpi xmlns:a14="http://schemas.microsoft.com/office/drawing/2010/main" val="0"/>
+              </a:ext>
+            </a:extLst>
+          </a:blip>
+          <a:stretch>
+            <a:fillRect/>
+          </a:stretch>
+        </p:blipFill>
+        <p:spPr>
+          <a:xfrm>
+            <a:off x="4725698" y="5695494"/>
             <a:ext cx="952500" cy="952500"/>
           </a:xfrm>
           <a:prstGeom prst="rect">
